--- a/Graphic Presentation.pptx
+++ b/Graphic Presentation.pptx
@@ -5,7 +5,7 @@
     <p:sldMasterId id="2147483648" r:id="rId1"/>
   </p:sldMasterIdLst>
   <p:notesMasterIdLst>
-    <p:notesMasterId r:id="rId39"/>
+    <p:notesMasterId r:id="rId40"/>
   </p:notesMasterIdLst>
   <p:sldIdLst>
     <p:sldId id="273" r:id="rId2"/>
@@ -45,6 +45,7 @@
     <p:sldId id="291" r:id="rId36"/>
     <p:sldId id="292" r:id="rId37"/>
     <p:sldId id="293" r:id="rId38"/>
+    <p:sldId id="294" r:id="rId39"/>
   </p:sldIdLst>
   <p:sldSz cx="12192000" cy="6858000"/>
   <p:notesSz cx="6858000" cy="9144000"/>
@@ -233,7 +234,7 @@
           <a:p>
             <a:fld id="{93FFD0A6-741C-4C59-A922-D8D610EF6968}" type="datetimeFigureOut">
               <a:rPr lang="zh-CN" altLang="en-US" smtClean="0"/>
-              <a:t>2022/9/30</a:t>
+              <a:t>2022/10/8</a:t>
             </a:fld>
             <a:endParaRPr lang="zh-CN" altLang="en-US"/>
           </a:p>
@@ -631,7 +632,7 @@
           <p:cNvPr id="2" name="标题 1">
             <a:extLst>
               <a:ext uri="{FF2B5EF4-FFF2-40B4-BE49-F238E27FC236}">
-                <a16:creationId xmlns="" xmlns:a16="http://schemas.microsoft.com/office/drawing/2014/main" id="{4C529C05-6993-E374-2DE2-7EC1B69BA1EE}"/>
+                <a16:creationId xmlns:a16="http://schemas.microsoft.com/office/drawing/2014/main" xmlns="" id="{4C529C05-6993-E374-2DE2-7EC1B69BA1EE}"/>
               </a:ext>
             </a:extLst>
           </p:cNvPr>
@@ -668,7 +669,7 @@
           <p:cNvPr id="3" name="副标题 2">
             <a:extLst>
               <a:ext uri="{FF2B5EF4-FFF2-40B4-BE49-F238E27FC236}">
-                <a16:creationId xmlns="" xmlns:a16="http://schemas.microsoft.com/office/drawing/2014/main" id="{8D685AB2-71E0-83AD-E648-EA31522F89AA}"/>
+                <a16:creationId xmlns:a16="http://schemas.microsoft.com/office/drawing/2014/main" xmlns="" id="{8D685AB2-71E0-83AD-E648-EA31522F89AA}"/>
               </a:ext>
             </a:extLst>
           </p:cNvPr>
@@ -738,7 +739,7 @@
           <p:cNvPr id="4" name="日期占位符 3">
             <a:extLst>
               <a:ext uri="{FF2B5EF4-FFF2-40B4-BE49-F238E27FC236}">
-                <a16:creationId xmlns="" xmlns:a16="http://schemas.microsoft.com/office/drawing/2014/main" id="{C45A1BBE-92AA-97BD-9EDC-AF0FF54A8CA6}"/>
+                <a16:creationId xmlns:a16="http://schemas.microsoft.com/office/drawing/2014/main" xmlns="" id="{C45A1BBE-92AA-97BD-9EDC-AF0FF54A8CA6}"/>
               </a:ext>
             </a:extLst>
           </p:cNvPr>
@@ -756,7 +757,7 @@
           <a:p>
             <a:fld id="{BA054789-EACE-4F0B-85CE-A0AE8F37913A}" type="datetimeFigureOut">
               <a:rPr lang="zh-CN" altLang="en-US" smtClean="0"/>
-              <a:t>2022/9/30</a:t>
+              <a:t>2022/10/8</a:t>
             </a:fld>
             <a:endParaRPr lang="zh-CN" altLang="en-US"/>
           </a:p>
@@ -767,7 +768,7 @@
           <p:cNvPr id="5" name="页脚占位符 4">
             <a:extLst>
               <a:ext uri="{FF2B5EF4-FFF2-40B4-BE49-F238E27FC236}">
-                <a16:creationId xmlns="" xmlns:a16="http://schemas.microsoft.com/office/drawing/2014/main" id="{E277CA1F-C9EC-9993-71F1-866A8154ED53}"/>
+                <a16:creationId xmlns:a16="http://schemas.microsoft.com/office/drawing/2014/main" xmlns="" id="{E277CA1F-C9EC-9993-71F1-866A8154ED53}"/>
               </a:ext>
             </a:extLst>
           </p:cNvPr>
@@ -792,7 +793,7 @@
           <p:cNvPr id="6" name="灯片编号占位符 5">
             <a:extLst>
               <a:ext uri="{FF2B5EF4-FFF2-40B4-BE49-F238E27FC236}">
-                <a16:creationId xmlns="" xmlns:a16="http://schemas.microsoft.com/office/drawing/2014/main" id="{0922099B-A7A5-E88B-B7B1-0425B195CADF}"/>
+                <a16:creationId xmlns:a16="http://schemas.microsoft.com/office/drawing/2014/main" xmlns="" id="{0922099B-A7A5-E88B-B7B1-0425B195CADF}"/>
               </a:ext>
             </a:extLst>
           </p:cNvPr>
@@ -851,7 +852,7 @@
           <p:cNvPr id="2" name="标题 1">
             <a:extLst>
               <a:ext uri="{FF2B5EF4-FFF2-40B4-BE49-F238E27FC236}">
-                <a16:creationId xmlns="" xmlns:a16="http://schemas.microsoft.com/office/drawing/2014/main" id="{4F5DFE4F-2322-BE5D-1ACB-D8FCEDC42378}"/>
+                <a16:creationId xmlns:a16="http://schemas.microsoft.com/office/drawing/2014/main" xmlns="" id="{4F5DFE4F-2322-BE5D-1ACB-D8FCEDC42378}"/>
               </a:ext>
             </a:extLst>
           </p:cNvPr>
@@ -879,7 +880,7 @@
           <p:cNvPr id="3" name="竖排文字占位符 2">
             <a:extLst>
               <a:ext uri="{FF2B5EF4-FFF2-40B4-BE49-F238E27FC236}">
-                <a16:creationId xmlns="" xmlns:a16="http://schemas.microsoft.com/office/drawing/2014/main" id="{8088D73B-E816-C321-246D-CD37EBC9C0AB}"/>
+                <a16:creationId xmlns:a16="http://schemas.microsoft.com/office/drawing/2014/main" xmlns="" id="{8088D73B-E816-C321-246D-CD37EBC9C0AB}"/>
               </a:ext>
             </a:extLst>
           </p:cNvPr>
@@ -936,7 +937,7 @@
           <p:cNvPr id="4" name="日期占位符 3">
             <a:extLst>
               <a:ext uri="{FF2B5EF4-FFF2-40B4-BE49-F238E27FC236}">
-                <a16:creationId xmlns="" xmlns:a16="http://schemas.microsoft.com/office/drawing/2014/main" id="{8DECFDC4-0E3F-9145-8C63-E9FFF453FFAB}"/>
+                <a16:creationId xmlns:a16="http://schemas.microsoft.com/office/drawing/2014/main" xmlns="" id="{8DECFDC4-0E3F-9145-8C63-E9FFF453FFAB}"/>
               </a:ext>
             </a:extLst>
           </p:cNvPr>
@@ -954,7 +955,7 @@
           <a:p>
             <a:fld id="{BA054789-EACE-4F0B-85CE-A0AE8F37913A}" type="datetimeFigureOut">
               <a:rPr lang="zh-CN" altLang="en-US" smtClean="0"/>
-              <a:t>2022/9/30</a:t>
+              <a:t>2022/10/8</a:t>
             </a:fld>
             <a:endParaRPr lang="zh-CN" altLang="en-US"/>
           </a:p>
@@ -965,7 +966,7 @@
           <p:cNvPr id="5" name="页脚占位符 4">
             <a:extLst>
               <a:ext uri="{FF2B5EF4-FFF2-40B4-BE49-F238E27FC236}">
-                <a16:creationId xmlns="" xmlns:a16="http://schemas.microsoft.com/office/drawing/2014/main" id="{A3D62DD7-5525-B4BA-AA03-25FF4C0403A6}"/>
+                <a16:creationId xmlns:a16="http://schemas.microsoft.com/office/drawing/2014/main" xmlns="" id="{A3D62DD7-5525-B4BA-AA03-25FF4C0403A6}"/>
               </a:ext>
             </a:extLst>
           </p:cNvPr>
@@ -990,7 +991,7 @@
           <p:cNvPr id="6" name="灯片编号占位符 5">
             <a:extLst>
               <a:ext uri="{FF2B5EF4-FFF2-40B4-BE49-F238E27FC236}">
-                <a16:creationId xmlns="" xmlns:a16="http://schemas.microsoft.com/office/drawing/2014/main" id="{98F7AC82-750A-6BA1-A70D-D2E8ED618DE1}"/>
+                <a16:creationId xmlns:a16="http://schemas.microsoft.com/office/drawing/2014/main" xmlns="" id="{98F7AC82-750A-6BA1-A70D-D2E8ED618DE1}"/>
               </a:ext>
             </a:extLst>
           </p:cNvPr>
@@ -1049,7 +1050,7 @@
           <p:cNvPr id="2" name="竖排标题 1">
             <a:extLst>
               <a:ext uri="{FF2B5EF4-FFF2-40B4-BE49-F238E27FC236}">
-                <a16:creationId xmlns="" xmlns:a16="http://schemas.microsoft.com/office/drawing/2014/main" id="{4CF83B1B-91B5-671F-A161-727C9B763214}"/>
+                <a16:creationId xmlns:a16="http://schemas.microsoft.com/office/drawing/2014/main" xmlns="" id="{4CF83B1B-91B5-671F-A161-727C9B763214}"/>
               </a:ext>
             </a:extLst>
           </p:cNvPr>
@@ -1082,7 +1083,7 @@
           <p:cNvPr id="3" name="竖排文字占位符 2">
             <a:extLst>
               <a:ext uri="{FF2B5EF4-FFF2-40B4-BE49-F238E27FC236}">
-                <a16:creationId xmlns="" xmlns:a16="http://schemas.microsoft.com/office/drawing/2014/main" id="{BB08FF4A-FB49-2B3B-B3D5-164AC935EAC3}"/>
+                <a16:creationId xmlns:a16="http://schemas.microsoft.com/office/drawing/2014/main" xmlns="" id="{BB08FF4A-FB49-2B3B-B3D5-164AC935EAC3}"/>
               </a:ext>
             </a:extLst>
           </p:cNvPr>
@@ -1144,7 +1145,7 @@
           <p:cNvPr id="4" name="日期占位符 3">
             <a:extLst>
               <a:ext uri="{FF2B5EF4-FFF2-40B4-BE49-F238E27FC236}">
-                <a16:creationId xmlns="" xmlns:a16="http://schemas.microsoft.com/office/drawing/2014/main" id="{7BB95ED0-C4BA-DCCD-2E70-7B800185D571}"/>
+                <a16:creationId xmlns:a16="http://schemas.microsoft.com/office/drawing/2014/main" xmlns="" id="{7BB95ED0-C4BA-DCCD-2E70-7B800185D571}"/>
               </a:ext>
             </a:extLst>
           </p:cNvPr>
@@ -1162,7 +1163,7 @@
           <a:p>
             <a:fld id="{BA054789-EACE-4F0B-85CE-A0AE8F37913A}" type="datetimeFigureOut">
               <a:rPr lang="zh-CN" altLang="en-US" smtClean="0"/>
-              <a:t>2022/9/30</a:t>
+              <a:t>2022/10/8</a:t>
             </a:fld>
             <a:endParaRPr lang="zh-CN" altLang="en-US"/>
           </a:p>
@@ -1173,7 +1174,7 @@
           <p:cNvPr id="5" name="页脚占位符 4">
             <a:extLst>
               <a:ext uri="{FF2B5EF4-FFF2-40B4-BE49-F238E27FC236}">
-                <a16:creationId xmlns="" xmlns:a16="http://schemas.microsoft.com/office/drawing/2014/main" id="{1BF31E75-820B-0F48-C8C2-00D1C17A0DE1}"/>
+                <a16:creationId xmlns:a16="http://schemas.microsoft.com/office/drawing/2014/main" xmlns="" id="{1BF31E75-820B-0F48-C8C2-00D1C17A0DE1}"/>
               </a:ext>
             </a:extLst>
           </p:cNvPr>
@@ -1198,7 +1199,7 @@
           <p:cNvPr id="6" name="灯片编号占位符 5">
             <a:extLst>
               <a:ext uri="{FF2B5EF4-FFF2-40B4-BE49-F238E27FC236}">
-                <a16:creationId xmlns="" xmlns:a16="http://schemas.microsoft.com/office/drawing/2014/main" id="{C44676BC-DB8F-6385-CCAA-24A642617E4C}"/>
+                <a16:creationId xmlns:a16="http://schemas.microsoft.com/office/drawing/2014/main" xmlns="" id="{C44676BC-DB8F-6385-CCAA-24A642617E4C}"/>
               </a:ext>
             </a:extLst>
           </p:cNvPr>
@@ -1616,7 +1617,7 @@
           <p:cNvPr id="2" name="标题 1">
             <a:extLst>
               <a:ext uri="{FF2B5EF4-FFF2-40B4-BE49-F238E27FC236}">
-                <a16:creationId xmlns="" xmlns:a16="http://schemas.microsoft.com/office/drawing/2014/main" id="{4A602A98-C390-5A43-8761-0489D4B42846}"/>
+                <a16:creationId xmlns:a16="http://schemas.microsoft.com/office/drawing/2014/main" xmlns="" id="{4A602A98-C390-5A43-8761-0489D4B42846}"/>
               </a:ext>
             </a:extLst>
           </p:cNvPr>
@@ -1644,7 +1645,7 @@
           <p:cNvPr id="3" name="内容占位符 2">
             <a:extLst>
               <a:ext uri="{FF2B5EF4-FFF2-40B4-BE49-F238E27FC236}">
-                <a16:creationId xmlns="" xmlns:a16="http://schemas.microsoft.com/office/drawing/2014/main" id="{11B58BD3-77FD-090F-EBEA-977F10D69F9C}"/>
+                <a16:creationId xmlns:a16="http://schemas.microsoft.com/office/drawing/2014/main" xmlns="" id="{11B58BD3-77FD-090F-EBEA-977F10D69F9C}"/>
               </a:ext>
             </a:extLst>
           </p:cNvPr>
@@ -1701,7 +1702,7 @@
           <p:cNvPr id="4" name="日期占位符 3">
             <a:extLst>
               <a:ext uri="{FF2B5EF4-FFF2-40B4-BE49-F238E27FC236}">
-                <a16:creationId xmlns="" xmlns:a16="http://schemas.microsoft.com/office/drawing/2014/main" id="{2F2888FE-0D56-D838-DDA2-9036767B7B83}"/>
+                <a16:creationId xmlns:a16="http://schemas.microsoft.com/office/drawing/2014/main" xmlns="" id="{2F2888FE-0D56-D838-DDA2-9036767B7B83}"/>
               </a:ext>
             </a:extLst>
           </p:cNvPr>
@@ -1719,7 +1720,7 @@
           <a:p>
             <a:fld id="{BA054789-EACE-4F0B-85CE-A0AE8F37913A}" type="datetimeFigureOut">
               <a:rPr lang="zh-CN" altLang="en-US" smtClean="0"/>
-              <a:t>2022/9/30</a:t>
+              <a:t>2022/10/8</a:t>
             </a:fld>
             <a:endParaRPr lang="zh-CN" altLang="en-US"/>
           </a:p>
@@ -1730,7 +1731,7 @@
           <p:cNvPr id="5" name="页脚占位符 4">
             <a:extLst>
               <a:ext uri="{FF2B5EF4-FFF2-40B4-BE49-F238E27FC236}">
-                <a16:creationId xmlns="" xmlns:a16="http://schemas.microsoft.com/office/drawing/2014/main" id="{C9C7A18B-7856-24E0-6F3C-CD298036521A}"/>
+                <a16:creationId xmlns:a16="http://schemas.microsoft.com/office/drawing/2014/main" xmlns="" id="{C9C7A18B-7856-24E0-6F3C-CD298036521A}"/>
               </a:ext>
             </a:extLst>
           </p:cNvPr>
@@ -1755,7 +1756,7 @@
           <p:cNvPr id="6" name="灯片编号占位符 5">
             <a:extLst>
               <a:ext uri="{FF2B5EF4-FFF2-40B4-BE49-F238E27FC236}">
-                <a16:creationId xmlns="" xmlns:a16="http://schemas.microsoft.com/office/drawing/2014/main" id="{FC863C35-49EE-AE1E-476A-2115AB2F951A}"/>
+                <a16:creationId xmlns:a16="http://schemas.microsoft.com/office/drawing/2014/main" xmlns="" id="{FC863C35-49EE-AE1E-476A-2115AB2F951A}"/>
               </a:ext>
             </a:extLst>
           </p:cNvPr>
@@ -1814,7 +1815,7 @@
           <p:cNvPr id="2" name="标题 1">
             <a:extLst>
               <a:ext uri="{FF2B5EF4-FFF2-40B4-BE49-F238E27FC236}">
-                <a16:creationId xmlns="" xmlns:a16="http://schemas.microsoft.com/office/drawing/2014/main" id="{866638DE-98B5-DDC3-B3F8-3E4400828480}"/>
+                <a16:creationId xmlns:a16="http://schemas.microsoft.com/office/drawing/2014/main" xmlns="" id="{866638DE-98B5-DDC3-B3F8-3E4400828480}"/>
               </a:ext>
             </a:extLst>
           </p:cNvPr>
@@ -1851,7 +1852,7 @@
           <p:cNvPr id="3" name="文本占位符 2">
             <a:extLst>
               <a:ext uri="{FF2B5EF4-FFF2-40B4-BE49-F238E27FC236}">
-                <a16:creationId xmlns="" xmlns:a16="http://schemas.microsoft.com/office/drawing/2014/main" id="{04B7A2A4-817D-77B2-4735-132E59CD17F6}"/>
+                <a16:creationId xmlns:a16="http://schemas.microsoft.com/office/drawing/2014/main" xmlns="" id="{04B7A2A4-817D-77B2-4735-132E59CD17F6}"/>
               </a:ext>
             </a:extLst>
           </p:cNvPr>
@@ -1976,7 +1977,7 @@
           <p:cNvPr id="4" name="日期占位符 3">
             <a:extLst>
               <a:ext uri="{FF2B5EF4-FFF2-40B4-BE49-F238E27FC236}">
-                <a16:creationId xmlns="" xmlns:a16="http://schemas.microsoft.com/office/drawing/2014/main" id="{183CA83E-8AFE-5A62-E830-EB8E09B4095F}"/>
+                <a16:creationId xmlns:a16="http://schemas.microsoft.com/office/drawing/2014/main" xmlns="" id="{183CA83E-8AFE-5A62-E830-EB8E09B4095F}"/>
               </a:ext>
             </a:extLst>
           </p:cNvPr>
@@ -1994,7 +1995,7 @@
           <a:p>
             <a:fld id="{BA054789-EACE-4F0B-85CE-A0AE8F37913A}" type="datetimeFigureOut">
               <a:rPr lang="zh-CN" altLang="en-US" smtClean="0"/>
-              <a:t>2022/9/30</a:t>
+              <a:t>2022/10/8</a:t>
             </a:fld>
             <a:endParaRPr lang="zh-CN" altLang="en-US"/>
           </a:p>
@@ -2005,7 +2006,7 @@
           <p:cNvPr id="5" name="页脚占位符 4">
             <a:extLst>
               <a:ext uri="{FF2B5EF4-FFF2-40B4-BE49-F238E27FC236}">
-                <a16:creationId xmlns="" xmlns:a16="http://schemas.microsoft.com/office/drawing/2014/main" id="{5F95EF5D-59A1-5AE4-9F96-B75770EE6C75}"/>
+                <a16:creationId xmlns:a16="http://schemas.microsoft.com/office/drawing/2014/main" xmlns="" id="{5F95EF5D-59A1-5AE4-9F96-B75770EE6C75}"/>
               </a:ext>
             </a:extLst>
           </p:cNvPr>
@@ -2030,7 +2031,7 @@
           <p:cNvPr id="6" name="灯片编号占位符 5">
             <a:extLst>
               <a:ext uri="{FF2B5EF4-FFF2-40B4-BE49-F238E27FC236}">
-                <a16:creationId xmlns="" xmlns:a16="http://schemas.microsoft.com/office/drawing/2014/main" id="{AEDD6E4D-49DA-3B43-D4CC-1D98B7AAFF66}"/>
+                <a16:creationId xmlns:a16="http://schemas.microsoft.com/office/drawing/2014/main" xmlns="" id="{AEDD6E4D-49DA-3B43-D4CC-1D98B7AAFF66}"/>
               </a:ext>
             </a:extLst>
           </p:cNvPr>
@@ -2089,7 +2090,7 @@
           <p:cNvPr id="2" name="标题 1">
             <a:extLst>
               <a:ext uri="{FF2B5EF4-FFF2-40B4-BE49-F238E27FC236}">
-                <a16:creationId xmlns="" xmlns:a16="http://schemas.microsoft.com/office/drawing/2014/main" id="{6143119A-5638-5FB3-124E-3B30981F030A}"/>
+                <a16:creationId xmlns:a16="http://schemas.microsoft.com/office/drawing/2014/main" xmlns="" id="{6143119A-5638-5FB3-124E-3B30981F030A}"/>
               </a:ext>
             </a:extLst>
           </p:cNvPr>
@@ -2117,7 +2118,7 @@
           <p:cNvPr id="3" name="内容占位符 2">
             <a:extLst>
               <a:ext uri="{FF2B5EF4-FFF2-40B4-BE49-F238E27FC236}">
-                <a16:creationId xmlns="" xmlns:a16="http://schemas.microsoft.com/office/drawing/2014/main" id="{C8F1DC48-C2D4-79DF-114F-EF5EEEBA4D3D}"/>
+                <a16:creationId xmlns:a16="http://schemas.microsoft.com/office/drawing/2014/main" xmlns="" id="{C8F1DC48-C2D4-79DF-114F-EF5EEEBA4D3D}"/>
               </a:ext>
             </a:extLst>
           </p:cNvPr>
@@ -2179,7 +2180,7 @@
           <p:cNvPr id="4" name="内容占位符 3">
             <a:extLst>
               <a:ext uri="{FF2B5EF4-FFF2-40B4-BE49-F238E27FC236}">
-                <a16:creationId xmlns="" xmlns:a16="http://schemas.microsoft.com/office/drawing/2014/main" id="{5163DEDF-28BC-F60D-FCBD-0D577102FE83}"/>
+                <a16:creationId xmlns:a16="http://schemas.microsoft.com/office/drawing/2014/main" xmlns="" id="{5163DEDF-28BC-F60D-FCBD-0D577102FE83}"/>
               </a:ext>
             </a:extLst>
           </p:cNvPr>
@@ -2241,7 +2242,7 @@
           <p:cNvPr id="5" name="日期占位符 4">
             <a:extLst>
               <a:ext uri="{FF2B5EF4-FFF2-40B4-BE49-F238E27FC236}">
-                <a16:creationId xmlns="" xmlns:a16="http://schemas.microsoft.com/office/drawing/2014/main" id="{11352899-B0A5-67BA-4F8C-A6BEB19057FD}"/>
+                <a16:creationId xmlns:a16="http://schemas.microsoft.com/office/drawing/2014/main" xmlns="" id="{11352899-B0A5-67BA-4F8C-A6BEB19057FD}"/>
               </a:ext>
             </a:extLst>
           </p:cNvPr>
@@ -2259,7 +2260,7 @@
           <a:p>
             <a:fld id="{BA054789-EACE-4F0B-85CE-A0AE8F37913A}" type="datetimeFigureOut">
               <a:rPr lang="zh-CN" altLang="en-US" smtClean="0"/>
-              <a:t>2022/9/30</a:t>
+              <a:t>2022/10/8</a:t>
             </a:fld>
             <a:endParaRPr lang="zh-CN" altLang="en-US"/>
           </a:p>
@@ -2270,7 +2271,7 @@
           <p:cNvPr id="6" name="页脚占位符 5">
             <a:extLst>
               <a:ext uri="{FF2B5EF4-FFF2-40B4-BE49-F238E27FC236}">
-                <a16:creationId xmlns="" xmlns:a16="http://schemas.microsoft.com/office/drawing/2014/main" id="{A584D1DB-F7D5-5108-37F7-B12451D4AF43}"/>
+                <a16:creationId xmlns:a16="http://schemas.microsoft.com/office/drawing/2014/main" xmlns="" id="{A584D1DB-F7D5-5108-37F7-B12451D4AF43}"/>
               </a:ext>
             </a:extLst>
           </p:cNvPr>
@@ -2295,7 +2296,7 @@
           <p:cNvPr id="7" name="灯片编号占位符 6">
             <a:extLst>
               <a:ext uri="{FF2B5EF4-FFF2-40B4-BE49-F238E27FC236}">
-                <a16:creationId xmlns="" xmlns:a16="http://schemas.microsoft.com/office/drawing/2014/main" id="{2294CAD5-9704-832D-2AB9-684703BF36C6}"/>
+                <a16:creationId xmlns:a16="http://schemas.microsoft.com/office/drawing/2014/main" xmlns="" id="{2294CAD5-9704-832D-2AB9-684703BF36C6}"/>
               </a:ext>
             </a:extLst>
           </p:cNvPr>
@@ -2354,7 +2355,7 @@
           <p:cNvPr id="2" name="标题 1">
             <a:extLst>
               <a:ext uri="{FF2B5EF4-FFF2-40B4-BE49-F238E27FC236}">
-                <a16:creationId xmlns="" xmlns:a16="http://schemas.microsoft.com/office/drawing/2014/main" id="{5553C342-6EA7-A319-ED9F-F3DED51AB856}"/>
+                <a16:creationId xmlns:a16="http://schemas.microsoft.com/office/drawing/2014/main" xmlns="" id="{5553C342-6EA7-A319-ED9F-F3DED51AB856}"/>
               </a:ext>
             </a:extLst>
           </p:cNvPr>
@@ -2387,7 +2388,7 @@
           <p:cNvPr id="3" name="文本占位符 2">
             <a:extLst>
               <a:ext uri="{FF2B5EF4-FFF2-40B4-BE49-F238E27FC236}">
-                <a16:creationId xmlns="" xmlns:a16="http://schemas.microsoft.com/office/drawing/2014/main" id="{2A2E5CEB-B13F-86C3-3E47-796F7F60D6CC}"/>
+                <a16:creationId xmlns:a16="http://schemas.microsoft.com/office/drawing/2014/main" xmlns="" id="{2A2E5CEB-B13F-86C3-3E47-796F7F60D6CC}"/>
               </a:ext>
             </a:extLst>
           </p:cNvPr>
@@ -2458,7 +2459,7 @@
           <p:cNvPr id="4" name="内容占位符 3">
             <a:extLst>
               <a:ext uri="{FF2B5EF4-FFF2-40B4-BE49-F238E27FC236}">
-                <a16:creationId xmlns="" xmlns:a16="http://schemas.microsoft.com/office/drawing/2014/main" id="{A54930F9-E0D4-D998-09A2-343AA1F96076}"/>
+                <a16:creationId xmlns:a16="http://schemas.microsoft.com/office/drawing/2014/main" xmlns="" id="{A54930F9-E0D4-D998-09A2-343AA1F96076}"/>
               </a:ext>
             </a:extLst>
           </p:cNvPr>
@@ -2520,7 +2521,7 @@
           <p:cNvPr id="5" name="文本占位符 4">
             <a:extLst>
               <a:ext uri="{FF2B5EF4-FFF2-40B4-BE49-F238E27FC236}">
-                <a16:creationId xmlns="" xmlns:a16="http://schemas.microsoft.com/office/drawing/2014/main" id="{B4B7359A-E8FC-E1A9-A896-A49ED9AF86F8}"/>
+                <a16:creationId xmlns:a16="http://schemas.microsoft.com/office/drawing/2014/main" xmlns="" id="{B4B7359A-E8FC-E1A9-A896-A49ED9AF86F8}"/>
               </a:ext>
             </a:extLst>
           </p:cNvPr>
@@ -2591,7 +2592,7 @@
           <p:cNvPr id="6" name="内容占位符 5">
             <a:extLst>
               <a:ext uri="{FF2B5EF4-FFF2-40B4-BE49-F238E27FC236}">
-                <a16:creationId xmlns="" xmlns:a16="http://schemas.microsoft.com/office/drawing/2014/main" id="{4E52EA2F-1B41-D541-9632-9493F9B51AB0}"/>
+                <a16:creationId xmlns:a16="http://schemas.microsoft.com/office/drawing/2014/main" xmlns="" id="{4E52EA2F-1B41-D541-9632-9493F9B51AB0}"/>
               </a:ext>
             </a:extLst>
           </p:cNvPr>
@@ -2653,7 +2654,7 @@
           <p:cNvPr id="7" name="日期占位符 6">
             <a:extLst>
               <a:ext uri="{FF2B5EF4-FFF2-40B4-BE49-F238E27FC236}">
-                <a16:creationId xmlns="" xmlns:a16="http://schemas.microsoft.com/office/drawing/2014/main" id="{F8E2D812-175D-022A-8677-7639CB1825D7}"/>
+                <a16:creationId xmlns:a16="http://schemas.microsoft.com/office/drawing/2014/main" xmlns="" id="{F8E2D812-175D-022A-8677-7639CB1825D7}"/>
               </a:ext>
             </a:extLst>
           </p:cNvPr>
@@ -2671,7 +2672,7 @@
           <a:p>
             <a:fld id="{BA054789-EACE-4F0B-85CE-A0AE8F37913A}" type="datetimeFigureOut">
               <a:rPr lang="zh-CN" altLang="en-US" smtClean="0"/>
-              <a:t>2022/9/30</a:t>
+              <a:t>2022/10/8</a:t>
             </a:fld>
             <a:endParaRPr lang="zh-CN" altLang="en-US"/>
           </a:p>
@@ -2682,7 +2683,7 @@
           <p:cNvPr id="8" name="页脚占位符 7">
             <a:extLst>
               <a:ext uri="{FF2B5EF4-FFF2-40B4-BE49-F238E27FC236}">
-                <a16:creationId xmlns="" xmlns:a16="http://schemas.microsoft.com/office/drawing/2014/main" id="{5E2441E0-E886-23FB-143C-558A79ACC5D8}"/>
+                <a16:creationId xmlns:a16="http://schemas.microsoft.com/office/drawing/2014/main" xmlns="" id="{5E2441E0-E886-23FB-143C-558A79ACC5D8}"/>
               </a:ext>
             </a:extLst>
           </p:cNvPr>
@@ -2707,7 +2708,7 @@
           <p:cNvPr id="9" name="灯片编号占位符 8">
             <a:extLst>
               <a:ext uri="{FF2B5EF4-FFF2-40B4-BE49-F238E27FC236}">
-                <a16:creationId xmlns="" xmlns:a16="http://schemas.microsoft.com/office/drawing/2014/main" id="{CDCA61B1-70E8-1169-875E-DB108C50E55C}"/>
+                <a16:creationId xmlns:a16="http://schemas.microsoft.com/office/drawing/2014/main" xmlns="" id="{CDCA61B1-70E8-1169-875E-DB108C50E55C}"/>
               </a:ext>
             </a:extLst>
           </p:cNvPr>
@@ -2766,7 +2767,7 @@
           <p:cNvPr id="2" name="标题 1">
             <a:extLst>
               <a:ext uri="{FF2B5EF4-FFF2-40B4-BE49-F238E27FC236}">
-                <a16:creationId xmlns="" xmlns:a16="http://schemas.microsoft.com/office/drawing/2014/main" id="{F44D1D6C-24E0-86EE-37DA-EDEDDC1CFD42}"/>
+                <a16:creationId xmlns:a16="http://schemas.microsoft.com/office/drawing/2014/main" xmlns="" id="{F44D1D6C-24E0-86EE-37DA-EDEDDC1CFD42}"/>
               </a:ext>
             </a:extLst>
           </p:cNvPr>
@@ -2794,7 +2795,7 @@
           <p:cNvPr id="3" name="日期占位符 2">
             <a:extLst>
               <a:ext uri="{FF2B5EF4-FFF2-40B4-BE49-F238E27FC236}">
-                <a16:creationId xmlns="" xmlns:a16="http://schemas.microsoft.com/office/drawing/2014/main" id="{452FC26A-E9FB-0541-86DB-AEEE5AAB387E}"/>
+                <a16:creationId xmlns:a16="http://schemas.microsoft.com/office/drawing/2014/main" xmlns="" id="{452FC26A-E9FB-0541-86DB-AEEE5AAB387E}"/>
               </a:ext>
             </a:extLst>
           </p:cNvPr>
@@ -2812,7 +2813,7 @@
           <a:p>
             <a:fld id="{BA054789-EACE-4F0B-85CE-A0AE8F37913A}" type="datetimeFigureOut">
               <a:rPr lang="zh-CN" altLang="en-US" smtClean="0"/>
-              <a:t>2022/9/30</a:t>
+              <a:t>2022/10/8</a:t>
             </a:fld>
             <a:endParaRPr lang="zh-CN" altLang="en-US"/>
           </a:p>
@@ -2823,7 +2824,7 @@
           <p:cNvPr id="4" name="页脚占位符 3">
             <a:extLst>
               <a:ext uri="{FF2B5EF4-FFF2-40B4-BE49-F238E27FC236}">
-                <a16:creationId xmlns="" xmlns:a16="http://schemas.microsoft.com/office/drawing/2014/main" id="{914BC86C-F2F8-3396-17AC-0735983760FC}"/>
+                <a16:creationId xmlns:a16="http://schemas.microsoft.com/office/drawing/2014/main" xmlns="" id="{914BC86C-F2F8-3396-17AC-0735983760FC}"/>
               </a:ext>
             </a:extLst>
           </p:cNvPr>
@@ -2848,7 +2849,7 @@
           <p:cNvPr id="5" name="灯片编号占位符 4">
             <a:extLst>
               <a:ext uri="{FF2B5EF4-FFF2-40B4-BE49-F238E27FC236}">
-                <a16:creationId xmlns="" xmlns:a16="http://schemas.microsoft.com/office/drawing/2014/main" id="{BCD46C41-5FA4-E5F8-0E00-98EC89530535}"/>
+                <a16:creationId xmlns:a16="http://schemas.microsoft.com/office/drawing/2014/main" xmlns="" id="{BCD46C41-5FA4-E5F8-0E00-98EC89530535}"/>
               </a:ext>
             </a:extLst>
           </p:cNvPr>
@@ -2907,7 +2908,7 @@
           <p:cNvPr id="2" name="日期占位符 1">
             <a:extLst>
               <a:ext uri="{FF2B5EF4-FFF2-40B4-BE49-F238E27FC236}">
-                <a16:creationId xmlns="" xmlns:a16="http://schemas.microsoft.com/office/drawing/2014/main" id="{987885F3-BC73-F95E-1CC2-95AD9AFC4550}"/>
+                <a16:creationId xmlns:a16="http://schemas.microsoft.com/office/drawing/2014/main" xmlns="" id="{987885F3-BC73-F95E-1CC2-95AD9AFC4550}"/>
               </a:ext>
             </a:extLst>
           </p:cNvPr>
@@ -2925,7 +2926,7 @@
           <a:p>
             <a:fld id="{BA054789-EACE-4F0B-85CE-A0AE8F37913A}" type="datetimeFigureOut">
               <a:rPr lang="zh-CN" altLang="en-US" smtClean="0"/>
-              <a:t>2022/9/30</a:t>
+              <a:t>2022/10/8</a:t>
             </a:fld>
             <a:endParaRPr lang="zh-CN" altLang="en-US"/>
           </a:p>
@@ -2936,7 +2937,7 @@
           <p:cNvPr id="3" name="页脚占位符 2">
             <a:extLst>
               <a:ext uri="{FF2B5EF4-FFF2-40B4-BE49-F238E27FC236}">
-                <a16:creationId xmlns="" xmlns:a16="http://schemas.microsoft.com/office/drawing/2014/main" id="{3A45F5EE-A519-0C1C-324D-67E058F91DDB}"/>
+                <a16:creationId xmlns:a16="http://schemas.microsoft.com/office/drawing/2014/main" xmlns="" id="{3A45F5EE-A519-0C1C-324D-67E058F91DDB}"/>
               </a:ext>
             </a:extLst>
           </p:cNvPr>
@@ -2961,7 +2962,7 @@
           <p:cNvPr id="4" name="灯片编号占位符 3">
             <a:extLst>
               <a:ext uri="{FF2B5EF4-FFF2-40B4-BE49-F238E27FC236}">
-                <a16:creationId xmlns="" xmlns:a16="http://schemas.microsoft.com/office/drawing/2014/main" id="{67EC8A15-FD0F-6449-C8C4-244D9A47FC09}"/>
+                <a16:creationId xmlns:a16="http://schemas.microsoft.com/office/drawing/2014/main" xmlns="" id="{67EC8A15-FD0F-6449-C8C4-244D9A47FC09}"/>
               </a:ext>
             </a:extLst>
           </p:cNvPr>
@@ -3020,7 +3021,7 @@
           <p:cNvPr id="2" name="标题 1">
             <a:extLst>
               <a:ext uri="{FF2B5EF4-FFF2-40B4-BE49-F238E27FC236}">
-                <a16:creationId xmlns="" xmlns:a16="http://schemas.microsoft.com/office/drawing/2014/main" id="{8207E91F-BEEE-171E-0131-6E86365BBE2D}"/>
+                <a16:creationId xmlns:a16="http://schemas.microsoft.com/office/drawing/2014/main" xmlns="" id="{8207E91F-BEEE-171E-0131-6E86365BBE2D}"/>
               </a:ext>
             </a:extLst>
           </p:cNvPr>
@@ -3057,7 +3058,7 @@
           <p:cNvPr id="3" name="内容占位符 2">
             <a:extLst>
               <a:ext uri="{FF2B5EF4-FFF2-40B4-BE49-F238E27FC236}">
-                <a16:creationId xmlns="" xmlns:a16="http://schemas.microsoft.com/office/drawing/2014/main" id="{224A1AFF-50FF-8C59-9840-606EB237D707}"/>
+                <a16:creationId xmlns:a16="http://schemas.microsoft.com/office/drawing/2014/main" xmlns="" id="{224A1AFF-50FF-8C59-9840-606EB237D707}"/>
               </a:ext>
             </a:extLst>
           </p:cNvPr>
@@ -3147,7 +3148,7 @@
           <p:cNvPr id="4" name="文本占位符 3">
             <a:extLst>
               <a:ext uri="{FF2B5EF4-FFF2-40B4-BE49-F238E27FC236}">
-                <a16:creationId xmlns="" xmlns:a16="http://schemas.microsoft.com/office/drawing/2014/main" id="{1918F8C3-484E-3A1E-8EA0-D9C66B071D46}"/>
+                <a16:creationId xmlns:a16="http://schemas.microsoft.com/office/drawing/2014/main" xmlns="" id="{1918F8C3-484E-3A1E-8EA0-D9C66B071D46}"/>
               </a:ext>
             </a:extLst>
           </p:cNvPr>
@@ -3218,7 +3219,7 @@
           <p:cNvPr id="5" name="日期占位符 4">
             <a:extLst>
               <a:ext uri="{FF2B5EF4-FFF2-40B4-BE49-F238E27FC236}">
-                <a16:creationId xmlns="" xmlns:a16="http://schemas.microsoft.com/office/drawing/2014/main" id="{6708E08C-E838-BC00-6EA5-3C80B9A0F2BF}"/>
+                <a16:creationId xmlns:a16="http://schemas.microsoft.com/office/drawing/2014/main" xmlns="" id="{6708E08C-E838-BC00-6EA5-3C80B9A0F2BF}"/>
               </a:ext>
             </a:extLst>
           </p:cNvPr>
@@ -3236,7 +3237,7 @@
           <a:p>
             <a:fld id="{BA054789-EACE-4F0B-85CE-A0AE8F37913A}" type="datetimeFigureOut">
               <a:rPr lang="zh-CN" altLang="en-US" smtClean="0"/>
-              <a:t>2022/9/30</a:t>
+              <a:t>2022/10/8</a:t>
             </a:fld>
             <a:endParaRPr lang="zh-CN" altLang="en-US"/>
           </a:p>
@@ -3247,7 +3248,7 @@
           <p:cNvPr id="6" name="页脚占位符 5">
             <a:extLst>
               <a:ext uri="{FF2B5EF4-FFF2-40B4-BE49-F238E27FC236}">
-                <a16:creationId xmlns="" xmlns:a16="http://schemas.microsoft.com/office/drawing/2014/main" id="{439DBC6E-FDA4-993F-86BA-68C9D9CBCDA2}"/>
+                <a16:creationId xmlns:a16="http://schemas.microsoft.com/office/drawing/2014/main" xmlns="" id="{439DBC6E-FDA4-993F-86BA-68C9D9CBCDA2}"/>
               </a:ext>
             </a:extLst>
           </p:cNvPr>
@@ -3272,7 +3273,7 @@
           <p:cNvPr id="7" name="灯片编号占位符 6">
             <a:extLst>
               <a:ext uri="{FF2B5EF4-FFF2-40B4-BE49-F238E27FC236}">
-                <a16:creationId xmlns="" xmlns:a16="http://schemas.microsoft.com/office/drawing/2014/main" id="{84AC5D80-1CD5-A607-8281-BC0454CACBD2}"/>
+                <a16:creationId xmlns:a16="http://schemas.microsoft.com/office/drawing/2014/main" xmlns="" id="{84AC5D80-1CD5-A607-8281-BC0454CACBD2}"/>
               </a:ext>
             </a:extLst>
           </p:cNvPr>
@@ -3331,7 +3332,7 @@
           <p:cNvPr id="2" name="标题 1">
             <a:extLst>
               <a:ext uri="{FF2B5EF4-FFF2-40B4-BE49-F238E27FC236}">
-                <a16:creationId xmlns="" xmlns:a16="http://schemas.microsoft.com/office/drawing/2014/main" id="{8B87A630-13E3-6038-F332-B3BE60484A0E}"/>
+                <a16:creationId xmlns:a16="http://schemas.microsoft.com/office/drawing/2014/main" xmlns="" id="{8B87A630-13E3-6038-F332-B3BE60484A0E}"/>
               </a:ext>
             </a:extLst>
           </p:cNvPr>
@@ -3368,7 +3369,7 @@
           <p:cNvPr id="3" name="图片占位符 2">
             <a:extLst>
               <a:ext uri="{FF2B5EF4-FFF2-40B4-BE49-F238E27FC236}">
-                <a16:creationId xmlns="" xmlns:a16="http://schemas.microsoft.com/office/drawing/2014/main" id="{B92BC7D3-D3C2-E338-1906-89EBC814D58E}"/>
+                <a16:creationId xmlns:a16="http://schemas.microsoft.com/office/drawing/2014/main" xmlns="" id="{B92BC7D3-D3C2-E338-1906-89EBC814D58E}"/>
               </a:ext>
             </a:extLst>
           </p:cNvPr>
@@ -3435,7 +3436,7 @@
           <p:cNvPr id="4" name="文本占位符 3">
             <a:extLst>
               <a:ext uri="{FF2B5EF4-FFF2-40B4-BE49-F238E27FC236}">
-                <a16:creationId xmlns="" xmlns:a16="http://schemas.microsoft.com/office/drawing/2014/main" id="{07545A6D-4664-4BEC-EE9E-A985A49BADC9}"/>
+                <a16:creationId xmlns:a16="http://schemas.microsoft.com/office/drawing/2014/main" xmlns="" id="{07545A6D-4664-4BEC-EE9E-A985A49BADC9}"/>
               </a:ext>
             </a:extLst>
           </p:cNvPr>
@@ -3506,7 +3507,7 @@
           <p:cNvPr id="5" name="日期占位符 4">
             <a:extLst>
               <a:ext uri="{FF2B5EF4-FFF2-40B4-BE49-F238E27FC236}">
-                <a16:creationId xmlns="" xmlns:a16="http://schemas.microsoft.com/office/drawing/2014/main" id="{7C4A4C3B-C39E-7F62-7D92-3CC1CB7AE956}"/>
+                <a16:creationId xmlns:a16="http://schemas.microsoft.com/office/drawing/2014/main" xmlns="" id="{7C4A4C3B-C39E-7F62-7D92-3CC1CB7AE956}"/>
               </a:ext>
             </a:extLst>
           </p:cNvPr>
@@ -3524,7 +3525,7 @@
           <a:p>
             <a:fld id="{BA054789-EACE-4F0B-85CE-A0AE8F37913A}" type="datetimeFigureOut">
               <a:rPr lang="zh-CN" altLang="en-US" smtClean="0"/>
-              <a:t>2022/9/30</a:t>
+              <a:t>2022/10/8</a:t>
             </a:fld>
             <a:endParaRPr lang="zh-CN" altLang="en-US"/>
           </a:p>
@@ -3535,7 +3536,7 @@
           <p:cNvPr id="6" name="页脚占位符 5">
             <a:extLst>
               <a:ext uri="{FF2B5EF4-FFF2-40B4-BE49-F238E27FC236}">
-                <a16:creationId xmlns="" xmlns:a16="http://schemas.microsoft.com/office/drawing/2014/main" id="{ABCA2129-E1A8-A9AB-72DB-E364A7654AE6}"/>
+                <a16:creationId xmlns:a16="http://schemas.microsoft.com/office/drawing/2014/main" xmlns="" id="{ABCA2129-E1A8-A9AB-72DB-E364A7654AE6}"/>
               </a:ext>
             </a:extLst>
           </p:cNvPr>
@@ -3560,7 +3561,7 @@
           <p:cNvPr id="7" name="灯片编号占位符 6">
             <a:extLst>
               <a:ext uri="{FF2B5EF4-FFF2-40B4-BE49-F238E27FC236}">
-                <a16:creationId xmlns="" xmlns:a16="http://schemas.microsoft.com/office/drawing/2014/main" id="{6890FD23-C4A5-BC02-595B-A819F72BEB9C}"/>
+                <a16:creationId xmlns:a16="http://schemas.microsoft.com/office/drawing/2014/main" xmlns="" id="{6890FD23-C4A5-BC02-595B-A819F72BEB9C}"/>
               </a:ext>
             </a:extLst>
           </p:cNvPr>
@@ -3624,7 +3625,7 @@
           <p:cNvPr id="2" name="标题占位符 1">
             <a:extLst>
               <a:ext uri="{FF2B5EF4-FFF2-40B4-BE49-F238E27FC236}">
-                <a16:creationId xmlns="" xmlns:a16="http://schemas.microsoft.com/office/drawing/2014/main" id="{92000A49-3619-2406-82EF-AED9BE75F34E}"/>
+                <a16:creationId xmlns:a16="http://schemas.microsoft.com/office/drawing/2014/main" xmlns="" id="{92000A49-3619-2406-82EF-AED9BE75F34E}"/>
               </a:ext>
             </a:extLst>
           </p:cNvPr>
@@ -3662,7 +3663,7 @@
           <p:cNvPr id="3" name="文本占位符 2">
             <a:extLst>
               <a:ext uri="{FF2B5EF4-FFF2-40B4-BE49-F238E27FC236}">
-                <a16:creationId xmlns="" xmlns:a16="http://schemas.microsoft.com/office/drawing/2014/main" id="{D43FE0F5-0CBC-BDA9-24CE-A859521DA656}"/>
+                <a16:creationId xmlns:a16="http://schemas.microsoft.com/office/drawing/2014/main" xmlns="" id="{D43FE0F5-0CBC-BDA9-24CE-A859521DA656}"/>
               </a:ext>
             </a:extLst>
           </p:cNvPr>
@@ -3729,7 +3730,7 @@
           <p:cNvPr id="4" name="日期占位符 3">
             <a:extLst>
               <a:ext uri="{FF2B5EF4-FFF2-40B4-BE49-F238E27FC236}">
-                <a16:creationId xmlns="" xmlns:a16="http://schemas.microsoft.com/office/drawing/2014/main" id="{2233451F-B070-3253-A379-82BC5C68026A}"/>
+                <a16:creationId xmlns:a16="http://schemas.microsoft.com/office/drawing/2014/main" xmlns="" id="{2233451F-B070-3253-A379-82BC5C68026A}"/>
               </a:ext>
             </a:extLst>
           </p:cNvPr>
@@ -3765,7 +3766,7 @@
           <a:p>
             <a:fld id="{BA054789-EACE-4F0B-85CE-A0AE8F37913A}" type="datetimeFigureOut">
               <a:rPr lang="zh-CN" altLang="en-US" smtClean="0"/>
-              <a:t>2022/9/30</a:t>
+              <a:t>2022/10/8</a:t>
             </a:fld>
             <a:endParaRPr lang="zh-CN" altLang="en-US"/>
           </a:p>
@@ -3776,7 +3777,7 @@
           <p:cNvPr id="5" name="页脚占位符 4">
             <a:extLst>
               <a:ext uri="{FF2B5EF4-FFF2-40B4-BE49-F238E27FC236}">
-                <a16:creationId xmlns="" xmlns:a16="http://schemas.microsoft.com/office/drawing/2014/main" id="{06986DEC-0B9D-7F39-CE3E-66A01F226957}"/>
+                <a16:creationId xmlns:a16="http://schemas.microsoft.com/office/drawing/2014/main" xmlns="" id="{06986DEC-0B9D-7F39-CE3E-66A01F226957}"/>
               </a:ext>
             </a:extLst>
           </p:cNvPr>
@@ -3819,7 +3820,7 @@
           <p:cNvPr id="6" name="灯片编号占位符 5">
             <a:extLst>
               <a:ext uri="{FF2B5EF4-FFF2-40B4-BE49-F238E27FC236}">
-                <a16:creationId xmlns="" xmlns:a16="http://schemas.microsoft.com/office/drawing/2014/main" id="{4E5D66B3-A060-F0A8-8F68-EBE0B120344F}"/>
+                <a16:creationId xmlns:a16="http://schemas.microsoft.com/office/drawing/2014/main" xmlns="" id="{4E5D66B3-A060-F0A8-8F68-EBE0B120344F}"/>
               </a:ext>
             </a:extLst>
           </p:cNvPr>
@@ -4198,7 +4199,7 @@
           <p:cNvPr id="2" name="标题 1">
             <a:extLst>
               <a:ext uri="{FF2B5EF4-FFF2-40B4-BE49-F238E27FC236}">
-                <a16:creationId xmlns="" xmlns:a16="http://schemas.microsoft.com/office/drawing/2014/main" id="{2A9B6C59-89F9-5390-BB77-F8DB7EF7B310}"/>
+                <a16:creationId xmlns:a16="http://schemas.microsoft.com/office/drawing/2014/main" xmlns="" id="{2A9B6C59-89F9-5390-BB77-F8DB7EF7B310}"/>
               </a:ext>
             </a:extLst>
           </p:cNvPr>
@@ -4268,7 +4269,7 @@
           <p:cNvPr id="4" name="椭圆 3">
             <a:extLst>
               <a:ext uri="{FF2B5EF4-FFF2-40B4-BE49-F238E27FC236}">
-                <a16:creationId xmlns="" xmlns:a16="http://schemas.microsoft.com/office/drawing/2014/main" id="{94C17F89-4022-3282-1B5A-F455F1578F55}"/>
+                <a16:creationId xmlns:a16="http://schemas.microsoft.com/office/drawing/2014/main" xmlns="" id="{94C17F89-4022-3282-1B5A-F455F1578F55}"/>
               </a:ext>
             </a:extLst>
           </p:cNvPr>
@@ -5015,7 +5016,7 @@
           <p:cNvPr id="4" name="椭圆 3">
             <a:extLst>
               <a:ext uri="{FF2B5EF4-FFF2-40B4-BE49-F238E27FC236}">
-                <a16:creationId xmlns="" xmlns:a16="http://schemas.microsoft.com/office/drawing/2014/main" id="{94C17F89-4022-3282-1B5A-F455F1578F55}"/>
+                <a16:creationId xmlns:a16="http://schemas.microsoft.com/office/drawing/2014/main" xmlns="" id="{94C17F89-4022-3282-1B5A-F455F1578F55}"/>
               </a:ext>
             </a:extLst>
           </p:cNvPr>
@@ -5598,7 +5599,7 @@
           <p:cNvPr id="38" name="Google Shape;90;p14">
             <a:extLst>
               <a:ext uri="{FF2B5EF4-FFF2-40B4-BE49-F238E27FC236}">
-                <a16:creationId xmlns="" xmlns:a16="http://schemas.microsoft.com/office/drawing/2014/main" id="{70D7F9C8-3F19-0671-CC95-0C6FF2D659F6}"/>
+                <a16:creationId xmlns:a16="http://schemas.microsoft.com/office/drawing/2014/main" xmlns="" id="{70D7F9C8-3F19-0671-CC95-0C6FF2D659F6}"/>
               </a:ext>
             </a:extLst>
           </p:cNvPr>
@@ -5632,7 +5633,7 @@
           <p:cNvPr id="39" name="Google Shape;90;p14">
             <a:extLst>
               <a:ext uri="{FF2B5EF4-FFF2-40B4-BE49-F238E27FC236}">
-                <a16:creationId xmlns="" xmlns:a16="http://schemas.microsoft.com/office/drawing/2014/main" id="{70D7F9C8-3F19-0671-CC95-0C6FF2D659F6}"/>
+                <a16:creationId xmlns:a16="http://schemas.microsoft.com/office/drawing/2014/main" xmlns="" id="{70D7F9C8-3F19-0671-CC95-0C6FF2D659F6}"/>
               </a:ext>
             </a:extLst>
           </p:cNvPr>
@@ -5696,7 +5697,7 @@
           <p:cNvPr id="4" name="椭圆 3">
             <a:extLst>
               <a:ext uri="{FF2B5EF4-FFF2-40B4-BE49-F238E27FC236}">
-                <a16:creationId xmlns="" xmlns:a16="http://schemas.microsoft.com/office/drawing/2014/main" id="{94C17F89-4022-3282-1B5A-F455F1578F55}"/>
+                <a16:creationId xmlns:a16="http://schemas.microsoft.com/office/drawing/2014/main" xmlns="" id="{94C17F89-4022-3282-1B5A-F455F1578F55}"/>
               </a:ext>
             </a:extLst>
           </p:cNvPr>
@@ -6379,7 +6380,7 @@
           <p:cNvPr id="2" name="标题 1">
             <a:extLst>
               <a:ext uri="{FF2B5EF4-FFF2-40B4-BE49-F238E27FC236}">
-                <a16:creationId xmlns="" xmlns:a16="http://schemas.microsoft.com/office/drawing/2014/main" id="{2A9B6C59-89F9-5390-BB77-F8DB7EF7B310}"/>
+                <a16:creationId xmlns:a16="http://schemas.microsoft.com/office/drawing/2014/main" xmlns="" id="{2A9B6C59-89F9-5390-BB77-F8DB7EF7B310}"/>
               </a:ext>
             </a:extLst>
           </p:cNvPr>
@@ -6454,7 +6455,7 @@
           <p:cNvPr id="2" name="标题 1">
             <a:extLst>
               <a:ext uri="{FF2B5EF4-FFF2-40B4-BE49-F238E27FC236}">
-                <a16:creationId xmlns="" xmlns:a16="http://schemas.microsoft.com/office/drawing/2014/main" id="{80796E82-7314-2FBE-2DE8-DDD70D4DF27E}"/>
+                <a16:creationId xmlns:a16="http://schemas.microsoft.com/office/drawing/2014/main" xmlns="" id="{80796E82-7314-2FBE-2DE8-DDD70D4DF27E}"/>
               </a:ext>
             </a:extLst>
           </p:cNvPr>
@@ -6510,7 +6511,7 @@
           <p:cNvPr id="5" name="椭圆 4">
             <a:extLst>
               <a:ext uri="{FF2B5EF4-FFF2-40B4-BE49-F238E27FC236}">
-                <a16:creationId xmlns="" xmlns:a16="http://schemas.microsoft.com/office/drawing/2014/main" id="{A020CC41-9901-5A10-06D8-1F19650A3A6A}"/>
+                <a16:creationId xmlns:a16="http://schemas.microsoft.com/office/drawing/2014/main" xmlns="" id="{A020CC41-9901-5A10-06D8-1F19650A3A6A}"/>
               </a:ext>
             </a:extLst>
           </p:cNvPr>
@@ -6562,7 +6563,7 @@
           <p:cNvPr id="19" name="Google Shape;73;p14">
             <a:extLst>
               <a:ext uri="{FF2B5EF4-FFF2-40B4-BE49-F238E27FC236}">
-                <a16:creationId xmlns="" xmlns:a16="http://schemas.microsoft.com/office/drawing/2014/main" id="{3442D827-BE6F-DFBF-3B15-223B2753D9E9}"/>
+                <a16:creationId xmlns:a16="http://schemas.microsoft.com/office/drawing/2014/main" xmlns="" id="{3442D827-BE6F-DFBF-3B15-223B2753D9E9}"/>
               </a:ext>
             </a:extLst>
           </p:cNvPr>
@@ -6596,7 +6597,7 @@
           <p:cNvPr id="3" name="椭圆 2">
             <a:extLst>
               <a:ext uri="{FF2B5EF4-FFF2-40B4-BE49-F238E27FC236}">
-                <a16:creationId xmlns="" xmlns:a16="http://schemas.microsoft.com/office/drawing/2014/main" id="{6A049D51-9228-994D-60FB-A0B21405E162}"/>
+                <a16:creationId xmlns:a16="http://schemas.microsoft.com/office/drawing/2014/main" xmlns="" id="{6A049D51-9228-994D-60FB-A0B21405E162}"/>
               </a:ext>
             </a:extLst>
           </p:cNvPr>
@@ -6652,7 +6653,7 @@
           <p:cNvPr id="20" name="椭圆 19">
             <a:extLst>
               <a:ext uri="{FF2B5EF4-FFF2-40B4-BE49-F238E27FC236}">
-                <a16:creationId xmlns="" xmlns:a16="http://schemas.microsoft.com/office/drawing/2014/main" id="{1CB92BD5-35D8-92CB-D9E4-9F7E63F85095}"/>
+                <a16:creationId xmlns:a16="http://schemas.microsoft.com/office/drawing/2014/main" xmlns="" id="{1CB92BD5-35D8-92CB-D9E4-9F7E63F85095}"/>
               </a:ext>
             </a:extLst>
           </p:cNvPr>
@@ -6708,7 +6709,7 @@
           <p:cNvPr id="21" name="椭圆 20">
             <a:extLst>
               <a:ext uri="{FF2B5EF4-FFF2-40B4-BE49-F238E27FC236}">
-                <a16:creationId xmlns="" xmlns:a16="http://schemas.microsoft.com/office/drawing/2014/main" id="{CC0D471C-430C-0F88-B963-906AF37643E5}"/>
+                <a16:creationId xmlns:a16="http://schemas.microsoft.com/office/drawing/2014/main" xmlns="" id="{CC0D471C-430C-0F88-B963-906AF37643E5}"/>
               </a:ext>
             </a:extLst>
           </p:cNvPr>
@@ -6764,7 +6765,7 @@
           <p:cNvPr id="22" name="椭圆 21">
             <a:extLst>
               <a:ext uri="{FF2B5EF4-FFF2-40B4-BE49-F238E27FC236}">
-                <a16:creationId xmlns="" xmlns:a16="http://schemas.microsoft.com/office/drawing/2014/main" id="{ECCA1AA6-1921-4825-44D1-D03BE773AACC}"/>
+                <a16:creationId xmlns:a16="http://schemas.microsoft.com/office/drawing/2014/main" xmlns="" id="{ECCA1AA6-1921-4825-44D1-D03BE773AACC}"/>
               </a:ext>
             </a:extLst>
           </p:cNvPr>
@@ -6820,7 +6821,7 @@
           <p:cNvPr id="23" name="椭圆 22">
             <a:extLst>
               <a:ext uri="{FF2B5EF4-FFF2-40B4-BE49-F238E27FC236}">
-                <a16:creationId xmlns="" xmlns:a16="http://schemas.microsoft.com/office/drawing/2014/main" id="{3F21BD1A-C0DB-4604-449C-A115F86B74D3}"/>
+                <a16:creationId xmlns:a16="http://schemas.microsoft.com/office/drawing/2014/main" xmlns="" id="{3F21BD1A-C0DB-4604-449C-A115F86B74D3}"/>
               </a:ext>
             </a:extLst>
           </p:cNvPr>
@@ -6880,7 +6881,7 @@
           <p:cNvPr id="24" name="椭圆 23">
             <a:extLst>
               <a:ext uri="{FF2B5EF4-FFF2-40B4-BE49-F238E27FC236}">
-                <a16:creationId xmlns="" xmlns:a16="http://schemas.microsoft.com/office/drawing/2014/main" id="{153EDE49-BF0B-3BFF-8FAE-EA9476EE1014}"/>
+                <a16:creationId xmlns:a16="http://schemas.microsoft.com/office/drawing/2014/main" xmlns="" id="{153EDE49-BF0B-3BFF-8FAE-EA9476EE1014}"/>
               </a:ext>
             </a:extLst>
           </p:cNvPr>
@@ -6940,7 +6941,7 @@
           <p:cNvPr id="25" name="椭圆 24">
             <a:extLst>
               <a:ext uri="{FF2B5EF4-FFF2-40B4-BE49-F238E27FC236}">
-                <a16:creationId xmlns="" xmlns:a16="http://schemas.microsoft.com/office/drawing/2014/main" id="{96E59006-D453-BDF9-72CE-BDDB3896D922}"/>
+                <a16:creationId xmlns:a16="http://schemas.microsoft.com/office/drawing/2014/main" xmlns="" id="{96E59006-D453-BDF9-72CE-BDDB3896D922}"/>
               </a:ext>
             </a:extLst>
           </p:cNvPr>
@@ -7000,7 +7001,7 @@
           <p:cNvPr id="26" name="椭圆 25">
             <a:extLst>
               <a:ext uri="{FF2B5EF4-FFF2-40B4-BE49-F238E27FC236}">
-                <a16:creationId xmlns="" xmlns:a16="http://schemas.microsoft.com/office/drawing/2014/main" id="{76DDE1EF-9352-BD67-F294-8E6E8429488F}"/>
+                <a16:creationId xmlns:a16="http://schemas.microsoft.com/office/drawing/2014/main" xmlns="" id="{76DDE1EF-9352-BD67-F294-8E6E8429488F}"/>
               </a:ext>
             </a:extLst>
           </p:cNvPr>
@@ -7060,7 +7061,7 @@
           <p:cNvPr id="6" name="Google Shape;74;p14">
             <a:extLst>
               <a:ext uri="{FF2B5EF4-FFF2-40B4-BE49-F238E27FC236}">
-                <a16:creationId xmlns="" xmlns:a16="http://schemas.microsoft.com/office/drawing/2014/main" id="{8ABB2948-CF7D-7BD6-14B8-367574244CB2}"/>
+                <a16:creationId xmlns:a16="http://schemas.microsoft.com/office/drawing/2014/main" xmlns="" id="{8ABB2948-CF7D-7BD6-14B8-367574244CB2}"/>
               </a:ext>
             </a:extLst>
           </p:cNvPr>
@@ -7094,7 +7095,7 @@
           <p:cNvPr id="7" name="Google Shape;75;p14">
             <a:extLst>
               <a:ext uri="{FF2B5EF4-FFF2-40B4-BE49-F238E27FC236}">
-                <a16:creationId xmlns="" xmlns:a16="http://schemas.microsoft.com/office/drawing/2014/main" id="{744D1F6B-EBF7-049C-9CBC-D2BD265B8DB5}"/>
+                <a16:creationId xmlns:a16="http://schemas.microsoft.com/office/drawing/2014/main" xmlns="" id="{744D1F6B-EBF7-049C-9CBC-D2BD265B8DB5}"/>
               </a:ext>
             </a:extLst>
           </p:cNvPr>
@@ -7128,7 +7129,7 @@
           <p:cNvPr id="8" name="Google Shape;76;p14">
             <a:extLst>
               <a:ext uri="{FF2B5EF4-FFF2-40B4-BE49-F238E27FC236}">
-                <a16:creationId xmlns="" xmlns:a16="http://schemas.microsoft.com/office/drawing/2014/main" id="{A0604560-830C-4AC9-3717-031AA48B5D45}"/>
+                <a16:creationId xmlns:a16="http://schemas.microsoft.com/office/drawing/2014/main" xmlns="" id="{A0604560-830C-4AC9-3717-031AA48B5D45}"/>
               </a:ext>
             </a:extLst>
           </p:cNvPr>
@@ -7162,7 +7163,7 @@
           <p:cNvPr id="9" name="Google Shape;77;p14">
             <a:extLst>
               <a:ext uri="{FF2B5EF4-FFF2-40B4-BE49-F238E27FC236}">
-                <a16:creationId xmlns="" xmlns:a16="http://schemas.microsoft.com/office/drawing/2014/main" id="{DC03C87C-87BB-A5EB-0D50-DDB31F93A6C2}"/>
+                <a16:creationId xmlns:a16="http://schemas.microsoft.com/office/drawing/2014/main" xmlns="" id="{DC03C87C-87BB-A5EB-0D50-DDB31F93A6C2}"/>
               </a:ext>
             </a:extLst>
           </p:cNvPr>
@@ -7196,7 +7197,7 @@
           <p:cNvPr id="10" name="Google Shape;78;p14">
             <a:extLst>
               <a:ext uri="{FF2B5EF4-FFF2-40B4-BE49-F238E27FC236}">
-                <a16:creationId xmlns="" xmlns:a16="http://schemas.microsoft.com/office/drawing/2014/main" id="{281D3DED-9B64-E88B-FC5F-0C30B82A9484}"/>
+                <a16:creationId xmlns:a16="http://schemas.microsoft.com/office/drawing/2014/main" xmlns="" id="{281D3DED-9B64-E88B-FC5F-0C30B82A9484}"/>
               </a:ext>
             </a:extLst>
           </p:cNvPr>
@@ -7230,7 +7231,7 @@
           <p:cNvPr id="11" name="Google Shape;79;p14">
             <a:extLst>
               <a:ext uri="{FF2B5EF4-FFF2-40B4-BE49-F238E27FC236}">
-                <a16:creationId xmlns="" xmlns:a16="http://schemas.microsoft.com/office/drawing/2014/main" id="{0DAE55E6-D474-C395-BC84-8ACA3CE820A0}"/>
+                <a16:creationId xmlns:a16="http://schemas.microsoft.com/office/drawing/2014/main" xmlns="" id="{0DAE55E6-D474-C395-BC84-8ACA3CE820A0}"/>
               </a:ext>
             </a:extLst>
           </p:cNvPr>
@@ -7264,7 +7265,7 @@
           <p:cNvPr id="12" name="Google Shape;80;p14">
             <a:extLst>
               <a:ext uri="{FF2B5EF4-FFF2-40B4-BE49-F238E27FC236}">
-                <a16:creationId xmlns="" xmlns:a16="http://schemas.microsoft.com/office/drawing/2014/main" id="{3A5AAC50-9F06-A76F-B20B-35CF3612E825}"/>
+                <a16:creationId xmlns:a16="http://schemas.microsoft.com/office/drawing/2014/main" xmlns="" id="{3A5AAC50-9F06-A76F-B20B-35CF3612E825}"/>
               </a:ext>
             </a:extLst>
           </p:cNvPr>
@@ -7298,7 +7299,7 @@
           <p:cNvPr id="13" name="Google Shape;81;p14">
             <a:extLst>
               <a:ext uri="{FF2B5EF4-FFF2-40B4-BE49-F238E27FC236}">
-                <a16:creationId xmlns="" xmlns:a16="http://schemas.microsoft.com/office/drawing/2014/main" id="{F33B3BEC-1095-E464-2D03-703E55B0F8A0}"/>
+                <a16:creationId xmlns:a16="http://schemas.microsoft.com/office/drawing/2014/main" xmlns="" id="{F33B3BEC-1095-E464-2D03-703E55B0F8A0}"/>
               </a:ext>
             </a:extLst>
           </p:cNvPr>
@@ -7332,7 +7333,7 @@
           <p:cNvPr id="4" name="文本框 3">
             <a:extLst>
               <a:ext uri="{FF2B5EF4-FFF2-40B4-BE49-F238E27FC236}">
-                <a16:creationId xmlns="" xmlns:a16="http://schemas.microsoft.com/office/drawing/2014/main" id="{3E8E8225-E7B4-E598-7AEB-66BC2EF7864E}"/>
+                <a16:creationId xmlns:a16="http://schemas.microsoft.com/office/drawing/2014/main" xmlns="" id="{3E8E8225-E7B4-E598-7AEB-66BC2EF7864E}"/>
               </a:ext>
             </a:extLst>
           </p:cNvPr>
@@ -7412,7 +7413,7 @@
           <p:cNvPr id="2" name="标题 1">
             <a:extLst>
               <a:ext uri="{FF2B5EF4-FFF2-40B4-BE49-F238E27FC236}">
-                <a16:creationId xmlns="" xmlns:a16="http://schemas.microsoft.com/office/drawing/2014/main" id="{80796E82-7314-2FBE-2DE8-DDD70D4DF27E}"/>
+                <a16:creationId xmlns:a16="http://schemas.microsoft.com/office/drawing/2014/main" xmlns="" id="{80796E82-7314-2FBE-2DE8-DDD70D4DF27E}"/>
               </a:ext>
             </a:extLst>
           </p:cNvPr>
@@ -7461,7 +7462,7 @@
           <p:cNvPr id="5" name="椭圆 4">
             <a:extLst>
               <a:ext uri="{FF2B5EF4-FFF2-40B4-BE49-F238E27FC236}">
-                <a16:creationId xmlns="" xmlns:a16="http://schemas.microsoft.com/office/drawing/2014/main" id="{A020CC41-9901-5A10-06D8-1F19650A3A6A}"/>
+                <a16:creationId xmlns:a16="http://schemas.microsoft.com/office/drawing/2014/main" xmlns="" id="{A020CC41-9901-5A10-06D8-1F19650A3A6A}"/>
               </a:ext>
             </a:extLst>
           </p:cNvPr>
@@ -7513,7 +7514,7 @@
           <p:cNvPr id="19" name="Google Shape;73;p14">
             <a:extLst>
               <a:ext uri="{FF2B5EF4-FFF2-40B4-BE49-F238E27FC236}">
-                <a16:creationId xmlns="" xmlns:a16="http://schemas.microsoft.com/office/drawing/2014/main" id="{3442D827-BE6F-DFBF-3B15-223B2753D9E9}"/>
+                <a16:creationId xmlns:a16="http://schemas.microsoft.com/office/drawing/2014/main" xmlns="" id="{3442D827-BE6F-DFBF-3B15-223B2753D9E9}"/>
               </a:ext>
             </a:extLst>
           </p:cNvPr>
@@ -7547,7 +7548,7 @@
           <p:cNvPr id="6" name="Google Shape;74;p14">
             <a:extLst>
               <a:ext uri="{FF2B5EF4-FFF2-40B4-BE49-F238E27FC236}">
-                <a16:creationId xmlns="" xmlns:a16="http://schemas.microsoft.com/office/drawing/2014/main" id="{8ABB2948-CF7D-7BD6-14B8-367574244CB2}"/>
+                <a16:creationId xmlns:a16="http://schemas.microsoft.com/office/drawing/2014/main" xmlns="" id="{8ABB2948-CF7D-7BD6-14B8-367574244CB2}"/>
               </a:ext>
             </a:extLst>
           </p:cNvPr>
@@ -7581,7 +7582,7 @@
           <p:cNvPr id="7" name="Google Shape;75;p14">
             <a:extLst>
               <a:ext uri="{FF2B5EF4-FFF2-40B4-BE49-F238E27FC236}">
-                <a16:creationId xmlns="" xmlns:a16="http://schemas.microsoft.com/office/drawing/2014/main" id="{744D1F6B-EBF7-049C-9CBC-D2BD265B8DB5}"/>
+                <a16:creationId xmlns:a16="http://schemas.microsoft.com/office/drawing/2014/main" xmlns="" id="{744D1F6B-EBF7-049C-9CBC-D2BD265B8DB5}"/>
               </a:ext>
             </a:extLst>
           </p:cNvPr>
@@ -7615,7 +7616,7 @@
           <p:cNvPr id="8" name="Google Shape;76;p14">
             <a:extLst>
               <a:ext uri="{FF2B5EF4-FFF2-40B4-BE49-F238E27FC236}">
-                <a16:creationId xmlns="" xmlns:a16="http://schemas.microsoft.com/office/drawing/2014/main" id="{A0604560-830C-4AC9-3717-031AA48B5D45}"/>
+                <a16:creationId xmlns:a16="http://schemas.microsoft.com/office/drawing/2014/main" xmlns="" id="{A0604560-830C-4AC9-3717-031AA48B5D45}"/>
               </a:ext>
             </a:extLst>
           </p:cNvPr>
@@ -7649,7 +7650,7 @@
           <p:cNvPr id="9" name="Google Shape;77;p14">
             <a:extLst>
               <a:ext uri="{FF2B5EF4-FFF2-40B4-BE49-F238E27FC236}">
-                <a16:creationId xmlns="" xmlns:a16="http://schemas.microsoft.com/office/drawing/2014/main" id="{DC03C87C-87BB-A5EB-0D50-DDB31F93A6C2}"/>
+                <a16:creationId xmlns:a16="http://schemas.microsoft.com/office/drawing/2014/main" xmlns="" id="{DC03C87C-87BB-A5EB-0D50-DDB31F93A6C2}"/>
               </a:ext>
             </a:extLst>
           </p:cNvPr>
@@ -7683,7 +7684,7 @@
           <p:cNvPr id="10" name="Google Shape;78;p14">
             <a:extLst>
               <a:ext uri="{FF2B5EF4-FFF2-40B4-BE49-F238E27FC236}">
-                <a16:creationId xmlns="" xmlns:a16="http://schemas.microsoft.com/office/drawing/2014/main" id="{281D3DED-9B64-E88B-FC5F-0C30B82A9484}"/>
+                <a16:creationId xmlns:a16="http://schemas.microsoft.com/office/drawing/2014/main" xmlns="" id="{281D3DED-9B64-E88B-FC5F-0C30B82A9484}"/>
               </a:ext>
             </a:extLst>
           </p:cNvPr>
@@ -7717,7 +7718,7 @@
           <p:cNvPr id="11" name="Google Shape;79;p14">
             <a:extLst>
               <a:ext uri="{FF2B5EF4-FFF2-40B4-BE49-F238E27FC236}">
-                <a16:creationId xmlns="" xmlns:a16="http://schemas.microsoft.com/office/drawing/2014/main" id="{0DAE55E6-D474-C395-BC84-8ACA3CE820A0}"/>
+                <a16:creationId xmlns:a16="http://schemas.microsoft.com/office/drawing/2014/main" xmlns="" id="{0DAE55E6-D474-C395-BC84-8ACA3CE820A0}"/>
               </a:ext>
             </a:extLst>
           </p:cNvPr>
@@ -7751,7 +7752,7 @@
           <p:cNvPr id="12" name="Google Shape;80;p14">
             <a:extLst>
               <a:ext uri="{FF2B5EF4-FFF2-40B4-BE49-F238E27FC236}">
-                <a16:creationId xmlns="" xmlns:a16="http://schemas.microsoft.com/office/drawing/2014/main" id="{3A5AAC50-9F06-A76F-B20B-35CF3612E825}"/>
+                <a16:creationId xmlns:a16="http://schemas.microsoft.com/office/drawing/2014/main" xmlns="" id="{3A5AAC50-9F06-A76F-B20B-35CF3612E825}"/>
               </a:ext>
             </a:extLst>
           </p:cNvPr>
@@ -7785,7 +7786,7 @@
           <p:cNvPr id="13" name="Google Shape;81;p14">
             <a:extLst>
               <a:ext uri="{FF2B5EF4-FFF2-40B4-BE49-F238E27FC236}">
-                <a16:creationId xmlns="" xmlns:a16="http://schemas.microsoft.com/office/drawing/2014/main" id="{F33B3BEC-1095-E464-2D03-703E55B0F8A0}"/>
+                <a16:creationId xmlns:a16="http://schemas.microsoft.com/office/drawing/2014/main" xmlns="" id="{F33B3BEC-1095-E464-2D03-703E55B0F8A0}"/>
               </a:ext>
             </a:extLst>
           </p:cNvPr>
@@ -7819,7 +7820,7 @@
           <p:cNvPr id="4" name="文本框 3">
             <a:extLst>
               <a:ext uri="{FF2B5EF4-FFF2-40B4-BE49-F238E27FC236}">
-                <a16:creationId xmlns="" xmlns:a16="http://schemas.microsoft.com/office/drawing/2014/main" id="{3E8E8225-E7B4-E598-7AEB-66BC2EF7864E}"/>
+                <a16:creationId xmlns:a16="http://schemas.microsoft.com/office/drawing/2014/main" xmlns="" id="{3E8E8225-E7B4-E598-7AEB-66BC2EF7864E}"/>
               </a:ext>
             </a:extLst>
           </p:cNvPr>
@@ -7859,7 +7860,7 @@
           <p:cNvPr id="27" name="箭头: 五边形 26">
             <a:extLst>
               <a:ext uri="{FF2B5EF4-FFF2-40B4-BE49-F238E27FC236}">
-                <a16:creationId xmlns="" xmlns:a16="http://schemas.microsoft.com/office/drawing/2014/main" id="{E085494B-F842-4C01-038E-DB08191BB1BE}"/>
+                <a16:creationId xmlns:a16="http://schemas.microsoft.com/office/drawing/2014/main" xmlns="" id="{E085494B-F842-4C01-038E-DB08191BB1BE}"/>
               </a:ext>
             </a:extLst>
           </p:cNvPr>
@@ -7915,7 +7916,7 @@
           <p:cNvPr id="28" name="文本框 27">
             <a:extLst>
               <a:ext uri="{FF2B5EF4-FFF2-40B4-BE49-F238E27FC236}">
-                <a16:creationId xmlns="" xmlns:a16="http://schemas.microsoft.com/office/drawing/2014/main" id="{342B569A-49B6-3B3C-8998-DEDD42D51B66}"/>
+                <a16:creationId xmlns:a16="http://schemas.microsoft.com/office/drawing/2014/main" xmlns="" id="{342B569A-49B6-3B3C-8998-DEDD42D51B66}"/>
               </a:ext>
             </a:extLst>
           </p:cNvPr>
@@ -7951,7 +7952,7 @@
           <p:cNvPr id="29" name="箭头: 五边形 28">
             <a:extLst>
               <a:ext uri="{FF2B5EF4-FFF2-40B4-BE49-F238E27FC236}">
-                <a16:creationId xmlns="" xmlns:a16="http://schemas.microsoft.com/office/drawing/2014/main" id="{3523BFDC-8B96-7B81-3159-C26951EC2B7B}"/>
+                <a16:creationId xmlns:a16="http://schemas.microsoft.com/office/drawing/2014/main" xmlns="" id="{3523BFDC-8B96-7B81-3159-C26951EC2B7B}"/>
               </a:ext>
             </a:extLst>
           </p:cNvPr>
@@ -7998,7 +7999,7 @@
           <p:cNvPr id="30" name="文本框 29">
             <a:extLst>
               <a:ext uri="{FF2B5EF4-FFF2-40B4-BE49-F238E27FC236}">
-                <a16:creationId xmlns="" xmlns:a16="http://schemas.microsoft.com/office/drawing/2014/main" id="{082D8EAA-C93E-D6A9-69A4-C34D928A3F9E}"/>
+                <a16:creationId xmlns:a16="http://schemas.microsoft.com/office/drawing/2014/main" xmlns="" id="{082D8EAA-C93E-D6A9-69A4-C34D928A3F9E}"/>
               </a:ext>
             </a:extLst>
           </p:cNvPr>
@@ -8034,7 +8035,7 @@
           <p:cNvPr id="31" name="箭头: 五边形 30">
             <a:extLst>
               <a:ext uri="{FF2B5EF4-FFF2-40B4-BE49-F238E27FC236}">
-                <a16:creationId xmlns="" xmlns:a16="http://schemas.microsoft.com/office/drawing/2014/main" id="{4B9E0D9B-D17E-69E7-1F9A-99DE7710B7A1}"/>
+                <a16:creationId xmlns:a16="http://schemas.microsoft.com/office/drawing/2014/main" xmlns="" id="{4B9E0D9B-D17E-69E7-1F9A-99DE7710B7A1}"/>
               </a:ext>
             </a:extLst>
           </p:cNvPr>
@@ -8081,7 +8082,7 @@
           <p:cNvPr id="32" name="箭头: 五边形 31">
             <a:extLst>
               <a:ext uri="{FF2B5EF4-FFF2-40B4-BE49-F238E27FC236}">
-                <a16:creationId xmlns="" xmlns:a16="http://schemas.microsoft.com/office/drawing/2014/main" id="{1C58B850-E627-D01E-6544-6FC012CCC33C}"/>
+                <a16:creationId xmlns:a16="http://schemas.microsoft.com/office/drawing/2014/main" xmlns="" id="{1C58B850-E627-D01E-6544-6FC012CCC33C}"/>
               </a:ext>
             </a:extLst>
           </p:cNvPr>
@@ -8137,7 +8138,7 @@
           <p:cNvPr id="33" name="箭头: 五边形 32">
             <a:extLst>
               <a:ext uri="{FF2B5EF4-FFF2-40B4-BE49-F238E27FC236}">
-                <a16:creationId xmlns="" xmlns:a16="http://schemas.microsoft.com/office/drawing/2014/main" id="{C768AE66-F650-1A37-7440-B571549FE915}"/>
+                <a16:creationId xmlns:a16="http://schemas.microsoft.com/office/drawing/2014/main" xmlns="" id="{C768AE66-F650-1A37-7440-B571549FE915}"/>
               </a:ext>
             </a:extLst>
           </p:cNvPr>
@@ -8193,7 +8194,7 @@
           <p:cNvPr id="34" name="箭头: 五边形 33">
             <a:extLst>
               <a:ext uri="{FF2B5EF4-FFF2-40B4-BE49-F238E27FC236}">
-                <a16:creationId xmlns="" xmlns:a16="http://schemas.microsoft.com/office/drawing/2014/main" id="{C73CB313-5C49-648F-D809-8346206978D1}"/>
+                <a16:creationId xmlns:a16="http://schemas.microsoft.com/office/drawing/2014/main" xmlns="" id="{C73CB313-5C49-648F-D809-8346206978D1}"/>
               </a:ext>
             </a:extLst>
           </p:cNvPr>
@@ -8249,7 +8250,7 @@
           <p:cNvPr id="35" name="箭头: 五边形 34">
             <a:extLst>
               <a:ext uri="{FF2B5EF4-FFF2-40B4-BE49-F238E27FC236}">
-                <a16:creationId xmlns="" xmlns:a16="http://schemas.microsoft.com/office/drawing/2014/main" id="{FC836AD9-A293-8E3F-664B-E692D69616E5}"/>
+                <a16:creationId xmlns:a16="http://schemas.microsoft.com/office/drawing/2014/main" xmlns="" id="{FC836AD9-A293-8E3F-664B-E692D69616E5}"/>
               </a:ext>
             </a:extLst>
           </p:cNvPr>
@@ -8305,7 +8306,7 @@
           <p:cNvPr id="37" name="箭头: 五边形 36">
             <a:extLst>
               <a:ext uri="{FF2B5EF4-FFF2-40B4-BE49-F238E27FC236}">
-                <a16:creationId xmlns="" xmlns:a16="http://schemas.microsoft.com/office/drawing/2014/main" id="{05ECD475-37EE-63E8-E9E5-EF81A4619214}"/>
+                <a16:creationId xmlns:a16="http://schemas.microsoft.com/office/drawing/2014/main" xmlns="" id="{05ECD475-37EE-63E8-E9E5-EF81A4619214}"/>
               </a:ext>
             </a:extLst>
           </p:cNvPr>
@@ -8352,7 +8353,7 @@
           <p:cNvPr id="38" name="箭头: 五边形 37">
             <a:extLst>
               <a:ext uri="{FF2B5EF4-FFF2-40B4-BE49-F238E27FC236}">
-                <a16:creationId xmlns="" xmlns:a16="http://schemas.microsoft.com/office/drawing/2014/main" id="{A6B5F2C7-042E-A328-27E2-FE7EEBDB2BDD}"/>
+                <a16:creationId xmlns:a16="http://schemas.microsoft.com/office/drawing/2014/main" xmlns="" id="{A6B5F2C7-042E-A328-27E2-FE7EEBDB2BDD}"/>
               </a:ext>
             </a:extLst>
           </p:cNvPr>
@@ -8399,7 +8400,7 @@
           <p:cNvPr id="39" name="箭头: 五边形 38">
             <a:extLst>
               <a:ext uri="{FF2B5EF4-FFF2-40B4-BE49-F238E27FC236}">
-                <a16:creationId xmlns="" xmlns:a16="http://schemas.microsoft.com/office/drawing/2014/main" id="{2D55E881-1EC3-4110-7472-1065FE27C440}"/>
+                <a16:creationId xmlns:a16="http://schemas.microsoft.com/office/drawing/2014/main" xmlns="" id="{2D55E881-1EC3-4110-7472-1065FE27C440}"/>
               </a:ext>
             </a:extLst>
           </p:cNvPr>
@@ -8476,7 +8477,7 @@
           <p:cNvPr id="2" name="标题 1">
             <a:extLst>
               <a:ext uri="{FF2B5EF4-FFF2-40B4-BE49-F238E27FC236}">
-                <a16:creationId xmlns="" xmlns:a16="http://schemas.microsoft.com/office/drawing/2014/main" id="{80796E82-7314-2FBE-2DE8-DDD70D4DF27E}"/>
+                <a16:creationId xmlns:a16="http://schemas.microsoft.com/office/drawing/2014/main" xmlns="" id="{80796E82-7314-2FBE-2DE8-DDD70D4DF27E}"/>
               </a:ext>
             </a:extLst>
           </p:cNvPr>
@@ -8525,7 +8526,7 @@
           <p:cNvPr id="5" name="椭圆 4">
             <a:extLst>
               <a:ext uri="{FF2B5EF4-FFF2-40B4-BE49-F238E27FC236}">
-                <a16:creationId xmlns="" xmlns:a16="http://schemas.microsoft.com/office/drawing/2014/main" id="{A020CC41-9901-5A10-06D8-1F19650A3A6A}"/>
+                <a16:creationId xmlns:a16="http://schemas.microsoft.com/office/drawing/2014/main" xmlns="" id="{A020CC41-9901-5A10-06D8-1F19650A3A6A}"/>
               </a:ext>
             </a:extLst>
           </p:cNvPr>
@@ -8577,7 +8578,7 @@
           <p:cNvPr id="19" name="Google Shape;73;p14">
             <a:extLst>
               <a:ext uri="{FF2B5EF4-FFF2-40B4-BE49-F238E27FC236}">
-                <a16:creationId xmlns="" xmlns:a16="http://schemas.microsoft.com/office/drawing/2014/main" id="{3442D827-BE6F-DFBF-3B15-223B2753D9E9}"/>
+                <a16:creationId xmlns:a16="http://schemas.microsoft.com/office/drawing/2014/main" xmlns="" id="{3442D827-BE6F-DFBF-3B15-223B2753D9E9}"/>
               </a:ext>
             </a:extLst>
           </p:cNvPr>
@@ -8611,7 +8612,7 @@
           <p:cNvPr id="3" name="椭圆 2">
             <a:extLst>
               <a:ext uri="{FF2B5EF4-FFF2-40B4-BE49-F238E27FC236}">
-                <a16:creationId xmlns="" xmlns:a16="http://schemas.microsoft.com/office/drawing/2014/main" id="{6A049D51-9228-994D-60FB-A0B21405E162}"/>
+                <a16:creationId xmlns:a16="http://schemas.microsoft.com/office/drawing/2014/main" xmlns="" id="{6A049D51-9228-994D-60FB-A0B21405E162}"/>
               </a:ext>
             </a:extLst>
           </p:cNvPr>
@@ -8667,7 +8668,7 @@
           <p:cNvPr id="20" name="椭圆 19">
             <a:extLst>
               <a:ext uri="{FF2B5EF4-FFF2-40B4-BE49-F238E27FC236}">
-                <a16:creationId xmlns="" xmlns:a16="http://schemas.microsoft.com/office/drawing/2014/main" id="{1CB92BD5-35D8-92CB-D9E4-9F7E63F85095}"/>
+                <a16:creationId xmlns:a16="http://schemas.microsoft.com/office/drawing/2014/main" xmlns="" id="{1CB92BD5-35D8-92CB-D9E4-9F7E63F85095}"/>
               </a:ext>
             </a:extLst>
           </p:cNvPr>
@@ -8723,7 +8724,7 @@
           <p:cNvPr id="21" name="椭圆 20">
             <a:extLst>
               <a:ext uri="{FF2B5EF4-FFF2-40B4-BE49-F238E27FC236}">
-                <a16:creationId xmlns="" xmlns:a16="http://schemas.microsoft.com/office/drawing/2014/main" id="{CC0D471C-430C-0F88-B963-906AF37643E5}"/>
+                <a16:creationId xmlns:a16="http://schemas.microsoft.com/office/drawing/2014/main" xmlns="" id="{CC0D471C-430C-0F88-B963-906AF37643E5}"/>
               </a:ext>
             </a:extLst>
           </p:cNvPr>
@@ -8779,7 +8780,7 @@
           <p:cNvPr id="22" name="椭圆 21">
             <a:extLst>
               <a:ext uri="{FF2B5EF4-FFF2-40B4-BE49-F238E27FC236}">
-                <a16:creationId xmlns="" xmlns:a16="http://schemas.microsoft.com/office/drawing/2014/main" id="{ECCA1AA6-1921-4825-44D1-D03BE773AACC}"/>
+                <a16:creationId xmlns:a16="http://schemas.microsoft.com/office/drawing/2014/main" xmlns="" id="{ECCA1AA6-1921-4825-44D1-D03BE773AACC}"/>
               </a:ext>
             </a:extLst>
           </p:cNvPr>
@@ -8835,7 +8836,7 @@
           <p:cNvPr id="23" name="椭圆 22">
             <a:extLst>
               <a:ext uri="{FF2B5EF4-FFF2-40B4-BE49-F238E27FC236}">
-                <a16:creationId xmlns="" xmlns:a16="http://schemas.microsoft.com/office/drawing/2014/main" id="{3F21BD1A-C0DB-4604-449C-A115F86B74D3}"/>
+                <a16:creationId xmlns:a16="http://schemas.microsoft.com/office/drawing/2014/main" xmlns="" id="{3F21BD1A-C0DB-4604-449C-A115F86B74D3}"/>
               </a:ext>
             </a:extLst>
           </p:cNvPr>
@@ -8895,7 +8896,7 @@
           <p:cNvPr id="24" name="椭圆 23">
             <a:extLst>
               <a:ext uri="{FF2B5EF4-FFF2-40B4-BE49-F238E27FC236}">
-                <a16:creationId xmlns="" xmlns:a16="http://schemas.microsoft.com/office/drawing/2014/main" id="{153EDE49-BF0B-3BFF-8FAE-EA9476EE1014}"/>
+                <a16:creationId xmlns:a16="http://schemas.microsoft.com/office/drawing/2014/main" xmlns="" id="{153EDE49-BF0B-3BFF-8FAE-EA9476EE1014}"/>
               </a:ext>
             </a:extLst>
           </p:cNvPr>
@@ -8955,7 +8956,7 @@
           <p:cNvPr id="25" name="椭圆 24">
             <a:extLst>
               <a:ext uri="{FF2B5EF4-FFF2-40B4-BE49-F238E27FC236}">
-                <a16:creationId xmlns="" xmlns:a16="http://schemas.microsoft.com/office/drawing/2014/main" id="{96E59006-D453-BDF9-72CE-BDDB3896D922}"/>
+                <a16:creationId xmlns:a16="http://schemas.microsoft.com/office/drawing/2014/main" xmlns="" id="{96E59006-D453-BDF9-72CE-BDDB3896D922}"/>
               </a:ext>
             </a:extLst>
           </p:cNvPr>
@@ -9015,7 +9016,7 @@
           <p:cNvPr id="26" name="椭圆 25">
             <a:extLst>
               <a:ext uri="{FF2B5EF4-FFF2-40B4-BE49-F238E27FC236}">
-                <a16:creationId xmlns="" xmlns:a16="http://schemas.microsoft.com/office/drawing/2014/main" id="{76DDE1EF-9352-BD67-F294-8E6E8429488F}"/>
+                <a16:creationId xmlns:a16="http://schemas.microsoft.com/office/drawing/2014/main" xmlns="" id="{76DDE1EF-9352-BD67-F294-8E6E8429488F}"/>
               </a:ext>
             </a:extLst>
           </p:cNvPr>
@@ -9075,7 +9076,7 @@
           <p:cNvPr id="4" name="文本框 3">
             <a:extLst>
               <a:ext uri="{FF2B5EF4-FFF2-40B4-BE49-F238E27FC236}">
-                <a16:creationId xmlns="" xmlns:a16="http://schemas.microsoft.com/office/drawing/2014/main" id="{3E8E8225-E7B4-E598-7AEB-66BC2EF7864E}"/>
+                <a16:creationId xmlns:a16="http://schemas.microsoft.com/office/drawing/2014/main" xmlns="" id="{3E8E8225-E7B4-E598-7AEB-66BC2EF7864E}"/>
               </a:ext>
             </a:extLst>
           </p:cNvPr>
@@ -9125,7 +9126,7 @@
           <p:cNvPr id="27" name="Google Shape;74;p14">
             <a:extLst>
               <a:ext uri="{FF2B5EF4-FFF2-40B4-BE49-F238E27FC236}">
-                <a16:creationId xmlns="" xmlns:a16="http://schemas.microsoft.com/office/drawing/2014/main" id="{F001360C-F541-C9AF-53E6-BA5E50272227}"/>
+                <a16:creationId xmlns:a16="http://schemas.microsoft.com/office/drawing/2014/main" xmlns="" id="{F001360C-F541-C9AF-53E6-BA5E50272227}"/>
               </a:ext>
             </a:extLst>
           </p:cNvPr>
@@ -9159,7 +9160,7 @@
           <p:cNvPr id="28" name="Google Shape;75;p14">
             <a:extLst>
               <a:ext uri="{FF2B5EF4-FFF2-40B4-BE49-F238E27FC236}">
-                <a16:creationId xmlns="" xmlns:a16="http://schemas.microsoft.com/office/drawing/2014/main" id="{BC47DF63-D787-76FF-F6E1-924DB122ED98}"/>
+                <a16:creationId xmlns:a16="http://schemas.microsoft.com/office/drawing/2014/main" xmlns="" id="{BC47DF63-D787-76FF-F6E1-924DB122ED98}"/>
               </a:ext>
             </a:extLst>
           </p:cNvPr>
@@ -9193,7 +9194,7 @@
           <p:cNvPr id="29" name="Google Shape;76;p14">
             <a:extLst>
               <a:ext uri="{FF2B5EF4-FFF2-40B4-BE49-F238E27FC236}">
-                <a16:creationId xmlns="" xmlns:a16="http://schemas.microsoft.com/office/drawing/2014/main" id="{E6DB3436-E7A1-74A4-306B-891B37C2E2BC}"/>
+                <a16:creationId xmlns:a16="http://schemas.microsoft.com/office/drawing/2014/main" xmlns="" id="{E6DB3436-E7A1-74A4-306B-891B37C2E2BC}"/>
               </a:ext>
             </a:extLst>
           </p:cNvPr>
@@ -9227,7 +9228,7 @@
           <p:cNvPr id="30" name="Google Shape;77;p14">
             <a:extLst>
               <a:ext uri="{FF2B5EF4-FFF2-40B4-BE49-F238E27FC236}">
-                <a16:creationId xmlns="" xmlns:a16="http://schemas.microsoft.com/office/drawing/2014/main" id="{4732D7A8-7A22-D333-C97E-9E6837577A1F}"/>
+                <a16:creationId xmlns:a16="http://schemas.microsoft.com/office/drawing/2014/main" xmlns="" id="{4732D7A8-7A22-D333-C97E-9E6837577A1F}"/>
               </a:ext>
             </a:extLst>
           </p:cNvPr>
@@ -9261,7 +9262,7 @@
           <p:cNvPr id="31" name="Google Shape;78;p14">
             <a:extLst>
               <a:ext uri="{FF2B5EF4-FFF2-40B4-BE49-F238E27FC236}">
-                <a16:creationId xmlns="" xmlns:a16="http://schemas.microsoft.com/office/drawing/2014/main" id="{56A704A4-652B-FEB3-E4FD-002BB01DD9FD}"/>
+                <a16:creationId xmlns:a16="http://schemas.microsoft.com/office/drawing/2014/main" xmlns="" id="{56A704A4-652B-FEB3-E4FD-002BB01DD9FD}"/>
               </a:ext>
             </a:extLst>
           </p:cNvPr>
@@ -9295,7 +9296,7 @@
           <p:cNvPr id="32" name="Google Shape;79;p14">
             <a:extLst>
               <a:ext uri="{FF2B5EF4-FFF2-40B4-BE49-F238E27FC236}">
-                <a16:creationId xmlns="" xmlns:a16="http://schemas.microsoft.com/office/drawing/2014/main" id="{2B1EC5ED-8A2C-AFB1-031C-190E068ED4D4}"/>
+                <a16:creationId xmlns:a16="http://schemas.microsoft.com/office/drawing/2014/main" xmlns="" id="{2B1EC5ED-8A2C-AFB1-031C-190E068ED4D4}"/>
               </a:ext>
             </a:extLst>
           </p:cNvPr>
@@ -9329,7 +9330,7 @@
           <p:cNvPr id="33" name="Google Shape;80;p14">
             <a:extLst>
               <a:ext uri="{FF2B5EF4-FFF2-40B4-BE49-F238E27FC236}">
-                <a16:creationId xmlns="" xmlns:a16="http://schemas.microsoft.com/office/drawing/2014/main" id="{66CD08D3-5714-3526-9D5B-B8686C293498}"/>
+                <a16:creationId xmlns:a16="http://schemas.microsoft.com/office/drawing/2014/main" xmlns="" id="{66CD08D3-5714-3526-9D5B-B8686C293498}"/>
               </a:ext>
             </a:extLst>
           </p:cNvPr>
@@ -9363,7 +9364,7 @@
           <p:cNvPr id="34" name="Google Shape;81;p14">
             <a:extLst>
               <a:ext uri="{FF2B5EF4-FFF2-40B4-BE49-F238E27FC236}">
-                <a16:creationId xmlns="" xmlns:a16="http://schemas.microsoft.com/office/drawing/2014/main" id="{08D2C6F6-EC7E-991B-0ABD-435E54875096}"/>
+                <a16:creationId xmlns:a16="http://schemas.microsoft.com/office/drawing/2014/main" xmlns="" id="{08D2C6F6-EC7E-991B-0ABD-435E54875096}"/>
               </a:ext>
             </a:extLst>
           </p:cNvPr>
@@ -9397,7 +9398,7 @@
           <p:cNvPr id="35" name="箭头: 五边形 34">
             <a:extLst>
               <a:ext uri="{FF2B5EF4-FFF2-40B4-BE49-F238E27FC236}">
-                <a16:creationId xmlns="" xmlns:a16="http://schemas.microsoft.com/office/drawing/2014/main" id="{45CBFFAB-1872-D837-E2C6-E919DC9EBA01}"/>
+                <a16:creationId xmlns:a16="http://schemas.microsoft.com/office/drawing/2014/main" xmlns="" id="{45CBFFAB-1872-D837-E2C6-E919DC9EBA01}"/>
               </a:ext>
             </a:extLst>
           </p:cNvPr>
@@ -9444,7 +9445,7 @@
           <p:cNvPr id="36" name="箭头: 五边形 35">
             <a:extLst>
               <a:ext uri="{FF2B5EF4-FFF2-40B4-BE49-F238E27FC236}">
-                <a16:creationId xmlns="" xmlns:a16="http://schemas.microsoft.com/office/drawing/2014/main" id="{E1B40010-B40E-1B8F-1326-136C2A5B675C}"/>
+                <a16:creationId xmlns:a16="http://schemas.microsoft.com/office/drawing/2014/main" xmlns="" id="{E1B40010-B40E-1B8F-1326-136C2A5B675C}"/>
               </a:ext>
             </a:extLst>
           </p:cNvPr>
@@ -9500,7 +9501,7 @@
           <p:cNvPr id="37" name="箭头: 五边形 36">
             <a:extLst>
               <a:ext uri="{FF2B5EF4-FFF2-40B4-BE49-F238E27FC236}">
-                <a16:creationId xmlns="" xmlns:a16="http://schemas.microsoft.com/office/drawing/2014/main" id="{3D0F7E28-4B9F-42FB-3041-A660EACDA846}"/>
+                <a16:creationId xmlns:a16="http://schemas.microsoft.com/office/drawing/2014/main" xmlns="" id="{3D0F7E28-4B9F-42FB-3041-A660EACDA846}"/>
               </a:ext>
             </a:extLst>
           </p:cNvPr>
@@ -9556,7 +9557,7 @@
           <p:cNvPr id="38" name="箭头: 五边形 37">
             <a:extLst>
               <a:ext uri="{FF2B5EF4-FFF2-40B4-BE49-F238E27FC236}">
-                <a16:creationId xmlns="" xmlns:a16="http://schemas.microsoft.com/office/drawing/2014/main" id="{F2C895B2-888C-AE59-96AA-DC572DF8AECF}"/>
+                <a16:creationId xmlns:a16="http://schemas.microsoft.com/office/drawing/2014/main" xmlns="" id="{F2C895B2-888C-AE59-96AA-DC572DF8AECF}"/>
               </a:ext>
             </a:extLst>
           </p:cNvPr>
@@ -9612,7 +9613,7 @@
           <p:cNvPr id="39" name="箭头: 五边形 38">
             <a:extLst>
               <a:ext uri="{FF2B5EF4-FFF2-40B4-BE49-F238E27FC236}">
-                <a16:creationId xmlns="" xmlns:a16="http://schemas.microsoft.com/office/drawing/2014/main" id="{FE7171F9-6901-D35F-3EBF-EF312187A7B1}"/>
+                <a16:creationId xmlns:a16="http://schemas.microsoft.com/office/drawing/2014/main" xmlns="" id="{FE7171F9-6901-D35F-3EBF-EF312187A7B1}"/>
               </a:ext>
             </a:extLst>
           </p:cNvPr>
@@ -9668,7 +9669,7 @@
           <p:cNvPr id="40" name="箭头: 五边形 39">
             <a:extLst>
               <a:ext uri="{FF2B5EF4-FFF2-40B4-BE49-F238E27FC236}">
-                <a16:creationId xmlns="" xmlns:a16="http://schemas.microsoft.com/office/drawing/2014/main" id="{16B50CFD-37FF-2522-847C-ED21245232E4}"/>
+                <a16:creationId xmlns:a16="http://schemas.microsoft.com/office/drawing/2014/main" xmlns="" id="{16B50CFD-37FF-2522-847C-ED21245232E4}"/>
               </a:ext>
             </a:extLst>
           </p:cNvPr>
@@ -9715,7 +9716,7 @@
           <p:cNvPr id="41" name="箭头: 五边形 40">
             <a:extLst>
               <a:ext uri="{FF2B5EF4-FFF2-40B4-BE49-F238E27FC236}">
-                <a16:creationId xmlns="" xmlns:a16="http://schemas.microsoft.com/office/drawing/2014/main" id="{E064F493-09BD-2E6B-64E8-D8FB51398996}"/>
+                <a16:creationId xmlns:a16="http://schemas.microsoft.com/office/drawing/2014/main" xmlns="" id="{E064F493-09BD-2E6B-64E8-D8FB51398996}"/>
               </a:ext>
             </a:extLst>
           </p:cNvPr>
@@ -9762,7 +9763,7 @@
           <p:cNvPr id="42" name="箭头: 五边形 41">
             <a:extLst>
               <a:ext uri="{FF2B5EF4-FFF2-40B4-BE49-F238E27FC236}">
-                <a16:creationId xmlns="" xmlns:a16="http://schemas.microsoft.com/office/drawing/2014/main" id="{17EE7FAC-09DB-BC90-8147-28775EF08FEB}"/>
+                <a16:creationId xmlns:a16="http://schemas.microsoft.com/office/drawing/2014/main" xmlns="" id="{17EE7FAC-09DB-BC90-8147-28775EF08FEB}"/>
               </a:ext>
             </a:extLst>
           </p:cNvPr>
@@ -9839,7 +9840,7 @@
           <p:cNvPr id="2" name="标题 1">
             <a:extLst>
               <a:ext uri="{FF2B5EF4-FFF2-40B4-BE49-F238E27FC236}">
-                <a16:creationId xmlns="" xmlns:a16="http://schemas.microsoft.com/office/drawing/2014/main" id="{80796E82-7314-2FBE-2DE8-DDD70D4DF27E}"/>
+                <a16:creationId xmlns:a16="http://schemas.microsoft.com/office/drawing/2014/main" xmlns="" id="{80796E82-7314-2FBE-2DE8-DDD70D4DF27E}"/>
               </a:ext>
             </a:extLst>
           </p:cNvPr>
@@ -9888,7 +9889,7 @@
           <p:cNvPr id="5" name="椭圆 4">
             <a:extLst>
               <a:ext uri="{FF2B5EF4-FFF2-40B4-BE49-F238E27FC236}">
-                <a16:creationId xmlns="" xmlns:a16="http://schemas.microsoft.com/office/drawing/2014/main" id="{A020CC41-9901-5A10-06D8-1F19650A3A6A}"/>
+                <a16:creationId xmlns:a16="http://schemas.microsoft.com/office/drawing/2014/main" xmlns="" id="{A020CC41-9901-5A10-06D8-1F19650A3A6A}"/>
               </a:ext>
             </a:extLst>
           </p:cNvPr>
@@ -9940,7 +9941,7 @@
           <p:cNvPr id="19" name="Google Shape;73;p14">
             <a:extLst>
               <a:ext uri="{FF2B5EF4-FFF2-40B4-BE49-F238E27FC236}">
-                <a16:creationId xmlns="" xmlns:a16="http://schemas.microsoft.com/office/drawing/2014/main" id="{3442D827-BE6F-DFBF-3B15-223B2753D9E9}"/>
+                <a16:creationId xmlns:a16="http://schemas.microsoft.com/office/drawing/2014/main" xmlns="" id="{3442D827-BE6F-DFBF-3B15-223B2753D9E9}"/>
               </a:ext>
             </a:extLst>
           </p:cNvPr>
@@ -9974,7 +9975,7 @@
           <p:cNvPr id="6" name="Google Shape;74;p14">
             <a:extLst>
               <a:ext uri="{FF2B5EF4-FFF2-40B4-BE49-F238E27FC236}">
-                <a16:creationId xmlns="" xmlns:a16="http://schemas.microsoft.com/office/drawing/2014/main" id="{8ABB2948-CF7D-7BD6-14B8-367574244CB2}"/>
+                <a16:creationId xmlns:a16="http://schemas.microsoft.com/office/drawing/2014/main" xmlns="" id="{8ABB2948-CF7D-7BD6-14B8-367574244CB2}"/>
               </a:ext>
             </a:extLst>
           </p:cNvPr>
@@ -10008,7 +10009,7 @@
           <p:cNvPr id="7" name="Google Shape;75;p14">
             <a:extLst>
               <a:ext uri="{FF2B5EF4-FFF2-40B4-BE49-F238E27FC236}">
-                <a16:creationId xmlns="" xmlns:a16="http://schemas.microsoft.com/office/drawing/2014/main" id="{744D1F6B-EBF7-049C-9CBC-D2BD265B8DB5}"/>
+                <a16:creationId xmlns:a16="http://schemas.microsoft.com/office/drawing/2014/main" xmlns="" id="{744D1F6B-EBF7-049C-9CBC-D2BD265B8DB5}"/>
               </a:ext>
             </a:extLst>
           </p:cNvPr>
@@ -10042,7 +10043,7 @@
           <p:cNvPr id="8" name="Google Shape;76;p14">
             <a:extLst>
               <a:ext uri="{FF2B5EF4-FFF2-40B4-BE49-F238E27FC236}">
-                <a16:creationId xmlns="" xmlns:a16="http://schemas.microsoft.com/office/drawing/2014/main" id="{A0604560-830C-4AC9-3717-031AA48B5D45}"/>
+                <a16:creationId xmlns:a16="http://schemas.microsoft.com/office/drawing/2014/main" xmlns="" id="{A0604560-830C-4AC9-3717-031AA48B5D45}"/>
               </a:ext>
             </a:extLst>
           </p:cNvPr>
@@ -10076,7 +10077,7 @@
           <p:cNvPr id="9" name="Google Shape;77;p14">
             <a:extLst>
               <a:ext uri="{FF2B5EF4-FFF2-40B4-BE49-F238E27FC236}">
-                <a16:creationId xmlns="" xmlns:a16="http://schemas.microsoft.com/office/drawing/2014/main" id="{DC03C87C-87BB-A5EB-0D50-DDB31F93A6C2}"/>
+                <a16:creationId xmlns:a16="http://schemas.microsoft.com/office/drawing/2014/main" xmlns="" id="{DC03C87C-87BB-A5EB-0D50-DDB31F93A6C2}"/>
               </a:ext>
             </a:extLst>
           </p:cNvPr>
@@ -10110,7 +10111,7 @@
           <p:cNvPr id="10" name="Google Shape;78;p14">
             <a:extLst>
               <a:ext uri="{FF2B5EF4-FFF2-40B4-BE49-F238E27FC236}">
-                <a16:creationId xmlns="" xmlns:a16="http://schemas.microsoft.com/office/drawing/2014/main" id="{281D3DED-9B64-E88B-FC5F-0C30B82A9484}"/>
+                <a16:creationId xmlns:a16="http://schemas.microsoft.com/office/drawing/2014/main" xmlns="" id="{281D3DED-9B64-E88B-FC5F-0C30B82A9484}"/>
               </a:ext>
             </a:extLst>
           </p:cNvPr>
@@ -10144,7 +10145,7 @@
           <p:cNvPr id="11" name="Google Shape;79;p14">
             <a:extLst>
               <a:ext uri="{FF2B5EF4-FFF2-40B4-BE49-F238E27FC236}">
-                <a16:creationId xmlns="" xmlns:a16="http://schemas.microsoft.com/office/drawing/2014/main" id="{0DAE55E6-D474-C395-BC84-8ACA3CE820A0}"/>
+                <a16:creationId xmlns:a16="http://schemas.microsoft.com/office/drawing/2014/main" xmlns="" id="{0DAE55E6-D474-C395-BC84-8ACA3CE820A0}"/>
               </a:ext>
             </a:extLst>
           </p:cNvPr>
@@ -10178,7 +10179,7 @@
           <p:cNvPr id="12" name="Google Shape;80;p14">
             <a:extLst>
               <a:ext uri="{FF2B5EF4-FFF2-40B4-BE49-F238E27FC236}">
-                <a16:creationId xmlns="" xmlns:a16="http://schemas.microsoft.com/office/drawing/2014/main" id="{3A5AAC50-9F06-A76F-B20B-35CF3612E825}"/>
+                <a16:creationId xmlns:a16="http://schemas.microsoft.com/office/drawing/2014/main" xmlns="" id="{3A5AAC50-9F06-A76F-B20B-35CF3612E825}"/>
               </a:ext>
             </a:extLst>
           </p:cNvPr>
@@ -10212,7 +10213,7 @@
           <p:cNvPr id="13" name="Google Shape;81;p14">
             <a:extLst>
               <a:ext uri="{FF2B5EF4-FFF2-40B4-BE49-F238E27FC236}">
-                <a16:creationId xmlns="" xmlns:a16="http://schemas.microsoft.com/office/drawing/2014/main" id="{F33B3BEC-1095-E464-2D03-703E55B0F8A0}"/>
+                <a16:creationId xmlns:a16="http://schemas.microsoft.com/office/drawing/2014/main" xmlns="" id="{F33B3BEC-1095-E464-2D03-703E55B0F8A0}"/>
               </a:ext>
             </a:extLst>
           </p:cNvPr>
@@ -10246,7 +10247,7 @@
           <p:cNvPr id="4" name="文本框 3">
             <a:extLst>
               <a:ext uri="{FF2B5EF4-FFF2-40B4-BE49-F238E27FC236}">
-                <a16:creationId xmlns="" xmlns:a16="http://schemas.microsoft.com/office/drawing/2014/main" id="{3E8E8225-E7B4-E598-7AEB-66BC2EF7864E}"/>
+                <a16:creationId xmlns:a16="http://schemas.microsoft.com/office/drawing/2014/main" xmlns="" id="{3E8E8225-E7B4-E598-7AEB-66BC2EF7864E}"/>
               </a:ext>
             </a:extLst>
           </p:cNvPr>
@@ -10286,7 +10287,7 @@
           <p:cNvPr id="31" name="箭头: 五边形 30">
             <a:extLst>
               <a:ext uri="{FF2B5EF4-FFF2-40B4-BE49-F238E27FC236}">
-                <a16:creationId xmlns="" xmlns:a16="http://schemas.microsoft.com/office/drawing/2014/main" id="{4B9E0D9B-D17E-69E7-1F9A-99DE7710B7A1}"/>
+                <a16:creationId xmlns:a16="http://schemas.microsoft.com/office/drawing/2014/main" xmlns="" id="{4B9E0D9B-D17E-69E7-1F9A-99DE7710B7A1}"/>
               </a:ext>
             </a:extLst>
           </p:cNvPr>
@@ -10333,7 +10334,7 @@
           <p:cNvPr id="32" name="箭头: 五边形 31">
             <a:extLst>
               <a:ext uri="{FF2B5EF4-FFF2-40B4-BE49-F238E27FC236}">
-                <a16:creationId xmlns="" xmlns:a16="http://schemas.microsoft.com/office/drawing/2014/main" id="{1C58B850-E627-D01E-6544-6FC012CCC33C}"/>
+                <a16:creationId xmlns:a16="http://schemas.microsoft.com/office/drawing/2014/main" xmlns="" id="{1C58B850-E627-D01E-6544-6FC012CCC33C}"/>
               </a:ext>
             </a:extLst>
           </p:cNvPr>
@@ -10389,7 +10390,7 @@
           <p:cNvPr id="33" name="箭头: 五边形 32">
             <a:extLst>
               <a:ext uri="{FF2B5EF4-FFF2-40B4-BE49-F238E27FC236}">
-                <a16:creationId xmlns="" xmlns:a16="http://schemas.microsoft.com/office/drawing/2014/main" id="{C768AE66-F650-1A37-7440-B571549FE915}"/>
+                <a16:creationId xmlns:a16="http://schemas.microsoft.com/office/drawing/2014/main" xmlns="" id="{C768AE66-F650-1A37-7440-B571549FE915}"/>
               </a:ext>
             </a:extLst>
           </p:cNvPr>
@@ -10445,7 +10446,7 @@
           <p:cNvPr id="34" name="箭头: 五边形 33">
             <a:extLst>
               <a:ext uri="{FF2B5EF4-FFF2-40B4-BE49-F238E27FC236}">
-                <a16:creationId xmlns="" xmlns:a16="http://schemas.microsoft.com/office/drawing/2014/main" id="{C73CB313-5C49-648F-D809-8346206978D1}"/>
+                <a16:creationId xmlns:a16="http://schemas.microsoft.com/office/drawing/2014/main" xmlns="" id="{C73CB313-5C49-648F-D809-8346206978D1}"/>
               </a:ext>
             </a:extLst>
           </p:cNvPr>
@@ -10501,7 +10502,7 @@
           <p:cNvPr id="35" name="箭头: 五边形 34">
             <a:extLst>
               <a:ext uri="{FF2B5EF4-FFF2-40B4-BE49-F238E27FC236}">
-                <a16:creationId xmlns="" xmlns:a16="http://schemas.microsoft.com/office/drawing/2014/main" id="{FC836AD9-A293-8E3F-664B-E692D69616E5}"/>
+                <a16:creationId xmlns:a16="http://schemas.microsoft.com/office/drawing/2014/main" xmlns="" id="{FC836AD9-A293-8E3F-664B-E692D69616E5}"/>
               </a:ext>
             </a:extLst>
           </p:cNvPr>
@@ -10557,7 +10558,7 @@
           <p:cNvPr id="37" name="箭头: 五边形 36">
             <a:extLst>
               <a:ext uri="{FF2B5EF4-FFF2-40B4-BE49-F238E27FC236}">
-                <a16:creationId xmlns="" xmlns:a16="http://schemas.microsoft.com/office/drawing/2014/main" id="{05ECD475-37EE-63E8-E9E5-EF81A4619214}"/>
+                <a16:creationId xmlns:a16="http://schemas.microsoft.com/office/drawing/2014/main" xmlns="" id="{05ECD475-37EE-63E8-E9E5-EF81A4619214}"/>
               </a:ext>
             </a:extLst>
           </p:cNvPr>
@@ -10604,7 +10605,7 @@
           <p:cNvPr id="38" name="箭头: 五边形 37">
             <a:extLst>
               <a:ext uri="{FF2B5EF4-FFF2-40B4-BE49-F238E27FC236}">
-                <a16:creationId xmlns="" xmlns:a16="http://schemas.microsoft.com/office/drawing/2014/main" id="{A6B5F2C7-042E-A328-27E2-FE7EEBDB2BDD}"/>
+                <a16:creationId xmlns:a16="http://schemas.microsoft.com/office/drawing/2014/main" xmlns="" id="{A6B5F2C7-042E-A328-27E2-FE7EEBDB2BDD}"/>
               </a:ext>
             </a:extLst>
           </p:cNvPr>
@@ -10651,7 +10652,7 @@
           <p:cNvPr id="39" name="箭头: 五边形 38">
             <a:extLst>
               <a:ext uri="{FF2B5EF4-FFF2-40B4-BE49-F238E27FC236}">
-                <a16:creationId xmlns="" xmlns:a16="http://schemas.microsoft.com/office/drawing/2014/main" id="{2D55E881-1EC3-4110-7472-1065FE27C440}"/>
+                <a16:creationId xmlns:a16="http://schemas.microsoft.com/office/drawing/2014/main" xmlns="" id="{2D55E881-1EC3-4110-7472-1065FE27C440}"/>
               </a:ext>
             </a:extLst>
           </p:cNvPr>
@@ -10728,7 +10729,7 @@
           <p:cNvPr id="2" name="标题 1">
             <a:extLst>
               <a:ext uri="{FF2B5EF4-FFF2-40B4-BE49-F238E27FC236}">
-                <a16:creationId xmlns="" xmlns:a16="http://schemas.microsoft.com/office/drawing/2014/main" id="{80796E82-7314-2FBE-2DE8-DDD70D4DF27E}"/>
+                <a16:creationId xmlns:a16="http://schemas.microsoft.com/office/drawing/2014/main" xmlns="" id="{80796E82-7314-2FBE-2DE8-DDD70D4DF27E}"/>
               </a:ext>
             </a:extLst>
           </p:cNvPr>
@@ -10777,7 +10778,7 @@
           <p:cNvPr id="5" name="椭圆 4">
             <a:extLst>
               <a:ext uri="{FF2B5EF4-FFF2-40B4-BE49-F238E27FC236}">
-                <a16:creationId xmlns="" xmlns:a16="http://schemas.microsoft.com/office/drawing/2014/main" id="{A020CC41-9901-5A10-06D8-1F19650A3A6A}"/>
+                <a16:creationId xmlns:a16="http://schemas.microsoft.com/office/drawing/2014/main" xmlns="" id="{A020CC41-9901-5A10-06D8-1F19650A3A6A}"/>
               </a:ext>
             </a:extLst>
           </p:cNvPr>
@@ -10829,7 +10830,7 @@
           <p:cNvPr id="19" name="Google Shape;73;p14">
             <a:extLst>
               <a:ext uri="{FF2B5EF4-FFF2-40B4-BE49-F238E27FC236}">
-                <a16:creationId xmlns="" xmlns:a16="http://schemas.microsoft.com/office/drawing/2014/main" id="{3442D827-BE6F-DFBF-3B15-223B2753D9E9}"/>
+                <a16:creationId xmlns:a16="http://schemas.microsoft.com/office/drawing/2014/main" xmlns="" id="{3442D827-BE6F-DFBF-3B15-223B2753D9E9}"/>
               </a:ext>
             </a:extLst>
           </p:cNvPr>
@@ -10863,7 +10864,7 @@
           <p:cNvPr id="4" name="文本框 3">
             <a:extLst>
               <a:ext uri="{FF2B5EF4-FFF2-40B4-BE49-F238E27FC236}">
-                <a16:creationId xmlns="" xmlns:a16="http://schemas.microsoft.com/office/drawing/2014/main" id="{3E8E8225-E7B4-E598-7AEB-66BC2EF7864E}"/>
+                <a16:creationId xmlns:a16="http://schemas.microsoft.com/office/drawing/2014/main" xmlns="" id="{3E8E8225-E7B4-E598-7AEB-66BC2EF7864E}"/>
               </a:ext>
             </a:extLst>
           </p:cNvPr>
@@ -10913,7 +10914,7 @@
           <p:cNvPr id="22" name="椭圆 21">
             <a:extLst>
               <a:ext uri="{FF2B5EF4-FFF2-40B4-BE49-F238E27FC236}">
-                <a16:creationId xmlns="" xmlns:a16="http://schemas.microsoft.com/office/drawing/2014/main" id="{4E75EC5F-C5EA-EA42-7F36-03E60DC340EA}"/>
+                <a16:creationId xmlns:a16="http://schemas.microsoft.com/office/drawing/2014/main" xmlns="" id="{4E75EC5F-C5EA-EA42-7F36-03E60DC340EA}"/>
               </a:ext>
             </a:extLst>
           </p:cNvPr>
@@ -10969,7 +10970,7 @@
           <p:cNvPr id="23" name="椭圆 22">
             <a:extLst>
               <a:ext uri="{FF2B5EF4-FFF2-40B4-BE49-F238E27FC236}">
-                <a16:creationId xmlns="" xmlns:a16="http://schemas.microsoft.com/office/drawing/2014/main" id="{BA952E59-C089-7749-A0B7-A5088390FAB8}"/>
+                <a16:creationId xmlns:a16="http://schemas.microsoft.com/office/drawing/2014/main" xmlns="" id="{BA952E59-C089-7749-A0B7-A5088390FAB8}"/>
               </a:ext>
             </a:extLst>
           </p:cNvPr>
@@ -11025,7 +11026,7 @@
           <p:cNvPr id="24" name="椭圆 23">
             <a:extLst>
               <a:ext uri="{FF2B5EF4-FFF2-40B4-BE49-F238E27FC236}">
-                <a16:creationId xmlns="" xmlns:a16="http://schemas.microsoft.com/office/drawing/2014/main" id="{A4A4D5D7-187E-AE99-3C62-2864073C8838}"/>
+                <a16:creationId xmlns:a16="http://schemas.microsoft.com/office/drawing/2014/main" xmlns="" id="{A4A4D5D7-187E-AE99-3C62-2864073C8838}"/>
               </a:ext>
             </a:extLst>
           </p:cNvPr>
@@ -11085,7 +11086,7 @@
           <p:cNvPr id="25" name="椭圆 24">
             <a:extLst>
               <a:ext uri="{FF2B5EF4-FFF2-40B4-BE49-F238E27FC236}">
-                <a16:creationId xmlns="" xmlns:a16="http://schemas.microsoft.com/office/drawing/2014/main" id="{10CF8DA3-C49C-2BED-92B6-1728851E6352}"/>
+                <a16:creationId xmlns:a16="http://schemas.microsoft.com/office/drawing/2014/main" xmlns="" id="{10CF8DA3-C49C-2BED-92B6-1728851E6352}"/>
               </a:ext>
             </a:extLst>
           </p:cNvPr>
@@ -11145,7 +11146,7 @@
           <p:cNvPr id="3" name="矩形 2">
             <a:extLst>
               <a:ext uri="{FF2B5EF4-FFF2-40B4-BE49-F238E27FC236}">
-                <a16:creationId xmlns="" xmlns:a16="http://schemas.microsoft.com/office/drawing/2014/main" id="{E58FCDA4-B35B-B0FC-BF81-317243318E0C}"/>
+                <a16:creationId xmlns:a16="http://schemas.microsoft.com/office/drawing/2014/main" xmlns="" id="{E58FCDA4-B35B-B0FC-BF81-317243318E0C}"/>
               </a:ext>
             </a:extLst>
           </p:cNvPr>
@@ -11196,7 +11197,7 @@
           <p:cNvPr id="14" name="文本框 13">
             <a:extLst>
               <a:ext uri="{FF2B5EF4-FFF2-40B4-BE49-F238E27FC236}">
-                <a16:creationId xmlns="" xmlns:a16="http://schemas.microsoft.com/office/drawing/2014/main" id="{86C23270-8523-9E1F-9089-1BAE5BB2BA1E}"/>
+                <a16:creationId xmlns:a16="http://schemas.microsoft.com/office/drawing/2014/main" xmlns="" id="{86C23270-8523-9E1F-9089-1BAE5BB2BA1E}"/>
               </a:ext>
             </a:extLst>
           </p:cNvPr>
@@ -11235,7 +11236,7 @@
           <p:cNvPr id="28" name="Google Shape;95;p14">
             <a:extLst>
               <a:ext uri="{FF2B5EF4-FFF2-40B4-BE49-F238E27FC236}">
-                <a16:creationId xmlns="" xmlns:a16="http://schemas.microsoft.com/office/drawing/2014/main" id="{EEDC2338-19B0-9AEF-E3AB-A6669DB1AB3C}"/>
+                <a16:creationId xmlns:a16="http://schemas.microsoft.com/office/drawing/2014/main" xmlns="" id="{EEDC2338-19B0-9AEF-E3AB-A6669DB1AB3C}"/>
               </a:ext>
             </a:extLst>
           </p:cNvPr>
@@ -11280,7 +11281,7 @@
           <p:cNvPr id="30" name="Google Shape;95;p14">
             <a:extLst>
               <a:ext uri="{FF2B5EF4-FFF2-40B4-BE49-F238E27FC236}">
-                <a16:creationId xmlns="" xmlns:a16="http://schemas.microsoft.com/office/drawing/2014/main" id="{ED46A2FC-07A8-D7CB-1BD8-0E661350E51A}"/>
+                <a16:creationId xmlns:a16="http://schemas.microsoft.com/office/drawing/2014/main" xmlns="" id="{ED46A2FC-07A8-D7CB-1BD8-0E661350E51A}"/>
               </a:ext>
             </a:extLst>
           </p:cNvPr>
@@ -11325,7 +11326,7 @@
           <p:cNvPr id="40" name="Google Shape;95;p14">
             <a:extLst>
               <a:ext uri="{FF2B5EF4-FFF2-40B4-BE49-F238E27FC236}">
-                <a16:creationId xmlns="" xmlns:a16="http://schemas.microsoft.com/office/drawing/2014/main" id="{5C0D3D95-6875-4112-D7AD-10A524259CD9}"/>
+                <a16:creationId xmlns:a16="http://schemas.microsoft.com/office/drawing/2014/main" xmlns="" id="{5C0D3D95-6875-4112-D7AD-10A524259CD9}"/>
               </a:ext>
             </a:extLst>
           </p:cNvPr>
@@ -11370,7 +11371,7 @@
           <p:cNvPr id="36" name="Google Shape;95;p14">
             <a:extLst>
               <a:ext uri="{FF2B5EF4-FFF2-40B4-BE49-F238E27FC236}">
-                <a16:creationId xmlns="" xmlns:a16="http://schemas.microsoft.com/office/drawing/2014/main" id="{9E119CFD-5E2B-65ED-E815-3244ADC9A772}"/>
+                <a16:creationId xmlns:a16="http://schemas.microsoft.com/office/drawing/2014/main" xmlns="" id="{9E119CFD-5E2B-65ED-E815-3244ADC9A772}"/>
               </a:ext>
             </a:extLst>
           </p:cNvPr>
@@ -11415,7 +11416,7 @@
           <p:cNvPr id="41" name="Google Shape;95;p14">
             <a:extLst>
               <a:ext uri="{FF2B5EF4-FFF2-40B4-BE49-F238E27FC236}">
-                <a16:creationId xmlns="" xmlns:a16="http://schemas.microsoft.com/office/drawing/2014/main" id="{2EE8C164-4A50-6B68-5212-66A52AD354FF}"/>
+                <a16:creationId xmlns:a16="http://schemas.microsoft.com/office/drawing/2014/main" xmlns="" id="{2EE8C164-4A50-6B68-5212-66A52AD354FF}"/>
               </a:ext>
             </a:extLst>
           </p:cNvPr>
@@ -11460,7 +11461,7 @@
           <p:cNvPr id="42" name="文本框 41">
             <a:extLst>
               <a:ext uri="{FF2B5EF4-FFF2-40B4-BE49-F238E27FC236}">
-                <a16:creationId xmlns="" xmlns:a16="http://schemas.microsoft.com/office/drawing/2014/main" id="{30BA300D-7904-1EA9-E1AF-5BB52B9C2B3C}"/>
+                <a16:creationId xmlns:a16="http://schemas.microsoft.com/office/drawing/2014/main" xmlns="" id="{30BA300D-7904-1EA9-E1AF-5BB52B9C2B3C}"/>
               </a:ext>
             </a:extLst>
           </p:cNvPr>
@@ -11504,7 +11505,7 @@
           <p:cNvPr id="43" name="Google Shape;74;p14">
             <a:extLst>
               <a:ext uri="{FF2B5EF4-FFF2-40B4-BE49-F238E27FC236}">
-                <a16:creationId xmlns="" xmlns:a16="http://schemas.microsoft.com/office/drawing/2014/main" id="{E48899FC-526F-8B64-1631-CF40D6C5BAEC}"/>
+                <a16:creationId xmlns:a16="http://schemas.microsoft.com/office/drawing/2014/main" xmlns="" id="{E48899FC-526F-8B64-1631-CF40D6C5BAEC}"/>
               </a:ext>
             </a:extLst>
           </p:cNvPr>
@@ -11538,7 +11539,7 @@
           <p:cNvPr id="44" name="Google Shape;75;p14">
             <a:extLst>
               <a:ext uri="{FF2B5EF4-FFF2-40B4-BE49-F238E27FC236}">
-                <a16:creationId xmlns="" xmlns:a16="http://schemas.microsoft.com/office/drawing/2014/main" id="{088679CF-39C5-ECE6-59D7-27F53A9AB563}"/>
+                <a16:creationId xmlns:a16="http://schemas.microsoft.com/office/drawing/2014/main" xmlns="" id="{088679CF-39C5-ECE6-59D7-27F53A9AB563}"/>
               </a:ext>
             </a:extLst>
           </p:cNvPr>
@@ -11572,7 +11573,7 @@
           <p:cNvPr id="45" name="Google Shape;76;p14">
             <a:extLst>
               <a:ext uri="{FF2B5EF4-FFF2-40B4-BE49-F238E27FC236}">
-                <a16:creationId xmlns="" xmlns:a16="http://schemas.microsoft.com/office/drawing/2014/main" id="{AE138E72-5785-8C58-5E75-AFE4DE780F49}"/>
+                <a16:creationId xmlns:a16="http://schemas.microsoft.com/office/drawing/2014/main" xmlns="" id="{AE138E72-5785-8C58-5E75-AFE4DE780F49}"/>
               </a:ext>
             </a:extLst>
           </p:cNvPr>
@@ -11606,7 +11607,7 @@
           <p:cNvPr id="46" name="Google Shape;77;p14">
             <a:extLst>
               <a:ext uri="{FF2B5EF4-FFF2-40B4-BE49-F238E27FC236}">
-                <a16:creationId xmlns="" xmlns:a16="http://schemas.microsoft.com/office/drawing/2014/main" id="{66A469E8-3612-14E6-B23E-7FBEFD2A264F}"/>
+                <a16:creationId xmlns:a16="http://schemas.microsoft.com/office/drawing/2014/main" xmlns="" id="{66A469E8-3612-14E6-B23E-7FBEFD2A264F}"/>
               </a:ext>
             </a:extLst>
           </p:cNvPr>
@@ -11640,7 +11641,7 @@
           <p:cNvPr id="47" name="Google Shape;78;p14">
             <a:extLst>
               <a:ext uri="{FF2B5EF4-FFF2-40B4-BE49-F238E27FC236}">
-                <a16:creationId xmlns="" xmlns:a16="http://schemas.microsoft.com/office/drawing/2014/main" id="{BC96CA4D-3E93-F066-7EF4-6418372B4FCD}"/>
+                <a16:creationId xmlns:a16="http://schemas.microsoft.com/office/drawing/2014/main" xmlns="" id="{BC96CA4D-3E93-F066-7EF4-6418372B4FCD}"/>
               </a:ext>
             </a:extLst>
           </p:cNvPr>
@@ -11674,7 +11675,7 @@
           <p:cNvPr id="48" name="Google Shape;79;p14">
             <a:extLst>
               <a:ext uri="{FF2B5EF4-FFF2-40B4-BE49-F238E27FC236}">
-                <a16:creationId xmlns="" xmlns:a16="http://schemas.microsoft.com/office/drawing/2014/main" id="{ABE0846A-4C61-8491-DA0B-C55034726178}"/>
+                <a16:creationId xmlns:a16="http://schemas.microsoft.com/office/drawing/2014/main" xmlns="" id="{ABE0846A-4C61-8491-DA0B-C55034726178}"/>
               </a:ext>
             </a:extLst>
           </p:cNvPr>
@@ -11708,7 +11709,7 @@
           <p:cNvPr id="49" name="Google Shape;80;p14">
             <a:extLst>
               <a:ext uri="{FF2B5EF4-FFF2-40B4-BE49-F238E27FC236}">
-                <a16:creationId xmlns="" xmlns:a16="http://schemas.microsoft.com/office/drawing/2014/main" id="{B7F3B198-1A53-B78D-FABF-2828A0B7F923}"/>
+                <a16:creationId xmlns:a16="http://schemas.microsoft.com/office/drawing/2014/main" xmlns="" id="{B7F3B198-1A53-B78D-FABF-2828A0B7F923}"/>
               </a:ext>
             </a:extLst>
           </p:cNvPr>
@@ -11742,7 +11743,7 @@
           <p:cNvPr id="50" name="Google Shape;81;p14">
             <a:extLst>
               <a:ext uri="{FF2B5EF4-FFF2-40B4-BE49-F238E27FC236}">
-                <a16:creationId xmlns="" xmlns:a16="http://schemas.microsoft.com/office/drawing/2014/main" id="{4CBC555B-EEC2-5C97-BC99-4D39E31ADF7B}"/>
+                <a16:creationId xmlns:a16="http://schemas.microsoft.com/office/drawing/2014/main" xmlns="" id="{4CBC555B-EEC2-5C97-BC99-4D39E31ADF7B}"/>
               </a:ext>
             </a:extLst>
           </p:cNvPr>
@@ -11776,7 +11777,7 @@
           <p:cNvPr id="51" name="箭头: 五边形 50">
             <a:extLst>
               <a:ext uri="{FF2B5EF4-FFF2-40B4-BE49-F238E27FC236}">
-                <a16:creationId xmlns="" xmlns:a16="http://schemas.microsoft.com/office/drawing/2014/main" id="{A15E417E-5C3E-CBC1-B518-A7B4FB3DFA5F}"/>
+                <a16:creationId xmlns:a16="http://schemas.microsoft.com/office/drawing/2014/main" xmlns="" id="{A15E417E-5C3E-CBC1-B518-A7B4FB3DFA5F}"/>
               </a:ext>
             </a:extLst>
           </p:cNvPr>
@@ -11823,7 +11824,7 @@
           <p:cNvPr id="52" name="箭头: 五边形 51">
             <a:extLst>
               <a:ext uri="{FF2B5EF4-FFF2-40B4-BE49-F238E27FC236}">
-                <a16:creationId xmlns="" xmlns:a16="http://schemas.microsoft.com/office/drawing/2014/main" id="{3F990466-3C46-33F3-0E3C-1AC438764343}"/>
+                <a16:creationId xmlns:a16="http://schemas.microsoft.com/office/drawing/2014/main" xmlns="" id="{3F990466-3C46-33F3-0E3C-1AC438764343}"/>
               </a:ext>
             </a:extLst>
           </p:cNvPr>
@@ -11879,7 +11880,7 @@
           <p:cNvPr id="53" name="箭头: 五边形 52">
             <a:extLst>
               <a:ext uri="{FF2B5EF4-FFF2-40B4-BE49-F238E27FC236}">
-                <a16:creationId xmlns="" xmlns:a16="http://schemas.microsoft.com/office/drawing/2014/main" id="{82E481AF-A1FF-14F6-55A8-EF2C5038F04E}"/>
+                <a16:creationId xmlns:a16="http://schemas.microsoft.com/office/drawing/2014/main" xmlns="" id="{82E481AF-A1FF-14F6-55A8-EF2C5038F04E}"/>
               </a:ext>
             </a:extLst>
           </p:cNvPr>
@@ -11935,7 +11936,7 @@
           <p:cNvPr id="54" name="箭头: 五边形 53">
             <a:extLst>
               <a:ext uri="{FF2B5EF4-FFF2-40B4-BE49-F238E27FC236}">
-                <a16:creationId xmlns="" xmlns:a16="http://schemas.microsoft.com/office/drawing/2014/main" id="{0AB3C1ED-A3EF-0632-1FB9-9F2D89CE6389}"/>
+                <a16:creationId xmlns:a16="http://schemas.microsoft.com/office/drawing/2014/main" xmlns="" id="{0AB3C1ED-A3EF-0632-1FB9-9F2D89CE6389}"/>
               </a:ext>
             </a:extLst>
           </p:cNvPr>
@@ -11991,7 +11992,7 @@
           <p:cNvPr id="55" name="箭头: 五边形 54">
             <a:extLst>
               <a:ext uri="{FF2B5EF4-FFF2-40B4-BE49-F238E27FC236}">
-                <a16:creationId xmlns="" xmlns:a16="http://schemas.microsoft.com/office/drawing/2014/main" id="{97931E3B-652F-32D7-F2C2-5EDAC4D5B299}"/>
+                <a16:creationId xmlns:a16="http://schemas.microsoft.com/office/drawing/2014/main" xmlns="" id="{97931E3B-652F-32D7-F2C2-5EDAC4D5B299}"/>
               </a:ext>
             </a:extLst>
           </p:cNvPr>
@@ -12047,7 +12048,7 @@
           <p:cNvPr id="56" name="箭头: 五边形 55">
             <a:extLst>
               <a:ext uri="{FF2B5EF4-FFF2-40B4-BE49-F238E27FC236}">
-                <a16:creationId xmlns="" xmlns:a16="http://schemas.microsoft.com/office/drawing/2014/main" id="{BD53DE19-CAE1-79A8-2FA1-61C6E6E67D40}"/>
+                <a16:creationId xmlns:a16="http://schemas.microsoft.com/office/drawing/2014/main" xmlns="" id="{BD53DE19-CAE1-79A8-2FA1-61C6E6E67D40}"/>
               </a:ext>
             </a:extLst>
           </p:cNvPr>
@@ -12094,7 +12095,7 @@
           <p:cNvPr id="57" name="箭头: 五边形 56">
             <a:extLst>
               <a:ext uri="{FF2B5EF4-FFF2-40B4-BE49-F238E27FC236}">
-                <a16:creationId xmlns="" xmlns:a16="http://schemas.microsoft.com/office/drawing/2014/main" id="{54A7E9A7-A08E-D7A0-C9DD-95DEF8009AAF}"/>
+                <a16:creationId xmlns:a16="http://schemas.microsoft.com/office/drawing/2014/main" xmlns="" id="{54A7E9A7-A08E-D7A0-C9DD-95DEF8009AAF}"/>
               </a:ext>
             </a:extLst>
           </p:cNvPr>
@@ -12141,7 +12142,7 @@
           <p:cNvPr id="58" name="箭头: 五边形 57">
             <a:extLst>
               <a:ext uri="{FF2B5EF4-FFF2-40B4-BE49-F238E27FC236}">
-                <a16:creationId xmlns="" xmlns:a16="http://schemas.microsoft.com/office/drawing/2014/main" id="{17D488BC-2AD8-AA46-3898-7D1625A12033}"/>
+                <a16:creationId xmlns:a16="http://schemas.microsoft.com/office/drawing/2014/main" xmlns="" id="{17D488BC-2AD8-AA46-3898-7D1625A12033}"/>
               </a:ext>
             </a:extLst>
           </p:cNvPr>
@@ -12218,7 +12219,7 @@
           <p:cNvPr id="2" name="标题 1">
             <a:extLst>
               <a:ext uri="{FF2B5EF4-FFF2-40B4-BE49-F238E27FC236}">
-                <a16:creationId xmlns="" xmlns:a16="http://schemas.microsoft.com/office/drawing/2014/main" id="{80796E82-7314-2FBE-2DE8-DDD70D4DF27E}"/>
+                <a16:creationId xmlns:a16="http://schemas.microsoft.com/office/drawing/2014/main" xmlns="" id="{80796E82-7314-2FBE-2DE8-DDD70D4DF27E}"/>
               </a:ext>
             </a:extLst>
           </p:cNvPr>
@@ -12267,7 +12268,7 @@
           <p:cNvPr id="5" name="椭圆 4">
             <a:extLst>
               <a:ext uri="{FF2B5EF4-FFF2-40B4-BE49-F238E27FC236}">
-                <a16:creationId xmlns="" xmlns:a16="http://schemas.microsoft.com/office/drawing/2014/main" id="{A020CC41-9901-5A10-06D8-1F19650A3A6A}"/>
+                <a16:creationId xmlns:a16="http://schemas.microsoft.com/office/drawing/2014/main" xmlns="" id="{A020CC41-9901-5A10-06D8-1F19650A3A6A}"/>
               </a:ext>
             </a:extLst>
           </p:cNvPr>
@@ -12319,7 +12320,7 @@
           <p:cNvPr id="19" name="Google Shape;73;p14">
             <a:extLst>
               <a:ext uri="{FF2B5EF4-FFF2-40B4-BE49-F238E27FC236}">
-                <a16:creationId xmlns="" xmlns:a16="http://schemas.microsoft.com/office/drawing/2014/main" id="{3442D827-BE6F-DFBF-3B15-223B2753D9E9}"/>
+                <a16:creationId xmlns:a16="http://schemas.microsoft.com/office/drawing/2014/main" xmlns="" id="{3442D827-BE6F-DFBF-3B15-223B2753D9E9}"/>
               </a:ext>
             </a:extLst>
           </p:cNvPr>
@@ -12353,7 +12354,7 @@
           <p:cNvPr id="6" name="Google Shape;74;p14">
             <a:extLst>
               <a:ext uri="{FF2B5EF4-FFF2-40B4-BE49-F238E27FC236}">
-                <a16:creationId xmlns="" xmlns:a16="http://schemas.microsoft.com/office/drawing/2014/main" id="{8ABB2948-CF7D-7BD6-14B8-367574244CB2}"/>
+                <a16:creationId xmlns:a16="http://schemas.microsoft.com/office/drawing/2014/main" xmlns="" id="{8ABB2948-CF7D-7BD6-14B8-367574244CB2}"/>
               </a:ext>
             </a:extLst>
           </p:cNvPr>
@@ -12387,7 +12388,7 @@
           <p:cNvPr id="8" name="Google Shape;76;p14">
             <a:extLst>
               <a:ext uri="{FF2B5EF4-FFF2-40B4-BE49-F238E27FC236}">
-                <a16:creationId xmlns="" xmlns:a16="http://schemas.microsoft.com/office/drawing/2014/main" id="{A0604560-830C-4AC9-3717-031AA48B5D45}"/>
+                <a16:creationId xmlns:a16="http://schemas.microsoft.com/office/drawing/2014/main" xmlns="" id="{A0604560-830C-4AC9-3717-031AA48B5D45}"/>
               </a:ext>
             </a:extLst>
           </p:cNvPr>
@@ -12421,7 +12422,7 @@
           <p:cNvPr id="11" name="Google Shape;79;p14">
             <a:extLst>
               <a:ext uri="{FF2B5EF4-FFF2-40B4-BE49-F238E27FC236}">
-                <a16:creationId xmlns="" xmlns:a16="http://schemas.microsoft.com/office/drawing/2014/main" id="{0DAE55E6-D474-C395-BC84-8ACA3CE820A0}"/>
+                <a16:creationId xmlns:a16="http://schemas.microsoft.com/office/drawing/2014/main" xmlns="" id="{0DAE55E6-D474-C395-BC84-8ACA3CE820A0}"/>
               </a:ext>
             </a:extLst>
           </p:cNvPr>
@@ -12455,7 +12456,7 @@
           <p:cNvPr id="12" name="Google Shape;80;p14">
             <a:extLst>
               <a:ext uri="{FF2B5EF4-FFF2-40B4-BE49-F238E27FC236}">
-                <a16:creationId xmlns="" xmlns:a16="http://schemas.microsoft.com/office/drawing/2014/main" id="{3A5AAC50-9F06-A76F-B20B-35CF3612E825}"/>
+                <a16:creationId xmlns:a16="http://schemas.microsoft.com/office/drawing/2014/main" xmlns="" id="{3A5AAC50-9F06-A76F-B20B-35CF3612E825}"/>
               </a:ext>
             </a:extLst>
           </p:cNvPr>
@@ -12489,7 +12490,7 @@
           <p:cNvPr id="4" name="文本框 3">
             <a:extLst>
               <a:ext uri="{FF2B5EF4-FFF2-40B4-BE49-F238E27FC236}">
-                <a16:creationId xmlns="" xmlns:a16="http://schemas.microsoft.com/office/drawing/2014/main" id="{3E8E8225-E7B4-E598-7AEB-66BC2EF7864E}"/>
+                <a16:creationId xmlns:a16="http://schemas.microsoft.com/office/drawing/2014/main" xmlns="" id="{3E8E8225-E7B4-E598-7AEB-66BC2EF7864E}"/>
               </a:ext>
             </a:extLst>
           </p:cNvPr>
@@ -12529,7 +12530,7 @@
           <p:cNvPr id="31" name="箭头: 五边形 30">
             <a:extLst>
               <a:ext uri="{FF2B5EF4-FFF2-40B4-BE49-F238E27FC236}">
-                <a16:creationId xmlns="" xmlns:a16="http://schemas.microsoft.com/office/drawing/2014/main" id="{4B9E0D9B-D17E-69E7-1F9A-99DE7710B7A1}"/>
+                <a16:creationId xmlns:a16="http://schemas.microsoft.com/office/drawing/2014/main" xmlns="" id="{4B9E0D9B-D17E-69E7-1F9A-99DE7710B7A1}"/>
               </a:ext>
             </a:extLst>
           </p:cNvPr>
@@ -12576,7 +12577,7 @@
           <p:cNvPr id="33" name="箭头: 五边形 32">
             <a:extLst>
               <a:ext uri="{FF2B5EF4-FFF2-40B4-BE49-F238E27FC236}">
-                <a16:creationId xmlns="" xmlns:a16="http://schemas.microsoft.com/office/drawing/2014/main" id="{C768AE66-F650-1A37-7440-B571549FE915}"/>
+                <a16:creationId xmlns:a16="http://schemas.microsoft.com/office/drawing/2014/main" xmlns="" id="{C768AE66-F650-1A37-7440-B571549FE915}"/>
               </a:ext>
             </a:extLst>
           </p:cNvPr>
@@ -12632,7 +12633,7 @@
           <p:cNvPr id="35" name="箭头: 五边形 34">
             <a:extLst>
               <a:ext uri="{FF2B5EF4-FFF2-40B4-BE49-F238E27FC236}">
-                <a16:creationId xmlns="" xmlns:a16="http://schemas.microsoft.com/office/drawing/2014/main" id="{FC836AD9-A293-8E3F-664B-E692D69616E5}"/>
+                <a16:creationId xmlns:a16="http://schemas.microsoft.com/office/drawing/2014/main" xmlns="" id="{FC836AD9-A293-8E3F-664B-E692D69616E5}"/>
               </a:ext>
             </a:extLst>
           </p:cNvPr>
@@ -12688,7 +12689,7 @@
           <p:cNvPr id="37" name="箭头: 五边形 36">
             <a:extLst>
               <a:ext uri="{FF2B5EF4-FFF2-40B4-BE49-F238E27FC236}">
-                <a16:creationId xmlns="" xmlns:a16="http://schemas.microsoft.com/office/drawing/2014/main" id="{05ECD475-37EE-63E8-E9E5-EF81A4619214}"/>
+                <a16:creationId xmlns:a16="http://schemas.microsoft.com/office/drawing/2014/main" xmlns="" id="{05ECD475-37EE-63E8-E9E5-EF81A4619214}"/>
               </a:ext>
             </a:extLst>
           </p:cNvPr>
@@ -12735,7 +12736,7 @@
           <p:cNvPr id="30" name="Google Shape;75;p14">
             <a:extLst>
               <a:ext uri="{FF2B5EF4-FFF2-40B4-BE49-F238E27FC236}">
-                <a16:creationId xmlns="" xmlns:a16="http://schemas.microsoft.com/office/drawing/2014/main" id="{E8CD191A-BC20-B4B9-0F77-A770F7BFAC28}"/>
+                <a16:creationId xmlns:a16="http://schemas.microsoft.com/office/drawing/2014/main" xmlns="" id="{E8CD191A-BC20-B4B9-0F77-A770F7BFAC28}"/>
               </a:ext>
             </a:extLst>
           </p:cNvPr>
@@ -12769,7 +12770,7 @@
           <p:cNvPr id="36" name="Google Shape;77;p14">
             <a:extLst>
               <a:ext uri="{FF2B5EF4-FFF2-40B4-BE49-F238E27FC236}">
-                <a16:creationId xmlns="" xmlns:a16="http://schemas.microsoft.com/office/drawing/2014/main" id="{D2A03513-860E-AEB3-C60B-B28086582A81}"/>
+                <a16:creationId xmlns:a16="http://schemas.microsoft.com/office/drawing/2014/main" xmlns="" id="{D2A03513-860E-AEB3-C60B-B28086582A81}"/>
               </a:ext>
             </a:extLst>
           </p:cNvPr>
@@ -12803,7 +12804,7 @@
           <p:cNvPr id="40" name="Google Shape;78;p14">
             <a:extLst>
               <a:ext uri="{FF2B5EF4-FFF2-40B4-BE49-F238E27FC236}">
-                <a16:creationId xmlns="" xmlns:a16="http://schemas.microsoft.com/office/drawing/2014/main" id="{4192ED35-AB80-8468-99E1-C9A9BDA8A7D3}"/>
+                <a16:creationId xmlns:a16="http://schemas.microsoft.com/office/drawing/2014/main" xmlns="" id="{4192ED35-AB80-8468-99E1-C9A9BDA8A7D3}"/>
               </a:ext>
             </a:extLst>
           </p:cNvPr>
@@ -12837,7 +12838,7 @@
           <p:cNvPr id="41" name="Google Shape;81;p14">
             <a:extLst>
               <a:ext uri="{FF2B5EF4-FFF2-40B4-BE49-F238E27FC236}">
-                <a16:creationId xmlns="" xmlns:a16="http://schemas.microsoft.com/office/drawing/2014/main" id="{C0FC87F9-1543-0D73-36B0-9CD905C3E530}"/>
+                <a16:creationId xmlns:a16="http://schemas.microsoft.com/office/drawing/2014/main" xmlns="" id="{C0FC87F9-1543-0D73-36B0-9CD905C3E530}"/>
               </a:ext>
             </a:extLst>
           </p:cNvPr>
@@ -12871,7 +12872,7 @@
           <p:cNvPr id="42" name="箭头: 五边形 41">
             <a:extLst>
               <a:ext uri="{FF2B5EF4-FFF2-40B4-BE49-F238E27FC236}">
-                <a16:creationId xmlns="" xmlns:a16="http://schemas.microsoft.com/office/drawing/2014/main" id="{7EBEF984-F98B-ADD1-3CDC-6AB1174A8D83}"/>
+                <a16:creationId xmlns:a16="http://schemas.microsoft.com/office/drawing/2014/main" xmlns="" id="{7EBEF984-F98B-ADD1-3CDC-6AB1174A8D83}"/>
               </a:ext>
             </a:extLst>
           </p:cNvPr>
@@ -12927,7 +12928,7 @@
           <p:cNvPr id="43" name="箭头: 五边形 42">
             <a:extLst>
               <a:ext uri="{FF2B5EF4-FFF2-40B4-BE49-F238E27FC236}">
-                <a16:creationId xmlns="" xmlns:a16="http://schemas.microsoft.com/office/drawing/2014/main" id="{35BD309B-9ECD-3FBE-FBC4-1E1A07BE57C7}"/>
+                <a16:creationId xmlns:a16="http://schemas.microsoft.com/office/drawing/2014/main" xmlns="" id="{35BD309B-9ECD-3FBE-FBC4-1E1A07BE57C7}"/>
               </a:ext>
             </a:extLst>
           </p:cNvPr>
@@ -12983,7 +12984,7 @@
           <p:cNvPr id="44" name="箭头: 五边形 43">
             <a:extLst>
               <a:ext uri="{FF2B5EF4-FFF2-40B4-BE49-F238E27FC236}">
-                <a16:creationId xmlns="" xmlns:a16="http://schemas.microsoft.com/office/drawing/2014/main" id="{15FD29AB-A713-CB93-D601-DC1B84060FE1}"/>
+                <a16:creationId xmlns:a16="http://schemas.microsoft.com/office/drawing/2014/main" xmlns="" id="{15FD29AB-A713-CB93-D601-DC1B84060FE1}"/>
               </a:ext>
             </a:extLst>
           </p:cNvPr>
@@ -13030,7 +13031,7 @@
           <p:cNvPr id="45" name="箭头: 五边形 44">
             <a:extLst>
               <a:ext uri="{FF2B5EF4-FFF2-40B4-BE49-F238E27FC236}">
-                <a16:creationId xmlns="" xmlns:a16="http://schemas.microsoft.com/office/drawing/2014/main" id="{985479B4-7D41-B26B-85E4-9E2F0030D890}"/>
+                <a16:creationId xmlns:a16="http://schemas.microsoft.com/office/drawing/2014/main" xmlns="" id="{985479B4-7D41-B26B-85E4-9E2F0030D890}"/>
               </a:ext>
             </a:extLst>
           </p:cNvPr>
@@ -14204,7 +14205,7 @@
           <p:cNvPr id="41" name="椭圆 40">
             <a:extLst>
               <a:ext uri="{FF2B5EF4-FFF2-40B4-BE49-F238E27FC236}">
-                <a16:creationId xmlns="" xmlns:a16="http://schemas.microsoft.com/office/drawing/2014/main" id="{94C17F89-4022-3282-1B5A-F455F1578F55}"/>
+                <a16:creationId xmlns:a16="http://schemas.microsoft.com/office/drawing/2014/main" xmlns="" id="{94C17F89-4022-3282-1B5A-F455F1578F55}"/>
               </a:ext>
             </a:extLst>
           </p:cNvPr>
@@ -14256,7 +14257,7 @@
           <p:cNvPr id="42" name="Google Shape;85;p14">
             <a:extLst>
               <a:ext uri="{FF2B5EF4-FFF2-40B4-BE49-F238E27FC236}">
-                <a16:creationId xmlns="" xmlns:a16="http://schemas.microsoft.com/office/drawing/2014/main" id="{09D17530-BFD0-53F3-E337-2F4C46CDEEBD}"/>
+                <a16:creationId xmlns:a16="http://schemas.microsoft.com/office/drawing/2014/main" xmlns="" id="{09D17530-BFD0-53F3-E337-2F4C46CDEEBD}"/>
               </a:ext>
             </a:extLst>
           </p:cNvPr>
@@ -14322,7 +14323,7 @@
           <p:cNvPr id="2" name="标题 1">
             <a:extLst>
               <a:ext uri="{FF2B5EF4-FFF2-40B4-BE49-F238E27FC236}">
-                <a16:creationId xmlns="" xmlns:a16="http://schemas.microsoft.com/office/drawing/2014/main" id="{80796E82-7314-2FBE-2DE8-DDD70D4DF27E}"/>
+                <a16:creationId xmlns:a16="http://schemas.microsoft.com/office/drawing/2014/main" xmlns="" id="{80796E82-7314-2FBE-2DE8-DDD70D4DF27E}"/>
               </a:ext>
             </a:extLst>
           </p:cNvPr>
@@ -14371,7 +14372,7 @@
           <p:cNvPr id="5" name="椭圆 4">
             <a:extLst>
               <a:ext uri="{FF2B5EF4-FFF2-40B4-BE49-F238E27FC236}">
-                <a16:creationId xmlns="" xmlns:a16="http://schemas.microsoft.com/office/drawing/2014/main" id="{A020CC41-9901-5A10-06D8-1F19650A3A6A}"/>
+                <a16:creationId xmlns:a16="http://schemas.microsoft.com/office/drawing/2014/main" xmlns="" id="{A020CC41-9901-5A10-06D8-1F19650A3A6A}"/>
               </a:ext>
             </a:extLst>
           </p:cNvPr>
@@ -14423,7 +14424,7 @@
           <p:cNvPr id="19" name="Google Shape;73;p14">
             <a:extLst>
               <a:ext uri="{FF2B5EF4-FFF2-40B4-BE49-F238E27FC236}">
-                <a16:creationId xmlns="" xmlns:a16="http://schemas.microsoft.com/office/drawing/2014/main" id="{3442D827-BE6F-DFBF-3B15-223B2753D9E9}"/>
+                <a16:creationId xmlns:a16="http://schemas.microsoft.com/office/drawing/2014/main" xmlns="" id="{3442D827-BE6F-DFBF-3B15-223B2753D9E9}"/>
               </a:ext>
             </a:extLst>
           </p:cNvPr>
@@ -14457,7 +14458,7 @@
           <p:cNvPr id="4" name="文本框 3">
             <a:extLst>
               <a:ext uri="{FF2B5EF4-FFF2-40B4-BE49-F238E27FC236}">
-                <a16:creationId xmlns="" xmlns:a16="http://schemas.microsoft.com/office/drawing/2014/main" id="{3E8E8225-E7B4-E598-7AEB-66BC2EF7864E}"/>
+                <a16:creationId xmlns:a16="http://schemas.microsoft.com/office/drawing/2014/main" xmlns="" id="{3E8E8225-E7B4-E598-7AEB-66BC2EF7864E}"/>
               </a:ext>
             </a:extLst>
           </p:cNvPr>
@@ -14497,7 +14498,7 @@
           <p:cNvPr id="32" name="椭圆 31">
             <a:extLst>
               <a:ext uri="{FF2B5EF4-FFF2-40B4-BE49-F238E27FC236}">
-                <a16:creationId xmlns="" xmlns:a16="http://schemas.microsoft.com/office/drawing/2014/main" id="{7C1E3AD7-2822-E440-E62A-F1A4C70A8067}"/>
+                <a16:creationId xmlns:a16="http://schemas.microsoft.com/office/drawing/2014/main" xmlns="" id="{7C1E3AD7-2822-E440-E62A-F1A4C70A8067}"/>
               </a:ext>
             </a:extLst>
           </p:cNvPr>
@@ -14553,7 +14554,7 @@
           <p:cNvPr id="34" name="椭圆 33">
             <a:extLst>
               <a:ext uri="{FF2B5EF4-FFF2-40B4-BE49-F238E27FC236}">
-                <a16:creationId xmlns="" xmlns:a16="http://schemas.microsoft.com/office/drawing/2014/main" id="{C692896F-F031-2107-F5D8-57735A94BD39}"/>
+                <a16:creationId xmlns:a16="http://schemas.microsoft.com/office/drawing/2014/main" xmlns="" id="{C692896F-F031-2107-F5D8-57735A94BD39}"/>
               </a:ext>
             </a:extLst>
           </p:cNvPr>
@@ -14609,7 +14610,7 @@
           <p:cNvPr id="38" name="椭圆 37">
             <a:extLst>
               <a:ext uri="{FF2B5EF4-FFF2-40B4-BE49-F238E27FC236}">
-                <a16:creationId xmlns="" xmlns:a16="http://schemas.microsoft.com/office/drawing/2014/main" id="{E7E11154-FE44-F1B3-5655-92B62D92F525}"/>
+                <a16:creationId xmlns:a16="http://schemas.microsoft.com/office/drawing/2014/main" xmlns="" id="{E7E11154-FE44-F1B3-5655-92B62D92F525}"/>
               </a:ext>
             </a:extLst>
           </p:cNvPr>
@@ -14669,7 +14670,7 @@
           <p:cNvPr id="39" name="椭圆 38">
             <a:extLst>
               <a:ext uri="{FF2B5EF4-FFF2-40B4-BE49-F238E27FC236}">
-                <a16:creationId xmlns="" xmlns:a16="http://schemas.microsoft.com/office/drawing/2014/main" id="{5A744988-2ECB-D75A-B760-C02F9B2F609B}"/>
+                <a16:creationId xmlns:a16="http://schemas.microsoft.com/office/drawing/2014/main" xmlns="" id="{5A744988-2ECB-D75A-B760-C02F9B2F609B}"/>
               </a:ext>
             </a:extLst>
           </p:cNvPr>
@@ -14729,7 +14730,7 @@
           <p:cNvPr id="6" name="Google Shape;74;p14">
             <a:extLst>
               <a:ext uri="{FF2B5EF4-FFF2-40B4-BE49-F238E27FC236}">
-                <a16:creationId xmlns="" xmlns:a16="http://schemas.microsoft.com/office/drawing/2014/main" id="{8ABB2948-CF7D-7BD6-14B8-367574244CB2}"/>
+                <a16:creationId xmlns:a16="http://schemas.microsoft.com/office/drawing/2014/main" xmlns="" id="{8ABB2948-CF7D-7BD6-14B8-367574244CB2}"/>
               </a:ext>
             </a:extLst>
           </p:cNvPr>
@@ -14763,7 +14764,7 @@
           <p:cNvPr id="8" name="Google Shape;76;p14">
             <a:extLst>
               <a:ext uri="{FF2B5EF4-FFF2-40B4-BE49-F238E27FC236}">
-                <a16:creationId xmlns="" xmlns:a16="http://schemas.microsoft.com/office/drawing/2014/main" id="{A0604560-830C-4AC9-3717-031AA48B5D45}"/>
+                <a16:creationId xmlns:a16="http://schemas.microsoft.com/office/drawing/2014/main" xmlns="" id="{A0604560-830C-4AC9-3717-031AA48B5D45}"/>
               </a:ext>
             </a:extLst>
           </p:cNvPr>
@@ -14797,7 +14798,7 @@
           <p:cNvPr id="11" name="Google Shape;79;p14">
             <a:extLst>
               <a:ext uri="{FF2B5EF4-FFF2-40B4-BE49-F238E27FC236}">
-                <a16:creationId xmlns="" xmlns:a16="http://schemas.microsoft.com/office/drawing/2014/main" id="{0DAE55E6-D474-C395-BC84-8ACA3CE820A0}"/>
+                <a16:creationId xmlns:a16="http://schemas.microsoft.com/office/drawing/2014/main" xmlns="" id="{0DAE55E6-D474-C395-BC84-8ACA3CE820A0}"/>
               </a:ext>
             </a:extLst>
           </p:cNvPr>
@@ -14831,7 +14832,7 @@
           <p:cNvPr id="12" name="Google Shape;80;p14">
             <a:extLst>
               <a:ext uri="{FF2B5EF4-FFF2-40B4-BE49-F238E27FC236}">
-                <a16:creationId xmlns="" xmlns:a16="http://schemas.microsoft.com/office/drawing/2014/main" id="{3A5AAC50-9F06-A76F-B20B-35CF3612E825}"/>
+                <a16:creationId xmlns:a16="http://schemas.microsoft.com/office/drawing/2014/main" xmlns="" id="{3A5AAC50-9F06-A76F-B20B-35CF3612E825}"/>
               </a:ext>
             </a:extLst>
           </p:cNvPr>
@@ -14865,7 +14866,7 @@
           <p:cNvPr id="31" name="箭头: 五边形 30">
             <a:extLst>
               <a:ext uri="{FF2B5EF4-FFF2-40B4-BE49-F238E27FC236}">
-                <a16:creationId xmlns="" xmlns:a16="http://schemas.microsoft.com/office/drawing/2014/main" id="{4B9E0D9B-D17E-69E7-1F9A-99DE7710B7A1}"/>
+                <a16:creationId xmlns:a16="http://schemas.microsoft.com/office/drawing/2014/main" xmlns="" id="{4B9E0D9B-D17E-69E7-1F9A-99DE7710B7A1}"/>
               </a:ext>
             </a:extLst>
           </p:cNvPr>
@@ -14912,7 +14913,7 @@
           <p:cNvPr id="33" name="箭头: 五边形 32">
             <a:extLst>
               <a:ext uri="{FF2B5EF4-FFF2-40B4-BE49-F238E27FC236}">
-                <a16:creationId xmlns="" xmlns:a16="http://schemas.microsoft.com/office/drawing/2014/main" id="{C768AE66-F650-1A37-7440-B571549FE915}"/>
+                <a16:creationId xmlns:a16="http://schemas.microsoft.com/office/drawing/2014/main" xmlns="" id="{C768AE66-F650-1A37-7440-B571549FE915}"/>
               </a:ext>
             </a:extLst>
           </p:cNvPr>
@@ -14968,7 +14969,7 @@
           <p:cNvPr id="35" name="箭头: 五边形 34">
             <a:extLst>
               <a:ext uri="{FF2B5EF4-FFF2-40B4-BE49-F238E27FC236}">
-                <a16:creationId xmlns="" xmlns:a16="http://schemas.microsoft.com/office/drawing/2014/main" id="{FC836AD9-A293-8E3F-664B-E692D69616E5}"/>
+                <a16:creationId xmlns:a16="http://schemas.microsoft.com/office/drawing/2014/main" xmlns="" id="{FC836AD9-A293-8E3F-664B-E692D69616E5}"/>
               </a:ext>
             </a:extLst>
           </p:cNvPr>
@@ -15024,7 +15025,7 @@
           <p:cNvPr id="37" name="箭头: 五边形 36">
             <a:extLst>
               <a:ext uri="{FF2B5EF4-FFF2-40B4-BE49-F238E27FC236}">
-                <a16:creationId xmlns="" xmlns:a16="http://schemas.microsoft.com/office/drawing/2014/main" id="{05ECD475-37EE-63E8-E9E5-EF81A4619214}"/>
+                <a16:creationId xmlns:a16="http://schemas.microsoft.com/office/drawing/2014/main" xmlns="" id="{05ECD475-37EE-63E8-E9E5-EF81A4619214}"/>
               </a:ext>
             </a:extLst>
           </p:cNvPr>
@@ -15071,7 +15072,7 @@
           <p:cNvPr id="30" name="Google Shape;75;p14">
             <a:extLst>
               <a:ext uri="{FF2B5EF4-FFF2-40B4-BE49-F238E27FC236}">
-                <a16:creationId xmlns="" xmlns:a16="http://schemas.microsoft.com/office/drawing/2014/main" id="{E8CD191A-BC20-B4B9-0F77-A770F7BFAC28}"/>
+                <a16:creationId xmlns:a16="http://schemas.microsoft.com/office/drawing/2014/main" xmlns="" id="{E8CD191A-BC20-B4B9-0F77-A770F7BFAC28}"/>
               </a:ext>
             </a:extLst>
           </p:cNvPr>
@@ -15105,7 +15106,7 @@
           <p:cNvPr id="36" name="Google Shape;77;p14">
             <a:extLst>
               <a:ext uri="{FF2B5EF4-FFF2-40B4-BE49-F238E27FC236}">
-                <a16:creationId xmlns="" xmlns:a16="http://schemas.microsoft.com/office/drawing/2014/main" id="{D2A03513-860E-AEB3-C60B-B28086582A81}"/>
+                <a16:creationId xmlns:a16="http://schemas.microsoft.com/office/drawing/2014/main" xmlns="" id="{D2A03513-860E-AEB3-C60B-B28086582A81}"/>
               </a:ext>
             </a:extLst>
           </p:cNvPr>
@@ -15139,7 +15140,7 @@
           <p:cNvPr id="40" name="Google Shape;78;p14">
             <a:extLst>
               <a:ext uri="{FF2B5EF4-FFF2-40B4-BE49-F238E27FC236}">
-                <a16:creationId xmlns="" xmlns:a16="http://schemas.microsoft.com/office/drawing/2014/main" id="{4192ED35-AB80-8468-99E1-C9A9BDA8A7D3}"/>
+                <a16:creationId xmlns:a16="http://schemas.microsoft.com/office/drawing/2014/main" xmlns="" id="{4192ED35-AB80-8468-99E1-C9A9BDA8A7D3}"/>
               </a:ext>
             </a:extLst>
           </p:cNvPr>
@@ -15173,7 +15174,7 @@
           <p:cNvPr id="41" name="Google Shape;81;p14">
             <a:extLst>
               <a:ext uri="{FF2B5EF4-FFF2-40B4-BE49-F238E27FC236}">
-                <a16:creationId xmlns="" xmlns:a16="http://schemas.microsoft.com/office/drawing/2014/main" id="{C0FC87F9-1543-0D73-36B0-9CD905C3E530}"/>
+                <a16:creationId xmlns:a16="http://schemas.microsoft.com/office/drawing/2014/main" xmlns="" id="{C0FC87F9-1543-0D73-36B0-9CD905C3E530}"/>
               </a:ext>
             </a:extLst>
           </p:cNvPr>
@@ -15207,7 +15208,7 @@
           <p:cNvPr id="42" name="箭头: 五边形 41">
             <a:extLst>
               <a:ext uri="{FF2B5EF4-FFF2-40B4-BE49-F238E27FC236}">
-                <a16:creationId xmlns="" xmlns:a16="http://schemas.microsoft.com/office/drawing/2014/main" id="{7EBEF984-F98B-ADD1-3CDC-6AB1174A8D83}"/>
+                <a16:creationId xmlns:a16="http://schemas.microsoft.com/office/drawing/2014/main" xmlns="" id="{7EBEF984-F98B-ADD1-3CDC-6AB1174A8D83}"/>
               </a:ext>
             </a:extLst>
           </p:cNvPr>
@@ -15263,7 +15264,7 @@
           <p:cNvPr id="43" name="箭头: 五边形 42">
             <a:extLst>
               <a:ext uri="{FF2B5EF4-FFF2-40B4-BE49-F238E27FC236}">
-                <a16:creationId xmlns="" xmlns:a16="http://schemas.microsoft.com/office/drawing/2014/main" id="{35BD309B-9ECD-3FBE-FBC4-1E1A07BE57C7}"/>
+                <a16:creationId xmlns:a16="http://schemas.microsoft.com/office/drawing/2014/main" xmlns="" id="{35BD309B-9ECD-3FBE-FBC4-1E1A07BE57C7}"/>
               </a:ext>
             </a:extLst>
           </p:cNvPr>
@@ -15319,7 +15320,7 @@
           <p:cNvPr id="44" name="箭头: 五边形 43">
             <a:extLst>
               <a:ext uri="{FF2B5EF4-FFF2-40B4-BE49-F238E27FC236}">
-                <a16:creationId xmlns="" xmlns:a16="http://schemas.microsoft.com/office/drawing/2014/main" id="{15FD29AB-A713-CB93-D601-DC1B84060FE1}"/>
+                <a16:creationId xmlns:a16="http://schemas.microsoft.com/office/drawing/2014/main" xmlns="" id="{15FD29AB-A713-CB93-D601-DC1B84060FE1}"/>
               </a:ext>
             </a:extLst>
           </p:cNvPr>
@@ -15366,7 +15367,7 @@
           <p:cNvPr id="45" name="箭头: 五边形 44">
             <a:extLst>
               <a:ext uri="{FF2B5EF4-FFF2-40B4-BE49-F238E27FC236}">
-                <a16:creationId xmlns="" xmlns:a16="http://schemas.microsoft.com/office/drawing/2014/main" id="{985479B4-7D41-B26B-85E4-9E2F0030D890}"/>
+                <a16:creationId xmlns:a16="http://schemas.microsoft.com/office/drawing/2014/main" xmlns="" id="{985479B4-7D41-B26B-85E4-9E2F0030D890}"/>
               </a:ext>
             </a:extLst>
           </p:cNvPr>
@@ -15443,7 +15444,7 @@
           <p:cNvPr id="2" name="标题 1">
             <a:extLst>
               <a:ext uri="{FF2B5EF4-FFF2-40B4-BE49-F238E27FC236}">
-                <a16:creationId xmlns="" xmlns:a16="http://schemas.microsoft.com/office/drawing/2014/main" id="{80796E82-7314-2FBE-2DE8-DDD70D4DF27E}"/>
+                <a16:creationId xmlns:a16="http://schemas.microsoft.com/office/drawing/2014/main" xmlns="" id="{80796E82-7314-2FBE-2DE8-DDD70D4DF27E}"/>
               </a:ext>
             </a:extLst>
           </p:cNvPr>
@@ -15492,7 +15493,7 @@
           <p:cNvPr id="4" name="文本框 3">
             <a:extLst>
               <a:ext uri="{FF2B5EF4-FFF2-40B4-BE49-F238E27FC236}">
-                <a16:creationId xmlns="" xmlns:a16="http://schemas.microsoft.com/office/drawing/2014/main" id="{3E8E8225-E7B4-E598-7AEB-66BC2EF7864E}"/>
+                <a16:creationId xmlns:a16="http://schemas.microsoft.com/office/drawing/2014/main" xmlns="" id="{3E8E8225-E7B4-E598-7AEB-66BC2EF7864E}"/>
               </a:ext>
             </a:extLst>
           </p:cNvPr>
@@ -15532,7 +15533,7 @@
           <p:cNvPr id="94" name="椭圆 93">
             <a:extLst>
               <a:ext uri="{FF2B5EF4-FFF2-40B4-BE49-F238E27FC236}">
-                <a16:creationId xmlns="" xmlns:a16="http://schemas.microsoft.com/office/drawing/2014/main" id="{8BEE0963-F39F-E799-5A6C-7DB2D9695EA3}"/>
+                <a16:creationId xmlns:a16="http://schemas.microsoft.com/office/drawing/2014/main" xmlns="" id="{8BEE0963-F39F-E799-5A6C-7DB2D9695EA3}"/>
               </a:ext>
             </a:extLst>
           </p:cNvPr>
@@ -15584,7 +15585,7 @@
           <p:cNvPr id="95" name="Google Shape;73;p14">
             <a:extLst>
               <a:ext uri="{FF2B5EF4-FFF2-40B4-BE49-F238E27FC236}">
-                <a16:creationId xmlns="" xmlns:a16="http://schemas.microsoft.com/office/drawing/2014/main" id="{728B4BED-4470-8B41-5F52-AEAB959AE86A}"/>
+                <a16:creationId xmlns:a16="http://schemas.microsoft.com/office/drawing/2014/main" xmlns="" id="{728B4BED-4470-8B41-5F52-AEAB959AE86A}"/>
               </a:ext>
             </a:extLst>
           </p:cNvPr>
@@ -15618,7 +15619,7 @@
           <p:cNvPr id="96" name="椭圆 95">
             <a:extLst>
               <a:ext uri="{FF2B5EF4-FFF2-40B4-BE49-F238E27FC236}">
-                <a16:creationId xmlns="" xmlns:a16="http://schemas.microsoft.com/office/drawing/2014/main" id="{AF996894-1BC8-7090-4657-FC54AE71EC7F}"/>
+                <a16:creationId xmlns:a16="http://schemas.microsoft.com/office/drawing/2014/main" xmlns="" id="{AF996894-1BC8-7090-4657-FC54AE71EC7F}"/>
               </a:ext>
             </a:extLst>
           </p:cNvPr>
@@ -15674,7 +15675,7 @@
           <p:cNvPr id="97" name="椭圆 96">
             <a:extLst>
               <a:ext uri="{FF2B5EF4-FFF2-40B4-BE49-F238E27FC236}">
-                <a16:creationId xmlns="" xmlns:a16="http://schemas.microsoft.com/office/drawing/2014/main" id="{61254F9E-C540-E155-7BDC-015D0038A8F2}"/>
+                <a16:creationId xmlns:a16="http://schemas.microsoft.com/office/drawing/2014/main" xmlns="" id="{61254F9E-C540-E155-7BDC-015D0038A8F2}"/>
               </a:ext>
             </a:extLst>
           </p:cNvPr>
@@ -15730,7 +15731,7 @@
           <p:cNvPr id="98" name="椭圆 97">
             <a:extLst>
               <a:ext uri="{FF2B5EF4-FFF2-40B4-BE49-F238E27FC236}">
-                <a16:creationId xmlns="" xmlns:a16="http://schemas.microsoft.com/office/drawing/2014/main" id="{67AC39F3-9E15-C508-9F79-5833BA9DCC7E}"/>
+                <a16:creationId xmlns:a16="http://schemas.microsoft.com/office/drawing/2014/main" xmlns="" id="{67AC39F3-9E15-C508-9F79-5833BA9DCC7E}"/>
               </a:ext>
             </a:extLst>
           </p:cNvPr>
@@ -15790,7 +15791,7 @@
           <p:cNvPr id="99" name="椭圆 98">
             <a:extLst>
               <a:ext uri="{FF2B5EF4-FFF2-40B4-BE49-F238E27FC236}">
-                <a16:creationId xmlns="" xmlns:a16="http://schemas.microsoft.com/office/drawing/2014/main" id="{7078CA09-5A9E-D1A8-A854-B30AB88523FD}"/>
+                <a16:creationId xmlns:a16="http://schemas.microsoft.com/office/drawing/2014/main" xmlns="" id="{7078CA09-5A9E-D1A8-A854-B30AB88523FD}"/>
               </a:ext>
             </a:extLst>
           </p:cNvPr>
@@ -15850,7 +15851,7 @@
           <p:cNvPr id="100" name="Google Shape;74;p14">
             <a:extLst>
               <a:ext uri="{FF2B5EF4-FFF2-40B4-BE49-F238E27FC236}">
-                <a16:creationId xmlns="" xmlns:a16="http://schemas.microsoft.com/office/drawing/2014/main" id="{2D6CB586-E89B-F20A-E516-58B36CEB1867}"/>
+                <a16:creationId xmlns:a16="http://schemas.microsoft.com/office/drawing/2014/main" xmlns="" id="{2D6CB586-E89B-F20A-E516-58B36CEB1867}"/>
               </a:ext>
             </a:extLst>
           </p:cNvPr>
@@ -15884,7 +15885,7 @@
           <p:cNvPr id="101" name="Google Shape;76;p14">
             <a:extLst>
               <a:ext uri="{FF2B5EF4-FFF2-40B4-BE49-F238E27FC236}">
-                <a16:creationId xmlns="" xmlns:a16="http://schemas.microsoft.com/office/drawing/2014/main" id="{320E54BE-9086-C596-8E30-5802E54EFB64}"/>
+                <a16:creationId xmlns:a16="http://schemas.microsoft.com/office/drawing/2014/main" xmlns="" id="{320E54BE-9086-C596-8E30-5802E54EFB64}"/>
               </a:ext>
             </a:extLst>
           </p:cNvPr>
@@ -15918,7 +15919,7 @@
           <p:cNvPr id="102" name="Google Shape;79;p14">
             <a:extLst>
               <a:ext uri="{FF2B5EF4-FFF2-40B4-BE49-F238E27FC236}">
-                <a16:creationId xmlns="" xmlns:a16="http://schemas.microsoft.com/office/drawing/2014/main" id="{2CB29429-3A6A-075E-E051-F2605E6CF72B}"/>
+                <a16:creationId xmlns:a16="http://schemas.microsoft.com/office/drawing/2014/main" xmlns="" id="{2CB29429-3A6A-075E-E051-F2605E6CF72B}"/>
               </a:ext>
             </a:extLst>
           </p:cNvPr>
@@ -15952,7 +15953,7 @@
           <p:cNvPr id="103" name="Google Shape;80;p14">
             <a:extLst>
               <a:ext uri="{FF2B5EF4-FFF2-40B4-BE49-F238E27FC236}">
-                <a16:creationId xmlns="" xmlns:a16="http://schemas.microsoft.com/office/drawing/2014/main" id="{87A8869F-6890-93EE-47C2-B6909C99470B}"/>
+                <a16:creationId xmlns:a16="http://schemas.microsoft.com/office/drawing/2014/main" xmlns="" id="{87A8869F-6890-93EE-47C2-B6909C99470B}"/>
               </a:ext>
             </a:extLst>
           </p:cNvPr>
@@ -15986,7 +15987,7 @@
           <p:cNvPr id="104" name="箭头: 五边形 103">
             <a:extLst>
               <a:ext uri="{FF2B5EF4-FFF2-40B4-BE49-F238E27FC236}">
-                <a16:creationId xmlns="" xmlns:a16="http://schemas.microsoft.com/office/drawing/2014/main" id="{FEE47AE7-C9FA-4144-87DD-8E8CA1F603A1}"/>
+                <a16:creationId xmlns:a16="http://schemas.microsoft.com/office/drawing/2014/main" xmlns="" id="{FEE47AE7-C9FA-4144-87DD-8E8CA1F603A1}"/>
               </a:ext>
             </a:extLst>
           </p:cNvPr>
@@ -16033,7 +16034,7 @@
           <p:cNvPr id="105" name="箭头: 五边形 104">
             <a:extLst>
               <a:ext uri="{FF2B5EF4-FFF2-40B4-BE49-F238E27FC236}">
-                <a16:creationId xmlns="" xmlns:a16="http://schemas.microsoft.com/office/drawing/2014/main" id="{125693EC-2137-4901-2D9F-CA02EFB6EC1C}"/>
+                <a16:creationId xmlns:a16="http://schemas.microsoft.com/office/drawing/2014/main" xmlns="" id="{125693EC-2137-4901-2D9F-CA02EFB6EC1C}"/>
               </a:ext>
             </a:extLst>
           </p:cNvPr>
@@ -16089,7 +16090,7 @@
           <p:cNvPr id="106" name="箭头: 五边形 105">
             <a:extLst>
               <a:ext uri="{FF2B5EF4-FFF2-40B4-BE49-F238E27FC236}">
-                <a16:creationId xmlns="" xmlns:a16="http://schemas.microsoft.com/office/drawing/2014/main" id="{0A75FABD-C11D-5BF2-CA28-79F84BEC2D52}"/>
+                <a16:creationId xmlns:a16="http://schemas.microsoft.com/office/drawing/2014/main" xmlns="" id="{0A75FABD-C11D-5BF2-CA28-79F84BEC2D52}"/>
               </a:ext>
             </a:extLst>
           </p:cNvPr>
@@ -16145,7 +16146,7 @@
           <p:cNvPr id="107" name="箭头: 五边形 106">
             <a:extLst>
               <a:ext uri="{FF2B5EF4-FFF2-40B4-BE49-F238E27FC236}">
-                <a16:creationId xmlns="" xmlns:a16="http://schemas.microsoft.com/office/drawing/2014/main" id="{94FFE1CA-95B6-5FB5-0E93-C32CA673CFB0}"/>
+                <a16:creationId xmlns:a16="http://schemas.microsoft.com/office/drawing/2014/main" xmlns="" id="{94FFE1CA-95B6-5FB5-0E93-C32CA673CFB0}"/>
               </a:ext>
             </a:extLst>
           </p:cNvPr>
@@ -16192,7 +16193,7 @@
           <p:cNvPr id="108" name="Google Shape;75;p14">
             <a:extLst>
               <a:ext uri="{FF2B5EF4-FFF2-40B4-BE49-F238E27FC236}">
-                <a16:creationId xmlns="" xmlns:a16="http://schemas.microsoft.com/office/drawing/2014/main" id="{C28BC135-A694-D736-05E2-392BAA6546C4}"/>
+                <a16:creationId xmlns:a16="http://schemas.microsoft.com/office/drawing/2014/main" xmlns="" id="{C28BC135-A694-D736-05E2-392BAA6546C4}"/>
               </a:ext>
             </a:extLst>
           </p:cNvPr>
@@ -16226,7 +16227,7 @@
           <p:cNvPr id="109" name="Google Shape;77;p14">
             <a:extLst>
               <a:ext uri="{FF2B5EF4-FFF2-40B4-BE49-F238E27FC236}">
-                <a16:creationId xmlns="" xmlns:a16="http://schemas.microsoft.com/office/drawing/2014/main" id="{26E64EC8-A00D-85A2-55E9-80371504FA45}"/>
+                <a16:creationId xmlns:a16="http://schemas.microsoft.com/office/drawing/2014/main" xmlns="" id="{26E64EC8-A00D-85A2-55E9-80371504FA45}"/>
               </a:ext>
             </a:extLst>
           </p:cNvPr>
@@ -16260,7 +16261,7 @@
           <p:cNvPr id="110" name="Google Shape;78;p14">
             <a:extLst>
               <a:ext uri="{FF2B5EF4-FFF2-40B4-BE49-F238E27FC236}">
-                <a16:creationId xmlns="" xmlns:a16="http://schemas.microsoft.com/office/drawing/2014/main" id="{3776E30B-813F-0863-0AAF-08F593A4A164}"/>
+                <a16:creationId xmlns:a16="http://schemas.microsoft.com/office/drawing/2014/main" xmlns="" id="{3776E30B-813F-0863-0AAF-08F593A4A164}"/>
               </a:ext>
             </a:extLst>
           </p:cNvPr>
@@ -16294,7 +16295,7 @@
           <p:cNvPr id="111" name="Google Shape;81;p14">
             <a:extLst>
               <a:ext uri="{FF2B5EF4-FFF2-40B4-BE49-F238E27FC236}">
-                <a16:creationId xmlns="" xmlns:a16="http://schemas.microsoft.com/office/drawing/2014/main" id="{4C069DC5-4186-0285-5D83-B8FFA739F050}"/>
+                <a16:creationId xmlns:a16="http://schemas.microsoft.com/office/drawing/2014/main" xmlns="" id="{4C069DC5-4186-0285-5D83-B8FFA739F050}"/>
               </a:ext>
             </a:extLst>
           </p:cNvPr>
@@ -16328,7 +16329,7 @@
           <p:cNvPr id="112" name="箭头: 五边形 111">
             <a:extLst>
               <a:ext uri="{FF2B5EF4-FFF2-40B4-BE49-F238E27FC236}">
-                <a16:creationId xmlns="" xmlns:a16="http://schemas.microsoft.com/office/drawing/2014/main" id="{7CD9D67F-B213-AAAA-9054-02755BE2146A}"/>
+                <a16:creationId xmlns:a16="http://schemas.microsoft.com/office/drawing/2014/main" xmlns="" id="{7CD9D67F-B213-AAAA-9054-02755BE2146A}"/>
               </a:ext>
             </a:extLst>
           </p:cNvPr>
@@ -16384,7 +16385,7 @@
           <p:cNvPr id="113" name="箭头: 五边形 112">
             <a:extLst>
               <a:ext uri="{FF2B5EF4-FFF2-40B4-BE49-F238E27FC236}">
-                <a16:creationId xmlns="" xmlns:a16="http://schemas.microsoft.com/office/drawing/2014/main" id="{F8AE02EB-01D9-FA19-B065-CCE211B6884B}"/>
+                <a16:creationId xmlns:a16="http://schemas.microsoft.com/office/drawing/2014/main" xmlns="" id="{F8AE02EB-01D9-FA19-B065-CCE211B6884B}"/>
               </a:ext>
             </a:extLst>
           </p:cNvPr>
@@ -16440,7 +16441,7 @@
           <p:cNvPr id="114" name="箭头: 五边形 113">
             <a:extLst>
               <a:ext uri="{FF2B5EF4-FFF2-40B4-BE49-F238E27FC236}">
-                <a16:creationId xmlns="" xmlns:a16="http://schemas.microsoft.com/office/drawing/2014/main" id="{CD3E578E-DF8A-1EA0-3438-736889E4F552}"/>
+                <a16:creationId xmlns:a16="http://schemas.microsoft.com/office/drawing/2014/main" xmlns="" id="{CD3E578E-DF8A-1EA0-3438-736889E4F552}"/>
               </a:ext>
             </a:extLst>
           </p:cNvPr>
@@ -16487,7 +16488,7 @@
           <p:cNvPr id="115" name="箭头: 五边形 114">
             <a:extLst>
               <a:ext uri="{FF2B5EF4-FFF2-40B4-BE49-F238E27FC236}">
-                <a16:creationId xmlns="" xmlns:a16="http://schemas.microsoft.com/office/drawing/2014/main" id="{F8C96D6D-C8E2-1DE1-7975-1FE461A07D04}"/>
+                <a16:creationId xmlns:a16="http://schemas.microsoft.com/office/drawing/2014/main" xmlns="" id="{F8C96D6D-C8E2-1DE1-7975-1FE461A07D04}"/>
               </a:ext>
             </a:extLst>
           </p:cNvPr>
@@ -16564,7 +16565,7 @@
           <p:cNvPr id="2" name="标题 1">
             <a:extLst>
               <a:ext uri="{FF2B5EF4-FFF2-40B4-BE49-F238E27FC236}">
-                <a16:creationId xmlns="" xmlns:a16="http://schemas.microsoft.com/office/drawing/2014/main" id="{80796E82-7314-2FBE-2DE8-DDD70D4DF27E}"/>
+                <a16:creationId xmlns:a16="http://schemas.microsoft.com/office/drawing/2014/main" xmlns="" id="{80796E82-7314-2FBE-2DE8-DDD70D4DF27E}"/>
               </a:ext>
             </a:extLst>
           </p:cNvPr>
@@ -16613,7 +16614,7 @@
           <p:cNvPr id="4" name="文本框 3">
             <a:extLst>
               <a:ext uri="{FF2B5EF4-FFF2-40B4-BE49-F238E27FC236}">
-                <a16:creationId xmlns="" xmlns:a16="http://schemas.microsoft.com/office/drawing/2014/main" id="{3E8E8225-E7B4-E598-7AEB-66BC2EF7864E}"/>
+                <a16:creationId xmlns:a16="http://schemas.microsoft.com/office/drawing/2014/main" xmlns="" id="{3E8E8225-E7B4-E598-7AEB-66BC2EF7864E}"/>
               </a:ext>
             </a:extLst>
           </p:cNvPr>
@@ -16653,7 +16654,7 @@
           <p:cNvPr id="94" name="椭圆 93">
             <a:extLst>
               <a:ext uri="{FF2B5EF4-FFF2-40B4-BE49-F238E27FC236}">
-                <a16:creationId xmlns="" xmlns:a16="http://schemas.microsoft.com/office/drawing/2014/main" id="{8BEE0963-F39F-E799-5A6C-7DB2D9695EA3}"/>
+                <a16:creationId xmlns:a16="http://schemas.microsoft.com/office/drawing/2014/main" xmlns="" id="{8BEE0963-F39F-E799-5A6C-7DB2D9695EA3}"/>
               </a:ext>
             </a:extLst>
           </p:cNvPr>
@@ -16705,7 +16706,7 @@
           <p:cNvPr id="95" name="Google Shape;73;p14">
             <a:extLst>
               <a:ext uri="{FF2B5EF4-FFF2-40B4-BE49-F238E27FC236}">
-                <a16:creationId xmlns="" xmlns:a16="http://schemas.microsoft.com/office/drawing/2014/main" id="{728B4BED-4470-8B41-5F52-AEAB959AE86A}"/>
+                <a16:creationId xmlns:a16="http://schemas.microsoft.com/office/drawing/2014/main" xmlns="" id="{728B4BED-4470-8B41-5F52-AEAB959AE86A}"/>
               </a:ext>
             </a:extLst>
           </p:cNvPr>
@@ -16739,7 +16740,7 @@
           <p:cNvPr id="100" name="Google Shape;74;p14">
             <a:extLst>
               <a:ext uri="{FF2B5EF4-FFF2-40B4-BE49-F238E27FC236}">
-                <a16:creationId xmlns="" xmlns:a16="http://schemas.microsoft.com/office/drawing/2014/main" id="{2D6CB586-E89B-F20A-E516-58B36CEB1867}"/>
+                <a16:creationId xmlns:a16="http://schemas.microsoft.com/office/drawing/2014/main" xmlns="" id="{2D6CB586-E89B-F20A-E516-58B36CEB1867}"/>
               </a:ext>
             </a:extLst>
           </p:cNvPr>
@@ -16773,7 +16774,7 @@
           <p:cNvPr id="101" name="Google Shape;76;p14">
             <a:extLst>
               <a:ext uri="{FF2B5EF4-FFF2-40B4-BE49-F238E27FC236}">
-                <a16:creationId xmlns="" xmlns:a16="http://schemas.microsoft.com/office/drawing/2014/main" id="{320E54BE-9086-C596-8E30-5802E54EFB64}"/>
+                <a16:creationId xmlns:a16="http://schemas.microsoft.com/office/drawing/2014/main" xmlns="" id="{320E54BE-9086-C596-8E30-5802E54EFB64}"/>
               </a:ext>
             </a:extLst>
           </p:cNvPr>
@@ -16807,7 +16808,7 @@
           <p:cNvPr id="102" name="Google Shape;79;p14">
             <a:extLst>
               <a:ext uri="{FF2B5EF4-FFF2-40B4-BE49-F238E27FC236}">
-                <a16:creationId xmlns="" xmlns:a16="http://schemas.microsoft.com/office/drawing/2014/main" id="{2CB29429-3A6A-075E-E051-F2605E6CF72B}"/>
+                <a16:creationId xmlns:a16="http://schemas.microsoft.com/office/drawing/2014/main" xmlns="" id="{2CB29429-3A6A-075E-E051-F2605E6CF72B}"/>
               </a:ext>
             </a:extLst>
           </p:cNvPr>
@@ -16841,7 +16842,7 @@
           <p:cNvPr id="103" name="Google Shape;80;p14">
             <a:extLst>
               <a:ext uri="{FF2B5EF4-FFF2-40B4-BE49-F238E27FC236}">
-                <a16:creationId xmlns="" xmlns:a16="http://schemas.microsoft.com/office/drawing/2014/main" id="{87A8869F-6890-93EE-47C2-B6909C99470B}"/>
+                <a16:creationId xmlns:a16="http://schemas.microsoft.com/office/drawing/2014/main" xmlns="" id="{87A8869F-6890-93EE-47C2-B6909C99470B}"/>
               </a:ext>
             </a:extLst>
           </p:cNvPr>
@@ -16875,7 +16876,7 @@
           <p:cNvPr id="104" name="箭头: 五边形 103">
             <a:extLst>
               <a:ext uri="{FF2B5EF4-FFF2-40B4-BE49-F238E27FC236}">
-                <a16:creationId xmlns="" xmlns:a16="http://schemas.microsoft.com/office/drawing/2014/main" id="{FEE47AE7-C9FA-4144-87DD-8E8CA1F603A1}"/>
+                <a16:creationId xmlns:a16="http://schemas.microsoft.com/office/drawing/2014/main" xmlns="" id="{FEE47AE7-C9FA-4144-87DD-8E8CA1F603A1}"/>
               </a:ext>
             </a:extLst>
           </p:cNvPr>
@@ -16922,7 +16923,7 @@
           <p:cNvPr id="105" name="箭头: 五边形 104">
             <a:extLst>
               <a:ext uri="{FF2B5EF4-FFF2-40B4-BE49-F238E27FC236}">
-                <a16:creationId xmlns="" xmlns:a16="http://schemas.microsoft.com/office/drawing/2014/main" id="{125693EC-2137-4901-2D9F-CA02EFB6EC1C}"/>
+                <a16:creationId xmlns:a16="http://schemas.microsoft.com/office/drawing/2014/main" xmlns="" id="{125693EC-2137-4901-2D9F-CA02EFB6EC1C}"/>
               </a:ext>
             </a:extLst>
           </p:cNvPr>
@@ -16978,7 +16979,7 @@
           <p:cNvPr id="106" name="箭头: 五边形 105">
             <a:extLst>
               <a:ext uri="{FF2B5EF4-FFF2-40B4-BE49-F238E27FC236}">
-                <a16:creationId xmlns="" xmlns:a16="http://schemas.microsoft.com/office/drawing/2014/main" id="{0A75FABD-C11D-5BF2-CA28-79F84BEC2D52}"/>
+                <a16:creationId xmlns:a16="http://schemas.microsoft.com/office/drawing/2014/main" xmlns="" id="{0A75FABD-C11D-5BF2-CA28-79F84BEC2D52}"/>
               </a:ext>
             </a:extLst>
           </p:cNvPr>
@@ -17034,7 +17035,7 @@
           <p:cNvPr id="107" name="箭头: 五边形 106">
             <a:extLst>
               <a:ext uri="{FF2B5EF4-FFF2-40B4-BE49-F238E27FC236}">
-                <a16:creationId xmlns="" xmlns:a16="http://schemas.microsoft.com/office/drawing/2014/main" id="{94FFE1CA-95B6-5FB5-0E93-C32CA673CFB0}"/>
+                <a16:creationId xmlns:a16="http://schemas.microsoft.com/office/drawing/2014/main" xmlns="" id="{94FFE1CA-95B6-5FB5-0E93-C32CA673CFB0}"/>
               </a:ext>
             </a:extLst>
           </p:cNvPr>
@@ -17081,7 +17082,7 @@
           <p:cNvPr id="108" name="Google Shape;75;p14">
             <a:extLst>
               <a:ext uri="{FF2B5EF4-FFF2-40B4-BE49-F238E27FC236}">
-                <a16:creationId xmlns="" xmlns:a16="http://schemas.microsoft.com/office/drawing/2014/main" id="{C28BC135-A694-D736-05E2-392BAA6546C4}"/>
+                <a16:creationId xmlns:a16="http://schemas.microsoft.com/office/drawing/2014/main" xmlns="" id="{C28BC135-A694-D736-05E2-392BAA6546C4}"/>
               </a:ext>
             </a:extLst>
           </p:cNvPr>
@@ -17115,7 +17116,7 @@
           <p:cNvPr id="109" name="Google Shape;77;p14">
             <a:extLst>
               <a:ext uri="{FF2B5EF4-FFF2-40B4-BE49-F238E27FC236}">
-                <a16:creationId xmlns="" xmlns:a16="http://schemas.microsoft.com/office/drawing/2014/main" id="{26E64EC8-A00D-85A2-55E9-80371504FA45}"/>
+                <a16:creationId xmlns:a16="http://schemas.microsoft.com/office/drawing/2014/main" xmlns="" id="{26E64EC8-A00D-85A2-55E9-80371504FA45}"/>
               </a:ext>
             </a:extLst>
           </p:cNvPr>
@@ -17149,7 +17150,7 @@
           <p:cNvPr id="110" name="Google Shape;78;p14">
             <a:extLst>
               <a:ext uri="{FF2B5EF4-FFF2-40B4-BE49-F238E27FC236}">
-                <a16:creationId xmlns="" xmlns:a16="http://schemas.microsoft.com/office/drawing/2014/main" id="{3776E30B-813F-0863-0AAF-08F593A4A164}"/>
+                <a16:creationId xmlns:a16="http://schemas.microsoft.com/office/drawing/2014/main" xmlns="" id="{3776E30B-813F-0863-0AAF-08F593A4A164}"/>
               </a:ext>
             </a:extLst>
           </p:cNvPr>
@@ -17183,7 +17184,7 @@
           <p:cNvPr id="111" name="Google Shape;81;p14">
             <a:extLst>
               <a:ext uri="{FF2B5EF4-FFF2-40B4-BE49-F238E27FC236}">
-                <a16:creationId xmlns="" xmlns:a16="http://schemas.microsoft.com/office/drawing/2014/main" id="{4C069DC5-4186-0285-5D83-B8FFA739F050}"/>
+                <a16:creationId xmlns:a16="http://schemas.microsoft.com/office/drawing/2014/main" xmlns="" id="{4C069DC5-4186-0285-5D83-B8FFA739F050}"/>
               </a:ext>
             </a:extLst>
           </p:cNvPr>
@@ -17217,7 +17218,7 @@
           <p:cNvPr id="112" name="箭头: 五边形 111">
             <a:extLst>
               <a:ext uri="{FF2B5EF4-FFF2-40B4-BE49-F238E27FC236}">
-                <a16:creationId xmlns="" xmlns:a16="http://schemas.microsoft.com/office/drawing/2014/main" id="{7CD9D67F-B213-AAAA-9054-02755BE2146A}"/>
+                <a16:creationId xmlns:a16="http://schemas.microsoft.com/office/drawing/2014/main" xmlns="" id="{7CD9D67F-B213-AAAA-9054-02755BE2146A}"/>
               </a:ext>
             </a:extLst>
           </p:cNvPr>
@@ -17273,7 +17274,7 @@
           <p:cNvPr id="113" name="箭头: 五边形 112">
             <a:extLst>
               <a:ext uri="{FF2B5EF4-FFF2-40B4-BE49-F238E27FC236}">
-                <a16:creationId xmlns="" xmlns:a16="http://schemas.microsoft.com/office/drawing/2014/main" id="{F8AE02EB-01D9-FA19-B065-CCE211B6884B}"/>
+                <a16:creationId xmlns:a16="http://schemas.microsoft.com/office/drawing/2014/main" xmlns="" id="{F8AE02EB-01D9-FA19-B065-CCE211B6884B}"/>
               </a:ext>
             </a:extLst>
           </p:cNvPr>
@@ -17329,7 +17330,7 @@
           <p:cNvPr id="114" name="箭头: 五边形 113">
             <a:extLst>
               <a:ext uri="{FF2B5EF4-FFF2-40B4-BE49-F238E27FC236}">
-                <a16:creationId xmlns="" xmlns:a16="http://schemas.microsoft.com/office/drawing/2014/main" id="{CD3E578E-DF8A-1EA0-3438-736889E4F552}"/>
+                <a16:creationId xmlns:a16="http://schemas.microsoft.com/office/drawing/2014/main" xmlns="" id="{CD3E578E-DF8A-1EA0-3438-736889E4F552}"/>
               </a:ext>
             </a:extLst>
           </p:cNvPr>
@@ -17376,7 +17377,7 @@
           <p:cNvPr id="115" name="箭头: 五边形 114">
             <a:extLst>
               <a:ext uri="{FF2B5EF4-FFF2-40B4-BE49-F238E27FC236}">
-                <a16:creationId xmlns="" xmlns:a16="http://schemas.microsoft.com/office/drawing/2014/main" id="{F8C96D6D-C8E2-1DE1-7975-1FE461A07D04}"/>
+                <a16:creationId xmlns:a16="http://schemas.microsoft.com/office/drawing/2014/main" xmlns="" id="{F8C96D6D-C8E2-1DE1-7975-1FE461A07D04}"/>
               </a:ext>
             </a:extLst>
           </p:cNvPr>
@@ -17453,7 +17454,7 @@
           <p:cNvPr id="2" name="标题 1">
             <a:extLst>
               <a:ext uri="{FF2B5EF4-FFF2-40B4-BE49-F238E27FC236}">
-                <a16:creationId xmlns="" xmlns:a16="http://schemas.microsoft.com/office/drawing/2014/main" id="{80796E82-7314-2FBE-2DE8-DDD70D4DF27E}"/>
+                <a16:creationId xmlns:a16="http://schemas.microsoft.com/office/drawing/2014/main" xmlns="" id="{80796E82-7314-2FBE-2DE8-DDD70D4DF27E}"/>
               </a:ext>
             </a:extLst>
           </p:cNvPr>
@@ -17502,7 +17503,7 @@
           <p:cNvPr id="4" name="文本框 3">
             <a:extLst>
               <a:ext uri="{FF2B5EF4-FFF2-40B4-BE49-F238E27FC236}">
-                <a16:creationId xmlns="" xmlns:a16="http://schemas.microsoft.com/office/drawing/2014/main" id="{3E8E8225-E7B4-E598-7AEB-66BC2EF7864E}"/>
+                <a16:creationId xmlns:a16="http://schemas.microsoft.com/office/drawing/2014/main" xmlns="" id="{3E8E8225-E7B4-E598-7AEB-66BC2EF7864E}"/>
               </a:ext>
             </a:extLst>
           </p:cNvPr>
@@ -17542,7 +17543,7 @@
           <p:cNvPr id="94" name="椭圆 93">
             <a:extLst>
               <a:ext uri="{FF2B5EF4-FFF2-40B4-BE49-F238E27FC236}">
-                <a16:creationId xmlns="" xmlns:a16="http://schemas.microsoft.com/office/drawing/2014/main" id="{8BEE0963-F39F-E799-5A6C-7DB2D9695EA3}"/>
+                <a16:creationId xmlns:a16="http://schemas.microsoft.com/office/drawing/2014/main" xmlns="" id="{8BEE0963-F39F-E799-5A6C-7DB2D9695EA3}"/>
               </a:ext>
             </a:extLst>
           </p:cNvPr>
@@ -17594,7 +17595,7 @@
           <p:cNvPr id="95" name="Google Shape;73;p14">
             <a:extLst>
               <a:ext uri="{FF2B5EF4-FFF2-40B4-BE49-F238E27FC236}">
-                <a16:creationId xmlns="" xmlns:a16="http://schemas.microsoft.com/office/drawing/2014/main" id="{728B4BED-4470-8B41-5F52-AEAB959AE86A}"/>
+                <a16:creationId xmlns:a16="http://schemas.microsoft.com/office/drawing/2014/main" xmlns="" id="{728B4BED-4470-8B41-5F52-AEAB959AE86A}"/>
               </a:ext>
             </a:extLst>
           </p:cNvPr>
@@ -17628,7 +17629,7 @@
           <p:cNvPr id="23" name="椭圆 22">
             <a:extLst>
               <a:ext uri="{FF2B5EF4-FFF2-40B4-BE49-F238E27FC236}">
-                <a16:creationId xmlns="" xmlns:a16="http://schemas.microsoft.com/office/drawing/2014/main" id="{824F6C0B-F2BF-8F57-435A-24EF38F1CED2}"/>
+                <a16:creationId xmlns:a16="http://schemas.microsoft.com/office/drawing/2014/main" xmlns="" id="{824F6C0B-F2BF-8F57-435A-24EF38F1CED2}"/>
               </a:ext>
             </a:extLst>
           </p:cNvPr>
@@ -17684,7 +17685,7 @@
           <p:cNvPr id="24" name="椭圆 23">
             <a:extLst>
               <a:ext uri="{FF2B5EF4-FFF2-40B4-BE49-F238E27FC236}">
-                <a16:creationId xmlns="" xmlns:a16="http://schemas.microsoft.com/office/drawing/2014/main" id="{180D6603-04FC-C694-538B-19D759A53C63}"/>
+                <a16:creationId xmlns:a16="http://schemas.microsoft.com/office/drawing/2014/main" xmlns="" id="{180D6603-04FC-C694-538B-19D759A53C63}"/>
               </a:ext>
             </a:extLst>
           </p:cNvPr>
@@ -17744,7 +17745,7 @@
           <p:cNvPr id="100" name="Google Shape;74;p14">
             <a:extLst>
               <a:ext uri="{FF2B5EF4-FFF2-40B4-BE49-F238E27FC236}">
-                <a16:creationId xmlns="" xmlns:a16="http://schemas.microsoft.com/office/drawing/2014/main" id="{2D6CB586-E89B-F20A-E516-58B36CEB1867}"/>
+                <a16:creationId xmlns:a16="http://schemas.microsoft.com/office/drawing/2014/main" xmlns="" id="{2D6CB586-E89B-F20A-E516-58B36CEB1867}"/>
               </a:ext>
             </a:extLst>
           </p:cNvPr>
@@ -17778,7 +17779,7 @@
           <p:cNvPr id="101" name="Google Shape;76;p14">
             <a:extLst>
               <a:ext uri="{FF2B5EF4-FFF2-40B4-BE49-F238E27FC236}">
-                <a16:creationId xmlns="" xmlns:a16="http://schemas.microsoft.com/office/drawing/2014/main" id="{320E54BE-9086-C596-8E30-5802E54EFB64}"/>
+                <a16:creationId xmlns:a16="http://schemas.microsoft.com/office/drawing/2014/main" xmlns="" id="{320E54BE-9086-C596-8E30-5802E54EFB64}"/>
               </a:ext>
             </a:extLst>
           </p:cNvPr>
@@ -17812,7 +17813,7 @@
           <p:cNvPr id="102" name="Google Shape;79;p14">
             <a:extLst>
               <a:ext uri="{FF2B5EF4-FFF2-40B4-BE49-F238E27FC236}">
-                <a16:creationId xmlns="" xmlns:a16="http://schemas.microsoft.com/office/drawing/2014/main" id="{2CB29429-3A6A-075E-E051-F2605E6CF72B}"/>
+                <a16:creationId xmlns:a16="http://schemas.microsoft.com/office/drawing/2014/main" xmlns="" id="{2CB29429-3A6A-075E-E051-F2605E6CF72B}"/>
               </a:ext>
             </a:extLst>
           </p:cNvPr>
@@ -17846,7 +17847,7 @@
           <p:cNvPr id="103" name="Google Shape;80;p14">
             <a:extLst>
               <a:ext uri="{FF2B5EF4-FFF2-40B4-BE49-F238E27FC236}">
-                <a16:creationId xmlns="" xmlns:a16="http://schemas.microsoft.com/office/drawing/2014/main" id="{87A8869F-6890-93EE-47C2-B6909C99470B}"/>
+                <a16:creationId xmlns:a16="http://schemas.microsoft.com/office/drawing/2014/main" xmlns="" id="{87A8869F-6890-93EE-47C2-B6909C99470B}"/>
               </a:ext>
             </a:extLst>
           </p:cNvPr>
@@ -17880,7 +17881,7 @@
           <p:cNvPr id="104" name="箭头: 五边形 103">
             <a:extLst>
               <a:ext uri="{FF2B5EF4-FFF2-40B4-BE49-F238E27FC236}">
-                <a16:creationId xmlns="" xmlns:a16="http://schemas.microsoft.com/office/drawing/2014/main" id="{FEE47AE7-C9FA-4144-87DD-8E8CA1F603A1}"/>
+                <a16:creationId xmlns:a16="http://schemas.microsoft.com/office/drawing/2014/main" xmlns="" id="{FEE47AE7-C9FA-4144-87DD-8E8CA1F603A1}"/>
               </a:ext>
             </a:extLst>
           </p:cNvPr>
@@ -17927,7 +17928,7 @@
           <p:cNvPr id="105" name="箭头: 五边形 104">
             <a:extLst>
               <a:ext uri="{FF2B5EF4-FFF2-40B4-BE49-F238E27FC236}">
-                <a16:creationId xmlns="" xmlns:a16="http://schemas.microsoft.com/office/drawing/2014/main" id="{125693EC-2137-4901-2D9F-CA02EFB6EC1C}"/>
+                <a16:creationId xmlns:a16="http://schemas.microsoft.com/office/drawing/2014/main" xmlns="" id="{125693EC-2137-4901-2D9F-CA02EFB6EC1C}"/>
               </a:ext>
             </a:extLst>
           </p:cNvPr>
@@ -17983,7 +17984,7 @@
           <p:cNvPr id="106" name="箭头: 五边形 105">
             <a:extLst>
               <a:ext uri="{FF2B5EF4-FFF2-40B4-BE49-F238E27FC236}">
-                <a16:creationId xmlns="" xmlns:a16="http://schemas.microsoft.com/office/drawing/2014/main" id="{0A75FABD-C11D-5BF2-CA28-79F84BEC2D52}"/>
+                <a16:creationId xmlns:a16="http://schemas.microsoft.com/office/drawing/2014/main" xmlns="" id="{0A75FABD-C11D-5BF2-CA28-79F84BEC2D52}"/>
               </a:ext>
             </a:extLst>
           </p:cNvPr>
@@ -18039,7 +18040,7 @@
           <p:cNvPr id="107" name="箭头: 五边形 106">
             <a:extLst>
               <a:ext uri="{FF2B5EF4-FFF2-40B4-BE49-F238E27FC236}">
-                <a16:creationId xmlns="" xmlns:a16="http://schemas.microsoft.com/office/drawing/2014/main" id="{94FFE1CA-95B6-5FB5-0E93-C32CA673CFB0}"/>
+                <a16:creationId xmlns:a16="http://schemas.microsoft.com/office/drawing/2014/main" xmlns="" id="{94FFE1CA-95B6-5FB5-0E93-C32CA673CFB0}"/>
               </a:ext>
             </a:extLst>
           </p:cNvPr>
@@ -18086,7 +18087,7 @@
           <p:cNvPr id="108" name="Google Shape;75;p14">
             <a:extLst>
               <a:ext uri="{FF2B5EF4-FFF2-40B4-BE49-F238E27FC236}">
-                <a16:creationId xmlns="" xmlns:a16="http://schemas.microsoft.com/office/drawing/2014/main" id="{C28BC135-A694-D736-05E2-392BAA6546C4}"/>
+                <a16:creationId xmlns:a16="http://schemas.microsoft.com/office/drawing/2014/main" xmlns="" id="{C28BC135-A694-D736-05E2-392BAA6546C4}"/>
               </a:ext>
             </a:extLst>
           </p:cNvPr>
@@ -18120,7 +18121,7 @@
           <p:cNvPr id="109" name="Google Shape;77;p14">
             <a:extLst>
               <a:ext uri="{FF2B5EF4-FFF2-40B4-BE49-F238E27FC236}">
-                <a16:creationId xmlns="" xmlns:a16="http://schemas.microsoft.com/office/drawing/2014/main" id="{26E64EC8-A00D-85A2-55E9-80371504FA45}"/>
+                <a16:creationId xmlns:a16="http://schemas.microsoft.com/office/drawing/2014/main" xmlns="" id="{26E64EC8-A00D-85A2-55E9-80371504FA45}"/>
               </a:ext>
             </a:extLst>
           </p:cNvPr>
@@ -18154,7 +18155,7 @@
           <p:cNvPr id="110" name="Google Shape;78;p14">
             <a:extLst>
               <a:ext uri="{FF2B5EF4-FFF2-40B4-BE49-F238E27FC236}">
-                <a16:creationId xmlns="" xmlns:a16="http://schemas.microsoft.com/office/drawing/2014/main" id="{3776E30B-813F-0863-0AAF-08F593A4A164}"/>
+                <a16:creationId xmlns:a16="http://schemas.microsoft.com/office/drawing/2014/main" xmlns="" id="{3776E30B-813F-0863-0AAF-08F593A4A164}"/>
               </a:ext>
             </a:extLst>
           </p:cNvPr>
@@ -18188,7 +18189,7 @@
           <p:cNvPr id="111" name="Google Shape;81;p14">
             <a:extLst>
               <a:ext uri="{FF2B5EF4-FFF2-40B4-BE49-F238E27FC236}">
-                <a16:creationId xmlns="" xmlns:a16="http://schemas.microsoft.com/office/drawing/2014/main" id="{4C069DC5-4186-0285-5D83-B8FFA739F050}"/>
+                <a16:creationId xmlns:a16="http://schemas.microsoft.com/office/drawing/2014/main" xmlns="" id="{4C069DC5-4186-0285-5D83-B8FFA739F050}"/>
               </a:ext>
             </a:extLst>
           </p:cNvPr>
@@ -18222,7 +18223,7 @@
           <p:cNvPr id="112" name="箭头: 五边形 111">
             <a:extLst>
               <a:ext uri="{FF2B5EF4-FFF2-40B4-BE49-F238E27FC236}">
-                <a16:creationId xmlns="" xmlns:a16="http://schemas.microsoft.com/office/drawing/2014/main" id="{7CD9D67F-B213-AAAA-9054-02755BE2146A}"/>
+                <a16:creationId xmlns:a16="http://schemas.microsoft.com/office/drawing/2014/main" xmlns="" id="{7CD9D67F-B213-AAAA-9054-02755BE2146A}"/>
               </a:ext>
             </a:extLst>
           </p:cNvPr>
@@ -18278,7 +18279,7 @@
           <p:cNvPr id="113" name="箭头: 五边形 112">
             <a:extLst>
               <a:ext uri="{FF2B5EF4-FFF2-40B4-BE49-F238E27FC236}">
-                <a16:creationId xmlns="" xmlns:a16="http://schemas.microsoft.com/office/drawing/2014/main" id="{F8AE02EB-01D9-FA19-B065-CCE211B6884B}"/>
+                <a16:creationId xmlns:a16="http://schemas.microsoft.com/office/drawing/2014/main" xmlns="" id="{F8AE02EB-01D9-FA19-B065-CCE211B6884B}"/>
               </a:ext>
             </a:extLst>
           </p:cNvPr>
@@ -18334,7 +18335,7 @@
           <p:cNvPr id="114" name="箭头: 五边形 113">
             <a:extLst>
               <a:ext uri="{FF2B5EF4-FFF2-40B4-BE49-F238E27FC236}">
-                <a16:creationId xmlns="" xmlns:a16="http://schemas.microsoft.com/office/drawing/2014/main" id="{CD3E578E-DF8A-1EA0-3438-736889E4F552}"/>
+                <a16:creationId xmlns:a16="http://schemas.microsoft.com/office/drawing/2014/main" xmlns="" id="{CD3E578E-DF8A-1EA0-3438-736889E4F552}"/>
               </a:ext>
             </a:extLst>
           </p:cNvPr>
@@ -18381,7 +18382,7 @@
           <p:cNvPr id="115" name="箭头: 五边形 114">
             <a:extLst>
               <a:ext uri="{FF2B5EF4-FFF2-40B4-BE49-F238E27FC236}">
-                <a16:creationId xmlns="" xmlns:a16="http://schemas.microsoft.com/office/drawing/2014/main" id="{F8C96D6D-C8E2-1DE1-7975-1FE461A07D04}"/>
+                <a16:creationId xmlns:a16="http://schemas.microsoft.com/office/drawing/2014/main" xmlns="" id="{F8C96D6D-C8E2-1DE1-7975-1FE461A07D04}"/>
               </a:ext>
             </a:extLst>
           </p:cNvPr>
@@ -18468,7 +18469,7 @@
           <p:cNvPr id="2" name="标题 1">
             <a:extLst>
               <a:ext uri="{FF2B5EF4-FFF2-40B4-BE49-F238E27FC236}">
-                <a16:creationId xmlns="" xmlns:a16="http://schemas.microsoft.com/office/drawing/2014/main" id="{2A9B6C59-89F9-5390-BB77-F8DB7EF7B310}"/>
+                <a16:creationId xmlns:a16="http://schemas.microsoft.com/office/drawing/2014/main" xmlns="" id="{2A9B6C59-89F9-5390-BB77-F8DB7EF7B310}"/>
               </a:ext>
             </a:extLst>
           </p:cNvPr>
@@ -18558,7 +18559,7 @@
           <p:cNvPr id="2" name="标题 1">
             <a:extLst>
               <a:ext uri="{FF2B5EF4-FFF2-40B4-BE49-F238E27FC236}">
-                <a16:creationId xmlns="" xmlns:a16="http://schemas.microsoft.com/office/drawing/2014/main" id="{80796E82-7314-2FBE-2DE8-DDD70D4DF27E}"/>
+                <a16:creationId xmlns:a16="http://schemas.microsoft.com/office/drawing/2014/main" xmlns="" id="{80796E82-7314-2FBE-2DE8-DDD70D4DF27E}"/>
               </a:ext>
             </a:extLst>
           </p:cNvPr>
@@ -18600,7 +18601,7 @@
           <p:cNvPr id="4" name="文本框 3">
             <a:extLst>
               <a:ext uri="{FF2B5EF4-FFF2-40B4-BE49-F238E27FC236}">
-                <a16:creationId xmlns="" xmlns:a16="http://schemas.microsoft.com/office/drawing/2014/main" id="{3E8E8225-E7B4-E598-7AEB-66BC2EF7864E}"/>
+                <a16:creationId xmlns:a16="http://schemas.microsoft.com/office/drawing/2014/main" xmlns="" id="{3E8E8225-E7B4-E598-7AEB-66BC2EF7864E}"/>
               </a:ext>
             </a:extLst>
           </p:cNvPr>
@@ -18646,7 +18647,7 @@
           <p:cNvPr id="94" name="椭圆 93">
             <a:extLst>
               <a:ext uri="{FF2B5EF4-FFF2-40B4-BE49-F238E27FC236}">
-                <a16:creationId xmlns="" xmlns:a16="http://schemas.microsoft.com/office/drawing/2014/main" id="{8BEE0963-F39F-E799-5A6C-7DB2D9695EA3}"/>
+                <a16:creationId xmlns:a16="http://schemas.microsoft.com/office/drawing/2014/main" xmlns="" id="{8BEE0963-F39F-E799-5A6C-7DB2D9695EA3}"/>
               </a:ext>
             </a:extLst>
           </p:cNvPr>
@@ -18698,7 +18699,7 @@
           <p:cNvPr id="6" name="椭圆 5">
             <a:extLst>
               <a:ext uri="{FF2B5EF4-FFF2-40B4-BE49-F238E27FC236}">
-                <a16:creationId xmlns="" xmlns:a16="http://schemas.microsoft.com/office/drawing/2014/main" id="{1F3D5A18-117A-FBDB-A07B-D4E2DC2FC832}"/>
+                <a16:creationId xmlns:a16="http://schemas.microsoft.com/office/drawing/2014/main" xmlns="" id="{1F3D5A18-117A-FBDB-A07B-D4E2DC2FC832}"/>
               </a:ext>
             </a:extLst>
           </p:cNvPr>
@@ -18748,7 +18749,7 @@
           <p:cNvPr id="7" name="矩形 6">
             <a:extLst>
               <a:ext uri="{FF2B5EF4-FFF2-40B4-BE49-F238E27FC236}">
-                <a16:creationId xmlns="" xmlns:a16="http://schemas.microsoft.com/office/drawing/2014/main" id="{1DB7B11B-A7F7-8894-4BAF-68DD060767B3}"/>
+                <a16:creationId xmlns:a16="http://schemas.microsoft.com/office/drawing/2014/main" xmlns="" id="{1DB7B11B-A7F7-8894-4BAF-68DD060767B3}"/>
               </a:ext>
             </a:extLst>
           </p:cNvPr>
@@ -18798,7 +18799,7 @@
           <p:cNvPr id="16" name="矩形 15">
             <a:extLst>
               <a:ext uri="{FF2B5EF4-FFF2-40B4-BE49-F238E27FC236}">
-                <a16:creationId xmlns="" xmlns:a16="http://schemas.microsoft.com/office/drawing/2014/main" id="{5E103417-33D7-7A1E-5135-FE392A9238A1}"/>
+                <a16:creationId xmlns:a16="http://schemas.microsoft.com/office/drawing/2014/main" xmlns="" id="{5E103417-33D7-7A1E-5135-FE392A9238A1}"/>
               </a:ext>
             </a:extLst>
           </p:cNvPr>
@@ -18848,7 +18849,7 @@
           <p:cNvPr id="36" name="Google Shape;74;p14">
             <a:extLst>
               <a:ext uri="{FF2B5EF4-FFF2-40B4-BE49-F238E27FC236}">
-                <a16:creationId xmlns="" xmlns:a16="http://schemas.microsoft.com/office/drawing/2014/main" id="{2E2745A7-5382-D682-E846-353E49F51CE1}"/>
+                <a16:creationId xmlns:a16="http://schemas.microsoft.com/office/drawing/2014/main" xmlns="" id="{2E2745A7-5382-D682-E846-353E49F51CE1}"/>
               </a:ext>
             </a:extLst>
           </p:cNvPr>
@@ -18882,7 +18883,7 @@
           <p:cNvPr id="37" name="Google Shape;75;p14">
             <a:extLst>
               <a:ext uri="{FF2B5EF4-FFF2-40B4-BE49-F238E27FC236}">
-                <a16:creationId xmlns="" xmlns:a16="http://schemas.microsoft.com/office/drawing/2014/main" id="{E3E4915D-2F12-168B-349B-24CDEEB0083B}"/>
+                <a16:creationId xmlns:a16="http://schemas.microsoft.com/office/drawing/2014/main" xmlns="" id="{E3E4915D-2F12-168B-349B-24CDEEB0083B}"/>
               </a:ext>
             </a:extLst>
           </p:cNvPr>
@@ -18916,7 +18917,7 @@
           <p:cNvPr id="40" name="Google Shape;76;p14">
             <a:extLst>
               <a:ext uri="{FF2B5EF4-FFF2-40B4-BE49-F238E27FC236}">
-                <a16:creationId xmlns="" xmlns:a16="http://schemas.microsoft.com/office/drawing/2014/main" id="{1ECE9B11-635C-881C-CE5B-089C627E4372}"/>
+                <a16:creationId xmlns:a16="http://schemas.microsoft.com/office/drawing/2014/main" xmlns="" id="{1ECE9B11-635C-881C-CE5B-089C627E4372}"/>
               </a:ext>
             </a:extLst>
           </p:cNvPr>
@@ -18950,7 +18951,7 @@
           <p:cNvPr id="41" name="Google Shape;77;p14">
             <a:extLst>
               <a:ext uri="{FF2B5EF4-FFF2-40B4-BE49-F238E27FC236}">
-                <a16:creationId xmlns="" xmlns:a16="http://schemas.microsoft.com/office/drawing/2014/main" id="{B873D65F-C642-5A74-03EE-002969DF1388}"/>
+                <a16:creationId xmlns:a16="http://schemas.microsoft.com/office/drawing/2014/main" xmlns="" id="{B873D65F-C642-5A74-03EE-002969DF1388}"/>
               </a:ext>
             </a:extLst>
           </p:cNvPr>
@@ -18984,7 +18985,7 @@
           <p:cNvPr id="42" name="Google Shape;78;p14">
             <a:extLst>
               <a:ext uri="{FF2B5EF4-FFF2-40B4-BE49-F238E27FC236}">
-                <a16:creationId xmlns="" xmlns:a16="http://schemas.microsoft.com/office/drawing/2014/main" id="{971876C7-5053-73D0-155A-9D17633A0F55}"/>
+                <a16:creationId xmlns:a16="http://schemas.microsoft.com/office/drawing/2014/main" xmlns="" id="{971876C7-5053-73D0-155A-9D17633A0F55}"/>
               </a:ext>
             </a:extLst>
           </p:cNvPr>
@@ -19018,7 +19019,7 @@
           <p:cNvPr id="43" name="Google Shape;79;p14">
             <a:extLst>
               <a:ext uri="{FF2B5EF4-FFF2-40B4-BE49-F238E27FC236}">
-                <a16:creationId xmlns="" xmlns:a16="http://schemas.microsoft.com/office/drawing/2014/main" id="{D908096A-7B93-6872-9227-68EFA46E5FEC}"/>
+                <a16:creationId xmlns:a16="http://schemas.microsoft.com/office/drawing/2014/main" xmlns="" id="{D908096A-7B93-6872-9227-68EFA46E5FEC}"/>
               </a:ext>
             </a:extLst>
           </p:cNvPr>
@@ -19052,7 +19053,7 @@
           <p:cNvPr id="44" name="Google Shape;80;p14">
             <a:extLst>
               <a:ext uri="{FF2B5EF4-FFF2-40B4-BE49-F238E27FC236}">
-                <a16:creationId xmlns="" xmlns:a16="http://schemas.microsoft.com/office/drawing/2014/main" id="{5707B8C5-A5A8-44EF-7EA1-212D60CE4405}"/>
+                <a16:creationId xmlns:a16="http://schemas.microsoft.com/office/drawing/2014/main" xmlns="" id="{5707B8C5-A5A8-44EF-7EA1-212D60CE4405}"/>
               </a:ext>
             </a:extLst>
           </p:cNvPr>
@@ -19086,7 +19087,7 @@
           <p:cNvPr id="45" name="Google Shape;81;p14">
             <a:extLst>
               <a:ext uri="{FF2B5EF4-FFF2-40B4-BE49-F238E27FC236}">
-                <a16:creationId xmlns="" xmlns:a16="http://schemas.microsoft.com/office/drawing/2014/main" id="{258DAE7F-F09C-A31E-1F00-ADABD392EAF6}"/>
+                <a16:creationId xmlns:a16="http://schemas.microsoft.com/office/drawing/2014/main" xmlns="" id="{258DAE7F-F09C-A31E-1F00-ADABD392EAF6}"/>
               </a:ext>
             </a:extLst>
           </p:cNvPr>
@@ -19120,7 +19121,7 @@
           <p:cNvPr id="46" name="Google Shape;73;p14">
             <a:extLst>
               <a:ext uri="{FF2B5EF4-FFF2-40B4-BE49-F238E27FC236}">
-                <a16:creationId xmlns="" xmlns:a16="http://schemas.microsoft.com/office/drawing/2014/main" id="{C9BC361F-6BE4-6B47-4157-518F4E8B91B7}"/>
+                <a16:creationId xmlns:a16="http://schemas.microsoft.com/office/drawing/2014/main" xmlns="" id="{C9BC361F-6BE4-6B47-4157-518F4E8B91B7}"/>
               </a:ext>
             </a:extLst>
           </p:cNvPr>
@@ -19154,7 +19155,7 @@
           <p:cNvPr id="47" name="Google Shape;100;p14">
             <a:extLst>
               <a:ext uri="{FF2B5EF4-FFF2-40B4-BE49-F238E27FC236}">
-                <a16:creationId xmlns="" xmlns:a16="http://schemas.microsoft.com/office/drawing/2014/main" id="{FECEA0B3-9605-E3C1-399E-D5B289255275}"/>
+                <a16:creationId xmlns:a16="http://schemas.microsoft.com/office/drawing/2014/main" xmlns="" id="{FECEA0B3-9605-E3C1-399E-D5B289255275}"/>
               </a:ext>
             </a:extLst>
           </p:cNvPr>
@@ -19199,7 +19200,7 @@
           <p:cNvPr id="9" name="箭头: V 形 8">
             <a:extLst>
               <a:ext uri="{FF2B5EF4-FFF2-40B4-BE49-F238E27FC236}">
-                <a16:creationId xmlns="" xmlns:a16="http://schemas.microsoft.com/office/drawing/2014/main" id="{FD24A7BB-FA4E-991F-5929-18EE9CB4A9D9}"/>
+                <a16:creationId xmlns:a16="http://schemas.microsoft.com/office/drawing/2014/main" xmlns="" id="{FD24A7BB-FA4E-991F-5929-18EE9CB4A9D9}"/>
               </a:ext>
             </a:extLst>
           </p:cNvPr>
@@ -19247,7 +19248,7 @@
           <p:cNvPr id="18" name="箭头: V 形 17">
             <a:extLst>
               <a:ext uri="{FF2B5EF4-FFF2-40B4-BE49-F238E27FC236}">
-                <a16:creationId xmlns="" xmlns:a16="http://schemas.microsoft.com/office/drawing/2014/main" id="{8C372B4E-E0EB-3587-D05B-984150483764}"/>
+                <a16:creationId xmlns:a16="http://schemas.microsoft.com/office/drawing/2014/main" xmlns="" id="{8C372B4E-E0EB-3587-D05B-984150483764}"/>
               </a:ext>
             </a:extLst>
           </p:cNvPr>
@@ -19295,7 +19296,7 @@
           <p:cNvPr id="19" name="箭头: V 形 18">
             <a:extLst>
               <a:ext uri="{FF2B5EF4-FFF2-40B4-BE49-F238E27FC236}">
-                <a16:creationId xmlns="" xmlns:a16="http://schemas.microsoft.com/office/drawing/2014/main" id="{857EDEF0-9103-CEE8-DA27-765C3E2D1CF2}"/>
+                <a16:creationId xmlns:a16="http://schemas.microsoft.com/office/drawing/2014/main" xmlns="" id="{857EDEF0-9103-CEE8-DA27-765C3E2D1CF2}"/>
               </a:ext>
             </a:extLst>
           </p:cNvPr>
@@ -19343,7 +19344,7 @@
           <p:cNvPr id="20" name="箭头: V 形 19">
             <a:extLst>
               <a:ext uri="{FF2B5EF4-FFF2-40B4-BE49-F238E27FC236}">
-                <a16:creationId xmlns="" xmlns:a16="http://schemas.microsoft.com/office/drawing/2014/main" id="{42C49E84-E67A-1BB3-2501-0FDDEF0E34DA}"/>
+                <a16:creationId xmlns:a16="http://schemas.microsoft.com/office/drawing/2014/main" xmlns="" id="{42C49E84-E67A-1BB3-2501-0FDDEF0E34DA}"/>
               </a:ext>
             </a:extLst>
           </p:cNvPr>
@@ -19391,7 +19392,7 @@
           <p:cNvPr id="21" name="箭头: V 形 20">
             <a:extLst>
               <a:ext uri="{FF2B5EF4-FFF2-40B4-BE49-F238E27FC236}">
-                <a16:creationId xmlns="" xmlns:a16="http://schemas.microsoft.com/office/drawing/2014/main" id="{BC353627-9371-244D-7367-7A27EC648508}"/>
+                <a16:creationId xmlns:a16="http://schemas.microsoft.com/office/drawing/2014/main" xmlns="" id="{BC353627-9371-244D-7367-7A27EC648508}"/>
               </a:ext>
             </a:extLst>
           </p:cNvPr>
@@ -19439,7 +19440,7 @@
           <p:cNvPr id="22" name="箭头: V 形 21">
             <a:extLst>
               <a:ext uri="{FF2B5EF4-FFF2-40B4-BE49-F238E27FC236}">
-                <a16:creationId xmlns="" xmlns:a16="http://schemas.microsoft.com/office/drawing/2014/main" id="{41D7DFA2-1682-8959-1196-12E3B7C49765}"/>
+                <a16:creationId xmlns:a16="http://schemas.microsoft.com/office/drawing/2014/main" xmlns="" id="{41D7DFA2-1682-8959-1196-12E3B7C49765}"/>
               </a:ext>
             </a:extLst>
           </p:cNvPr>
@@ -19487,7 +19488,7 @@
           <p:cNvPr id="23" name="箭头: V 形 22">
             <a:extLst>
               <a:ext uri="{FF2B5EF4-FFF2-40B4-BE49-F238E27FC236}">
-                <a16:creationId xmlns="" xmlns:a16="http://schemas.microsoft.com/office/drawing/2014/main" id="{3E6B5B9D-8A94-166B-F4E4-0C03AFDA72FF}"/>
+                <a16:creationId xmlns:a16="http://schemas.microsoft.com/office/drawing/2014/main" xmlns="" id="{3E6B5B9D-8A94-166B-F4E4-0C03AFDA72FF}"/>
               </a:ext>
             </a:extLst>
           </p:cNvPr>
@@ -19535,7 +19536,7 @@
           <p:cNvPr id="24" name="箭头: V 形 23">
             <a:extLst>
               <a:ext uri="{FF2B5EF4-FFF2-40B4-BE49-F238E27FC236}">
-                <a16:creationId xmlns="" xmlns:a16="http://schemas.microsoft.com/office/drawing/2014/main" id="{58C2A296-BAAF-AA9E-2CEA-ABDFA8710114}"/>
+                <a16:creationId xmlns:a16="http://schemas.microsoft.com/office/drawing/2014/main" xmlns="" id="{58C2A296-BAAF-AA9E-2CEA-ABDFA8710114}"/>
               </a:ext>
             </a:extLst>
           </p:cNvPr>
@@ -19583,7 +19584,7 @@
           <p:cNvPr id="28" name="箭头: V 形 27">
             <a:extLst>
               <a:ext uri="{FF2B5EF4-FFF2-40B4-BE49-F238E27FC236}">
-                <a16:creationId xmlns="" xmlns:a16="http://schemas.microsoft.com/office/drawing/2014/main" id="{A543D7BC-1C9B-6A49-EC09-098BA7C87EA3}"/>
+                <a16:creationId xmlns:a16="http://schemas.microsoft.com/office/drawing/2014/main" xmlns="" id="{A543D7BC-1C9B-6A49-EC09-098BA7C87EA3}"/>
               </a:ext>
             </a:extLst>
           </p:cNvPr>
@@ -19631,7 +19632,7 @@
           <p:cNvPr id="29" name="箭头: V 形 28">
             <a:extLst>
               <a:ext uri="{FF2B5EF4-FFF2-40B4-BE49-F238E27FC236}">
-                <a16:creationId xmlns="" xmlns:a16="http://schemas.microsoft.com/office/drawing/2014/main" id="{D2AF5DF2-587F-46EB-F970-D8CFB9255024}"/>
+                <a16:creationId xmlns:a16="http://schemas.microsoft.com/office/drawing/2014/main" xmlns="" id="{D2AF5DF2-587F-46EB-F970-D8CFB9255024}"/>
               </a:ext>
             </a:extLst>
           </p:cNvPr>
@@ -19679,7 +19680,7 @@
           <p:cNvPr id="30" name="箭头: V 形 29">
             <a:extLst>
               <a:ext uri="{FF2B5EF4-FFF2-40B4-BE49-F238E27FC236}">
-                <a16:creationId xmlns="" xmlns:a16="http://schemas.microsoft.com/office/drawing/2014/main" id="{9419548B-7308-2803-27AC-502B1EDA4B21}"/>
+                <a16:creationId xmlns:a16="http://schemas.microsoft.com/office/drawing/2014/main" xmlns="" id="{9419548B-7308-2803-27AC-502B1EDA4B21}"/>
               </a:ext>
             </a:extLst>
           </p:cNvPr>
@@ -19727,7 +19728,7 @@
           <p:cNvPr id="31" name="箭头: V 形 30">
             <a:extLst>
               <a:ext uri="{FF2B5EF4-FFF2-40B4-BE49-F238E27FC236}">
-                <a16:creationId xmlns="" xmlns:a16="http://schemas.microsoft.com/office/drawing/2014/main" id="{5EA4D2E4-024B-6111-B464-CCAED25B06D2}"/>
+                <a16:creationId xmlns:a16="http://schemas.microsoft.com/office/drawing/2014/main" xmlns="" id="{5EA4D2E4-024B-6111-B464-CCAED25B06D2}"/>
               </a:ext>
             </a:extLst>
           </p:cNvPr>
@@ -19775,7 +19776,7 @@
           <p:cNvPr id="32" name="箭头: V 形 31">
             <a:extLst>
               <a:ext uri="{FF2B5EF4-FFF2-40B4-BE49-F238E27FC236}">
-                <a16:creationId xmlns="" xmlns:a16="http://schemas.microsoft.com/office/drawing/2014/main" id="{179930E0-6F7E-CCEA-3004-B6A577E77445}"/>
+                <a16:creationId xmlns:a16="http://schemas.microsoft.com/office/drawing/2014/main" xmlns="" id="{179930E0-6F7E-CCEA-3004-B6A577E77445}"/>
               </a:ext>
             </a:extLst>
           </p:cNvPr>
@@ -19823,7 +19824,7 @@
           <p:cNvPr id="33" name="箭头: V 形 32">
             <a:extLst>
               <a:ext uri="{FF2B5EF4-FFF2-40B4-BE49-F238E27FC236}">
-                <a16:creationId xmlns="" xmlns:a16="http://schemas.microsoft.com/office/drawing/2014/main" id="{BCFED254-F97D-29DC-0AF7-9A71396E1D9B}"/>
+                <a16:creationId xmlns:a16="http://schemas.microsoft.com/office/drawing/2014/main" xmlns="" id="{BCFED254-F97D-29DC-0AF7-9A71396E1D9B}"/>
               </a:ext>
             </a:extLst>
           </p:cNvPr>
@@ -19871,7 +19872,7 @@
           <p:cNvPr id="34" name="箭头: V 形 33">
             <a:extLst>
               <a:ext uri="{FF2B5EF4-FFF2-40B4-BE49-F238E27FC236}">
-                <a16:creationId xmlns="" xmlns:a16="http://schemas.microsoft.com/office/drawing/2014/main" id="{ADBFB33B-4138-0F9E-231F-DA43D8BCC91E}"/>
+                <a16:creationId xmlns:a16="http://schemas.microsoft.com/office/drawing/2014/main" xmlns="" id="{ADBFB33B-4138-0F9E-231F-DA43D8BCC91E}"/>
               </a:ext>
             </a:extLst>
           </p:cNvPr>
@@ -19919,7 +19920,7 @@
           <p:cNvPr id="35" name="箭头: V 形 34">
             <a:extLst>
               <a:ext uri="{FF2B5EF4-FFF2-40B4-BE49-F238E27FC236}">
-                <a16:creationId xmlns="" xmlns:a16="http://schemas.microsoft.com/office/drawing/2014/main" id="{E92C13C8-1702-EA52-0B0B-3C4AD4D4D38B}"/>
+                <a16:creationId xmlns:a16="http://schemas.microsoft.com/office/drawing/2014/main" xmlns="" id="{E92C13C8-1702-EA52-0B0B-3C4AD4D4D38B}"/>
               </a:ext>
             </a:extLst>
           </p:cNvPr>
@@ -19997,7 +19998,7 @@
           <p:cNvPr id="2" name="标题 1">
             <a:extLst>
               <a:ext uri="{FF2B5EF4-FFF2-40B4-BE49-F238E27FC236}">
-                <a16:creationId xmlns="" xmlns:a16="http://schemas.microsoft.com/office/drawing/2014/main" id="{80796E82-7314-2FBE-2DE8-DDD70D4DF27E}"/>
+                <a16:creationId xmlns:a16="http://schemas.microsoft.com/office/drawing/2014/main" xmlns="" id="{80796E82-7314-2FBE-2DE8-DDD70D4DF27E}"/>
               </a:ext>
             </a:extLst>
           </p:cNvPr>
@@ -20046,7 +20047,7 @@
           <p:cNvPr id="4" name="文本框 3">
             <a:extLst>
               <a:ext uri="{FF2B5EF4-FFF2-40B4-BE49-F238E27FC236}">
-                <a16:creationId xmlns="" xmlns:a16="http://schemas.microsoft.com/office/drawing/2014/main" id="{3E8E8225-E7B4-E598-7AEB-66BC2EF7864E}"/>
+                <a16:creationId xmlns:a16="http://schemas.microsoft.com/office/drawing/2014/main" xmlns="" id="{3E8E8225-E7B4-E598-7AEB-66BC2EF7864E}"/>
               </a:ext>
             </a:extLst>
           </p:cNvPr>
@@ -20092,7 +20093,7 @@
           <p:cNvPr id="94" name="椭圆 93">
             <a:extLst>
               <a:ext uri="{FF2B5EF4-FFF2-40B4-BE49-F238E27FC236}">
-                <a16:creationId xmlns="" xmlns:a16="http://schemas.microsoft.com/office/drawing/2014/main" id="{8BEE0963-F39F-E799-5A6C-7DB2D9695EA3}"/>
+                <a16:creationId xmlns:a16="http://schemas.microsoft.com/office/drawing/2014/main" xmlns="" id="{8BEE0963-F39F-E799-5A6C-7DB2D9695EA3}"/>
               </a:ext>
             </a:extLst>
           </p:cNvPr>
@@ -20144,7 +20145,7 @@
           <p:cNvPr id="6" name="椭圆 5">
             <a:extLst>
               <a:ext uri="{FF2B5EF4-FFF2-40B4-BE49-F238E27FC236}">
-                <a16:creationId xmlns="" xmlns:a16="http://schemas.microsoft.com/office/drawing/2014/main" id="{1F3D5A18-117A-FBDB-A07B-D4E2DC2FC832}"/>
+                <a16:creationId xmlns:a16="http://schemas.microsoft.com/office/drawing/2014/main" xmlns="" id="{1F3D5A18-117A-FBDB-A07B-D4E2DC2FC832}"/>
               </a:ext>
             </a:extLst>
           </p:cNvPr>
@@ -20194,7 +20195,7 @@
           <p:cNvPr id="7" name="矩形 6">
             <a:extLst>
               <a:ext uri="{FF2B5EF4-FFF2-40B4-BE49-F238E27FC236}">
-                <a16:creationId xmlns="" xmlns:a16="http://schemas.microsoft.com/office/drawing/2014/main" id="{1DB7B11B-A7F7-8894-4BAF-68DD060767B3}"/>
+                <a16:creationId xmlns:a16="http://schemas.microsoft.com/office/drawing/2014/main" xmlns="" id="{1DB7B11B-A7F7-8894-4BAF-68DD060767B3}"/>
               </a:ext>
             </a:extLst>
           </p:cNvPr>
@@ -20244,7 +20245,7 @@
           <p:cNvPr id="16" name="矩形 15">
             <a:extLst>
               <a:ext uri="{FF2B5EF4-FFF2-40B4-BE49-F238E27FC236}">
-                <a16:creationId xmlns="" xmlns:a16="http://schemas.microsoft.com/office/drawing/2014/main" id="{5E103417-33D7-7A1E-5135-FE392A9238A1}"/>
+                <a16:creationId xmlns:a16="http://schemas.microsoft.com/office/drawing/2014/main" xmlns="" id="{5E103417-33D7-7A1E-5135-FE392A9238A1}"/>
               </a:ext>
             </a:extLst>
           </p:cNvPr>
@@ -20294,7 +20295,7 @@
           <p:cNvPr id="36" name="Google Shape;74;p14">
             <a:extLst>
               <a:ext uri="{FF2B5EF4-FFF2-40B4-BE49-F238E27FC236}">
-                <a16:creationId xmlns="" xmlns:a16="http://schemas.microsoft.com/office/drawing/2014/main" id="{2E2745A7-5382-D682-E846-353E49F51CE1}"/>
+                <a16:creationId xmlns:a16="http://schemas.microsoft.com/office/drawing/2014/main" xmlns="" id="{2E2745A7-5382-D682-E846-353E49F51CE1}"/>
               </a:ext>
             </a:extLst>
           </p:cNvPr>
@@ -20328,7 +20329,7 @@
           <p:cNvPr id="37" name="Google Shape;75;p14">
             <a:extLst>
               <a:ext uri="{FF2B5EF4-FFF2-40B4-BE49-F238E27FC236}">
-                <a16:creationId xmlns="" xmlns:a16="http://schemas.microsoft.com/office/drawing/2014/main" id="{E3E4915D-2F12-168B-349B-24CDEEB0083B}"/>
+                <a16:creationId xmlns:a16="http://schemas.microsoft.com/office/drawing/2014/main" xmlns="" id="{E3E4915D-2F12-168B-349B-24CDEEB0083B}"/>
               </a:ext>
             </a:extLst>
           </p:cNvPr>
@@ -20362,7 +20363,7 @@
           <p:cNvPr id="40" name="Google Shape;76;p14">
             <a:extLst>
               <a:ext uri="{FF2B5EF4-FFF2-40B4-BE49-F238E27FC236}">
-                <a16:creationId xmlns="" xmlns:a16="http://schemas.microsoft.com/office/drawing/2014/main" id="{1ECE9B11-635C-881C-CE5B-089C627E4372}"/>
+                <a16:creationId xmlns:a16="http://schemas.microsoft.com/office/drawing/2014/main" xmlns="" id="{1ECE9B11-635C-881C-CE5B-089C627E4372}"/>
               </a:ext>
             </a:extLst>
           </p:cNvPr>
@@ -20396,7 +20397,7 @@
           <p:cNvPr id="41" name="Google Shape;77;p14">
             <a:extLst>
               <a:ext uri="{FF2B5EF4-FFF2-40B4-BE49-F238E27FC236}">
-                <a16:creationId xmlns="" xmlns:a16="http://schemas.microsoft.com/office/drawing/2014/main" id="{B873D65F-C642-5A74-03EE-002969DF1388}"/>
+                <a16:creationId xmlns:a16="http://schemas.microsoft.com/office/drawing/2014/main" xmlns="" id="{B873D65F-C642-5A74-03EE-002969DF1388}"/>
               </a:ext>
             </a:extLst>
           </p:cNvPr>
@@ -20430,7 +20431,7 @@
           <p:cNvPr id="42" name="Google Shape;78;p14">
             <a:extLst>
               <a:ext uri="{FF2B5EF4-FFF2-40B4-BE49-F238E27FC236}">
-                <a16:creationId xmlns="" xmlns:a16="http://schemas.microsoft.com/office/drawing/2014/main" id="{971876C7-5053-73D0-155A-9D17633A0F55}"/>
+                <a16:creationId xmlns:a16="http://schemas.microsoft.com/office/drawing/2014/main" xmlns="" id="{971876C7-5053-73D0-155A-9D17633A0F55}"/>
               </a:ext>
             </a:extLst>
           </p:cNvPr>
@@ -20464,7 +20465,7 @@
           <p:cNvPr id="43" name="Google Shape;79;p14">
             <a:extLst>
               <a:ext uri="{FF2B5EF4-FFF2-40B4-BE49-F238E27FC236}">
-                <a16:creationId xmlns="" xmlns:a16="http://schemas.microsoft.com/office/drawing/2014/main" id="{D908096A-7B93-6872-9227-68EFA46E5FEC}"/>
+                <a16:creationId xmlns:a16="http://schemas.microsoft.com/office/drawing/2014/main" xmlns="" id="{D908096A-7B93-6872-9227-68EFA46E5FEC}"/>
               </a:ext>
             </a:extLst>
           </p:cNvPr>
@@ -20498,7 +20499,7 @@
           <p:cNvPr id="44" name="Google Shape;80;p14">
             <a:extLst>
               <a:ext uri="{FF2B5EF4-FFF2-40B4-BE49-F238E27FC236}">
-                <a16:creationId xmlns="" xmlns:a16="http://schemas.microsoft.com/office/drawing/2014/main" id="{5707B8C5-A5A8-44EF-7EA1-212D60CE4405}"/>
+                <a16:creationId xmlns:a16="http://schemas.microsoft.com/office/drawing/2014/main" xmlns="" id="{5707B8C5-A5A8-44EF-7EA1-212D60CE4405}"/>
               </a:ext>
             </a:extLst>
           </p:cNvPr>
@@ -20532,7 +20533,7 @@
           <p:cNvPr id="45" name="Google Shape;81;p14">
             <a:extLst>
               <a:ext uri="{FF2B5EF4-FFF2-40B4-BE49-F238E27FC236}">
-                <a16:creationId xmlns="" xmlns:a16="http://schemas.microsoft.com/office/drawing/2014/main" id="{258DAE7F-F09C-A31E-1F00-ADABD392EAF6}"/>
+                <a16:creationId xmlns:a16="http://schemas.microsoft.com/office/drawing/2014/main" xmlns="" id="{258DAE7F-F09C-A31E-1F00-ADABD392EAF6}"/>
               </a:ext>
             </a:extLst>
           </p:cNvPr>
@@ -20566,7 +20567,7 @@
           <p:cNvPr id="38" name="Google Shape;73;p14">
             <a:extLst>
               <a:ext uri="{FF2B5EF4-FFF2-40B4-BE49-F238E27FC236}">
-                <a16:creationId xmlns="" xmlns:a16="http://schemas.microsoft.com/office/drawing/2014/main" id="{E0001BAF-FACE-D307-1D07-8A20E39EEA01}"/>
+                <a16:creationId xmlns:a16="http://schemas.microsoft.com/office/drawing/2014/main" xmlns="" id="{E0001BAF-FACE-D307-1D07-8A20E39EEA01}"/>
               </a:ext>
             </a:extLst>
           </p:cNvPr>
@@ -20600,7 +20601,7 @@
           <p:cNvPr id="39" name="Google Shape;100;p14">
             <a:extLst>
               <a:ext uri="{FF2B5EF4-FFF2-40B4-BE49-F238E27FC236}">
-                <a16:creationId xmlns="" xmlns:a16="http://schemas.microsoft.com/office/drawing/2014/main" id="{C645A3CD-E123-0AD2-7C08-708809D6E638}"/>
+                <a16:creationId xmlns:a16="http://schemas.microsoft.com/office/drawing/2014/main" xmlns="" id="{C645A3CD-E123-0AD2-7C08-708809D6E638}"/>
               </a:ext>
             </a:extLst>
           </p:cNvPr>
@@ -20645,7 +20646,7 @@
           <p:cNvPr id="3" name="等腰三角形 2">
             <a:extLst>
               <a:ext uri="{FF2B5EF4-FFF2-40B4-BE49-F238E27FC236}">
-                <a16:creationId xmlns="" xmlns:a16="http://schemas.microsoft.com/office/drawing/2014/main" id="{3958D119-CD60-7C80-CFD3-372C4AD8F295}"/>
+                <a16:creationId xmlns:a16="http://schemas.microsoft.com/office/drawing/2014/main" xmlns="" id="{3958D119-CD60-7C80-CFD3-372C4AD8F295}"/>
               </a:ext>
             </a:extLst>
           </p:cNvPr>
@@ -20694,7 +20695,7 @@
           <p:cNvPr id="46" name="等腰三角形 45">
             <a:extLst>
               <a:ext uri="{FF2B5EF4-FFF2-40B4-BE49-F238E27FC236}">
-                <a16:creationId xmlns="" xmlns:a16="http://schemas.microsoft.com/office/drawing/2014/main" id="{5C14F302-8A69-86B2-A50F-83427D1040CD}"/>
+                <a16:creationId xmlns:a16="http://schemas.microsoft.com/office/drawing/2014/main" xmlns="" id="{5C14F302-8A69-86B2-A50F-83427D1040CD}"/>
               </a:ext>
             </a:extLst>
           </p:cNvPr>
@@ -20743,7 +20744,7 @@
           <p:cNvPr id="47" name="等腰三角形 46">
             <a:extLst>
               <a:ext uri="{FF2B5EF4-FFF2-40B4-BE49-F238E27FC236}">
-                <a16:creationId xmlns="" xmlns:a16="http://schemas.microsoft.com/office/drawing/2014/main" id="{44104A55-FCFB-B777-5E13-988287C28FD2}"/>
+                <a16:creationId xmlns:a16="http://schemas.microsoft.com/office/drawing/2014/main" xmlns="" id="{44104A55-FCFB-B777-5E13-988287C28FD2}"/>
               </a:ext>
             </a:extLst>
           </p:cNvPr>
@@ -20792,7 +20793,7 @@
           <p:cNvPr id="48" name="等腰三角形 47">
             <a:extLst>
               <a:ext uri="{FF2B5EF4-FFF2-40B4-BE49-F238E27FC236}">
-                <a16:creationId xmlns="" xmlns:a16="http://schemas.microsoft.com/office/drawing/2014/main" id="{4E345FD8-5C2C-0616-0CF7-1418D66B0ABC}"/>
+                <a16:creationId xmlns:a16="http://schemas.microsoft.com/office/drawing/2014/main" xmlns="" id="{4E345FD8-5C2C-0616-0CF7-1418D66B0ABC}"/>
               </a:ext>
             </a:extLst>
           </p:cNvPr>
@@ -20841,7 +20842,7 @@
           <p:cNvPr id="49" name="等腰三角形 48">
             <a:extLst>
               <a:ext uri="{FF2B5EF4-FFF2-40B4-BE49-F238E27FC236}">
-                <a16:creationId xmlns="" xmlns:a16="http://schemas.microsoft.com/office/drawing/2014/main" id="{71BB4B96-7AF4-C164-AEA3-FEA62D216D12}"/>
+                <a16:creationId xmlns:a16="http://schemas.microsoft.com/office/drawing/2014/main" xmlns="" id="{71BB4B96-7AF4-C164-AEA3-FEA62D216D12}"/>
               </a:ext>
             </a:extLst>
           </p:cNvPr>
@@ -20890,7 +20891,7 @@
           <p:cNvPr id="50" name="等腰三角形 49">
             <a:extLst>
               <a:ext uri="{FF2B5EF4-FFF2-40B4-BE49-F238E27FC236}">
-                <a16:creationId xmlns="" xmlns:a16="http://schemas.microsoft.com/office/drawing/2014/main" id="{5190B8C1-0472-40DA-6E3E-8642A3B77B20}"/>
+                <a16:creationId xmlns:a16="http://schemas.microsoft.com/office/drawing/2014/main" xmlns="" id="{5190B8C1-0472-40DA-6E3E-8642A3B77B20}"/>
               </a:ext>
             </a:extLst>
           </p:cNvPr>
@@ -20939,7 +20940,7 @@
           <p:cNvPr id="51" name="等腰三角形 50">
             <a:extLst>
               <a:ext uri="{FF2B5EF4-FFF2-40B4-BE49-F238E27FC236}">
-                <a16:creationId xmlns="" xmlns:a16="http://schemas.microsoft.com/office/drawing/2014/main" id="{89F4727C-D5F0-4B4A-364B-C53427EB4EF4}"/>
+                <a16:creationId xmlns:a16="http://schemas.microsoft.com/office/drawing/2014/main" xmlns="" id="{89F4727C-D5F0-4B4A-364B-C53427EB4EF4}"/>
               </a:ext>
             </a:extLst>
           </p:cNvPr>
@@ -20988,7 +20989,7 @@
           <p:cNvPr id="52" name="等腰三角形 51">
             <a:extLst>
               <a:ext uri="{FF2B5EF4-FFF2-40B4-BE49-F238E27FC236}">
-                <a16:creationId xmlns="" xmlns:a16="http://schemas.microsoft.com/office/drawing/2014/main" id="{05BC28BD-C926-BEBE-1136-5FB5EE25CFB8}"/>
+                <a16:creationId xmlns:a16="http://schemas.microsoft.com/office/drawing/2014/main" xmlns="" id="{05BC28BD-C926-BEBE-1136-5FB5EE25CFB8}"/>
               </a:ext>
             </a:extLst>
           </p:cNvPr>
@@ -21077,7 +21078,7 @@
           <p:cNvPr id="2" name="标题 1">
             <a:extLst>
               <a:ext uri="{FF2B5EF4-FFF2-40B4-BE49-F238E27FC236}">
-                <a16:creationId xmlns="" xmlns:a16="http://schemas.microsoft.com/office/drawing/2014/main" id="{2A9B6C59-89F9-5390-BB77-F8DB7EF7B310}"/>
+                <a16:creationId xmlns:a16="http://schemas.microsoft.com/office/drawing/2014/main" xmlns="" id="{2A9B6C59-89F9-5390-BB77-F8DB7EF7B310}"/>
               </a:ext>
             </a:extLst>
           </p:cNvPr>
@@ -21152,7 +21153,7 @@
           <p:cNvPr id="2" name="标题 1">
             <a:extLst>
               <a:ext uri="{FF2B5EF4-FFF2-40B4-BE49-F238E27FC236}">
-                <a16:creationId xmlns="" xmlns:a16="http://schemas.microsoft.com/office/drawing/2014/main" id="{80796E82-7314-2FBE-2DE8-DDD70D4DF27E}"/>
+                <a16:creationId xmlns:a16="http://schemas.microsoft.com/office/drawing/2014/main" xmlns="" id="{80796E82-7314-2FBE-2DE8-DDD70D4DF27E}"/>
               </a:ext>
             </a:extLst>
           </p:cNvPr>
@@ -21194,7 +21195,7 @@
           <p:cNvPr id="4" name="文本框 3">
             <a:extLst>
               <a:ext uri="{FF2B5EF4-FFF2-40B4-BE49-F238E27FC236}">
-                <a16:creationId xmlns="" xmlns:a16="http://schemas.microsoft.com/office/drawing/2014/main" id="{3E8E8225-E7B4-E598-7AEB-66BC2EF7864E}"/>
+                <a16:creationId xmlns:a16="http://schemas.microsoft.com/office/drawing/2014/main" xmlns="" id="{3E8E8225-E7B4-E598-7AEB-66BC2EF7864E}"/>
               </a:ext>
             </a:extLst>
           </p:cNvPr>
@@ -21300,7 +21301,7 @@
           <p:cNvPr id="94" name="椭圆 93">
             <a:extLst>
               <a:ext uri="{FF2B5EF4-FFF2-40B4-BE49-F238E27FC236}">
-                <a16:creationId xmlns="" xmlns:a16="http://schemas.microsoft.com/office/drawing/2014/main" id="{8BEE0963-F39F-E799-5A6C-7DB2D9695EA3}"/>
+                <a16:creationId xmlns:a16="http://schemas.microsoft.com/office/drawing/2014/main" xmlns="" id="{8BEE0963-F39F-E799-5A6C-7DB2D9695EA3}"/>
               </a:ext>
             </a:extLst>
           </p:cNvPr>
@@ -21352,7 +21353,7 @@
           <p:cNvPr id="3" name="椭圆 2">
             <a:extLst>
               <a:ext uri="{FF2B5EF4-FFF2-40B4-BE49-F238E27FC236}">
-                <a16:creationId xmlns="" xmlns:a16="http://schemas.microsoft.com/office/drawing/2014/main" id="{012F767B-5206-A517-0D25-41845DA1D568}"/>
+                <a16:creationId xmlns:a16="http://schemas.microsoft.com/office/drawing/2014/main" xmlns="" id="{012F767B-5206-A517-0D25-41845DA1D568}"/>
               </a:ext>
             </a:extLst>
           </p:cNvPr>
@@ -21404,7 +21405,7 @@
           <p:cNvPr id="25" name="图片 24">
             <a:extLst>
               <a:ext uri="{FF2B5EF4-FFF2-40B4-BE49-F238E27FC236}">
-                <a16:creationId xmlns="" xmlns:a16="http://schemas.microsoft.com/office/drawing/2014/main" id="{09006F16-5378-003E-5C0E-8FF9FEC546D4}"/>
+                <a16:creationId xmlns:a16="http://schemas.microsoft.com/office/drawing/2014/main" xmlns="" id="{09006F16-5378-003E-5C0E-8FF9FEC546D4}"/>
               </a:ext>
             </a:extLst>
           </p:cNvPr>
@@ -21434,7 +21435,7 @@
           <p:cNvPr id="26" name="图片 25">
             <a:extLst>
               <a:ext uri="{FF2B5EF4-FFF2-40B4-BE49-F238E27FC236}">
-                <a16:creationId xmlns="" xmlns:a16="http://schemas.microsoft.com/office/drawing/2014/main" id="{2BAD37FB-EB9D-D370-2B51-8E35AAF38167}"/>
+                <a16:creationId xmlns:a16="http://schemas.microsoft.com/office/drawing/2014/main" xmlns="" id="{2BAD37FB-EB9D-D370-2B51-8E35AAF38167}"/>
               </a:ext>
             </a:extLst>
           </p:cNvPr>
@@ -21464,7 +21465,7 @@
           <p:cNvPr id="27" name="图片 26">
             <a:extLst>
               <a:ext uri="{FF2B5EF4-FFF2-40B4-BE49-F238E27FC236}">
-                <a16:creationId xmlns="" xmlns:a16="http://schemas.microsoft.com/office/drawing/2014/main" id="{1C0210CD-C266-B930-E638-BB546D154C74}"/>
+                <a16:creationId xmlns:a16="http://schemas.microsoft.com/office/drawing/2014/main" xmlns="" id="{1C0210CD-C266-B930-E638-BB546D154C74}"/>
               </a:ext>
             </a:extLst>
           </p:cNvPr>
@@ -21494,7 +21495,7 @@
           <p:cNvPr id="12" name="箭头: 右 11">
             <a:extLst>
               <a:ext uri="{FF2B5EF4-FFF2-40B4-BE49-F238E27FC236}">
-                <a16:creationId xmlns="" xmlns:a16="http://schemas.microsoft.com/office/drawing/2014/main" id="{CBE2E6AE-C4B4-960A-F745-009687CC64E1}"/>
+                <a16:creationId xmlns:a16="http://schemas.microsoft.com/office/drawing/2014/main" xmlns="" id="{CBE2E6AE-C4B4-960A-F745-009687CC64E1}"/>
               </a:ext>
             </a:extLst>
           </p:cNvPr>
@@ -21548,7 +21549,7 @@
           <p:cNvPr id="38" name="箭头: 右 37">
             <a:extLst>
               <a:ext uri="{FF2B5EF4-FFF2-40B4-BE49-F238E27FC236}">
-                <a16:creationId xmlns="" xmlns:a16="http://schemas.microsoft.com/office/drawing/2014/main" id="{D83C9897-8C6C-63D0-4980-561938006796}"/>
+                <a16:creationId xmlns:a16="http://schemas.microsoft.com/office/drawing/2014/main" xmlns="" id="{D83C9897-8C6C-63D0-4980-561938006796}"/>
               </a:ext>
             </a:extLst>
           </p:cNvPr>
@@ -21595,7 +21596,7 @@
           <p:cNvPr id="39" name="箭头: 右 38">
             <a:extLst>
               <a:ext uri="{FF2B5EF4-FFF2-40B4-BE49-F238E27FC236}">
-                <a16:creationId xmlns="" xmlns:a16="http://schemas.microsoft.com/office/drawing/2014/main" id="{7541AED3-F942-9EB8-6A5E-FD3C9A6A9741}"/>
+                <a16:creationId xmlns:a16="http://schemas.microsoft.com/office/drawing/2014/main" xmlns="" id="{7541AED3-F942-9EB8-6A5E-FD3C9A6A9741}"/>
               </a:ext>
             </a:extLst>
           </p:cNvPr>
@@ -21672,7 +21673,7 @@
           <p:cNvPr id="2" name="标题 1">
             <a:extLst>
               <a:ext uri="{FF2B5EF4-FFF2-40B4-BE49-F238E27FC236}">
-                <a16:creationId xmlns="" xmlns:a16="http://schemas.microsoft.com/office/drawing/2014/main" id="{80796E82-7314-2FBE-2DE8-DDD70D4DF27E}"/>
+                <a16:creationId xmlns:a16="http://schemas.microsoft.com/office/drawing/2014/main" xmlns="" id="{80796E82-7314-2FBE-2DE8-DDD70D4DF27E}"/>
               </a:ext>
             </a:extLst>
           </p:cNvPr>
@@ -21714,7 +21715,7 @@
           <p:cNvPr id="4" name="文本框 3">
             <a:extLst>
               <a:ext uri="{FF2B5EF4-FFF2-40B4-BE49-F238E27FC236}">
-                <a16:creationId xmlns="" xmlns:a16="http://schemas.microsoft.com/office/drawing/2014/main" id="{3E8E8225-E7B4-E598-7AEB-66BC2EF7864E}"/>
+                <a16:creationId xmlns:a16="http://schemas.microsoft.com/office/drawing/2014/main" xmlns="" id="{3E8E8225-E7B4-E598-7AEB-66BC2EF7864E}"/>
               </a:ext>
             </a:extLst>
           </p:cNvPr>
@@ -21771,7 +21772,7 @@
           <p:cNvPr id="94" name="椭圆 93">
             <a:extLst>
               <a:ext uri="{FF2B5EF4-FFF2-40B4-BE49-F238E27FC236}">
-                <a16:creationId xmlns="" xmlns:a16="http://schemas.microsoft.com/office/drawing/2014/main" id="{8BEE0963-F39F-E799-5A6C-7DB2D9695EA3}"/>
+                <a16:creationId xmlns:a16="http://schemas.microsoft.com/office/drawing/2014/main" xmlns="" id="{8BEE0963-F39F-E799-5A6C-7DB2D9695EA3}"/>
               </a:ext>
             </a:extLst>
           </p:cNvPr>
@@ -21823,7 +21824,7 @@
           <p:cNvPr id="3" name="椭圆 2">
             <a:extLst>
               <a:ext uri="{FF2B5EF4-FFF2-40B4-BE49-F238E27FC236}">
-                <a16:creationId xmlns="" xmlns:a16="http://schemas.microsoft.com/office/drawing/2014/main" id="{012F767B-5206-A517-0D25-41845DA1D568}"/>
+                <a16:creationId xmlns:a16="http://schemas.microsoft.com/office/drawing/2014/main" xmlns="" id="{012F767B-5206-A517-0D25-41845DA1D568}"/>
               </a:ext>
             </a:extLst>
           </p:cNvPr>
@@ -21875,7 +21876,7 @@
           <p:cNvPr id="13" name="椭圆 12">
             <a:extLst>
               <a:ext uri="{FF2B5EF4-FFF2-40B4-BE49-F238E27FC236}">
-                <a16:creationId xmlns="" xmlns:a16="http://schemas.microsoft.com/office/drawing/2014/main" id="{38B7E776-7869-C2EE-A5AD-FE07B12FAB74}"/>
+                <a16:creationId xmlns:a16="http://schemas.microsoft.com/office/drawing/2014/main" xmlns="" id="{38B7E776-7869-C2EE-A5AD-FE07B12FAB74}"/>
               </a:ext>
             </a:extLst>
           </p:cNvPr>
@@ -21931,7 +21932,7 @@
           <p:cNvPr id="14" name="椭圆 13">
             <a:extLst>
               <a:ext uri="{FF2B5EF4-FFF2-40B4-BE49-F238E27FC236}">
-                <a16:creationId xmlns="" xmlns:a16="http://schemas.microsoft.com/office/drawing/2014/main" id="{D8DD0DA6-117D-35B7-99A2-FF9219BEBA7A}"/>
+                <a16:creationId xmlns:a16="http://schemas.microsoft.com/office/drawing/2014/main" xmlns="" id="{D8DD0DA6-117D-35B7-99A2-FF9219BEBA7A}"/>
               </a:ext>
             </a:extLst>
           </p:cNvPr>
@@ -21991,7 +21992,7 @@
           <p:cNvPr id="15" name="椭圆 14">
             <a:extLst>
               <a:ext uri="{FF2B5EF4-FFF2-40B4-BE49-F238E27FC236}">
-                <a16:creationId xmlns="" xmlns:a16="http://schemas.microsoft.com/office/drawing/2014/main" id="{4473FF23-7236-BE2D-9F0F-D30171020183}"/>
+                <a16:creationId xmlns:a16="http://schemas.microsoft.com/office/drawing/2014/main" xmlns="" id="{4473FF23-7236-BE2D-9F0F-D30171020183}"/>
               </a:ext>
             </a:extLst>
           </p:cNvPr>
@@ -22051,7 +22052,7 @@
           <p:cNvPr id="16" name="椭圆 15">
             <a:extLst>
               <a:ext uri="{FF2B5EF4-FFF2-40B4-BE49-F238E27FC236}">
-                <a16:creationId xmlns="" xmlns:a16="http://schemas.microsoft.com/office/drawing/2014/main" id="{5B674586-3FAA-F398-D9DD-3C1412DB22B3}"/>
+                <a16:creationId xmlns:a16="http://schemas.microsoft.com/office/drawing/2014/main" xmlns="" id="{5B674586-3FAA-F398-D9DD-3C1412DB22B3}"/>
               </a:ext>
             </a:extLst>
           </p:cNvPr>
@@ -22111,7 +22112,7 @@
           <p:cNvPr id="17" name="椭圆 16">
             <a:extLst>
               <a:ext uri="{FF2B5EF4-FFF2-40B4-BE49-F238E27FC236}">
-                <a16:creationId xmlns="" xmlns:a16="http://schemas.microsoft.com/office/drawing/2014/main" id="{1B65CA99-0563-B4C2-F8E8-0F681E9BE5AA}"/>
+                <a16:creationId xmlns:a16="http://schemas.microsoft.com/office/drawing/2014/main" xmlns="" id="{1B65CA99-0563-B4C2-F8E8-0F681E9BE5AA}"/>
               </a:ext>
             </a:extLst>
           </p:cNvPr>
@@ -22171,7 +22172,7 @@
           <p:cNvPr id="18" name="椭圆 17">
             <a:extLst>
               <a:ext uri="{FF2B5EF4-FFF2-40B4-BE49-F238E27FC236}">
-                <a16:creationId xmlns="" xmlns:a16="http://schemas.microsoft.com/office/drawing/2014/main" id="{28E9B88E-5089-3E31-A173-9E6BFC411B12}"/>
+                <a16:creationId xmlns:a16="http://schemas.microsoft.com/office/drawing/2014/main" xmlns="" id="{28E9B88E-5089-3E31-A173-9E6BFC411B12}"/>
               </a:ext>
             </a:extLst>
           </p:cNvPr>
@@ -22227,7 +22228,7 @@
           <p:cNvPr id="19" name="椭圆 18">
             <a:extLst>
               <a:ext uri="{FF2B5EF4-FFF2-40B4-BE49-F238E27FC236}">
-                <a16:creationId xmlns="" xmlns:a16="http://schemas.microsoft.com/office/drawing/2014/main" id="{65071104-DAC5-B2F4-E32C-3E8685DC9ABB}"/>
+                <a16:creationId xmlns:a16="http://schemas.microsoft.com/office/drawing/2014/main" xmlns="" id="{65071104-DAC5-B2F4-E32C-3E8685DC9ABB}"/>
               </a:ext>
             </a:extLst>
           </p:cNvPr>
@@ -22283,7 +22284,7 @@
           <p:cNvPr id="20" name="椭圆 19">
             <a:extLst>
               <a:ext uri="{FF2B5EF4-FFF2-40B4-BE49-F238E27FC236}">
-                <a16:creationId xmlns="" xmlns:a16="http://schemas.microsoft.com/office/drawing/2014/main" id="{139AD470-0E68-4E4A-461B-9AC53FA9B15D}"/>
+                <a16:creationId xmlns:a16="http://schemas.microsoft.com/office/drawing/2014/main" xmlns="" id="{139AD470-0E68-4E4A-461B-9AC53FA9B15D}"/>
               </a:ext>
             </a:extLst>
           </p:cNvPr>
@@ -22369,7 +22370,7 @@
           <p:cNvPr id="21" name="图片 20">
             <a:extLst>
               <a:ext uri="{FF2B5EF4-FFF2-40B4-BE49-F238E27FC236}">
-                <a16:creationId xmlns="" xmlns:a16="http://schemas.microsoft.com/office/drawing/2014/main" id="{10E4E8DE-E31A-2625-3BAE-58C9DC6E1CD4}"/>
+                <a16:creationId xmlns:a16="http://schemas.microsoft.com/office/drawing/2014/main" xmlns="" id="{10E4E8DE-E31A-2625-3BAE-58C9DC6E1CD4}"/>
               </a:ext>
             </a:extLst>
           </p:cNvPr>
@@ -22399,7 +22400,7 @@
           <p:cNvPr id="23" name="图片 22">
             <a:extLst>
               <a:ext uri="{FF2B5EF4-FFF2-40B4-BE49-F238E27FC236}">
-                <a16:creationId xmlns="" xmlns:a16="http://schemas.microsoft.com/office/drawing/2014/main" id="{16647850-EC2C-0EB9-87DD-021513204952}"/>
+                <a16:creationId xmlns:a16="http://schemas.microsoft.com/office/drawing/2014/main" xmlns="" id="{16647850-EC2C-0EB9-87DD-021513204952}"/>
               </a:ext>
             </a:extLst>
           </p:cNvPr>
@@ -22429,7 +22430,7 @@
           <p:cNvPr id="27" name="图片 26">
             <a:extLst>
               <a:ext uri="{FF2B5EF4-FFF2-40B4-BE49-F238E27FC236}">
-                <a16:creationId xmlns="" xmlns:a16="http://schemas.microsoft.com/office/drawing/2014/main" id="{772A4570-CF22-2902-D9E1-D7E60C021041}"/>
+                <a16:creationId xmlns:a16="http://schemas.microsoft.com/office/drawing/2014/main" xmlns="" id="{772A4570-CF22-2902-D9E1-D7E60C021041}"/>
               </a:ext>
             </a:extLst>
           </p:cNvPr>
@@ -22459,7 +22460,7 @@
           <p:cNvPr id="29" name="图片 28">
             <a:extLst>
               <a:ext uri="{FF2B5EF4-FFF2-40B4-BE49-F238E27FC236}">
-                <a16:creationId xmlns="" xmlns:a16="http://schemas.microsoft.com/office/drawing/2014/main" id="{5128C50F-4299-3146-AEDE-C73B90459F44}"/>
+                <a16:creationId xmlns:a16="http://schemas.microsoft.com/office/drawing/2014/main" xmlns="" id="{5128C50F-4299-3146-AEDE-C73B90459F44}"/>
               </a:ext>
             </a:extLst>
           </p:cNvPr>
@@ -22489,7 +22490,7 @@
           <p:cNvPr id="31" name="图片 30">
             <a:extLst>
               <a:ext uri="{FF2B5EF4-FFF2-40B4-BE49-F238E27FC236}">
-                <a16:creationId xmlns="" xmlns:a16="http://schemas.microsoft.com/office/drawing/2014/main" id="{324F68F4-34AD-C9E9-3330-8E7CEFCD4AB8}"/>
+                <a16:creationId xmlns:a16="http://schemas.microsoft.com/office/drawing/2014/main" xmlns="" id="{324F68F4-34AD-C9E9-3330-8E7CEFCD4AB8}"/>
               </a:ext>
             </a:extLst>
           </p:cNvPr>
@@ -22519,7 +22520,7 @@
           <p:cNvPr id="33" name="图片 32">
             <a:extLst>
               <a:ext uri="{FF2B5EF4-FFF2-40B4-BE49-F238E27FC236}">
-                <a16:creationId xmlns="" xmlns:a16="http://schemas.microsoft.com/office/drawing/2014/main" id="{5B816CFB-BEEB-34C9-241C-39D4F80BE612}"/>
+                <a16:creationId xmlns:a16="http://schemas.microsoft.com/office/drawing/2014/main" xmlns="" id="{5B816CFB-BEEB-34C9-241C-39D4F80BE612}"/>
               </a:ext>
             </a:extLst>
           </p:cNvPr>
@@ -22549,7 +22550,7 @@
           <p:cNvPr id="35" name="图片 34">
             <a:extLst>
               <a:ext uri="{FF2B5EF4-FFF2-40B4-BE49-F238E27FC236}">
-                <a16:creationId xmlns="" xmlns:a16="http://schemas.microsoft.com/office/drawing/2014/main" id="{63EE9772-9831-CB1A-0402-4088D44FAAEA}"/>
+                <a16:creationId xmlns:a16="http://schemas.microsoft.com/office/drawing/2014/main" xmlns="" id="{63EE9772-9831-CB1A-0402-4088D44FAAEA}"/>
               </a:ext>
             </a:extLst>
           </p:cNvPr>
@@ -22579,7 +22580,7 @@
           <p:cNvPr id="37" name="图片 36">
             <a:extLst>
               <a:ext uri="{FF2B5EF4-FFF2-40B4-BE49-F238E27FC236}">
-                <a16:creationId xmlns="" xmlns:a16="http://schemas.microsoft.com/office/drawing/2014/main" id="{3BC861CE-A12C-44C5-DC11-968D86D804D5}"/>
+                <a16:creationId xmlns:a16="http://schemas.microsoft.com/office/drawing/2014/main" xmlns="" id="{3BC861CE-A12C-44C5-DC11-968D86D804D5}"/>
               </a:ext>
             </a:extLst>
           </p:cNvPr>
@@ -22639,7 +22640,7 @@
           <p:cNvPr id="2" name="标题 1">
             <a:extLst>
               <a:ext uri="{FF2B5EF4-FFF2-40B4-BE49-F238E27FC236}">
-                <a16:creationId xmlns="" xmlns:a16="http://schemas.microsoft.com/office/drawing/2014/main" id="{80796E82-7314-2FBE-2DE8-DDD70D4DF27E}"/>
+                <a16:creationId xmlns:a16="http://schemas.microsoft.com/office/drawing/2014/main" xmlns="" id="{80796E82-7314-2FBE-2DE8-DDD70D4DF27E}"/>
               </a:ext>
             </a:extLst>
           </p:cNvPr>
@@ -22688,7 +22689,7 @@
           <p:cNvPr id="4" name="文本框 3">
             <a:extLst>
               <a:ext uri="{FF2B5EF4-FFF2-40B4-BE49-F238E27FC236}">
-                <a16:creationId xmlns="" xmlns:a16="http://schemas.microsoft.com/office/drawing/2014/main" id="{3E8E8225-E7B4-E598-7AEB-66BC2EF7864E}"/>
+                <a16:creationId xmlns:a16="http://schemas.microsoft.com/office/drawing/2014/main" xmlns="" id="{3E8E8225-E7B4-E598-7AEB-66BC2EF7864E}"/>
               </a:ext>
             </a:extLst>
           </p:cNvPr>
@@ -22790,7 +22791,7 @@
           <p:cNvPr id="94" name="椭圆 93">
             <a:extLst>
               <a:ext uri="{FF2B5EF4-FFF2-40B4-BE49-F238E27FC236}">
-                <a16:creationId xmlns="" xmlns:a16="http://schemas.microsoft.com/office/drawing/2014/main" id="{8BEE0963-F39F-E799-5A6C-7DB2D9695EA3}"/>
+                <a16:creationId xmlns:a16="http://schemas.microsoft.com/office/drawing/2014/main" xmlns="" id="{8BEE0963-F39F-E799-5A6C-7DB2D9695EA3}"/>
               </a:ext>
             </a:extLst>
           </p:cNvPr>
@@ -22842,7 +22843,7 @@
           <p:cNvPr id="3" name="椭圆 2">
             <a:extLst>
               <a:ext uri="{FF2B5EF4-FFF2-40B4-BE49-F238E27FC236}">
-                <a16:creationId xmlns="" xmlns:a16="http://schemas.microsoft.com/office/drawing/2014/main" id="{012F767B-5206-A517-0D25-41845DA1D568}"/>
+                <a16:creationId xmlns:a16="http://schemas.microsoft.com/office/drawing/2014/main" xmlns="" id="{012F767B-5206-A517-0D25-41845DA1D568}"/>
               </a:ext>
             </a:extLst>
           </p:cNvPr>
@@ -22894,7 +22895,7 @@
           <p:cNvPr id="13" name="椭圆 12">
             <a:extLst>
               <a:ext uri="{FF2B5EF4-FFF2-40B4-BE49-F238E27FC236}">
-                <a16:creationId xmlns="" xmlns:a16="http://schemas.microsoft.com/office/drawing/2014/main" id="{38B7E776-7869-C2EE-A5AD-FE07B12FAB74}"/>
+                <a16:creationId xmlns:a16="http://schemas.microsoft.com/office/drawing/2014/main" xmlns="" id="{38B7E776-7869-C2EE-A5AD-FE07B12FAB74}"/>
               </a:ext>
             </a:extLst>
           </p:cNvPr>
@@ -22950,7 +22951,7 @@
           <p:cNvPr id="20" name="椭圆 19">
             <a:extLst>
               <a:ext uri="{FF2B5EF4-FFF2-40B4-BE49-F238E27FC236}">
-                <a16:creationId xmlns="" xmlns:a16="http://schemas.microsoft.com/office/drawing/2014/main" id="{139AD470-0E68-4E4A-461B-9AC53FA9B15D}"/>
+                <a16:creationId xmlns:a16="http://schemas.microsoft.com/office/drawing/2014/main" xmlns="" id="{139AD470-0E68-4E4A-461B-9AC53FA9B15D}"/>
               </a:ext>
             </a:extLst>
           </p:cNvPr>
@@ -23006,7 +23007,7 @@
           <p:cNvPr id="29" name="图片 28">
             <a:extLst>
               <a:ext uri="{FF2B5EF4-FFF2-40B4-BE49-F238E27FC236}">
-                <a16:creationId xmlns="" xmlns:a16="http://schemas.microsoft.com/office/drawing/2014/main" id="{37828109-D1DB-24B1-070F-6C6C2342A787}"/>
+                <a16:creationId xmlns:a16="http://schemas.microsoft.com/office/drawing/2014/main" xmlns="" id="{37828109-D1DB-24B1-070F-6C6C2342A787}"/>
               </a:ext>
             </a:extLst>
           </p:cNvPr>
@@ -23036,7 +23037,7 @@
           <p:cNvPr id="30" name="图片 29">
             <a:extLst>
               <a:ext uri="{FF2B5EF4-FFF2-40B4-BE49-F238E27FC236}">
-                <a16:creationId xmlns="" xmlns:a16="http://schemas.microsoft.com/office/drawing/2014/main" id="{308EB72D-0591-1F78-12FC-CD798BD7E73D}"/>
+                <a16:creationId xmlns:a16="http://schemas.microsoft.com/office/drawing/2014/main" xmlns="" id="{308EB72D-0591-1F78-12FC-CD798BD7E73D}"/>
               </a:ext>
             </a:extLst>
           </p:cNvPr>
@@ -23066,7 +23067,7 @@
           <p:cNvPr id="31" name="图片 30">
             <a:extLst>
               <a:ext uri="{FF2B5EF4-FFF2-40B4-BE49-F238E27FC236}">
-                <a16:creationId xmlns="" xmlns:a16="http://schemas.microsoft.com/office/drawing/2014/main" id="{07F4B817-9FB7-F356-BFC2-674680D05075}"/>
+                <a16:creationId xmlns:a16="http://schemas.microsoft.com/office/drawing/2014/main" xmlns="" id="{07F4B817-9FB7-F356-BFC2-674680D05075}"/>
               </a:ext>
             </a:extLst>
           </p:cNvPr>
@@ -23096,7 +23097,7 @@
           <p:cNvPr id="32" name="图片 31">
             <a:extLst>
               <a:ext uri="{FF2B5EF4-FFF2-40B4-BE49-F238E27FC236}">
-                <a16:creationId xmlns="" xmlns:a16="http://schemas.microsoft.com/office/drawing/2014/main" id="{6AD0DB1A-3123-D4EB-783F-2A1EBF1F865D}"/>
+                <a16:creationId xmlns:a16="http://schemas.microsoft.com/office/drawing/2014/main" xmlns="" id="{6AD0DB1A-3123-D4EB-783F-2A1EBF1F865D}"/>
               </a:ext>
             </a:extLst>
           </p:cNvPr>
@@ -23126,7 +23127,7 @@
           <p:cNvPr id="33" name="图片 32">
             <a:extLst>
               <a:ext uri="{FF2B5EF4-FFF2-40B4-BE49-F238E27FC236}">
-                <a16:creationId xmlns="" xmlns:a16="http://schemas.microsoft.com/office/drawing/2014/main" id="{6EA6B283-FA33-8B5F-19D9-23C22512D6A2}"/>
+                <a16:creationId xmlns:a16="http://schemas.microsoft.com/office/drawing/2014/main" xmlns="" id="{6EA6B283-FA33-8B5F-19D9-23C22512D6A2}"/>
               </a:ext>
             </a:extLst>
           </p:cNvPr>
@@ -23156,7 +23157,7 @@
           <p:cNvPr id="34" name="图片 33">
             <a:extLst>
               <a:ext uri="{FF2B5EF4-FFF2-40B4-BE49-F238E27FC236}">
-                <a16:creationId xmlns="" xmlns:a16="http://schemas.microsoft.com/office/drawing/2014/main" id="{A7CC21E1-7467-1ACF-2ED7-68959584D6DF}"/>
+                <a16:creationId xmlns:a16="http://schemas.microsoft.com/office/drawing/2014/main" xmlns="" id="{A7CC21E1-7467-1ACF-2ED7-68959584D6DF}"/>
               </a:ext>
             </a:extLst>
           </p:cNvPr>
@@ -23186,7 +23187,7 @@
           <p:cNvPr id="35" name="图片 34">
             <a:extLst>
               <a:ext uri="{FF2B5EF4-FFF2-40B4-BE49-F238E27FC236}">
-                <a16:creationId xmlns="" xmlns:a16="http://schemas.microsoft.com/office/drawing/2014/main" id="{4FD1822D-6EF2-CCB1-76AC-A770762EDBFB}"/>
+                <a16:creationId xmlns:a16="http://schemas.microsoft.com/office/drawing/2014/main" xmlns="" id="{4FD1822D-6EF2-CCB1-76AC-A770762EDBFB}"/>
               </a:ext>
             </a:extLst>
           </p:cNvPr>
@@ -23216,7 +23217,7 @@
           <p:cNvPr id="36" name="图片 35">
             <a:extLst>
               <a:ext uri="{FF2B5EF4-FFF2-40B4-BE49-F238E27FC236}">
-                <a16:creationId xmlns="" xmlns:a16="http://schemas.microsoft.com/office/drawing/2014/main" id="{9E02D9AC-14F1-BAD2-3488-0805428D78DE}"/>
+                <a16:creationId xmlns:a16="http://schemas.microsoft.com/office/drawing/2014/main" xmlns="" id="{9E02D9AC-14F1-BAD2-3488-0805428D78DE}"/>
               </a:ext>
             </a:extLst>
           </p:cNvPr>
@@ -23246,7 +23247,7 @@
           <p:cNvPr id="39" name="箭头: 右 38">
             <a:extLst>
               <a:ext uri="{FF2B5EF4-FFF2-40B4-BE49-F238E27FC236}">
-                <a16:creationId xmlns="" xmlns:a16="http://schemas.microsoft.com/office/drawing/2014/main" id="{E96F8D33-A9BF-94AC-B64B-D6CB8722BEEB}"/>
+                <a16:creationId xmlns:a16="http://schemas.microsoft.com/office/drawing/2014/main" xmlns="" id="{E96F8D33-A9BF-94AC-B64B-D6CB8722BEEB}"/>
               </a:ext>
             </a:extLst>
           </p:cNvPr>
@@ -23298,7 +23299,7 @@
           <p:cNvPr id="40" name="箭头: 右 39">
             <a:extLst>
               <a:ext uri="{FF2B5EF4-FFF2-40B4-BE49-F238E27FC236}">
-                <a16:creationId xmlns="" xmlns:a16="http://schemas.microsoft.com/office/drawing/2014/main" id="{9C2A8819-B668-0107-BB7F-64E2A52819BC}"/>
+                <a16:creationId xmlns:a16="http://schemas.microsoft.com/office/drawing/2014/main" xmlns="" id="{9C2A8819-B668-0107-BB7F-64E2A52819BC}"/>
               </a:ext>
             </a:extLst>
           </p:cNvPr>
@@ -23380,7 +23381,7 @@
           <p:cNvPr id="2" name="标题 1">
             <a:extLst>
               <a:ext uri="{FF2B5EF4-FFF2-40B4-BE49-F238E27FC236}">
-                <a16:creationId xmlns="" xmlns:a16="http://schemas.microsoft.com/office/drawing/2014/main" id="{80796E82-7314-2FBE-2DE8-DDD70D4DF27E}"/>
+                <a16:creationId xmlns:a16="http://schemas.microsoft.com/office/drawing/2014/main" xmlns="" id="{80796E82-7314-2FBE-2DE8-DDD70D4DF27E}"/>
               </a:ext>
             </a:extLst>
           </p:cNvPr>
@@ -23429,7 +23430,7 @@
           <p:cNvPr id="4" name="文本框 3">
             <a:extLst>
               <a:ext uri="{FF2B5EF4-FFF2-40B4-BE49-F238E27FC236}">
-                <a16:creationId xmlns="" xmlns:a16="http://schemas.microsoft.com/office/drawing/2014/main" id="{3E8E8225-E7B4-E598-7AEB-66BC2EF7864E}"/>
+                <a16:creationId xmlns:a16="http://schemas.microsoft.com/office/drawing/2014/main" xmlns="" id="{3E8E8225-E7B4-E598-7AEB-66BC2EF7864E}"/>
               </a:ext>
             </a:extLst>
           </p:cNvPr>
@@ -23523,7 +23524,7 @@
           <p:cNvPr id="94" name="椭圆 93">
             <a:extLst>
               <a:ext uri="{FF2B5EF4-FFF2-40B4-BE49-F238E27FC236}">
-                <a16:creationId xmlns="" xmlns:a16="http://schemas.microsoft.com/office/drawing/2014/main" id="{8BEE0963-F39F-E799-5A6C-7DB2D9695EA3}"/>
+                <a16:creationId xmlns:a16="http://schemas.microsoft.com/office/drawing/2014/main" xmlns="" id="{8BEE0963-F39F-E799-5A6C-7DB2D9695EA3}"/>
               </a:ext>
             </a:extLst>
           </p:cNvPr>
@@ -23575,7 +23576,7 @@
           <p:cNvPr id="3" name="椭圆 2">
             <a:extLst>
               <a:ext uri="{FF2B5EF4-FFF2-40B4-BE49-F238E27FC236}">
-                <a16:creationId xmlns="" xmlns:a16="http://schemas.microsoft.com/office/drawing/2014/main" id="{012F767B-5206-A517-0D25-41845DA1D568}"/>
+                <a16:creationId xmlns:a16="http://schemas.microsoft.com/office/drawing/2014/main" xmlns="" id="{012F767B-5206-A517-0D25-41845DA1D568}"/>
               </a:ext>
             </a:extLst>
           </p:cNvPr>
@@ -23627,7 +23628,7 @@
           <p:cNvPr id="18" name="椭圆 17">
             <a:extLst>
               <a:ext uri="{FF2B5EF4-FFF2-40B4-BE49-F238E27FC236}">
-                <a16:creationId xmlns="" xmlns:a16="http://schemas.microsoft.com/office/drawing/2014/main" id="{4B33E43D-6830-FFA6-F0D9-FE3548A9AEEB}"/>
+                <a16:creationId xmlns:a16="http://schemas.microsoft.com/office/drawing/2014/main" xmlns="" id="{4B33E43D-6830-FFA6-F0D9-FE3548A9AEEB}"/>
               </a:ext>
             </a:extLst>
           </p:cNvPr>
@@ -23687,7 +23688,7 @@
           <p:cNvPr id="19" name="椭圆 18">
             <a:extLst>
               <a:ext uri="{FF2B5EF4-FFF2-40B4-BE49-F238E27FC236}">
-                <a16:creationId xmlns="" xmlns:a16="http://schemas.microsoft.com/office/drawing/2014/main" id="{C1D855FC-C9AF-91CE-40B0-D44AA72FE829}"/>
+                <a16:creationId xmlns:a16="http://schemas.microsoft.com/office/drawing/2014/main" xmlns="" id="{C1D855FC-C9AF-91CE-40B0-D44AA72FE829}"/>
               </a:ext>
             </a:extLst>
           </p:cNvPr>
@@ -23747,7 +23748,7 @@
           <p:cNvPr id="29" name="图片 28">
             <a:extLst>
               <a:ext uri="{FF2B5EF4-FFF2-40B4-BE49-F238E27FC236}">
-                <a16:creationId xmlns="" xmlns:a16="http://schemas.microsoft.com/office/drawing/2014/main" id="{37828109-D1DB-24B1-070F-6C6C2342A787}"/>
+                <a16:creationId xmlns:a16="http://schemas.microsoft.com/office/drawing/2014/main" xmlns="" id="{37828109-D1DB-24B1-070F-6C6C2342A787}"/>
               </a:ext>
             </a:extLst>
           </p:cNvPr>
@@ -23777,7 +23778,7 @@
           <p:cNvPr id="30" name="图片 29">
             <a:extLst>
               <a:ext uri="{FF2B5EF4-FFF2-40B4-BE49-F238E27FC236}">
-                <a16:creationId xmlns="" xmlns:a16="http://schemas.microsoft.com/office/drawing/2014/main" id="{308EB72D-0591-1F78-12FC-CD798BD7E73D}"/>
+                <a16:creationId xmlns:a16="http://schemas.microsoft.com/office/drawing/2014/main" xmlns="" id="{308EB72D-0591-1F78-12FC-CD798BD7E73D}"/>
               </a:ext>
             </a:extLst>
           </p:cNvPr>
@@ -23807,7 +23808,7 @@
           <p:cNvPr id="31" name="图片 30">
             <a:extLst>
               <a:ext uri="{FF2B5EF4-FFF2-40B4-BE49-F238E27FC236}">
-                <a16:creationId xmlns="" xmlns:a16="http://schemas.microsoft.com/office/drawing/2014/main" id="{07F4B817-9FB7-F356-BFC2-674680D05075}"/>
+                <a16:creationId xmlns:a16="http://schemas.microsoft.com/office/drawing/2014/main" xmlns="" id="{07F4B817-9FB7-F356-BFC2-674680D05075}"/>
               </a:ext>
             </a:extLst>
           </p:cNvPr>
@@ -23837,7 +23838,7 @@
           <p:cNvPr id="32" name="图片 31">
             <a:extLst>
               <a:ext uri="{FF2B5EF4-FFF2-40B4-BE49-F238E27FC236}">
-                <a16:creationId xmlns="" xmlns:a16="http://schemas.microsoft.com/office/drawing/2014/main" id="{6AD0DB1A-3123-D4EB-783F-2A1EBF1F865D}"/>
+                <a16:creationId xmlns:a16="http://schemas.microsoft.com/office/drawing/2014/main" xmlns="" id="{6AD0DB1A-3123-D4EB-783F-2A1EBF1F865D}"/>
               </a:ext>
             </a:extLst>
           </p:cNvPr>
@@ -23867,7 +23868,7 @@
           <p:cNvPr id="33" name="图片 32">
             <a:extLst>
               <a:ext uri="{FF2B5EF4-FFF2-40B4-BE49-F238E27FC236}">
-                <a16:creationId xmlns="" xmlns:a16="http://schemas.microsoft.com/office/drawing/2014/main" id="{6EA6B283-FA33-8B5F-19D9-23C22512D6A2}"/>
+                <a16:creationId xmlns:a16="http://schemas.microsoft.com/office/drawing/2014/main" xmlns="" id="{6EA6B283-FA33-8B5F-19D9-23C22512D6A2}"/>
               </a:ext>
             </a:extLst>
           </p:cNvPr>
@@ -23897,7 +23898,7 @@
           <p:cNvPr id="34" name="图片 33">
             <a:extLst>
               <a:ext uri="{FF2B5EF4-FFF2-40B4-BE49-F238E27FC236}">
-                <a16:creationId xmlns="" xmlns:a16="http://schemas.microsoft.com/office/drawing/2014/main" id="{A7CC21E1-7467-1ACF-2ED7-68959584D6DF}"/>
+                <a16:creationId xmlns:a16="http://schemas.microsoft.com/office/drawing/2014/main" xmlns="" id="{A7CC21E1-7467-1ACF-2ED7-68959584D6DF}"/>
               </a:ext>
             </a:extLst>
           </p:cNvPr>
@@ -23927,7 +23928,7 @@
           <p:cNvPr id="35" name="图片 34">
             <a:extLst>
               <a:ext uri="{FF2B5EF4-FFF2-40B4-BE49-F238E27FC236}">
-                <a16:creationId xmlns="" xmlns:a16="http://schemas.microsoft.com/office/drawing/2014/main" id="{4FD1822D-6EF2-CCB1-76AC-A770762EDBFB}"/>
+                <a16:creationId xmlns:a16="http://schemas.microsoft.com/office/drawing/2014/main" xmlns="" id="{4FD1822D-6EF2-CCB1-76AC-A770762EDBFB}"/>
               </a:ext>
             </a:extLst>
           </p:cNvPr>
@@ -23957,7 +23958,7 @@
           <p:cNvPr id="36" name="图片 35">
             <a:extLst>
               <a:ext uri="{FF2B5EF4-FFF2-40B4-BE49-F238E27FC236}">
-                <a16:creationId xmlns="" xmlns:a16="http://schemas.microsoft.com/office/drawing/2014/main" id="{9E02D9AC-14F1-BAD2-3488-0805428D78DE}"/>
+                <a16:creationId xmlns:a16="http://schemas.microsoft.com/office/drawing/2014/main" xmlns="" id="{9E02D9AC-14F1-BAD2-3488-0805428D78DE}"/>
               </a:ext>
             </a:extLst>
           </p:cNvPr>
@@ -23987,7 +23988,7 @@
           <p:cNvPr id="21" name="箭头: 右 20">
             <a:extLst>
               <a:ext uri="{FF2B5EF4-FFF2-40B4-BE49-F238E27FC236}">
-                <a16:creationId xmlns="" xmlns:a16="http://schemas.microsoft.com/office/drawing/2014/main" id="{712099D5-D46D-2313-85E7-AA26A729A7DC}"/>
+                <a16:creationId xmlns:a16="http://schemas.microsoft.com/office/drawing/2014/main" xmlns="" id="{712099D5-D46D-2313-85E7-AA26A729A7DC}"/>
               </a:ext>
             </a:extLst>
           </p:cNvPr>
@@ -24039,7 +24040,7 @@
           <p:cNvPr id="22" name="箭头: 右 21">
             <a:extLst>
               <a:ext uri="{FF2B5EF4-FFF2-40B4-BE49-F238E27FC236}">
-                <a16:creationId xmlns="" xmlns:a16="http://schemas.microsoft.com/office/drawing/2014/main" id="{1919A2B7-D3C5-A1AD-8659-FD3B9646534B}"/>
+                <a16:creationId xmlns:a16="http://schemas.microsoft.com/office/drawing/2014/main" xmlns="" id="{1919A2B7-D3C5-A1AD-8659-FD3B9646534B}"/>
               </a:ext>
             </a:extLst>
           </p:cNvPr>
@@ -24121,7 +24122,7 @@
           <p:cNvPr id="2" name="标题 1">
             <a:extLst>
               <a:ext uri="{FF2B5EF4-FFF2-40B4-BE49-F238E27FC236}">
-                <a16:creationId xmlns="" xmlns:a16="http://schemas.microsoft.com/office/drawing/2014/main" id="{80796E82-7314-2FBE-2DE8-DDD70D4DF27E}"/>
+                <a16:creationId xmlns:a16="http://schemas.microsoft.com/office/drawing/2014/main" xmlns="" id="{80796E82-7314-2FBE-2DE8-DDD70D4DF27E}"/>
               </a:ext>
             </a:extLst>
           </p:cNvPr>
@@ -24170,7 +24171,7 @@
           <p:cNvPr id="4" name="文本框 3">
             <a:extLst>
               <a:ext uri="{FF2B5EF4-FFF2-40B4-BE49-F238E27FC236}">
-                <a16:creationId xmlns="" xmlns:a16="http://schemas.microsoft.com/office/drawing/2014/main" id="{3E8E8225-E7B4-E598-7AEB-66BC2EF7864E}"/>
+                <a16:creationId xmlns:a16="http://schemas.microsoft.com/office/drawing/2014/main" xmlns="" id="{3E8E8225-E7B4-E598-7AEB-66BC2EF7864E}"/>
               </a:ext>
             </a:extLst>
           </p:cNvPr>
@@ -24264,7 +24265,7 @@
           <p:cNvPr id="94" name="椭圆 93">
             <a:extLst>
               <a:ext uri="{FF2B5EF4-FFF2-40B4-BE49-F238E27FC236}">
-                <a16:creationId xmlns="" xmlns:a16="http://schemas.microsoft.com/office/drawing/2014/main" id="{8BEE0963-F39F-E799-5A6C-7DB2D9695EA3}"/>
+                <a16:creationId xmlns:a16="http://schemas.microsoft.com/office/drawing/2014/main" xmlns="" id="{8BEE0963-F39F-E799-5A6C-7DB2D9695EA3}"/>
               </a:ext>
             </a:extLst>
           </p:cNvPr>
@@ -24316,7 +24317,7 @@
           <p:cNvPr id="3" name="椭圆 2">
             <a:extLst>
               <a:ext uri="{FF2B5EF4-FFF2-40B4-BE49-F238E27FC236}">
-                <a16:creationId xmlns="" xmlns:a16="http://schemas.microsoft.com/office/drawing/2014/main" id="{012F767B-5206-A517-0D25-41845DA1D568}"/>
+                <a16:creationId xmlns:a16="http://schemas.microsoft.com/office/drawing/2014/main" xmlns="" id="{012F767B-5206-A517-0D25-41845DA1D568}"/>
               </a:ext>
             </a:extLst>
           </p:cNvPr>
@@ -24368,7 +24369,7 @@
           <p:cNvPr id="21" name="箭头: 右 20">
             <a:extLst>
               <a:ext uri="{FF2B5EF4-FFF2-40B4-BE49-F238E27FC236}">
-                <a16:creationId xmlns="" xmlns:a16="http://schemas.microsoft.com/office/drawing/2014/main" id="{712099D5-D46D-2313-85E7-AA26A729A7DC}"/>
+                <a16:creationId xmlns:a16="http://schemas.microsoft.com/office/drawing/2014/main" xmlns="" id="{712099D5-D46D-2313-85E7-AA26A729A7DC}"/>
               </a:ext>
             </a:extLst>
           </p:cNvPr>
@@ -24420,7 +24421,7 @@
           <p:cNvPr id="22" name="箭头: 右 21">
             <a:extLst>
               <a:ext uri="{FF2B5EF4-FFF2-40B4-BE49-F238E27FC236}">
-                <a16:creationId xmlns="" xmlns:a16="http://schemas.microsoft.com/office/drawing/2014/main" id="{1919A2B7-D3C5-A1AD-8659-FD3B9646534B}"/>
+                <a16:creationId xmlns:a16="http://schemas.microsoft.com/office/drawing/2014/main" xmlns="" id="{1919A2B7-D3C5-A1AD-8659-FD3B9646534B}"/>
               </a:ext>
             </a:extLst>
           </p:cNvPr>
@@ -24472,7 +24473,7 @@
           <p:cNvPr id="20" name="椭圆 19">
             <a:extLst>
               <a:ext uri="{FF2B5EF4-FFF2-40B4-BE49-F238E27FC236}">
-                <a16:creationId xmlns="" xmlns:a16="http://schemas.microsoft.com/office/drawing/2014/main" id="{71FC337B-6083-D7E5-BB6D-172C403FA83F}"/>
+                <a16:creationId xmlns:a16="http://schemas.microsoft.com/office/drawing/2014/main" xmlns="" id="{71FC337B-6083-D7E5-BB6D-172C403FA83F}"/>
               </a:ext>
             </a:extLst>
           </p:cNvPr>
@@ -24528,7 +24529,7 @@
           <p:cNvPr id="23" name="椭圆 22">
             <a:extLst>
               <a:ext uri="{FF2B5EF4-FFF2-40B4-BE49-F238E27FC236}">
-                <a16:creationId xmlns="" xmlns:a16="http://schemas.microsoft.com/office/drawing/2014/main" id="{42806F08-B73F-5A19-8F02-2707349F41F2}"/>
+                <a16:creationId xmlns:a16="http://schemas.microsoft.com/office/drawing/2014/main" xmlns="" id="{42806F08-B73F-5A19-8F02-2707349F41F2}"/>
               </a:ext>
             </a:extLst>
           </p:cNvPr>
@@ -24584,7 +24585,7 @@
           <p:cNvPr id="29" name="图片 28">
             <a:extLst>
               <a:ext uri="{FF2B5EF4-FFF2-40B4-BE49-F238E27FC236}">
-                <a16:creationId xmlns="" xmlns:a16="http://schemas.microsoft.com/office/drawing/2014/main" id="{37828109-D1DB-24B1-070F-6C6C2342A787}"/>
+                <a16:creationId xmlns:a16="http://schemas.microsoft.com/office/drawing/2014/main" xmlns="" id="{37828109-D1DB-24B1-070F-6C6C2342A787}"/>
               </a:ext>
             </a:extLst>
           </p:cNvPr>
@@ -24614,7 +24615,7 @@
           <p:cNvPr id="30" name="图片 29">
             <a:extLst>
               <a:ext uri="{FF2B5EF4-FFF2-40B4-BE49-F238E27FC236}">
-                <a16:creationId xmlns="" xmlns:a16="http://schemas.microsoft.com/office/drawing/2014/main" id="{308EB72D-0591-1F78-12FC-CD798BD7E73D}"/>
+                <a16:creationId xmlns:a16="http://schemas.microsoft.com/office/drawing/2014/main" xmlns="" id="{308EB72D-0591-1F78-12FC-CD798BD7E73D}"/>
               </a:ext>
             </a:extLst>
           </p:cNvPr>
@@ -24644,7 +24645,7 @@
           <p:cNvPr id="31" name="图片 30">
             <a:extLst>
               <a:ext uri="{FF2B5EF4-FFF2-40B4-BE49-F238E27FC236}">
-                <a16:creationId xmlns="" xmlns:a16="http://schemas.microsoft.com/office/drawing/2014/main" id="{07F4B817-9FB7-F356-BFC2-674680D05075}"/>
+                <a16:creationId xmlns:a16="http://schemas.microsoft.com/office/drawing/2014/main" xmlns="" id="{07F4B817-9FB7-F356-BFC2-674680D05075}"/>
               </a:ext>
             </a:extLst>
           </p:cNvPr>
@@ -24674,7 +24675,7 @@
           <p:cNvPr id="32" name="图片 31">
             <a:extLst>
               <a:ext uri="{FF2B5EF4-FFF2-40B4-BE49-F238E27FC236}">
-                <a16:creationId xmlns="" xmlns:a16="http://schemas.microsoft.com/office/drawing/2014/main" id="{6AD0DB1A-3123-D4EB-783F-2A1EBF1F865D}"/>
+                <a16:creationId xmlns:a16="http://schemas.microsoft.com/office/drawing/2014/main" xmlns="" id="{6AD0DB1A-3123-D4EB-783F-2A1EBF1F865D}"/>
               </a:ext>
             </a:extLst>
           </p:cNvPr>
@@ -24704,7 +24705,7 @@
           <p:cNvPr id="33" name="图片 32">
             <a:extLst>
               <a:ext uri="{FF2B5EF4-FFF2-40B4-BE49-F238E27FC236}">
-                <a16:creationId xmlns="" xmlns:a16="http://schemas.microsoft.com/office/drawing/2014/main" id="{6EA6B283-FA33-8B5F-19D9-23C22512D6A2}"/>
+                <a16:creationId xmlns:a16="http://schemas.microsoft.com/office/drawing/2014/main" xmlns="" id="{6EA6B283-FA33-8B5F-19D9-23C22512D6A2}"/>
               </a:ext>
             </a:extLst>
           </p:cNvPr>
@@ -24734,7 +24735,7 @@
           <p:cNvPr id="34" name="图片 33">
             <a:extLst>
               <a:ext uri="{FF2B5EF4-FFF2-40B4-BE49-F238E27FC236}">
-                <a16:creationId xmlns="" xmlns:a16="http://schemas.microsoft.com/office/drawing/2014/main" id="{A7CC21E1-7467-1ACF-2ED7-68959584D6DF}"/>
+                <a16:creationId xmlns:a16="http://schemas.microsoft.com/office/drawing/2014/main" xmlns="" id="{A7CC21E1-7467-1ACF-2ED7-68959584D6DF}"/>
               </a:ext>
             </a:extLst>
           </p:cNvPr>
@@ -24764,7 +24765,7 @@
           <p:cNvPr id="35" name="图片 34">
             <a:extLst>
               <a:ext uri="{FF2B5EF4-FFF2-40B4-BE49-F238E27FC236}">
-                <a16:creationId xmlns="" xmlns:a16="http://schemas.microsoft.com/office/drawing/2014/main" id="{4FD1822D-6EF2-CCB1-76AC-A770762EDBFB}"/>
+                <a16:creationId xmlns:a16="http://schemas.microsoft.com/office/drawing/2014/main" xmlns="" id="{4FD1822D-6EF2-CCB1-76AC-A770762EDBFB}"/>
               </a:ext>
             </a:extLst>
           </p:cNvPr>
@@ -24794,7 +24795,7 @@
           <p:cNvPr id="36" name="图片 35">
             <a:extLst>
               <a:ext uri="{FF2B5EF4-FFF2-40B4-BE49-F238E27FC236}">
-                <a16:creationId xmlns="" xmlns:a16="http://schemas.microsoft.com/office/drawing/2014/main" id="{9E02D9AC-14F1-BAD2-3488-0805428D78DE}"/>
+                <a16:creationId xmlns:a16="http://schemas.microsoft.com/office/drawing/2014/main" xmlns="" id="{9E02D9AC-14F1-BAD2-3488-0805428D78DE}"/>
               </a:ext>
             </a:extLst>
           </p:cNvPr>
@@ -24854,7 +24855,7 @@
           <p:cNvPr id="2" name="标题 1">
             <a:extLst>
               <a:ext uri="{FF2B5EF4-FFF2-40B4-BE49-F238E27FC236}">
-                <a16:creationId xmlns="" xmlns:a16="http://schemas.microsoft.com/office/drawing/2014/main" id="{80796E82-7314-2FBE-2DE8-DDD70D4DF27E}"/>
+                <a16:creationId xmlns:a16="http://schemas.microsoft.com/office/drawing/2014/main" xmlns="" id="{80796E82-7314-2FBE-2DE8-DDD70D4DF27E}"/>
               </a:ext>
             </a:extLst>
           </p:cNvPr>
@@ -24903,7 +24904,7 @@
           <p:cNvPr id="4" name="文本框 3">
             <a:extLst>
               <a:ext uri="{FF2B5EF4-FFF2-40B4-BE49-F238E27FC236}">
-                <a16:creationId xmlns="" xmlns:a16="http://schemas.microsoft.com/office/drawing/2014/main" id="{3E8E8225-E7B4-E598-7AEB-66BC2EF7864E}"/>
+                <a16:creationId xmlns:a16="http://schemas.microsoft.com/office/drawing/2014/main" xmlns="" id="{3E8E8225-E7B4-E598-7AEB-66BC2EF7864E}"/>
               </a:ext>
             </a:extLst>
           </p:cNvPr>
@@ -24997,7 +24998,7 @@
           <p:cNvPr id="94" name="椭圆 93">
             <a:extLst>
               <a:ext uri="{FF2B5EF4-FFF2-40B4-BE49-F238E27FC236}">
-                <a16:creationId xmlns="" xmlns:a16="http://schemas.microsoft.com/office/drawing/2014/main" id="{8BEE0963-F39F-E799-5A6C-7DB2D9695EA3}"/>
+                <a16:creationId xmlns:a16="http://schemas.microsoft.com/office/drawing/2014/main" xmlns="" id="{8BEE0963-F39F-E799-5A6C-7DB2D9695EA3}"/>
               </a:ext>
             </a:extLst>
           </p:cNvPr>
@@ -25049,7 +25050,7 @@
           <p:cNvPr id="3" name="椭圆 2">
             <a:extLst>
               <a:ext uri="{FF2B5EF4-FFF2-40B4-BE49-F238E27FC236}">
-                <a16:creationId xmlns="" xmlns:a16="http://schemas.microsoft.com/office/drawing/2014/main" id="{012F767B-5206-A517-0D25-41845DA1D568}"/>
+                <a16:creationId xmlns:a16="http://schemas.microsoft.com/office/drawing/2014/main" xmlns="" id="{012F767B-5206-A517-0D25-41845DA1D568}"/>
               </a:ext>
             </a:extLst>
           </p:cNvPr>
@@ -25101,7 +25102,7 @@
           <p:cNvPr id="21" name="箭头: 右 20">
             <a:extLst>
               <a:ext uri="{FF2B5EF4-FFF2-40B4-BE49-F238E27FC236}">
-                <a16:creationId xmlns="" xmlns:a16="http://schemas.microsoft.com/office/drawing/2014/main" id="{712099D5-D46D-2313-85E7-AA26A729A7DC}"/>
+                <a16:creationId xmlns:a16="http://schemas.microsoft.com/office/drawing/2014/main" xmlns="" id="{712099D5-D46D-2313-85E7-AA26A729A7DC}"/>
               </a:ext>
             </a:extLst>
           </p:cNvPr>
@@ -25153,7 +25154,7 @@
           <p:cNvPr id="22" name="箭头: 右 21">
             <a:extLst>
               <a:ext uri="{FF2B5EF4-FFF2-40B4-BE49-F238E27FC236}">
-                <a16:creationId xmlns="" xmlns:a16="http://schemas.microsoft.com/office/drawing/2014/main" id="{1919A2B7-D3C5-A1AD-8659-FD3B9646534B}"/>
+                <a16:creationId xmlns:a16="http://schemas.microsoft.com/office/drawing/2014/main" xmlns="" id="{1919A2B7-D3C5-A1AD-8659-FD3B9646534B}"/>
               </a:ext>
             </a:extLst>
           </p:cNvPr>
@@ -25205,7 +25206,7 @@
           <p:cNvPr id="18" name="椭圆 17">
             <a:extLst>
               <a:ext uri="{FF2B5EF4-FFF2-40B4-BE49-F238E27FC236}">
-                <a16:creationId xmlns="" xmlns:a16="http://schemas.microsoft.com/office/drawing/2014/main" id="{F5A322F2-5817-3D48-1EC0-F4CD8343BB96}"/>
+                <a16:creationId xmlns:a16="http://schemas.microsoft.com/office/drawing/2014/main" xmlns="" id="{F5A322F2-5817-3D48-1EC0-F4CD8343BB96}"/>
               </a:ext>
             </a:extLst>
           </p:cNvPr>
@@ -25265,7 +25266,7 @@
           <p:cNvPr id="19" name="椭圆 18">
             <a:extLst>
               <a:ext uri="{FF2B5EF4-FFF2-40B4-BE49-F238E27FC236}">
-                <a16:creationId xmlns="" xmlns:a16="http://schemas.microsoft.com/office/drawing/2014/main" id="{7B553A98-99DD-ADE7-8F2C-82946FDF4A0F}"/>
+                <a16:creationId xmlns:a16="http://schemas.microsoft.com/office/drawing/2014/main" xmlns="" id="{7B553A98-99DD-ADE7-8F2C-82946FDF4A0F}"/>
               </a:ext>
             </a:extLst>
           </p:cNvPr>
@@ -25325,7 +25326,7 @@
           <p:cNvPr id="29" name="图片 28">
             <a:extLst>
               <a:ext uri="{FF2B5EF4-FFF2-40B4-BE49-F238E27FC236}">
-                <a16:creationId xmlns="" xmlns:a16="http://schemas.microsoft.com/office/drawing/2014/main" id="{37828109-D1DB-24B1-070F-6C6C2342A787}"/>
+                <a16:creationId xmlns:a16="http://schemas.microsoft.com/office/drawing/2014/main" xmlns="" id="{37828109-D1DB-24B1-070F-6C6C2342A787}"/>
               </a:ext>
             </a:extLst>
           </p:cNvPr>
@@ -25355,7 +25356,7 @@
           <p:cNvPr id="30" name="图片 29">
             <a:extLst>
               <a:ext uri="{FF2B5EF4-FFF2-40B4-BE49-F238E27FC236}">
-                <a16:creationId xmlns="" xmlns:a16="http://schemas.microsoft.com/office/drawing/2014/main" id="{308EB72D-0591-1F78-12FC-CD798BD7E73D}"/>
+                <a16:creationId xmlns:a16="http://schemas.microsoft.com/office/drawing/2014/main" xmlns="" id="{308EB72D-0591-1F78-12FC-CD798BD7E73D}"/>
               </a:ext>
             </a:extLst>
           </p:cNvPr>
@@ -25385,7 +25386,7 @@
           <p:cNvPr id="31" name="图片 30">
             <a:extLst>
               <a:ext uri="{FF2B5EF4-FFF2-40B4-BE49-F238E27FC236}">
-                <a16:creationId xmlns="" xmlns:a16="http://schemas.microsoft.com/office/drawing/2014/main" id="{07F4B817-9FB7-F356-BFC2-674680D05075}"/>
+                <a16:creationId xmlns:a16="http://schemas.microsoft.com/office/drawing/2014/main" xmlns="" id="{07F4B817-9FB7-F356-BFC2-674680D05075}"/>
               </a:ext>
             </a:extLst>
           </p:cNvPr>
@@ -25415,7 +25416,7 @@
           <p:cNvPr id="32" name="图片 31">
             <a:extLst>
               <a:ext uri="{FF2B5EF4-FFF2-40B4-BE49-F238E27FC236}">
-                <a16:creationId xmlns="" xmlns:a16="http://schemas.microsoft.com/office/drawing/2014/main" id="{6AD0DB1A-3123-D4EB-783F-2A1EBF1F865D}"/>
+                <a16:creationId xmlns:a16="http://schemas.microsoft.com/office/drawing/2014/main" xmlns="" id="{6AD0DB1A-3123-D4EB-783F-2A1EBF1F865D}"/>
               </a:ext>
             </a:extLst>
           </p:cNvPr>
@@ -25445,7 +25446,7 @@
           <p:cNvPr id="33" name="图片 32">
             <a:extLst>
               <a:ext uri="{FF2B5EF4-FFF2-40B4-BE49-F238E27FC236}">
-                <a16:creationId xmlns="" xmlns:a16="http://schemas.microsoft.com/office/drawing/2014/main" id="{6EA6B283-FA33-8B5F-19D9-23C22512D6A2}"/>
+                <a16:creationId xmlns:a16="http://schemas.microsoft.com/office/drawing/2014/main" xmlns="" id="{6EA6B283-FA33-8B5F-19D9-23C22512D6A2}"/>
               </a:ext>
             </a:extLst>
           </p:cNvPr>
@@ -25475,7 +25476,7 @@
           <p:cNvPr id="34" name="图片 33">
             <a:extLst>
               <a:ext uri="{FF2B5EF4-FFF2-40B4-BE49-F238E27FC236}">
-                <a16:creationId xmlns="" xmlns:a16="http://schemas.microsoft.com/office/drawing/2014/main" id="{A7CC21E1-7467-1ACF-2ED7-68959584D6DF}"/>
+                <a16:creationId xmlns:a16="http://schemas.microsoft.com/office/drawing/2014/main" xmlns="" id="{A7CC21E1-7467-1ACF-2ED7-68959584D6DF}"/>
               </a:ext>
             </a:extLst>
           </p:cNvPr>
@@ -25505,7 +25506,7 @@
           <p:cNvPr id="35" name="图片 34">
             <a:extLst>
               <a:ext uri="{FF2B5EF4-FFF2-40B4-BE49-F238E27FC236}">
-                <a16:creationId xmlns="" xmlns:a16="http://schemas.microsoft.com/office/drawing/2014/main" id="{4FD1822D-6EF2-CCB1-76AC-A770762EDBFB}"/>
+                <a16:creationId xmlns:a16="http://schemas.microsoft.com/office/drawing/2014/main" xmlns="" id="{4FD1822D-6EF2-CCB1-76AC-A770762EDBFB}"/>
               </a:ext>
             </a:extLst>
           </p:cNvPr>
@@ -25535,7 +25536,7 @@
           <p:cNvPr id="36" name="图片 35">
             <a:extLst>
               <a:ext uri="{FF2B5EF4-FFF2-40B4-BE49-F238E27FC236}">
-                <a16:creationId xmlns="" xmlns:a16="http://schemas.microsoft.com/office/drawing/2014/main" id="{9E02D9AC-14F1-BAD2-3488-0805428D78DE}"/>
+                <a16:creationId xmlns:a16="http://schemas.microsoft.com/office/drawing/2014/main" xmlns="" id="{9E02D9AC-14F1-BAD2-3488-0805428D78DE}"/>
               </a:ext>
             </a:extLst>
           </p:cNvPr>
@@ -25595,7 +25596,7 @@
           <p:cNvPr id="2" name="标题 1">
             <a:extLst>
               <a:ext uri="{FF2B5EF4-FFF2-40B4-BE49-F238E27FC236}">
-                <a16:creationId xmlns="" xmlns:a16="http://schemas.microsoft.com/office/drawing/2014/main" id="{80796E82-7314-2FBE-2DE8-DDD70D4DF27E}"/>
+                <a16:creationId xmlns:a16="http://schemas.microsoft.com/office/drawing/2014/main" xmlns="" id="{80796E82-7314-2FBE-2DE8-DDD70D4DF27E}"/>
               </a:ext>
             </a:extLst>
           </p:cNvPr>
@@ -25644,7 +25645,7 @@
           <p:cNvPr id="94" name="椭圆 93">
             <a:extLst>
               <a:ext uri="{FF2B5EF4-FFF2-40B4-BE49-F238E27FC236}">
-                <a16:creationId xmlns="" xmlns:a16="http://schemas.microsoft.com/office/drawing/2014/main" id="{8BEE0963-F39F-E799-5A6C-7DB2D9695EA3}"/>
+                <a16:creationId xmlns:a16="http://schemas.microsoft.com/office/drawing/2014/main" xmlns="" id="{8BEE0963-F39F-E799-5A6C-7DB2D9695EA3}"/>
               </a:ext>
             </a:extLst>
           </p:cNvPr>
@@ -25696,7 +25697,7 @@
           <p:cNvPr id="20" name="椭圆 19">
             <a:extLst>
               <a:ext uri="{FF2B5EF4-FFF2-40B4-BE49-F238E27FC236}">
-                <a16:creationId xmlns="" xmlns:a16="http://schemas.microsoft.com/office/drawing/2014/main" id="{1F3D5A18-117A-FBDB-A07B-D4E2DC2FC832}"/>
+                <a16:creationId xmlns:a16="http://schemas.microsoft.com/office/drawing/2014/main" xmlns="" id="{1F3D5A18-117A-FBDB-A07B-D4E2DC2FC832}"/>
               </a:ext>
             </a:extLst>
           </p:cNvPr>
@@ -25746,7 +25747,7 @@
           <p:cNvPr id="23" name="矩形 22">
             <a:extLst>
               <a:ext uri="{FF2B5EF4-FFF2-40B4-BE49-F238E27FC236}">
-                <a16:creationId xmlns="" xmlns:a16="http://schemas.microsoft.com/office/drawing/2014/main" id="{1DB7B11B-A7F7-8894-4BAF-68DD060767B3}"/>
+                <a16:creationId xmlns:a16="http://schemas.microsoft.com/office/drawing/2014/main" xmlns="" id="{1DB7B11B-A7F7-8894-4BAF-68DD060767B3}"/>
               </a:ext>
             </a:extLst>
           </p:cNvPr>
@@ -25796,7 +25797,7 @@
           <p:cNvPr id="24" name="矩形 23">
             <a:extLst>
               <a:ext uri="{FF2B5EF4-FFF2-40B4-BE49-F238E27FC236}">
-                <a16:creationId xmlns="" xmlns:a16="http://schemas.microsoft.com/office/drawing/2014/main" id="{5E103417-33D7-7A1E-5135-FE392A9238A1}"/>
+                <a16:creationId xmlns:a16="http://schemas.microsoft.com/office/drawing/2014/main" xmlns="" id="{5E103417-33D7-7A1E-5135-FE392A9238A1}"/>
               </a:ext>
             </a:extLst>
           </p:cNvPr>
@@ -25846,7 +25847,7 @@
           <p:cNvPr id="25" name="Google Shape;73;p14">
             <a:extLst>
               <a:ext uri="{FF2B5EF4-FFF2-40B4-BE49-F238E27FC236}">
-                <a16:creationId xmlns="" xmlns:a16="http://schemas.microsoft.com/office/drawing/2014/main" id="{728B4BED-4470-8B41-5F52-AEAB959AE86A}"/>
+                <a16:creationId xmlns:a16="http://schemas.microsoft.com/office/drawing/2014/main" xmlns="" id="{728B4BED-4470-8B41-5F52-AEAB959AE86A}"/>
               </a:ext>
             </a:extLst>
           </p:cNvPr>
@@ -25880,7 +25881,7 @@
           <p:cNvPr id="26" name="Google Shape;73;p14">
             <a:extLst>
               <a:ext uri="{FF2B5EF4-FFF2-40B4-BE49-F238E27FC236}">
-                <a16:creationId xmlns="" xmlns:a16="http://schemas.microsoft.com/office/drawing/2014/main" id="{728B4BED-4470-8B41-5F52-AEAB959AE86A}"/>
+                <a16:creationId xmlns:a16="http://schemas.microsoft.com/office/drawing/2014/main" xmlns="" id="{728B4BED-4470-8B41-5F52-AEAB959AE86A}"/>
               </a:ext>
             </a:extLst>
           </p:cNvPr>
@@ -25914,7 +25915,7 @@
           <p:cNvPr id="27" name="Google Shape;73;p14">
             <a:extLst>
               <a:ext uri="{FF2B5EF4-FFF2-40B4-BE49-F238E27FC236}">
-                <a16:creationId xmlns="" xmlns:a16="http://schemas.microsoft.com/office/drawing/2014/main" id="{728B4BED-4470-8B41-5F52-AEAB959AE86A}"/>
+                <a16:creationId xmlns:a16="http://schemas.microsoft.com/office/drawing/2014/main" xmlns="" id="{728B4BED-4470-8B41-5F52-AEAB959AE86A}"/>
               </a:ext>
             </a:extLst>
           </p:cNvPr>
@@ -26155,7 +26156,7 @@
           <p:cNvPr id="82" name="箭头: V 形 20">
             <a:extLst>
               <a:ext uri="{FF2B5EF4-FFF2-40B4-BE49-F238E27FC236}">
-                <a16:creationId xmlns="" xmlns:a16="http://schemas.microsoft.com/office/drawing/2014/main" id="{BC353627-9371-244D-7367-7A27EC648508}"/>
+                <a16:creationId xmlns:a16="http://schemas.microsoft.com/office/drawing/2014/main" xmlns="" id="{BC353627-9371-244D-7367-7A27EC648508}"/>
               </a:ext>
             </a:extLst>
           </p:cNvPr>
@@ -26203,7 +26204,7 @@
           <p:cNvPr id="83" name="箭头: V 形 21">
             <a:extLst>
               <a:ext uri="{FF2B5EF4-FFF2-40B4-BE49-F238E27FC236}">
-                <a16:creationId xmlns="" xmlns:a16="http://schemas.microsoft.com/office/drawing/2014/main" id="{41D7DFA2-1682-8959-1196-12E3B7C49765}"/>
+                <a16:creationId xmlns:a16="http://schemas.microsoft.com/office/drawing/2014/main" xmlns="" id="{41D7DFA2-1682-8959-1196-12E3B7C49765}"/>
               </a:ext>
             </a:extLst>
           </p:cNvPr>
@@ -26251,7 +26252,7 @@
           <p:cNvPr id="84" name="箭头: V 形 22">
             <a:extLst>
               <a:ext uri="{FF2B5EF4-FFF2-40B4-BE49-F238E27FC236}">
-                <a16:creationId xmlns="" xmlns:a16="http://schemas.microsoft.com/office/drawing/2014/main" id="{3E6B5B9D-8A94-166B-F4E4-0C03AFDA72FF}"/>
+                <a16:creationId xmlns:a16="http://schemas.microsoft.com/office/drawing/2014/main" xmlns="" id="{3E6B5B9D-8A94-166B-F4E4-0C03AFDA72FF}"/>
               </a:ext>
             </a:extLst>
           </p:cNvPr>
@@ -26299,7 +26300,7 @@
           <p:cNvPr id="85" name="箭头: V 形 23">
             <a:extLst>
               <a:ext uri="{FF2B5EF4-FFF2-40B4-BE49-F238E27FC236}">
-                <a16:creationId xmlns="" xmlns:a16="http://schemas.microsoft.com/office/drawing/2014/main" id="{58C2A296-BAAF-AA9E-2CEA-ABDFA8710114}"/>
+                <a16:creationId xmlns:a16="http://schemas.microsoft.com/office/drawing/2014/main" xmlns="" id="{58C2A296-BAAF-AA9E-2CEA-ABDFA8710114}"/>
               </a:ext>
             </a:extLst>
           </p:cNvPr>
@@ -26377,7 +26378,7 @@
           <p:cNvPr id="2" name="标题 1">
             <a:extLst>
               <a:ext uri="{FF2B5EF4-FFF2-40B4-BE49-F238E27FC236}">
-                <a16:creationId xmlns="" xmlns:a16="http://schemas.microsoft.com/office/drawing/2014/main" id="{80796E82-7314-2FBE-2DE8-DDD70D4DF27E}"/>
+                <a16:creationId xmlns:a16="http://schemas.microsoft.com/office/drawing/2014/main" xmlns="" id="{80796E82-7314-2FBE-2DE8-DDD70D4DF27E}"/>
               </a:ext>
             </a:extLst>
           </p:cNvPr>
@@ -26426,7 +26427,7 @@
           <p:cNvPr id="94" name="椭圆 93">
             <a:extLst>
               <a:ext uri="{FF2B5EF4-FFF2-40B4-BE49-F238E27FC236}">
-                <a16:creationId xmlns="" xmlns:a16="http://schemas.microsoft.com/office/drawing/2014/main" id="{8BEE0963-F39F-E799-5A6C-7DB2D9695EA3}"/>
+                <a16:creationId xmlns:a16="http://schemas.microsoft.com/office/drawing/2014/main" xmlns="" id="{8BEE0963-F39F-E799-5A6C-7DB2D9695EA3}"/>
               </a:ext>
             </a:extLst>
           </p:cNvPr>
@@ -26478,7 +26479,7 @@
           <p:cNvPr id="20" name="椭圆 19">
             <a:extLst>
               <a:ext uri="{FF2B5EF4-FFF2-40B4-BE49-F238E27FC236}">
-                <a16:creationId xmlns="" xmlns:a16="http://schemas.microsoft.com/office/drawing/2014/main" id="{1F3D5A18-117A-FBDB-A07B-D4E2DC2FC832}"/>
+                <a16:creationId xmlns:a16="http://schemas.microsoft.com/office/drawing/2014/main" xmlns="" id="{1F3D5A18-117A-FBDB-A07B-D4E2DC2FC832}"/>
               </a:ext>
             </a:extLst>
           </p:cNvPr>
@@ -26528,7 +26529,7 @@
           <p:cNvPr id="23" name="矩形 22">
             <a:extLst>
               <a:ext uri="{FF2B5EF4-FFF2-40B4-BE49-F238E27FC236}">
-                <a16:creationId xmlns="" xmlns:a16="http://schemas.microsoft.com/office/drawing/2014/main" id="{1DB7B11B-A7F7-8894-4BAF-68DD060767B3}"/>
+                <a16:creationId xmlns:a16="http://schemas.microsoft.com/office/drawing/2014/main" xmlns="" id="{1DB7B11B-A7F7-8894-4BAF-68DD060767B3}"/>
               </a:ext>
             </a:extLst>
           </p:cNvPr>
@@ -26578,7 +26579,7 @@
           <p:cNvPr id="24" name="矩形 23">
             <a:extLst>
               <a:ext uri="{FF2B5EF4-FFF2-40B4-BE49-F238E27FC236}">
-                <a16:creationId xmlns="" xmlns:a16="http://schemas.microsoft.com/office/drawing/2014/main" id="{5E103417-33D7-7A1E-5135-FE392A9238A1}"/>
+                <a16:creationId xmlns:a16="http://schemas.microsoft.com/office/drawing/2014/main" xmlns="" id="{5E103417-33D7-7A1E-5135-FE392A9238A1}"/>
               </a:ext>
             </a:extLst>
           </p:cNvPr>
@@ -26628,7 +26629,7 @@
           <p:cNvPr id="25" name="Google Shape;73;p14">
             <a:extLst>
               <a:ext uri="{FF2B5EF4-FFF2-40B4-BE49-F238E27FC236}">
-                <a16:creationId xmlns="" xmlns:a16="http://schemas.microsoft.com/office/drawing/2014/main" id="{728B4BED-4470-8B41-5F52-AEAB959AE86A}"/>
+                <a16:creationId xmlns:a16="http://schemas.microsoft.com/office/drawing/2014/main" xmlns="" id="{728B4BED-4470-8B41-5F52-AEAB959AE86A}"/>
               </a:ext>
             </a:extLst>
           </p:cNvPr>
@@ -26662,7 +26663,7 @@
           <p:cNvPr id="26" name="Google Shape;73;p14">
             <a:extLst>
               <a:ext uri="{FF2B5EF4-FFF2-40B4-BE49-F238E27FC236}">
-                <a16:creationId xmlns="" xmlns:a16="http://schemas.microsoft.com/office/drawing/2014/main" id="{728B4BED-4470-8B41-5F52-AEAB959AE86A}"/>
+                <a16:creationId xmlns:a16="http://schemas.microsoft.com/office/drawing/2014/main" xmlns="" id="{728B4BED-4470-8B41-5F52-AEAB959AE86A}"/>
               </a:ext>
             </a:extLst>
           </p:cNvPr>
@@ -26696,7 +26697,7 @@
           <p:cNvPr id="27" name="Google Shape;73;p14">
             <a:extLst>
               <a:ext uri="{FF2B5EF4-FFF2-40B4-BE49-F238E27FC236}">
-                <a16:creationId xmlns="" xmlns:a16="http://schemas.microsoft.com/office/drawing/2014/main" id="{728B4BED-4470-8B41-5F52-AEAB959AE86A}"/>
+                <a16:creationId xmlns:a16="http://schemas.microsoft.com/office/drawing/2014/main" xmlns="" id="{728B4BED-4470-8B41-5F52-AEAB959AE86A}"/>
               </a:ext>
             </a:extLst>
           </p:cNvPr>
@@ -26937,7 +26938,7 @@
           <p:cNvPr id="82" name="箭头: V 形 20">
             <a:extLst>
               <a:ext uri="{FF2B5EF4-FFF2-40B4-BE49-F238E27FC236}">
-                <a16:creationId xmlns="" xmlns:a16="http://schemas.microsoft.com/office/drawing/2014/main" id="{BC353627-9371-244D-7367-7A27EC648508}"/>
+                <a16:creationId xmlns:a16="http://schemas.microsoft.com/office/drawing/2014/main" xmlns="" id="{BC353627-9371-244D-7367-7A27EC648508}"/>
               </a:ext>
             </a:extLst>
           </p:cNvPr>
@@ -26985,7 +26986,7 @@
           <p:cNvPr id="83" name="箭头: V 形 21">
             <a:extLst>
               <a:ext uri="{FF2B5EF4-FFF2-40B4-BE49-F238E27FC236}">
-                <a16:creationId xmlns="" xmlns:a16="http://schemas.microsoft.com/office/drawing/2014/main" id="{41D7DFA2-1682-8959-1196-12E3B7C49765}"/>
+                <a16:creationId xmlns:a16="http://schemas.microsoft.com/office/drawing/2014/main" xmlns="" id="{41D7DFA2-1682-8959-1196-12E3B7C49765}"/>
               </a:ext>
             </a:extLst>
           </p:cNvPr>
@@ -27033,7 +27034,7 @@
           <p:cNvPr id="84" name="箭头: V 形 22">
             <a:extLst>
               <a:ext uri="{FF2B5EF4-FFF2-40B4-BE49-F238E27FC236}">
-                <a16:creationId xmlns="" xmlns:a16="http://schemas.microsoft.com/office/drawing/2014/main" id="{3E6B5B9D-8A94-166B-F4E4-0C03AFDA72FF}"/>
+                <a16:creationId xmlns:a16="http://schemas.microsoft.com/office/drawing/2014/main" xmlns="" id="{3E6B5B9D-8A94-166B-F4E4-0C03AFDA72FF}"/>
               </a:ext>
             </a:extLst>
           </p:cNvPr>
@@ -27081,7 +27082,7 @@
           <p:cNvPr id="85" name="箭头: V 形 23">
             <a:extLst>
               <a:ext uri="{FF2B5EF4-FFF2-40B4-BE49-F238E27FC236}">
-                <a16:creationId xmlns="" xmlns:a16="http://schemas.microsoft.com/office/drawing/2014/main" id="{58C2A296-BAAF-AA9E-2CEA-ABDFA8710114}"/>
+                <a16:creationId xmlns:a16="http://schemas.microsoft.com/office/drawing/2014/main" xmlns="" id="{58C2A296-BAAF-AA9E-2CEA-ABDFA8710114}"/>
               </a:ext>
             </a:extLst>
           </p:cNvPr>
@@ -27129,7 +27130,7 @@
           <p:cNvPr id="29" name="Google Shape;73;p14">
             <a:extLst>
               <a:ext uri="{FF2B5EF4-FFF2-40B4-BE49-F238E27FC236}">
-                <a16:creationId xmlns="" xmlns:a16="http://schemas.microsoft.com/office/drawing/2014/main" id="{728B4BED-4470-8B41-5F52-AEAB959AE86A}"/>
+                <a16:creationId xmlns:a16="http://schemas.microsoft.com/office/drawing/2014/main" xmlns="" id="{728B4BED-4470-8B41-5F52-AEAB959AE86A}"/>
               </a:ext>
             </a:extLst>
           </p:cNvPr>
@@ -27193,7 +27194,7 @@
           <p:cNvPr id="31" name="Google Shape;100;p14">
             <a:extLst>
               <a:ext uri="{FF2B5EF4-FFF2-40B4-BE49-F238E27FC236}">
-                <a16:creationId xmlns="" xmlns:a16="http://schemas.microsoft.com/office/drawing/2014/main" id="{04D7ED66-035D-0386-E0EE-BA6FE024830F}"/>
+                <a16:creationId xmlns:a16="http://schemas.microsoft.com/office/drawing/2014/main" xmlns="" id="{04D7ED66-035D-0386-E0EE-BA6FE024830F}"/>
               </a:ext>
             </a:extLst>
           </p:cNvPr>
@@ -27276,7 +27277,7 @@
           <p:cNvPr id="2" name="标题 1">
             <a:extLst>
               <a:ext uri="{FF2B5EF4-FFF2-40B4-BE49-F238E27FC236}">
-                <a16:creationId xmlns="" xmlns:a16="http://schemas.microsoft.com/office/drawing/2014/main" id="{2A9B6C59-89F9-5390-BB77-F8DB7EF7B310}"/>
+                <a16:creationId xmlns:a16="http://schemas.microsoft.com/office/drawing/2014/main" xmlns="" id="{2A9B6C59-89F9-5390-BB77-F8DB7EF7B310}"/>
               </a:ext>
             </a:extLst>
           </p:cNvPr>
@@ -27366,7 +27367,7 @@
           <p:cNvPr id="2" name="标题 1">
             <a:extLst>
               <a:ext uri="{FF2B5EF4-FFF2-40B4-BE49-F238E27FC236}">
-                <a16:creationId xmlns="" xmlns:a16="http://schemas.microsoft.com/office/drawing/2014/main" id="{80796E82-7314-2FBE-2DE8-DDD70D4DF27E}"/>
+                <a16:creationId xmlns:a16="http://schemas.microsoft.com/office/drawing/2014/main" xmlns="" id="{80796E82-7314-2FBE-2DE8-DDD70D4DF27E}"/>
               </a:ext>
             </a:extLst>
           </p:cNvPr>
@@ -27455,7 +27456,7 @@
           <p:cNvPr id="94" name="椭圆 93">
             <a:extLst>
               <a:ext uri="{FF2B5EF4-FFF2-40B4-BE49-F238E27FC236}">
-                <a16:creationId xmlns="" xmlns:a16="http://schemas.microsoft.com/office/drawing/2014/main" id="{8BEE0963-F39F-E799-5A6C-7DB2D9695EA3}"/>
+                <a16:creationId xmlns:a16="http://schemas.microsoft.com/office/drawing/2014/main" xmlns="" id="{8BEE0963-F39F-E799-5A6C-7DB2D9695EA3}"/>
               </a:ext>
             </a:extLst>
           </p:cNvPr>
@@ -27522,7 +27523,7 @@
         </p:blipFill>
         <p:spPr>
           <a:xfrm>
-            <a:off x="9492278" y="3690823"/>
+            <a:off x="5705515" y="5078303"/>
             <a:ext cx="419168" cy="419169"/>
           </a:xfrm>
           <a:prstGeom prst="rect">
@@ -27550,7 +27551,7 @@
         </p:blipFill>
         <p:spPr>
           <a:xfrm>
-            <a:off x="7305406" y="5929574"/>
+            <a:off x="5318580" y="2536345"/>
             <a:ext cx="419168" cy="419169"/>
           </a:xfrm>
           <a:prstGeom prst="rect">
@@ -27578,7 +27579,7 @@
         </p:blipFill>
         <p:spPr>
           <a:xfrm>
-            <a:off x="4683240" y="3820015"/>
+            <a:off x="8134039" y="2319333"/>
             <a:ext cx="419168" cy="419169"/>
           </a:xfrm>
           <a:prstGeom prst="rect">
@@ -27634,7 +27635,7 @@
         </p:blipFill>
         <p:spPr>
           <a:xfrm>
-            <a:off x="8728265" y="5038722"/>
+            <a:off x="6423965" y="3315907"/>
             <a:ext cx="419168" cy="419169"/>
           </a:xfrm>
           <a:prstGeom prst="rect">
@@ -27662,7 +27663,7 @@
         </p:blipFill>
         <p:spPr>
           <a:xfrm>
-            <a:off x="8892236" y="2092151"/>
+            <a:off x="7652563" y="3015629"/>
             <a:ext cx="419168" cy="419169"/>
           </a:xfrm>
           <a:prstGeom prst="rect">
@@ -27718,7 +27719,7 @@
         </p:blipFill>
         <p:spPr>
           <a:xfrm>
-            <a:off x="6780753" y="1230400"/>
+            <a:off x="8439244" y="5012731"/>
             <a:ext cx="419168" cy="419169"/>
           </a:xfrm>
           <a:prstGeom prst="rect">
@@ -27738,16 +27739,18 @@
         </p:nvSpPr>
         <p:spPr>
           <a:xfrm>
-            <a:off x="4522096" y="1193119"/>
+            <a:off x="4529257" y="1120396"/>
             <a:ext cx="2176922" cy="2245863"/>
           </a:xfrm>
           <a:prstGeom prst="ellipse">
             <a:avLst/>
           </a:prstGeom>
           <a:solidFill>
-            <a:srgbClr val="FF3300">
+            <a:schemeClr val="accent2">
+              <a:lumMod val="60000"/>
+              <a:lumOff val="40000"/>
               <a:alpha val="47780"/>
-            </a:srgbClr>
+            </a:schemeClr>
           </a:solidFill>
           <a:ln w="9525" cap="flat" cmpd="sng">
             <a:solidFill>
@@ -27771,88 +27774,10 @@
       </p:sp>
       <p:sp>
         <p:nvSpPr>
-          <p:cNvPr id="39" name="Google Shape;83;p14"/>
-          <p:cNvSpPr/>
-          <p:nvPr/>
-        </p:nvSpPr>
-        <p:spPr>
-          <a:xfrm>
-            <a:off x="8013359" y="1193119"/>
-            <a:ext cx="2176922" cy="2245863"/>
-          </a:xfrm>
-          <a:prstGeom prst="ellipse">
-            <a:avLst/>
-          </a:prstGeom>
-          <a:solidFill>
-            <a:srgbClr val="FF3300">
-              <a:alpha val="47780"/>
-            </a:srgbClr>
-          </a:solidFill>
-          <a:ln w="9525" cap="flat" cmpd="sng">
-            <a:solidFill>
-              <a:srgbClr val="FF9900"/>
-            </a:solidFill>
-            <a:prstDash val="solid"/>
-            <a:round/>
-            <a:headEnd type="none" w="sm" len="sm"/>
-            <a:tailEnd type="none" w="sm" len="sm"/>
-          </a:ln>
-        </p:spPr>
-        <p:txBody>
-          <a:bodyPr spcFirstLastPara="1" wrap="square" lIns="121900" tIns="121900" rIns="121900" bIns="121900" anchor="ctr" anchorCtr="0">
-            <a:noAutofit/>
-          </a:bodyPr>
-          <a:lstStyle/>
-          <a:p>
-            <a:endParaRPr sz="2400"/>
-          </a:p>
-        </p:txBody>
-      </p:sp>
-      <p:sp>
-        <p:nvSpPr>
-          <p:cNvPr id="41" name="Google Shape;83;p14"/>
-          <p:cNvSpPr/>
-          <p:nvPr/>
-        </p:nvSpPr>
-        <p:spPr>
-          <a:xfrm>
-            <a:off x="7849388" y="4102880"/>
-            <a:ext cx="2176922" cy="2245863"/>
-          </a:xfrm>
-          <a:prstGeom prst="ellipse">
-            <a:avLst/>
-          </a:prstGeom>
-          <a:solidFill>
-            <a:srgbClr val="FF3300">
-              <a:alpha val="47780"/>
-            </a:srgbClr>
-          </a:solidFill>
-          <a:ln w="9525" cap="flat" cmpd="sng">
-            <a:solidFill>
-              <a:srgbClr val="FF9900"/>
-            </a:solidFill>
-            <a:prstDash val="solid"/>
-            <a:round/>
-            <a:headEnd type="none" w="sm" len="sm"/>
-            <a:tailEnd type="none" w="sm" len="sm"/>
-          </a:ln>
-        </p:spPr>
-        <p:txBody>
-          <a:bodyPr spcFirstLastPara="1" wrap="square" lIns="121900" tIns="121900" rIns="121900" bIns="121900" anchor="ctr" anchorCtr="0">
-            <a:noAutofit/>
-          </a:bodyPr>
-          <a:lstStyle/>
-          <a:p>
-            <a:endParaRPr sz="2400"/>
-          </a:p>
-        </p:txBody>
-      </p:sp>
-      <p:sp>
-        <p:nvSpPr>
           <p:cNvPr id="42" name="文本框 41">
             <a:extLst>
               <a:ext uri="{FF2B5EF4-FFF2-40B4-BE49-F238E27FC236}">
-                <a16:creationId xmlns="" xmlns:a16="http://schemas.microsoft.com/office/drawing/2014/main" id="{3E8E8225-E7B4-E598-7AEB-66BC2EF7864E}"/>
+                <a16:creationId xmlns:a16="http://schemas.microsoft.com/office/drawing/2014/main" xmlns="" id="{3E8E8225-E7B4-E598-7AEB-66BC2EF7864E}"/>
               </a:ext>
             </a:extLst>
           </p:cNvPr>
@@ -27919,7 +27844,11 @@
           <a:p>
             <a:r>
               <a:rPr lang="zh-CN" altLang="en-US" dirty="0" smtClean="0"/>
-              <a:t>绿球：烤鹅</a:t>
+              <a:t>绿球：烤</a:t>
+            </a:r>
+            <a:r>
+              <a:rPr lang="zh-CN" altLang="en-US" dirty="0" smtClean="0"/>
+              <a:t>鹅（大球</a:t>
             </a:r>
             <a:endParaRPr lang="en-US" altLang="zh-CN" dirty="0" smtClean="0"/>
           </a:p>
@@ -27954,8 +27883,8 @@
         </p:nvSpPr>
         <p:spPr>
           <a:xfrm>
-            <a:off x="5203751" y="3399710"/>
-            <a:ext cx="827935" cy="827935"/>
+            <a:off x="4621257" y="3059772"/>
+            <a:ext cx="1555282" cy="1559758"/>
           </a:xfrm>
           <a:prstGeom prst="ellipse">
             <a:avLst/>
@@ -27990,15 +27919,15 @@
         <p:nvCxnSpPr>
           <p:cNvPr id="8" name="直接连接符 7"/>
           <p:cNvCxnSpPr>
-            <a:stCxn id="6" idx="6"/>
-            <a:endCxn id="20" idx="1"/>
+            <a:stCxn id="6" idx="4"/>
+            <a:endCxn id="20" idx="0"/>
           </p:cNvCxnSpPr>
           <p:nvPr/>
         </p:nvCxnSpPr>
         <p:spPr>
           <a:xfrm>
-            <a:off x="6031686" y="3813678"/>
-            <a:ext cx="3460592" cy="86730"/>
+            <a:off x="5398898" y="4619530"/>
+            <a:ext cx="516201" cy="458773"/>
           </a:xfrm>
           <a:prstGeom prst="line">
             <a:avLst/>
@@ -28027,8 +27956,8 @@
         </p:nvSpPr>
         <p:spPr>
           <a:xfrm>
-            <a:off x="6860492" y="5088183"/>
-            <a:ext cx="827935" cy="827935"/>
+            <a:off x="6588947" y="5088183"/>
+            <a:ext cx="1578752" cy="1476249"/>
           </a:xfrm>
           <a:prstGeom prst="ellipse">
             <a:avLst/>
@@ -28063,15 +27992,15 @@
         <p:nvCxnSpPr>
           <p:cNvPr id="44" name="直接连接符 43"/>
           <p:cNvCxnSpPr>
-            <a:stCxn id="43" idx="0"/>
-            <a:endCxn id="37" idx="2"/>
+            <a:stCxn id="43" idx="7"/>
+            <a:endCxn id="37" idx="1"/>
           </p:cNvCxnSpPr>
           <p:nvPr/>
         </p:nvCxnSpPr>
         <p:spPr>
-          <a:xfrm flipH="1" flipV="1">
-            <a:off x="6990337" y="1649569"/>
-            <a:ext cx="284123" cy="3438614"/>
+          <a:xfrm flipV="1">
+            <a:off x="7936496" y="5222316"/>
+            <a:ext cx="502748" cy="82059"/>
           </a:xfrm>
           <a:prstGeom prst="line">
             <a:avLst/>
@@ -28100,8 +28029,8 @@
         </p:nvSpPr>
         <p:spPr>
           <a:xfrm>
-            <a:off x="8540799" y="3325694"/>
-            <a:ext cx="827935" cy="827935"/>
+            <a:off x="8567732" y="3039000"/>
+            <a:ext cx="1545189" cy="1549353"/>
           </a:xfrm>
           <a:prstGeom prst="ellipse">
             <a:avLst/>
@@ -28140,8 +28069,8 @@
         </p:nvSpPr>
         <p:spPr>
           <a:xfrm>
-            <a:off x="6764871" y="1673059"/>
-            <a:ext cx="827935" cy="827935"/>
+            <a:off x="6570958" y="1155028"/>
+            <a:ext cx="1369168" cy="1394385"/>
           </a:xfrm>
           <a:prstGeom prst="ellipse">
             <a:avLst/>
@@ -28176,15 +28105,15 @@
         <p:nvCxnSpPr>
           <p:cNvPr id="52" name="直接连接符 51"/>
           <p:cNvCxnSpPr>
-            <a:stCxn id="23" idx="0"/>
-            <a:endCxn id="49" idx="4"/>
+            <a:stCxn id="23" idx="3"/>
+            <a:endCxn id="49" idx="3"/>
           </p:cNvCxnSpPr>
           <p:nvPr/>
         </p:nvCxnSpPr>
         <p:spPr>
-          <a:xfrm flipH="1" flipV="1">
-            <a:off x="7178839" y="2500994"/>
-            <a:ext cx="336151" cy="3428580"/>
+          <a:xfrm flipV="1">
+            <a:off x="5737748" y="2345210"/>
+            <a:ext cx="1033720" cy="400720"/>
           </a:xfrm>
           <a:prstGeom prst="line">
             <a:avLst/>
@@ -28209,15 +28138,15 @@
         <p:nvCxnSpPr>
           <p:cNvPr id="58" name="直接连接符 57"/>
           <p:cNvCxnSpPr>
-            <a:stCxn id="47" idx="2"/>
-            <a:endCxn id="24" idx="3"/>
+            <a:stCxn id="47" idx="1"/>
+            <a:endCxn id="24" idx="2"/>
           </p:cNvCxnSpPr>
           <p:nvPr/>
         </p:nvCxnSpPr>
         <p:spPr>
-          <a:xfrm flipH="1">
-            <a:off x="5102408" y="3739662"/>
-            <a:ext cx="3438391" cy="289938"/>
+          <a:xfrm flipH="1" flipV="1">
+            <a:off x="8343623" y="2738502"/>
+            <a:ext cx="450397" cy="527395"/>
           </a:xfrm>
           <a:prstGeom prst="line">
             <a:avLst/>
@@ -28242,6 +28171,1000 @@
     <p:extLst>
       <p:ext uri="{BB962C8B-B14F-4D97-AF65-F5344CB8AC3E}">
         <p14:creationId xmlns:p14="http://schemas.microsoft.com/office/powerpoint/2010/main" val="3398553751"/>
+      </p:ext>
+    </p:extLst>
+  </p:cSld>
+  <p:clrMapOvr>
+    <a:masterClrMapping/>
+  </p:clrMapOvr>
+</p:sld>
+</file>
+
+<file path=ppt/slides/slide38.xml><?xml version="1.0" encoding="utf-8"?>
+<p:sld xmlns:a="http://schemas.openxmlformats.org/drawingml/2006/main" xmlns:r="http://schemas.openxmlformats.org/officeDocument/2006/relationships" xmlns:p="http://schemas.openxmlformats.org/presentationml/2006/main">
+  <p:cSld>
+    <p:spTree>
+      <p:nvGrpSpPr>
+        <p:cNvPr id="1" name=""/>
+        <p:cNvGrpSpPr/>
+        <p:nvPr/>
+      </p:nvGrpSpPr>
+      <p:grpSpPr>
+        <a:xfrm>
+          <a:off x="0" y="0"/>
+          <a:ext cx="0" cy="0"/>
+          <a:chOff x="0" y="0"/>
+          <a:chExt cx="0" cy="0"/>
+        </a:xfrm>
+      </p:grpSpPr>
+      <p:sp>
+        <p:nvSpPr>
+          <p:cNvPr id="2" name="标题 1">
+            <a:extLst>
+              <a:ext uri="{FF2B5EF4-FFF2-40B4-BE49-F238E27FC236}">
+                <a16:creationId xmlns:a16="http://schemas.microsoft.com/office/drawing/2014/main" xmlns="" id="{80796E82-7314-2FBE-2DE8-DDD70D4DF27E}"/>
+              </a:ext>
+            </a:extLst>
+          </p:cNvPr>
+          <p:cNvSpPr>
+            <a:spLocks noGrp="1"/>
+          </p:cNvSpPr>
+          <p:nvPr>
+            <p:ph type="title"/>
+          </p:nvPr>
+        </p:nvSpPr>
+        <p:spPr>
+          <a:xfrm>
+            <a:off x="415600" y="270286"/>
+            <a:ext cx="11360800" cy="763600"/>
+          </a:xfrm>
+        </p:spPr>
+        <p:txBody>
+          <a:bodyPr>
+            <a:normAutofit fontScale="90000"/>
+          </a:bodyPr>
+          <a:lstStyle/>
+          <a:p>
+            <a:r>
+              <a:rPr lang="ja-JP" altLang="en-US" sz="2800" dirty="0" smtClean="0">
+                <a:latin typeface="黑体" panose="02010609060101010101" pitchFamily="49" charset="-122"/>
+                <a:ea typeface="黑体" panose="02010609060101010101" pitchFamily="49" charset="-122"/>
+              </a:rPr>
+              <a:t>マッチ売りの少女　劇場</a:t>
+            </a:r>
+            <a:r>
+              <a:rPr lang="en-US" altLang="ja-JP" sz="2800" dirty="0" smtClean="0">
+                <a:latin typeface="黑体" panose="02010609060101010101" pitchFamily="49" charset="-122"/>
+                <a:ea typeface="黑体" panose="02010609060101010101" pitchFamily="49" charset="-122"/>
+              </a:rPr>
+              <a:t/>
+            </a:r>
+            <a:br>
+              <a:rPr lang="en-US" altLang="ja-JP" sz="2800" dirty="0" smtClean="0">
+                <a:latin typeface="黑体" panose="02010609060101010101" pitchFamily="49" charset="-122"/>
+                <a:ea typeface="黑体" panose="02010609060101010101" pitchFamily="49" charset="-122"/>
+              </a:rPr>
+            </a:br>
+            <a:r>
+              <a:rPr lang="zh-CN" altLang="en-US" sz="2800" dirty="0" smtClean="0">
+                <a:latin typeface="黑体" panose="02010609060101010101" pitchFamily="49" charset="-122"/>
+                <a:ea typeface="黑体" panose="02010609060101010101" pitchFamily="49" charset="-122"/>
+              </a:rPr>
+              <a:t>火柴</a:t>
+            </a:r>
+            <a:r>
+              <a:rPr lang="en-US" altLang="zh-CN" sz="2800" dirty="0" smtClean="0">
+                <a:latin typeface="黑体" panose="02010609060101010101" pitchFamily="49" charset="-122"/>
+                <a:ea typeface="黑体" panose="02010609060101010101" pitchFamily="49" charset="-122"/>
+              </a:rPr>
+              <a:t>3</a:t>
+            </a:r>
+            <a:r>
+              <a:rPr lang="zh-CN" altLang="en-US" sz="2800" dirty="0" smtClean="0">
+                <a:latin typeface="黑体" panose="02010609060101010101" pitchFamily="49" charset="-122"/>
+                <a:ea typeface="黑体" panose="02010609060101010101" pitchFamily="49" charset="-122"/>
+              </a:rPr>
+              <a:t>：</a:t>
+            </a:r>
+            <a:r>
+              <a:rPr lang="en-US" altLang="zh-CN" sz="2800" dirty="0" smtClean="0">
+                <a:latin typeface="黑体" panose="02010609060101010101" pitchFamily="49" charset="-122"/>
+                <a:ea typeface="黑体" panose="02010609060101010101" pitchFamily="49" charset="-122"/>
+              </a:rPr>
+              <a:t/>
+            </a:r>
+            <a:br>
+              <a:rPr lang="en-US" altLang="zh-CN" sz="2800" dirty="0" smtClean="0">
+                <a:latin typeface="黑体" panose="02010609060101010101" pitchFamily="49" charset="-122"/>
+                <a:ea typeface="黑体" panose="02010609060101010101" pitchFamily="49" charset="-122"/>
+              </a:rPr>
+            </a:br>
+            <a:endParaRPr lang="zh-CN" altLang="en-US" sz="2800" dirty="0">
+              <a:latin typeface="黑体" panose="02010609060101010101" pitchFamily="49" charset="-122"/>
+              <a:ea typeface="黑体" panose="02010609060101010101" pitchFamily="49" charset="-122"/>
+            </a:endParaRPr>
+          </a:p>
+        </p:txBody>
+      </p:sp>
+      <p:sp>
+        <p:nvSpPr>
+          <p:cNvPr id="94" name="椭圆 93">
+            <a:extLst>
+              <a:ext uri="{FF2B5EF4-FFF2-40B4-BE49-F238E27FC236}">
+                <a16:creationId xmlns:a16="http://schemas.microsoft.com/office/drawing/2014/main" xmlns="" id="{8BEE0963-F39F-E799-5A6C-7DB2D9695EA3}"/>
+              </a:ext>
+            </a:extLst>
+          </p:cNvPr>
+          <p:cNvSpPr/>
+          <p:nvPr/>
+        </p:nvSpPr>
+        <p:spPr>
+          <a:xfrm>
+            <a:off x="4699366" y="1193119"/>
+            <a:ext cx="5212080" cy="5212080"/>
+          </a:xfrm>
+          <a:prstGeom prst="ellipse">
+            <a:avLst/>
+          </a:prstGeom>
+          <a:solidFill>
+            <a:schemeClr val="bg1">
+              <a:lumMod val="85000"/>
+            </a:schemeClr>
+          </a:solidFill>
+          <a:ln>
+            <a:noFill/>
+          </a:ln>
+        </p:spPr>
+        <p:style>
+          <a:lnRef idx="0">
+            <a:scrgbClr r="0" g="0" b="0"/>
+          </a:lnRef>
+          <a:fillRef idx="0">
+            <a:scrgbClr r="0" g="0" b="0"/>
+          </a:fillRef>
+          <a:effectRef idx="0">
+            <a:scrgbClr r="0" g="0" b="0"/>
+          </a:effectRef>
+          <a:fontRef idx="minor">
+            <a:schemeClr val="lt1"/>
+          </a:fontRef>
+        </p:style>
+        <p:txBody>
+          <a:bodyPr rtlCol="0" anchor="ctr"/>
+          <a:lstStyle/>
+          <a:p>
+            <a:pPr algn="ctr"/>
+            <a:endParaRPr lang="zh-CN" altLang="en-US" dirty="0">
+              <a:solidFill>
+                <a:prstClr val="white"/>
+              </a:solidFill>
+            </a:endParaRPr>
+          </a:p>
+        </p:txBody>
+      </p:sp>
+      <p:pic>
+        <p:nvPicPr>
+          <p:cNvPr id="20" name="Google Shape;74;p14"/>
+          <p:cNvPicPr preferRelativeResize="0"/>
+          <p:nvPr/>
+        </p:nvPicPr>
+        <p:blipFill>
+          <a:blip r:embed="rId2">
+            <a:alphaModFix/>
+          </a:blip>
+          <a:stretch>
+            <a:fillRect/>
+          </a:stretch>
+        </p:blipFill>
+        <p:spPr>
+          <a:xfrm>
+            <a:off x="9360377" y="2620851"/>
+            <a:ext cx="419168" cy="419169"/>
+          </a:xfrm>
+          <a:prstGeom prst="rect">
+            <a:avLst/>
+          </a:prstGeom>
+          <a:noFill/>
+          <a:ln>
+            <a:noFill/>
+          </a:ln>
+        </p:spPr>
+      </p:pic>
+      <p:pic>
+        <p:nvPicPr>
+          <p:cNvPr id="23" name="Google Shape;75;p14"/>
+          <p:cNvPicPr preferRelativeResize="0"/>
+          <p:nvPr/>
+        </p:nvPicPr>
+        <p:blipFill>
+          <a:blip r:embed="rId3">
+            <a:alphaModFix/>
+          </a:blip>
+          <a:stretch>
+            <a:fillRect/>
+          </a:stretch>
+        </p:blipFill>
+        <p:spPr>
+          <a:xfrm>
+            <a:off x="9052456" y="4592572"/>
+            <a:ext cx="419168" cy="419169"/>
+          </a:xfrm>
+          <a:prstGeom prst="rect">
+            <a:avLst/>
+          </a:prstGeom>
+          <a:noFill/>
+          <a:ln>
+            <a:noFill/>
+          </a:ln>
+        </p:spPr>
+      </p:pic>
+      <p:pic>
+        <p:nvPicPr>
+          <p:cNvPr id="24" name="Google Shape;76;p14"/>
+          <p:cNvPicPr preferRelativeResize="0"/>
+          <p:nvPr/>
+        </p:nvPicPr>
+        <p:blipFill>
+          <a:blip r:embed="rId4">
+            <a:alphaModFix/>
+          </a:blip>
+          <a:stretch>
+            <a:fillRect/>
+          </a:stretch>
+        </p:blipFill>
+        <p:spPr>
+          <a:xfrm>
+            <a:off x="4982358" y="4382988"/>
+            <a:ext cx="419168" cy="419169"/>
+          </a:xfrm>
+          <a:prstGeom prst="rect">
+            <a:avLst/>
+          </a:prstGeom>
+          <a:noFill/>
+          <a:ln>
+            <a:noFill/>
+          </a:ln>
+        </p:spPr>
+      </p:pic>
+      <p:pic>
+        <p:nvPicPr>
+          <p:cNvPr id="25" name="Google Shape;77;p14"/>
+          <p:cNvPicPr preferRelativeResize="0"/>
+          <p:nvPr/>
+        </p:nvPicPr>
+        <p:blipFill>
+          <a:blip r:embed="rId5">
+            <a:alphaModFix/>
+          </a:blip>
+          <a:stretch>
+            <a:fillRect/>
+          </a:stretch>
+        </p:blipFill>
+        <p:spPr>
+          <a:xfrm>
+            <a:off x="7052704" y="5184508"/>
+            <a:ext cx="419168" cy="419169"/>
+          </a:xfrm>
+          <a:prstGeom prst="rect">
+            <a:avLst/>
+          </a:prstGeom>
+          <a:noFill/>
+          <a:ln>
+            <a:noFill/>
+          </a:ln>
+        </p:spPr>
+      </p:pic>
+      <p:pic>
+        <p:nvPicPr>
+          <p:cNvPr id="26" name="Google Shape;78;p14"/>
+          <p:cNvPicPr preferRelativeResize="0"/>
+          <p:nvPr/>
+        </p:nvPicPr>
+        <p:blipFill>
+          <a:blip r:embed="rId6">
+            <a:alphaModFix/>
+          </a:blip>
+          <a:stretch>
+            <a:fillRect/>
+          </a:stretch>
+        </p:blipFill>
+        <p:spPr>
+          <a:xfrm>
+            <a:off x="5555893" y="3533765"/>
+            <a:ext cx="419168" cy="419169"/>
+          </a:xfrm>
+          <a:prstGeom prst="rect">
+            <a:avLst/>
+          </a:prstGeom>
+          <a:noFill/>
+          <a:ln>
+            <a:noFill/>
+          </a:ln>
+        </p:spPr>
+      </p:pic>
+      <p:pic>
+        <p:nvPicPr>
+          <p:cNvPr id="27" name="Google Shape;79;p14"/>
+          <p:cNvPicPr preferRelativeResize="0"/>
+          <p:nvPr/>
+        </p:nvPicPr>
+        <p:blipFill>
+          <a:blip r:embed="rId7">
+            <a:alphaModFix/>
+          </a:blip>
+          <a:stretch>
+            <a:fillRect/>
+          </a:stretch>
+        </p:blipFill>
+        <p:spPr>
+          <a:xfrm>
+            <a:off x="7125639" y="2137113"/>
+            <a:ext cx="419168" cy="419169"/>
+          </a:xfrm>
+          <a:prstGeom prst="rect">
+            <a:avLst/>
+          </a:prstGeom>
+          <a:noFill/>
+          <a:ln>
+            <a:noFill/>
+          </a:ln>
+        </p:spPr>
+      </p:pic>
+      <p:pic>
+        <p:nvPicPr>
+          <p:cNvPr id="28" name="Google Shape;80;p14"/>
+          <p:cNvPicPr preferRelativeResize="0"/>
+          <p:nvPr/>
+        </p:nvPicPr>
+        <p:blipFill>
+          <a:blip r:embed="rId8">
+            <a:alphaModFix/>
+          </a:blip>
+          <a:stretch>
+            <a:fillRect/>
+          </a:stretch>
+        </p:blipFill>
+        <p:spPr>
+          <a:xfrm>
+            <a:off x="7095822" y="3589574"/>
+            <a:ext cx="419168" cy="419169"/>
+          </a:xfrm>
+          <a:prstGeom prst="rect">
+            <a:avLst/>
+          </a:prstGeom>
+          <a:noFill/>
+          <a:ln>
+            <a:noFill/>
+          </a:ln>
+        </p:spPr>
+      </p:pic>
+      <p:pic>
+        <p:nvPicPr>
+          <p:cNvPr id="37" name="Google Shape;81;p14"/>
+          <p:cNvPicPr preferRelativeResize="0"/>
+          <p:nvPr/>
+        </p:nvPicPr>
+        <p:blipFill>
+          <a:blip r:embed="rId9">
+            <a:alphaModFix/>
+          </a:blip>
+          <a:stretch>
+            <a:fillRect/>
+          </a:stretch>
+        </p:blipFill>
+        <p:spPr>
+          <a:xfrm>
+            <a:off x="5384732" y="2248700"/>
+            <a:ext cx="419168" cy="419169"/>
+          </a:xfrm>
+          <a:prstGeom prst="rect">
+            <a:avLst/>
+          </a:prstGeom>
+          <a:noFill/>
+          <a:ln>
+            <a:noFill/>
+          </a:ln>
+        </p:spPr>
+      </p:pic>
+      <p:sp>
+        <p:nvSpPr>
+          <p:cNvPr id="42" name="文本框 41">
+            <a:extLst>
+              <a:ext uri="{FF2B5EF4-FFF2-40B4-BE49-F238E27FC236}">
+                <a16:creationId xmlns:a16="http://schemas.microsoft.com/office/drawing/2014/main" xmlns="" id="{3E8E8225-E7B4-E598-7AEB-66BC2EF7864E}"/>
+              </a:ext>
+            </a:extLst>
+          </p:cNvPr>
+          <p:cNvSpPr txBox="1"/>
+          <p:nvPr/>
+        </p:nvSpPr>
+        <p:spPr>
+          <a:xfrm>
+            <a:off x="612559" y="1671863"/>
+            <a:ext cx="3335990" cy="923330"/>
+          </a:xfrm>
+          <a:prstGeom prst="rect">
+            <a:avLst/>
+          </a:prstGeom>
+          <a:noFill/>
+        </p:spPr>
+        <p:txBody>
+          <a:bodyPr wrap="square" rtlCol="0">
+            <a:spAutoFit/>
+          </a:bodyPr>
+          <a:lstStyle/>
+          <a:p>
+            <a:r>
+              <a:rPr lang="en-US" altLang="zh-CN" dirty="0" smtClean="0">
+                <a:solidFill>
+                  <a:prstClr val="black"/>
+                </a:solidFill>
+              </a:rPr>
+              <a:t>Mega flare</a:t>
+            </a:r>
+          </a:p>
+          <a:p>
+            <a:endParaRPr lang="en-US" altLang="zh-CN" dirty="0" smtClean="0">
+              <a:solidFill>
+                <a:prstClr val="black"/>
+              </a:solidFill>
+            </a:endParaRPr>
+          </a:p>
+          <a:p>
+            <a:endParaRPr lang="en-US" altLang="ja-JP" dirty="0">
+              <a:solidFill>
+                <a:prstClr val="black"/>
+              </a:solidFill>
+            </a:endParaRPr>
+          </a:p>
+        </p:txBody>
+      </p:sp>
+      <p:sp>
+        <p:nvSpPr>
+          <p:cNvPr id="6" name="椭圆 5"/>
+          <p:cNvSpPr/>
+          <p:nvPr/>
+        </p:nvSpPr>
+        <p:spPr>
+          <a:xfrm>
+            <a:off x="5494581" y="4716910"/>
+            <a:ext cx="827935" cy="827935"/>
+          </a:xfrm>
+          <a:prstGeom prst="ellipse">
+            <a:avLst/>
+          </a:prstGeom>
+        </p:spPr>
+        <p:style>
+          <a:lnRef idx="2">
+            <a:schemeClr val="accent6">
+              <a:shade val="50000"/>
+            </a:schemeClr>
+          </a:lnRef>
+          <a:fillRef idx="1">
+            <a:schemeClr val="accent6"/>
+          </a:fillRef>
+          <a:effectRef idx="0">
+            <a:schemeClr val="accent6"/>
+          </a:effectRef>
+          <a:fontRef idx="minor">
+            <a:schemeClr val="lt1"/>
+          </a:fontRef>
+        </p:style>
+        <p:txBody>
+          <a:bodyPr rtlCol="0" anchor="ctr"/>
+          <a:lstStyle/>
+          <a:p>
+            <a:pPr algn="ctr"/>
+            <a:endParaRPr lang="zh-CN" altLang="en-US">
+              <a:solidFill>
+                <a:prstClr val="white"/>
+              </a:solidFill>
+            </a:endParaRPr>
+          </a:p>
+        </p:txBody>
+      </p:sp>
+      <p:cxnSp>
+        <p:nvCxnSpPr>
+          <p:cNvPr id="8" name="直接连接符 7"/>
+          <p:cNvCxnSpPr>
+            <a:stCxn id="6" idx="6"/>
+            <a:endCxn id="20" idx="0"/>
+          </p:cNvCxnSpPr>
+          <p:nvPr/>
+        </p:nvCxnSpPr>
+        <p:spPr>
+          <a:xfrm flipV="1">
+            <a:off x="6322516" y="2620851"/>
+            <a:ext cx="3247445" cy="2510027"/>
+          </a:xfrm>
+          <a:prstGeom prst="line">
+            <a:avLst/>
+          </a:prstGeom>
+        </p:spPr>
+        <p:style>
+          <a:lnRef idx="1">
+            <a:schemeClr val="accent1"/>
+          </a:lnRef>
+          <a:fillRef idx="0">
+            <a:schemeClr val="accent1"/>
+          </a:fillRef>
+          <a:effectRef idx="0">
+            <a:schemeClr val="accent1"/>
+          </a:effectRef>
+          <a:fontRef idx="minor">
+            <a:schemeClr val="tx1"/>
+          </a:fontRef>
+        </p:style>
+      </p:cxnSp>
+      <p:sp>
+        <p:nvSpPr>
+          <p:cNvPr id="43" name="椭圆 42"/>
+          <p:cNvSpPr/>
+          <p:nvPr/>
+        </p:nvSpPr>
+        <p:spPr>
+          <a:xfrm>
+            <a:off x="8278890" y="4974088"/>
+            <a:ext cx="827935" cy="827935"/>
+          </a:xfrm>
+          <a:prstGeom prst="ellipse">
+            <a:avLst/>
+          </a:prstGeom>
+        </p:spPr>
+        <p:style>
+          <a:lnRef idx="2">
+            <a:schemeClr val="accent6">
+              <a:shade val="50000"/>
+            </a:schemeClr>
+          </a:lnRef>
+          <a:fillRef idx="1">
+            <a:schemeClr val="accent6"/>
+          </a:fillRef>
+          <a:effectRef idx="0">
+            <a:schemeClr val="accent6"/>
+          </a:effectRef>
+          <a:fontRef idx="minor">
+            <a:schemeClr val="lt1"/>
+          </a:fontRef>
+        </p:style>
+        <p:txBody>
+          <a:bodyPr rtlCol="0" anchor="ctr"/>
+          <a:lstStyle/>
+          <a:p>
+            <a:pPr algn="ctr"/>
+            <a:endParaRPr lang="zh-CN" altLang="en-US">
+              <a:solidFill>
+                <a:prstClr val="white"/>
+              </a:solidFill>
+            </a:endParaRPr>
+          </a:p>
+        </p:txBody>
+      </p:sp>
+      <p:cxnSp>
+        <p:nvCxnSpPr>
+          <p:cNvPr id="44" name="直接连接符 43"/>
+          <p:cNvCxnSpPr>
+            <a:stCxn id="43" idx="1"/>
+            <a:endCxn id="37" idx="1"/>
+          </p:cNvCxnSpPr>
+          <p:nvPr/>
+        </p:nvCxnSpPr>
+        <p:spPr>
+          <a:xfrm flipH="1" flipV="1">
+            <a:off x="5384732" y="2458285"/>
+            <a:ext cx="3015406" cy="2637051"/>
+          </a:xfrm>
+          <a:prstGeom prst="line">
+            <a:avLst/>
+          </a:prstGeom>
+        </p:spPr>
+        <p:style>
+          <a:lnRef idx="1">
+            <a:schemeClr val="accent1"/>
+          </a:lnRef>
+          <a:fillRef idx="0">
+            <a:schemeClr val="accent1"/>
+          </a:fillRef>
+          <a:effectRef idx="0">
+            <a:schemeClr val="accent1"/>
+          </a:effectRef>
+          <a:fontRef idx="minor">
+            <a:schemeClr val="tx1"/>
+          </a:fontRef>
+        </p:style>
+      </p:cxnSp>
+      <p:sp>
+        <p:nvSpPr>
+          <p:cNvPr id="47" name="椭圆 46"/>
+          <p:cNvSpPr/>
+          <p:nvPr/>
+        </p:nvSpPr>
+        <p:spPr>
+          <a:xfrm>
+            <a:off x="8440559" y="2003952"/>
+            <a:ext cx="827935" cy="827935"/>
+          </a:xfrm>
+          <a:prstGeom prst="ellipse">
+            <a:avLst/>
+          </a:prstGeom>
+        </p:spPr>
+        <p:style>
+          <a:lnRef idx="2">
+            <a:schemeClr val="accent6">
+              <a:shade val="50000"/>
+            </a:schemeClr>
+          </a:lnRef>
+          <a:fillRef idx="1">
+            <a:schemeClr val="accent6"/>
+          </a:fillRef>
+          <a:effectRef idx="0">
+            <a:schemeClr val="accent6"/>
+          </a:effectRef>
+          <a:fontRef idx="minor">
+            <a:schemeClr val="lt1"/>
+          </a:fontRef>
+        </p:style>
+        <p:txBody>
+          <a:bodyPr rtlCol="0" anchor="ctr"/>
+          <a:lstStyle/>
+          <a:p>
+            <a:pPr algn="ctr"/>
+            <a:endParaRPr lang="zh-CN" altLang="en-US">
+              <a:solidFill>
+                <a:prstClr val="white"/>
+              </a:solidFill>
+            </a:endParaRPr>
+          </a:p>
+        </p:txBody>
+      </p:sp>
+      <p:sp>
+        <p:nvSpPr>
+          <p:cNvPr id="49" name="椭圆 48"/>
+          <p:cNvSpPr/>
+          <p:nvPr/>
+        </p:nvSpPr>
+        <p:spPr>
+          <a:xfrm>
+            <a:off x="5876563" y="2157485"/>
+            <a:ext cx="827935" cy="827935"/>
+          </a:xfrm>
+          <a:prstGeom prst="ellipse">
+            <a:avLst/>
+          </a:prstGeom>
+        </p:spPr>
+        <p:style>
+          <a:lnRef idx="2">
+            <a:schemeClr val="accent6">
+              <a:shade val="50000"/>
+            </a:schemeClr>
+          </a:lnRef>
+          <a:fillRef idx="1">
+            <a:schemeClr val="accent6"/>
+          </a:fillRef>
+          <a:effectRef idx="0">
+            <a:schemeClr val="accent6"/>
+          </a:effectRef>
+          <a:fontRef idx="minor">
+            <a:schemeClr val="lt1"/>
+          </a:fontRef>
+        </p:style>
+        <p:txBody>
+          <a:bodyPr rtlCol="0" anchor="ctr"/>
+          <a:lstStyle/>
+          <a:p>
+            <a:pPr algn="ctr"/>
+            <a:endParaRPr lang="zh-CN" altLang="en-US">
+              <a:solidFill>
+                <a:prstClr val="white"/>
+              </a:solidFill>
+            </a:endParaRPr>
+          </a:p>
+        </p:txBody>
+      </p:sp>
+      <p:cxnSp>
+        <p:nvCxnSpPr>
+          <p:cNvPr id="52" name="直接连接符 51"/>
+          <p:cNvCxnSpPr>
+            <a:stCxn id="23" idx="3"/>
+            <a:endCxn id="49" idx="5"/>
+          </p:cNvCxnSpPr>
+          <p:nvPr/>
+        </p:nvCxnSpPr>
+        <p:spPr>
+          <a:xfrm flipH="1" flipV="1">
+            <a:off x="6583250" y="2864172"/>
+            <a:ext cx="2888374" cy="1937985"/>
+          </a:xfrm>
+          <a:prstGeom prst="line">
+            <a:avLst/>
+          </a:prstGeom>
+        </p:spPr>
+        <p:style>
+          <a:lnRef idx="1">
+            <a:schemeClr val="accent1"/>
+          </a:lnRef>
+          <a:fillRef idx="0">
+            <a:schemeClr val="accent1"/>
+          </a:fillRef>
+          <a:effectRef idx="0">
+            <a:schemeClr val="accent1"/>
+          </a:effectRef>
+          <a:fontRef idx="minor">
+            <a:schemeClr val="tx1"/>
+          </a:fontRef>
+        </p:style>
+      </p:cxnSp>
+      <p:cxnSp>
+        <p:nvCxnSpPr>
+          <p:cNvPr id="58" name="直接连接符 57"/>
+          <p:cNvCxnSpPr>
+            <a:stCxn id="47" idx="3"/>
+            <a:endCxn id="24" idx="3"/>
+          </p:cNvCxnSpPr>
+          <p:nvPr/>
+        </p:nvCxnSpPr>
+        <p:spPr>
+          <a:xfrm flipH="1">
+            <a:off x="5401526" y="2710639"/>
+            <a:ext cx="3160281" cy="1881934"/>
+          </a:xfrm>
+          <a:prstGeom prst="line">
+            <a:avLst/>
+          </a:prstGeom>
+        </p:spPr>
+        <p:style>
+          <a:lnRef idx="1">
+            <a:schemeClr val="accent1"/>
+          </a:lnRef>
+          <a:fillRef idx="0">
+            <a:schemeClr val="accent1"/>
+          </a:fillRef>
+          <a:effectRef idx="0">
+            <a:schemeClr val="accent1"/>
+          </a:effectRef>
+          <a:fontRef idx="minor">
+            <a:schemeClr val="tx1"/>
+          </a:fontRef>
+        </p:style>
+      </p:cxnSp>
+      <p:sp>
+        <p:nvSpPr>
+          <p:cNvPr id="45" name="Google Shape;83;p14"/>
+          <p:cNvSpPr/>
+          <p:nvPr/>
+        </p:nvSpPr>
+        <p:spPr>
+          <a:xfrm>
+            <a:off x="6463192" y="384172"/>
+            <a:ext cx="1684427" cy="1737771"/>
+          </a:xfrm>
+          <a:prstGeom prst="ellipse">
+            <a:avLst/>
+          </a:prstGeom>
+          <a:solidFill>
+            <a:srgbClr val="FF3300">
+              <a:alpha val="47780"/>
+            </a:srgbClr>
+          </a:solidFill>
+          <a:ln w="9525" cap="flat" cmpd="sng">
+            <a:solidFill>
+              <a:srgbClr val="FF9900"/>
+            </a:solidFill>
+            <a:prstDash val="solid"/>
+            <a:round/>
+            <a:headEnd type="none" w="sm" len="sm"/>
+            <a:tailEnd type="none" w="sm" len="sm"/>
+          </a:ln>
+        </p:spPr>
+        <p:txBody>
+          <a:bodyPr spcFirstLastPara="1" wrap="square" lIns="121900" tIns="121900" rIns="121900" bIns="121900" anchor="ctr" anchorCtr="0">
+            <a:noAutofit/>
+          </a:bodyPr>
+          <a:lstStyle/>
+          <a:p>
+            <a:endParaRPr sz="2400"/>
+          </a:p>
+        </p:txBody>
+      </p:sp>
+      <p:sp>
+        <p:nvSpPr>
+          <p:cNvPr id="46" name="Google Shape;83;p14"/>
+          <p:cNvSpPr/>
+          <p:nvPr/>
+        </p:nvSpPr>
+        <p:spPr>
+          <a:xfrm>
+            <a:off x="3798803" y="2646142"/>
+            <a:ext cx="1684427" cy="1737771"/>
+          </a:xfrm>
+          <a:prstGeom prst="ellipse">
+            <a:avLst/>
+          </a:prstGeom>
+          <a:solidFill>
+            <a:srgbClr val="FF3300">
+              <a:alpha val="47780"/>
+            </a:srgbClr>
+          </a:solidFill>
+          <a:ln w="9525" cap="flat" cmpd="sng">
+            <a:solidFill>
+              <a:srgbClr val="FF9900"/>
+            </a:solidFill>
+            <a:prstDash val="solid"/>
+            <a:round/>
+            <a:headEnd type="none" w="sm" len="sm"/>
+            <a:tailEnd type="none" w="sm" len="sm"/>
+          </a:ln>
+        </p:spPr>
+        <p:txBody>
+          <a:bodyPr spcFirstLastPara="1" wrap="square" lIns="121900" tIns="121900" rIns="121900" bIns="121900" anchor="ctr" anchorCtr="0">
+            <a:noAutofit/>
+          </a:bodyPr>
+          <a:lstStyle/>
+          <a:p>
+            <a:endParaRPr sz="2400"/>
+          </a:p>
+        </p:txBody>
+      </p:sp>
+      <p:sp>
+        <p:nvSpPr>
+          <p:cNvPr id="48" name="Google Shape;83;p14"/>
+          <p:cNvSpPr/>
+          <p:nvPr/>
+        </p:nvSpPr>
+        <p:spPr>
+          <a:xfrm>
+            <a:off x="6415571" y="5286822"/>
+            <a:ext cx="1684427" cy="1737771"/>
+          </a:xfrm>
+          <a:prstGeom prst="ellipse">
+            <a:avLst/>
+          </a:prstGeom>
+          <a:solidFill>
+            <a:srgbClr val="FF3300">
+              <a:alpha val="47780"/>
+            </a:srgbClr>
+          </a:solidFill>
+          <a:ln w="9525" cap="flat" cmpd="sng">
+            <a:solidFill>
+              <a:srgbClr val="FF9900"/>
+            </a:solidFill>
+            <a:prstDash val="solid"/>
+            <a:round/>
+            <a:headEnd type="none" w="sm" len="sm"/>
+            <a:tailEnd type="none" w="sm" len="sm"/>
+          </a:ln>
+        </p:spPr>
+        <p:txBody>
+          <a:bodyPr spcFirstLastPara="1" wrap="square" lIns="121900" tIns="121900" rIns="121900" bIns="121900" anchor="ctr" anchorCtr="0">
+            <a:noAutofit/>
+          </a:bodyPr>
+          <a:lstStyle/>
+          <a:p>
+            <a:endParaRPr sz="2400"/>
+          </a:p>
+        </p:txBody>
+      </p:sp>
+      <p:sp>
+        <p:nvSpPr>
+          <p:cNvPr id="50" name="Google Shape;95;p14"/>
+          <p:cNvSpPr/>
+          <p:nvPr/>
+        </p:nvSpPr>
+        <p:spPr>
+          <a:xfrm>
+            <a:off x="6770158" y="1812925"/>
+            <a:ext cx="1120799" cy="1120799"/>
+          </a:xfrm>
+          <a:prstGeom prst="ellipse">
+            <a:avLst/>
+          </a:prstGeom>
+          <a:solidFill>
+            <a:srgbClr val="E06666">
+              <a:alpha val="48770"/>
+            </a:srgbClr>
+          </a:solidFill>
+          <a:ln w="9525" cap="flat" cmpd="sng">
+            <a:solidFill>
+              <a:srgbClr val="FF0000"/>
+            </a:solidFill>
+            <a:prstDash val="solid"/>
+            <a:round/>
+            <a:headEnd type="none" w="sm" len="sm"/>
+            <a:tailEnd type="none" w="sm" len="sm"/>
+          </a:ln>
+        </p:spPr>
+        <p:txBody>
+          <a:bodyPr spcFirstLastPara="1" wrap="square" lIns="121900" tIns="121900" rIns="121900" bIns="121900" anchor="ctr" anchorCtr="0">
+            <a:noAutofit/>
+          </a:bodyPr>
+          <a:lstStyle/>
+          <a:p>
+            <a:endParaRPr sz="2400" dirty="0"/>
+          </a:p>
+        </p:txBody>
+      </p:sp>
+      <p:sp>
+        <p:nvSpPr>
+          <p:cNvPr id="51" name="Google Shape;95;p14"/>
+          <p:cNvSpPr/>
+          <p:nvPr/>
+        </p:nvSpPr>
+        <p:spPr>
+          <a:xfrm>
+            <a:off x="5212120" y="3146602"/>
+            <a:ext cx="1120799" cy="1120799"/>
+          </a:xfrm>
+          <a:prstGeom prst="ellipse">
+            <a:avLst/>
+          </a:prstGeom>
+          <a:solidFill>
+            <a:srgbClr val="E06666">
+              <a:alpha val="48770"/>
+            </a:srgbClr>
+          </a:solidFill>
+          <a:ln w="9525" cap="flat" cmpd="sng">
+            <a:solidFill>
+              <a:srgbClr val="FF0000"/>
+            </a:solidFill>
+            <a:prstDash val="solid"/>
+            <a:round/>
+            <a:headEnd type="none" w="sm" len="sm"/>
+            <a:tailEnd type="none" w="sm" len="sm"/>
+          </a:ln>
+        </p:spPr>
+        <p:txBody>
+          <a:bodyPr spcFirstLastPara="1" wrap="square" lIns="121900" tIns="121900" rIns="121900" bIns="121900" anchor="ctr" anchorCtr="0">
+            <a:noAutofit/>
+          </a:bodyPr>
+          <a:lstStyle/>
+          <a:p>
+            <a:endParaRPr sz="2400" dirty="0"/>
+          </a:p>
+        </p:txBody>
+      </p:sp>
+      <p:sp>
+        <p:nvSpPr>
+          <p:cNvPr id="53" name="Google Shape;95;p14"/>
+          <p:cNvSpPr/>
+          <p:nvPr/>
+        </p:nvSpPr>
+        <p:spPr>
+          <a:xfrm>
+            <a:off x="6690391" y="4813799"/>
+            <a:ext cx="1120799" cy="1120799"/>
+          </a:xfrm>
+          <a:prstGeom prst="ellipse">
+            <a:avLst/>
+          </a:prstGeom>
+          <a:solidFill>
+            <a:srgbClr val="E06666">
+              <a:alpha val="48770"/>
+            </a:srgbClr>
+          </a:solidFill>
+          <a:ln w="9525" cap="flat" cmpd="sng">
+            <a:solidFill>
+              <a:srgbClr val="FF0000"/>
+            </a:solidFill>
+            <a:prstDash val="solid"/>
+            <a:round/>
+            <a:headEnd type="none" w="sm" len="sm"/>
+            <a:tailEnd type="none" w="sm" len="sm"/>
+          </a:ln>
+        </p:spPr>
+        <p:txBody>
+          <a:bodyPr spcFirstLastPara="1" wrap="square" lIns="121900" tIns="121900" rIns="121900" bIns="121900" anchor="ctr" anchorCtr="0">
+            <a:noAutofit/>
+          </a:bodyPr>
+          <a:lstStyle/>
+          <a:p>
+            <a:endParaRPr sz="2400" dirty="0"/>
+          </a:p>
+        </p:txBody>
+      </p:sp>
+    </p:spTree>
+    <p:extLst>
+      <p:ext uri="{BB962C8B-B14F-4D97-AF65-F5344CB8AC3E}">
+        <p14:creationId xmlns:p14="http://schemas.microsoft.com/office/powerpoint/2010/main" val="587473960"/>
       </p:ext>
     </p:extLst>
   </p:cSld>
@@ -28273,7 +29196,7 @@
           <p:cNvPr id="4" name="Google Shape;74;p14">
             <a:extLst>
               <a:ext uri="{FF2B5EF4-FFF2-40B4-BE49-F238E27FC236}">
-                <a16:creationId xmlns="" xmlns:a16="http://schemas.microsoft.com/office/drawing/2014/main" id="{F52A6963-84A4-0036-01C0-8A6443B594E4}"/>
+                <a16:creationId xmlns:a16="http://schemas.microsoft.com/office/drawing/2014/main" xmlns="" id="{F52A6963-84A4-0036-01C0-8A6443B594E4}"/>
               </a:ext>
             </a:extLst>
           </p:cNvPr>
@@ -28307,7 +29230,7 @@
           <p:cNvPr id="5" name="Google Shape;75;p14">
             <a:extLst>
               <a:ext uri="{FF2B5EF4-FFF2-40B4-BE49-F238E27FC236}">
-                <a16:creationId xmlns="" xmlns:a16="http://schemas.microsoft.com/office/drawing/2014/main" id="{404581EA-6F71-715C-CE7C-99A122F3F6E4}"/>
+                <a16:creationId xmlns:a16="http://schemas.microsoft.com/office/drawing/2014/main" xmlns="" id="{404581EA-6F71-715C-CE7C-99A122F3F6E4}"/>
               </a:ext>
             </a:extLst>
           </p:cNvPr>
@@ -28341,7 +29264,7 @@
           <p:cNvPr id="6" name="Google Shape;76;p14">
             <a:extLst>
               <a:ext uri="{FF2B5EF4-FFF2-40B4-BE49-F238E27FC236}">
-                <a16:creationId xmlns="" xmlns:a16="http://schemas.microsoft.com/office/drawing/2014/main" id="{A527F9F4-7B4A-2EA7-612E-AAA3DD8F9F91}"/>
+                <a16:creationId xmlns:a16="http://schemas.microsoft.com/office/drawing/2014/main" xmlns="" id="{A527F9F4-7B4A-2EA7-612E-AAA3DD8F9F91}"/>
               </a:ext>
             </a:extLst>
           </p:cNvPr>
@@ -28375,7 +29298,7 @@
           <p:cNvPr id="7" name="Google Shape;77;p14">
             <a:extLst>
               <a:ext uri="{FF2B5EF4-FFF2-40B4-BE49-F238E27FC236}">
-                <a16:creationId xmlns="" xmlns:a16="http://schemas.microsoft.com/office/drawing/2014/main" id="{FCDA0BCF-7B73-F1F2-4535-2A7D8DF8F9A5}"/>
+                <a16:creationId xmlns:a16="http://schemas.microsoft.com/office/drawing/2014/main" xmlns="" id="{FCDA0BCF-7B73-F1F2-4535-2A7D8DF8F9A5}"/>
               </a:ext>
             </a:extLst>
           </p:cNvPr>
@@ -28409,7 +29332,7 @@
           <p:cNvPr id="8" name="Google Shape;78;p14">
             <a:extLst>
               <a:ext uri="{FF2B5EF4-FFF2-40B4-BE49-F238E27FC236}">
-                <a16:creationId xmlns="" xmlns:a16="http://schemas.microsoft.com/office/drawing/2014/main" id="{0C8F405C-8C7A-9464-2835-C0C6BCE26B6A}"/>
+                <a16:creationId xmlns:a16="http://schemas.microsoft.com/office/drawing/2014/main" xmlns="" id="{0C8F405C-8C7A-9464-2835-C0C6BCE26B6A}"/>
               </a:ext>
             </a:extLst>
           </p:cNvPr>
@@ -28443,7 +29366,7 @@
           <p:cNvPr id="9" name="Google Shape;79;p14">
             <a:extLst>
               <a:ext uri="{FF2B5EF4-FFF2-40B4-BE49-F238E27FC236}">
-                <a16:creationId xmlns="" xmlns:a16="http://schemas.microsoft.com/office/drawing/2014/main" id="{E9EC9C58-B423-E735-B962-72835BD4EE86}"/>
+                <a16:creationId xmlns:a16="http://schemas.microsoft.com/office/drawing/2014/main" xmlns="" id="{E9EC9C58-B423-E735-B962-72835BD4EE86}"/>
               </a:ext>
             </a:extLst>
           </p:cNvPr>
@@ -28477,7 +29400,7 @@
           <p:cNvPr id="10" name="Google Shape;80;p14">
             <a:extLst>
               <a:ext uri="{FF2B5EF4-FFF2-40B4-BE49-F238E27FC236}">
-                <a16:creationId xmlns="" xmlns:a16="http://schemas.microsoft.com/office/drawing/2014/main" id="{BA0DDD85-240E-A853-DC83-F6457C5291E8}"/>
+                <a16:creationId xmlns:a16="http://schemas.microsoft.com/office/drawing/2014/main" xmlns="" id="{BA0DDD85-240E-A853-DC83-F6457C5291E8}"/>
               </a:ext>
             </a:extLst>
           </p:cNvPr>
@@ -28511,7 +29434,7 @@
           <p:cNvPr id="11" name="Google Shape;81;p14">
             <a:extLst>
               <a:ext uri="{FF2B5EF4-FFF2-40B4-BE49-F238E27FC236}">
-                <a16:creationId xmlns="" xmlns:a16="http://schemas.microsoft.com/office/drawing/2014/main" id="{78D0E7F2-A606-3D98-4CE9-4D32A4C0E2C6}"/>
+                <a16:creationId xmlns:a16="http://schemas.microsoft.com/office/drawing/2014/main" xmlns="" id="{78D0E7F2-A606-3D98-4CE9-4D32A4C0E2C6}"/>
               </a:ext>
             </a:extLst>
           </p:cNvPr>
@@ -28545,7 +29468,7 @@
           <p:cNvPr id="12" name="箭头: 五边形 11">
             <a:extLst>
               <a:ext uri="{FF2B5EF4-FFF2-40B4-BE49-F238E27FC236}">
-                <a16:creationId xmlns="" xmlns:a16="http://schemas.microsoft.com/office/drawing/2014/main" id="{E13F04AF-CA49-218E-5AA1-C8D4A89BCA7A}"/>
+                <a16:creationId xmlns:a16="http://schemas.microsoft.com/office/drawing/2014/main" xmlns="" id="{E13F04AF-CA49-218E-5AA1-C8D4A89BCA7A}"/>
               </a:ext>
             </a:extLst>
           </p:cNvPr>
@@ -28592,7 +29515,7 @@
           <p:cNvPr id="13" name="箭头: 五边形 12">
             <a:extLst>
               <a:ext uri="{FF2B5EF4-FFF2-40B4-BE49-F238E27FC236}">
-                <a16:creationId xmlns="" xmlns:a16="http://schemas.microsoft.com/office/drawing/2014/main" id="{05DEB904-DFEB-BAA8-7C26-B72CD611A811}"/>
+                <a16:creationId xmlns:a16="http://schemas.microsoft.com/office/drawing/2014/main" xmlns="" id="{05DEB904-DFEB-BAA8-7C26-B72CD611A811}"/>
               </a:ext>
             </a:extLst>
           </p:cNvPr>
@@ -28648,7 +29571,7 @@
           <p:cNvPr id="14" name="箭头: 五边形 13">
             <a:extLst>
               <a:ext uri="{FF2B5EF4-FFF2-40B4-BE49-F238E27FC236}">
-                <a16:creationId xmlns="" xmlns:a16="http://schemas.microsoft.com/office/drawing/2014/main" id="{FD3B5483-3F50-8FB0-25AC-EC051D3099FB}"/>
+                <a16:creationId xmlns:a16="http://schemas.microsoft.com/office/drawing/2014/main" xmlns="" id="{FD3B5483-3F50-8FB0-25AC-EC051D3099FB}"/>
               </a:ext>
             </a:extLst>
           </p:cNvPr>
@@ -28704,7 +29627,7 @@
           <p:cNvPr id="15" name="箭头: 五边形 14">
             <a:extLst>
               <a:ext uri="{FF2B5EF4-FFF2-40B4-BE49-F238E27FC236}">
-                <a16:creationId xmlns="" xmlns:a16="http://schemas.microsoft.com/office/drawing/2014/main" id="{A43EC445-08DE-C16A-E8F3-A1D64CDC87A4}"/>
+                <a16:creationId xmlns:a16="http://schemas.microsoft.com/office/drawing/2014/main" xmlns="" id="{A43EC445-08DE-C16A-E8F3-A1D64CDC87A4}"/>
               </a:ext>
             </a:extLst>
           </p:cNvPr>
@@ -28760,7 +29683,7 @@
           <p:cNvPr id="16" name="箭头: 五边形 15">
             <a:extLst>
               <a:ext uri="{FF2B5EF4-FFF2-40B4-BE49-F238E27FC236}">
-                <a16:creationId xmlns="" xmlns:a16="http://schemas.microsoft.com/office/drawing/2014/main" id="{B8062128-35C1-DC16-AC2E-34A3B7EFCE5D}"/>
+                <a16:creationId xmlns:a16="http://schemas.microsoft.com/office/drawing/2014/main" xmlns="" id="{B8062128-35C1-DC16-AC2E-34A3B7EFCE5D}"/>
               </a:ext>
             </a:extLst>
           </p:cNvPr>
@@ -28816,7 +29739,7 @@
           <p:cNvPr id="17" name="箭头: 五边形 16">
             <a:extLst>
               <a:ext uri="{FF2B5EF4-FFF2-40B4-BE49-F238E27FC236}">
-                <a16:creationId xmlns="" xmlns:a16="http://schemas.microsoft.com/office/drawing/2014/main" id="{9161E0C4-34BC-E5EF-2DA6-3E4BE128882D}"/>
+                <a16:creationId xmlns:a16="http://schemas.microsoft.com/office/drawing/2014/main" xmlns="" id="{9161E0C4-34BC-E5EF-2DA6-3E4BE128882D}"/>
               </a:ext>
             </a:extLst>
           </p:cNvPr>
@@ -28863,7 +29786,7 @@
           <p:cNvPr id="18" name="箭头: 五边形 17">
             <a:extLst>
               <a:ext uri="{FF2B5EF4-FFF2-40B4-BE49-F238E27FC236}">
-                <a16:creationId xmlns="" xmlns:a16="http://schemas.microsoft.com/office/drawing/2014/main" id="{B14F0095-88A1-E73B-341C-A51D4BF3BCE7}"/>
+                <a16:creationId xmlns:a16="http://schemas.microsoft.com/office/drawing/2014/main" xmlns="" id="{B14F0095-88A1-E73B-341C-A51D4BF3BCE7}"/>
               </a:ext>
             </a:extLst>
           </p:cNvPr>
@@ -28910,7 +29833,7 @@
           <p:cNvPr id="19" name="箭头: 五边形 18">
             <a:extLst>
               <a:ext uri="{FF2B5EF4-FFF2-40B4-BE49-F238E27FC236}">
-                <a16:creationId xmlns="" xmlns:a16="http://schemas.microsoft.com/office/drawing/2014/main" id="{E972E0E3-FC1A-AEDD-7D35-7285E0781540}"/>
+                <a16:creationId xmlns:a16="http://schemas.microsoft.com/office/drawing/2014/main" xmlns="" id="{E972E0E3-FC1A-AEDD-7D35-7285E0781540}"/>
               </a:ext>
             </a:extLst>
           </p:cNvPr>
@@ -28997,7 +29920,7 @@
           <p:cNvPr id="2" name="标题 1">
             <a:extLst>
               <a:ext uri="{FF2B5EF4-FFF2-40B4-BE49-F238E27FC236}">
-                <a16:creationId xmlns="" xmlns:a16="http://schemas.microsoft.com/office/drawing/2014/main" id="{2A9B6C59-89F9-5390-BB77-F8DB7EF7B310}"/>
+                <a16:creationId xmlns:a16="http://schemas.microsoft.com/office/drawing/2014/main" xmlns="" id="{2A9B6C59-89F9-5390-BB77-F8DB7EF7B310}"/>
               </a:ext>
             </a:extLst>
           </p:cNvPr>
@@ -29072,7 +29995,7 @@
           <p:cNvPr id="2" name="标题 1">
             <a:extLst>
               <a:ext uri="{FF2B5EF4-FFF2-40B4-BE49-F238E27FC236}">
-                <a16:creationId xmlns="" xmlns:a16="http://schemas.microsoft.com/office/drawing/2014/main" id="{80796E82-7314-2FBE-2DE8-DDD70D4DF27E}"/>
+                <a16:creationId xmlns:a16="http://schemas.microsoft.com/office/drawing/2014/main" xmlns="" id="{80796E82-7314-2FBE-2DE8-DDD70D4DF27E}"/>
               </a:ext>
             </a:extLst>
           </p:cNvPr>
@@ -29121,7 +30044,7 @@
           <p:cNvPr id="5" name="椭圆 4">
             <a:extLst>
               <a:ext uri="{FF2B5EF4-FFF2-40B4-BE49-F238E27FC236}">
-                <a16:creationId xmlns="" xmlns:a16="http://schemas.microsoft.com/office/drawing/2014/main" id="{A020CC41-9901-5A10-06D8-1F19650A3A6A}"/>
+                <a16:creationId xmlns:a16="http://schemas.microsoft.com/office/drawing/2014/main" xmlns="" id="{A020CC41-9901-5A10-06D8-1F19650A3A6A}"/>
               </a:ext>
             </a:extLst>
           </p:cNvPr>
@@ -29173,7 +30096,7 @@
           <p:cNvPr id="6" name="Google Shape;74;p14">
             <a:extLst>
               <a:ext uri="{FF2B5EF4-FFF2-40B4-BE49-F238E27FC236}">
-                <a16:creationId xmlns="" xmlns:a16="http://schemas.microsoft.com/office/drawing/2014/main" id="{8ABB2948-CF7D-7BD6-14B8-367574244CB2}"/>
+                <a16:creationId xmlns:a16="http://schemas.microsoft.com/office/drawing/2014/main" xmlns="" id="{8ABB2948-CF7D-7BD6-14B8-367574244CB2}"/>
               </a:ext>
             </a:extLst>
           </p:cNvPr>
@@ -29207,7 +30130,7 @@
           <p:cNvPr id="7" name="Google Shape;75;p14">
             <a:extLst>
               <a:ext uri="{FF2B5EF4-FFF2-40B4-BE49-F238E27FC236}">
-                <a16:creationId xmlns="" xmlns:a16="http://schemas.microsoft.com/office/drawing/2014/main" id="{744D1F6B-EBF7-049C-9CBC-D2BD265B8DB5}"/>
+                <a16:creationId xmlns:a16="http://schemas.microsoft.com/office/drawing/2014/main" xmlns="" id="{744D1F6B-EBF7-049C-9CBC-D2BD265B8DB5}"/>
               </a:ext>
             </a:extLst>
           </p:cNvPr>
@@ -29241,7 +30164,7 @@
           <p:cNvPr id="8" name="Google Shape;76;p14">
             <a:extLst>
               <a:ext uri="{FF2B5EF4-FFF2-40B4-BE49-F238E27FC236}">
-                <a16:creationId xmlns="" xmlns:a16="http://schemas.microsoft.com/office/drawing/2014/main" id="{A0604560-830C-4AC9-3717-031AA48B5D45}"/>
+                <a16:creationId xmlns:a16="http://schemas.microsoft.com/office/drawing/2014/main" xmlns="" id="{A0604560-830C-4AC9-3717-031AA48B5D45}"/>
               </a:ext>
             </a:extLst>
           </p:cNvPr>
@@ -29275,7 +30198,7 @@
           <p:cNvPr id="9" name="Google Shape;77;p14">
             <a:extLst>
               <a:ext uri="{FF2B5EF4-FFF2-40B4-BE49-F238E27FC236}">
-                <a16:creationId xmlns="" xmlns:a16="http://schemas.microsoft.com/office/drawing/2014/main" id="{DC03C87C-87BB-A5EB-0D50-DDB31F93A6C2}"/>
+                <a16:creationId xmlns:a16="http://schemas.microsoft.com/office/drawing/2014/main" xmlns="" id="{DC03C87C-87BB-A5EB-0D50-DDB31F93A6C2}"/>
               </a:ext>
             </a:extLst>
           </p:cNvPr>
@@ -29309,7 +30232,7 @@
           <p:cNvPr id="10" name="Google Shape;78;p14">
             <a:extLst>
               <a:ext uri="{FF2B5EF4-FFF2-40B4-BE49-F238E27FC236}">
-                <a16:creationId xmlns="" xmlns:a16="http://schemas.microsoft.com/office/drawing/2014/main" id="{281D3DED-9B64-E88B-FC5F-0C30B82A9484}"/>
+                <a16:creationId xmlns:a16="http://schemas.microsoft.com/office/drawing/2014/main" xmlns="" id="{281D3DED-9B64-E88B-FC5F-0C30B82A9484}"/>
               </a:ext>
             </a:extLst>
           </p:cNvPr>
@@ -29343,7 +30266,7 @@
           <p:cNvPr id="11" name="Google Shape;79;p14">
             <a:extLst>
               <a:ext uri="{FF2B5EF4-FFF2-40B4-BE49-F238E27FC236}">
-                <a16:creationId xmlns="" xmlns:a16="http://schemas.microsoft.com/office/drawing/2014/main" id="{0DAE55E6-D474-C395-BC84-8ACA3CE820A0}"/>
+                <a16:creationId xmlns:a16="http://schemas.microsoft.com/office/drawing/2014/main" xmlns="" id="{0DAE55E6-D474-C395-BC84-8ACA3CE820A0}"/>
               </a:ext>
             </a:extLst>
           </p:cNvPr>
@@ -29377,7 +30300,7 @@
           <p:cNvPr id="12" name="Google Shape;80;p14">
             <a:extLst>
               <a:ext uri="{FF2B5EF4-FFF2-40B4-BE49-F238E27FC236}">
-                <a16:creationId xmlns="" xmlns:a16="http://schemas.microsoft.com/office/drawing/2014/main" id="{3A5AAC50-9F06-A76F-B20B-35CF3612E825}"/>
+                <a16:creationId xmlns:a16="http://schemas.microsoft.com/office/drawing/2014/main" xmlns="" id="{3A5AAC50-9F06-A76F-B20B-35CF3612E825}"/>
               </a:ext>
             </a:extLst>
           </p:cNvPr>
@@ -29411,7 +30334,7 @@
           <p:cNvPr id="13" name="Google Shape;81;p14">
             <a:extLst>
               <a:ext uri="{FF2B5EF4-FFF2-40B4-BE49-F238E27FC236}">
-                <a16:creationId xmlns="" xmlns:a16="http://schemas.microsoft.com/office/drawing/2014/main" id="{F33B3BEC-1095-E464-2D03-703E55B0F8A0}"/>
+                <a16:creationId xmlns:a16="http://schemas.microsoft.com/office/drawing/2014/main" xmlns="" id="{F33B3BEC-1095-E464-2D03-703E55B0F8A0}"/>
               </a:ext>
             </a:extLst>
           </p:cNvPr>
@@ -29445,7 +30368,7 @@
           <p:cNvPr id="14" name="图片 13">
             <a:extLst>
               <a:ext uri="{FF2B5EF4-FFF2-40B4-BE49-F238E27FC236}">
-                <a16:creationId xmlns="" xmlns:a16="http://schemas.microsoft.com/office/drawing/2014/main" id="{A1247C65-E9FE-684D-C577-C3EFF757A026}"/>
+                <a16:creationId xmlns:a16="http://schemas.microsoft.com/office/drawing/2014/main" xmlns="" id="{A1247C65-E9FE-684D-C577-C3EFF757A026}"/>
               </a:ext>
             </a:extLst>
           </p:cNvPr>
@@ -29475,7 +30398,7 @@
           <p:cNvPr id="15" name="图片 14">
             <a:extLst>
               <a:ext uri="{FF2B5EF4-FFF2-40B4-BE49-F238E27FC236}">
-                <a16:creationId xmlns="" xmlns:a16="http://schemas.microsoft.com/office/drawing/2014/main" id="{2E9CE1E3-2135-0036-6AC6-4F023E9FB9FB}"/>
+                <a16:creationId xmlns:a16="http://schemas.microsoft.com/office/drawing/2014/main" xmlns="" id="{2E9CE1E3-2135-0036-6AC6-4F023E9FB9FB}"/>
               </a:ext>
             </a:extLst>
           </p:cNvPr>
@@ -29505,7 +30428,7 @@
           <p:cNvPr id="16" name="图片 15">
             <a:extLst>
               <a:ext uri="{FF2B5EF4-FFF2-40B4-BE49-F238E27FC236}">
-                <a16:creationId xmlns="" xmlns:a16="http://schemas.microsoft.com/office/drawing/2014/main" id="{E105324A-0DF5-3CC5-8FA4-5C776E05B929}"/>
+                <a16:creationId xmlns:a16="http://schemas.microsoft.com/office/drawing/2014/main" xmlns="" id="{E105324A-0DF5-3CC5-8FA4-5C776E05B929}"/>
               </a:ext>
             </a:extLst>
           </p:cNvPr>
@@ -29535,7 +30458,7 @@
           <p:cNvPr id="17" name="图片 16">
             <a:extLst>
               <a:ext uri="{FF2B5EF4-FFF2-40B4-BE49-F238E27FC236}">
-                <a16:creationId xmlns="" xmlns:a16="http://schemas.microsoft.com/office/drawing/2014/main" id="{9B118434-3A73-4D47-C6D6-FBDC473A6E94}"/>
+                <a16:creationId xmlns:a16="http://schemas.microsoft.com/office/drawing/2014/main" xmlns="" id="{9B118434-3A73-4D47-C6D6-FBDC473A6E94}"/>
               </a:ext>
             </a:extLst>
           </p:cNvPr>
@@ -29565,7 +30488,7 @@
           <p:cNvPr id="18" name="图片 17">
             <a:extLst>
               <a:ext uri="{FF2B5EF4-FFF2-40B4-BE49-F238E27FC236}">
-                <a16:creationId xmlns="" xmlns:a16="http://schemas.microsoft.com/office/drawing/2014/main" id="{B4FACCEA-FD77-524D-0769-3E9B324ECE01}"/>
+                <a16:creationId xmlns:a16="http://schemas.microsoft.com/office/drawing/2014/main" xmlns="" id="{B4FACCEA-FD77-524D-0769-3E9B324ECE01}"/>
               </a:ext>
             </a:extLst>
           </p:cNvPr>
@@ -29625,7 +30548,7 @@
           <p:cNvPr id="2" name="标题 1">
             <a:extLst>
               <a:ext uri="{FF2B5EF4-FFF2-40B4-BE49-F238E27FC236}">
-                <a16:creationId xmlns="" xmlns:a16="http://schemas.microsoft.com/office/drawing/2014/main" id="{80796E82-7314-2FBE-2DE8-DDD70D4DF27E}"/>
+                <a16:creationId xmlns:a16="http://schemas.microsoft.com/office/drawing/2014/main" xmlns="" id="{80796E82-7314-2FBE-2DE8-DDD70D4DF27E}"/>
               </a:ext>
             </a:extLst>
           </p:cNvPr>
@@ -29674,7 +30597,7 @@
           <p:cNvPr id="5" name="椭圆 4">
             <a:extLst>
               <a:ext uri="{FF2B5EF4-FFF2-40B4-BE49-F238E27FC236}">
-                <a16:creationId xmlns="" xmlns:a16="http://schemas.microsoft.com/office/drawing/2014/main" id="{A020CC41-9901-5A10-06D8-1F19650A3A6A}"/>
+                <a16:creationId xmlns:a16="http://schemas.microsoft.com/office/drawing/2014/main" xmlns="" id="{A020CC41-9901-5A10-06D8-1F19650A3A6A}"/>
               </a:ext>
             </a:extLst>
           </p:cNvPr>
@@ -29726,7 +30649,7 @@
           <p:cNvPr id="6" name="Google Shape;74;p14">
             <a:extLst>
               <a:ext uri="{FF2B5EF4-FFF2-40B4-BE49-F238E27FC236}">
-                <a16:creationId xmlns="" xmlns:a16="http://schemas.microsoft.com/office/drawing/2014/main" id="{8ABB2948-CF7D-7BD6-14B8-367574244CB2}"/>
+                <a16:creationId xmlns:a16="http://schemas.microsoft.com/office/drawing/2014/main" xmlns="" id="{8ABB2948-CF7D-7BD6-14B8-367574244CB2}"/>
               </a:ext>
             </a:extLst>
           </p:cNvPr>
@@ -29760,7 +30683,7 @@
           <p:cNvPr id="7" name="Google Shape;75;p14">
             <a:extLst>
               <a:ext uri="{FF2B5EF4-FFF2-40B4-BE49-F238E27FC236}">
-                <a16:creationId xmlns="" xmlns:a16="http://schemas.microsoft.com/office/drawing/2014/main" id="{744D1F6B-EBF7-049C-9CBC-D2BD265B8DB5}"/>
+                <a16:creationId xmlns:a16="http://schemas.microsoft.com/office/drawing/2014/main" xmlns="" id="{744D1F6B-EBF7-049C-9CBC-D2BD265B8DB5}"/>
               </a:ext>
             </a:extLst>
           </p:cNvPr>
@@ -29794,7 +30717,7 @@
           <p:cNvPr id="8" name="Google Shape;76;p14">
             <a:extLst>
               <a:ext uri="{FF2B5EF4-FFF2-40B4-BE49-F238E27FC236}">
-                <a16:creationId xmlns="" xmlns:a16="http://schemas.microsoft.com/office/drawing/2014/main" id="{A0604560-830C-4AC9-3717-031AA48B5D45}"/>
+                <a16:creationId xmlns:a16="http://schemas.microsoft.com/office/drawing/2014/main" xmlns="" id="{A0604560-830C-4AC9-3717-031AA48B5D45}"/>
               </a:ext>
             </a:extLst>
           </p:cNvPr>
@@ -29828,7 +30751,7 @@
           <p:cNvPr id="9" name="Google Shape;77;p14">
             <a:extLst>
               <a:ext uri="{FF2B5EF4-FFF2-40B4-BE49-F238E27FC236}">
-                <a16:creationId xmlns="" xmlns:a16="http://schemas.microsoft.com/office/drawing/2014/main" id="{DC03C87C-87BB-A5EB-0D50-DDB31F93A6C2}"/>
+                <a16:creationId xmlns:a16="http://schemas.microsoft.com/office/drawing/2014/main" xmlns="" id="{DC03C87C-87BB-A5EB-0D50-DDB31F93A6C2}"/>
               </a:ext>
             </a:extLst>
           </p:cNvPr>
@@ -29862,7 +30785,7 @@
           <p:cNvPr id="10" name="Google Shape;78;p14">
             <a:extLst>
               <a:ext uri="{FF2B5EF4-FFF2-40B4-BE49-F238E27FC236}">
-                <a16:creationId xmlns="" xmlns:a16="http://schemas.microsoft.com/office/drawing/2014/main" id="{281D3DED-9B64-E88B-FC5F-0C30B82A9484}"/>
+                <a16:creationId xmlns:a16="http://schemas.microsoft.com/office/drawing/2014/main" xmlns="" id="{281D3DED-9B64-E88B-FC5F-0C30B82A9484}"/>
               </a:ext>
             </a:extLst>
           </p:cNvPr>
@@ -29896,7 +30819,7 @@
           <p:cNvPr id="11" name="Google Shape;79;p14">
             <a:extLst>
               <a:ext uri="{FF2B5EF4-FFF2-40B4-BE49-F238E27FC236}">
-                <a16:creationId xmlns="" xmlns:a16="http://schemas.microsoft.com/office/drawing/2014/main" id="{0DAE55E6-D474-C395-BC84-8ACA3CE820A0}"/>
+                <a16:creationId xmlns:a16="http://schemas.microsoft.com/office/drawing/2014/main" xmlns="" id="{0DAE55E6-D474-C395-BC84-8ACA3CE820A0}"/>
               </a:ext>
             </a:extLst>
           </p:cNvPr>
@@ -29930,7 +30853,7 @@
           <p:cNvPr id="12" name="Google Shape;80;p14">
             <a:extLst>
               <a:ext uri="{FF2B5EF4-FFF2-40B4-BE49-F238E27FC236}">
-                <a16:creationId xmlns="" xmlns:a16="http://schemas.microsoft.com/office/drawing/2014/main" id="{3A5AAC50-9F06-A76F-B20B-35CF3612E825}"/>
+                <a16:creationId xmlns:a16="http://schemas.microsoft.com/office/drawing/2014/main" xmlns="" id="{3A5AAC50-9F06-A76F-B20B-35CF3612E825}"/>
               </a:ext>
             </a:extLst>
           </p:cNvPr>
@@ -29964,7 +30887,7 @@
           <p:cNvPr id="13" name="Google Shape;81;p14">
             <a:extLst>
               <a:ext uri="{FF2B5EF4-FFF2-40B4-BE49-F238E27FC236}">
-                <a16:creationId xmlns="" xmlns:a16="http://schemas.microsoft.com/office/drawing/2014/main" id="{F33B3BEC-1095-E464-2D03-703E55B0F8A0}"/>
+                <a16:creationId xmlns:a16="http://schemas.microsoft.com/office/drawing/2014/main" xmlns="" id="{F33B3BEC-1095-E464-2D03-703E55B0F8A0}"/>
               </a:ext>
             </a:extLst>
           </p:cNvPr>
@@ -29998,7 +30921,7 @@
           <p:cNvPr id="14" name="图片 13">
             <a:extLst>
               <a:ext uri="{FF2B5EF4-FFF2-40B4-BE49-F238E27FC236}">
-                <a16:creationId xmlns="" xmlns:a16="http://schemas.microsoft.com/office/drawing/2014/main" id="{A1247C65-E9FE-684D-C577-C3EFF757A026}"/>
+                <a16:creationId xmlns:a16="http://schemas.microsoft.com/office/drawing/2014/main" xmlns="" id="{A1247C65-E9FE-684D-C577-C3EFF757A026}"/>
               </a:ext>
             </a:extLst>
           </p:cNvPr>
@@ -30028,7 +30951,7 @@
           <p:cNvPr id="15" name="图片 14">
             <a:extLst>
               <a:ext uri="{FF2B5EF4-FFF2-40B4-BE49-F238E27FC236}">
-                <a16:creationId xmlns="" xmlns:a16="http://schemas.microsoft.com/office/drawing/2014/main" id="{2E9CE1E3-2135-0036-6AC6-4F023E9FB9FB}"/>
+                <a16:creationId xmlns:a16="http://schemas.microsoft.com/office/drawing/2014/main" xmlns="" id="{2E9CE1E3-2135-0036-6AC6-4F023E9FB9FB}"/>
               </a:ext>
             </a:extLst>
           </p:cNvPr>
@@ -30058,7 +30981,7 @@
           <p:cNvPr id="16" name="图片 15">
             <a:extLst>
               <a:ext uri="{FF2B5EF4-FFF2-40B4-BE49-F238E27FC236}">
-                <a16:creationId xmlns="" xmlns:a16="http://schemas.microsoft.com/office/drawing/2014/main" id="{E105324A-0DF5-3CC5-8FA4-5C776E05B929}"/>
+                <a16:creationId xmlns:a16="http://schemas.microsoft.com/office/drawing/2014/main" xmlns="" id="{E105324A-0DF5-3CC5-8FA4-5C776E05B929}"/>
               </a:ext>
             </a:extLst>
           </p:cNvPr>
@@ -30088,7 +31011,7 @@
           <p:cNvPr id="17" name="图片 16">
             <a:extLst>
               <a:ext uri="{FF2B5EF4-FFF2-40B4-BE49-F238E27FC236}">
-                <a16:creationId xmlns="" xmlns:a16="http://schemas.microsoft.com/office/drawing/2014/main" id="{9B118434-3A73-4D47-C6D6-FBDC473A6E94}"/>
+                <a16:creationId xmlns:a16="http://schemas.microsoft.com/office/drawing/2014/main" xmlns="" id="{9B118434-3A73-4D47-C6D6-FBDC473A6E94}"/>
               </a:ext>
             </a:extLst>
           </p:cNvPr>
@@ -30118,7 +31041,7 @@
           <p:cNvPr id="18" name="图片 17">
             <a:extLst>
               <a:ext uri="{FF2B5EF4-FFF2-40B4-BE49-F238E27FC236}">
-                <a16:creationId xmlns="" xmlns:a16="http://schemas.microsoft.com/office/drawing/2014/main" id="{B4FACCEA-FD77-524D-0769-3E9B324ECE01}"/>
+                <a16:creationId xmlns:a16="http://schemas.microsoft.com/office/drawing/2014/main" xmlns="" id="{B4FACCEA-FD77-524D-0769-3E9B324ECE01}"/>
               </a:ext>
             </a:extLst>
           </p:cNvPr>
@@ -30148,7 +31071,7 @@
           <p:cNvPr id="19" name="Google Shape;87;p14">
             <a:extLst>
               <a:ext uri="{FF2B5EF4-FFF2-40B4-BE49-F238E27FC236}">
-                <a16:creationId xmlns="" xmlns:a16="http://schemas.microsoft.com/office/drawing/2014/main" id="{D5F99ADA-5751-0003-A146-8C3479B5FA29}"/>
+                <a16:creationId xmlns:a16="http://schemas.microsoft.com/office/drawing/2014/main" xmlns="" id="{D5F99ADA-5751-0003-A146-8C3479B5FA29}"/>
               </a:ext>
             </a:extLst>
           </p:cNvPr>
@@ -30182,7 +31105,7 @@
           <p:cNvPr id="21" name="Google Shape;87;p14">
             <a:extLst>
               <a:ext uri="{FF2B5EF4-FFF2-40B4-BE49-F238E27FC236}">
-                <a16:creationId xmlns="" xmlns:a16="http://schemas.microsoft.com/office/drawing/2014/main" id="{90F13ACB-01F8-F61D-B504-33D42F0F054E}"/>
+                <a16:creationId xmlns:a16="http://schemas.microsoft.com/office/drawing/2014/main" xmlns="" id="{90F13ACB-01F8-F61D-B504-33D42F0F054E}"/>
               </a:ext>
             </a:extLst>
           </p:cNvPr>
@@ -30216,7 +31139,7 @@
           <p:cNvPr id="24" name="Google Shape;85;p14">
             <a:extLst>
               <a:ext uri="{FF2B5EF4-FFF2-40B4-BE49-F238E27FC236}">
-                <a16:creationId xmlns="" xmlns:a16="http://schemas.microsoft.com/office/drawing/2014/main" id="{8498F254-73E8-BE24-4CFC-E75E188DD02A}"/>
+                <a16:creationId xmlns:a16="http://schemas.microsoft.com/office/drawing/2014/main" xmlns="" id="{8498F254-73E8-BE24-4CFC-E75E188DD02A}"/>
               </a:ext>
             </a:extLst>
           </p:cNvPr>
@@ -30257,7 +31180,7 @@
           <p:cNvPr id="25" name="Google Shape;85;p14">
             <a:extLst>
               <a:ext uri="{FF2B5EF4-FFF2-40B4-BE49-F238E27FC236}">
-                <a16:creationId xmlns="" xmlns:a16="http://schemas.microsoft.com/office/drawing/2014/main" id="{5C78CA6E-6DFC-515D-2D93-7149CE8D13F3}"/>
+                <a16:creationId xmlns:a16="http://schemas.microsoft.com/office/drawing/2014/main" xmlns="" id="{5C78CA6E-6DFC-515D-2D93-7149CE8D13F3}"/>
               </a:ext>
             </a:extLst>
           </p:cNvPr>
@@ -30298,7 +31221,7 @@
           <p:cNvPr id="26" name="Google Shape;90;p14">
             <a:extLst>
               <a:ext uri="{FF2B5EF4-FFF2-40B4-BE49-F238E27FC236}">
-                <a16:creationId xmlns="" xmlns:a16="http://schemas.microsoft.com/office/drawing/2014/main" id="{70D7F9C8-3F19-0671-CC95-0C6FF2D659F6}"/>
+                <a16:creationId xmlns:a16="http://schemas.microsoft.com/office/drawing/2014/main" xmlns="" id="{70D7F9C8-3F19-0671-CC95-0C6FF2D659F6}"/>
               </a:ext>
             </a:extLst>
           </p:cNvPr>
@@ -30332,7 +31255,7 @@
           <p:cNvPr id="27" name="Google Shape;83;p14">
             <a:extLst>
               <a:ext uri="{FF2B5EF4-FFF2-40B4-BE49-F238E27FC236}">
-                <a16:creationId xmlns="" xmlns:a16="http://schemas.microsoft.com/office/drawing/2014/main" id="{7612AD67-07A2-FFEB-0DE5-F90CDC1B4A5C}"/>
+                <a16:creationId xmlns:a16="http://schemas.microsoft.com/office/drawing/2014/main" xmlns="" id="{7612AD67-07A2-FFEB-0DE5-F90CDC1B4A5C}"/>
               </a:ext>
             </a:extLst>
           </p:cNvPr>
@@ -30377,7 +31300,7 @@
           <p:cNvPr id="28" name="Google Shape;83;p14">
             <a:extLst>
               <a:ext uri="{FF2B5EF4-FFF2-40B4-BE49-F238E27FC236}">
-                <a16:creationId xmlns="" xmlns:a16="http://schemas.microsoft.com/office/drawing/2014/main" id="{8DAAC8FF-3497-68B4-671F-222AE70DDC00}"/>
+                <a16:creationId xmlns:a16="http://schemas.microsoft.com/office/drawing/2014/main" xmlns="" id="{8DAAC8FF-3497-68B4-671F-222AE70DDC00}"/>
               </a:ext>
             </a:extLst>
           </p:cNvPr>
@@ -30422,7 +31345,7 @@
           <p:cNvPr id="29" name="矩形 28">
             <a:extLst>
               <a:ext uri="{FF2B5EF4-FFF2-40B4-BE49-F238E27FC236}">
-                <a16:creationId xmlns="" xmlns:a16="http://schemas.microsoft.com/office/drawing/2014/main" id="{F5D95F4C-2AC2-CBDE-25EE-8B0D5572C4DD}"/>
+                <a16:creationId xmlns:a16="http://schemas.microsoft.com/office/drawing/2014/main" xmlns="" id="{F5D95F4C-2AC2-CBDE-25EE-8B0D5572C4DD}"/>
               </a:ext>
             </a:extLst>
           </p:cNvPr>
@@ -30473,7 +31396,7 @@
           <p:cNvPr id="30" name="文本框 29">
             <a:extLst>
               <a:ext uri="{FF2B5EF4-FFF2-40B4-BE49-F238E27FC236}">
-                <a16:creationId xmlns="" xmlns:a16="http://schemas.microsoft.com/office/drawing/2014/main" id="{02CD6288-94AE-B133-56AB-163E634896EC}"/>
+                <a16:creationId xmlns:a16="http://schemas.microsoft.com/office/drawing/2014/main" xmlns="" id="{02CD6288-94AE-B133-56AB-163E634896EC}"/>
               </a:ext>
             </a:extLst>
           </p:cNvPr>
@@ -30547,7 +31470,7 @@
           <p:cNvPr id="2" name="标题 1">
             <a:extLst>
               <a:ext uri="{FF2B5EF4-FFF2-40B4-BE49-F238E27FC236}">
-                <a16:creationId xmlns="" xmlns:a16="http://schemas.microsoft.com/office/drawing/2014/main" id="{80796E82-7314-2FBE-2DE8-DDD70D4DF27E}"/>
+                <a16:creationId xmlns:a16="http://schemas.microsoft.com/office/drawing/2014/main" xmlns="" id="{80796E82-7314-2FBE-2DE8-DDD70D4DF27E}"/>
               </a:ext>
             </a:extLst>
           </p:cNvPr>
@@ -30596,7 +31519,7 @@
           <p:cNvPr id="5" name="椭圆 4">
             <a:extLst>
               <a:ext uri="{FF2B5EF4-FFF2-40B4-BE49-F238E27FC236}">
-                <a16:creationId xmlns="" xmlns:a16="http://schemas.microsoft.com/office/drawing/2014/main" id="{A020CC41-9901-5A10-06D8-1F19650A3A6A}"/>
+                <a16:creationId xmlns:a16="http://schemas.microsoft.com/office/drawing/2014/main" xmlns="" id="{A020CC41-9901-5A10-06D8-1F19650A3A6A}"/>
               </a:ext>
             </a:extLst>
           </p:cNvPr>
@@ -30648,7 +31571,7 @@
           <p:cNvPr id="6" name="Google Shape;74;p14">
             <a:extLst>
               <a:ext uri="{FF2B5EF4-FFF2-40B4-BE49-F238E27FC236}">
-                <a16:creationId xmlns="" xmlns:a16="http://schemas.microsoft.com/office/drawing/2014/main" id="{8ABB2948-CF7D-7BD6-14B8-367574244CB2}"/>
+                <a16:creationId xmlns:a16="http://schemas.microsoft.com/office/drawing/2014/main" xmlns="" id="{8ABB2948-CF7D-7BD6-14B8-367574244CB2}"/>
               </a:ext>
             </a:extLst>
           </p:cNvPr>
@@ -30682,7 +31605,7 @@
           <p:cNvPr id="7" name="Google Shape;75;p14">
             <a:extLst>
               <a:ext uri="{FF2B5EF4-FFF2-40B4-BE49-F238E27FC236}">
-                <a16:creationId xmlns="" xmlns:a16="http://schemas.microsoft.com/office/drawing/2014/main" id="{744D1F6B-EBF7-049C-9CBC-D2BD265B8DB5}"/>
+                <a16:creationId xmlns:a16="http://schemas.microsoft.com/office/drawing/2014/main" xmlns="" id="{744D1F6B-EBF7-049C-9CBC-D2BD265B8DB5}"/>
               </a:ext>
             </a:extLst>
           </p:cNvPr>
@@ -30716,7 +31639,7 @@
           <p:cNvPr id="8" name="Google Shape;76;p14">
             <a:extLst>
               <a:ext uri="{FF2B5EF4-FFF2-40B4-BE49-F238E27FC236}">
-                <a16:creationId xmlns="" xmlns:a16="http://schemas.microsoft.com/office/drawing/2014/main" id="{A0604560-830C-4AC9-3717-031AA48B5D45}"/>
+                <a16:creationId xmlns:a16="http://schemas.microsoft.com/office/drawing/2014/main" xmlns="" id="{A0604560-830C-4AC9-3717-031AA48B5D45}"/>
               </a:ext>
             </a:extLst>
           </p:cNvPr>
@@ -30750,7 +31673,7 @@
           <p:cNvPr id="9" name="Google Shape;77;p14">
             <a:extLst>
               <a:ext uri="{FF2B5EF4-FFF2-40B4-BE49-F238E27FC236}">
-                <a16:creationId xmlns="" xmlns:a16="http://schemas.microsoft.com/office/drawing/2014/main" id="{DC03C87C-87BB-A5EB-0D50-DDB31F93A6C2}"/>
+                <a16:creationId xmlns:a16="http://schemas.microsoft.com/office/drawing/2014/main" xmlns="" id="{DC03C87C-87BB-A5EB-0D50-DDB31F93A6C2}"/>
               </a:ext>
             </a:extLst>
           </p:cNvPr>
@@ -30784,7 +31707,7 @@
           <p:cNvPr id="10" name="Google Shape;78;p14">
             <a:extLst>
               <a:ext uri="{FF2B5EF4-FFF2-40B4-BE49-F238E27FC236}">
-                <a16:creationId xmlns="" xmlns:a16="http://schemas.microsoft.com/office/drawing/2014/main" id="{281D3DED-9B64-E88B-FC5F-0C30B82A9484}"/>
+                <a16:creationId xmlns:a16="http://schemas.microsoft.com/office/drawing/2014/main" xmlns="" id="{281D3DED-9B64-E88B-FC5F-0C30B82A9484}"/>
               </a:ext>
             </a:extLst>
           </p:cNvPr>
@@ -30818,7 +31741,7 @@
           <p:cNvPr id="11" name="Google Shape;79;p14">
             <a:extLst>
               <a:ext uri="{FF2B5EF4-FFF2-40B4-BE49-F238E27FC236}">
-                <a16:creationId xmlns="" xmlns:a16="http://schemas.microsoft.com/office/drawing/2014/main" id="{0DAE55E6-D474-C395-BC84-8ACA3CE820A0}"/>
+                <a16:creationId xmlns:a16="http://schemas.microsoft.com/office/drawing/2014/main" xmlns="" id="{0DAE55E6-D474-C395-BC84-8ACA3CE820A0}"/>
               </a:ext>
             </a:extLst>
           </p:cNvPr>
@@ -30852,7 +31775,7 @@
           <p:cNvPr id="12" name="Google Shape;80;p14">
             <a:extLst>
               <a:ext uri="{FF2B5EF4-FFF2-40B4-BE49-F238E27FC236}">
-                <a16:creationId xmlns="" xmlns:a16="http://schemas.microsoft.com/office/drawing/2014/main" id="{3A5AAC50-9F06-A76F-B20B-35CF3612E825}"/>
+                <a16:creationId xmlns:a16="http://schemas.microsoft.com/office/drawing/2014/main" xmlns="" id="{3A5AAC50-9F06-A76F-B20B-35CF3612E825}"/>
               </a:ext>
             </a:extLst>
           </p:cNvPr>
@@ -30886,7 +31809,7 @@
           <p:cNvPr id="13" name="Google Shape;81;p14">
             <a:extLst>
               <a:ext uri="{FF2B5EF4-FFF2-40B4-BE49-F238E27FC236}">
-                <a16:creationId xmlns="" xmlns:a16="http://schemas.microsoft.com/office/drawing/2014/main" id="{F33B3BEC-1095-E464-2D03-703E55B0F8A0}"/>
+                <a16:creationId xmlns:a16="http://schemas.microsoft.com/office/drawing/2014/main" xmlns="" id="{F33B3BEC-1095-E464-2D03-703E55B0F8A0}"/>
               </a:ext>
             </a:extLst>
           </p:cNvPr>
@@ -30920,7 +31843,7 @@
           <p:cNvPr id="19" name="Google Shape;87;p14">
             <a:extLst>
               <a:ext uri="{FF2B5EF4-FFF2-40B4-BE49-F238E27FC236}">
-                <a16:creationId xmlns="" xmlns:a16="http://schemas.microsoft.com/office/drawing/2014/main" id="{D5F99ADA-5751-0003-A146-8C3479B5FA29}"/>
+                <a16:creationId xmlns:a16="http://schemas.microsoft.com/office/drawing/2014/main" xmlns="" id="{D5F99ADA-5751-0003-A146-8C3479B5FA29}"/>
               </a:ext>
             </a:extLst>
           </p:cNvPr>
@@ -30954,7 +31877,7 @@
           <p:cNvPr id="24" name="Google Shape;85;p14">
             <a:extLst>
               <a:ext uri="{FF2B5EF4-FFF2-40B4-BE49-F238E27FC236}">
-                <a16:creationId xmlns="" xmlns:a16="http://schemas.microsoft.com/office/drawing/2014/main" id="{8498F254-73E8-BE24-4CFC-E75E188DD02A}"/>
+                <a16:creationId xmlns:a16="http://schemas.microsoft.com/office/drawing/2014/main" xmlns="" id="{8498F254-73E8-BE24-4CFC-E75E188DD02A}"/>
               </a:ext>
             </a:extLst>
           </p:cNvPr>
@@ -30995,7 +31918,7 @@
           <p:cNvPr id="21" name="Google Shape;87;p14">
             <a:extLst>
               <a:ext uri="{FF2B5EF4-FFF2-40B4-BE49-F238E27FC236}">
-                <a16:creationId xmlns="" xmlns:a16="http://schemas.microsoft.com/office/drawing/2014/main" id="{90F13ACB-01F8-F61D-B504-33D42F0F054E}"/>
+                <a16:creationId xmlns:a16="http://schemas.microsoft.com/office/drawing/2014/main" xmlns="" id="{90F13ACB-01F8-F61D-B504-33D42F0F054E}"/>
               </a:ext>
             </a:extLst>
           </p:cNvPr>
@@ -31029,7 +31952,7 @@
           <p:cNvPr id="25" name="Google Shape;85;p14">
             <a:extLst>
               <a:ext uri="{FF2B5EF4-FFF2-40B4-BE49-F238E27FC236}">
-                <a16:creationId xmlns="" xmlns:a16="http://schemas.microsoft.com/office/drawing/2014/main" id="{5C78CA6E-6DFC-515D-2D93-7149CE8D13F3}"/>
+                <a16:creationId xmlns:a16="http://schemas.microsoft.com/office/drawing/2014/main" xmlns="" id="{5C78CA6E-6DFC-515D-2D93-7149CE8D13F3}"/>
               </a:ext>
             </a:extLst>
           </p:cNvPr>
@@ -31070,7 +31993,7 @@
           <p:cNvPr id="26" name="Google Shape;90;p14">
             <a:extLst>
               <a:ext uri="{FF2B5EF4-FFF2-40B4-BE49-F238E27FC236}">
-                <a16:creationId xmlns="" xmlns:a16="http://schemas.microsoft.com/office/drawing/2014/main" id="{70D7F9C8-3F19-0671-CC95-0C6FF2D659F6}"/>
+                <a16:creationId xmlns:a16="http://schemas.microsoft.com/office/drawing/2014/main" xmlns="" id="{70D7F9C8-3F19-0671-CC95-0C6FF2D659F6}"/>
               </a:ext>
             </a:extLst>
           </p:cNvPr>
@@ -31104,7 +32027,7 @@
           <p:cNvPr id="27" name="Google Shape;100;p14">
             <a:extLst>
               <a:ext uri="{FF2B5EF4-FFF2-40B4-BE49-F238E27FC236}">
-                <a16:creationId xmlns="" xmlns:a16="http://schemas.microsoft.com/office/drawing/2014/main" id="{F8A7C898-9B48-9B98-9416-6CC35654182E}"/>
+                <a16:creationId xmlns:a16="http://schemas.microsoft.com/office/drawing/2014/main" xmlns="" id="{F8A7C898-9B48-9B98-9416-6CC35654182E}"/>
               </a:ext>
             </a:extLst>
           </p:cNvPr>
@@ -31147,7 +32070,7 @@
           <p:cNvPr id="28" name="Google Shape;100;p14">
             <a:extLst>
               <a:ext uri="{FF2B5EF4-FFF2-40B4-BE49-F238E27FC236}">
-                <a16:creationId xmlns="" xmlns:a16="http://schemas.microsoft.com/office/drawing/2014/main" id="{3EA7DA9C-7016-E18A-3815-E4ABF57833E3}"/>
+                <a16:creationId xmlns:a16="http://schemas.microsoft.com/office/drawing/2014/main" xmlns="" id="{3EA7DA9C-7016-E18A-3815-E4ABF57833E3}"/>
               </a:ext>
             </a:extLst>
           </p:cNvPr>
@@ -31190,7 +32113,7 @@
           <p:cNvPr id="29" name="Google Shape;100;p14">
             <a:extLst>
               <a:ext uri="{FF2B5EF4-FFF2-40B4-BE49-F238E27FC236}">
-                <a16:creationId xmlns="" xmlns:a16="http://schemas.microsoft.com/office/drawing/2014/main" id="{A17C1FA6-D0D2-529D-9879-E520D1CE77D6}"/>
+                <a16:creationId xmlns:a16="http://schemas.microsoft.com/office/drawing/2014/main" xmlns="" id="{A17C1FA6-D0D2-529D-9879-E520D1CE77D6}"/>
               </a:ext>
             </a:extLst>
           </p:cNvPr>
@@ -31233,7 +32156,7 @@
           <p:cNvPr id="30" name="Google Shape;100;p14">
             <a:extLst>
               <a:ext uri="{FF2B5EF4-FFF2-40B4-BE49-F238E27FC236}">
-                <a16:creationId xmlns="" xmlns:a16="http://schemas.microsoft.com/office/drawing/2014/main" id="{04D7ED66-035D-0386-E0EE-BA6FE024830F}"/>
+                <a16:creationId xmlns:a16="http://schemas.microsoft.com/office/drawing/2014/main" xmlns="" id="{04D7ED66-035D-0386-E0EE-BA6FE024830F}"/>
               </a:ext>
             </a:extLst>
           </p:cNvPr>
@@ -31276,7 +32199,7 @@
           <p:cNvPr id="31" name="Google Shape;100;p14">
             <a:extLst>
               <a:ext uri="{FF2B5EF4-FFF2-40B4-BE49-F238E27FC236}">
-                <a16:creationId xmlns="" xmlns:a16="http://schemas.microsoft.com/office/drawing/2014/main" id="{C7775653-CC84-E4C0-151C-20531BC61B52}"/>
+                <a16:creationId xmlns:a16="http://schemas.microsoft.com/office/drawing/2014/main" xmlns="" id="{C7775653-CC84-E4C0-151C-20531BC61B52}"/>
               </a:ext>
             </a:extLst>
           </p:cNvPr>
@@ -31319,7 +32242,7 @@
           <p:cNvPr id="33" name="Google Shape;83;p14">
             <a:extLst>
               <a:ext uri="{FF2B5EF4-FFF2-40B4-BE49-F238E27FC236}">
-                <a16:creationId xmlns="" xmlns:a16="http://schemas.microsoft.com/office/drawing/2014/main" id="{BC3B66DE-CAB4-4145-73F1-EC5796C670B2}"/>
+                <a16:creationId xmlns:a16="http://schemas.microsoft.com/office/drawing/2014/main" xmlns="" id="{BC3B66DE-CAB4-4145-73F1-EC5796C670B2}"/>
               </a:ext>
             </a:extLst>
           </p:cNvPr>
@@ -31364,7 +32287,7 @@
           <p:cNvPr id="32" name="Google Shape;83;p14">
             <a:extLst>
               <a:ext uri="{FF2B5EF4-FFF2-40B4-BE49-F238E27FC236}">
-                <a16:creationId xmlns="" xmlns:a16="http://schemas.microsoft.com/office/drawing/2014/main" id="{D89174EE-20E3-9DC6-DAF2-2B277BF0CA73}"/>
+                <a16:creationId xmlns:a16="http://schemas.microsoft.com/office/drawing/2014/main" xmlns="" id="{D89174EE-20E3-9DC6-DAF2-2B277BF0CA73}"/>
               </a:ext>
             </a:extLst>
           </p:cNvPr>
@@ -31409,7 +32332,7 @@
           <p:cNvPr id="15" name="图片 14">
             <a:extLst>
               <a:ext uri="{FF2B5EF4-FFF2-40B4-BE49-F238E27FC236}">
-                <a16:creationId xmlns="" xmlns:a16="http://schemas.microsoft.com/office/drawing/2014/main" id="{2E9CE1E3-2135-0036-6AC6-4F023E9FB9FB}"/>
+                <a16:creationId xmlns:a16="http://schemas.microsoft.com/office/drawing/2014/main" xmlns="" id="{2E9CE1E3-2135-0036-6AC6-4F023E9FB9FB}"/>
               </a:ext>
             </a:extLst>
           </p:cNvPr>
@@ -31439,7 +32362,7 @@
           <p:cNvPr id="18" name="图片 17">
             <a:extLst>
               <a:ext uri="{FF2B5EF4-FFF2-40B4-BE49-F238E27FC236}">
-                <a16:creationId xmlns="" xmlns:a16="http://schemas.microsoft.com/office/drawing/2014/main" id="{B4FACCEA-FD77-524D-0769-3E9B324ECE01}"/>
+                <a16:creationId xmlns:a16="http://schemas.microsoft.com/office/drawing/2014/main" xmlns="" id="{B4FACCEA-FD77-524D-0769-3E9B324ECE01}"/>
               </a:ext>
             </a:extLst>
           </p:cNvPr>
@@ -31469,7 +32392,7 @@
           <p:cNvPr id="16" name="图片 15">
             <a:extLst>
               <a:ext uri="{FF2B5EF4-FFF2-40B4-BE49-F238E27FC236}">
-                <a16:creationId xmlns="" xmlns:a16="http://schemas.microsoft.com/office/drawing/2014/main" id="{E105324A-0DF5-3CC5-8FA4-5C776E05B929}"/>
+                <a16:creationId xmlns:a16="http://schemas.microsoft.com/office/drawing/2014/main" xmlns="" id="{E105324A-0DF5-3CC5-8FA4-5C776E05B929}"/>
               </a:ext>
             </a:extLst>
           </p:cNvPr>
@@ -31499,7 +32422,7 @@
           <p:cNvPr id="14" name="图片 13">
             <a:extLst>
               <a:ext uri="{FF2B5EF4-FFF2-40B4-BE49-F238E27FC236}">
-                <a16:creationId xmlns="" xmlns:a16="http://schemas.microsoft.com/office/drawing/2014/main" id="{A1247C65-E9FE-684D-C577-C3EFF757A026}"/>
+                <a16:creationId xmlns:a16="http://schemas.microsoft.com/office/drawing/2014/main" xmlns="" id="{A1247C65-E9FE-684D-C577-C3EFF757A026}"/>
               </a:ext>
             </a:extLst>
           </p:cNvPr>
@@ -31529,7 +32452,7 @@
           <p:cNvPr id="17" name="图片 16">
             <a:extLst>
               <a:ext uri="{FF2B5EF4-FFF2-40B4-BE49-F238E27FC236}">
-                <a16:creationId xmlns="" xmlns:a16="http://schemas.microsoft.com/office/drawing/2014/main" id="{9B118434-3A73-4D47-C6D6-FBDC473A6E94}"/>
+                <a16:creationId xmlns:a16="http://schemas.microsoft.com/office/drawing/2014/main" xmlns="" id="{9B118434-3A73-4D47-C6D6-FBDC473A6E94}"/>
               </a:ext>
             </a:extLst>
           </p:cNvPr>

--- a/Graphic Presentation.pptx
+++ b/Graphic Presentation.pptx
@@ -234,7 +234,7 @@
           <a:p>
             <a:fld id="{93FFD0A6-741C-4C59-A922-D8D610EF6968}" type="datetimeFigureOut">
               <a:rPr lang="zh-CN" altLang="en-US" smtClean="0"/>
-              <a:t>2022/10/8</a:t>
+              <a:t>2022/10/25</a:t>
             </a:fld>
             <a:endParaRPr lang="zh-CN" altLang="en-US"/>
           </a:p>
@@ -632,7 +632,7 @@
           <p:cNvPr id="2" name="标题 1">
             <a:extLst>
               <a:ext uri="{FF2B5EF4-FFF2-40B4-BE49-F238E27FC236}">
-                <a16:creationId xmlns:a16="http://schemas.microsoft.com/office/drawing/2014/main" xmlns="" id="{4C529C05-6993-E374-2DE2-7EC1B69BA1EE}"/>
+                <a16:creationId xmlns:a16="http://schemas.microsoft.com/office/drawing/2014/main" id="{4C529C05-6993-E374-2DE2-7EC1B69BA1EE}"/>
               </a:ext>
             </a:extLst>
           </p:cNvPr>
@@ -669,7 +669,7 @@
           <p:cNvPr id="3" name="副标题 2">
             <a:extLst>
               <a:ext uri="{FF2B5EF4-FFF2-40B4-BE49-F238E27FC236}">
-                <a16:creationId xmlns:a16="http://schemas.microsoft.com/office/drawing/2014/main" xmlns="" id="{8D685AB2-71E0-83AD-E648-EA31522F89AA}"/>
+                <a16:creationId xmlns:a16="http://schemas.microsoft.com/office/drawing/2014/main" id="{8D685AB2-71E0-83AD-E648-EA31522F89AA}"/>
               </a:ext>
             </a:extLst>
           </p:cNvPr>
@@ -739,7 +739,7 @@
           <p:cNvPr id="4" name="日期占位符 3">
             <a:extLst>
               <a:ext uri="{FF2B5EF4-FFF2-40B4-BE49-F238E27FC236}">
-                <a16:creationId xmlns:a16="http://schemas.microsoft.com/office/drawing/2014/main" xmlns="" id="{C45A1BBE-92AA-97BD-9EDC-AF0FF54A8CA6}"/>
+                <a16:creationId xmlns:a16="http://schemas.microsoft.com/office/drawing/2014/main" id="{C45A1BBE-92AA-97BD-9EDC-AF0FF54A8CA6}"/>
               </a:ext>
             </a:extLst>
           </p:cNvPr>
@@ -757,7 +757,7 @@
           <a:p>
             <a:fld id="{BA054789-EACE-4F0B-85CE-A0AE8F37913A}" type="datetimeFigureOut">
               <a:rPr lang="zh-CN" altLang="en-US" smtClean="0"/>
-              <a:t>2022/10/8</a:t>
+              <a:t>2022/10/25</a:t>
             </a:fld>
             <a:endParaRPr lang="zh-CN" altLang="en-US"/>
           </a:p>
@@ -768,7 +768,7 @@
           <p:cNvPr id="5" name="页脚占位符 4">
             <a:extLst>
               <a:ext uri="{FF2B5EF4-FFF2-40B4-BE49-F238E27FC236}">
-                <a16:creationId xmlns:a16="http://schemas.microsoft.com/office/drawing/2014/main" xmlns="" id="{E277CA1F-C9EC-9993-71F1-866A8154ED53}"/>
+                <a16:creationId xmlns:a16="http://schemas.microsoft.com/office/drawing/2014/main" id="{E277CA1F-C9EC-9993-71F1-866A8154ED53}"/>
               </a:ext>
             </a:extLst>
           </p:cNvPr>
@@ -793,7 +793,7 @@
           <p:cNvPr id="6" name="灯片编号占位符 5">
             <a:extLst>
               <a:ext uri="{FF2B5EF4-FFF2-40B4-BE49-F238E27FC236}">
-                <a16:creationId xmlns:a16="http://schemas.microsoft.com/office/drawing/2014/main" xmlns="" id="{0922099B-A7A5-E88B-B7B1-0425B195CADF}"/>
+                <a16:creationId xmlns:a16="http://schemas.microsoft.com/office/drawing/2014/main" id="{0922099B-A7A5-E88B-B7B1-0425B195CADF}"/>
               </a:ext>
             </a:extLst>
           </p:cNvPr>
@@ -852,7 +852,7 @@
           <p:cNvPr id="2" name="标题 1">
             <a:extLst>
               <a:ext uri="{FF2B5EF4-FFF2-40B4-BE49-F238E27FC236}">
-                <a16:creationId xmlns:a16="http://schemas.microsoft.com/office/drawing/2014/main" xmlns="" id="{4F5DFE4F-2322-BE5D-1ACB-D8FCEDC42378}"/>
+                <a16:creationId xmlns:a16="http://schemas.microsoft.com/office/drawing/2014/main" id="{4F5DFE4F-2322-BE5D-1ACB-D8FCEDC42378}"/>
               </a:ext>
             </a:extLst>
           </p:cNvPr>
@@ -880,7 +880,7 @@
           <p:cNvPr id="3" name="竖排文字占位符 2">
             <a:extLst>
               <a:ext uri="{FF2B5EF4-FFF2-40B4-BE49-F238E27FC236}">
-                <a16:creationId xmlns:a16="http://schemas.microsoft.com/office/drawing/2014/main" xmlns="" id="{8088D73B-E816-C321-246D-CD37EBC9C0AB}"/>
+                <a16:creationId xmlns:a16="http://schemas.microsoft.com/office/drawing/2014/main" id="{8088D73B-E816-C321-246D-CD37EBC9C0AB}"/>
               </a:ext>
             </a:extLst>
           </p:cNvPr>
@@ -937,7 +937,7 @@
           <p:cNvPr id="4" name="日期占位符 3">
             <a:extLst>
               <a:ext uri="{FF2B5EF4-FFF2-40B4-BE49-F238E27FC236}">
-                <a16:creationId xmlns:a16="http://schemas.microsoft.com/office/drawing/2014/main" xmlns="" id="{8DECFDC4-0E3F-9145-8C63-E9FFF453FFAB}"/>
+                <a16:creationId xmlns:a16="http://schemas.microsoft.com/office/drawing/2014/main" id="{8DECFDC4-0E3F-9145-8C63-E9FFF453FFAB}"/>
               </a:ext>
             </a:extLst>
           </p:cNvPr>
@@ -955,7 +955,7 @@
           <a:p>
             <a:fld id="{BA054789-EACE-4F0B-85CE-A0AE8F37913A}" type="datetimeFigureOut">
               <a:rPr lang="zh-CN" altLang="en-US" smtClean="0"/>
-              <a:t>2022/10/8</a:t>
+              <a:t>2022/10/25</a:t>
             </a:fld>
             <a:endParaRPr lang="zh-CN" altLang="en-US"/>
           </a:p>
@@ -966,7 +966,7 @@
           <p:cNvPr id="5" name="页脚占位符 4">
             <a:extLst>
               <a:ext uri="{FF2B5EF4-FFF2-40B4-BE49-F238E27FC236}">
-                <a16:creationId xmlns:a16="http://schemas.microsoft.com/office/drawing/2014/main" xmlns="" id="{A3D62DD7-5525-B4BA-AA03-25FF4C0403A6}"/>
+                <a16:creationId xmlns:a16="http://schemas.microsoft.com/office/drawing/2014/main" id="{A3D62DD7-5525-B4BA-AA03-25FF4C0403A6}"/>
               </a:ext>
             </a:extLst>
           </p:cNvPr>
@@ -991,7 +991,7 @@
           <p:cNvPr id="6" name="灯片编号占位符 5">
             <a:extLst>
               <a:ext uri="{FF2B5EF4-FFF2-40B4-BE49-F238E27FC236}">
-                <a16:creationId xmlns:a16="http://schemas.microsoft.com/office/drawing/2014/main" xmlns="" id="{98F7AC82-750A-6BA1-A70D-D2E8ED618DE1}"/>
+                <a16:creationId xmlns:a16="http://schemas.microsoft.com/office/drawing/2014/main" id="{98F7AC82-750A-6BA1-A70D-D2E8ED618DE1}"/>
               </a:ext>
             </a:extLst>
           </p:cNvPr>
@@ -1050,7 +1050,7 @@
           <p:cNvPr id="2" name="竖排标题 1">
             <a:extLst>
               <a:ext uri="{FF2B5EF4-FFF2-40B4-BE49-F238E27FC236}">
-                <a16:creationId xmlns:a16="http://schemas.microsoft.com/office/drawing/2014/main" xmlns="" id="{4CF83B1B-91B5-671F-A161-727C9B763214}"/>
+                <a16:creationId xmlns:a16="http://schemas.microsoft.com/office/drawing/2014/main" id="{4CF83B1B-91B5-671F-A161-727C9B763214}"/>
               </a:ext>
             </a:extLst>
           </p:cNvPr>
@@ -1083,7 +1083,7 @@
           <p:cNvPr id="3" name="竖排文字占位符 2">
             <a:extLst>
               <a:ext uri="{FF2B5EF4-FFF2-40B4-BE49-F238E27FC236}">
-                <a16:creationId xmlns:a16="http://schemas.microsoft.com/office/drawing/2014/main" xmlns="" id="{BB08FF4A-FB49-2B3B-B3D5-164AC935EAC3}"/>
+                <a16:creationId xmlns:a16="http://schemas.microsoft.com/office/drawing/2014/main" id="{BB08FF4A-FB49-2B3B-B3D5-164AC935EAC3}"/>
               </a:ext>
             </a:extLst>
           </p:cNvPr>
@@ -1145,7 +1145,7 @@
           <p:cNvPr id="4" name="日期占位符 3">
             <a:extLst>
               <a:ext uri="{FF2B5EF4-FFF2-40B4-BE49-F238E27FC236}">
-                <a16:creationId xmlns:a16="http://schemas.microsoft.com/office/drawing/2014/main" xmlns="" id="{7BB95ED0-C4BA-DCCD-2E70-7B800185D571}"/>
+                <a16:creationId xmlns:a16="http://schemas.microsoft.com/office/drawing/2014/main" id="{7BB95ED0-C4BA-DCCD-2E70-7B800185D571}"/>
               </a:ext>
             </a:extLst>
           </p:cNvPr>
@@ -1163,7 +1163,7 @@
           <a:p>
             <a:fld id="{BA054789-EACE-4F0B-85CE-A0AE8F37913A}" type="datetimeFigureOut">
               <a:rPr lang="zh-CN" altLang="en-US" smtClean="0"/>
-              <a:t>2022/10/8</a:t>
+              <a:t>2022/10/25</a:t>
             </a:fld>
             <a:endParaRPr lang="zh-CN" altLang="en-US"/>
           </a:p>
@@ -1174,7 +1174,7 @@
           <p:cNvPr id="5" name="页脚占位符 4">
             <a:extLst>
               <a:ext uri="{FF2B5EF4-FFF2-40B4-BE49-F238E27FC236}">
-                <a16:creationId xmlns:a16="http://schemas.microsoft.com/office/drawing/2014/main" xmlns="" id="{1BF31E75-820B-0F48-C8C2-00D1C17A0DE1}"/>
+                <a16:creationId xmlns:a16="http://schemas.microsoft.com/office/drawing/2014/main" id="{1BF31E75-820B-0F48-C8C2-00D1C17A0DE1}"/>
               </a:ext>
             </a:extLst>
           </p:cNvPr>
@@ -1199,7 +1199,7 @@
           <p:cNvPr id="6" name="灯片编号占位符 5">
             <a:extLst>
               <a:ext uri="{FF2B5EF4-FFF2-40B4-BE49-F238E27FC236}">
-                <a16:creationId xmlns:a16="http://schemas.microsoft.com/office/drawing/2014/main" xmlns="" id="{C44676BC-DB8F-6385-CCAA-24A642617E4C}"/>
+                <a16:creationId xmlns:a16="http://schemas.microsoft.com/office/drawing/2014/main" id="{C44676BC-DB8F-6385-CCAA-24A642617E4C}"/>
               </a:ext>
             </a:extLst>
           </p:cNvPr>
@@ -1617,7 +1617,7 @@
           <p:cNvPr id="2" name="标题 1">
             <a:extLst>
               <a:ext uri="{FF2B5EF4-FFF2-40B4-BE49-F238E27FC236}">
-                <a16:creationId xmlns:a16="http://schemas.microsoft.com/office/drawing/2014/main" xmlns="" id="{4A602A98-C390-5A43-8761-0489D4B42846}"/>
+                <a16:creationId xmlns:a16="http://schemas.microsoft.com/office/drawing/2014/main" id="{4A602A98-C390-5A43-8761-0489D4B42846}"/>
               </a:ext>
             </a:extLst>
           </p:cNvPr>
@@ -1645,7 +1645,7 @@
           <p:cNvPr id="3" name="内容占位符 2">
             <a:extLst>
               <a:ext uri="{FF2B5EF4-FFF2-40B4-BE49-F238E27FC236}">
-                <a16:creationId xmlns:a16="http://schemas.microsoft.com/office/drawing/2014/main" xmlns="" id="{11B58BD3-77FD-090F-EBEA-977F10D69F9C}"/>
+                <a16:creationId xmlns:a16="http://schemas.microsoft.com/office/drawing/2014/main" id="{11B58BD3-77FD-090F-EBEA-977F10D69F9C}"/>
               </a:ext>
             </a:extLst>
           </p:cNvPr>
@@ -1702,7 +1702,7 @@
           <p:cNvPr id="4" name="日期占位符 3">
             <a:extLst>
               <a:ext uri="{FF2B5EF4-FFF2-40B4-BE49-F238E27FC236}">
-                <a16:creationId xmlns:a16="http://schemas.microsoft.com/office/drawing/2014/main" xmlns="" id="{2F2888FE-0D56-D838-DDA2-9036767B7B83}"/>
+                <a16:creationId xmlns:a16="http://schemas.microsoft.com/office/drawing/2014/main" id="{2F2888FE-0D56-D838-DDA2-9036767B7B83}"/>
               </a:ext>
             </a:extLst>
           </p:cNvPr>
@@ -1720,7 +1720,7 @@
           <a:p>
             <a:fld id="{BA054789-EACE-4F0B-85CE-A0AE8F37913A}" type="datetimeFigureOut">
               <a:rPr lang="zh-CN" altLang="en-US" smtClean="0"/>
-              <a:t>2022/10/8</a:t>
+              <a:t>2022/10/25</a:t>
             </a:fld>
             <a:endParaRPr lang="zh-CN" altLang="en-US"/>
           </a:p>
@@ -1731,7 +1731,7 @@
           <p:cNvPr id="5" name="页脚占位符 4">
             <a:extLst>
               <a:ext uri="{FF2B5EF4-FFF2-40B4-BE49-F238E27FC236}">
-                <a16:creationId xmlns:a16="http://schemas.microsoft.com/office/drawing/2014/main" xmlns="" id="{C9C7A18B-7856-24E0-6F3C-CD298036521A}"/>
+                <a16:creationId xmlns:a16="http://schemas.microsoft.com/office/drawing/2014/main" id="{C9C7A18B-7856-24E0-6F3C-CD298036521A}"/>
               </a:ext>
             </a:extLst>
           </p:cNvPr>
@@ -1756,7 +1756,7 @@
           <p:cNvPr id="6" name="灯片编号占位符 5">
             <a:extLst>
               <a:ext uri="{FF2B5EF4-FFF2-40B4-BE49-F238E27FC236}">
-                <a16:creationId xmlns:a16="http://schemas.microsoft.com/office/drawing/2014/main" xmlns="" id="{FC863C35-49EE-AE1E-476A-2115AB2F951A}"/>
+                <a16:creationId xmlns:a16="http://schemas.microsoft.com/office/drawing/2014/main" id="{FC863C35-49EE-AE1E-476A-2115AB2F951A}"/>
               </a:ext>
             </a:extLst>
           </p:cNvPr>
@@ -1815,7 +1815,7 @@
           <p:cNvPr id="2" name="标题 1">
             <a:extLst>
               <a:ext uri="{FF2B5EF4-FFF2-40B4-BE49-F238E27FC236}">
-                <a16:creationId xmlns:a16="http://schemas.microsoft.com/office/drawing/2014/main" xmlns="" id="{866638DE-98B5-DDC3-B3F8-3E4400828480}"/>
+                <a16:creationId xmlns:a16="http://schemas.microsoft.com/office/drawing/2014/main" id="{866638DE-98B5-DDC3-B3F8-3E4400828480}"/>
               </a:ext>
             </a:extLst>
           </p:cNvPr>
@@ -1852,7 +1852,7 @@
           <p:cNvPr id="3" name="文本占位符 2">
             <a:extLst>
               <a:ext uri="{FF2B5EF4-FFF2-40B4-BE49-F238E27FC236}">
-                <a16:creationId xmlns:a16="http://schemas.microsoft.com/office/drawing/2014/main" xmlns="" id="{04B7A2A4-817D-77B2-4735-132E59CD17F6}"/>
+                <a16:creationId xmlns:a16="http://schemas.microsoft.com/office/drawing/2014/main" id="{04B7A2A4-817D-77B2-4735-132E59CD17F6}"/>
               </a:ext>
             </a:extLst>
           </p:cNvPr>
@@ -1977,7 +1977,7 @@
           <p:cNvPr id="4" name="日期占位符 3">
             <a:extLst>
               <a:ext uri="{FF2B5EF4-FFF2-40B4-BE49-F238E27FC236}">
-                <a16:creationId xmlns:a16="http://schemas.microsoft.com/office/drawing/2014/main" xmlns="" id="{183CA83E-8AFE-5A62-E830-EB8E09B4095F}"/>
+                <a16:creationId xmlns:a16="http://schemas.microsoft.com/office/drawing/2014/main" id="{183CA83E-8AFE-5A62-E830-EB8E09B4095F}"/>
               </a:ext>
             </a:extLst>
           </p:cNvPr>
@@ -1995,7 +1995,7 @@
           <a:p>
             <a:fld id="{BA054789-EACE-4F0B-85CE-A0AE8F37913A}" type="datetimeFigureOut">
               <a:rPr lang="zh-CN" altLang="en-US" smtClean="0"/>
-              <a:t>2022/10/8</a:t>
+              <a:t>2022/10/25</a:t>
             </a:fld>
             <a:endParaRPr lang="zh-CN" altLang="en-US"/>
           </a:p>
@@ -2006,7 +2006,7 @@
           <p:cNvPr id="5" name="页脚占位符 4">
             <a:extLst>
               <a:ext uri="{FF2B5EF4-FFF2-40B4-BE49-F238E27FC236}">
-                <a16:creationId xmlns:a16="http://schemas.microsoft.com/office/drawing/2014/main" xmlns="" id="{5F95EF5D-59A1-5AE4-9F96-B75770EE6C75}"/>
+                <a16:creationId xmlns:a16="http://schemas.microsoft.com/office/drawing/2014/main" id="{5F95EF5D-59A1-5AE4-9F96-B75770EE6C75}"/>
               </a:ext>
             </a:extLst>
           </p:cNvPr>
@@ -2031,7 +2031,7 @@
           <p:cNvPr id="6" name="灯片编号占位符 5">
             <a:extLst>
               <a:ext uri="{FF2B5EF4-FFF2-40B4-BE49-F238E27FC236}">
-                <a16:creationId xmlns:a16="http://schemas.microsoft.com/office/drawing/2014/main" xmlns="" id="{AEDD6E4D-49DA-3B43-D4CC-1D98B7AAFF66}"/>
+                <a16:creationId xmlns:a16="http://schemas.microsoft.com/office/drawing/2014/main" id="{AEDD6E4D-49DA-3B43-D4CC-1D98B7AAFF66}"/>
               </a:ext>
             </a:extLst>
           </p:cNvPr>
@@ -2090,7 +2090,7 @@
           <p:cNvPr id="2" name="标题 1">
             <a:extLst>
               <a:ext uri="{FF2B5EF4-FFF2-40B4-BE49-F238E27FC236}">
-                <a16:creationId xmlns:a16="http://schemas.microsoft.com/office/drawing/2014/main" xmlns="" id="{6143119A-5638-5FB3-124E-3B30981F030A}"/>
+                <a16:creationId xmlns:a16="http://schemas.microsoft.com/office/drawing/2014/main" id="{6143119A-5638-5FB3-124E-3B30981F030A}"/>
               </a:ext>
             </a:extLst>
           </p:cNvPr>
@@ -2118,7 +2118,7 @@
           <p:cNvPr id="3" name="内容占位符 2">
             <a:extLst>
               <a:ext uri="{FF2B5EF4-FFF2-40B4-BE49-F238E27FC236}">
-                <a16:creationId xmlns:a16="http://schemas.microsoft.com/office/drawing/2014/main" xmlns="" id="{C8F1DC48-C2D4-79DF-114F-EF5EEEBA4D3D}"/>
+                <a16:creationId xmlns:a16="http://schemas.microsoft.com/office/drawing/2014/main" id="{C8F1DC48-C2D4-79DF-114F-EF5EEEBA4D3D}"/>
               </a:ext>
             </a:extLst>
           </p:cNvPr>
@@ -2180,7 +2180,7 @@
           <p:cNvPr id="4" name="内容占位符 3">
             <a:extLst>
               <a:ext uri="{FF2B5EF4-FFF2-40B4-BE49-F238E27FC236}">
-                <a16:creationId xmlns:a16="http://schemas.microsoft.com/office/drawing/2014/main" xmlns="" id="{5163DEDF-28BC-F60D-FCBD-0D577102FE83}"/>
+                <a16:creationId xmlns:a16="http://schemas.microsoft.com/office/drawing/2014/main" id="{5163DEDF-28BC-F60D-FCBD-0D577102FE83}"/>
               </a:ext>
             </a:extLst>
           </p:cNvPr>
@@ -2242,7 +2242,7 @@
           <p:cNvPr id="5" name="日期占位符 4">
             <a:extLst>
               <a:ext uri="{FF2B5EF4-FFF2-40B4-BE49-F238E27FC236}">
-                <a16:creationId xmlns:a16="http://schemas.microsoft.com/office/drawing/2014/main" xmlns="" id="{11352899-B0A5-67BA-4F8C-A6BEB19057FD}"/>
+                <a16:creationId xmlns:a16="http://schemas.microsoft.com/office/drawing/2014/main" id="{11352899-B0A5-67BA-4F8C-A6BEB19057FD}"/>
               </a:ext>
             </a:extLst>
           </p:cNvPr>
@@ -2260,7 +2260,7 @@
           <a:p>
             <a:fld id="{BA054789-EACE-4F0B-85CE-A0AE8F37913A}" type="datetimeFigureOut">
               <a:rPr lang="zh-CN" altLang="en-US" smtClean="0"/>
-              <a:t>2022/10/8</a:t>
+              <a:t>2022/10/25</a:t>
             </a:fld>
             <a:endParaRPr lang="zh-CN" altLang="en-US"/>
           </a:p>
@@ -2271,7 +2271,7 @@
           <p:cNvPr id="6" name="页脚占位符 5">
             <a:extLst>
               <a:ext uri="{FF2B5EF4-FFF2-40B4-BE49-F238E27FC236}">
-                <a16:creationId xmlns:a16="http://schemas.microsoft.com/office/drawing/2014/main" xmlns="" id="{A584D1DB-F7D5-5108-37F7-B12451D4AF43}"/>
+                <a16:creationId xmlns:a16="http://schemas.microsoft.com/office/drawing/2014/main" id="{A584D1DB-F7D5-5108-37F7-B12451D4AF43}"/>
               </a:ext>
             </a:extLst>
           </p:cNvPr>
@@ -2296,7 +2296,7 @@
           <p:cNvPr id="7" name="灯片编号占位符 6">
             <a:extLst>
               <a:ext uri="{FF2B5EF4-FFF2-40B4-BE49-F238E27FC236}">
-                <a16:creationId xmlns:a16="http://schemas.microsoft.com/office/drawing/2014/main" xmlns="" id="{2294CAD5-9704-832D-2AB9-684703BF36C6}"/>
+                <a16:creationId xmlns:a16="http://schemas.microsoft.com/office/drawing/2014/main" id="{2294CAD5-9704-832D-2AB9-684703BF36C6}"/>
               </a:ext>
             </a:extLst>
           </p:cNvPr>
@@ -2355,7 +2355,7 @@
           <p:cNvPr id="2" name="标题 1">
             <a:extLst>
               <a:ext uri="{FF2B5EF4-FFF2-40B4-BE49-F238E27FC236}">
-                <a16:creationId xmlns:a16="http://schemas.microsoft.com/office/drawing/2014/main" xmlns="" id="{5553C342-6EA7-A319-ED9F-F3DED51AB856}"/>
+                <a16:creationId xmlns:a16="http://schemas.microsoft.com/office/drawing/2014/main" id="{5553C342-6EA7-A319-ED9F-F3DED51AB856}"/>
               </a:ext>
             </a:extLst>
           </p:cNvPr>
@@ -2388,7 +2388,7 @@
           <p:cNvPr id="3" name="文本占位符 2">
             <a:extLst>
               <a:ext uri="{FF2B5EF4-FFF2-40B4-BE49-F238E27FC236}">
-                <a16:creationId xmlns:a16="http://schemas.microsoft.com/office/drawing/2014/main" xmlns="" id="{2A2E5CEB-B13F-86C3-3E47-796F7F60D6CC}"/>
+                <a16:creationId xmlns:a16="http://schemas.microsoft.com/office/drawing/2014/main" id="{2A2E5CEB-B13F-86C3-3E47-796F7F60D6CC}"/>
               </a:ext>
             </a:extLst>
           </p:cNvPr>
@@ -2459,7 +2459,7 @@
           <p:cNvPr id="4" name="内容占位符 3">
             <a:extLst>
               <a:ext uri="{FF2B5EF4-FFF2-40B4-BE49-F238E27FC236}">
-                <a16:creationId xmlns:a16="http://schemas.microsoft.com/office/drawing/2014/main" xmlns="" id="{A54930F9-E0D4-D998-09A2-343AA1F96076}"/>
+                <a16:creationId xmlns:a16="http://schemas.microsoft.com/office/drawing/2014/main" id="{A54930F9-E0D4-D998-09A2-343AA1F96076}"/>
               </a:ext>
             </a:extLst>
           </p:cNvPr>
@@ -2521,7 +2521,7 @@
           <p:cNvPr id="5" name="文本占位符 4">
             <a:extLst>
               <a:ext uri="{FF2B5EF4-FFF2-40B4-BE49-F238E27FC236}">
-                <a16:creationId xmlns:a16="http://schemas.microsoft.com/office/drawing/2014/main" xmlns="" id="{B4B7359A-E8FC-E1A9-A896-A49ED9AF86F8}"/>
+                <a16:creationId xmlns:a16="http://schemas.microsoft.com/office/drawing/2014/main" id="{B4B7359A-E8FC-E1A9-A896-A49ED9AF86F8}"/>
               </a:ext>
             </a:extLst>
           </p:cNvPr>
@@ -2592,7 +2592,7 @@
           <p:cNvPr id="6" name="内容占位符 5">
             <a:extLst>
               <a:ext uri="{FF2B5EF4-FFF2-40B4-BE49-F238E27FC236}">
-                <a16:creationId xmlns:a16="http://schemas.microsoft.com/office/drawing/2014/main" xmlns="" id="{4E52EA2F-1B41-D541-9632-9493F9B51AB0}"/>
+                <a16:creationId xmlns:a16="http://schemas.microsoft.com/office/drawing/2014/main" id="{4E52EA2F-1B41-D541-9632-9493F9B51AB0}"/>
               </a:ext>
             </a:extLst>
           </p:cNvPr>
@@ -2654,7 +2654,7 @@
           <p:cNvPr id="7" name="日期占位符 6">
             <a:extLst>
               <a:ext uri="{FF2B5EF4-FFF2-40B4-BE49-F238E27FC236}">
-                <a16:creationId xmlns:a16="http://schemas.microsoft.com/office/drawing/2014/main" xmlns="" id="{F8E2D812-175D-022A-8677-7639CB1825D7}"/>
+                <a16:creationId xmlns:a16="http://schemas.microsoft.com/office/drawing/2014/main" id="{F8E2D812-175D-022A-8677-7639CB1825D7}"/>
               </a:ext>
             </a:extLst>
           </p:cNvPr>
@@ -2672,7 +2672,7 @@
           <a:p>
             <a:fld id="{BA054789-EACE-4F0B-85CE-A0AE8F37913A}" type="datetimeFigureOut">
               <a:rPr lang="zh-CN" altLang="en-US" smtClean="0"/>
-              <a:t>2022/10/8</a:t>
+              <a:t>2022/10/25</a:t>
             </a:fld>
             <a:endParaRPr lang="zh-CN" altLang="en-US"/>
           </a:p>
@@ -2683,7 +2683,7 @@
           <p:cNvPr id="8" name="页脚占位符 7">
             <a:extLst>
               <a:ext uri="{FF2B5EF4-FFF2-40B4-BE49-F238E27FC236}">
-                <a16:creationId xmlns:a16="http://schemas.microsoft.com/office/drawing/2014/main" xmlns="" id="{5E2441E0-E886-23FB-143C-558A79ACC5D8}"/>
+                <a16:creationId xmlns:a16="http://schemas.microsoft.com/office/drawing/2014/main" id="{5E2441E0-E886-23FB-143C-558A79ACC5D8}"/>
               </a:ext>
             </a:extLst>
           </p:cNvPr>
@@ -2708,7 +2708,7 @@
           <p:cNvPr id="9" name="灯片编号占位符 8">
             <a:extLst>
               <a:ext uri="{FF2B5EF4-FFF2-40B4-BE49-F238E27FC236}">
-                <a16:creationId xmlns:a16="http://schemas.microsoft.com/office/drawing/2014/main" xmlns="" id="{CDCA61B1-70E8-1169-875E-DB108C50E55C}"/>
+                <a16:creationId xmlns:a16="http://schemas.microsoft.com/office/drawing/2014/main" id="{CDCA61B1-70E8-1169-875E-DB108C50E55C}"/>
               </a:ext>
             </a:extLst>
           </p:cNvPr>
@@ -2767,7 +2767,7 @@
           <p:cNvPr id="2" name="标题 1">
             <a:extLst>
               <a:ext uri="{FF2B5EF4-FFF2-40B4-BE49-F238E27FC236}">
-                <a16:creationId xmlns:a16="http://schemas.microsoft.com/office/drawing/2014/main" xmlns="" id="{F44D1D6C-24E0-86EE-37DA-EDEDDC1CFD42}"/>
+                <a16:creationId xmlns:a16="http://schemas.microsoft.com/office/drawing/2014/main" id="{F44D1D6C-24E0-86EE-37DA-EDEDDC1CFD42}"/>
               </a:ext>
             </a:extLst>
           </p:cNvPr>
@@ -2795,7 +2795,7 @@
           <p:cNvPr id="3" name="日期占位符 2">
             <a:extLst>
               <a:ext uri="{FF2B5EF4-FFF2-40B4-BE49-F238E27FC236}">
-                <a16:creationId xmlns:a16="http://schemas.microsoft.com/office/drawing/2014/main" xmlns="" id="{452FC26A-E9FB-0541-86DB-AEEE5AAB387E}"/>
+                <a16:creationId xmlns:a16="http://schemas.microsoft.com/office/drawing/2014/main" id="{452FC26A-E9FB-0541-86DB-AEEE5AAB387E}"/>
               </a:ext>
             </a:extLst>
           </p:cNvPr>
@@ -2813,7 +2813,7 @@
           <a:p>
             <a:fld id="{BA054789-EACE-4F0B-85CE-A0AE8F37913A}" type="datetimeFigureOut">
               <a:rPr lang="zh-CN" altLang="en-US" smtClean="0"/>
-              <a:t>2022/10/8</a:t>
+              <a:t>2022/10/25</a:t>
             </a:fld>
             <a:endParaRPr lang="zh-CN" altLang="en-US"/>
           </a:p>
@@ -2824,7 +2824,7 @@
           <p:cNvPr id="4" name="页脚占位符 3">
             <a:extLst>
               <a:ext uri="{FF2B5EF4-FFF2-40B4-BE49-F238E27FC236}">
-                <a16:creationId xmlns:a16="http://schemas.microsoft.com/office/drawing/2014/main" xmlns="" id="{914BC86C-F2F8-3396-17AC-0735983760FC}"/>
+                <a16:creationId xmlns:a16="http://schemas.microsoft.com/office/drawing/2014/main" id="{914BC86C-F2F8-3396-17AC-0735983760FC}"/>
               </a:ext>
             </a:extLst>
           </p:cNvPr>
@@ -2849,7 +2849,7 @@
           <p:cNvPr id="5" name="灯片编号占位符 4">
             <a:extLst>
               <a:ext uri="{FF2B5EF4-FFF2-40B4-BE49-F238E27FC236}">
-                <a16:creationId xmlns:a16="http://schemas.microsoft.com/office/drawing/2014/main" xmlns="" id="{BCD46C41-5FA4-E5F8-0E00-98EC89530535}"/>
+                <a16:creationId xmlns:a16="http://schemas.microsoft.com/office/drawing/2014/main" id="{BCD46C41-5FA4-E5F8-0E00-98EC89530535}"/>
               </a:ext>
             </a:extLst>
           </p:cNvPr>
@@ -2908,7 +2908,7 @@
           <p:cNvPr id="2" name="日期占位符 1">
             <a:extLst>
               <a:ext uri="{FF2B5EF4-FFF2-40B4-BE49-F238E27FC236}">
-                <a16:creationId xmlns:a16="http://schemas.microsoft.com/office/drawing/2014/main" xmlns="" id="{987885F3-BC73-F95E-1CC2-95AD9AFC4550}"/>
+                <a16:creationId xmlns:a16="http://schemas.microsoft.com/office/drawing/2014/main" id="{987885F3-BC73-F95E-1CC2-95AD9AFC4550}"/>
               </a:ext>
             </a:extLst>
           </p:cNvPr>
@@ -2926,7 +2926,7 @@
           <a:p>
             <a:fld id="{BA054789-EACE-4F0B-85CE-A0AE8F37913A}" type="datetimeFigureOut">
               <a:rPr lang="zh-CN" altLang="en-US" smtClean="0"/>
-              <a:t>2022/10/8</a:t>
+              <a:t>2022/10/25</a:t>
             </a:fld>
             <a:endParaRPr lang="zh-CN" altLang="en-US"/>
           </a:p>
@@ -2937,7 +2937,7 @@
           <p:cNvPr id="3" name="页脚占位符 2">
             <a:extLst>
               <a:ext uri="{FF2B5EF4-FFF2-40B4-BE49-F238E27FC236}">
-                <a16:creationId xmlns:a16="http://schemas.microsoft.com/office/drawing/2014/main" xmlns="" id="{3A45F5EE-A519-0C1C-324D-67E058F91DDB}"/>
+                <a16:creationId xmlns:a16="http://schemas.microsoft.com/office/drawing/2014/main" id="{3A45F5EE-A519-0C1C-324D-67E058F91DDB}"/>
               </a:ext>
             </a:extLst>
           </p:cNvPr>
@@ -2962,7 +2962,7 @@
           <p:cNvPr id="4" name="灯片编号占位符 3">
             <a:extLst>
               <a:ext uri="{FF2B5EF4-FFF2-40B4-BE49-F238E27FC236}">
-                <a16:creationId xmlns:a16="http://schemas.microsoft.com/office/drawing/2014/main" xmlns="" id="{67EC8A15-FD0F-6449-C8C4-244D9A47FC09}"/>
+                <a16:creationId xmlns:a16="http://schemas.microsoft.com/office/drawing/2014/main" id="{67EC8A15-FD0F-6449-C8C4-244D9A47FC09}"/>
               </a:ext>
             </a:extLst>
           </p:cNvPr>
@@ -3021,7 +3021,7 @@
           <p:cNvPr id="2" name="标题 1">
             <a:extLst>
               <a:ext uri="{FF2B5EF4-FFF2-40B4-BE49-F238E27FC236}">
-                <a16:creationId xmlns:a16="http://schemas.microsoft.com/office/drawing/2014/main" xmlns="" id="{8207E91F-BEEE-171E-0131-6E86365BBE2D}"/>
+                <a16:creationId xmlns:a16="http://schemas.microsoft.com/office/drawing/2014/main" id="{8207E91F-BEEE-171E-0131-6E86365BBE2D}"/>
               </a:ext>
             </a:extLst>
           </p:cNvPr>
@@ -3058,7 +3058,7 @@
           <p:cNvPr id="3" name="内容占位符 2">
             <a:extLst>
               <a:ext uri="{FF2B5EF4-FFF2-40B4-BE49-F238E27FC236}">
-                <a16:creationId xmlns:a16="http://schemas.microsoft.com/office/drawing/2014/main" xmlns="" id="{224A1AFF-50FF-8C59-9840-606EB237D707}"/>
+                <a16:creationId xmlns:a16="http://schemas.microsoft.com/office/drawing/2014/main" id="{224A1AFF-50FF-8C59-9840-606EB237D707}"/>
               </a:ext>
             </a:extLst>
           </p:cNvPr>
@@ -3148,7 +3148,7 @@
           <p:cNvPr id="4" name="文本占位符 3">
             <a:extLst>
               <a:ext uri="{FF2B5EF4-FFF2-40B4-BE49-F238E27FC236}">
-                <a16:creationId xmlns:a16="http://schemas.microsoft.com/office/drawing/2014/main" xmlns="" id="{1918F8C3-484E-3A1E-8EA0-D9C66B071D46}"/>
+                <a16:creationId xmlns:a16="http://schemas.microsoft.com/office/drawing/2014/main" id="{1918F8C3-484E-3A1E-8EA0-D9C66B071D46}"/>
               </a:ext>
             </a:extLst>
           </p:cNvPr>
@@ -3219,7 +3219,7 @@
           <p:cNvPr id="5" name="日期占位符 4">
             <a:extLst>
               <a:ext uri="{FF2B5EF4-FFF2-40B4-BE49-F238E27FC236}">
-                <a16:creationId xmlns:a16="http://schemas.microsoft.com/office/drawing/2014/main" xmlns="" id="{6708E08C-E838-BC00-6EA5-3C80B9A0F2BF}"/>
+                <a16:creationId xmlns:a16="http://schemas.microsoft.com/office/drawing/2014/main" id="{6708E08C-E838-BC00-6EA5-3C80B9A0F2BF}"/>
               </a:ext>
             </a:extLst>
           </p:cNvPr>
@@ -3237,7 +3237,7 @@
           <a:p>
             <a:fld id="{BA054789-EACE-4F0B-85CE-A0AE8F37913A}" type="datetimeFigureOut">
               <a:rPr lang="zh-CN" altLang="en-US" smtClean="0"/>
-              <a:t>2022/10/8</a:t>
+              <a:t>2022/10/25</a:t>
             </a:fld>
             <a:endParaRPr lang="zh-CN" altLang="en-US"/>
           </a:p>
@@ -3248,7 +3248,7 @@
           <p:cNvPr id="6" name="页脚占位符 5">
             <a:extLst>
               <a:ext uri="{FF2B5EF4-FFF2-40B4-BE49-F238E27FC236}">
-                <a16:creationId xmlns:a16="http://schemas.microsoft.com/office/drawing/2014/main" xmlns="" id="{439DBC6E-FDA4-993F-86BA-68C9D9CBCDA2}"/>
+                <a16:creationId xmlns:a16="http://schemas.microsoft.com/office/drawing/2014/main" id="{439DBC6E-FDA4-993F-86BA-68C9D9CBCDA2}"/>
               </a:ext>
             </a:extLst>
           </p:cNvPr>
@@ -3273,7 +3273,7 @@
           <p:cNvPr id="7" name="灯片编号占位符 6">
             <a:extLst>
               <a:ext uri="{FF2B5EF4-FFF2-40B4-BE49-F238E27FC236}">
-                <a16:creationId xmlns:a16="http://schemas.microsoft.com/office/drawing/2014/main" xmlns="" id="{84AC5D80-1CD5-A607-8281-BC0454CACBD2}"/>
+                <a16:creationId xmlns:a16="http://schemas.microsoft.com/office/drawing/2014/main" id="{84AC5D80-1CD5-A607-8281-BC0454CACBD2}"/>
               </a:ext>
             </a:extLst>
           </p:cNvPr>
@@ -3332,7 +3332,7 @@
           <p:cNvPr id="2" name="标题 1">
             <a:extLst>
               <a:ext uri="{FF2B5EF4-FFF2-40B4-BE49-F238E27FC236}">
-                <a16:creationId xmlns:a16="http://schemas.microsoft.com/office/drawing/2014/main" xmlns="" id="{8B87A630-13E3-6038-F332-B3BE60484A0E}"/>
+                <a16:creationId xmlns:a16="http://schemas.microsoft.com/office/drawing/2014/main" id="{8B87A630-13E3-6038-F332-B3BE60484A0E}"/>
               </a:ext>
             </a:extLst>
           </p:cNvPr>
@@ -3369,7 +3369,7 @@
           <p:cNvPr id="3" name="图片占位符 2">
             <a:extLst>
               <a:ext uri="{FF2B5EF4-FFF2-40B4-BE49-F238E27FC236}">
-                <a16:creationId xmlns:a16="http://schemas.microsoft.com/office/drawing/2014/main" xmlns="" id="{B92BC7D3-D3C2-E338-1906-89EBC814D58E}"/>
+                <a16:creationId xmlns:a16="http://schemas.microsoft.com/office/drawing/2014/main" id="{B92BC7D3-D3C2-E338-1906-89EBC814D58E}"/>
               </a:ext>
             </a:extLst>
           </p:cNvPr>
@@ -3436,7 +3436,7 @@
           <p:cNvPr id="4" name="文本占位符 3">
             <a:extLst>
               <a:ext uri="{FF2B5EF4-FFF2-40B4-BE49-F238E27FC236}">
-                <a16:creationId xmlns:a16="http://schemas.microsoft.com/office/drawing/2014/main" xmlns="" id="{07545A6D-4664-4BEC-EE9E-A985A49BADC9}"/>
+                <a16:creationId xmlns:a16="http://schemas.microsoft.com/office/drawing/2014/main" id="{07545A6D-4664-4BEC-EE9E-A985A49BADC9}"/>
               </a:ext>
             </a:extLst>
           </p:cNvPr>
@@ -3507,7 +3507,7 @@
           <p:cNvPr id="5" name="日期占位符 4">
             <a:extLst>
               <a:ext uri="{FF2B5EF4-FFF2-40B4-BE49-F238E27FC236}">
-                <a16:creationId xmlns:a16="http://schemas.microsoft.com/office/drawing/2014/main" xmlns="" id="{7C4A4C3B-C39E-7F62-7D92-3CC1CB7AE956}"/>
+                <a16:creationId xmlns:a16="http://schemas.microsoft.com/office/drawing/2014/main" id="{7C4A4C3B-C39E-7F62-7D92-3CC1CB7AE956}"/>
               </a:ext>
             </a:extLst>
           </p:cNvPr>
@@ -3525,7 +3525,7 @@
           <a:p>
             <a:fld id="{BA054789-EACE-4F0B-85CE-A0AE8F37913A}" type="datetimeFigureOut">
               <a:rPr lang="zh-CN" altLang="en-US" smtClean="0"/>
-              <a:t>2022/10/8</a:t>
+              <a:t>2022/10/25</a:t>
             </a:fld>
             <a:endParaRPr lang="zh-CN" altLang="en-US"/>
           </a:p>
@@ -3536,7 +3536,7 @@
           <p:cNvPr id="6" name="页脚占位符 5">
             <a:extLst>
               <a:ext uri="{FF2B5EF4-FFF2-40B4-BE49-F238E27FC236}">
-                <a16:creationId xmlns:a16="http://schemas.microsoft.com/office/drawing/2014/main" xmlns="" id="{ABCA2129-E1A8-A9AB-72DB-E364A7654AE6}"/>
+                <a16:creationId xmlns:a16="http://schemas.microsoft.com/office/drawing/2014/main" id="{ABCA2129-E1A8-A9AB-72DB-E364A7654AE6}"/>
               </a:ext>
             </a:extLst>
           </p:cNvPr>
@@ -3561,7 +3561,7 @@
           <p:cNvPr id="7" name="灯片编号占位符 6">
             <a:extLst>
               <a:ext uri="{FF2B5EF4-FFF2-40B4-BE49-F238E27FC236}">
-                <a16:creationId xmlns:a16="http://schemas.microsoft.com/office/drawing/2014/main" xmlns="" id="{6890FD23-C4A5-BC02-595B-A819F72BEB9C}"/>
+                <a16:creationId xmlns:a16="http://schemas.microsoft.com/office/drawing/2014/main" id="{6890FD23-C4A5-BC02-595B-A819F72BEB9C}"/>
               </a:ext>
             </a:extLst>
           </p:cNvPr>
@@ -3625,7 +3625,7 @@
           <p:cNvPr id="2" name="标题占位符 1">
             <a:extLst>
               <a:ext uri="{FF2B5EF4-FFF2-40B4-BE49-F238E27FC236}">
-                <a16:creationId xmlns:a16="http://schemas.microsoft.com/office/drawing/2014/main" xmlns="" id="{92000A49-3619-2406-82EF-AED9BE75F34E}"/>
+                <a16:creationId xmlns:a16="http://schemas.microsoft.com/office/drawing/2014/main" id="{92000A49-3619-2406-82EF-AED9BE75F34E}"/>
               </a:ext>
             </a:extLst>
           </p:cNvPr>
@@ -3663,7 +3663,7 @@
           <p:cNvPr id="3" name="文本占位符 2">
             <a:extLst>
               <a:ext uri="{FF2B5EF4-FFF2-40B4-BE49-F238E27FC236}">
-                <a16:creationId xmlns:a16="http://schemas.microsoft.com/office/drawing/2014/main" xmlns="" id="{D43FE0F5-0CBC-BDA9-24CE-A859521DA656}"/>
+                <a16:creationId xmlns:a16="http://schemas.microsoft.com/office/drawing/2014/main" id="{D43FE0F5-0CBC-BDA9-24CE-A859521DA656}"/>
               </a:ext>
             </a:extLst>
           </p:cNvPr>
@@ -3730,7 +3730,7 @@
           <p:cNvPr id="4" name="日期占位符 3">
             <a:extLst>
               <a:ext uri="{FF2B5EF4-FFF2-40B4-BE49-F238E27FC236}">
-                <a16:creationId xmlns:a16="http://schemas.microsoft.com/office/drawing/2014/main" xmlns="" id="{2233451F-B070-3253-A379-82BC5C68026A}"/>
+                <a16:creationId xmlns:a16="http://schemas.microsoft.com/office/drawing/2014/main" id="{2233451F-B070-3253-A379-82BC5C68026A}"/>
               </a:ext>
             </a:extLst>
           </p:cNvPr>
@@ -3766,7 +3766,7 @@
           <a:p>
             <a:fld id="{BA054789-EACE-4F0B-85CE-A0AE8F37913A}" type="datetimeFigureOut">
               <a:rPr lang="zh-CN" altLang="en-US" smtClean="0"/>
-              <a:t>2022/10/8</a:t>
+              <a:t>2022/10/25</a:t>
             </a:fld>
             <a:endParaRPr lang="zh-CN" altLang="en-US"/>
           </a:p>
@@ -3777,7 +3777,7 @@
           <p:cNvPr id="5" name="页脚占位符 4">
             <a:extLst>
               <a:ext uri="{FF2B5EF4-FFF2-40B4-BE49-F238E27FC236}">
-                <a16:creationId xmlns:a16="http://schemas.microsoft.com/office/drawing/2014/main" xmlns="" id="{06986DEC-0B9D-7F39-CE3E-66A01F226957}"/>
+                <a16:creationId xmlns:a16="http://schemas.microsoft.com/office/drawing/2014/main" id="{06986DEC-0B9D-7F39-CE3E-66A01F226957}"/>
               </a:ext>
             </a:extLst>
           </p:cNvPr>
@@ -3820,7 +3820,7 @@
           <p:cNvPr id="6" name="灯片编号占位符 5">
             <a:extLst>
               <a:ext uri="{FF2B5EF4-FFF2-40B4-BE49-F238E27FC236}">
-                <a16:creationId xmlns:a16="http://schemas.microsoft.com/office/drawing/2014/main" xmlns="" id="{4E5D66B3-A060-F0A8-8F68-EBE0B120344F}"/>
+                <a16:creationId xmlns:a16="http://schemas.microsoft.com/office/drawing/2014/main" id="{4E5D66B3-A060-F0A8-8F68-EBE0B120344F}"/>
               </a:ext>
             </a:extLst>
           </p:cNvPr>
@@ -4199,7 +4199,7 @@
           <p:cNvPr id="2" name="标题 1">
             <a:extLst>
               <a:ext uri="{FF2B5EF4-FFF2-40B4-BE49-F238E27FC236}">
-                <a16:creationId xmlns:a16="http://schemas.microsoft.com/office/drawing/2014/main" xmlns="" id="{2A9B6C59-89F9-5390-BB77-F8DB7EF7B310}"/>
+                <a16:creationId xmlns:a16="http://schemas.microsoft.com/office/drawing/2014/main" id="{2A9B6C59-89F9-5390-BB77-F8DB7EF7B310}"/>
               </a:ext>
             </a:extLst>
           </p:cNvPr>
@@ -4269,7 +4269,7 @@
           <p:cNvPr id="4" name="椭圆 3">
             <a:extLst>
               <a:ext uri="{FF2B5EF4-FFF2-40B4-BE49-F238E27FC236}">
-                <a16:creationId xmlns:a16="http://schemas.microsoft.com/office/drawing/2014/main" xmlns="" id="{94C17F89-4022-3282-1B5A-F455F1578F55}"/>
+                <a16:creationId xmlns:a16="http://schemas.microsoft.com/office/drawing/2014/main" id="{94C17F89-4022-3282-1B5A-F455F1578F55}"/>
               </a:ext>
             </a:extLst>
           </p:cNvPr>
@@ -5016,7 +5016,7 @@
           <p:cNvPr id="4" name="椭圆 3">
             <a:extLst>
               <a:ext uri="{FF2B5EF4-FFF2-40B4-BE49-F238E27FC236}">
-                <a16:creationId xmlns:a16="http://schemas.microsoft.com/office/drawing/2014/main" xmlns="" id="{94C17F89-4022-3282-1B5A-F455F1578F55}"/>
+                <a16:creationId xmlns:a16="http://schemas.microsoft.com/office/drawing/2014/main" id="{94C17F89-4022-3282-1B5A-F455F1578F55}"/>
               </a:ext>
             </a:extLst>
           </p:cNvPr>
@@ -5599,7 +5599,7 @@
           <p:cNvPr id="38" name="Google Shape;90;p14">
             <a:extLst>
               <a:ext uri="{FF2B5EF4-FFF2-40B4-BE49-F238E27FC236}">
-                <a16:creationId xmlns:a16="http://schemas.microsoft.com/office/drawing/2014/main" xmlns="" id="{70D7F9C8-3F19-0671-CC95-0C6FF2D659F6}"/>
+                <a16:creationId xmlns:a16="http://schemas.microsoft.com/office/drawing/2014/main" id="{70D7F9C8-3F19-0671-CC95-0C6FF2D659F6}"/>
               </a:ext>
             </a:extLst>
           </p:cNvPr>
@@ -5633,7 +5633,7 @@
           <p:cNvPr id="39" name="Google Shape;90;p14">
             <a:extLst>
               <a:ext uri="{FF2B5EF4-FFF2-40B4-BE49-F238E27FC236}">
-                <a16:creationId xmlns:a16="http://schemas.microsoft.com/office/drawing/2014/main" xmlns="" id="{70D7F9C8-3F19-0671-CC95-0C6FF2D659F6}"/>
+                <a16:creationId xmlns:a16="http://schemas.microsoft.com/office/drawing/2014/main" id="{70D7F9C8-3F19-0671-CC95-0C6FF2D659F6}"/>
               </a:ext>
             </a:extLst>
           </p:cNvPr>
@@ -5697,7 +5697,7 @@
           <p:cNvPr id="4" name="椭圆 3">
             <a:extLst>
               <a:ext uri="{FF2B5EF4-FFF2-40B4-BE49-F238E27FC236}">
-                <a16:creationId xmlns:a16="http://schemas.microsoft.com/office/drawing/2014/main" xmlns="" id="{94C17F89-4022-3282-1B5A-F455F1578F55}"/>
+                <a16:creationId xmlns:a16="http://schemas.microsoft.com/office/drawing/2014/main" id="{94C17F89-4022-3282-1B5A-F455F1578F55}"/>
               </a:ext>
             </a:extLst>
           </p:cNvPr>
@@ -6380,7 +6380,7 @@
           <p:cNvPr id="2" name="标题 1">
             <a:extLst>
               <a:ext uri="{FF2B5EF4-FFF2-40B4-BE49-F238E27FC236}">
-                <a16:creationId xmlns:a16="http://schemas.microsoft.com/office/drawing/2014/main" xmlns="" id="{2A9B6C59-89F9-5390-BB77-F8DB7EF7B310}"/>
+                <a16:creationId xmlns:a16="http://schemas.microsoft.com/office/drawing/2014/main" id="{2A9B6C59-89F9-5390-BB77-F8DB7EF7B310}"/>
               </a:ext>
             </a:extLst>
           </p:cNvPr>
@@ -6455,7 +6455,7 @@
           <p:cNvPr id="2" name="标题 1">
             <a:extLst>
               <a:ext uri="{FF2B5EF4-FFF2-40B4-BE49-F238E27FC236}">
-                <a16:creationId xmlns:a16="http://schemas.microsoft.com/office/drawing/2014/main" xmlns="" id="{80796E82-7314-2FBE-2DE8-DDD70D4DF27E}"/>
+                <a16:creationId xmlns:a16="http://schemas.microsoft.com/office/drawing/2014/main" id="{80796E82-7314-2FBE-2DE8-DDD70D4DF27E}"/>
               </a:ext>
             </a:extLst>
           </p:cNvPr>
@@ -6511,7 +6511,7 @@
           <p:cNvPr id="5" name="椭圆 4">
             <a:extLst>
               <a:ext uri="{FF2B5EF4-FFF2-40B4-BE49-F238E27FC236}">
-                <a16:creationId xmlns:a16="http://schemas.microsoft.com/office/drawing/2014/main" xmlns="" id="{A020CC41-9901-5A10-06D8-1F19650A3A6A}"/>
+                <a16:creationId xmlns:a16="http://schemas.microsoft.com/office/drawing/2014/main" id="{A020CC41-9901-5A10-06D8-1F19650A3A6A}"/>
               </a:ext>
             </a:extLst>
           </p:cNvPr>
@@ -6563,7 +6563,7 @@
           <p:cNvPr id="19" name="Google Shape;73;p14">
             <a:extLst>
               <a:ext uri="{FF2B5EF4-FFF2-40B4-BE49-F238E27FC236}">
-                <a16:creationId xmlns:a16="http://schemas.microsoft.com/office/drawing/2014/main" xmlns="" id="{3442D827-BE6F-DFBF-3B15-223B2753D9E9}"/>
+                <a16:creationId xmlns:a16="http://schemas.microsoft.com/office/drawing/2014/main" id="{3442D827-BE6F-DFBF-3B15-223B2753D9E9}"/>
               </a:ext>
             </a:extLst>
           </p:cNvPr>
@@ -6597,7 +6597,7 @@
           <p:cNvPr id="3" name="椭圆 2">
             <a:extLst>
               <a:ext uri="{FF2B5EF4-FFF2-40B4-BE49-F238E27FC236}">
-                <a16:creationId xmlns:a16="http://schemas.microsoft.com/office/drawing/2014/main" xmlns="" id="{6A049D51-9228-994D-60FB-A0B21405E162}"/>
+                <a16:creationId xmlns:a16="http://schemas.microsoft.com/office/drawing/2014/main" id="{6A049D51-9228-994D-60FB-A0B21405E162}"/>
               </a:ext>
             </a:extLst>
           </p:cNvPr>
@@ -6653,7 +6653,7 @@
           <p:cNvPr id="20" name="椭圆 19">
             <a:extLst>
               <a:ext uri="{FF2B5EF4-FFF2-40B4-BE49-F238E27FC236}">
-                <a16:creationId xmlns:a16="http://schemas.microsoft.com/office/drawing/2014/main" xmlns="" id="{1CB92BD5-35D8-92CB-D9E4-9F7E63F85095}"/>
+                <a16:creationId xmlns:a16="http://schemas.microsoft.com/office/drawing/2014/main" id="{1CB92BD5-35D8-92CB-D9E4-9F7E63F85095}"/>
               </a:ext>
             </a:extLst>
           </p:cNvPr>
@@ -6709,7 +6709,7 @@
           <p:cNvPr id="21" name="椭圆 20">
             <a:extLst>
               <a:ext uri="{FF2B5EF4-FFF2-40B4-BE49-F238E27FC236}">
-                <a16:creationId xmlns:a16="http://schemas.microsoft.com/office/drawing/2014/main" xmlns="" id="{CC0D471C-430C-0F88-B963-906AF37643E5}"/>
+                <a16:creationId xmlns:a16="http://schemas.microsoft.com/office/drawing/2014/main" id="{CC0D471C-430C-0F88-B963-906AF37643E5}"/>
               </a:ext>
             </a:extLst>
           </p:cNvPr>
@@ -6765,7 +6765,7 @@
           <p:cNvPr id="22" name="椭圆 21">
             <a:extLst>
               <a:ext uri="{FF2B5EF4-FFF2-40B4-BE49-F238E27FC236}">
-                <a16:creationId xmlns:a16="http://schemas.microsoft.com/office/drawing/2014/main" xmlns="" id="{ECCA1AA6-1921-4825-44D1-D03BE773AACC}"/>
+                <a16:creationId xmlns:a16="http://schemas.microsoft.com/office/drawing/2014/main" id="{ECCA1AA6-1921-4825-44D1-D03BE773AACC}"/>
               </a:ext>
             </a:extLst>
           </p:cNvPr>
@@ -6821,7 +6821,7 @@
           <p:cNvPr id="23" name="椭圆 22">
             <a:extLst>
               <a:ext uri="{FF2B5EF4-FFF2-40B4-BE49-F238E27FC236}">
-                <a16:creationId xmlns:a16="http://schemas.microsoft.com/office/drawing/2014/main" xmlns="" id="{3F21BD1A-C0DB-4604-449C-A115F86B74D3}"/>
+                <a16:creationId xmlns:a16="http://schemas.microsoft.com/office/drawing/2014/main" id="{3F21BD1A-C0DB-4604-449C-A115F86B74D3}"/>
               </a:ext>
             </a:extLst>
           </p:cNvPr>
@@ -6881,7 +6881,7 @@
           <p:cNvPr id="24" name="椭圆 23">
             <a:extLst>
               <a:ext uri="{FF2B5EF4-FFF2-40B4-BE49-F238E27FC236}">
-                <a16:creationId xmlns:a16="http://schemas.microsoft.com/office/drawing/2014/main" xmlns="" id="{153EDE49-BF0B-3BFF-8FAE-EA9476EE1014}"/>
+                <a16:creationId xmlns:a16="http://schemas.microsoft.com/office/drawing/2014/main" id="{153EDE49-BF0B-3BFF-8FAE-EA9476EE1014}"/>
               </a:ext>
             </a:extLst>
           </p:cNvPr>
@@ -6941,7 +6941,7 @@
           <p:cNvPr id="25" name="椭圆 24">
             <a:extLst>
               <a:ext uri="{FF2B5EF4-FFF2-40B4-BE49-F238E27FC236}">
-                <a16:creationId xmlns:a16="http://schemas.microsoft.com/office/drawing/2014/main" xmlns="" id="{96E59006-D453-BDF9-72CE-BDDB3896D922}"/>
+                <a16:creationId xmlns:a16="http://schemas.microsoft.com/office/drawing/2014/main" id="{96E59006-D453-BDF9-72CE-BDDB3896D922}"/>
               </a:ext>
             </a:extLst>
           </p:cNvPr>
@@ -7001,7 +7001,7 @@
           <p:cNvPr id="26" name="椭圆 25">
             <a:extLst>
               <a:ext uri="{FF2B5EF4-FFF2-40B4-BE49-F238E27FC236}">
-                <a16:creationId xmlns:a16="http://schemas.microsoft.com/office/drawing/2014/main" xmlns="" id="{76DDE1EF-9352-BD67-F294-8E6E8429488F}"/>
+                <a16:creationId xmlns:a16="http://schemas.microsoft.com/office/drawing/2014/main" id="{76DDE1EF-9352-BD67-F294-8E6E8429488F}"/>
               </a:ext>
             </a:extLst>
           </p:cNvPr>
@@ -7061,7 +7061,7 @@
           <p:cNvPr id="6" name="Google Shape;74;p14">
             <a:extLst>
               <a:ext uri="{FF2B5EF4-FFF2-40B4-BE49-F238E27FC236}">
-                <a16:creationId xmlns:a16="http://schemas.microsoft.com/office/drawing/2014/main" xmlns="" id="{8ABB2948-CF7D-7BD6-14B8-367574244CB2}"/>
+                <a16:creationId xmlns:a16="http://schemas.microsoft.com/office/drawing/2014/main" id="{8ABB2948-CF7D-7BD6-14B8-367574244CB2}"/>
               </a:ext>
             </a:extLst>
           </p:cNvPr>
@@ -7095,7 +7095,7 @@
           <p:cNvPr id="7" name="Google Shape;75;p14">
             <a:extLst>
               <a:ext uri="{FF2B5EF4-FFF2-40B4-BE49-F238E27FC236}">
-                <a16:creationId xmlns:a16="http://schemas.microsoft.com/office/drawing/2014/main" xmlns="" id="{744D1F6B-EBF7-049C-9CBC-D2BD265B8DB5}"/>
+                <a16:creationId xmlns:a16="http://schemas.microsoft.com/office/drawing/2014/main" id="{744D1F6B-EBF7-049C-9CBC-D2BD265B8DB5}"/>
               </a:ext>
             </a:extLst>
           </p:cNvPr>
@@ -7129,7 +7129,7 @@
           <p:cNvPr id="8" name="Google Shape;76;p14">
             <a:extLst>
               <a:ext uri="{FF2B5EF4-FFF2-40B4-BE49-F238E27FC236}">
-                <a16:creationId xmlns:a16="http://schemas.microsoft.com/office/drawing/2014/main" xmlns="" id="{A0604560-830C-4AC9-3717-031AA48B5D45}"/>
+                <a16:creationId xmlns:a16="http://schemas.microsoft.com/office/drawing/2014/main" id="{A0604560-830C-4AC9-3717-031AA48B5D45}"/>
               </a:ext>
             </a:extLst>
           </p:cNvPr>
@@ -7163,7 +7163,7 @@
           <p:cNvPr id="9" name="Google Shape;77;p14">
             <a:extLst>
               <a:ext uri="{FF2B5EF4-FFF2-40B4-BE49-F238E27FC236}">
-                <a16:creationId xmlns:a16="http://schemas.microsoft.com/office/drawing/2014/main" xmlns="" id="{DC03C87C-87BB-A5EB-0D50-DDB31F93A6C2}"/>
+                <a16:creationId xmlns:a16="http://schemas.microsoft.com/office/drawing/2014/main" id="{DC03C87C-87BB-A5EB-0D50-DDB31F93A6C2}"/>
               </a:ext>
             </a:extLst>
           </p:cNvPr>
@@ -7197,7 +7197,7 @@
           <p:cNvPr id="10" name="Google Shape;78;p14">
             <a:extLst>
               <a:ext uri="{FF2B5EF4-FFF2-40B4-BE49-F238E27FC236}">
-                <a16:creationId xmlns:a16="http://schemas.microsoft.com/office/drawing/2014/main" xmlns="" id="{281D3DED-9B64-E88B-FC5F-0C30B82A9484}"/>
+                <a16:creationId xmlns:a16="http://schemas.microsoft.com/office/drawing/2014/main" id="{281D3DED-9B64-E88B-FC5F-0C30B82A9484}"/>
               </a:ext>
             </a:extLst>
           </p:cNvPr>
@@ -7231,7 +7231,7 @@
           <p:cNvPr id="11" name="Google Shape;79;p14">
             <a:extLst>
               <a:ext uri="{FF2B5EF4-FFF2-40B4-BE49-F238E27FC236}">
-                <a16:creationId xmlns:a16="http://schemas.microsoft.com/office/drawing/2014/main" xmlns="" id="{0DAE55E6-D474-C395-BC84-8ACA3CE820A0}"/>
+                <a16:creationId xmlns:a16="http://schemas.microsoft.com/office/drawing/2014/main" id="{0DAE55E6-D474-C395-BC84-8ACA3CE820A0}"/>
               </a:ext>
             </a:extLst>
           </p:cNvPr>
@@ -7265,7 +7265,7 @@
           <p:cNvPr id="12" name="Google Shape;80;p14">
             <a:extLst>
               <a:ext uri="{FF2B5EF4-FFF2-40B4-BE49-F238E27FC236}">
-                <a16:creationId xmlns:a16="http://schemas.microsoft.com/office/drawing/2014/main" xmlns="" id="{3A5AAC50-9F06-A76F-B20B-35CF3612E825}"/>
+                <a16:creationId xmlns:a16="http://schemas.microsoft.com/office/drawing/2014/main" id="{3A5AAC50-9F06-A76F-B20B-35CF3612E825}"/>
               </a:ext>
             </a:extLst>
           </p:cNvPr>
@@ -7299,7 +7299,7 @@
           <p:cNvPr id="13" name="Google Shape;81;p14">
             <a:extLst>
               <a:ext uri="{FF2B5EF4-FFF2-40B4-BE49-F238E27FC236}">
-                <a16:creationId xmlns:a16="http://schemas.microsoft.com/office/drawing/2014/main" xmlns="" id="{F33B3BEC-1095-E464-2D03-703E55B0F8A0}"/>
+                <a16:creationId xmlns:a16="http://schemas.microsoft.com/office/drawing/2014/main" id="{F33B3BEC-1095-E464-2D03-703E55B0F8A0}"/>
               </a:ext>
             </a:extLst>
           </p:cNvPr>
@@ -7333,7 +7333,7 @@
           <p:cNvPr id="4" name="文本框 3">
             <a:extLst>
               <a:ext uri="{FF2B5EF4-FFF2-40B4-BE49-F238E27FC236}">
-                <a16:creationId xmlns:a16="http://schemas.microsoft.com/office/drawing/2014/main" xmlns="" id="{3E8E8225-E7B4-E598-7AEB-66BC2EF7864E}"/>
+                <a16:creationId xmlns:a16="http://schemas.microsoft.com/office/drawing/2014/main" id="{3E8E8225-E7B4-E598-7AEB-66BC2EF7864E}"/>
               </a:ext>
             </a:extLst>
           </p:cNvPr>
@@ -7413,7 +7413,7 @@
           <p:cNvPr id="2" name="标题 1">
             <a:extLst>
               <a:ext uri="{FF2B5EF4-FFF2-40B4-BE49-F238E27FC236}">
-                <a16:creationId xmlns:a16="http://schemas.microsoft.com/office/drawing/2014/main" xmlns="" id="{80796E82-7314-2FBE-2DE8-DDD70D4DF27E}"/>
+                <a16:creationId xmlns:a16="http://schemas.microsoft.com/office/drawing/2014/main" id="{80796E82-7314-2FBE-2DE8-DDD70D4DF27E}"/>
               </a:ext>
             </a:extLst>
           </p:cNvPr>
@@ -7462,7 +7462,7 @@
           <p:cNvPr id="5" name="椭圆 4">
             <a:extLst>
               <a:ext uri="{FF2B5EF4-FFF2-40B4-BE49-F238E27FC236}">
-                <a16:creationId xmlns:a16="http://schemas.microsoft.com/office/drawing/2014/main" xmlns="" id="{A020CC41-9901-5A10-06D8-1F19650A3A6A}"/>
+                <a16:creationId xmlns:a16="http://schemas.microsoft.com/office/drawing/2014/main" id="{A020CC41-9901-5A10-06D8-1F19650A3A6A}"/>
               </a:ext>
             </a:extLst>
           </p:cNvPr>
@@ -7514,7 +7514,7 @@
           <p:cNvPr id="19" name="Google Shape;73;p14">
             <a:extLst>
               <a:ext uri="{FF2B5EF4-FFF2-40B4-BE49-F238E27FC236}">
-                <a16:creationId xmlns:a16="http://schemas.microsoft.com/office/drawing/2014/main" xmlns="" id="{3442D827-BE6F-DFBF-3B15-223B2753D9E9}"/>
+                <a16:creationId xmlns:a16="http://schemas.microsoft.com/office/drawing/2014/main" id="{3442D827-BE6F-DFBF-3B15-223B2753D9E9}"/>
               </a:ext>
             </a:extLst>
           </p:cNvPr>
@@ -7548,7 +7548,7 @@
           <p:cNvPr id="6" name="Google Shape;74;p14">
             <a:extLst>
               <a:ext uri="{FF2B5EF4-FFF2-40B4-BE49-F238E27FC236}">
-                <a16:creationId xmlns:a16="http://schemas.microsoft.com/office/drawing/2014/main" xmlns="" id="{8ABB2948-CF7D-7BD6-14B8-367574244CB2}"/>
+                <a16:creationId xmlns:a16="http://schemas.microsoft.com/office/drawing/2014/main" id="{8ABB2948-CF7D-7BD6-14B8-367574244CB2}"/>
               </a:ext>
             </a:extLst>
           </p:cNvPr>
@@ -7582,7 +7582,7 @@
           <p:cNvPr id="7" name="Google Shape;75;p14">
             <a:extLst>
               <a:ext uri="{FF2B5EF4-FFF2-40B4-BE49-F238E27FC236}">
-                <a16:creationId xmlns:a16="http://schemas.microsoft.com/office/drawing/2014/main" xmlns="" id="{744D1F6B-EBF7-049C-9CBC-D2BD265B8DB5}"/>
+                <a16:creationId xmlns:a16="http://schemas.microsoft.com/office/drawing/2014/main" id="{744D1F6B-EBF7-049C-9CBC-D2BD265B8DB5}"/>
               </a:ext>
             </a:extLst>
           </p:cNvPr>
@@ -7616,7 +7616,7 @@
           <p:cNvPr id="8" name="Google Shape;76;p14">
             <a:extLst>
               <a:ext uri="{FF2B5EF4-FFF2-40B4-BE49-F238E27FC236}">
-                <a16:creationId xmlns:a16="http://schemas.microsoft.com/office/drawing/2014/main" xmlns="" id="{A0604560-830C-4AC9-3717-031AA48B5D45}"/>
+                <a16:creationId xmlns:a16="http://schemas.microsoft.com/office/drawing/2014/main" id="{A0604560-830C-4AC9-3717-031AA48B5D45}"/>
               </a:ext>
             </a:extLst>
           </p:cNvPr>
@@ -7650,7 +7650,7 @@
           <p:cNvPr id="9" name="Google Shape;77;p14">
             <a:extLst>
               <a:ext uri="{FF2B5EF4-FFF2-40B4-BE49-F238E27FC236}">
-                <a16:creationId xmlns:a16="http://schemas.microsoft.com/office/drawing/2014/main" xmlns="" id="{DC03C87C-87BB-A5EB-0D50-DDB31F93A6C2}"/>
+                <a16:creationId xmlns:a16="http://schemas.microsoft.com/office/drawing/2014/main" id="{DC03C87C-87BB-A5EB-0D50-DDB31F93A6C2}"/>
               </a:ext>
             </a:extLst>
           </p:cNvPr>
@@ -7684,7 +7684,7 @@
           <p:cNvPr id="10" name="Google Shape;78;p14">
             <a:extLst>
               <a:ext uri="{FF2B5EF4-FFF2-40B4-BE49-F238E27FC236}">
-                <a16:creationId xmlns:a16="http://schemas.microsoft.com/office/drawing/2014/main" xmlns="" id="{281D3DED-9B64-E88B-FC5F-0C30B82A9484}"/>
+                <a16:creationId xmlns:a16="http://schemas.microsoft.com/office/drawing/2014/main" id="{281D3DED-9B64-E88B-FC5F-0C30B82A9484}"/>
               </a:ext>
             </a:extLst>
           </p:cNvPr>
@@ -7718,7 +7718,7 @@
           <p:cNvPr id="11" name="Google Shape;79;p14">
             <a:extLst>
               <a:ext uri="{FF2B5EF4-FFF2-40B4-BE49-F238E27FC236}">
-                <a16:creationId xmlns:a16="http://schemas.microsoft.com/office/drawing/2014/main" xmlns="" id="{0DAE55E6-D474-C395-BC84-8ACA3CE820A0}"/>
+                <a16:creationId xmlns:a16="http://schemas.microsoft.com/office/drawing/2014/main" id="{0DAE55E6-D474-C395-BC84-8ACA3CE820A0}"/>
               </a:ext>
             </a:extLst>
           </p:cNvPr>
@@ -7752,7 +7752,7 @@
           <p:cNvPr id="12" name="Google Shape;80;p14">
             <a:extLst>
               <a:ext uri="{FF2B5EF4-FFF2-40B4-BE49-F238E27FC236}">
-                <a16:creationId xmlns:a16="http://schemas.microsoft.com/office/drawing/2014/main" xmlns="" id="{3A5AAC50-9F06-A76F-B20B-35CF3612E825}"/>
+                <a16:creationId xmlns:a16="http://schemas.microsoft.com/office/drawing/2014/main" id="{3A5AAC50-9F06-A76F-B20B-35CF3612E825}"/>
               </a:ext>
             </a:extLst>
           </p:cNvPr>
@@ -7786,7 +7786,7 @@
           <p:cNvPr id="13" name="Google Shape;81;p14">
             <a:extLst>
               <a:ext uri="{FF2B5EF4-FFF2-40B4-BE49-F238E27FC236}">
-                <a16:creationId xmlns:a16="http://schemas.microsoft.com/office/drawing/2014/main" xmlns="" id="{F33B3BEC-1095-E464-2D03-703E55B0F8A0}"/>
+                <a16:creationId xmlns:a16="http://schemas.microsoft.com/office/drawing/2014/main" id="{F33B3BEC-1095-E464-2D03-703E55B0F8A0}"/>
               </a:ext>
             </a:extLst>
           </p:cNvPr>
@@ -7820,7 +7820,7 @@
           <p:cNvPr id="4" name="文本框 3">
             <a:extLst>
               <a:ext uri="{FF2B5EF4-FFF2-40B4-BE49-F238E27FC236}">
-                <a16:creationId xmlns:a16="http://schemas.microsoft.com/office/drawing/2014/main" xmlns="" id="{3E8E8225-E7B4-E598-7AEB-66BC2EF7864E}"/>
+                <a16:creationId xmlns:a16="http://schemas.microsoft.com/office/drawing/2014/main" id="{3E8E8225-E7B4-E598-7AEB-66BC2EF7864E}"/>
               </a:ext>
             </a:extLst>
           </p:cNvPr>
@@ -7860,7 +7860,7 @@
           <p:cNvPr id="27" name="箭头: 五边形 26">
             <a:extLst>
               <a:ext uri="{FF2B5EF4-FFF2-40B4-BE49-F238E27FC236}">
-                <a16:creationId xmlns:a16="http://schemas.microsoft.com/office/drawing/2014/main" xmlns="" id="{E085494B-F842-4C01-038E-DB08191BB1BE}"/>
+                <a16:creationId xmlns:a16="http://schemas.microsoft.com/office/drawing/2014/main" id="{E085494B-F842-4C01-038E-DB08191BB1BE}"/>
               </a:ext>
             </a:extLst>
           </p:cNvPr>
@@ -7916,7 +7916,7 @@
           <p:cNvPr id="28" name="文本框 27">
             <a:extLst>
               <a:ext uri="{FF2B5EF4-FFF2-40B4-BE49-F238E27FC236}">
-                <a16:creationId xmlns:a16="http://schemas.microsoft.com/office/drawing/2014/main" xmlns="" id="{342B569A-49B6-3B3C-8998-DEDD42D51B66}"/>
+                <a16:creationId xmlns:a16="http://schemas.microsoft.com/office/drawing/2014/main" id="{342B569A-49B6-3B3C-8998-DEDD42D51B66}"/>
               </a:ext>
             </a:extLst>
           </p:cNvPr>
@@ -7952,7 +7952,7 @@
           <p:cNvPr id="29" name="箭头: 五边形 28">
             <a:extLst>
               <a:ext uri="{FF2B5EF4-FFF2-40B4-BE49-F238E27FC236}">
-                <a16:creationId xmlns:a16="http://schemas.microsoft.com/office/drawing/2014/main" xmlns="" id="{3523BFDC-8B96-7B81-3159-C26951EC2B7B}"/>
+                <a16:creationId xmlns:a16="http://schemas.microsoft.com/office/drawing/2014/main" id="{3523BFDC-8B96-7B81-3159-C26951EC2B7B}"/>
               </a:ext>
             </a:extLst>
           </p:cNvPr>
@@ -7999,7 +7999,7 @@
           <p:cNvPr id="30" name="文本框 29">
             <a:extLst>
               <a:ext uri="{FF2B5EF4-FFF2-40B4-BE49-F238E27FC236}">
-                <a16:creationId xmlns:a16="http://schemas.microsoft.com/office/drawing/2014/main" xmlns="" id="{082D8EAA-C93E-D6A9-69A4-C34D928A3F9E}"/>
+                <a16:creationId xmlns:a16="http://schemas.microsoft.com/office/drawing/2014/main" id="{082D8EAA-C93E-D6A9-69A4-C34D928A3F9E}"/>
               </a:ext>
             </a:extLst>
           </p:cNvPr>
@@ -8035,7 +8035,7 @@
           <p:cNvPr id="31" name="箭头: 五边形 30">
             <a:extLst>
               <a:ext uri="{FF2B5EF4-FFF2-40B4-BE49-F238E27FC236}">
-                <a16:creationId xmlns:a16="http://schemas.microsoft.com/office/drawing/2014/main" xmlns="" id="{4B9E0D9B-D17E-69E7-1F9A-99DE7710B7A1}"/>
+                <a16:creationId xmlns:a16="http://schemas.microsoft.com/office/drawing/2014/main" id="{4B9E0D9B-D17E-69E7-1F9A-99DE7710B7A1}"/>
               </a:ext>
             </a:extLst>
           </p:cNvPr>
@@ -8082,7 +8082,7 @@
           <p:cNvPr id="32" name="箭头: 五边形 31">
             <a:extLst>
               <a:ext uri="{FF2B5EF4-FFF2-40B4-BE49-F238E27FC236}">
-                <a16:creationId xmlns:a16="http://schemas.microsoft.com/office/drawing/2014/main" xmlns="" id="{1C58B850-E627-D01E-6544-6FC012CCC33C}"/>
+                <a16:creationId xmlns:a16="http://schemas.microsoft.com/office/drawing/2014/main" id="{1C58B850-E627-D01E-6544-6FC012CCC33C}"/>
               </a:ext>
             </a:extLst>
           </p:cNvPr>
@@ -8138,7 +8138,7 @@
           <p:cNvPr id="33" name="箭头: 五边形 32">
             <a:extLst>
               <a:ext uri="{FF2B5EF4-FFF2-40B4-BE49-F238E27FC236}">
-                <a16:creationId xmlns:a16="http://schemas.microsoft.com/office/drawing/2014/main" xmlns="" id="{C768AE66-F650-1A37-7440-B571549FE915}"/>
+                <a16:creationId xmlns:a16="http://schemas.microsoft.com/office/drawing/2014/main" id="{C768AE66-F650-1A37-7440-B571549FE915}"/>
               </a:ext>
             </a:extLst>
           </p:cNvPr>
@@ -8194,7 +8194,7 @@
           <p:cNvPr id="34" name="箭头: 五边形 33">
             <a:extLst>
               <a:ext uri="{FF2B5EF4-FFF2-40B4-BE49-F238E27FC236}">
-                <a16:creationId xmlns:a16="http://schemas.microsoft.com/office/drawing/2014/main" xmlns="" id="{C73CB313-5C49-648F-D809-8346206978D1}"/>
+                <a16:creationId xmlns:a16="http://schemas.microsoft.com/office/drawing/2014/main" id="{C73CB313-5C49-648F-D809-8346206978D1}"/>
               </a:ext>
             </a:extLst>
           </p:cNvPr>
@@ -8250,7 +8250,7 @@
           <p:cNvPr id="35" name="箭头: 五边形 34">
             <a:extLst>
               <a:ext uri="{FF2B5EF4-FFF2-40B4-BE49-F238E27FC236}">
-                <a16:creationId xmlns:a16="http://schemas.microsoft.com/office/drawing/2014/main" xmlns="" id="{FC836AD9-A293-8E3F-664B-E692D69616E5}"/>
+                <a16:creationId xmlns:a16="http://schemas.microsoft.com/office/drawing/2014/main" id="{FC836AD9-A293-8E3F-664B-E692D69616E5}"/>
               </a:ext>
             </a:extLst>
           </p:cNvPr>
@@ -8306,7 +8306,7 @@
           <p:cNvPr id="37" name="箭头: 五边形 36">
             <a:extLst>
               <a:ext uri="{FF2B5EF4-FFF2-40B4-BE49-F238E27FC236}">
-                <a16:creationId xmlns:a16="http://schemas.microsoft.com/office/drawing/2014/main" xmlns="" id="{05ECD475-37EE-63E8-E9E5-EF81A4619214}"/>
+                <a16:creationId xmlns:a16="http://schemas.microsoft.com/office/drawing/2014/main" id="{05ECD475-37EE-63E8-E9E5-EF81A4619214}"/>
               </a:ext>
             </a:extLst>
           </p:cNvPr>
@@ -8353,7 +8353,7 @@
           <p:cNvPr id="38" name="箭头: 五边形 37">
             <a:extLst>
               <a:ext uri="{FF2B5EF4-FFF2-40B4-BE49-F238E27FC236}">
-                <a16:creationId xmlns:a16="http://schemas.microsoft.com/office/drawing/2014/main" xmlns="" id="{A6B5F2C7-042E-A328-27E2-FE7EEBDB2BDD}"/>
+                <a16:creationId xmlns:a16="http://schemas.microsoft.com/office/drawing/2014/main" id="{A6B5F2C7-042E-A328-27E2-FE7EEBDB2BDD}"/>
               </a:ext>
             </a:extLst>
           </p:cNvPr>
@@ -8400,7 +8400,7 @@
           <p:cNvPr id="39" name="箭头: 五边形 38">
             <a:extLst>
               <a:ext uri="{FF2B5EF4-FFF2-40B4-BE49-F238E27FC236}">
-                <a16:creationId xmlns:a16="http://schemas.microsoft.com/office/drawing/2014/main" xmlns="" id="{2D55E881-1EC3-4110-7472-1065FE27C440}"/>
+                <a16:creationId xmlns:a16="http://schemas.microsoft.com/office/drawing/2014/main" id="{2D55E881-1EC3-4110-7472-1065FE27C440}"/>
               </a:ext>
             </a:extLst>
           </p:cNvPr>
@@ -8477,7 +8477,7 @@
           <p:cNvPr id="2" name="标题 1">
             <a:extLst>
               <a:ext uri="{FF2B5EF4-FFF2-40B4-BE49-F238E27FC236}">
-                <a16:creationId xmlns:a16="http://schemas.microsoft.com/office/drawing/2014/main" xmlns="" id="{80796E82-7314-2FBE-2DE8-DDD70D4DF27E}"/>
+                <a16:creationId xmlns:a16="http://schemas.microsoft.com/office/drawing/2014/main" id="{80796E82-7314-2FBE-2DE8-DDD70D4DF27E}"/>
               </a:ext>
             </a:extLst>
           </p:cNvPr>
@@ -8526,7 +8526,7 @@
           <p:cNvPr id="5" name="椭圆 4">
             <a:extLst>
               <a:ext uri="{FF2B5EF4-FFF2-40B4-BE49-F238E27FC236}">
-                <a16:creationId xmlns:a16="http://schemas.microsoft.com/office/drawing/2014/main" xmlns="" id="{A020CC41-9901-5A10-06D8-1F19650A3A6A}"/>
+                <a16:creationId xmlns:a16="http://schemas.microsoft.com/office/drawing/2014/main" id="{A020CC41-9901-5A10-06D8-1F19650A3A6A}"/>
               </a:ext>
             </a:extLst>
           </p:cNvPr>
@@ -8578,7 +8578,7 @@
           <p:cNvPr id="19" name="Google Shape;73;p14">
             <a:extLst>
               <a:ext uri="{FF2B5EF4-FFF2-40B4-BE49-F238E27FC236}">
-                <a16:creationId xmlns:a16="http://schemas.microsoft.com/office/drawing/2014/main" xmlns="" id="{3442D827-BE6F-DFBF-3B15-223B2753D9E9}"/>
+                <a16:creationId xmlns:a16="http://schemas.microsoft.com/office/drawing/2014/main" id="{3442D827-BE6F-DFBF-3B15-223B2753D9E9}"/>
               </a:ext>
             </a:extLst>
           </p:cNvPr>
@@ -8612,7 +8612,7 @@
           <p:cNvPr id="3" name="椭圆 2">
             <a:extLst>
               <a:ext uri="{FF2B5EF4-FFF2-40B4-BE49-F238E27FC236}">
-                <a16:creationId xmlns:a16="http://schemas.microsoft.com/office/drawing/2014/main" xmlns="" id="{6A049D51-9228-994D-60FB-A0B21405E162}"/>
+                <a16:creationId xmlns:a16="http://schemas.microsoft.com/office/drawing/2014/main" id="{6A049D51-9228-994D-60FB-A0B21405E162}"/>
               </a:ext>
             </a:extLst>
           </p:cNvPr>
@@ -8668,7 +8668,7 @@
           <p:cNvPr id="20" name="椭圆 19">
             <a:extLst>
               <a:ext uri="{FF2B5EF4-FFF2-40B4-BE49-F238E27FC236}">
-                <a16:creationId xmlns:a16="http://schemas.microsoft.com/office/drawing/2014/main" xmlns="" id="{1CB92BD5-35D8-92CB-D9E4-9F7E63F85095}"/>
+                <a16:creationId xmlns:a16="http://schemas.microsoft.com/office/drawing/2014/main" id="{1CB92BD5-35D8-92CB-D9E4-9F7E63F85095}"/>
               </a:ext>
             </a:extLst>
           </p:cNvPr>
@@ -8724,7 +8724,7 @@
           <p:cNvPr id="21" name="椭圆 20">
             <a:extLst>
               <a:ext uri="{FF2B5EF4-FFF2-40B4-BE49-F238E27FC236}">
-                <a16:creationId xmlns:a16="http://schemas.microsoft.com/office/drawing/2014/main" xmlns="" id="{CC0D471C-430C-0F88-B963-906AF37643E5}"/>
+                <a16:creationId xmlns:a16="http://schemas.microsoft.com/office/drawing/2014/main" id="{CC0D471C-430C-0F88-B963-906AF37643E5}"/>
               </a:ext>
             </a:extLst>
           </p:cNvPr>
@@ -8780,7 +8780,7 @@
           <p:cNvPr id="22" name="椭圆 21">
             <a:extLst>
               <a:ext uri="{FF2B5EF4-FFF2-40B4-BE49-F238E27FC236}">
-                <a16:creationId xmlns:a16="http://schemas.microsoft.com/office/drawing/2014/main" xmlns="" id="{ECCA1AA6-1921-4825-44D1-D03BE773AACC}"/>
+                <a16:creationId xmlns:a16="http://schemas.microsoft.com/office/drawing/2014/main" id="{ECCA1AA6-1921-4825-44D1-D03BE773AACC}"/>
               </a:ext>
             </a:extLst>
           </p:cNvPr>
@@ -8836,7 +8836,7 @@
           <p:cNvPr id="23" name="椭圆 22">
             <a:extLst>
               <a:ext uri="{FF2B5EF4-FFF2-40B4-BE49-F238E27FC236}">
-                <a16:creationId xmlns:a16="http://schemas.microsoft.com/office/drawing/2014/main" xmlns="" id="{3F21BD1A-C0DB-4604-449C-A115F86B74D3}"/>
+                <a16:creationId xmlns:a16="http://schemas.microsoft.com/office/drawing/2014/main" id="{3F21BD1A-C0DB-4604-449C-A115F86B74D3}"/>
               </a:ext>
             </a:extLst>
           </p:cNvPr>
@@ -8896,7 +8896,7 @@
           <p:cNvPr id="24" name="椭圆 23">
             <a:extLst>
               <a:ext uri="{FF2B5EF4-FFF2-40B4-BE49-F238E27FC236}">
-                <a16:creationId xmlns:a16="http://schemas.microsoft.com/office/drawing/2014/main" xmlns="" id="{153EDE49-BF0B-3BFF-8FAE-EA9476EE1014}"/>
+                <a16:creationId xmlns:a16="http://schemas.microsoft.com/office/drawing/2014/main" id="{153EDE49-BF0B-3BFF-8FAE-EA9476EE1014}"/>
               </a:ext>
             </a:extLst>
           </p:cNvPr>
@@ -8956,7 +8956,7 @@
           <p:cNvPr id="25" name="椭圆 24">
             <a:extLst>
               <a:ext uri="{FF2B5EF4-FFF2-40B4-BE49-F238E27FC236}">
-                <a16:creationId xmlns:a16="http://schemas.microsoft.com/office/drawing/2014/main" xmlns="" id="{96E59006-D453-BDF9-72CE-BDDB3896D922}"/>
+                <a16:creationId xmlns:a16="http://schemas.microsoft.com/office/drawing/2014/main" id="{96E59006-D453-BDF9-72CE-BDDB3896D922}"/>
               </a:ext>
             </a:extLst>
           </p:cNvPr>
@@ -9016,7 +9016,7 @@
           <p:cNvPr id="26" name="椭圆 25">
             <a:extLst>
               <a:ext uri="{FF2B5EF4-FFF2-40B4-BE49-F238E27FC236}">
-                <a16:creationId xmlns:a16="http://schemas.microsoft.com/office/drawing/2014/main" xmlns="" id="{76DDE1EF-9352-BD67-F294-8E6E8429488F}"/>
+                <a16:creationId xmlns:a16="http://schemas.microsoft.com/office/drawing/2014/main" id="{76DDE1EF-9352-BD67-F294-8E6E8429488F}"/>
               </a:ext>
             </a:extLst>
           </p:cNvPr>
@@ -9076,7 +9076,7 @@
           <p:cNvPr id="4" name="文本框 3">
             <a:extLst>
               <a:ext uri="{FF2B5EF4-FFF2-40B4-BE49-F238E27FC236}">
-                <a16:creationId xmlns:a16="http://schemas.microsoft.com/office/drawing/2014/main" xmlns="" id="{3E8E8225-E7B4-E598-7AEB-66BC2EF7864E}"/>
+                <a16:creationId xmlns:a16="http://schemas.microsoft.com/office/drawing/2014/main" id="{3E8E8225-E7B4-E598-7AEB-66BC2EF7864E}"/>
               </a:ext>
             </a:extLst>
           </p:cNvPr>
@@ -9126,7 +9126,7 @@
           <p:cNvPr id="27" name="Google Shape;74;p14">
             <a:extLst>
               <a:ext uri="{FF2B5EF4-FFF2-40B4-BE49-F238E27FC236}">
-                <a16:creationId xmlns:a16="http://schemas.microsoft.com/office/drawing/2014/main" xmlns="" id="{F001360C-F541-C9AF-53E6-BA5E50272227}"/>
+                <a16:creationId xmlns:a16="http://schemas.microsoft.com/office/drawing/2014/main" id="{F001360C-F541-C9AF-53E6-BA5E50272227}"/>
               </a:ext>
             </a:extLst>
           </p:cNvPr>
@@ -9160,7 +9160,7 @@
           <p:cNvPr id="28" name="Google Shape;75;p14">
             <a:extLst>
               <a:ext uri="{FF2B5EF4-FFF2-40B4-BE49-F238E27FC236}">
-                <a16:creationId xmlns:a16="http://schemas.microsoft.com/office/drawing/2014/main" xmlns="" id="{BC47DF63-D787-76FF-F6E1-924DB122ED98}"/>
+                <a16:creationId xmlns:a16="http://schemas.microsoft.com/office/drawing/2014/main" id="{BC47DF63-D787-76FF-F6E1-924DB122ED98}"/>
               </a:ext>
             </a:extLst>
           </p:cNvPr>
@@ -9194,7 +9194,7 @@
           <p:cNvPr id="29" name="Google Shape;76;p14">
             <a:extLst>
               <a:ext uri="{FF2B5EF4-FFF2-40B4-BE49-F238E27FC236}">
-                <a16:creationId xmlns:a16="http://schemas.microsoft.com/office/drawing/2014/main" xmlns="" id="{E6DB3436-E7A1-74A4-306B-891B37C2E2BC}"/>
+                <a16:creationId xmlns:a16="http://schemas.microsoft.com/office/drawing/2014/main" id="{E6DB3436-E7A1-74A4-306B-891B37C2E2BC}"/>
               </a:ext>
             </a:extLst>
           </p:cNvPr>
@@ -9228,7 +9228,7 @@
           <p:cNvPr id="30" name="Google Shape;77;p14">
             <a:extLst>
               <a:ext uri="{FF2B5EF4-FFF2-40B4-BE49-F238E27FC236}">
-                <a16:creationId xmlns:a16="http://schemas.microsoft.com/office/drawing/2014/main" xmlns="" id="{4732D7A8-7A22-D333-C97E-9E6837577A1F}"/>
+                <a16:creationId xmlns:a16="http://schemas.microsoft.com/office/drawing/2014/main" id="{4732D7A8-7A22-D333-C97E-9E6837577A1F}"/>
               </a:ext>
             </a:extLst>
           </p:cNvPr>
@@ -9262,7 +9262,7 @@
           <p:cNvPr id="31" name="Google Shape;78;p14">
             <a:extLst>
               <a:ext uri="{FF2B5EF4-FFF2-40B4-BE49-F238E27FC236}">
-                <a16:creationId xmlns:a16="http://schemas.microsoft.com/office/drawing/2014/main" xmlns="" id="{56A704A4-652B-FEB3-E4FD-002BB01DD9FD}"/>
+                <a16:creationId xmlns:a16="http://schemas.microsoft.com/office/drawing/2014/main" id="{56A704A4-652B-FEB3-E4FD-002BB01DD9FD}"/>
               </a:ext>
             </a:extLst>
           </p:cNvPr>
@@ -9296,7 +9296,7 @@
           <p:cNvPr id="32" name="Google Shape;79;p14">
             <a:extLst>
               <a:ext uri="{FF2B5EF4-FFF2-40B4-BE49-F238E27FC236}">
-                <a16:creationId xmlns:a16="http://schemas.microsoft.com/office/drawing/2014/main" xmlns="" id="{2B1EC5ED-8A2C-AFB1-031C-190E068ED4D4}"/>
+                <a16:creationId xmlns:a16="http://schemas.microsoft.com/office/drawing/2014/main" id="{2B1EC5ED-8A2C-AFB1-031C-190E068ED4D4}"/>
               </a:ext>
             </a:extLst>
           </p:cNvPr>
@@ -9330,7 +9330,7 @@
           <p:cNvPr id="33" name="Google Shape;80;p14">
             <a:extLst>
               <a:ext uri="{FF2B5EF4-FFF2-40B4-BE49-F238E27FC236}">
-                <a16:creationId xmlns:a16="http://schemas.microsoft.com/office/drawing/2014/main" xmlns="" id="{66CD08D3-5714-3526-9D5B-B8686C293498}"/>
+                <a16:creationId xmlns:a16="http://schemas.microsoft.com/office/drawing/2014/main" id="{66CD08D3-5714-3526-9D5B-B8686C293498}"/>
               </a:ext>
             </a:extLst>
           </p:cNvPr>
@@ -9364,7 +9364,7 @@
           <p:cNvPr id="34" name="Google Shape;81;p14">
             <a:extLst>
               <a:ext uri="{FF2B5EF4-FFF2-40B4-BE49-F238E27FC236}">
-                <a16:creationId xmlns:a16="http://schemas.microsoft.com/office/drawing/2014/main" xmlns="" id="{08D2C6F6-EC7E-991B-0ABD-435E54875096}"/>
+                <a16:creationId xmlns:a16="http://schemas.microsoft.com/office/drawing/2014/main" id="{08D2C6F6-EC7E-991B-0ABD-435E54875096}"/>
               </a:ext>
             </a:extLst>
           </p:cNvPr>
@@ -9398,7 +9398,7 @@
           <p:cNvPr id="35" name="箭头: 五边形 34">
             <a:extLst>
               <a:ext uri="{FF2B5EF4-FFF2-40B4-BE49-F238E27FC236}">
-                <a16:creationId xmlns:a16="http://schemas.microsoft.com/office/drawing/2014/main" xmlns="" id="{45CBFFAB-1872-D837-E2C6-E919DC9EBA01}"/>
+                <a16:creationId xmlns:a16="http://schemas.microsoft.com/office/drawing/2014/main" id="{45CBFFAB-1872-D837-E2C6-E919DC9EBA01}"/>
               </a:ext>
             </a:extLst>
           </p:cNvPr>
@@ -9445,7 +9445,7 @@
           <p:cNvPr id="36" name="箭头: 五边形 35">
             <a:extLst>
               <a:ext uri="{FF2B5EF4-FFF2-40B4-BE49-F238E27FC236}">
-                <a16:creationId xmlns:a16="http://schemas.microsoft.com/office/drawing/2014/main" xmlns="" id="{E1B40010-B40E-1B8F-1326-136C2A5B675C}"/>
+                <a16:creationId xmlns:a16="http://schemas.microsoft.com/office/drawing/2014/main" id="{E1B40010-B40E-1B8F-1326-136C2A5B675C}"/>
               </a:ext>
             </a:extLst>
           </p:cNvPr>
@@ -9501,7 +9501,7 @@
           <p:cNvPr id="37" name="箭头: 五边形 36">
             <a:extLst>
               <a:ext uri="{FF2B5EF4-FFF2-40B4-BE49-F238E27FC236}">
-                <a16:creationId xmlns:a16="http://schemas.microsoft.com/office/drawing/2014/main" xmlns="" id="{3D0F7E28-4B9F-42FB-3041-A660EACDA846}"/>
+                <a16:creationId xmlns:a16="http://schemas.microsoft.com/office/drawing/2014/main" id="{3D0F7E28-4B9F-42FB-3041-A660EACDA846}"/>
               </a:ext>
             </a:extLst>
           </p:cNvPr>
@@ -9557,7 +9557,7 @@
           <p:cNvPr id="38" name="箭头: 五边形 37">
             <a:extLst>
               <a:ext uri="{FF2B5EF4-FFF2-40B4-BE49-F238E27FC236}">
-                <a16:creationId xmlns:a16="http://schemas.microsoft.com/office/drawing/2014/main" xmlns="" id="{F2C895B2-888C-AE59-96AA-DC572DF8AECF}"/>
+                <a16:creationId xmlns:a16="http://schemas.microsoft.com/office/drawing/2014/main" id="{F2C895B2-888C-AE59-96AA-DC572DF8AECF}"/>
               </a:ext>
             </a:extLst>
           </p:cNvPr>
@@ -9613,7 +9613,7 @@
           <p:cNvPr id="39" name="箭头: 五边形 38">
             <a:extLst>
               <a:ext uri="{FF2B5EF4-FFF2-40B4-BE49-F238E27FC236}">
-                <a16:creationId xmlns:a16="http://schemas.microsoft.com/office/drawing/2014/main" xmlns="" id="{FE7171F9-6901-D35F-3EBF-EF312187A7B1}"/>
+                <a16:creationId xmlns:a16="http://schemas.microsoft.com/office/drawing/2014/main" id="{FE7171F9-6901-D35F-3EBF-EF312187A7B1}"/>
               </a:ext>
             </a:extLst>
           </p:cNvPr>
@@ -9669,7 +9669,7 @@
           <p:cNvPr id="40" name="箭头: 五边形 39">
             <a:extLst>
               <a:ext uri="{FF2B5EF4-FFF2-40B4-BE49-F238E27FC236}">
-                <a16:creationId xmlns:a16="http://schemas.microsoft.com/office/drawing/2014/main" xmlns="" id="{16B50CFD-37FF-2522-847C-ED21245232E4}"/>
+                <a16:creationId xmlns:a16="http://schemas.microsoft.com/office/drawing/2014/main" id="{16B50CFD-37FF-2522-847C-ED21245232E4}"/>
               </a:ext>
             </a:extLst>
           </p:cNvPr>
@@ -9716,7 +9716,7 @@
           <p:cNvPr id="41" name="箭头: 五边形 40">
             <a:extLst>
               <a:ext uri="{FF2B5EF4-FFF2-40B4-BE49-F238E27FC236}">
-                <a16:creationId xmlns:a16="http://schemas.microsoft.com/office/drawing/2014/main" xmlns="" id="{E064F493-09BD-2E6B-64E8-D8FB51398996}"/>
+                <a16:creationId xmlns:a16="http://schemas.microsoft.com/office/drawing/2014/main" id="{E064F493-09BD-2E6B-64E8-D8FB51398996}"/>
               </a:ext>
             </a:extLst>
           </p:cNvPr>
@@ -9763,7 +9763,7 @@
           <p:cNvPr id="42" name="箭头: 五边形 41">
             <a:extLst>
               <a:ext uri="{FF2B5EF4-FFF2-40B4-BE49-F238E27FC236}">
-                <a16:creationId xmlns:a16="http://schemas.microsoft.com/office/drawing/2014/main" xmlns="" id="{17EE7FAC-09DB-BC90-8147-28775EF08FEB}"/>
+                <a16:creationId xmlns:a16="http://schemas.microsoft.com/office/drawing/2014/main" id="{17EE7FAC-09DB-BC90-8147-28775EF08FEB}"/>
               </a:ext>
             </a:extLst>
           </p:cNvPr>
@@ -9840,7 +9840,7 @@
           <p:cNvPr id="2" name="标题 1">
             <a:extLst>
               <a:ext uri="{FF2B5EF4-FFF2-40B4-BE49-F238E27FC236}">
-                <a16:creationId xmlns:a16="http://schemas.microsoft.com/office/drawing/2014/main" xmlns="" id="{80796E82-7314-2FBE-2DE8-DDD70D4DF27E}"/>
+                <a16:creationId xmlns:a16="http://schemas.microsoft.com/office/drawing/2014/main" id="{80796E82-7314-2FBE-2DE8-DDD70D4DF27E}"/>
               </a:ext>
             </a:extLst>
           </p:cNvPr>
@@ -9889,7 +9889,7 @@
           <p:cNvPr id="5" name="椭圆 4">
             <a:extLst>
               <a:ext uri="{FF2B5EF4-FFF2-40B4-BE49-F238E27FC236}">
-                <a16:creationId xmlns:a16="http://schemas.microsoft.com/office/drawing/2014/main" xmlns="" id="{A020CC41-9901-5A10-06D8-1F19650A3A6A}"/>
+                <a16:creationId xmlns:a16="http://schemas.microsoft.com/office/drawing/2014/main" id="{A020CC41-9901-5A10-06D8-1F19650A3A6A}"/>
               </a:ext>
             </a:extLst>
           </p:cNvPr>
@@ -9941,7 +9941,7 @@
           <p:cNvPr id="19" name="Google Shape;73;p14">
             <a:extLst>
               <a:ext uri="{FF2B5EF4-FFF2-40B4-BE49-F238E27FC236}">
-                <a16:creationId xmlns:a16="http://schemas.microsoft.com/office/drawing/2014/main" xmlns="" id="{3442D827-BE6F-DFBF-3B15-223B2753D9E9}"/>
+                <a16:creationId xmlns:a16="http://schemas.microsoft.com/office/drawing/2014/main" id="{3442D827-BE6F-DFBF-3B15-223B2753D9E9}"/>
               </a:ext>
             </a:extLst>
           </p:cNvPr>
@@ -9975,7 +9975,7 @@
           <p:cNvPr id="6" name="Google Shape;74;p14">
             <a:extLst>
               <a:ext uri="{FF2B5EF4-FFF2-40B4-BE49-F238E27FC236}">
-                <a16:creationId xmlns:a16="http://schemas.microsoft.com/office/drawing/2014/main" xmlns="" id="{8ABB2948-CF7D-7BD6-14B8-367574244CB2}"/>
+                <a16:creationId xmlns:a16="http://schemas.microsoft.com/office/drawing/2014/main" id="{8ABB2948-CF7D-7BD6-14B8-367574244CB2}"/>
               </a:ext>
             </a:extLst>
           </p:cNvPr>
@@ -10009,7 +10009,7 @@
           <p:cNvPr id="7" name="Google Shape;75;p14">
             <a:extLst>
               <a:ext uri="{FF2B5EF4-FFF2-40B4-BE49-F238E27FC236}">
-                <a16:creationId xmlns:a16="http://schemas.microsoft.com/office/drawing/2014/main" xmlns="" id="{744D1F6B-EBF7-049C-9CBC-D2BD265B8DB5}"/>
+                <a16:creationId xmlns:a16="http://schemas.microsoft.com/office/drawing/2014/main" id="{744D1F6B-EBF7-049C-9CBC-D2BD265B8DB5}"/>
               </a:ext>
             </a:extLst>
           </p:cNvPr>
@@ -10043,7 +10043,7 @@
           <p:cNvPr id="8" name="Google Shape;76;p14">
             <a:extLst>
               <a:ext uri="{FF2B5EF4-FFF2-40B4-BE49-F238E27FC236}">
-                <a16:creationId xmlns:a16="http://schemas.microsoft.com/office/drawing/2014/main" xmlns="" id="{A0604560-830C-4AC9-3717-031AA48B5D45}"/>
+                <a16:creationId xmlns:a16="http://schemas.microsoft.com/office/drawing/2014/main" id="{A0604560-830C-4AC9-3717-031AA48B5D45}"/>
               </a:ext>
             </a:extLst>
           </p:cNvPr>
@@ -10077,7 +10077,7 @@
           <p:cNvPr id="9" name="Google Shape;77;p14">
             <a:extLst>
               <a:ext uri="{FF2B5EF4-FFF2-40B4-BE49-F238E27FC236}">
-                <a16:creationId xmlns:a16="http://schemas.microsoft.com/office/drawing/2014/main" xmlns="" id="{DC03C87C-87BB-A5EB-0D50-DDB31F93A6C2}"/>
+                <a16:creationId xmlns:a16="http://schemas.microsoft.com/office/drawing/2014/main" id="{DC03C87C-87BB-A5EB-0D50-DDB31F93A6C2}"/>
               </a:ext>
             </a:extLst>
           </p:cNvPr>
@@ -10111,7 +10111,7 @@
           <p:cNvPr id="10" name="Google Shape;78;p14">
             <a:extLst>
               <a:ext uri="{FF2B5EF4-FFF2-40B4-BE49-F238E27FC236}">
-                <a16:creationId xmlns:a16="http://schemas.microsoft.com/office/drawing/2014/main" xmlns="" id="{281D3DED-9B64-E88B-FC5F-0C30B82A9484}"/>
+                <a16:creationId xmlns:a16="http://schemas.microsoft.com/office/drawing/2014/main" id="{281D3DED-9B64-E88B-FC5F-0C30B82A9484}"/>
               </a:ext>
             </a:extLst>
           </p:cNvPr>
@@ -10145,7 +10145,7 @@
           <p:cNvPr id="11" name="Google Shape;79;p14">
             <a:extLst>
               <a:ext uri="{FF2B5EF4-FFF2-40B4-BE49-F238E27FC236}">
-                <a16:creationId xmlns:a16="http://schemas.microsoft.com/office/drawing/2014/main" xmlns="" id="{0DAE55E6-D474-C395-BC84-8ACA3CE820A0}"/>
+                <a16:creationId xmlns:a16="http://schemas.microsoft.com/office/drawing/2014/main" id="{0DAE55E6-D474-C395-BC84-8ACA3CE820A0}"/>
               </a:ext>
             </a:extLst>
           </p:cNvPr>
@@ -10179,7 +10179,7 @@
           <p:cNvPr id="12" name="Google Shape;80;p14">
             <a:extLst>
               <a:ext uri="{FF2B5EF4-FFF2-40B4-BE49-F238E27FC236}">
-                <a16:creationId xmlns:a16="http://schemas.microsoft.com/office/drawing/2014/main" xmlns="" id="{3A5AAC50-9F06-A76F-B20B-35CF3612E825}"/>
+                <a16:creationId xmlns:a16="http://schemas.microsoft.com/office/drawing/2014/main" id="{3A5AAC50-9F06-A76F-B20B-35CF3612E825}"/>
               </a:ext>
             </a:extLst>
           </p:cNvPr>
@@ -10213,7 +10213,7 @@
           <p:cNvPr id="13" name="Google Shape;81;p14">
             <a:extLst>
               <a:ext uri="{FF2B5EF4-FFF2-40B4-BE49-F238E27FC236}">
-                <a16:creationId xmlns:a16="http://schemas.microsoft.com/office/drawing/2014/main" xmlns="" id="{F33B3BEC-1095-E464-2D03-703E55B0F8A0}"/>
+                <a16:creationId xmlns:a16="http://schemas.microsoft.com/office/drawing/2014/main" id="{F33B3BEC-1095-E464-2D03-703E55B0F8A0}"/>
               </a:ext>
             </a:extLst>
           </p:cNvPr>
@@ -10247,7 +10247,7 @@
           <p:cNvPr id="4" name="文本框 3">
             <a:extLst>
               <a:ext uri="{FF2B5EF4-FFF2-40B4-BE49-F238E27FC236}">
-                <a16:creationId xmlns:a16="http://schemas.microsoft.com/office/drawing/2014/main" xmlns="" id="{3E8E8225-E7B4-E598-7AEB-66BC2EF7864E}"/>
+                <a16:creationId xmlns:a16="http://schemas.microsoft.com/office/drawing/2014/main" id="{3E8E8225-E7B4-E598-7AEB-66BC2EF7864E}"/>
               </a:ext>
             </a:extLst>
           </p:cNvPr>
@@ -10287,7 +10287,7 @@
           <p:cNvPr id="31" name="箭头: 五边形 30">
             <a:extLst>
               <a:ext uri="{FF2B5EF4-FFF2-40B4-BE49-F238E27FC236}">
-                <a16:creationId xmlns:a16="http://schemas.microsoft.com/office/drawing/2014/main" xmlns="" id="{4B9E0D9B-D17E-69E7-1F9A-99DE7710B7A1}"/>
+                <a16:creationId xmlns:a16="http://schemas.microsoft.com/office/drawing/2014/main" id="{4B9E0D9B-D17E-69E7-1F9A-99DE7710B7A1}"/>
               </a:ext>
             </a:extLst>
           </p:cNvPr>
@@ -10334,7 +10334,7 @@
           <p:cNvPr id="32" name="箭头: 五边形 31">
             <a:extLst>
               <a:ext uri="{FF2B5EF4-FFF2-40B4-BE49-F238E27FC236}">
-                <a16:creationId xmlns:a16="http://schemas.microsoft.com/office/drawing/2014/main" xmlns="" id="{1C58B850-E627-D01E-6544-6FC012CCC33C}"/>
+                <a16:creationId xmlns:a16="http://schemas.microsoft.com/office/drawing/2014/main" id="{1C58B850-E627-D01E-6544-6FC012CCC33C}"/>
               </a:ext>
             </a:extLst>
           </p:cNvPr>
@@ -10390,7 +10390,7 @@
           <p:cNvPr id="33" name="箭头: 五边形 32">
             <a:extLst>
               <a:ext uri="{FF2B5EF4-FFF2-40B4-BE49-F238E27FC236}">
-                <a16:creationId xmlns:a16="http://schemas.microsoft.com/office/drawing/2014/main" xmlns="" id="{C768AE66-F650-1A37-7440-B571549FE915}"/>
+                <a16:creationId xmlns:a16="http://schemas.microsoft.com/office/drawing/2014/main" id="{C768AE66-F650-1A37-7440-B571549FE915}"/>
               </a:ext>
             </a:extLst>
           </p:cNvPr>
@@ -10446,7 +10446,7 @@
           <p:cNvPr id="34" name="箭头: 五边形 33">
             <a:extLst>
               <a:ext uri="{FF2B5EF4-FFF2-40B4-BE49-F238E27FC236}">
-                <a16:creationId xmlns:a16="http://schemas.microsoft.com/office/drawing/2014/main" xmlns="" id="{C73CB313-5C49-648F-D809-8346206978D1}"/>
+                <a16:creationId xmlns:a16="http://schemas.microsoft.com/office/drawing/2014/main" id="{C73CB313-5C49-648F-D809-8346206978D1}"/>
               </a:ext>
             </a:extLst>
           </p:cNvPr>
@@ -10502,7 +10502,7 @@
           <p:cNvPr id="35" name="箭头: 五边形 34">
             <a:extLst>
               <a:ext uri="{FF2B5EF4-FFF2-40B4-BE49-F238E27FC236}">
-                <a16:creationId xmlns:a16="http://schemas.microsoft.com/office/drawing/2014/main" xmlns="" id="{FC836AD9-A293-8E3F-664B-E692D69616E5}"/>
+                <a16:creationId xmlns:a16="http://schemas.microsoft.com/office/drawing/2014/main" id="{FC836AD9-A293-8E3F-664B-E692D69616E5}"/>
               </a:ext>
             </a:extLst>
           </p:cNvPr>
@@ -10558,7 +10558,7 @@
           <p:cNvPr id="37" name="箭头: 五边形 36">
             <a:extLst>
               <a:ext uri="{FF2B5EF4-FFF2-40B4-BE49-F238E27FC236}">
-                <a16:creationId xmlns:a16="http://schemas.microsoft.com/office/drawing/2014/main" xmlns="" id="{05ECD475-37EE-63E8-E9E5-EF81A4619214}"/>
+                <a16:creationId xmlns:a16="http://schemas.microsoft.com/office/drawing/2014/main" id="{05ECD475-37EE-63E8-E9E5-EF81A4619214}"/>
               </a:ext>
             </a:extLst>
           </p:cNvPr>
@@ -10605,7 +10605,7 @@
           <p:cNvPr id="38" name="箭头: 五边形 37">
             <a:extLst>
               <a:ext uri="{FF2B5EF4-FFF2-40B4-BE49-F238E27FC236}">
-                <a16:creationId xmlns:a16="http://schemas.microsoft.com/office/drawing/2014/main" xmlns="" id="{A6B5F2C7-042E-A328-27E2-FE7EEBDB2BDD}"/>
+                <a16:creationId xmlns:a16="http://schemas.microsoft.com/office/drawing/2014/main" id="{A6B5F2C7-042E-A328-27E2-FE7EEBDB2BDD}"/>
               </a:ext>
             </a:extLst>
           </p:cNvPr>
@@ -10652,7 +10652,7 @@
           <p:cNvPr id="39" name="箭头: 五边形 38">
             <a:extLst>
               <a:ext uri="{FF2B5EF4-FFF2-40B4-BE49-F238E27FC236}">
-                <a16:creationId xmlns:a16="http://schemas.microsoft.com/office/drawing/2014/main" xmlns="" id="{2D55E881-1EC3-4110-7472-1065FE27C440}"/>
+                <a16:creationId xmlns:a16="http://schemas.microsoft.com/office/drawing/2014/main" id="{2D55E881-1EC3-4110-7472-1065FE27C440}"/>
               </a:ext>
             </a:extLst>
           </p:cNvPr>
@@ -10729,7 +10729,7 @@
           <p:cNvPr id="2" name="标题 1">
             <a:extLst>
               <a:ext uri="{FF2B5EF4-FFF2-40B4-BE49-F238E27FC236}">
-                <a16:creationId xmlns:a16="http://schemas.microsoft.com/office/drawing/2014/main" xmlns="" id="{80796E82-7314-2FBE-2DE8-DDD70D4DF27E}"/>
+                <a16:creationId xmlns:a16="http://schemas.microsoft.com/office/drawing/2014/main" id="{80796E82-7314-2FBE-2DE8-DDD70D4DF27E}"/>
               </a:ext>
             </a:extLst>
           </p:cNvPr>
@@ -10778,7 +10778,7 @@
           <p:cNvPr id="5" name="椭圆 4">
             <a:extLst>
               <a:ext uri="{FF2B5EF4-FFF2-40B4-BE49-F238E27FC236}">
-                <a16:creationId xmlns:a16="http://schemas.microsoft.com/office/drawing/2014/main" xmlns="" id="{A020CC41-9901-5A10-06D8-1F19650A3A6A}"/>
+                <a16:creationId xmlns:a16="http://schemas.microsoft.com/office/drawing/2014/main" id="{A020CC41-9901-5A10-06D8-1F19650A3A6A}"/>
               </a:ext>
             </a:extLst>
           </p:cNvPr>
@@ -10830,7 +10830,7 @@
           <p:cNvPr id="19" name="Google Shape;73;p14">
             <a:extLst>
               <a:ext uri="{FF2B5EF4-FFF2-40B4-BE49-F238E27FC236}">
-                <a16:creationId xmlns:a16="http://schemas.microsoft.com/office/drawing/2014/main" xmlns="" id="{3442D827-BE6F-DFBF-3B15-223B2753D9E9}"/>
+                <a16:creationId xmlns:a16="http://schemas.microsoft.com/office/drawing/2014/main" id="{3442D827-BE6F-DFBF-3B15-223B2753D9E9}"/>
               </a:ext>
             </a:extLst>
           </p:cNvPr>
@@ -10864,7 +10864,7 @@
           <p:cNvPr id="4" name="文本框 3">
             <a:extLst>
               <a:ext uri="{FF2B5EF4-FFF2-40B4-BE49-F238E27FC236}">
-                <a16:creationId xmlns:a16="http://schemas.microsoft.com/office/drawing/2014/main" xmlns="" id="{3E8E8225-E7B4-E598-7AEB-66BC2EF7864E}"/>
+                <a16:creationId xmlns:a16="http://schemas.microsoft.com/office/drawing/2014/main" id="{3E8E8225-E7B4-E598-7AEB-66BC2EF7864E}"/>
               </a:ext>
             </a:extLst>
           </p:cNvPr>
@@ -10914,7 +10914,7 @@
           <p:cNvPr id="22" name="椭圆 21">
             <a:extLst>
               <a:ext uri="{FF2B5EF4-FFF2-40B4-BE49-F238E27FC236}">
-                <a16:creationId xmlns:a16="http://schemas.microsoft.com/office/drawing/2014/main" xmlns="" id="{4E75EC5F-C5EA-EA42-7F36-03E60DC340EA}"/>
+                <a16:creationId xmlns:a16="http://schemas.microsoft.com/office/drawing/2014/main" id="{4E75EC5F-C5EA-EA42-7F36-03E60DC340EA}"/>
               </a:ext>
             </a:extLst>
           </p:cNvPr>
@@ -10970,7 +10970,7 @@
           <p:cNvPr id="23" name="椭圆 22">
             <a:extLst>
               <a:ext uri="{FF2B5EF4-FFF2-40B4-BE49-F238E27FC236}">
-                <a16:creationId xmlns:a16="http://schemas.microsoft.com/office/drawing/2014/main" xmlns="" id="{BA952E59-C089-7749-A0B7-A5088390FAB8}"/>
+                <a16:creationId xmlns:a16="http://schemas.microsoft.com/office/drawing/2014/main" id="{BA952E59-C089-7749-A0B7-A5088390FAB8}"/>
               </a:ext>
             </a:extLst>
           </p:cNvPr>
@@ -11026,7 +11026,7 @@
           <p:cNvPr id="24" name="椭圆 23">
             <a:extLst>
               <a:ext uri="{FF2B5EF4-FFF2-40B4-BE49-F238E27FC236}">
-                <a16:creationId xmlns:a16="http://schemas.microsoft.com/office/drawing/2014/main" xmlns="" id="{A4A4D5D7-187E-AE99-3C62-2864073C8838}"/>
+                <a16:creationId xmlns:a16="http://schemas.microsoft.com/office/drawing/2014/main" id="{A4A4D5D7-187E-AE99-3C62-2864073C8838}"/>
               </a:ext>
             </a:extLst>
           </p:cNvPr>
@@ -11086,7 +11086,7 @@
           <p:cNvPr id="25" name="椭圆 24">
             <a:extLst>
               <a:ext uri="{FF2B5EF4-FFF2-40B4-BE49-F238E27FC236}">
-                <a16:creationId xmlns:a16="http://schemas.microsoft.com/office/drawing/2014/main" xmlns="" id="{10CF8DA3-C49C-2BED-92B6-1728851E6352}"/>
+                <a16:creationId xmlns:a16="http://schemas.microsoft.com/office/drawing/2014/main" id="{10CF8DA3-C49C-2BED-92B6-1728851E6352}"/>
               </a:ext>
             </a:extLst>
           </p:cNvPr>
@@ -11146,7 +11146,7 @@
           <p:cNvPr id="3" name="矩形 2">
             <a:extLst>
               <a:ext uri="{FF2B5EF4-FFF2-40B4-BE49-F238E27FC236}">
-                <a16:creationId xmlns:a16="http://schemas.microsoft.com/office/drawing/2014/main" xmlns="" id="{E58FCDA4-B35B-B0FC-BF81-317243318E0C}"/>
+                <a16:creationId xmlns:a16="http://schemas.microsoft.com/office/drawing/2014/main" id="{E58FCDA4-B35B-B0FC-BF81-317243318E0C}"/>
               </a:ext>
             </a:extLst>
           </p:cNvPr>
@@ -11197,7 +11197,7 @@
           <p:cNvPr id="14" name="文本框 13">
             <a:extLst>
               <a:ext uri="{FF2B5EF4-FFF2-40B4-BE49-F238E27FC236}">
-                <a16:creationId xmlns:a16="http://schemas.microsoft.com/office/drawing/2014/main" xmlns="" id="{86C23270-8523-9E1F-9089-1BAE5BB2BA1E}"/>
+                <a16:creationId xmlns:a16="http://schemas.microsoft.com/office/drawing/2014/main" id="{86C23270-8523-9E1F-9089-1BAE5BB2BA1E}"/>
               </a:ext>
             </a:extLst>
           </p:cNvPr>
@@ -11236,7 +11236,7 @@
           <p:cNvPr id="28" name="Google Shape;95;p14">
             <a:extLst>
               <a:ext uri="{FF2B5EF4-FFF2-40B4-BE49-F238E27FC236}">
-                <a16:creationId xmlns:a16="http://schemas.microsoft.com/office/drawing/2014/main" xmlns="" id="{EEDC2338-19B0-9AEF-E3AB-A6669DB1AB3C}"/>
+                <a16:creationId xmlns:a16="http://schemas.microsoft.com/office/drawing/2014/main" id="{EEDC2338-19B0-9AEF-E3AB-A6669DB1AB3C}"/>
               </a:ext>
             </a:extLst>
           </p:cNvPr>
@@ -11281,7 +11281,7 @@
           <p:cNvPr id="30" name="Google Shape;95;p14">
             <a:extLst>
               <a:ext uri="{FF2B5EF4-FFF2-40B4-BE49-F238E27FC236}">
-                <a16:creationId xmlns:a16="http://schemas.microsoft.com/office/drawing/2014/main" xmlns="" id="{ED46A2FC-07A8-D7CB-1BD8-0E661350E51A}"/>
+                <a16:creationId xmlns:a16="http://schemas.microsoft.com/office/drawing/2014/main" id="{ED46A2FC-07A8-D7CB-1BD8-0E661350E51A}"/>
               </a:ext>
             </a:extLst>
           </p:cNvPr>
@@ -11326,7 +11326,7 @@
           <p:cNvPr id="40" name="Google Shape;95;p14">
             <a:extLst>
               <a:ext uri="{FF2B5EF4-FFF2-40B4-BE49-F238E27FC236}">
-                <a16:creationId xmlns:a16="http://schemas.microsoft.com/office/drawing/2014/main" xmlns="" id="{5C0D3D95-6875-4112-D7AD-10A524259CD9}"/>
+                <a16:creationId xmlns:a16="http://schemas.microsoft.com/office/drawing/2014/main" id="{5C0D3D95-6875-4112-D7AD-10A524259CD9}"/>
               </a:ext>
             </a:extLst>
           </p:cNvPr>
@@ -11371,7 +11371,7 @@
           <p:cNvPr id="36" name="Google Shape;95;p14">
             <a:extLst>
               <a:ext uri="{FF2B5EF4-FFF2-40B4-BE49-F238E27FC236}">
-                <a16:creationId xmlns:a16="http://schemas.microsoft.com/office/drawing/2014/main" xmlns="" id="{9E119CFD-5E2B-65ED-E815-3244ADC9A772}"/>
+                <a16:creationId xmlns:a16="http://schemas.microsoft.com/office/drawing/2014/main" id="{9E119CFD-5E2B-65ED-E815-3244ADC9A772}"/>
               </a:ext>
             </a:extLst>
           </p:cNvPr>
@@ -11416,7 +11416,7 @@
           <p:cNvPr id="41" name="Google Shape;95;p14">
             <a:extLst>
               <a:ext uri="{FF2B5EF4-FFF2-40B4-BE49-F238E27FC236}">
-                <a16:creationId xmlns:a16="http://schemas.microsoft.com/office/drawing/2014/main" xmlns="" id="{2EE8C164-4A50-6B68-5212-66A52AD354FF}"/>
+                <a16:creationId xmlns:a16="http://schemas.microsoft.com/office/drawing/2014/main" id="{2EE8C164-4A50-6B68-5212-66A52AD354FF}"/>
               </a:ext>
             </a:extLst>
           </p:cNvPr>
@@ -11461,7 +11461,7 @@
           <p:cNvPr id="42" name="文本框 41">
             <a:extLst>
               <a:ext uri="{FF2B5EF4-FFF2-40B4-BE49-F238E27FC236}">
-                <a16:creationId xmlns:a16="http://schemas.microsoft.com/office/drawing/2014/main" xmlns="" id="{30BA300D-7904-1EA9-E1AF-5BB52B9C2B3C}"/>
+                <a16:creationId xmlns:a16="http://schemas.microsoft.com/office/drawing/2014/main" id="{30BA300D-7904-1EA9-E1AF-5BB52B9C2B3C}"/>
               </a:ext>
             </a:extLst>
           </p:cNvPr>
@@ -11505,7 +11505,7 @@
           <p:cNvPr id="43" name="Google Shape;74;p14">
             <a:extLst>
               <a:ext uri="{FF2B5EF4-FFF2-40B4-BE49-F238E27FC236}">
-                <a16:creationId xmlns:a16="http://schemas.microsoft.com/office/drawing/2014/main" xmlns="" id="{E48899FC-526F-8B64-1631-CF40D6C5BAEC}"/>
+                <a16:creationId xmlns:a16="http://schemas.microsoft.com/office/drawing/2014/main" id="{E48899FC-526F-8B64-1631-CF40D6C5BAEC}"/>
               </a:ext>
             </a:extLst>
           </p:cNvPr>
@@ -11539,7 +11539,7 @@
           <p:cNvPr id="44" name="Google Shape;75;p14">
             <a:extLst>
               <a:ext uri="{FF2B5EF4-FFF2-40B4-BE49-F238E27FC236}">
-                <a16:creationId xmlns:a16="http://schemas.microsoft.com/office/drawing/2014/main" xmlns="" id="{088679CF-39C5-ECE6-59D7-27F53A9AB563}"/>
+                <a16:creationId xmlns:a16="http://schemas.microsoft.com/office/drawing/2014/main" id="{088679CF-39C5-ECE6-59D7-27F53A9AB563}"/>
               </a:ext>
             </a:extLst>
           </p:cNvPr>
@@ -11573,7 +11573,7 @@
           <p:cNvPr id="45" name="Google Shape;76;p14">
             <a:extLst>
               <a:ext uri="{FF2B5EF4-FFF2-40B4-BE49-F238E27FC236}">
-                <a16:creationId xmlns:a16="http://schemas.microsoft.com/office/drawing/2014/main" xmlns="" id="{AE138E72-5785-8C58-5E75-AFE4DE780F49}"/>
+                <a16:creationId xmlns:a16="http://schemas.microsoft.com/office/drawing/2014/main" id="{AE138E72-5785-8C58-5E75-AFE4DE780F49}"/>
               </a:ext>
             </a:extLst>
           </p:cNvPr>
@@ -11607,7 +11607,7 @@
           <p:cNvPr id="46" name="Google Shape;77;p14">
             <a:extLst>
               <a:ext uri="{FF2B5EF4-FFF2-40B4-BE49-F238E27FC236}">
-                <a16:creationId xmlns:a16="http://schemas.microsoft.com/office/drawing/2014/main" xmlns="" id="{66A469E8-3612-14E6-B23E-7FBEFD2A264F}"/>
+                <a16:creationId xmlns:a16="http://schemas.microsoft.com/office/drawing/2014/main" id="{66A469E8-3612-14E6-B23E-7FBEFD2A264F}"/>
               </a:ext>
             </a:extLst>
           </p:cNvPr>
@@ -11641,7 +11641,7 @@
           <p:cNvPr id="47" name="Google Shape;78;p14">
             <a:extLst>
               <a:ext uri="{FF2B5EF4-FFF2-40B4-BE49-F238E27FC236}">
-                <a16:creationId xmlns:a16="http://schemas.microsoft.com/office/drawing/2014/main" xmlns="" id="{BC96CA4D-3E93-F066-7EF4-6418372B4FCD}"/>
+                <a16:creationId xmlns:a16="http://schemas.microsoft.com/office/drawing/2014/main" id="{BC96CA4D-3E93-F066-7EF4-6418372B4FCD}"/>
               </a:ext>
             </a:extLst>
           </p:cNvPr>
@@ -11675,7 +11675,7 @@
           <p:cNvPr id="48" name="Google Shape;79;p14">
             <a:extLst>
               <a:ext uri="{FF2B5EF4-FFF2-40B4-BE49-F238E27FC236}">
-                <a16:creationId xmlns:a16="http://schemas.microsoft.com/office/drawing/2014/main" xmlns="" id="{ABE0846A-4C61-8491-DA0B-C55034726178}"/>
+                <a16:creationId xmlns:a16="http://schemas.microsoft.com/office/drawing/2014/main" id="{ABE0846A-4C61-8491-DA0B-C55034726178}"/>
               </a:ext>
             </a:extLst>
           </p:cNvPr>
@@ -11709,7 +11709,7 @@
           <p:cNvPr id="49" name="Google Shape;80;p14">
             <a:extLst>
               <a:ext uri="{FF2B5EF4-FFF2-40B4-BE49-F238E27FC236}">
-                <a16:creationId xmlns:a16="http://schemas.microsoft.com/office/drawing/2014/main" xmlns="" id="{B7F3B198-1A53-B78D-FABF-2828A0B7F923}"/>
+                <a16:creationId xmlns:a16="http://schemas.microsoft.com/office/drawing/2014/main" id="{B7F3B198-1A53-B78D-FABF-2828A0B7F923}"/>
               </a:ext>
             </a:extLst>
           </p:cNvPr>
@@ -11743,7 +11743,7 @@
           <p:cNvPr id="50" name="Google Shape;81;p14">
             <a:extLst>
               <a:ext uri="{FF2B5EF4-FFF2-40B4-BE49-F238E27FC236}">
-                <a16:creationId xmlns:a16="http://schemas.microsoft.com/office/drawing/2014/main" xmlns="" id="{4CBC555B-EEC2-5C97-BC99-4D39E31ADF7B}"/>
+                <a16:creationId xmlns:a16="http://schemas.microsoft.com/office/drawing/2014/main" id="{4CBC555B-EEC2-5C97-BC99-4D39E31ADF7B}"/>
               </a:ext>
             </a:extLst>
           </p:cNvPr>
@@ -11777,7 +11777,7 @@
           <p:cNvPr id="51" name="箭头: 五边形 50">
             <a:extLst>
               <a:ext uri="{FF2B5EF4-FFF2-40B4-BE49-F238E27FC236}">
-                <a16:creationId xmlns:a16="http://schemas.microsoft.com/office/drawing/2014/main" xmlns="" id="{A15E417E-5C3E-CBC1-B518-A7B4FB3DFA5F}"/>
+                <a16:creationId xmlns:a16="http://schemas.microsoft.com/office/drawing/2014/main" id="{A15E417E-5C3E-CBC1-B518-A7B4FB3DFA5F}"/>
               </a:ext>
             </a:extLst>
           </p:cNvPr>
@@ -11824,7 +11824,7 @@
           <p:cNvPr id="52" name="箭头: 五边形 51">
             <a:extLst>
               <a:ext uri="{FF2B5EF4-FFF2-40B4-BE49-F238E27FC236}">
-                <a16:creationId xmlns:a16="http://schemas.microsoft.com/office/drawing/2014/main" xmlns="" id="{3F990466-3C46-33F3-0E3C-1AC438764343}"/>
+                <a16:creationId xmlns:a16="http://schemas.microsoft.com/office/drawing/2014/main" id="{3F990466-3C46-33F3-0E3C-1AC438764343}"/>
               </a:ext>
             </a:extLst>
           </p:cNvPr>
@@ -11880,7 +11880,7 @@
           <p:cNvPr id="53" name="箭头: 五边形 52">
             <a:extLst>
               <a:ext uri="{FF2B5EF4-FFF2-40B4-BE49-F238E27FC236}">
-                <a16:creationId xmlns:a16="http://schemas.microsoft.com/office/drawing/2014/main" xmlns="" id="{82E481AF-A1FF-14F6-55A8-EF2C5038F04E}"/>
+                <a16:creationId xmlns:a16="http://schemas.microsoft.com/office/drawing/2014/main" id="{82E481AF-A1FF-14F6-55A8-EF2C5038F04E}"/>
               </a:ext>
             </a:extLst>
           </p:cNvPr>
@@ -11936,7 +11936,7 @@
           <p:cNvPr id="54" name="箭头: 五边形 53">
             <a:extLst>
               <a:ext uri="{FF2B5EF4-FFF2-40B4-BE49-F238E27FC236}">
-                <a16:creationId xmlns:a16="http://schemas.microsoft.com/office/drawing/2014/main" xmlns="" id="{0AB3C1ED-A3EF-0632-1FB9-9F2D89CE6389}"/>
+                <a16:creationId xmlns:a16="http://schemas.microsoft.com/office/drawing/2014/main" id="{0AB3C1ED-A3EF-0632-1FB9-9F2D89CE6389}"/>
               </a:ext>
             </a:extLst>
           </p:cNvPr>
@@ -11992,7 +11992,7 @@
           <p:cNvPr id="55" name="箭头: 五边形 54">
             <a:extLst>
               <a:ext uri="{FF2B5EF4-FFF2-40B4-BE49-F238E27FC236}">
-                <a16:creationId xmlns:a16="http://schemas.microsoft.com/office/drawing/2014/main" xmlns="" id="{97931E3B-652F-32D7-F2C2-5EDAC4D5B299}"/>
+                <a16:creationId xmlns:a16="http://schemas.microsoft.com/office/drawing/2014/main" id="{97931E3B-652F-32D7-F2C2-5EDAC4D5B299}"/>
               </a:ext>
             </a:extLst>
           </p:cNvPr>
@@ -12048,7 +12048,7 @@
           <p:cNvPr id="56" name="箭头: 五边形 55">
             <a:extLst>
               <a:ext uri="{FF2B5EF4-FFF2-40B4-BE49-F238E27FC236}">
-                <a16:creationId xmlns:a16="http://schemas.microsoft.com/office/drawing/2014/main" xmlns="" id="{BD53DE19-CAE1-79A8-2FA1-61C6E6E67D40}"/>
+                <a16:creationId xmlns:a16="http://schemas.microsoft.com/office/drawing/2014/main" id="{BD53DE19-CAE1-79A8-2FA1-61C6E6E67D40}"/>
               </a:ext>
             </a:extLst>
           </p:cNvPr>
@@ -12095,7 +12095,7 @@
           <p:cNvPr id="57" name="箭头: 五边形 56">
             <a:extLst>
               <a:ext uri="{FF2B5EF4-FFF2-40B4-BE49-F238E27FC236}">
-                <a16:creationId xmlns:a16="http://schemas.microsoft.com/office/drawing/2014/main" xmlns="" id="{54A7E9A7-A08E-D7A0-C9DD-95DEF8009AAF}"/>
+                <a16:creationId xmlns:a16="http://schemas.microsoft.com/office/drawing/2014/main" id="{54A7E9A7-A08E-D7A0-C9DD-95DEF8009AAF}"/>
               </a:ext>
             </a:extLst>
           </p:cNvPr>
@@ -12142,7 +12142,7 @@
           <p:cNvPr id="58" name="箭头: 五边形 57">
             <a:extLst>
               <a:ext uri="{FF2B5EF4-FFF2-40B4-BE49-F238E27FC236}">
-                <a16:creationId xmlns:a16="http://schemas.microsoft.com/office/drawing/2014/main" xmlns="" id="{17D488BC-2AD8-AA46-3898-7D1625A12033}"/>
+                <a16:creationId xmlns:a16="http://schemas.microsoft.com/office/drawing/2014/main" id="{17D488BC-2AD8-AA46-3898-7D1625A12033}"/>
               </a:ext>
             </a:extLst>
           </p:cNvPr>
@@ -12219,7 +12219,7 @@
           <p:cNvPr id="2" name="标题 1">
             <a:extLst>
               <a:ext uri="{FF2B5EF4-FFF2-40B4-BE49-F238E27FC236}">
-                <a16:creationId xmlns:a16="http://schemas.microsoft.com/office/drawing/2014/main" xmlns="" id="{80796E82-7314-2FBE-2DE8-DDD70D4DF27E}"/>
+                <a16:creationId xmlns:a16="http://schemas.microsoft.com/office/drawing/2014/main" id="{80796E82-7314-2FBE-2DE8-DDD70D4DF27E}"/>
               </a:ext>
             </a:extLst>
           </p:cNvPr>
@@ -12268,7 +12268,7 @@
           <p:cNvPr id="5" name="椭圆 4">
             <a:extLst>
               <a:ext uri="{FF2B5EF4-FFF2-40B4-BE49-F238E27FC236}">
-                <a16:creationId xmlns:a16="http://schemas.microsoft.com/office/drawing/2014/main" xmlns="" id="{A020CC41-9901-5A10-06D8-1F19650A3A6A}"/>
+                <a16:creationId xmlns:a16="http://schemas.microsoft.com/office/drawing/2014/main" id="{A020CC41-9901-5A10-06D8-1F19650A3A6A}"/>
               </a:ext>
             </a:extLst>
           </p:cNvPr>
@@ -12320,7 +12320,7 @@
           <p:cNvPr id="19" name="Google Shape;73;p14">
             <a:extLst>
               <a:ext uri="{FF2B5EF4-FFF2-40B4-BE49-F238E27FC236}">
-                <a16:creationId xmlns:a16="http://schemas.microsoft.com/office/drawing/2014/main" xmlns="" id="{3442D827-BE6F-DFBF-3B15-223B2753D9E9}"/>
+                <a16:creationId xmlns:a16="http://schemas.microsoft.com/office/drawing/2014/main" id="{3442D827-BE6F-DFBF-3B15-223B2753D9E9}"/>
               </a:ext>
             </a:extLst>
           </p:cNvPr>
@@ -12354,7 +12354,7 @@
           <p:cNvPr id="6" name="Google Shape;74;p14">
             <a:extLst>
               <a:ext uri="{FF2B5EF4-FFF2-40B4-BE49-F238E27FC236}">
-                <a16:creationId xmlns:a16="http://schemas.microsoft.com/office/drawing/2014/main" xmlns="" id="{8ABB2948-CF7D-7BD6-14B8-367574244CB2}"/>
+                <a16:creationId xmlns:a16="http://schemas.microsoft.com/office/drawing/2014/main" id="{8ABB2948-CF7D-7BD6-14B8-367574244CB2}"/>
               </a:ext>
             </a:extLst>
           </p:cNvPr>
@@ -12388,7 +12388,7 @@
           <p:cNvPr id="8" name="Google Shape;76;p14">
             <a:extLst>
               <a:ext uri="{FF2B5EF4-FFF2-40B4-BE49-F238E27FC236}">
-                <a16:creationId xmlns:a16="http://schemas.microsoft.com/office/drawing/2014/main" xmlns="" id="{A0604560-830C-4AC9-3717-031AA48B5D45}"/>
+                <a16:creationId xmlns:a16="http://schemas.microsoft.com/office/drawing/2014/main" id="{A0604560-830C-4AC9-3717-031AA48B5D45}"/>
               </a:ext>
             </a:extLst>
           </p:cNvPr>
@@ -12422,7 +12422,7 @@
           <p:cNvPr id="11" name="Google Shape;79;p14">
             <a:extLst>
               <a:ext uri="{FF2B5EF4-FFF2-40B4-BE49-F238E27FC236}">
-                <a16:creationId xmlns:a16="http://schemas.microsoft.com/office/drawing/2014/main" xmlns="" id="{0DAE55E6-D474-C395-BC84-8ACA3CE820A0}"/>
+                <a16:creationId xmlns:a16="http://schemas.microsoft.com/office/drawing/2014/main" id="{0DAE55E6-D474-C395-BC84-8ACA3CE820A0}"/>
               </a:ext>
             </a:extLst>
           </p:cNvPr>
@@ -12456,7 +12456,7 @@
           <p:cNvPr id="12" name="Google Shape;80;p14">
             <a:extLst>
               <a:ext uri="{FF2B5EF4-FFF2-40B4-BE49-F238E27FC236}">
-                <a16:creationId xmlns:a16="http://schemas.microsoft.com/office/drawing/2014/main" xmlns="" id="{3A5AAC50-9F06-A76F-B20B-35CF3612E825}"/>
+                <a16:creationId xmlns:a16="http://schemas.microsoft.com/office/drawing/2014/main" id="{3A5AAC50-9F06-A76F-B20B-35CF3612E825}"/>
               </a:ext>
             </a:extLst>
           </p:cNvPr>
@@ -12490,7 +12490,7 @@
           <p:cNvPr id="4" name="文本框 3">
             <a:extLst>
               <a:ext uri="{FF2B5EF4-FFF2-40B4-BE49-F238E27FC236}">
-                <a16:creationId xmlns:a16="http://schemas.microsoft.com/office/drawing/2014/main" xmlns="" id="{3E8E8225-E7B4-E598-7AEB-66BC2EF7864E}"/>
+                <a16:creationId xmlns:a16="http://schemas.microsoft.com/office/drawing/2014/main" id="{3E8E8225-E7B4-E598-7AEB-66BC2EF7864E}"/>
               </a:ext>
             </a:extLst>
           </p:cNvPr>
@@ -12530,7 +12530,7 @@
           <p:cNvPr id="31" name="箭头: 五边形 30">
             <a:extLst>
               <a:ext uri="{FF2B5EF4-FFF2-40B4-BE49-F238E27FC236}">
-                <a16:creationId xmlns:a16="http://schemas.microsoft.com/office/drawing/2014/main" xmlns="" id="{4B9E0D9B-D17E-69E7-1F9A-99DE7710B7A1}"/>
+                <a16:creationId xmlns:a16="http://schemas.microsoft.com/office/drawing/2014/main" id="{4B9E0D9B-D17E-69E7-1F9A-99DE7710B7A1}"/>
               </a:ext>
             </a:extLst>
           </p:cNvPr>
@@ -12577,7 +12577,7 @@
           <p:cNvPr id="33" name="箭头: 五边形 32">
             <a:extLst>
               <a:ext uri="{FF2B5EF4-FFF2-40B4-BE49-F238E27FC236}">
-                <a16:creationId xmlns:a16="http://schemas.microsoft.com/office/drawing/2014/main" xmlns="" id="{C768AE66-F650-1A37-7440-B571549FE915}"/>
+                <a16:creationId xmlns:a16="http://schemas.microsoft.com/office/drawing/2014/main" id="{C768AE66-F650-1A37-7440-B571549FE915}"/>
               </a:ext>
             </a:extLst>
           </p:cNvPr>
@@ -12633,7 +12633,7 @@
           <p:cNvPr id="35" name="箭头: 五边形 34">
             <a:extLst>
               <a:ext uri="{FF2B5EF4-FFF2-40B4-BE49-F238E27FC236}">
-                <a16:creationId xmlns:a16="http://schemas.microsoft.com/office/drawing/2014/main" xmlns="" id="{FC836AD9-A293-8E3F-664B-E692D69616E5}"/>
+                <a16:creationId xmlns:a16="http://schemas.microsoft.com/office/drawing/2014/main" id="{FC836AD9-A293-8E3F-664B-E692D69616E5}"/>
               </a:ext>
             </a:extLst>
           </p:cNvPr>
@@ -12689,7 +12689,7 @@
           <p:cNvPr id="37" name="箭头: 五边形 36">
             <a:extLst>
               <a:ext uri="{FF2B5EF4-FFF2-40B4-BE49-F238E27FC236}">
-                <a16:creationId xmlns:a16="http://schemas.microsoft.com/office/drawing/2014/main" xmlns="" id="{05ECD475-37EE-63E8-E9E5-EF81A4619214}"/>
+                <a16:creationId xmlns:a16="http://schemas.microsoft.com/office/drawing/2014/main" id="{05ECD475-37EE-63E8-E9E5-EF81A4619214}"/>
               </a:ext>
             </a:extLst>
           </p:cNvPr>
@@ -12736,7 +12736,7 @@
           <p:cNvPr id="30" name="Google Shape;75;p14">
             <a:extLst>
               <a:ext uri="{FF2B5EF4-FFF2-40B4-BE49-F238E27FC236}">
-                <a16:creationId xmlns:a16="http://schemas.microsoft.com/office/drawing/2014/main" xmlns="" id="{E8CD191A-BC20-B4B9-0F77-A770F7BFAC28}"/>
+                <a16:creationId xmlns:a16="http://schemas.microsoft.com/office/drawing/2014/main" id="{E8CD191A-BC20-B4B9-0F77-A770F7BFAC28}"/>
               </a:ext>
             </a:extLst>
           </p:cNvPr>
@@ -12770,7 +12770,7 @@
           <p:cNvPr id="36" name="Google Shape;77;p14">
             <a:extLst>
               <a:ext uri="{FF2B5EF4-FFF2-40B4-BE49-F238E27FC236}">
-                <a16:creationId xmlns:a16="http://schemas.microsoft.com/office/drawing/2014/main" xmlns="" id="{D2A03513-860E-AEB3-C60B-B28086582A81}"/>
+                <a16:creationId xmlns:a16="http://schemas.microsoft.com/office/drawing/2014/main" id="{D2A03513-860E-AEB3-C60B-B28086582A81}"/>
               </a:ext>
             </a:extLst>
           </p:cNvPr>
@@ -12804,7 +12804,7 @@
           <p:cNvPr id="40" name="Google Shape;78;p14">
             <a:extLst>
               <a:ext uri="{FF2B5EF4-FFF2-40B4-BE49-F238E27FC236}">
-                <a16:creationId xmlns:a16="http://schemas.microsoft.com/office/drawing/2014/main" xmlns="" id="{4192ED35-AB80-8468-99E1-C9A9BDA8A7D3}"/>
+                <a16:creationId xmlns:a16="http://schemas.microsoft.com/office/drawing/2014/main" id="{4192ED35-AB80-8468-99E1-C9A9BDA8A7D3}"/>
               </a:ext>
             </a:extLst>
           </p:cNvPr>
@@ -12838,7 +12838,7 @@
           <p:cNvPr id="41" name="Google Shape;81;p14">
             <a:extLst>
               <a:ext uri="{FF2B5EF4-FFF2-40B4-BE49-F238E27FC236}">
-                <a16:creationId xmlns:a16="http://schemas.microsoft.com/office/drawing/2014/main" xmlns="" id="{C0FC87F9-1543-0D73-36B0-9CD905C3E530}"/>
+                <a16:creationId xmlns:a16="http://schemas.microsoft.com/office/drawing/2014/main" id="{C0FC87F9-1543-0D73-36B0-9CD905C3E530}"/>
               </a:ext>
             </a:extLst>
           </p:cNvPr>
@@ -12872,7 +12872,7 @@
           <p:cNvPr id="42" name="箭头: 五边形 41">
             <a:extLst>
               <a:ext uri="{FF2B5EF4-FFF2-40B4-BE49-F238E27FC236}">
-                <a16:creationId xmlns:a16="http://schemas.microsoft.com/office/drawing/2014/main" xmlns="" id="{7EBEF984-F98B-ADD1-3CDC-6AB1174A8D83}"/>
+                <a16:creationId xmlns:a16="http://schemas.microsoft.com/office/drawing/2014/main" id="{7EBEF984-F98B-ADD1-3CDC-6AB1174A8D83}"/>
               </a:ext>
             </a:extLst>
           </p:cNvPr>
@@ -12928,7 +12928,7 @@
           <p:cNvPr id="43" name="箭头: 五边形 42">
             <a:extLst>
               <a:ext uri="{FF2B5EF4-FFF2-40B4-BE49-F238E27FC236}">
-                <a16:creationId xmlns:a16="http://schemas.microsoft.com/office/drawing/2014/main" xmlns="" id="{35BD309B-9ECD-3FBE-FBC4-1E1A07BE57C7}"/>
+                <a16:creationId xmlns:a16="http://schemas.microsoft.com/office/drawing/2014/main" id="{35BD309B-9ECD-3FBE-FBC4-1E1A07BE57C7}"/>
               </a:ext>
             </a:extLst>
           </p:cNvPr>
@@ -12984,7 +12984,7 @@
           <p:cNvPr id="44" name="箭头: 五边形 43">
             <a:extLst>
               <a:ext uri="{FF2B5EF4-FFF2-40B4-BE49-F238E27FC236}">
-                <a16:creationId xmlns:a16="http://schemas.microsoft.com/office/drawing/2014/main" xmlns="" id="{15FD29AB-A713-CB93-D601-DC1B84060FE1}"/>
+                <a16:creationId xmlns:a16="http://schemas.microsoft.com/office/drawing/2014/main" id="{15FD29AB-A713-CB93-D601-DC1B84060FE1}"/>
               </a:ext>
             </a:extLst>
           </p:cNvPr>
@@ -13031,7 +13031,7 @@
           <p:cNvPr id="45" name="箭头: 五边形 44">
             <a:extLst>
               <a:ext uri="{FF2B5EF4-FFF2-40B4-BE49-F238E27FC236}">
-                <a16:creationId xmlns:a16="http://schemas.microsoft.com/office/drawing/2014/main" xmlns="" id="{985479B4-7D41-B26B-85E4-9E2F0030D890}"/>
+                <a16:creationId xmlns:a16="http://schemas.microsoft.com/office/drawing/2014/main" id="{985479B4-7D41-B26B-85E4-9E2F0030D890}"/>
               </a:ext>
             </a:extLst>
           </p:cNvPr>
@@ -14205,7 +14205,7 @@
           <p:cNvPr id="41" name="椭圆 40">
             <a:extLst>
               <a:ext uri="{FF2B5EF4-FFF2-40B4-BE49-F238E27FC236}">
-                <a16:creationId xmlns:a16="http://schemas.microsoft.com/office/drawing/2014/main" xmlns="" id="{94C17F89-4022-3282-1B5A-F455F1578F55}"/>
+                <a16:creationId xmlns:a16="http://schemas.microsoft.com/office/drawing/2014/main" id="{94C17F89-4022-3282-1B5A-F455F1578F55}"/>
               </a:ext>
             </a:extLst>
           </p:cNvPr>
@@ -14257,7 +14257,7 @@
           <p:cNvPr id="42" name="Google Shape;85;p14">
             <a:extLst>
               <a:ext uri="{FF2B5EF4-FFF2-40B4-BE49-F238E27FC236}">
-                <a16:creationId xmlns:a16="http://schemas.microsoft.com/office/drawing/2014/main" xmlns="" id="{09D17530-BFD0-53F3-E337-2F4C46CDEEBD}"/>
+                <a16:creationId xmlns:a16="http://schemas.microsoft.com/office/drawing/2014/main" id="{09D17530-BFD0-53F3-E337-2F4C46CDEEBD}"/>
               </a:ext>
             </a:extLst>
           </p:cNvPr>
@@ -14323,7 +14323,7 @@
           <p:cNvPr id="2" name="标题 1">
             <a:extLst>
               <a:ext uri="{FF2B5EF4-FFF2-40B4-BE49-F238E27FC236}">
-                <a16:creationId xmlns:a16="http://schemas.microsoft.com/office/drawing/2014/main" xmlns="" id="{80796E82-7314-2FBE-2DE8-DDD70D4DF27E}"/>
+                <a16:creationId xmlns:a16="http://schemas.microsoft.com/office/drawing/2014/main" id="{80796E82-7314-2FBE-2DE8-DDD70D4DF27E}"/>
               </a:ext>
             </a:extLst>
           </p:cNvPr>
@@ -14372,7 +14372,7 @@
           <p:cNvPr id="5" name="椭圆 4">
             <a:extLst>
               <a:ext uri="{FF2B5EF4-FFF2-40B4-BE49-F238E27FC236}">
-                <a16:creationId xmlns:a16="http://schemas.microsoft.com/office/drawing/2014/main" xmlns="" id="{A020CC41-9901-5A10-06D8-1F19650A3A6A}"/>
+                <a16:creationId xmlns:a16="http://schemas.microsoft.com/office/drawing/2014/main" id="{A020CC41-9901-5A10-06D8-1F19650A3A6A}"/>
               </a:ext>
             </a:extLst>
           </p:cNvPr>
@@ -14424,7 +14424,7 @@
           <p:cNvPr id="19" name="Google Shape;73;p14">
             <a:extLst>
               <a:ext uri="{FF2B5EF4-FFF2-40B4-BE49-F238E27FC236}">
-                <a16:creationId xmlns:a16="http://schemas.microsoft.com/office/drawing/2014/main" xmlns="" id="{3442D827-BE6F-DFBF-3B15-223B2753D9E9}"/>
+                <a16:creationId xmlns:a16="http://schemas.microsoft.com/office/drawing/2014/main" id="{3442D827-BE6F-DFBF-3B15-223B2753D9E9}"/>
               </a:ext>
             </a:extLst>
           </p:cNvPr>
@@ -14458,7 +14458,7 @@
           <p:cNvPr id="4" name="文本框 3">
             <a:extLst>
               <a:ext uri="{FF2B5EF4-FFF2-40B4-BE49-F238E27FC236}">
-                <a16:creationId xmlns:a16="http://schemas.microsoft.com/office/drawing/2014/main" xmlns="" id="{3E8E8225-E7B4-E598-7AEB-66BC2EF7864E}"/>
+                <a16:creationId xmlns:a16="http://schemas.microsoft.com/office/drawing/2014/main" id="{3E8E8225-E7B4-E598-7AEB-66BC2EF7864E}"/>
               </a:ext>
             </a:extLst>
           </p:cNvPr>
@@ -14498,7 +14498,7 @@
           <p:cNvPr id="32" name="椭圆 31">
             <a:extLst>
               <a:ext uri="{FF2B5EF4-FFF2-40B4-BE49-F238E27FC236}">
-                <a16:creationId xmlns:a16="http://schemas.microsoft.com/office/drawing/2014/main" xmlns="" id="{7C1E3AD7-2822-E440-E62A-F1A4C70A8067}"/>
+                <a16:creationId xmlns:a16="http://schemas.microsoft.com/office/drawing/2014/main" id="{7C1E3AD7-2822-E440-E62A-F1A4C70A8067}"/>
               </a:ext>
             </a:extLst>
           </p:cNvPr>
@@ -14554,7 +14554,7 @@
           <p:cNvPr id="34" name="椭圆 33">
             <a:extLst>
               <a:ext uri="{FF2B5EF4-FFF2-40B4-BE49-F238E27FC236}">
-                <a16:creationId xmlns:a16="http://schemas.microsoft.com/office/drawing/2014/main" xmlns="" id="{C692896F-F031-2107-F5D8-57735A94BD39}"/>
+                <a16:creationId xmlns:a16="http://schemas.microsoft.com/office/drawing/2014/main" id="{C692896F-F031-2107-F5D8-57735A94BD39}"/>
               </a:ext>
             </a:extLst>
           </p:cNvPr>
@@ -14610,7 +14610,7 @@
           <p:cNvPr id="38" name="椭圆 37">
             <a:extLst>
               <a:ext uri="{FF2B5EF4-FFF2-40B4-BE49-F238E27FC236}">
-                <a16:creationId xmlns:a16="http://schemas.microsoft.com/office/drawing/2014/main" xmlns="" id="{E7E11154-FE44-F1B3-5655-92B62D92F525}"/>
+                <a16:creationId xmlns:a16="http://schemas.microsoft.com/office/drawing/2014/main" id="{E7E11154-FE44-F1B3-5655-92B62D92F525}"/>
               </a:ext>
             </a:extLst>
           </p:cNvPr>
@@ -14670,7 +14670,7 @@
           <p:cNvPr id="39" name="椭圆 38">
             <a:extLst>
               <a:ext uri="{FF2B5EF4-FFF2-40B4-BE49-F238E27FC236}">
-                <a16:creationId xmlns:a16="http://schemas.microsoft.com/office/drawing/2014/main" xmlns="" id="{5A744988-2ECB-D75A-B760-C02F9B2F609B}"/>
+                <a16:creationId xmlns:a16="http://schemas.microsoft.com/office/drawing/2014/main" id="{5A744988-2ECB-D75A-B760-C02F9B2F609B}"/>
               </a:ext>
             </a:extLst>
           </p:cNvPr>
@@ -14730,7 +14730,7 @@
           <p:cNvPr id="6" name="Google Shape;74;p14">
             <a:extLst>
               <a:ext uri="{FF2B5EF4-FFF2-40B4-BE49-F238E27FC236}">
-                <a16:creationId xmlns:a16="http://schemas.microsoft.com/office/drawing/2014/main" xmlns="" id="{8ABB2948-CF7D-7BD6-14B8-367574244CB2}"/>
+                <a16:creationId xmlns:a16="http://schemas.microsoft.com/office/drawing/2014/main" id="{8ABB2948-CF7D-7BD6-14B8-367574244CB2}"/>
               </a:ext>
             </a:extLst>
           </p:cNvPr>
@@ -14764,7 +14764,7 @@
           <p:cNvPr id="8" name="Google Shape;76;p14">
             <a:extLst>
               <a:ext uri="{FF2B5EF4-FFF2-40B4-BE49-F238E27FC236}">
-                <a16:creationId xmlns:a16="http://schemas.microsoft.com/office/drawing/2014/main" xmlns="" id="{A0604560-830C-4AC9-3717-031AA48B5D45}"/>
+                <a16:creationId xmlns:a16="http://schemas.microsoft.com/office/drawing/2014/main" id="{A0604560-830C-4AC9-3717-031AA48B5D45}"/>
               </a:ext>
             </a:extLst>
           </p:cNvPr>
@@ -14798,7 +14798,7 @@
           <p:cNvPr id="11" name="Google Shape;79;p14">
             <a:extLst>
               <a:ext uri="{FF2B5EF4-FFF2-40B4-BE49-F238E27FC236}">
-                <a16:creationId xmlns:a16="http://schemas.microsoft.com/office/drawing/2014/main" xmlns="" id="{0DAE55E6-D474-C395-BC84-8ACA3CE820A0}"/>
+                <a16:creationId xmlns:a16="http://schemas.microsoft.com/office/drawing/2014/main" id="{0DAE55E6-D474-C395-BC84-8ACA3CE820A0}"/>
               </a:ext>
             </a:extLst>
           </p:cNvPr>
@@ -14832,7 +14832,7 @@
           <p:cNvPr id="12" name="Google Shape;80;p14">
             <a:extLst>
               <a:ext uri="{FF2B5EF4-FFF2-40B4-BE49-F238E27FC236}">
-                <a16:creationId xmlns:a16="http://schemas.microsoft.com/office/drawing/2014/main" xmlns="" id="{3A5AAC50-9F06-A76F-B20B-35CF3612E825}"/>
+                <a16:creationId xmlns:a16="http://schemas.microsoft.com/office/drawing/2014/main" id="{3A5AAC50-9F06-A76F-B20B-35CF3612E825}"/>
               </a:ext>
             </a:extLst>
           </p:cNvPr>
@@ -14866,7 +14866,7 @@
           <p:cNvPr id="31" name="箭头: 五边形 30">
             <a:extLst>
               <a:ext uri="{FF2B5EF4-FFF2-40B4-BE49-F238E27FC236}">
-                <a16:creationId xmlns:a16="http://schemas.microsoft.com/office/drawing/2014/main" xmlns="" id="{4B9E0D9B-D17E-69E7-1F9A-99DE7710B7A1}"/>
+                <a16:creationId xmlns:a16="http://schemas.microsoft.com/office/drawing/2014/main" id="{4B9E0D9B-D17E-69E7-1F9A-99DE7710B7A1}"/>
               </a:ext>
             </a:extLst>
           </p:cNvPr>
@@ -14913,7 +14913,7 @@
           <p:cNvPr id="33" name="箭头: 五边形 32">
             <a:extLst>
               <a:ext uri="{FF2B5EF4-FFF2-40B4-BE49-F238E27FC236}">
-                <a16:creationId xmlns:a16="http://schemas.microsoft.com/office/drawing/2014/main" xmlns="" id="{C768AE66-F650-1A37-7440-B571549FE915}"/>
+                <a16:creationId xmlns:a16="http://schemas.microsoft.com/office/drawing/2014/main" id="{C768AE66-F650-1A37-7440-B571549FE915}"/>
               </a:ext>
             </a:extLst>
           </p:cNvPr>
@@ -14969,7 +14969,7 @@
           <p:cNvPr id="35" name="箭头: 五边形 34">
             <a:extLst>
               <a:ext uri="{FF2B5EF4-FFF2-40B4-BE49-F238E27FC236}">
-                <a16:creationId xmlns:a16="http://schemas.microsoft.com/office/drawing/2014/main" xmlns="" id="{FC836AD9-A293-8E3F-664B-E692D69616E5}"/>
+                <a16:creationId xmlns:a16="http://schemas.microsoft.com/office/drawing/2014/main" id="{FC836AD9-A293-8E3F-664B-E692D69616E5}"/>
               </a:ext>
             </a:extLst>
           </p:cNvPr>
@@ -15025,7 +15025,7 @@
           <p:cNvPr id="37" name="箭头: 五边形 36">
             <a:extLst>
               <a:ext uri="{FF2B5EF4-FFF2-40B4-BE49-F238E27FC236}">
-                <a16:creationId xmlns:a16="http://schemas.microsoft.com/office/drawing/2014/main" xmlns="" id="{05ECD475-37EE-63E8-E9E5-EF81A4619214}"/>
+                <a16:creationId xmlns:a16="http://schemas.microsoft.com/office/drawing/2014/main" id="{05ECD475-37EE-63E8-E9E5-EF81A4619214}"/>
               </a:ext>
             </a:extLst>
           </p:cNvPr>
@@ -15072,7 +15072,7 @@
           <p:cNvPr id="30" name="Google Shape;75;p14">
             <a:extLst>
               <a:ext uri="{FF2B5EF4-FFF2-40B4-BE49-F238E27FC236}">
-                <a16:creationId xmlns:a16="http://schemas.microsoft.com/office/drawing/2014/main" xmlns="" id="{E8CD191A-BC20-B4B9-0F77-A770F7BFAC28}"/>
+                <a16:creationId xmlns:a16="http://schemas.microsoft.com/office/drawing/2014/main" id="{E8CD191A-BC20-B4B9-0F77-A770F7BFAC28}"/>
               </a:ext>
             </a:extLst>
           </p:cNvPr>
@@ -15106,7 +15106,7 @@
           <p:cNvPr id="36" name="Google Shape;77;p14">
             <a:extLst>
               <a:ext uri="{FF2B5EF4-FFF2-40B4-BE49-F238E27FC236}">
-                <a16:creationId xmlns:a16="http://schemas.microsoft.com/office/drawing/2014/main" xmlns="" id="{D2A03513-860E-AEB3-C60B-B28086582A81}"/>
+                <a16:creationId xmlns:a16="http://schemas.microsoft.com/office/drawing/2014/main" id="{D2A03513-860E-AEB3-C60B-B28086582A81}"/>
               </a:ext>
             </a:extLst>
           </p:cNvPr>
@@ -15140,7 +15140,7 @@
           <p:cNvPr id="40" name="Google Shape;78;p14">
             <a:extLst>
               <a:ext uri="{FF2B5EF4-FFF2-40B4-BE49-F238E27FC236}">
-                <a16:creationId xmlns:a16="http://schemas.microsoft.com/office/drawing/2014/main" xmlns="" id="{4192ED35-AB80-8468-99E1-C9A9BDA8A7D3}"/>
+                <a16:creationId xmlns:a16="http://schemas.microsoft.com/office/drawing/2014/main" id="{4192ED35-AB80-8468-99E1-C9A9BDA8A7D3}"/>
               </a:ext>
             </a:extLst>
           </p:cNvPr>
@@ -15174,7 +15174,7 @@
           <p:cNvPr id="41" name="Google Shape;81;p14">
             <a:extLst>
               <a:ext uri="{FF2B5EF4-FFF2-40B4-BE49-F238E27FC236}">
-                <a16:creationId xmlns:a16="http://schemas.microsoft.com/office/drawing/2014/main" xmlns="" id="{C0FC87F9-1543-0D73-36B0-9CD905C3E530}"/>
+                <a16:creationId xmlns:a16="http://schemas.microsoft.com/office/drawing/2014/main" id="{C0FC87F9-1543-0D73-36B0-9CD905C3E530}"/>
               </a:ext>
             </a:extLst>
           </p:cNvPr>
@@ -15208,7 +15208,7 @@
           <p:cNvPr id="42" name="箭头: 五边形 41">
             <a:extLst>
               <a:ext uri="{FF2B5EF4-FFF2-40B4-BE49-F238E27FC236}">
-                <a16:creationId xmlns:a16="http://schemas.microsoft.com/office/drawing/2014/main" xmlns="" id="{7EBEF984-F98B-ADD1-3CDC-6AB1174A8D83}"/>
+                <a16:creationId xmlns:a16="http://schemas.microsoft.com/office/drawing/2014/main" id="{7EBEF984-F98B-ADD1-3CDC-6AB1174A8D83}"/>
               </a:ext>
             </a:extLst>
           </p:cNvPr>
@@ -15264,7 +15264,7 @@
           <p:cNvPr id="43" name="箭头: 五边形 42">
             <a:extLst>
               <a:ext uri="{FF2B5EF4-FFF2-40B4-BE49-F238E27FC236}">
-                <a16:creationId xmlns:a16="http://schemas.microsoft.com/office/drawing/2014/main" xmlns="" id="{35BD309B-9ECD-3FBE-FBC4-1E1A07BE57C7}"/>
+                <a16:creationId xmlns:a16="http://schemas.microsoft.com/office/drawing/2014/main" id="{35BD309B-9ECD-3FBE-FBC4-1E1A07BE57C7}"/>
               </a:ext>
             </a:extLst>
           </p:cNvPr>
@@ -15320,7 +15320,7 @@
           <p:cNvPr id="44" name="箭头: 五边形 43">
             <a:extLst>
               <a:ext uri="{FF2B5EF4-FFF2-40B4-BE49-F238E27FC236}">
-                <a16:creationId xmlns:a16="http://schemas.microsoft.com/office/drawing/2014/main" xmlns="" id="{15FD29AB-A713-CB93-D601-DC1B84060FE1}"/>
+                <a16:creationId xmlns:a16="http://schemas.microsoft.com/office/drawing/2014/main" id="{15FD29AB-A713-CB93-D601-DC1B84060FE1}"/>
               </a:ext>
             </a:extLst>
           </p:cNvPr>
@@ -15367,7 +15367,7 @@
           <p:cNvPr id="45" name="箭头: 五边形 44">
             <a:extLst>
               <a:ext uri="{FF2B5EF4-FFF2-40B4-BE49-F238E27FC236}">
-                <a16:creationId xmlns:a16="http://schemas.microsoft.com/office/drawing/2014/main" xmlns="" id="{985479B4-7D41-B26B-85E4-9E2F0030D890}"/>
+                <a16:creationId xmlns:a16="http://schemas.microsoft.com/office/drawing/2014/main" id="{985479B4-7D41-B26B-85E4-9E2F0030D890}"/>
               </a:ext>
             </a:extLst>
           </p:cNvPr>
@@ -15444,7 +15444,7 @@
           <p:cNvPr id="2" name="标题 1">
             <a:extLst>
               <a:ext uri="{FF2B5EF4-FFF2-40B4-BE49-F238E27FC236}">
-                <a16:creationId xmlns:a16="http://schemas.microsoft.com/office/drawing/2014/main" xmlns="" id="{80796E82-7314-2FBE-2DE8-DDD70D4DF27E}"/>
+                <a16:creationId xmlns:a16="http://schemas.microsoft.com/office/drawing/2014/main" id="{80796E82-7314-2FBE-2DE8-DDD70D4DF27E}"/>
               </a:ext>
             </a:extLst>
           </p:cNvPr>
@@ -15493,7 +15493,7 @@
           <p:cNvPr id="4" name="文本框 3">
             <a:extLst>
               <a:ext uri="{FF2B5EF4-FFF2-40B4-BE49-F238E27FC236}">
-                <a16:creationId xmlns:a16="http://schemas.microsoft.com/office/drawing/2014/main" xmlns="" id="{3E8E8225-E7B4-E598-7AEB-66BC2EF7864E}"/>
+                <a16:creationId xmlns:a16="http://schemas.microsoft.com/office/drawing/2014/main" id="{3E8E8225-E7B4-E598-7AEB-66BC2EF7864E}"/>
               </a:ext>
             </a:extLst>
           </p:cNvPr>
@@ -15533,7 +15533,7 @@
           <p:cNvPr id="94" name="椭圆 93">
             <a:extLst>
               <a:ext uri="{FF2B5EF4-FFF2-40B4-BE49-F238E27FC236}">
-                <a16:creationId xmlns:a16="http://schemas.microsoft.com/office/drawing/2014/main" xmlns="" id="{8BEE0963-F39F-E799-5A6C-7DB2D9695EA3}"/>
+                <a16:creationId xmlns:a16="http://schemas.microsoft.com/office/drawing/2014/main" id="{8BEE0963-F39F-E799-5A6C-7DB2D9695EA3}"/>
               </a:ext>
             </a:extLst>
           </p:cNvPr>
@@ -15585,7 +15585,7 @@
           <p:cNvPr id="95" name="Google Shape;73;p14">
             <a:extLst>
               <a:ext uri="{FF2B5EF4-FFF2-40B4-BE49-F238E27FC236}">
-                <a16:creationId xmlns:a16="http://schemas.microsoft.com/office/drawing/2014/main" xmlns="" id="{728B4BED-4470-8B41-5F52-AEAB959AE86A}"/>
+                <a16:creationId xmlns:a16="http://schemas.microsoft.com/office/drawing/2014/main" id="{728B4BED-4470-8B41-5F52-AEAB959AE86A}"/>
               </a:ext>
             </a:extLst>
           </p:cNvPr>
@@ -15619,7 +15619,7 @@
           <p:cNvPr id="96" name="椭圆 95">
             <a:extLst>
               <a:ext uri="{FF2B5EF4-FFF2-40B4-BE49-F238E27FC236}">
-                <a16:creationId xmlns:a16="http://schemas.microsoft.com/office/drawing/2014/main" xmlns="" id="{AF996894-1BC8-7090-4657-FC54AE71EC7F}"/>
+                <a16:creationId xmlns:a16="http://schemas.microsoft.com/office/drawing/2014/main" id="{AF996894-1BC8-7090-4657-FC54AE71EC7F}"/>
               </a:ext>
             </a:extLst>
           </p:cNvPr>
@@ -15675,7 +15675,7 @@
           <p:cNvPr id="97" name="椭圆 96">
             <a:extLst>
               <a:ext uri="{FF2B5EF4-FFF2-40B4-BE49-F238E27FC236}">
-                <a16:creationId xmlns:a16="http://schemas.microsoft.com/office/drawing/2014/main" xmlns="" id="{61254F9E-C540-E155-7BDC-015D0038A8F2}"/>
+                <a16:creationId xmlns:a16="http://schemas.microsoft.com/office/drawing/2014/main" id="{61254F9E-C540-E155-7BDC-015D0038A8F2}"/>
               </a:ext>
             </a:extLst>
           </p:cNvPr>
@@ -15731,7 +15731,7 @@
           <p:cNvPr id="98" name="椭圆 97">
             <a:extLst>
               <a:ext uri="{FF2B5EF4-FFF2-40B4-BE49-F238E27FC236}">
-                <a16:creationId xmlns:a16="http://schemas.microsoft.com/office/drawing/2014/main" xmlns="" id="{67AC39F3-9E15-C508-9F79-5833BA9DCC7E}"/>
+                <a16:creationId xmlns:a16="http://schemas.microsoft.com/office/drawing/2014/main" id="{67AC39F3-9E15-C508-9F79-5833BA9DCC7E}"/>
               </a:ext>
             </a:extLst>
           </p:cNvPr>
@@ -15791,7 +15791,7 @@
           <p:cNvPr id="99" name="椭圆 98">
             <a:extLst>
               <a:ext uri="{FF2B5EF4-FFF2-40B4-BE49-F238E27FC236}">
-                <a16:creationId xmlns:a16="http://schemas.microsoft.com/office/drawing/2014/main" xmlns="" id="{7078CA09-5A9E-D1A8-A854-B30AB88523FD}"/>
+                <a16:creationId xmlns:a16="http://schemas.microsoft.com/office/drawing/2014/main" id="{7078CA09-5A9E-D1A8-A854-B30AB88523FD}"/>
               </a:ext>
             </a:extLst>
           </p:cNvPr>
@@ -15851,7 +15851,7 @@
           <p:cNvPr id="100" name="Google Shape;74;p14">
             <a:extLst>
               <a:ext uri="{FF2B5EF4-FFF2-40B4-BE49-F238E27FC236}">
-                <a16:creationId xmlns:a16="http://schemas.microsoft.com/office/drawing/2014/main" xmlns="" id="{2D6CB586-E89B-F20A-E516-58B36CEB1867}"/>
+                <a16:creationId xmlns:a16="http://schemas.microsoft.com/office/drawing/2014/main" id="{2D6CB586-E89B-F20A-E516-58B36CEB1867}"/>
               </a:ext>
             </a:extLst>
           </p:cNvPr>
@@ -15885,7 +15885,7 @@
           <p:cNvPr id="101" name="Google Shape;76;p14">
             <a:extLst>
               <a:ext uri="{FF2B5EF4-FFF2-40B4-BE49-F238E27FC236}">
-                <a16:creationId xmlns:a16="http://schemas.microsoft.com/office/drawing/2014/main" xmlns="" id="{320E54BE-9086-C596-8E30-5802E54EFB64}"/>
+                <a16:creationId xmlns:a16="http://schemas.microsoft.com/office/drawing/2014/main" id="{320E54BE-9086-C596-8E30-5802E54EFB64}"/>
               </a:ext>
             </a:extLst>
           </p:cNvPr>
@@ -15919,7 +15919,7 @@
           <p:cNvPr id="102" name="Google Shape;79;p14">
             <a:extLst>
               <a:ext uri="{FF2B5EF4-FFF2-40B4-BE49-F238E27FC236}">
-                <a16:creationId xmlns:a16="http://schemas.microsoft.com/office/drawing/2014/main" xmlns="" id="{2CB29429-3A6A-075E-E051-F2605E6CF72B}"/>
+                <a16:creationId xmlns:a16="http://schemas.microsoft.com/office/drawing/2014/main" id="{2CB29429-3A6A-075E-E051-F2605E6CF72B}"/>
               </a:ext>
             </a:extLst>
           </p:cNvPr>
@@ -15953,7 +15953,7 @@
           <p:cNvPr id="103" name="Google Shape;80;p14">
             <a:extLst>
               <a:ext uri="{FF2B5EF4-FFF2-40B4-BE49-F238E27FC236}">
-                <a16:creationId xmlns:a16="http://schemas.microsoft.com/office/drawing/2014/main" xmlns="" id="{87A8869F-6890-93EE-47C2-B6909C99470B}"/>
+                <a16:creationId xmlns:a16="http://schemas.microsoft.com/office/drawing/2014/main" id="{87A8869F-6890-93EE-47C2-B6909C99470B}"/>
               </a:ext>
             </a:extLst>
           </p:cNvPr>
@@ -15987,7 +15987,7 @@
           <p:cNvPr id="104" name="箭头: 五边形 103">
             <a:extLst>
               <a:ext uri="{FF2B5EF4-FFF2-40B4-BE49-F238E27FC236}">
-                <a16:creationId xmlns:a16="http://schemas.microsoft.com/office/drawing/2014/main" xmlns="" id="{FEE47AE7-C9FA-4144-87DD-8E8CA1F603A1}"/>
+                <a16:creationId xmlns:a16="http://schemas.microsoft.com/office/drawing/2014/main" id="{FEE47AE7-C9FA-4144-87DD-8E8CA1F603A1}"/>
               </a:ext>
             </a:extLst>
           </p:cNvPr>
@@ -16034,7 +16034,7 @@
           <p:cNvPr id="105" name="箭头: 五边形 104">
             <a:extLst>
               <a:ext uri="{FF2B5EF4-FFF2-40B4-BE49-F238E27FC236}">
-                <a16:creationId xmlns:a16="http://schemas.microsoft.com/office/drawing/2014/main" xmlns="" id="{125693EC-2137-4901-2D9F-CA02EFB6EC1C}"/>
+                <a16:creationId xmlns:a16="http://schemas.microsoft.com/office/drawing/2014/main" id="{125693EC-2137-4901-2D9F-CA02EFB6EC1C}"/>
               </a:ext>
             </a:extLst>
           </p:cNvPr>
@@ -16090,7 +16090,7 @@
           <p:cNvPr id="106" name="箭头: 五边形 105">
             <a:extLst>
               <a:ext uri="{FF2B5EF4-FFF2-40B4-BE49-F238E27FC236}">
-                <a16:creationId xmlns:a16="http://schemas.microsoft.com/office/drawing/2014/main" xmlns="" id="{0A75FABD-C11D-5BF2-CA28-79F84BEC2D52}"/>
+                <a16:creationId xmlns:a16="http://schemas.microsoft.com/office/drawing/2014/main" id="{0A75FABD-C11D-5BF2-CA28-79F84BEC2D52}"/>
               </a:ext>
             </a:extLst>
           </p:cNvPr>
@@ -16146,7 +16146,7 @@
           <p:cNvPr id="107" name="箭头: 五边形 106">
             <a:extLst>
               <a:ext uri="{FF2B5EF4-FFF2-40B4-BE49-F238E27FC236}">
-                <a16:creationId xmlns:a16="http://schemas.microsoft.com/office/drawing/2014/main" xmlns="" id="{94FFE1CA-95B6-5FB5-0E93-C32CA673CFB0}"/>
+                <a16:creationId xmlns:a16="http://schemas.microsoft.com/office/drawing/2014/main" id="{94FFE1CA-95B6-5FB5-0E93-C32CA673CFB0}"/>
               </a:ext>
             </a:extLst>
           </p:cNvPr>
@@ -16193,7 +16193,7 @@
           <p:cNvPr id="108" name="Google Shape;75;p14">
             <a:extLst>
               <a:ext uri="{FF2B5EF4-FFF2-40B4-BE49-F238E27FC236}">
-                <a16:creationId xmlns:a16="http://schemas.microsoft.com/office/drawing/2014/main" xmlns="" id="{C28BC135-A694-D736-05E2-392BAA6546C4}"/>
+                <a16:creationId xmlns:a16="http://schemas.microsoft.com/office/drawing/2014/main" id="{C28BC135-A694-D736-05E2-392BAA6546C4}"/>
               </a:ext>
             </a:extLst>
           </p:cNvPr>
@@ -16227,7 +16227,7 @@
           <p:cNvPr id="109" name="Google Shape;77;p14">
             <a:extLst>
               <a:ext uri="{FF2B5EF4-FFF2-40B4-BE49-F238E27FC236}">
-                <a16:creationId xmlns:a16="http://schemas.microsoft.com/office/drawing/2014/main" xmlns="" id="{26E64EC8-A00D-85A2-55E9-80371504FA45}"/>
+                <a16:creationId xmlns:a16="http://schemas.microsoft.com/office/drawing/2014/main" id="{26E64EC8-A00D-85A2-55E9-80371504FA45}"/>
               </a:ext>
             </a:extLst>
           </p:cNvPr>
@@ -16261,7 +16261,7 @@
           <p:cNvPr id="110" name="Google Shape;78;p14">
             <a:extLst>
               <a:ext uri="{FF2B5EF4-FFF2-40B4-BE49-F238E27FC236}">
-                <a16:creationId xmlns:a16="http://schemas.microsoft.com/office/drawing/2014/main" xmlns="" id="{3776E30B-813F-0863-0AAF-08F593A4A164}"/>
+                <a16:creationId xmlns:a16="http://schemas.microsoft.com/office/drawing/2014/main" id="{3776E30B-813F-0863-0AAF-08F593A4A164}"/>
               </a:ext>
             </a:extLst>
           </p:cNvPr>
@@ -16295,7 +16295,7 @@
           <p:cNvPr id="111" name="Google Shape;81;p14">
             <a:extLst>
               <a:ext uri="{FF2B5EF4-FFF2-40B4-BE49-F238E27FC236}">
-                <a16:creationId xmlns:a16="http://schemas.microsoft.com/office/drawing/2014/main" xmlns="" id="{4C069DC5-4186-0285-5D83-B8FFA739F050}"/>
+                <a16:creationId xmlns:a16="http://schemas.microsoft.com/office/drawing/2014/main" id="{4C069DC5-4186-0285-5D83-B8FFA739F050}"/>
               </a:ext>
             </a:extLst>
           </p:cNvPr>
@@ -16329,7 +16329,7 @@
           <p:cNvPr id="112" name="箭头: 五边形 111">
             <a:extLst>
               <a:ext uri="{FF2B5EF4-FFF2-40B4-BE49-F238E27FC236}">
-                <a16:creationId xmlns:a16="http://schemas.microsoft.com/office/drawing/2014/main" xmlns="" id="{7CD9D67F-B213-AAAA-9054-02755BE2146A}"/>
+                <a16:creationId xmlns:a16="http://schemas.microsoft.com/office/drawing/2014/main" id="{7CD9D67F-B213-AAAA-9054-02755BE2146A}"/>
               </a:ext>
             </a:extLst>
           </p:cNvPr>
@@ -16385,7 +16385,7 @@
           <p:cNvPr id="113" name="箭头: 五边形 112">
             <a:extLst>
               <a:ext uri="{FF2B5EF4-FFF2-40B4-BE49-F238E27FC236}">
-                <a16:creationId xmlns:a16="http://schemas.microsoft.com/office/drawing/2014/main" xmlns="" id="{F8AE02EB-01D9-FA19-B065-CCE211B6884B}"/>
+                <a16:creationId xmlns:a16="http://schemas.microsoft.com/office/drawing/2014/main" id="{F8AE02EB-01D9-FA19-B065-CCE211B6884B}"/>
               </a:ext>
             </a:extLst>
           </p:cNvPr>
@@ -16441,7 +16441,7 @@
           <p:cNvPr id="114" name="箭头: 五边形 113">
             <a:extLst>
               <a:ext uri="{FF2B5EF4-FFF2-40B4-BE49-F238E27FC236}">
-                <a16:creationId xmlns:a16="http://schemas.microsoft.com/office/drawing/2014/main" xmlns="" id="{CD3E578E-DF8A-1EA0-3438-736889E4F552}"/>
+                <a16:creationId xmlns:a16="http://schemas.microsoft.com/office/drawing/2014/main" id="{CD3E578E-DF8A-1EA0-3438-736889E4F552}"/>
               </a:ext>
             </a:extLst>
           </p:cNvPr>
@@ -16488,7 +16488,7 @@
           <p:cNvPr id="115" name="箭头: 五边形 114">
             <a:extLst>
               <a:ext uri="{FF2B5EF4-FFF2-40B4-BE49-F238E27FC236}">
-                <a16:creationId xmlns:a16="http://schemas.microsoft.com/office/drawing/2014/main" xmlns="" id="{F8C96D6D-C8E2-1DE1-7975-1FE461A07D04}"/>
+                <a16:creationId xmlns:a16="http://schemas.microsoft.com/office/drawing/2014/main" id="{F8C96D6D-C8E2-1DE1-7975-1FE461A07D04}"/>
               </a:ext>
             </a:extLst>
           </p:cNvPr>
@@ -16565,7 +16565,7 @@
           <p:cNvPr id="2" name="标题 1">
             <a:extLst>
               <a:ext uri="{FF2B5EF4-FFF2-40B4-BE49-F238E27FC236}">
-                <a16:creationId xmlns:a16="http://schemas.microsoft.com/office/drawing/2014/main" xmlns="" id="{80796E82-7314-2FBE-2DE8-DDD70D4DF27E}"/>
+                <a16:creationId xmlns:a16="http://schemas.microsoft.com/office/drawing/2014/main" id="{80796E82-7314-2FBE-2DE8-DDD70D4DF27E}"/>
               </a:ext>
             </a:extLst>
           </p:cNvPr>
@@ -16614,7 +16614,7 @@
           <p:cNvPr id="4" name="文本框 3">
             <a:extLst>
               <a:ext uri="{FF2B5EF4-FFF2-40B4-BE49-F238E27FC236}">
-                <a16:creationId xmlns:a16="http://schemas.microsoft.com/office/drawing/2014/main" xmlns="" id="{3E8E8225-E7B4-E598-7AEB-66BC2EF7864E}"/>
+                <a16:creationId xmlns:a16="http://schemas.microsoft.com/office/drawing/2014/main" id="{3E8E8225-E7B4-E598-7AEB-66BC2EF7864E}"/>
               </a:ext>
             </a:extLst>
           </p:cNvPr>
@@ -16654,7 +16654,7 @@
           <p:cNvPr id="94" name="椭圆 93">
             <a:extLst>
               <a:ext uri="{FF2B5EF4-FFF2-40B4-BE49-F238E27FC236}">
-                <a16:creationId xmlns:a16="http://schemas.microsoft.com/office/drawing/2014/main" xmlns="" id="{8BEE0963-F39F-E799-5A6C-7DB2D9695EA3}"/>
+                <a16:creationId xmlns:a16="http://schemas.microsoft.com/office/drawing/2014/main" id="{8BEE0963-F39F-E799-5A6C-7DB2D9695EA3}"/>
               </a:ext>
             </a:extLst>
           </p:cNvPr>
@@ -16706,7 +16706,7 @@
           <p:cNvPr id="95" name="Google Shape;73;p14">
             <a:extLst>
               <a:ext uri="{FF2B5EF4-FFF2-40B4-BE49-F238E27FC236}">
-                <a16:creationId xmlns:a16="http://schemas.microsoft.com/office/drawing/2014/main" xmlns="" id="{728B4BED-4470-8B41-5F52-AEAB959AE86A}"/>
+                <a16:creationId xmlns:a16="http://schemas.microsoft.com/office/drawing/2014/main" id="{728B4BED-4470-8B41-5F52-AEAB959AE86A}"/>
               </a:ext>
             </a:extLst>
           </p:cNvPr>
@@ -16740,7 +16740,7 @@
           <p:cNvPr id="100" name="Google Shape;74;p14">
             <a:extLst>
               <a:ext uri="{FF2B5EF4-FFF2-40B4-BE49-F238E27FC236}">
-                <a16:creationId xmlns:a16="http://schemas.microsoft.com/office/drawing/2014/main" xmlns="" id="{2D6CB586-E89B-F20A-E516-58B36CEB1867}"/>
+                <a16:creationId xmlns:a16="http://schemas.microsoft.com/office/drawing/2014/main" id="{2D6CB586-E89B-F20A-E516-58B36CEB1867}"/>
               </a:ext>
             </a:extLst>
           </p:cNvPr>
@@ -16774,7 +16774,7 @@
           <p:cNvPr id="101" name="Google Shape;76;p14">
             <a:extLst>
               <a:ext uri="{FF2B5EF4-FFF2-40B4-BE49-F238E27FC236}">
-                <a16:creationId xmlns:a16="http://schemas.microsoft.com/office/drawing/2014/main" xmlns="" id="{320E54BE-9086-C596-8E30-5802E54EFB64}"/>
+                <a16:creationId xmlns:a16="http://schemas.microsoft.com/office/drawing/2014/main" id="{320E54BE-9086-C596-8E30-5802E54EFB64}"/>
               </a:ext>
             </a:extLst>
           </p:cNvPr>
@@ -16808,7 +16808,7 @@
           <p:cNvPr id="102" name="Google Shape;79;p14">
             <a:extLst>
               <a:ext uri="{FF2B5EF4-FFF2-40B4-BE49-F238E27FC236}">
-                <a16:creationId xmlns:a16="http://schemas.microsoft.com/office/drawing/2014/main" xmlns="" id="{2CB29429-3A6A-075E-E051-F2605E6CF72B}"/>
+                <a16:creationId xmlns:a16="http://schemas.microsoft.com/office/drawing/2014/main" id="{2CB29429-3A6A-075E-E051-F2605E6CF72B}"/>
               </a:ext>
             </a:extLst>
           </p:cNvPr>
@@ -16842,7 +16842,7 @@
           <p:cNvPr id="103" name="Google Shape;80;p14">
             <a:extLst>
               <a:ext uri="{FF2B5EF4-FFF2-40B4-BE49-F238E27FC236}">
-                <a16:creationId xmlns:a16="http://schemas.microsoft.com/office/drawing/2014/main" xmlns="" id="{87A8869F-6890-93EE-47C2-B6909C99470B}"/>
+                <a16:creationId xmlns:a16="http://schemas.microsoft.com/office/drawing/2014/main" id="{87A8869F-6890-93EE-47C2-B6909C99470B}"/>
               </a:ext>
             </a:extLst>
           </p:cNvPr>
@@ -16876,7 +16876,7 @@
           <p:cNvPr id="104" name="箭头: 五边形 103">
             <a:extLst>
               <a:ext uri="{FF2B5EF4-FFF2-40B4-BE49-F238E27FC236}">
-                <a16:creationId xmlns:a16="http://schemas.microsoft.com/office/drawing/2014/main" xmlns="" id="{FEE47AE7-C9FA-4144-87DD-8E8CA1F603A1}"/>
+                <a16:creationId xmlns:a16="http://schemas.microsoft.com/office/drawing/2014/main" id="{FEE47AE7-C9FA-4144-87DD-8E8CA1F603A1}"/>
               </a:ext>
             </a:extLst>
           </p:cNvPr>
@@ -16923,7 +16923,7 @@
           <p:cNvPr id="105" name="箭头: 五边形 104">
             <a:extLst>
               <a:ext uri="{FF2B5EF4-FFF2-40B4-BE49-F238E27FC236}">
-                <a16:creationId xmlns:a16="http://schemas.microsoft.com/office/drawing/2014/main" xmlns="" id="{125693EC-2137-4901-2D9F-CA02EFB6EC1C}"/>
+                <a16:creationId xmlns:a16="http://schemas.microsoft.com/office/drawing/2014/main" id="{125693EC-2137-4901-2D9F-CA02EFB6EC1C}"/>
               </a:ext>
             </a:extLst>
           </p:cNvPr>
@@ -16979,7 +16979,7 @@
           <p:cNvPr id="106" name="箭头: 五边形 105">
             <a:extLst>
               <a:ext uri="{FF2B5EF4-FFF2-40B4-BE49-F238E27FC236}">
-                <a16:creationId xmlns:a16="http://schemas.microsoft.com/office/drawing/2014/main" xmlns="" id="{0A75FABD-C11D-5BF2-CA28-79F84BEC2D52}"/>
+                <a16:creationId xmlns:a16="http://schemas.microsoft.com/office/drawing/2014/main" id="{0A75FABD-C11D-5BF2-CA28-79F84BEC2D52}"/>
               </a:ext>
             </a:extLst>
           </p:cNvPr>
@@ -17035,7 +17035,7 @@
           <p:cNvPr id="107" name="箭头: 五边形 106">
             <a:extLst>
               <a:ext uri="{FF2B5EF4-FFF2-40B4-BE49-F238E27FC236}">
-                <a16:creationId xmlns:a16="http://schemas.microsoft.com/office/drawing/2014/main" xmlns="" id="{94FFE1CA-95B6-5FB5-0E93-C32CA673CFB0}"/>
+                <a16:creationId xmlns:a16="http://schemas.microsoft.com/office/drawing/2014/main" id="{94FFE1CA-95B6-5FB5-0E93-C32CA673CFB0}"/>
               </a:ext>
             </a:extLst>
           </p:cNvPr>
@@ -17082,7 +17082,7 @@
           <p:cNvPr id="108" name="Google Shape;75;p14">
             <a:extLst>
               <a:ext uri="{FF2B5EF4-FFF2-40B4-BE49-F238E27FC236}">
-                <a16:creationId xmlns:a16="http://schemas.microsoft.com/office/drawing/2014/main" xmlns="" id="{C28BC135-A694-D736-05E2-392BAA6546C4}"/>
+                <a16:creationId xmlns:a16="http://schemas.microsoft.com/office/drawing/2014/main" id="{C28BC135-A694-D736-05E2-392BAA6546C4}"/>
               </a:ext>
             </a:extLst>
           </p:cNvPr>
@@ -17116,7 +17116,7 @@
           <p:cNvPr id="109" name="Google Shape;77;p14">
             <a:extLst>
               <a:ext uri="{FF2B5EF4-FFF2-40B4-BE49-F238E27FC236}">
-                <a16:creationId xmlns:a16="http://schemas.microsoft.com/office/drawing/2014/main" xmlns="" id="{26E64EC8-A00D-85A2-55E9-80371504FA45}"/>
+                <a16:creationId xmlns:a16="http://schemas.microsoft.com/office/drawing/2014/main" id="{26E64EC8-A00D-85A2-55E9-80371504FA45}"/>
               </a:ext>
             </a:extLst>
           </p:cNvPr>
@@ -17150,7 +17150,7 @@
           <p:cNvPr id="110" name="Google Shape;78;p14">
             <a:extLst>
               <a:ext uri="{FF2B5EF4-FFF2-40B4-BE49-F238E27FC236}">
-                <a16:creationId xmlns:a16="http://schemas.microsoft.com/office/drawing/2014/main" xmlns="" id="{3776E30B-813F-0863-0AAF-08F593A4A164}"/>
+                <a16:creationId xmlns:a16="http://schemas.microsoft.com/office/drawing/2014/main" id="{3776E30B-813F-0863-0AAF-08F593A4A164}"/>
               </a:ext>
             </a:extLst>
           </p:cNvPr>
@@ -17184,7 +17184,7 @@
           <p:cNvPr id="111" name="Google Shape;81;p14">
             <a:extLst>
               <a:ext uri="{FF2B5EF4-FFF2-40B4-BE49-F238E27FC236}">
-                <a16:creationId xmlns:a16="http://schemas.microsoft.com/office/drawing/2014/main" xmlns="" id="{4C069DC5-4186-0285-5D83-B8FFA739F050}"/>
+                <a16:creationId xmlns:a16="http://schemas.microsoft.com/office/drawing/2014/main" id="{4C069DC5-4186-0285-5D83-B8FFA739F050}"/>
               </a:ext>
             </a:extLst>
           </p:cNvPr>
@@ -17218,7 +17218,7 @@
           <p:cNvPr id="112" name="箭头: 五边形 111">
             <a:extLst>
               <a:ext uri="{FF2B5EF4-FFF2-40B4-BE49-F238E27FC236}">
-                <a16:creationId xmlns:a16="http://schemas.microsoft.com/office/drawing/2014/main" xmlns="" id="{7CD9D67F-B213-AAAA-9054-02755BE2146A}"/>
+                <a16:creationId xmlns:a16="http://schemas.microsoft.com/office/drawing/2014/main" id="{7CD9D67F-B213-AAAA-9054-02755BE2146A}"/>
               </a:ext>
             </a:extLst>
           </p:cNvPr>
@@ -17274,7 +17274,7 @@
           <p:cNvPr id="113" name="箭头: 五边形 112">
             <a:extLst>
               <a:ext uri="{FF2B5EF4-FFF2-40B4-BE49-F238E27FC236}">
-                <a16:creationId xmlns:a16="http://schemas.microsoft.com/office/drawing/2014/main" xmlns="" id="{F8AE02EB-01D9-FA19-B065-CCE211B6884B}"/>
+                <a16:creationId xmlns:a16="http://schemas.microsoft.com/office/drawing/2014/main" id="{F8AE02EB-01D9-FA19-B065-CCE211B6884B}"/>
               </a:ext>
             </a:extLst>
           </p:cNvPr>
@@ -17330,7 +17330,7 @@
           <p:cNvPr id="114" name="箭头: 五边形 113">
             <a:extLst>
               <a:ext uri="{FF2B5EF4-FFF2-40B4-BE49-F238E27FC236}">
-                <a16:creationId xmlns:a16="http://schemas.microsoft.com/office/drawing/2014/main" xmlns="" id="{CD3E578E-DF8A-1EA0-3438-736889E4F552}"/>
+                <a16:creationId xmlns:a16="http://schemas.microsoft.com/office/drawing/2014/main" id="{CD3E578E-DF8A-1EA0-3438-736889E4F552}"/>
               </a:ext>
             </a:extLst>
           </p:cNvPr>
@@ -17377,7 +17377,7 @@
           <p:cNvPr id="115" name="箭头: 五边形 114">
             <a:extLst>
               <a:ext uri="{FF2B5EF4-FFF2-40B4-BE49-F238E27FC236}">
-                <a16:creationId xmlns:a16="http://schemas.microsoft.com/office/drawing/2014/main" xmlns="" id="{F8C96D6D-C8E2-1DE1-7975-1FE461A07D04}"/>
+                <a16:creationId xmlns:a16="http://schemas.microsoft.com/office/drawing/2014/main" id="{F8C96D6D-C8E2-1DE1-7975-1FE461A07D04}"/>
               </a:ext>
             </a:extLst>
           </p:cNvPr>
@@ -17454,7 +17454,7 @@
           <p:cNvPr id="2" name="标题 1">
             <a:extLst>
               <a:ext uri="{FF2B5EF4-FFF2-40B4-BE49-F238E27FC236}">
-                <a16:creationId xmlns:a16="http://schemas.microsoft.com/office/drawing/2014/main" xmlns="" id="{80796E82-7314-2FBE-2DE8-DDD70D4DF27E}"/>
+                <a16:creationId xmlns:a16="http://schemas.microsoft.com/office/drawing/2014/main" id="{80796E82-7314-2FBE-2DE8-DDD70D4DF27E}"/>
               </a:ext>
             </a:extLst>
           </p:cNvPr>
@@ -17503,7 +17503,7 @@
           <p:cNvPr id="4" name="文本框 3">
             <a:extLst>
               <a:ext uri="{FF2B5EF4-FFF2-40B4-BE49-F238E27FC236}">
-                <a16:creationId xmlns:a16="http://schemas.microsoft.com/office/drawing/2014/main" xmlns="" id="{3E8E8225-E7B4-E598-7AEB-66BC2EF7864E}"/>
+                <a16:creationId xmlns:a16="http://schemas.microsoft.com/office/drawing/2014/main" id="{3E8E8225-E7B4-E598-7AEB-66BC2EF7864E}"/>
               </a:ext>
             </a:extLst>
           </p:cNvPr>
@@ -17543,7 +17543,7 @@
           <p:cNvPr id="94" name="椭圆 93">
             <a:extLst>
               <a:ext uri="{FF2B5EF4-FFF2-40B4-BE49-F238E27FC236}">
-                <a16:creationId xmlns:a16="http://schemas.microsoft.com/office/drawing/2014/main" xmlns="" id="{8BEE0963-F39F-E799-5A6C-7DB2D9695EA3}"/>
+                <a16:creationId xmlns:a16="http://schemas.microsoft.com/office/drawing/2014/main" id="{8BEE0963-F39F-E799-5A6C-7DB2D9695EA3}"/>
               </a:ext>
             </a:extLst>
           </p:cNvPr>
@@ -17595,7 +17595,7 @@
           <p:cNvPr id="95" name="Google Shape;73;p14">
             <a:extLst>
               <a:ext uri="{FF2B5EF4-FFF2-40B4-BE49-F238E27FC236}">
-                <a16:creationId xmlns:a16="http://schemas.microsoft.com/office/drawing/2014/main" xmlns="" id="{728B4BED-4470-8B41-5F52-AEAB959AE86A}"/>
+                <a16:creationId xmlns:a16="http://schemas.microsoft.com/office/drawing/2014/main" id="{728B4BED-4470-8B41-5F52-AEAB959AE86A}"/>
               </a:ext>
             </a:extLst>
           </p:cNvPr>
@@ -17629,7 +17629,7 @@
           <p:cNvPr id="23" name="椭圆 22">
             <a:extLst>
               <a:ext uri="{FF2B5EF4-FFF2-40B4-BE49-F238E27FC236}">
-                <a16:creationId xmlns:a16="http://schemas.microsoft.com/office/drawing/2014/main" xmlns="" id="{824F6C0B-F2BF-8F57-435A-24EF38F1CED2}"/>
+                <a16:creationId xmlns:a16="http://schemas.microsoft.com/office/drawing/2014/main" id="{824F6C0B-F2BF-8F57-435A-24EF38F1CED2}"/>
               </a:ext>
             </a:extLst>
           </p:cNvPr>
@@ -17685,7 +17685,7 @@
           <p:cNvPr id="24" name="椭圆 23">
             <a:extLst>
               <a:ext uri="{FF2B5EF4-FFF2-40B4-BE49-F238E27FC236}">
-                <a16:creationId xmlns:a16="http://schemas.microsoft.com/office/drawing/2014/main" xmlns="" id="{180D6603-04FC-C694-538B-19D759A53C63}"/>
+                <a16:creationId xmlns:a16="http://schemas.microsoft.com/office/drawing/2014/main" id="{180D6603-04FC-C694-538B-19D759A53C63}"/>
               </a:ext>
             </a:extLst>
           </p:cNvPr>
@@ -17745,7 +17745,7 @@
           <p:cNvPr id="100" name="Google Shape;74;p14">
             <a:extLst>
               <a:ext uri="{FF2B5EF4-FFF2-40B4-BE49-F238E27FC236}">
-                <a16:creationId xmlns:a16="http://schemas.microsoft.com/office/drawing/2014/main" xmlns="" id="{2D6CB586-E89B-F20A-E516-58B36CEB1867}"/>
+                <a16:creationId xmlns:a16="http://schemas.microsoft.com/office/drawing/2014/main" id="{2D6CB586-E89B-F20A-E516-58B36CEB1867}"/>
               </a:ext>
             </a:extLst>
           </p:cNvPr>
@@ -17779,7 +17779,7 @@
           <p:cNvPr id="101" name="Google Shape;76;p14">
             <a:extLst>
               <a:ext uri="{FF2B5EF4-FFF2-40B4-BE49-F238E27FC236}">
-                <a16:creationId xmlns:a16="http://schemas.microsoft.com/office/drawing/2014/main" xmlns="" id="{320E54BE-9086-C596-8E30-5802E54EFB64}"/>
+                <a16:creationId xmlns:a16="http://schemas.microsoft.com/office/drawing/2014/main" id="{320E54BE-9086-C596-8E30-5802E54EFB64}"/>
               </a:ext>
             </a:extLst>
           </p:cNvPr>
@@ -17813,7 +17813,7 @@
           <p:cNvPr id="102" name="Google Shape;79;p14">
             <a:extLst>
               <a:ext uri="{FF2B5EF4-FFF2-40B4-BE49-F238E27FC236}">
-                <a16:creationId xmlns:a16="http://schemas.microsoft.com/office/drawing/2014/main" xmlns="" id="{2CB29429-3A6A-075E-E051-F2605E6CF72B}"/>
+                <a16:creationId xmlns:a16="http://schemas.microsoft.com/office/drawing/2014/main" id="{2CB29429-3A6A-075E-E051-F2605E6CF72B}"/>
               </a:ext>
             </a:extLst>
           </p:cNvPr>
@@ -17847,7 +17847,7 @@
           <p:cNvPr id="103" name="Google Shape;80;p14">
             <a:extLst>
               <a:ext uri="{FF2B5EF4-FFF2-40B4-BE49-F238E27FC236}">
-                <a16:creationId xmlns:a16="http://schemas.microsoft.com/office/drawing/2014/main" xmlns="" id="{87A8869F-6890-93EE-47C2-B6909C99470B}"/>
+                <a16:creationId xmlns:a16="http://schemas.microsoft.com/office/drawing/2014/main" id="{87A8869F-6890-93EE-47C2-B6909C99470B}"/>
               </a:ext>
             </a:extLst>
           </p:cNvPr>
@@ -17881,7 +17881,7 @@
           <p:cNvPr id="104" name="箭头: 五边形 103">
             <a:extLst>
               <a:ext uri="{FF2B5EF4-FFF2-40B4-BE49-F238E27FC236}">
-                <a16:creationId xmlns:a16="http://schemas.microsoft.com/office/drawing/2014/main" xmlns="" id="{FEE47AE7-C9FA-4144-87DD-8E8CA1F603A1}"/>
+                <a16:creationId xmlns:a16="http://schemas.microsoft.com/office/drawing/2014/main" id="{FEE47AE7-C9FA-4144-87DD-8E8CA1F603A1}"/>
               </a:ext>
             </a:extLst>
           </p:cNvPr>
@@ -17928,7 +17928,7 @@
           <p:cNvPr id="105" name="箭头: 五边形 104">
             <a:extLst>
               <a:ext uri="{FF2B5EF4-FFF2-40B4-BE49-F238E27FC236}">
-                <a16:creationId xmlns:a16="http://schemas.microsoft.com/office/drawing/2014/main" xmlns="" id="{125693EC-2137-4901-2D9F-CA02EFB6EC1C}"/>
+                <a16:creationId xmlns:a16="http://schemas.microsoft.com/office/drawing/2014/main" id="{125693EC-2137-4901-2D9F-CA02EFB6EC1C}"/>
               </a:ext>
             </a:extLst>
           </p:cNvPr>
@@ -17984,7 +17984,7 @@
           <p:cNvPr id="106" name="箭头: 五边形 105">
             <a:extLst>
               <a:ext uri="{FF2B5EF4-FFF2-40B4-BE49-F238E27FC236}">
-                <a16:creationId xmlns:a16="http://schemas.microsoft.com/office/drawing/2014/main" xmlns="" id="{0A75FABD-C11D-5BF2-CA28-79F84BEC2D52}"/>
+                <a16:creationId xmlns:a16="http://schemas.microsoft.com/office/drawing/2014/main" id="{0A75FABD-C11D-5BF2-CA28-79F84BEC2D52}"/>
               </a:ext>
             </a:extLst>
           </p:cNvPr>
@@ -18040,7 +18040,7 @@
           <p:cNvPr id="107" name="箭头: 五边形 106">
             <a:extLst>
               <a:ext uri="{FF2B5EF4-FFF2-40B4-BE49-F238E27FC236}">
-                <a16:creationId xmlns:a16="http://schemas.microsoft.com/office/drawing/2014/main" xmlns="" id="{94FFE1CA-95B6-5FB5-0E93-C32CA673CFB0}"/>
+                <a16:creationId xmlns:a16="http://schemas.microsoft.com/office/drawing/2014/main" id="{94FFE1CA-95B6-5FB5-0E93-C32CA673CFB0}"/>
               </a:ext>
             </a:extLst>
           </p:cNvPr>
@@ -18087,7 +18087,7 @@
           <p:cNvPr id="108" name="Google Shape;75;p14">
             <a:extLst>
               <a:ext uri="{FF2B5EF4-FFF2-40B4-BE49-F238E27FC236}">
-                <a16:creationId xmlns:a16="http://schemas.microsoft.com/office/drawing/2014/main" xmlns="" id="{C28BC135-A694-D736-05E2-392BAA6546C4}"/>
+                <a16:creationId xmlns:a16="http://schemas.microsoft.com/office/drawing/2014/main" id="{C28BC135-A694-D736-05E2-392BAA6546C4}"/>
               </a:ext>
             </a:extLst>
           </p:cNvPr>
@@ -18121,7 +18121,7 @@
           <p:cNvPr id="109" name="Google Shape;77;p14">
             <a:extLst>
               <a:ext uri="{FF2B5EF4-FFF2-40B4-BE49-F238E27FC236}">
-                <a16:creationId xmlns:a16="http://schemas.microsoft.com/office/drawing/2014/main" xmlns="" id="{26E64EC8-A00D-85A2-55E9-80371504FA45}"/>
+                <a16:creationId xmlns:a16="http://schemas.microsoft.com/office/drawing/2014/main" id="{26E64EC8-A00D-85A2-55E9-80371504FA45}"/>
               </a:ext>
             </a:extLst>
           </p:cNvPr>
@@ -18155,7 +18155,7 @@
           <p:cNvPr id="110" name="Google Shape;78;p14">
             <a:extLst>
               <a:ext uri="{FF2B5EF4-FFF2-40B4-BE49-F238E27FC236}">
-                <a16:creationId xmlns:a16="http://schemas.microsoft.com/office/drawing/2014/main" xmlns="" id="{3776E30B-813F-0863-0AAF-08F593A4A164}"/>
+                <a16:creationId xmlns:a16="http://schemas.microsoft.com/office/drawing/2014/main" id="{3776E30B-813F-0863-0AAF-08F593A4A164}"/>
               </a:ext>
             </a:extLst>
           </p:cNvPr>
@@ -18189,7 +18189,7 @@
           <p:cNvPr id="111" name="Google Shape;81;p14">
             <a:extLst>
               <a:ext uri="{FF2B5EF4-FFF2-40B4-BE49-F238E27FC236}">
-                <a16:creationId xmlns:a16="http://schemas.microsoft.com/office/drawing/2014/main" xmlns="" id="{4C069DC5-4186-0285-5D83-B8FFA739F050}"/>
+                <a16:creationId xmlns:a16="http://schemas.microsoft.com/office/drawing/2014/main" id="{4C069DC5-4186-0285-5D83-B8FFA739F050}"/>
               </a:ext>
             </a:extLst>
           </p:cNvPr>
@@ -18223,7 +18223,7 @@
           <p:cNvPr id="112" name="箭头: 五边形 111">
             <a:extLst>
               <a:ext uri="{FF2B5EF4-FFF2-40B4-BE49-F238E27FC236}">
-                <a16:creationId xmlns:a16="http://schemas.microsoft.com/office/drawing/2014/main" xmlns="" id="{7CD9D67F-B213-AAAA-9054-02755BE2146A}"/>
+                <a16:creationId xmlns:a16="http://schemas.microsoft.com/office/drawing/2014/main" id="{7CD9D67F-B213-AAAA-9054-02755BE2146A}"/>
               </a:ext>
             </a:extLst>
           </p:cNvPr>
@@ -18279,7 +18279,7 @@
           <p:cNvPr id="113" name="箭头: 五边形 112">
             <a:extLst>
               <a:ext uri="{FF2B5EF4-FFF2-40B4-BE49-F238E27FC236}">
-                <a16:creationId xmlns:a16="http://schemas.microsoft.com/office/drawing/2014/main" xmlns="" id="{F8AE02EB-01D9-FA19-B065-CCE211B6884B}"/>
+                <a16:creationId xmlns:a16="http://schemas.microsoft.com/office/drawing/2014/main" id="{F8AE02EB-01D9-FA19-B065-CCE211B6884B}"/>
               </a:ext>
             </a:extLst>
           </p:cNvPr>
@@ -18335,7 +18335,7 @@
           <p:cNvPr id="114" name="箭头: 五边形 113">
             <a:extLst>
               <a:ext uri="{FF2B5EF4-FFF2-40B4-BE49-F238E27FC236}">
-                <a16:creationId xmlns:a16="http://schemas.microsoft.com/office/drawing/2014/main" xmlns="" id="{CD3E578E-DF8A-1EA0-3438-736889E4F552}"/>
+                <a16:creationId xmlns:a16="http://schemas.microsoft.com/office/drawing/2014/main" id="{CD3E578E-DF8A-1EA0-3438-736889E4F552}"/>
               </a:ext>
             </a:extLst>
           </p:cNvPr>
@@ -18382,7 +18382,7 @@
           <p:cNvPr id="115" name="箭头: 五边形 114">
             <a:extLst>
               <a:ext uri="{FF2B5EF4-FFF2-40B4-BE49-F238E27FC236}">
-                <a16:creationId xmlns:a16="http://schemas.microsoft.com/office/drawing/2014/main" xmlns="" id="{F8C96D6D-C8E2-1DE1-7975-1FE461A07D04}"/>
+                <a16:creationId xmlns:a16="http://schemas.microsoft.com/office/drawing/2014/main" id="{F8C96D6D-C8E2-1DE1-7975-1FE461A07D04}"/>
               </a:ext>
             </a:extLst>
           </p:cNvPr>
@@ -18469,7 +18469,7 @@
           <p:cNvPr id="2" name="标题 1">
             <a:extLst>
               <a:ext uri="{FF2B5EF4-FFF2-40B4-BE49-F238E27FC236}">
-                <a16:creationId xmlns:a16="http://schemas.microsoft.com/office/drawing/2014/main" xmlns="" id="{2A9B6C59-89F9-5390-BB77-F8DB7EF7B310}"/>
+                <a16:creationId xmlns:a16="http://schemas.microsoft.com/office/drawing/2014/main" id="{2A9B6C59-89F9-5390-BB77-F8DB7EF7B310}"/>
               </a:ext>
             </a:extLst>
           </p:cNvPr>
@@ -18500,14 +18500,6 @@
                 </a:solidFill>
               </a:rPr>
               <a:t>人形劇場（アリス）</a:t>
-            </a:r>
-            <a:r>
-              <a:rPr lang="en-US" altLang="ja-JP" b="1" dirty="0">
-                <a:solidFill>
-                  <a:schemeClr val="bg1"/>
-                </a:solidFill>
-              </a:rPr>
-              <a:t/>
             </a:r>
             <a:br>
               <a:rPr lang="en-US" altLang="ja-JP" b="1" dirty="0">
@@ -18559,7 +18551,7 @@
           <p:cNvPr id="2" name="标题 1">
             <a:extLst>
               <a:ext uri="{FF2B5EF4-FFF2-40B4-BE49-F238E27FC236}">
-                <a16:creationId xmlns:a16="http://schemas.microsoft.com/office/drawing/2014/main" xmlns="" id="{80796E82-7314-2FBE-2DE8-DDD70D4DF27E}"/>
+                <a16:creationId xmlns:a16="http://schemas.microsoft.com/office/drawing/2014/main" id="{80796E82-7314-2FBE-2DE8-DDD70D4DF27E}"/>
               </a:ext>
             </a:extLst>
           </p:cNvPr>
@@ -18601,7 +18593,7 @@
           <p:cNvPr id="4" name="文本框 3">
             <a:extLst>
               <a:ext uri="{FF2B5EF4-FFF2-40B4-BE49-F238E27FC236}">
-                <a16:creationId xmlns:a16="http://schemas.microsoft.com/office/drawing/2014/main" xmlns="" id="{3E8E8225-E7B4-E598-7AEB-66BC2EF7864E}"/>
+                <a16:creationId xmlns:a16="http://schemas.microsoft.com/office/drawing/2014/main" id="{3E8E8225-E7B4-E598-7AEB-66BC2EF7864E}"/>
               </a:ext>
             </a:extLst>
           </p:cNvPr>
@@ -18647,7 +18639,7 @@
           <p:cNvPr id="94" name="椭圆 93">
             <a:extLst>
               <a:ext uri="{FF2B5EF4-FFF2-40B4-BE49-F238E27FC236}">
-                <a16:creationId xmlns:a16="http://schemas.microsoft.com/office/drawing/2014/main" xmlns="" id="{8BEE0963-F39F-E799-5A6C-7DB2D9695EA3}"/>
+                <a16:creationId xmlns:a16="http://schemas.microsoft.com/office/drawing/2014/main" id="{8BEE0963-F39F-E799-5A6C-7DB2D9695EA3}"/>
               </a:ext>
             </a:extLst>
           </p:cNvPr>
@@ -18699,7 +18691,7 @@
           <p:cNvPr id="6" name="椭圆 5">
             <a:extLst>
               <a:ext uri="{FF2B5EF4-FFF2-40B4-BE49-F238E27FC236}">
-                <a16:creationId xmlns:a16="http://schemas.microsoft.com/office/drawing/2014/main" xmlns="" id="{1F3D5A18-117A-FBDB-A07B-D4E2DC2FC832}"/>
+                <a16:creationId xmlns:a16="http://schemas.microsoft.com/office/drawing/2014/main" id="{1F3D5A18-117A-FBDB-A07B-D4E2DC2FC832}"/>
               </a:ext>
             </a:extLst>
           </p:cNvPr>
@@ -18749,7 +18741,7 @@
           <p:cNvPr id="7" name="矩形 6">
             <a:extLst>
               <a:ext uri="{FF2B5EF4-FFF2-40B4-BE49-F238E27FC236}">
-                <a16:creationId xmlns:a16="http://schemas.microsoft.com/office/drawing/2014/main" xmlns="" id="{1DB7B11B-A7F7-8894-4BAF-68DD060767B3}"/>
+                <a16:creationId xmlns:a16="http://schemas.microsoft.com/office/drawing/2014/main" id="{1DB7B11B-A7F7-8894-4BAF-68DD060767B3}"/>
               </a:ext>
             </a:extLst>
           </p:cNvPr>
@@ -18799,7 +18791,7 @@
           <p:cNvPr id="16" name="矩形 15">
             <a:extLst>
               <a:ext uri="{FF2B5EF4-FFF2-40B4-BE49-F238E27FC236}">
-                <a16:creationId xmlns:a16="http://schemas.microsoft.com/office/drawing/2014/main" xmlns="" id="{5E103417-33D7-7A1E-5135-FE392A9238A1}"/>
+                <a16:creationId xmlns:a16="http://schemas.microsoft.com/office/drawing/2014/main" id="{5E103417-33D7-7A1E-5135-FE392A9238A1}"/>
               </a:ext>
             </a:extLst>
           </p:cNvPr>
@@ -18849,7 +18841,7 @@
           <p:cNvPr id="36" name="Google Shape;74;p14">
             <a:extLst>
               <a:ext uri="{FF2B5EF4-FFF2-40B4-BE49-F238E27FC236}">
-                <a16:creationId xmlns:a16="http://schemas.microsoft.com/office/drawing/2014/main" xmlns="" id="{2E2745A7-5382-D682-E846-353E49F51CE1}"/>
+                <a16:creationId xmlns:a16="http://schemas.microsoft.com/office/drawing/2014/main" id="{2E2745A7-5382-D682-E846-353E49F51CE1}"/>
               </a:ext>
             </a:extLst>
           </p:cNvPr>
@@ -18883,7 +18875,7 @@
           <p:cNvPr id="37" name="Google Shape;75;p14">
             <a:extLst>
               <a:ext uri="{FF2B5EF4-FFF2-40B4-BE49-F238E27FC236}">
-                <a16:creationId xmlns:a16="http://schemas.microsoft.com/office/drawing/2014/main" xmlns="" id="{E3E4915D-2F12-168B-349B-24CDEEB0083B}"/>
+                <a16:creationId xmlns:a16="http://schemas.microsoft.com/office/drawing/2014/main" id="{E3E4915D-2F12-168B-349B-24CDEEB0083B}"/>
               </a:ext>
             </a:extLst>
           </p:cNvPr>
@@ -18917,7 +18909,7 @@
           <p:cNvPr id="40" name="Google Shape;76;p14">
             <a:extLst>
               <a:ext uri="{FF2B5EF4-FFF2-40B4-BE49-F238E27FC236}">
-                <a16:creationId xmlns:a16="http://schemas.microsoft.com/office/drawing/2014/main" xmlns="" id="{1ECE9B11-635C-881C-CE5B-089C627E4372}"/>
+                <a16:creationId xmlns:a16="http://schemas.microsoft.com/office/drawing/2014/main" id="{1ECE9B11-635C-881C-CE5B-089C627E4372}"/>
               </a:ext>
             </a:extLst>
           </p:cNvPr>
@@ -18951,7 +18943,7 @@
           <p:cNvPr id="41" name="Google Shape;77;p14">
             <a:extLst>
               <a:ext uri="{FF2B5EF4-FFF2-40B4-BE49-F238E27FC236}">
-                <a16:creationId xmlns:a16="http://schemas.microsoft.com/office/drawing/2014/main" xmlns="" id="{B873D65F-C642-5A74-03EE-002969DF1388}"/>
+                <a16:creationId xmlns:a16="http://schemas.microsoft.com/office/drawing/2014/main" id="{B873D65F-C642-5A74-03EE-002969DF1388}"/>
               </a:ext>
             </a:extLst>
           </p:cNvPr>
@@ -18985,7 +18977,7 @@
           <p:cNvPr id="42" name="Google Shape;78;p14">
             <a:extLst>
               <a:ext uri="{FF2B5EF4-FFF2-40B4-BE49-F238E27FC236}">
-                <a16:creationId xmlns:a16="http://schemas.microsoft.com/office/drawing/2014/main" xmlns="" id="{971876C7-5053-73D0-155A-9D17633A0F55}"/>
+                <a16:creationId xmlns:a16="http://schemas.microsoft.com/office/drawing/2014/main" id="{971876C7-5053-73D0-155A-9D17633A0F55}"/>
               </a:ext>
             </a:extLst>
           </p:cNvPr>
@@ -19019,7 +19011,7 @@
           <p:cNvPr id="43" name="Google Shape;79;p14">
             <a:extLst>
               <a:ext uri="{FF2B5EF4-FFF2-40B4-BE49-F238E27FC236}">
-                <a16:creationId xmlns:a16="http://schemas.microsoft.com/office/drawing/2014/main" xmlns="" id="{D908096A-7B93-6872-9227-68EFA46E5FEC}"/>
+                <a16:creationId xmlns:a16="http://schemas.microsoft.com/office/drawing/2014/main" id="{D908096A-7B93-6872-9227-68EFA46E5FEC}"/>
               </a:ext>
             </a:extLst>
           </p:cNvPr>
@@ -19053,7 +19045,7 @@
           <p:cNvPr id="44" name="Google Shape;80;p14">
             <a:extLst>
               <a:ext uri="{FF2B5EF4-FFF2-40B4-BE49-F238E27FC236}">
-                <a16:creationId xmlns:a16="http://schemas.microsoft.com/office/drawing/2014/main" xmlns="" id="{5707B8C5-A5A8-44EF-7EA1-212D60CE4405}"/>
+                <a16:creationId xmlns:a16="http://schemas.microsoft.com/office/drawing/2014/main" id="{5707B8C5-A5A8-44EF-7EA1-212D60CE4405}"/>
               </a:ext>
             </a:extLst>
           </p:cNvPr>
@@ -19087,7 +19079,7 @@
           <p:cNvPr id="45" name="Google Shape;81;p14">
             <a:extLst>
               <a:ext uri="{FF2B5EF4-FFF2-40B4-BE49-F238E27FC236}">
-                <a16:creationId xmlns:a16="http://schemas.microsoft.com/office/drawing/2014/main" xmlns="" id="{258DAE7F-F09C-A31E-1F00-ADABD392EAF6}"/>
+                <a16:creationId xmlns:a16="http://schemas.microsoft.com/office/drawing/2014/main" id="{258DAE7F-F09C-A31E-1F00-ADABD392EAF6}"/>
               </a:ext>
             </a:extLst>
           </p:cNvPr>
@@ -19121,7 +19113,7 @@
           <p:cNvPr id="46" name="Google Shape;73;p14">
             <a:extLst>
               <a:ext uri="{FF2B5EF4-FFF2-40B4-BE49-F238E27FC236}">
-                <a16:creationId xmlns:a16="http://schemas.microsoft.com/office/drawing/2014/main" xmlns="" id="{C9BC361F-6BE4-6B47-4157-518F4E8B91B7}"/>
+                <a16:creationId xmlns:a16="http://schemas.microsoft.com/office/drawing/2014/main" id="{C9BC361F-6BE4-6B47-4157-518F4E8B91B7}"/>
               </a:ext>
             </a:extLst>
           </p:cNvPr>
@@ -19155,7 +19147,7 @@
           <p:cNvPr id="47" name="Google Shape;100;p14">
             <a:extLst>
               <a:ext uri="{FF2B5EF4-FFF2-40B4-BE49-F238E27FC236}">
-                <a16:creationId xmlns:a16="http://schemas.microsoft.com/office/drawing/2014/main" xmlns="" id="{FECEA0B3-9605-E3C1-399E-D5B289255275}"/>
+                <a16:creationId xmlns:a16="http://schemas.microsoft.com/office/drawing/2014/main" id="{FECEA0B3-9605-E3C1-399E-D5B289255275}"/>
               </a:ext>
             </a:extLst>
           </p:cNvPr>
@@ -19200,7 +19192,7 @@
           <p:cNvPr id="9" name="箭头: V 形 8">
             <a:extLst>
               <a:ext uri="{FF2B5EF4-FFF2-40B4-BE49-F238E27FC236}">
-                <a16:creationId xmlns:a16="http://schemas.microsoft.com/office/drawing/2014/main" xmlns="" id="{FD24A7BB-FA4E-991F-5929-18EE9CB4A9D9}"/>
+                <a16:creationId xmlns:a16="http://schemas.microsoft.com/office/drawing/2014/main" id="{FD24A7BB-FA4E-991F-5929-18EE9CB4A9D9}"/>
               </a:ext>
             </a:extLst>
           </p:cNvPr>
@@ -19248,7 +19240,7 @@
           <p:cNvPr id="18" name="箭头: V 形 17">
             <a:extLst>
               <a:ext uri="{FF2B5EF4-FFF2-40B4-BE49-F238E27FC236}">
-                <a16:creationId xmlns:a16="http://schemas.microsoft.com/office/drawing/2014/main" xmlns="" id="{8C372B4E-E0EB-3587-D05B-984150483764}"/>
+                <a16:creationId xmlns:a16="http://schemas.microsoft.com/office/drawing/2014/main" id="{8C372B4E-E0EB-3587-D05B-984150483764}"/>
               </a:ext>
             </a:extLst>
           </p:cNvPr>
@@ -19296,7 +19288,7 @@
           <p:cNvPr id="19" name="箭头: V 形 18">
             <a:extLst>
               <a:ext uri="{FF2B5EF4-FFF2-40B4-BE49-F238E27FC236}">
-                <a16:creationId xmlns:a16="http://schemas.microsoft.com/office/drawing/2014/main" xmlns="" id="{857EDEF0-9103-CEE8-DA27-765C3E2D1CF2}"/>
+                <a16:creationId xmlns:a16="http://schemas.microsoft.com/office/drawing/2014/main" id="{857EDEF0-9103-CEE8-DA27-765C3E2D1CF2}"/>
               </a:ext>
             </a:extLst>
           </p:cNvPr>
@@ -19344,7 +19336,7 @@
           <p:cNvPr id="20" name="箭头: V 形 19">
             <a:extLst>
               <a:ext uri="{FF2B5EF4-FFF2-40B4-BE49-F238E27FC236}">
-                <a16:creationId xmlns:a16="http://schemas.microsoft.com/office/drawing/2014/main" xmlns="" id="{42C49E84-E67A-1BB3-2501-0FDDEF0E34DA}"/>
+                <a16:creationId xmlns:a16="http://schemas.microsoft.com/office/drawing/2014/main" id="{42C49E84-E67A-1BB3-2501-0FDDEF0E34DA}"/>
               </a:ext>
             </a:extLst>
           </p:cNvPr>
@@ -19392,7 +19384,7 @@
           <p:cNvPr id="21" name="箭头: V 形 20">
             <a:extLst>
               <a:ext uri="{FF2B5EF4-FFF2-40B4-BE49-F238E27FC236}">
-                <a16:creationId xmlns:a16="http://schemas.microsoft.com/office/drawing/2014/main" xmlns="" id="{BC353627-9371-244D-7367-7A27EC648508}"/>
+                <a16:creationId xmlns:a16="http://schemas.microsoft.com/office/drawing/2014/main" id="{BC353627-9371-244D-7367-7A27EC648508}"/>
               </a:ext>
             </a:extLst>
           </p:cNvPr>
@@ -19440,7 +19432,7 @@
           <p:cNvPr id="22" name="箭头: V 形 21">
             <a:extLst>
               <a:ext uri="{FF2B5EF4-FFF2-40B4-BE49-F238E27FC236}">
-                <a16:creationId xmlns:a16="http://schemas.microsoft.com/office/drawing/2014/main" xmlns="" id="{41D7DFA2-1682-8959-1196-12E3B7C49765}"/>
+                <a16:creationId xmlns:a16="http://schemas.microsoft.com/office/drawing/2014/main" id="{41D7DFA2-1682-8959-1196-12E3B7C49765}"/>
               </a:ext>
             </a:extLst>
           </p:cNvPr>
@@ -19488,7 +19480,7 @@
           <p:cNvPr id="23" name="箭头: V 形 22">
             <a:extLst>
               <a:ext uri="{FF2B5EF4-FFF2-40B4-BE49-F238E27FC236}">
-                <a16:creationId xmlns:a16="http://schemas.microsoft.com/office/drawing/2014/main" xmlns="" id="{3E6B5B9D-8A94-166B-F4E4-0C03AFDA72FF}"/>
+                <a16:creationId xmlns:a16="http://schemas.microsoft.com/office/drawing/2014/main" id="{3E6B5B9D-8A94-166B-F4E4-0C03AFDA72FF}"/>
               </a:ext>
             </a:extLst>
           </p:cNvPr>
@@ -19536,7 +19528,7 @@
           <p:cNvPr id="24" name="箭头: V 形 23">
             <a:extLst>
               <a:ext uri="{FF2B5EF4-FFF2-40B4-BE49-F238E27FC236}">
-                <a16:creationId xmlns:a16="http://schemas.microsoft.com/office/drawing/2014/main" xmlns="" id="{58C2A296-BAAF-AA9E-2CEA-ABDFA8710114}"/>
+                <a16:creationId xmlns:a16="http://schemas.microsoft.com/office/drawing/2014/main" id="{58C2A296-BAAF-AA9E-2CEA-ABDFA8710114}"/>
               </a:ext>
             </a:extLst>
           </p:cNvPr>
@@ -19584,7 +19576,7 @@
           <p:cNvPr id="28" name="箭头: V 形 27">
             <a:extLst>
               <a:ext uri="{FF2B5EF4-FFF2-40B4-BE49-F238E27FC236}">
-                <a16:creationId xmlns:a16="http://schemas.microsoft.com/office/drawing/2014/main" xmlns="" id="{A543D7BC-1C9B-6A49-EC09-098BA7C87EA3}"/>
+                <a16:creationId xmlns:a16="http://schemas.microsoft.com/office/drawing/2014/main" id="{A543D7BC-1C9B-6A49-EC09-098BA7C87EA3}"/>
               </a:ext>
             </a:extLst>
           </p:cNvPr>
@@ -19632,7 +19624,7 @@
           <p:cNvPr id="29" name="箭头: V 形 28">
             <a:extLst>
               <a:ext uri="{FF2B5EF4-FFF2-40B4-BE49-F238E27FC236}">
-                <a16:creationId xmlns:a16="http://schemas.microsoft.com/office/drawing/2014/main" xmlns="" id="{D2AF5DF2-587F-46EB-F970-D8CFB9255024}"/>
+                <a16:creationId xmlns:a16="http://schemas.microsoft.com/office/drawing/2014/main" id="{D2AF5DF2-587F-46EB-F970-D8CFB9255024}"/>
               </a:ext>
             </a:extLst>
           </p:cNvPr>
@@ -19680,7 +19672,7 @@
           <p:cNvPr id="30" name="箭头: V 形 29">
             <a:extLst>
               <a:ext uri="{FF2B5EF4-FFF2-40B4-BE49-F238E27FC236}">
-                <a16:creationId xmlns:a16="http://schemas.microsoft.com/office/drawing/2014/main" xmlns="" id="{9419548B-7308-2803-27AC-502B1EDA4B21}"/>
+                <a16:creationId xmlns:a16="http://schemas.microsoft.com/office/drawing/2014/main" id="{9419548B-7308-2803-27AC-502B1EDA4B21}"/>
               </a:ext>
             </a:extLst>
           </p:cNvPr>
@@ -19728,7 +19720,7 @@
           <p:cNvPr id="31" name="箭头: V 形 30">
             <a:extLst>
               <a:ext uri="{FF2B5EF4-FFF2-40B4-BE49-F238E27FC236}">
-                <a16:creationId xmlns:a16="http://schemas.microsoft.com/office/drawing/2014/main" xmlns="" id="{5EA4D2E4-024B-6111-B464-CCAED25B06D2}"/>
+                <a16:creationId xmlns:a16="http://schemas.microsoft.com/office/drawing/2014/main" id="{5EA4D2E4-024B-6111-B464-CCAED25B06D2}"/>
               </a:ext>
             </a:extLst>
           </p:cNvPr>
@@ -19776,7 +19768,7 @@
           <p:cNvPr id="32" name="箭头: V 形 31">
             <a:extLst>
               <a:ext uri="{FF2B5EF4-FFF2-40B4-BE49-F238E27FC236}">
-                <a16:creationId xmlns:a16="http://schemas.microsoft.com/office/drawing/2014/main" xmlns="" id="{179930E0-6F7E-CCEA-3004-B6A577E77445}"/>
+                <a16:creationId xmlns:a16="http://schemas.microsoft.com/office/drawing/2014/main" id="{179930E0-6F7E-CCEA-3004-B6A577E77445}"/>
               </a:ext>
             </a:extLst>
           </p:cNvPr>
@@ -19824,7 +19816,7 @@
           <p:cNvPr id="33" name="箭头: V 形 32">
             <a:extLst>
               <a:ext uri="{FF2B5EF4-FFF2-40B4-BE49-F238E27FC236}">
-                <a16:creationId xmlns:a16="http://schemas.microsoft.com/office/drawing/2014/main" xmlns="" id="{BCFED254-F97D-29DC-0AF7-9A71396E1D9B}"/>
+                <a16:creationId xmlns:a16="http://schemas.microsoft.com/office/drawing/2014/main" id="{BCFED254-F97D-29DC-0AF7-9A71396E1D9B}"/>
               </a:ext>
             </a:extLst>
           </p:cNvPr>
@@ -19872,7 +19864,7 @@
           <p:cNvPr id="34" name="箭头: V 形 33">
             <a:extLst>
               <a:ext uri="{FF2B5EF4-FFF2-40B4-BE49-F238E27FC236}">
-                <a16:creationId xmlns:a16="http://schemas.microsoft.com/office/drawing/2014/main" xmlns="" id="{ADBFB33B-4138-0F9E-231F-DA43D8BCC91E}"/>
+                <a16:creationId xmlns:a16="http://schemas.microsoft.com/office/drawing/2014/main" id="{ADBFB33B-4138-0F9E-231F-DA43D8BCC91E}"/>
               </a:ext>
             </a:extLst>
           </p:cNvPr>
@@ -19920,7 +19912,7 @@
           <p:cNvPr id="35" name="箭头: V 形 34">
             <a:extLst>
               <a:ext uri="{FF2B5EF4-FFF2-40B4-BE49-F238E27FC236}">
-                <a16:creationId xmlns:a16="http://schemas.microsoft.com/office/drawing/2014/main" xmlns="" id="{E92C13C8-1702-EA52-0B0B-3C4AD4D4D38B}"/>
+                <a16:creationId xmlns:a16="http://schemas.microsoft.com/office/drawing/2014/main" id="{E92C13C8-1702-EA52-0B0B-3C4AD4D4D38B}"/>
               </a:ext>
             </a:extLst>
           </p:cNvPr>
@@ -19998,7 +19990,7 @@
           <p:cNvPr id="2" name="标题 1">
             <a:extLst>
               <a:ext uri="{FF2B5EF4-FFF2-40B4-BE49-F238E27FC236}">
-                <a16:creationId xmlns:a16="http://schemas.microsoft.com/office/drawing/2014/main" xmlns="" id="{80796E82-7314-2FBE-2DE8-DDD70D4DF27E}"/>
+                <a16:creationId xmlns:a16="http://schemas.microsoft.com/office/drawing/2014/main" id="{80796E82-7314-2FBE-2DE8-DDD70D4DF27E}"/>
               </a:ext>
             </a:extLst>
           </p:cNvPr>
@@ -20047,7 +20039,7 @@
           <p:cNvPr id="4" name="文本框 3">
             <a:extLst>
               <a:ext uri="{FF2B5EF4-FFF2-40B4-BE49-F238E27FC236}">
-                <a16:creationId xmlns:a16="http://schemas.microsoft.com/office/drawing/2014/main" xmlns="" id="{3E8E8225-E7B4-E598-7AEB-66BC2EF7864E}"/>
+                <a16:creationId xmlns:a16="http://schemas.microsoft.com/office/drawing/2014/main" id="{3E8E8225-E7B4-E598-7AEB-66BC2EF7864E}"/>
               </a:ext>
             </a:extLst>
           </p:cNvPr>
@@ -20093,7 +20085,7 @@
           <p:cNvPr id="94" name="椭圆 93">
             <a:extLst>
               <a:ext uri="{FF2B5EF4-FFF2-40B4-BE49-F238E27FC236}">
-                <a16:creationId xmlns:a16="http://schemas.microsoft.com/office/drawing/2014/main" xmlns="" id="{8BEE0963-F39F-E799-5A6C-7DB2D9695EA3}"/>
+                <a16:creationId xmlns:a16="http://schemas.microsoft.com/office/drawing/2014/main" id="{8BEE0963-F39F-E799-5A6C-7DB2D9695EA3}"/>
               </a:ext>
             </a:extLst>
           </p:cNvPr>
@@ -20145,7 +20137,7 @@
           <p:cNvPr id="6" name="椭圆 5">
             <a:extLst>
               <a:ext uri="{FF2B5EF4-FFF2-40B4-BE49-F238E27FC236}">
-                <a16:creationId xmlns:a16="http://schemas.microsoft.com/office/drawing/2014/main" xmlns="" id="{1F3D5A18-117A-FBDB-A07B-D4E2DC2FC832}"/>
+                <a16:creationId xmlns:a16="http://schemas.microsoft.com/office/drawing/2014/main" id="{1F3D5A18-117A-FBDB-A07B-D4E2DC2FC832}"/>
               </a:ext>
             </a:extLst>
           </p:cNvPr>
@@ -20195,7 +20187,7 @@
           <p:cNvPr id="7" name="矩形 6">
             <a:extLst>
               <a:ext uri="{FF2B5EF4-FFF2-40B4-BE49-F238E27FC236}">
-                <a16:creationId xmlns:a16="http://schemas.microsoft.com/office/drawing/2014/main" xmlns="" id="{1DB7B11B-A7F7-8894-4BAF-68DD060767B3}"/>
+                <a16:creationId xmlns:a16="http://schemas.microsoft.com/office/drawing/2014/main" id="{1DB7B11B-A7F7-8894-4BAF-68DD060767B3}"/>
               </a:ext>
             </a:extLst>
           </p:cNvPr>
@@ -20245,7 +20237,7 @@
           <p:cNvPr id="16" name="矩形 15">
             <a:extLst>
               <a:ext uri="{FF2B5EF4-FFF2-40B4-BE49-F238E27FC236}">
-                <a16:creationId xmlns:a16="http://schemas.microsoft.com/office/drawing/2014/main" xmlns="" id="{5E103417-33D7-7A1E-5135-FE392A9238A1}"/>
+                <a16:creationId xmlns:a16="http://schemas.microsoft.com/office/drawing/2014/main" id="{5E103417-33D7-7A1E-5135-FE392A9238A1}"/>
               </a:ext>
             </a:extLst>
           </p:cNvPr>
@@ -20295,7 +20287,7 @@
           <p:cNvPr id="36" name="Google Shape;74;p14">
             <a:extLst>
               <a:ext uri="{FF2B5EF4-FFF2-40B4-BE49-F238E27FC236}">
-                <a16:creationId xmlns:a16="http://schemas.microsoft.com/office/drawing/2014/main" xmlns="" id="{2E2745A7-5382-D682-E846-353E49F51CE1}"/>
+                <a16:creationId xmlns:a16="http://schemas.microsoft.com/office/drawing/2014/main" id="{2E2745A7-5382-D682-E846-353E49F51CE1}"/>
               </a:ext>
             </a:extLst>
           </p:cNvPr>
@@ -20329,7 +20321,7 @@
           <p:cNvPr id="37" name="Google Shape;75;p14">
             <a:extLst>
               <a:ext uri="{FF2B5EF4-FFF2-40B4-BE49-F238E27FC236}">
-                <a16:creationId xmlns:a16="http://schemas.microsoft.com/office/drawing/2014/main" xmlns="" id="{E3E4915D-2F12-168B-349B-24CDEEB0083B}"/>
+                <a16:creationId xmlns:a16="http://schemas.microsoft.com/office/drawing/2014/main" id="{E3E4915D-2F12-168B-349B-24CDEEB0083B}"/>
               </a:ext>
             </a:extLst>
           </p:cNvPr>
@@ -20363,7 +20355,7 @@
           <p:cNvPr id="40" name="Google Shape;76;p14">
             <a:extLst>
               <a:ext uri="{FF2B5EF4-FFF2-40B4-BE49-F238E27FC236}">
-                <a16:creationId xmlns:a16="http://schemas.microsoft.com/office/drawing/2014/main" xmlns="" id="{1ECE9B11-635C-881C-CE5B-089C627E4372}"/>
+                <a16:creationId xmlns:a16="http://schemas.microsoft.com/office/drawing/2014/main" id="{1ECE9B11-635C-881C-CE5B-089C627E4372}"/>
               </a:ext>
             </a:extLst>
           </p:cNvPr>
@@ -20397,7 +20389,7 @@
           <p:cNvPr id="41" name="Google Shape;77;p14">
             <a:extLst>
               <a:ext uri="{FF2B5EF4-FFF2-40B4-BE49-F238E27FC236}">
-                <a16:creationId xmlns:a16="http://schemas.microsoft.com/office/drawing/2014/main" xmlns="" id="{B873D65F-C642-5A74-03EE-002969DF1388}"/>
+                <a16:creationId xmlns:a16="http://schemas.microsoft.com/office/drawing/2014/main" id="{B873D65F-C642-5A74-03EE-002969DF1388}"/>
               </a:ext>
             </a:extLst>
           </p:cNvPr>
@@ -20431,7 +20423,7 @@
           <p:cNvPr id="42" name="Google Shape;78;p14">
             <a:extLst>
               <a:ext uri="{FF2B5EF4-FFF2-40B4-BE49-F238E27FC236}">
-                <a16:creationId xmlns:a16="http://schemas.microsoft.com/office/drawing/2014/main" xmlns="" id="{971876C7-5053-73D0-155A-9D17633A0F55}"/>
+                <a16:creationId xmlns:a16="http://schemas.microsoft.com/office/drawing/2014/main" id="{971876C7-5053-73D0-155A-9D17633A0F55}"/>
               </a:ext>
             </a:extLst>
           </p:cNvPr>
@@ -20465,7 +20457,7 @@
           <p:cNvPr id="43" name="Google Shape;79;p14">
             <a:extLst>
               <a:ext uri="{FF2B5EF4-FFF2-40B4-BE49-F238E27FC236}">
-                <a16:creationId xmlns:a16="http://schemas.microsoft.com/office/drawing/2014/main" xmlns="" id="{D908096A-7B93-6872-9227-68EFA46E5FEC}"/>
+                <a16:creationId xmlns:a16="http://schemas.microsoft.com/office/drawing/2014/main" id="{D908096A-7B93-6872-9227-68EFA46E5FEC}"/>
               </a:ext>
             </a:extLst>
           </p:cNvPr>
@@ -20499,7 +20491,7 @@
           <p:cNvPr id="44" name="Google Shape;80;p14">
             <a:extLst>
               <a:ext uri="{FF2B5EF4-FFF2-40B4-BE49-F238E27FC236}">
-                <a16:creationId xmlns:a16="http://schemas.microsoft.com/office/drawing/2014/main" xmlns="" id="{5707B8C5-A5A8-44EF-7EA1-212D60CE4405}"/>
+                <a16:creationId xmlns:a16="http://schemas.microsoft.com/office/drawing/2014/main" id="{5707B8C5-A5A8-44EF-7EA1-212D60CE4405}"/>
               </a:ext>
             </a:extLst>
           </p:cNvPr>
@@ -20533,7 +20525,7 @@
           <p:cNvPr id="45" name="Google Shape;81;p14">
             <a:extLst>
               <a:ext uri="{FF2B5EF4-FFF2-40B4-BE49-F238E27FC236}">
-                <a16:creationId xmlns:a16="http://schemas.microsoft.com/office/drawing/2014/main" xmlns="" id="{258DAE7F-F09C-A31E-1F00-ADABD392EAF6}"/>
+                <a16:creationId xmlns:a16="http://schemas.microsoft.com/office/drawing/2014/main" id="{258DAE7F-F09C-A31E-1F00-ADABD392EAF6}"/>
               </a:ext>
             </a:extLst>
           </p:cNvPr>
@@ -20567,7 +20559,7 @@
           <p:cNvPr id="38" name="Google Shape;73;p14">
             <a:extLst>
               <a:ext uri="{FF2B5EF4-FFF2-40B4-BE49-F238E27FC236}">
-                <a16:creationId xmlns:a16="http://schemas.microsoft.com/office/drawing/2014/main" xmlns="" id="{E0001BAF-FACE-D307-1D07-8A20E39EEA01}"/>
+                <a16:creationId xmlns:a16="http://schemas.microsoft.com/office/drawing/2014/main" id="{E0001BAF-FACE-D307-1D07-8A20E39EEA01}"/>
               </a:ext>
             </a:extLst>
           </p:cNvPr>
@@ -20601,7 +20593,7 @@
           <p:cNvPr id="39" name="Google Shape;100;p14">
             <a:extLst>
               <a:ext uri="{FF2B5EF4-FFF2-40B4-BE49-F238E27FC236}">
-                <a16:creationId xmlns:a16="http://schemas.microsoft.com/office/drawing/2014/main" xmlns="" id="{C645A3CD-E123-0AD2-7C08-708809D6E638}"/>
+                <a16:creationId xmlns:a16="http://schemas.microsoft.com/office/drawing/2014/main" id="{C645A3CD-E123-0AD2-7C08-708809D6E638}"/>
               </a:ext>
             </a:extLst>
           </p:cNvPr>
@@ -20646,7 +20638,7 @@
           <p:cNvPr id="3" name="等腰三角形 2">
             <a:extLst>
               <a:ext uri="{FF2B5EF4-FFF2-40B4-BE49-F238E27FC236}">
-                <a16:creationId xmlns:a16="http://schemas.microsoft.com/office/drawing/2014/main" xmlns="" id="{3958D119-CD60-7C80-CFD3-372C4AD8F295}"/>
+                <a16:creationId xmlns:a16="http://schemas.microsoft.com/office/drawing/2014/main" id="{3958D119-CD60-7C80-CFD3-372C4AD8F295}"/>
               </a:ext>
             </a:extLst>
           </p:cNvPr>
@@ -20695,7 +20687,7 @@
           <p:cNvPr id="46" name="等腰三角形 45">
             <a:extLst>
               <a:ext uri="{FF2B5EF4-FFF2-40B4-BE49-F238E27FC236}">
-                <a16:creationId xmlns:a16="http://schemas.microsoft.com/office/drawing/2014/main" xmlns="" id="{5C14F302-8A69-86B2-A50F-83427D1040CD}"/>
+                <a16:creationId xmlns:a16="http://schemas.microsoft.com/office/drawing/2014/main" id="{5C14F302-8A69-86B2-A50F-83427D1040CD}"/>
               </a:ext>
             </a:extLst>
           </p:cNvPr>
@@ -20744,7 +20736,7 @@
           <p:cNvPr id="47" name="等腰三角形 46">
             <a:extLst>
               <a:ext uri="{FF2B5EF4-FFF2-40B4-BE49-F238E27FC236}">
-                <a16:creationId xmlns:a16="http://schemas.microsoft.com/office/drawing/2014/main" xmlns="" id="{44104A55-FCFB-B777-5E13-988287C28FD2}"/>
+                <a16:creationId xmlns:a16="http://schemas.microsoft.com/office/drawing/2014/main" id="{44104A55-FCFB-B777-5E13-988287C28FD2}"/>
               </a:ext>
             </a:extLst>
           </p:cNvPr>
@@ -20793,7 +20785,7 @@
           <p:cNvPr id="48" name="等腰三角形 47">
             <a:extLst>
               <a:ext uri="{FF2B5EF4-FFF2-40B4-BE49-F238E27FC236}">
-                <a16:creationId xmlns:a16="http://schemas.microsoft.com/office/drawing/2014/main" xmlns="" id="{4E345FD8-5C2C-0616-0CF7-1418D66B0ABC}"/>
+                <a16:creationId xmlns:a16="http://schemas.microsoft.com/office/drawing/2014/main" id="{4E345FD8-5C2C-0616-0CF7-1418D66B0ABC}"/>
               </a:ext>
             </a:extLst>
           </p:cNvPr>
@@ -20842,7 +20834,7 @@
           <p:cNvPr id="49" name="等腰三角形 48">
             <a:extLst>
               <a:ext uri="{FF2B5EF4-FFF2-40B4-BE49-F238E27FC236}">
-                <a16:creationId xmlns:a16="http://schemas.microsoft.com/office/drawing/2014/main" xmlns="" id="{71BB4B96-7AF4-C164-AEA3-FEA62D216D12}"/>
+                <a16:creationId xmlns:a16="http://schemas.microsoft.com/office/drawing/2014/main" id="{71BB4B96-7AF4-C164-AEA3-FEA62D216D12}"/>
               </a:ext>
             </a:extLst>
           </p:cNvPr>
@@ -20891,7 +20883,7 @@
           <p:cNvPr id="50" name="等腰三角形 49">
             <a:extLst>
               <a:ext uri="{FF2B5EF4-FFF2-40B4-BE49-F238E27FC236}">
-                <a16:creationId xmlns:a16="http://schemas.microsoft.com/office/drawing/2014/main" xmlns="" id="{5190B8C1-0472-40DA-6E3E-8642A3B77B20}"/>
+                <a16:creationId xmlns:a16="http://schemas.microsoft.com/office/drawing/2014/main" id="{5190B8C1-0472-40DA-6E3E-8642A3B77B20}"/>
               </a:ext>
             </a:extLst>
           </p:cNvPr>
@@ -20940,7 +20932,7 @@
           <p:cNvPr id="51" name="等腰三角形 50">
             <a:extLst>
               <a:ext uri="{FF2B5EF4-FFF2-40B4-BE49-F238E27FC236}">
-                <a16:creationId xmlns:a16="http://schemas.microsoft.com/office/drawing/2014/main" xmlns="" id="{89F4727C-D5F0-4B4A-364B-C53427EB4EF4}"/>
+                <a16:creationId xmlns:a16="http://schemas.microsoft.com/office/drawing/2014/main" id="{89F4727C-D5F0-4B4A-364B-C53427EB4EF4}"/>
               </a:ext>
             </a:extLst>
           </p:cNvPr>
@@ -20989,7 +20981,7 @@
           <p:cNvPr id="52" name="等腰三角形 51">
             <a:extLst>
               <a:ext uri="{FF2B5EF4-FFF2-40B4-BE49-F238E27FC236}">
-                <a16:creationId xmlns:a16="http://schemas.microsoft.com/office/drawing/2014/main" xmlns="" id="{05BC28BD-C926-BEBE-1136-5FB5EE25CFB8}"/>
+                <a16:creationId xmlns:a16="http://schemas.microsoft.com/office/drawing/2014/main" id="{05BC28BD-C926-BEBE-1136-5FB5EE25CFB8}"/>
               </a:ext>
             </a:extLst>
           </p:cNvPr>
@@ -21078,7 +21070,7 @@
           <p:cNvPr id="2" name="标题 1">
             <a:extLst>
               <a:ext uri="{FF2B5EF4-FFF2-40B4-BE49-F238E27FC236}">
-                <a16:creationId xmlns:a16="http://schemas.microsoft.com/office/drawing/2014/main" xmlns="" id="{2A9B6C59-89F9-5390-BB77-F8DB7EF7B310}"/>
+                <a16:creationId xmlns:a16="http://schemas.microsoft.com/office/drawing/2014/main" id="{2A9B6C59-89F9-5390-BB77-F8DB7EF7B310}"/>
               </a:ext>
             </a:extLst>
           </p:cNvPr>
@@ -21153,7 +21145,7 @@
           <p:cNvPr id="2" name="标题 1">
             <a:extLst>
               <a:ext uri="{FF2B5EF4-FFF2-40B4-BE49-F238E27FC236}">
-                <a16:creationId xmlns:a16="http://schemas.microsoft.com/office/drawing/2014/main" xmlns="" id="{80796E82-7314-2FBE-2DE8-DDD70D4DF27E}"/>
+                <a16:creationId xmlns:a16="http://schemas.microsoft.com/office/drawing/2014/main" id="{80796E82-7314-2FBE-2DE8-DDD70D4DF27E}"/>
               </a:ext>
             </a:extLst>
           </p:cNvPr>
@@ -21195,7 +21187,7 @@
           <p:cNvPr id="4" name="文本框 3">
             <a:extLst>
               <a:ext uri="{FF2B5EF4-FFF2-40B4-BE49-F238E27FC236}">
-                <a16:creationId xmlns:a16="http://schemas.microsoft.com/office/drawing/2014/main" xmlns="" id="{3E8E8225-E7B4-E598-7AEB-66BC2EF7864E}"/>
+                <a16:creationId xmlns:a16="http://schemas.microsoft.com/office/drawing/2014/main" id="{3E8E8225-E7B4-E598-7AEB-66BC2EF7864E}"/>
               </a:ext>
             </a:extLst>
           </p:cNvPr>
@@ -21301,7 +21293,7 @@
           <p:cNvPr id="94" name="椭圆 93">
             <a:extLst>
               <a:ext uri="{FF2B5EF4-FFF2-40B4-BE49-F238E27FC236}">
-                <a16:creationId xmlns:a16="http://schemas.microsoft.com/office/drawing/2014/main" xmlns="" id="{8BEE0963-F39F-E799-5A6C-7DB2D9695EA3}"/>
+                <a16:creationId xmlns:a16="http://schemas.microsoft.com/office/drawing/2014/main" id="{8BEE0963-F39F-E799-5A6C-7DB2D9695EA3}"/>
               </a:ext>
             </a:extLst>
           </p:cNvPr>
@@ -21353,7 +21345,7 @@
           <p:cNvPr id="3" name="椭圆 2">
             <a:extLst>
               <a:ext uri="{FF2B5EF4-FFF2-40B4-BE49-F238E27FC236}">
-                <a16:creationId xmlns:a16="http://schemas.microsoft.com/office/drawing/2014/main" xmlns="" id="{012F767B-5206-A517-0D25-41845DA1D568}"/>
+                <a16:creationId xmlns:a16="http://schemas.microsoft.com/office/drawing/2014/main" id="{012F767B-5206-A517-0D25-41845DA1D568}"/>
               </a:ext>
             </a:extLst>
           </p:cNvPr>
@@ -21405,7 +21397,7 @@
           <p:cNvPr id="25" name="图片 24">
             <a:extLst>
               <a:ext uri="{FF2B5EF4-FFF2-40B4-BE49-F238E27FC236}">
-                <a16:creationId xmlns:a16="http://schemas.microsoft.com/office/drawing/2014/main" xmlns="" id="{09006F16-5378-003E-5C0E-8FF9FEC546D4}"/>
+                <a16:creationId xmlns:a16="http://schemas.microsoft.com/office/drawing/2014/main" id="{09006F16-5378-003E-5C0E-8FF9FEC546D4}"/>
               </a:ext>
             </a:extLst>
           </p:cNvPr>
@@ -21435,7 +21427,7 @@
           <p:cNvPr id="26" name="图片 25">
             <a:extLst>
               <a:ext uri="{FF2B5EF4-FFF2-40B4-BE49-F238E27FC236}">
-                <a16:creationId xmlns:a16="http://schemas.microsoft.com/office/drawing/2014/main" xmlns="" id="{2BAD37FB-EB9D-D370-2B51-8E35AAF38167}"/>
+                <a16:creationId xmlns:a16="http://schemas.microsoft.com/office/drawing/2014/main" id="{2BAD37FB-EB9D-D370-2B51-8E35AAF38167}"/>
               </a:ext>
             </a:extLst>
           </p:cNvPr>
@@ -21465,7 +21457,7 @@
           <p:cNvPr id="27" name="图片 26">
             <a:extLst>
               <a:ext uri="{FF2B5EF4-FFF2-40B4-BE49-F238E27FC236}">
-                <a16:creationId xmlns:a16="http://schemas.microsoft.com/office/drawing/2014/main" xmlns="" id="{1C0210CD-C266-B930-E638-BB546D154C74}"/>
+                <a16:creationId xmlns:a16="http://schemas.microsoft.com/office/drawing/2014/main" id="{1C0210CD-C266-B930-E638-BB546D154C74}"/>
               </a:ext>
             </a:extLst>
           </p:cNvPr>
@@ -21495,7 +21487,7 @@
           <p:cNvPr id="12" name="箭头: 右 11">
             <a:extLst>
               <a:ext uri="{FF2B5EF4-FFF2-40B4-BE49-F238E27FC236}">
-                <a16:creationId xmlns:a16="http://schemas.microsoft.com/office/drawing/2014/main" xmlns="" id="{CBE2E6AE-C4B4-960A-F745-009687CC64E1}"/>
+                <a16:creationId xmlns:a16="http://schemas.microsoft.com/office/drawing/2014/main" id="{CBE2E6AE-C4B4-960A-F745-009687CC64E1}"/>
               </a:ext>
             </a:extLst>
           </p:cNvPr>
@@ -21549,7 +21541,7 @@
           <p:cNvPr id="38" name="箭头: 右 37">
             <a:extLst>
               <a:ext uri="{FF2B5EF4-FFF2-40B4-BE49-F238E27FC236}">
-                <a16:creationId xmlns:a16="http://schemas.microsoft.com/office/drawing/2014/main" xmlns="" id="{D83C9897-8C6C-63D0-4980-561938006796}"/>
+                <a16:creationId xmlns:a16="http://schemas.microsoft.com/office/drawing/2014/main" id="{D83C9897-8C6C-63D0-4980-561938006796}"/>
               </a:ext>
             </a:extLst>
           </p:cNvPr>
@@ -21596,7 +21588,7 @@
           <p:cNvPr id="39" name="箭头: 右 38">
             <a:extLst>
               <a:ext uri="{FF2B5EF4-FFF2-40B4-BE49-F238E27FC236}">
-                <a16:creationId xmlns:a16="http://schemas.microsoft.com/office/drawing/2014/main" xmlns="" id="{7541AED3-F942-9EB8-6A5E-FD3C9A6A9741}"/>
+                <a16:creationId xmlns:a16="http://schemas.microsoft.com/office/drawing/2014/main" id="{7541AED3-F942-9EB8-6A5E-FD3C9A6A9741}"/>
               </a:ext>
             </a:extLst>
           </p:cNvPr>
@@ -21673,7 +21665,7 @@
           <p:cNvPr id="2" name="标题 1">
             <a:extLst>
               <a:ext uri="{FF2B5EF4-FFF2-40B4-BE49-F238E27FC236}">
-                <a16:creationId xmlns:a16="http://schemas.microsoft.com/office/drawing/2014/main" xmlns="" id="{80796E82-7314-2FBE-2DE8-DDD70D4DF27E}"/>
+                <a16:creationId xmlns:a16="http://schemas.microsoft.com/office/drawing/2014/main" id="{80796E82-7314-2FBE-2DE8-DDD70D4DF27E}"/>
               </a:ext>
             </a:extLst>
           </p:cNvPr>
@@ -21715,7 +21707,7 @@
           <p:cNvPr id="4" name="文本框 3">
             <a:extLst>
               <a:ext uri="{FF2B5EF4-FFF2-40B4-BE49-F238E27FC236}">
-                <a16:creationId xmlns:a16="http://schemas.microsoft.com/office/drawing/2014/main" xmlns="" id="{3E8E8225-E7B4-E598-7AEB-66BC2EF7864E}"/>
+                <a16:creationId xmlns:a16="http://schemas.microsoft.com/office/drawing/2014/main" id="{3E8E8225-E7B4-E598-7AEB-66BC2EF7864E}"/>
               </a:ext>
             </a:extLst>
           </p:cNvPr>
@@ -21772,7 +21764,7 @@
           <p:cNvPr id="94" name="椭圆 93">
             <a:extLst>
               <a:ext uri="{FF2B5EF4-FFF2-40B4-BE49-F238E27FC236}">
-                <a16:creationId xmlns:a16="http://schemas.microsoft.com/office/drawing/2014/main" xmlns="" id="{8BEE0963-F39F-E799-5A6C-7DB2D9695EA3}"/>
+                <a16:creationId xmlns:a16="http://schemas.microsoft.com/office/drawing/2014/main" id="{8BEE0963-F39F-E799-5A6C-7DB2D9695EA3}"/>
               </a:ext>
             </a:extLst>
           </p:cNvPr>
@@ -21824,7 +21816,7 @@
           <p:cNvPr id="3" name="椭圆 2">
             <a:extLst>
               <a:ext uri="{FF2B5EF4-FFF2-40B4-BE49-F238E27FC236}">
-                <a16:creationId xmlns:a16="http://schemas.microsoft.com/office/drawing/2014/main" xmlns="" id="{012F767B-5206-A517-0D25-41845DA1D568}"/>
+                <a16:creationId xmlns:a16="http://schemas.microsoft.com/office/drawing/2014/main" id="{012F767B-5206-A517-0D25-41845DA1D568}"/>
               </a:ext>
             </a:extLst>
           </p:cNvPr>
@@ -21876,7 +21868,7 @@
           <p:cNvPr id="13" name="椭圆 12">
             <a:extLst>
               <a:ext uri="{FF2B5EF4-FFF2-40B4-BE49-F238E27FC236}">
-                <a16:creationId xmlns:a16="http://schemas.microsoft.com/office/drawing/2014/main" xmlns="" id="{38B7E776-7869-C2EE-A5AD-FE07B12FAB74}"/>
+                <a16:creationId xmlns:a16="http://schemas.microsoft.com/office/drawing/2014/main" id="{38B7E776-7869-C2EE-A5AD-FE07B12FAB74}"/>
               </a:ext>
             </a:extLst>
           </p:cNvPr>
@@ -21932,7 +21924,7 @@
           <p:cNvPr id="14" name="椭圆 13">
             <a:extLst>
               <a:ext uri="{FF2B5EF4-FFF2-40B4-BE49-F238E27FC236}">
-                <a16:creationId xmlns:a16="http://schemas.microsoft.com/office/drawing/2014/main" xmlns="" id="{D8DD0DA6-117D-35B7-99A2-FF9219BEBA7A}"/>
+                <a16:creationId xmlns:a16="http://schemas.microsoft.com/office/drawing/2014/main" id="{D8DD0DA6-117D-35B7-99A2-FF9219BEBA7A}"/>
               </a:ext>
             </a:extLst>
           </p:cNvPr>
@@ -21992,7 +21984,7 @@
           <p:cNvPr id="15" name="椭圆 14">
             <a:extLst>
               <a:ext uri="{FF2B5EF4-FFF2-40B4-BE49-F238E27FC236}">
-                <a16:creationId xmlns:a16="http://schemas.microsoft.com/office/drawing/2014/main" xmlns="" id="{4473FF23-7236-BE2D-9F0F-D30171020183}"/>
+                <a16:creationId xmlns:a16="http://schemas.microsoft.com/office/drawing/2014/main" id="{4473FF23-7236-BE2D-9F0F-D30171020183}"/>
               </a:ext>
             </a:extLst>
           </p:cNvPr>
@@ -22052,7 +22044,7 @@
           <p:cNvPr id="16" name="椭圆 15">
             <a:extLst>
               <a:ext uri="{FF2B5EF4-FFF2-40B4-BE49-F238E27FC236}">
-                <a16:creationId xmlns:a16="http://schemas.microsoft.com/office/drawing/2014/main" xmlns="" id="{5B674586-3FAA-F398-D9DD-3C1412DB22B3}"/>
+                <a16:creationId xmlns:a16="http://schemas.microsoft.com/office/drawing/2014/main" id="{5B674586-3FAA-F398-D9DD-3C1412DB22B3}"/>
               </a:ext>
             </a:extLst>
           </p:cNvPr>
@@ -22112,7 +22104,7 @@
           <p:cNvPr id="17" name="椭圆 16">
             <a:extLst>
               <a:ext uri="{FF2B5EF4-FFF2-40B4-BE49-F238E27FC236}">
-                <a16:creationId xmlns:a16="http://schemas.microsoft.com/office/drawing/2014/main" xmlns="" id="{1B65CA99-0563-B4C2-F8E8-0F681E9BE5AA}"/>
+                <a16:creationId xmlns:a16="http://schemas.microsoft.com/office/drawing/2014/main" id="{1B65CA99-0563-B4C2-F8E8-0F681E9BE5AA}"/>
               </a:ext>
             </a:extLst>
           </p:cNvPr>
@@ -22172,7 +22164,7 @@
           <p:cNvPr id="18" name="椭圆 17">
             <a:extLst>
               <a:ext uri="{FF2B5EF4-FFF2-40B4-BE49-F238E27FC236}">
-                <a16:creationId xmlns:a16="http://schemas.microsoft.com/office/drawing/2014/main" xmlns="" id="{28E9B88E-5089-3E31-A173-9E6BFC411B12}"/>
+                <a16:creationId xmlns:a16="http://schemas.microsoft.com/office/drawing/2014/main" id="{28E9B88E-5089-3E31-A173-9E6BFC411B12}"/>
               </a:ext>
             </a:extLst>
           </p:cNvPr>
@@ -22228,7 +22220,7 @@
           <p:cNvPr id="19" name="椭圆 18">
             <a:extLst>
               <a:ext uri="{FF2B5EF4-FFF2-40B4-BE49-F238E27FC236}">
-                <a16:creationId xmlns:a16="http://schemas.microsoft.com/office/drawing/2014/main" xmlns="" id="{65071104-DAC5-B2F4-E32C-3E8685DC9ABB}"/>
+                <a16:creationId xmlns:a16="http://schemas.microsoft.com/office/drawing/2014/main" id="{65071104-DAC5-B2F4-E32C-3E8685DC9ABB}"/>
               </a:ext>
             </a:extLst>
           </p:cNvPr>
@@ -22284,7 +22276,7 @@
           <p:cNvPr id="20" name="椭圆 19">
             <a:extLst>
               <a:ext uri="{FF2B5EF4-FFF2-40B4-BE49-F238E27FC236}">
-                <a16:creationId xmlns:a16="http://schemas.microsoft.com/office/drawing/2014/main" xmlns="" id="{139AD470-0E68-4E4A-461B-9AC53FA9B15D}"/>
+                <a16:creationId xmlns:a16="http://schemas.microsoft.com/office/drawing/2014/main" id="{139AD470-0E68-4E4A-461B-9AC53FA9B15D}"/>
               </a:ext>
             </a:extLst>
           </p:cNvPr>
@@ -22370,7 +22362,7 @@
           <p:cNvPr id="21" name="图片 20">
             <a:extLst>
               <a:ext uri="{FF2B5EF4-FFF2-40B4-BE49-F238E27FC236}">
-                <a16:creationId xmlns:a16="http://schemas.microsoft.com/office/drawing/2014/main" xmlns="" id="{10E4E8DE-E31A-2625-3BAE-58C9DC6E1CD4}"/>
+                <a16:creationId xmlns:a16="http://schemas.microsoft.com/office/drawing/2014/main" id="{10E4E8DE-E31A-2625-3BAE-58C9DC6E1CD4}"/>
               </a:ext>
             </a:extLst>
           </p:cNvPr>
@@ -22400,7 +22392,7 @@
           <p:cNvPr id="23" name="图片 22">
             <a:extLst>
               <a:ext uri="{FF2B5EF4-FFF2-40B4-BE49-F238E27FC236}">
-                <a16:creationId xmlns:a16="http://schemas.microsoft.com/office/drawing/2014/main" xmlns="" id="{16647850-EC2C-0EB9-87DD-021513204952}"/>
+                <a16:creationId xmlns:a16="http://schemas.microsoft.com/office/drawing/2014/main" id="{16647850-EC2C-0EB9-87DD-021513204952}"/>
               </a:ext>
             </a:extLst>
           </p:cNvPr>
@@ -22430,7 +22422,7 @@
           <p:cNvPr id="27" name="图片 26">
             <a:extLst>
               <a:ext uri="{FF2B5EF4-FFF2-40B4-BE49-F238E27FC236}">
-                <a16:creationId xmlns:a16="http://schemas.microsoft.com/office/drawing/2014/main" xmlns="" id="{772A4570-CF22-2902-D9E1-D7E60C021041}"/>
+                <a16:creationId xmlns:a16="http://schemas.microsoft.com/office/drawing/2014/main" id="{772A4570-CF22-2902-D9E1-D7E60C021041}"/>
               </a:ext>
             </a:extLst>
           </p:cNvPr>
@@ -22460,7 +22452,7 @@
           <p:cNvPr id="29" name="图片 28">
             <a:extLst>
               <a:ext uri="{FF2B5EF4-FFF2-40B4-BE49-F238E27FC236}">
-                <a16:creationId xmlns:a16="http://schemas.microsoft.com/office/drawing/2014/main" xmlns="" id="{5128C50F-4299-3146-AEDE-C73B90459F44}"/>
+                <a16:creationId xmlns:a16="http://schemas.microsoft.com/office/drawing/2014/main" id="{5128C50F-4299-3146-AEDE-C73B90459F44}"/>
               </a:ext>
             </a:extLst>
           </p:cNvPr>
@@ -22490,7 +22482,7 @@
           <p:cNvPr id="31" name="图片 30">
             <a:extLst>
               <a:ext uri="{FF2B5EF4-FFF2-40B4-BE49-F238E27FC236}">
-                <a16:creationId xmlns:a16="http://schemas.microsoft.com/office/drawing/2014/main" xmlns="" id="{324F68F4-34AD-C9E9-3330-8E7CEFCD4AB8}"/>
+                <a16:creationId xmlns:a16="http://schemas.microsoft.com/office/drawing/2014/main" id="{324F68F4-34AD-C9E9-3330-8E7CEFCD4AB8}"/>
               </a:ext>
             </a:extLst>
           </p:cNvPr>
@@ -22520,7 +22512,7 @@
           <p:cNvPr id="33" name="图片 32">
             <a:extLst>
               <a:ext uri="{FF2B5EF4-FFF2-40B4-BE49-F238E27FC236}">
-                <a16:creationId xmlns:a16="http://schemas.microsoft.com/office/drawing/2014/main" xmlns="" id="{5B816CFB-BEEB-34C9-241C-39D4F80BE612}"/>
+                <a16:creationId xmlns:a16="http://schemas.microsoft.com/office/drawing/2014/main" id="{5B816CFB-BEEB-34C9-241C-39D4F80BE612}"/>
               </a:ext>
             </a:extLst>
           </p:cNvPr>
@@ -22550,7 +22542,7 @@
           <p:cNvPr id="35" name="图片 34">
             <a:extLst>
               <a:ext uri="{FF2B5EF4-FFF2-40B4-BE49-F238E27FC236}">
-                <a16:creationId xmlns:a16="http://schemas.microsoft.com/office/drawing/2014/main" xmlns="" id="{63EE9772-9831-CB1A-0402-4088D44FAAEA}"/>
+                <a16:creationId xmlns:a16="http://schemas.microsoft.com/office/drawing/2014/main" id="{63EE9772-9831-CB1A-0402-4088D44FAAEA}"/>
               </a:ext>
             </a:extLst>
           </p:cNvPr>
@@ -22580,7 +22572,7 @@
           <p:cNvPr id="37" name="图片 36">
             <a:extLst>
               <a:ext uri="{FF2B5EF4-FFF2-40B4-BE49-F238E27FC236}">
-                <a16:creationId xmlns:a16="http://schemas.microsoft.com/office/drawing/2014/main" xmlns="" id="{3BC861CE-A12C-44C5-DC11-968D86D804D5}"/>
+                <a16:creationId xmlns:a16="http://schemas.microsoft.com/office/drawing/2014/main" id="{3BC861CE-A12C-44C5-DC11-968D86D804D5}"/>
               </a:ext>
             </a:extLst>
           </p:cNvPr>
@@ -22640,7 +22632,7 @@
           <p:cNvPr id="2" name="标题 1">
             <a:extLst>
               <a:ext uri="{FF2B5EF4-FFF2-40B4-BE49-F238E27FC236}">
-                <a16:creationId xmlns:a16="http://schemas.microsoft.com/office/drawing/2014/main" xmlns="" id="{80796E82-7314-2FBE-2DE8-DDD70D4DF27E}"/>
+                <a16:creationId xmlns:a16="http://schemas.microsoft.com/office/drawing/2014/main" id="{80796E82-7314-2FBE-2DE8-DDD70D4DF27E}"/>
               </a:ext>
             </a:extLst>
           </p:cNvPr>
@@ -22689,7 +22681,7 @@
           <p:cNvPr id="4" name="文本框 3">
             <a:extLst>
               <a:ext uri="{FF2B5EF4-FFF2-40B4-BE49-F238E27FC236}">
-                <a16:creationId xmlns:a16="http://schemas.microsoft.com/office/drawing/2014/main" xmlns="" id="{3E8E8225-E7B4-E598-7AEB-66BC2EF7864E}"/>
+                <a16:creationId xmlns:a16="http://schemas.microsoft.com/office/drawing/2014/main" id="{3E8E8225-E7B4-E598-7AEB-66BC2EF7864E}"/>
               </a:ext>
             </a:extLst>
           </p:cNvPr>
@@ -22791,7 +22783,7 @@
           <p:cNvPr id="94" name="椭圆 93">
             <a:extLst>
               <a:ext uri="{FF2B5EF4-FFF2-40B4-BE49-F238E27FC236}">
-                <a16:creationId xmlns:a16="http://schemas.microsoft.com/office/drawing/2014/main" xmlns="" id="{8BEE0963-F39F-E799-5A6C-7DB2D9695EA3}"/>
+                <a16:creationId xmlns:a16="http://schemas.microsoft.com/office/drawing/2014/main" id="{8BEE0963-F39F-E799-5A6C-7DB2D9695EA3}"/>
               </a:ext>
             </a:extLst>
           </p:cNvPr>
@@ -22843,7 +22835,7 @@
           <p:cNvPr id="3" name="椭圆 2">
             <a:extLst>
               <a:ext uri="{FF2B5EF4-FFF2-40B4-BE49-F238E27FC236}">
-                <a16:creationId xmlns:a16="http://schemas.microsoft.com/office/drawing/2014/main" xmlns="" id="{012F767B-5206-A517-0D25-41845DA1D568}"/>
+                <a16:creationId xmlns:a16="http://schemas.microsoft.com/office/drawing/2014/main" id="{012F767B-5206-A517-0D25-41845DA1D568}"/>
               </a:ext>
             </a:extLst>
           </p:cNvPr>
@@ -22895,7 +22887,7 @@
           <p:cNvPr id="13" name="椭圆 12">
             <a:extLst>
               <a:ext uri="{FF2B5EF4-FFF2-40B4-BE49-F238E27FC236}">
-                <a16:creationId xmlns:a16="http://schemas.microsoft.com/office/drawing/2014/main" xmlns="" id="{38B7E776-7869-C2EE-A5AD-FE07B12FAB74}"/>
+                <a16:creationId xmlns:a16="http://schemas.microsoft.com/office/drawing/2014/main" id="{38B7E776-7869-C2EE-A5AD-FE07B12FAB74}"/>
               </a:ext>
             </a:extLst>
           </p:cNvPr>
@@ -22951,7 +22943,7 @@
           <p:cNvPr id="20" name="椭圆 19">
             <a:extLst>
               <a:ext uri="{FF2B5EF4-FFF2-40B4-BE49-F238E27FC236}">
-                <a16:creationId xmlns:a16="http://schemas.microsoft.com/office/drawing/2014/main" xmlns="" id="{139AD470-0E68-4E4A-461B-9AC53FA9B15D}"/>
+                <a16:creationId xmlns:a16="http://schemas.microsoft.com/office/drawing/2014/main" id="{139AD470-0E68-4E4A-461B-9AC53FA9B15D}"/>
               </a:ext>
             </a:extLst>
           </p:cNvPr>
@@ -23007,7 +22999,7 @@
           <p:cNvPr id="29" name="图片 28">
             <a:extLst>
               <a:ext uri="{FF2B5EF4-FFF2-40B4-BE49-F238E27FC236}">
-                <a16:creationId xmlns:a16="http://schemas.microsoft.com/office/drawing/2014/main" xmlns="" id="{37828109-D1DB-24B1-070F-6C6C2342A787}"/>
+                <a16:creationId xmlns:a16="http://schemas.microsoft.com/office/drawing/2014/main" id="{37828109-D1DB-24B1-070F-6C6C2342A787}"/>
               </a:ext>
             </a:extLst>
           </p:cNvPr>
@@ -23037,7 +23029,7 @@
           <p:cNvPr id="30" name="图片 29">
             <a:extLst>
               <a:ext uri="{FF2B5EF4-FFF2-40B4-BE49-F238E27FC236}">
-                <a16:creationId xmlns:a16="http://schemas.microsoft.com/office/drawing/2014/main" xmlns="" id="{308EB72D-0591-1F78-12FC-CD798BD7E73D}"/>
+                <a16:creationId xmlns:a16="http://schemas.microsoft.com/office/drawing/2014/main" id="{308EB72D-0591-1F78-12FC-CD798BD7E73D}"/>
               </a:ext>
             </a:extLst>
           </p:cNvPr>
@@ -23067,7 +23059,7 @@
           <p:cNvPr id="31" name="图片 30">
             <a:extLst>
               <a:ext uri="{FF2B5EF4-FFF2-40B4-BE49-F238E27FC236}">
-                <a16:creationId xmlns:a16="http://schemas.microsoft.com/office/drawing/2014/main" xmlns="" id="{07F4B817-9FB7-F356-BFC2-674680D05075}"/>
+                <a16:creationId xmlns:a16="http://schemas.microsoft.com/office/drawing/2014/main" id="{07F4B817-9FB7-F356-BFC2-674680D05075}"/>
               </a:ext>
             </a:extLst>
           </p:cNvPr>
@@ -23097,7 +23089,7 @@
           <p:cNvPr id="32" name="图片 31">
             <a:extLst>
               <a:ext uri="{FF2B5EF4-FFF2-40B4-BE49-F238E27FC236}">
-                <a16:creationId xmlns:a16="http://schemas.microsoft.com/office/drawing/2014/main" xmlns="" id="{6AD0DB1A-3123-D4EB-783F-2A1EBF1F865D}"/>
+                <a16:creationId xmlns:a16="http://schemas.microsoft.com/office/drawing/2014/main" id="{6AD0DB1A-3123-D4EB-783F-2A1EBF1F865D}"/>
               </a:ext>
             </a:extLst>
           </p:cNvPr>
@@ -23127,7 +23119,7 @@
           <p:cNvPr id="33" name="图片 32">
             <a:extLst>
               <a:ext uri="{FF2B5EF4-FFF2-40B4-BE49-F238E27FC236}">
-                <a16:creationId xmlns:a16="http://schemas.microsoft.com/office/drawing/2014/main" xmlns="" id="{6EA6B283-FA33-8B5F-19D9-23C22512D6A2}"/>
+                <a16:creationId xmlns:a16="http://schemas.microsoft.com/office/drawing/2014/main" id="{6EA6B283-FA33-8B5F-19D9-23C22512D6A2}"/>
               </a:ext>
             </a:extLst>
           </p:cNvPr>
@@ -23157,7 +23149,7 @@
           <p:cNvPr id="34" name="图片 33">
             <a:extLst>
               <a:ext uri="{FF2B5EF4-FFF2-40B4-BE49-F238E27FC236}">
-                <a16:creationId xmlns:a16="http://schemas.microsoft.com/office/drawing/2014/main" xmlns="" id="{A7CC21E1-7467-1ACF-2ED7-68959584D6DF}"/>
+                <a16:creationId xmlns:a16="http://schemas.microsoft.com/office/drawing/2014/main" id="{A7CC21E1-7467-1ACF-2ED7-68959584D6DF}"/>
               </a:ext>
             </a:extLst>
           </p:cNvPr>
@@ -23187,7 +23179,7 @@
           <p:cNvPr id="35" name="图片 34">
             <a:extLst>
               <a:ext uri="{FF2B5EF4-FFF2-40B4-BE49-F238E27FC236}">
-                <a16:creationId xmlns:a16="http://schemas.microsoft.com/office/drawing/2014/main" xmlns="" id="{4FD1822D-6EF2-CCB1-76AC-A770762EDBFB}"/>
+                <a16:creationId xmlns:a16="http://schemas.microsoft.com/office/drawing/2014/main" id="{4FD1822D-6EF2-CCB1-76AC-A770762EDBFB}"/>
               </a:ext>
             </a:extLst>
           </p:cNvPr>
@@ -23217,7 +23209,7 @@
           <p:cNvPr id="36" name="图片 35">
             <a:extLst>
               <a:ext uri="{FF2B5EF4-FFF2-40B4-BE49-F238E27FC236}">
-                <a16:creationId xmlns:a16="http://schemas.microsoft.com/office/drawing/2014/main" xmlns="" id="{9E02D9AC-14F1-BAD2-3488-0805428D78DE}"/>
+                <a16:creationId xmlns:a16="http://schemas.microsoft.com/office/drawing/2014/main" id="{9E02D9AC-14F1-BAD2-3488-0805428D78DE}"/>
               </a:ext>
             </a:extLst>
           </p:cNvPr>
@@ -23247,7 +23239,7 @@
           <p:cNvPr id="39" name="箭头: 右 38">
             <a:extLst>
               <a:ext uri="{FF2B5EF4-FFF2-40B4-BE49-F238E27FC236}">
-                <a16:creationId xmlns:a16="http://schemas.microsoft.com/office/drawing/2014/main" xmlns="" id="{E96F8D33-A9BF-94AC-B64B-D6CB8722BEEB}"/>
+                <a16:creationId xmlns:a16="http://schemas.microsoft.com/office/drawing/2014/main" id="{E96F8D33-A9BF-94AC-B64B-D6CB8722BEEB}"/>
               </a:ext>
             </a:extLst>
           </p:cNvPr>
@@ -23299,7 +23291,7 @@
           <p:cNvPr id="40" name="箭头: 右 39">
             <a:extLst>
               <a:ext uri="{FF2B5EF4-FFF2-40B4-BE49-F238E27FC236}">
-                <a16:creationId xmlns:a16="http://schemas.microsoft.com/office/drawing/2014/main" xmlns="" id="{9C2A8819-B668-0107-BB7F-64E2A52819BC}"/>
+                <a16:creationId xmlns:a16="http://schemas.microsoft.com/office/drawing/2014/main" id="{9C2A8819-B668-0107-BB7F-64E2A52819BC}"/>
               </a:ext>
             </a:extLst>
           </p:cNvPr>
@@ -23381,7 +23373,7 @@
           <p:cNvPr id="2" name="标题 1">
             <a:extLst>
               <a:ext uri="{FF2B5EF4-FFF2-40B4-BE49-F238E27FC236}">
-                <a16:creationId xmlns:a16="http://schemas.microsoft.com/office/drawing/2014/main" xmlns="" id="{80796E82-7314-2FBE-2DE8-DDD70D4DF27E}"/>
+                <a16:creationId xmlns:a16="http://schemas.microsoft.com/office/drawing/2014/main" id="{80796E82-7314-2FBE-2DE8-DDD70D4DF27E}"/>
               </a:ext>
             </a:extLst>
           </p:cNvPr>
@@ -23430,7 +23422,7 @@
           <p:cNvPr id="4" name="文本框 3">
             <a:extLst>
               <a:ext uri="{FF2B5EF4-FFF2-40B4-BE49-F238E27FC236}">
-                <a16:creationId xmlns:a16="http://schemas.microsoft.com/office/drawing/2014/main" xmlns="" id="{3E8E8225-E7B4-E598-7AEB-66BC2EF7864E}"/>
+                <a16:creationId xmlns:a16="http://schemas.microsoft.com/office/drawing/2014/main" id="{3E8E8225-E7B4-E598-7AEB-66BC2EF7864E}"/>
               </a:ext>
             </a:extLst>
           </p:cNvPr>
@@ -23524,7 +23516,7 @@
           <p:cNvPr id="94" name="椭圆 93">
             <a:extLst>
               <a:ext uri="{FF2B5EF4-FFF2-40B4-BE49-F238E27FC236}">
-                <a16:creationId xmlns:a16="http://schemas.microsoft.com/office/drawing/2014/main" xmlns="" id="{8BEE0963-F39F-E799-5A6C-7DB2D9695EA3}"/>
+                <a16:creationId xmlns:a16="http://schemas.microsoft.com/office/drawing/2014/main" id="{8BEE0963-F39F-E799-5A6C-7DB2D9695EA3}"/>
               </a:ext>
             </a:extLst>
           </p:cNvPr>
@@ -23576,7 +23568,7 @@
           <p:cNvPr id="3" name="椭圆 2">
             <a:extLst>
               <a:ext uri="{FF2B5EF4-FFF2-40B4-BE49-F238E27FC236}">
-                <a16:creationId xmlns:a16="http://schemas.microsoft.com/office/drawing/2014/main" xmlns="" id="{012F767B-5206-A517-0D25-41845DA1D568}"/>
+                <a16:creationId xmlns:a16="http://schemas.microsoft.com/office/drawing/2014/main" id="{012F767B-5206-A517-0D25-41845DA1D568}"/>
               </a:ext>
             </a:extLst>
           </p:cNvPr>
@@ -23628,7 +23620,7 @@
           <p:cNvPr id="18" name="椭圆 17">
             <a:extLst>
               <a:ext uri="{FF2B5EF4-FFF2-40B4-BE49-F238E27FC236}">
-                <a16:creationId xmlns:a16="http://schemas.microsoft.com/office/drawing/2014/main" xmlns="" id="{4B33E43D-6830-FFA6-F0D9-FE3548A9AEEB}"/>
+                <a16:creationId xmlns:a16="http://schemas.microsoft.com/office/drawing/2014/main" id="{4B33E43D-6830-FFA6-F0D9-FE3548A9AEEB}"/>
               </a:ext>
             </a:extLst>
           </p:cNvPr>
@@ -23688,7 +23680,7 @@
           <p:cNvPr id="19" name="椭圆 18">
             <a:extLst>
               <a:ext uri="{FF2B5EF4-FFF2-40B4-BE49-F238E27FC236}">
-                <a16:creationId xmlns:a16="http://schemas.microsoft.com/office/drawing/2014/main" xmlns="" id="{C1D855FC-C9AF-91CE-40B0-D44AA72FE829}"/>
+                <a16:creationId xmlns:a16="http://schemas.microsoft.com/office/drawing/2014/main" id="{C1D855FC-C9AF-91CE-40B0-D44AA72FE829}"/>
               </a:ext>
             </a:extLst>
           </p:cNvPr>
@@ -23748,7 +23740,7 @@
           <p:cNvPr id="29" name="图片 28">
             <a:extLst>
               <a:ext uri="{FF2B5EF4-FFF2-40B4-BE49-F238E27FC236}">
-                <a16:creationId xmlns:a16="http://schemas.microsoft.com/office/drawing/2014/main" xmlns="" id="{37828109-D1DB-24B1-070F-6C6C2342A787}"/>
+                <a16:creationId xmlns:a16="http://schemas.microsoft.com/office/drawing/2014/main" id="{37828109-D1DB-24B1-070F-6C6C2342A787}"/>
               </a:ext>
             </a:extLst>
           </p:cNvPr>
@@ -23778,7 +23770,7 @@
           <p:cNvPr id="30" name="图片 29">
             <a:extLst>
               <a:ext uri="{FF2B5EF4-FFF2-40B4-BE49-F238E27FC236}">
-                <a16:creationId xmlns:a16="http://schemas.microsoft.com/office/drawing/2014/main" xmlns="" id="{308EB72D-0591-1F78-12FC-CD798BD7E73D}"/>
+                <a16:creationId xmlns:a16="http://schemas.microsoft.com/office/drawing/2014/main" id="{308EB72D-0591-1F78-12FC-CD798BD7E73D}"/>
               </a:ext>
             </a:extLst>
           </p:cNvPr>
@@ -23808,7 +23800,7 @@
           <p:cNvPr id="31" name="图片 30">
             <a:extLst>
               <a:ext uri="{FF2B5EF4-FFF2-40B4-BE49-F238E27FC236}">
-                <a16:creationId xmlns:a16="http://schemas.microsoft.com/office/drawing/2014/main" xmlns="" id="{07F4B817-9FB7-F356-BFC2-674680D05075}"/>
+                <a16:creationId xmlns:a16="http://schemas.microsoft.com/office/drawing/2014/main" id="{07F4B817-9FB7-F356-BFC2-674680D05075}"/>
               </a:ext>
             </a:extLst>
           </p:cNvPr>
@@ -23838,7 +23830,7 @@
           <p:cNvPr id="32" name="图片 31">
             <a:extLst>
               <a:ext uri="{FF2B5EF4-FFF2-40B4-BE49-F238E27FC236}">
-                <a16:creationId xmlns:a16="http://schemas.microsoft.com/office/drawing/2014/main" xmlns="" id="{6AD0DB1A-3123-D4EB-783F-2A1EBF1F865D}"/>
+                <a16:creationId xmlns:a16="http://schemas.microsoft.com/office/drawing/2014/main" id="{6AD0DB1A-3123-D4EB-783F-2A1EBF1F865D}"/>
               </a:ext>
             </a:extLst>
           </p:cNvPr>
@@ -23868,7 +23860,7 @@
           <p:cNvPr id="33" name="图片 32">
             <a:extLst>
               <a:ext uri="{FF2B5EF4-FFF2-40B4-BE49-F238E27FC236}">
-                <a16:creationId xmlns:a16="http://schemas.microsoft.com/office/drawing/2014/main" xmlns="" id="{6EA6B283-FA33-8B5F-19D9-23C22512D6A2}"/>
+                <a16:creationId xmlns:a16="http://schemas.microsoft.com/office/drawing/2014/main" id="{6EA6B283-FA33-8B5F-19D9-23C22512D6A2}"/>
               </a:ext>
             </a:extLst>
           </p:cNvPr>
@@ -23898,7 +23890,7 @@
           <p:cNvPr id="34" name="图片 33">
             <a:extLst>
               <a:ext uri="{FF2B5EF4-FFF2-40B4-BE49-F238E27FC236}">
-                <a16:creationId xmlns:a16="http://schemas.microsoft.com/office/drawing/2014/main" xmlns="" id="{A7CC21E1-7467-1ACF-2ED7-68959584D6DF}"/>
+                <a16:creationId xmlns:a16="http://schemas.microsoft.com/office/drawing/2014/main" id="{A7CC21E1-7467-1ACF-2ED7-68959584D6DF}"/>
               </a:ext>
             </a:extLst>
           </p:cNvPr>
@@ -23928,7 +23920,7 @@
           <p:cNvPr id="35" name="图片 34">
             <a:extLst>
               <a:ext uri="{FF2B5EF4-FFF2-40B4-BE49-F238E27FC236}">
-                <a16:creationId xmlns:a16="http://schemas.microsoft.com/office/drawing/2014/main" xmlns="" id="{4FD1822D-6EF2-CCB1-76AC-A770762EDBFB}"/>
+                <a16:creationId xmlns:a16="http://schemas.microsoft.com/office/drawing/2014/main" id="{4FD1822D-6EF2-CCB1-76AC-A770762EDBFB}"/>
               </a:ext>
             </a:extLst>
           </p:cNvPr>
@@ -23958,7 +23950,7 @@
           <p:cNvPr id="36" name="图片 35">
             <a:extLst>
               <a:ext uri="{FF2B5EF4-FFF2-40B4-BE49-F238E27FC236}">
-                <a16:creationId xmlns:a16="http://schemas.microsoft.com/office/drawing/2014/main" xmlns="" id="{9E02D9AC-14F1-BAD2-3488-0805428D78DE}"/>
+                <a16:creationId xmlns:a16="http://schemas.microsoft.com/office/drawing/2014/main" id="{9E02D9AC-14F1-BAD2-3488-0805428D78DE}"/>
               </a:ext>
             </a:extLst>
           </p:cNvPr>
@@ -23988,7 +23980,7 @@
           <p:cNvPr id="21" name="箭头: 右 20">
             <a:extLst>
               <a:ext uri="{FF2B5EF4-FFF2-40B4-BE49-F238E27FC236}">
-                <a16:creationId xmlns:a16="http://schemas.microsoft.com/office/drawing/2014/main" xmlns="" id="{712099D5-D46D-2313-85E7-AA26A729A7DC}"/>
+                <a16:creationId xmlns:a16="http://schemas.microsoft.com/office/drawing/2014/main" id="{712099D5-D46D-2313-85E7-AA26A729A7DC}"/>
               </a:ext>
             </a:extLst>
           </p:cNvPr>
@@ -24040,7 +24032,7 @@
           <p:cNvPr id="22" name="箭头: 右 21">
             <a:extLst>
               <a:ext uri="{FF2B5EF4-FFF2-40B4-BE49-F238E27FC236}">
-                <a16:creationId xmlns:a16="http://schemas.microsoft.com/office/drawing/2014/main" xmlns="" id="{1919A2B7-D3C5-A1AD-8659-FD3B9646534B}"/>
+                <a16:creationId xmlns:a16="http://schemas.microsoft.com/office/drawing/2014/main" id="{1919A2B7-D3C5-A1AD-8659-FD3B9646534B}"/>
               </a:ext>
             </a:extLst>
           </p:cNvPr>
@@ -24122,7 +24114,7 @@
           <p:cNvPr id="2" name="标题 1">
             <a:extLst>
               <a:ext uri="{FF2B5EF4-FFF2-40B4-BE49-F238E27FC236}">
-                <a16:creationId xmlns:a16="http://schemas.microsoft.com/office/drawing/2014/main" xmlns="" id="{80796E82-7314-2FBE-2DE8-DDD70D4DF27E}"/>
+                <a16:creationId xmlns:a16="http://schemas.microsoft.com/office/drawing/2014/main" id="{80796E82-7314-2FBE-2DE8-DDD70D4DF27E}"/>
               </a:ext>
             </a:extLst>
           </p:cNvPr>
@@ -24171,7 +24163,7 @@
           <p:cNvPr id="4" name="文本框 3">
             <a:extLst>
               <a:ext uri="{FF2B5EF4-FFF2-40B4-BE49-F238E27FC236}">
-                <a16:creationId xmlns:a16="http://schemas.microsoft.com/office/drawing/2014/main" xmlns="" id="{3E8E8225-E7B4-E598-7AEB-66BC2EF7864E}"/>
+                <a16:creationId xmlns:a16="http://schemas.microsoft.com/office/drawing/2014/main" id="{3E8E8225-E7B4-E598-7AEB-66BC2EF7864E}"/>
               </a:ext>
             </a:extLst>
           </p:cNvPr>
@@ -24265,7 +24257,7 @@
           <p:cNvPr id="94" name="椭圆 93">
             <a:extLst>
               <a:ext uri="{FF2B5EF4-FFF2-40B4-BE49-F238E27FC236}">
-                <a16:creationId xmlns:a16="http://schemas.microsoft.com/office/drawing/2014/main" xmlns="" id="{8BEE0963-F39F-E799-5A6C-7DB2D9695EA3}"/>
+                <a16:creationId xmlns:a16="http://schemas.microsoft.com/office/drawing/2014/main" id="{8BEE0963-F39F-E799-5A6C-7DB2D9695EA3}"/>
               </a:ext>
             </a:extLst>
           </p:cNvPr>
@@ -24317,7 +24309,7 @@
           <p:cNvPr id="3" name="椭圆 2">
             <a:extLst>
               <a:ext uri="{FF2B5EF4-FFF2-40B4-BE49-F238E27FC236}">
-                <a16:creationId xmlns:a16="http://schemas.microsoft.com/office/drawing/2014/main" xmlns="" id="{012F767B-5206-A517-0D25-41845DA1D568}"/>
+                <a16:creationId xmlns:a16="http://schemas.microsoft.com/office/drawing/2014/main" id="{012F767B-5206-A517-0D25-41845DA1D568}"/>
               </a:ext>
             </a:extLst>
           </p:cNvPr>
@@ -24369,7 +24361,7 @@
           <p:cNvPr id="21" name="箭头: 右 20">
             <a:extLst>
               <a:ext uri="{FF2B5EF4-FFF2-40B4-BE49-F238E27FC236}">
-                <a16:creationId xmlns:a16="http://schemas.microsoft.com/office/drawing/2014/main" xmlns="" id="{712099D5-D46D-2313-85E7-AA26A729A7DC}"/>
+                <a16:creationId xmlns:a16="http://schemas.microsoft.com/office/drawing/2014/main" id="{712099D5-D46D-2313-85E7-AA26A729A7DC}"/>
               </a:ext>
             </a:extLst>
           </p:cNvPr>
@@ -24421,7 +24413,7 @@
           <p:cNvPr id="22" name="箭头: 右 21">
             <a:extLst>
               <a:ext uri="{FF2B5EF4-FFF2-40B4-BE49-F238E27FC236}">
-                <a16:creationId xmlns:a16="http://schemas.microsoft.com/office/drawing/2014/main" xmlns="" id="{1919A2B7-D3C5-A1AD-8659-FD3B9646534B}"/>
+                <a16:creationId xmlns:a16="http://schemas.microsoft.com/office/drawing/2014/main" id="{1919A2B7-D3C5-A1AD-8659-FD3B9646534B}"/>
               </a:ext>
             </a:extLst>
           </p:cNvPr>
@@ -24473,7 +24465,7 @@
           <p:cNvPr id="20" name="椭圆 19">
             <a:extLst>
               <a:ext uri="{FF2B5EF4-FFF2-40B4-BE49-F238E27FC236}">
-                <a16:creationId xmlns:a16="http://schemas.microsoft.com/office/drawing/2014/main" xmlns="" id="{71FC337B-6083-D7E5-BB6D-172C403FA83F}"/>
+                <a16:creationId xmlns:a16="http://schemas.microsoft.com/office/drawing/2014/main" id="{71FC337B-6083-D7E5-BB6D-172C403FA83F}"/>
               </a:ext>
             </a:extLst>
           </p:cNvPr>
@@ -24529,7 +24521,7 @@
           <p:cNvPr id="23" name="椭圆 22">
             <a:extLst>
               <a:ext uri="{FF2B5EF4-FFF2-40B4-BE49-F238E27FC236}">
-                <a16:creationId xmlns:a16="http://schemas.microsoft.com/office/drawing/2014/main" xmlns="" id="{42806F08-B73F-5A19-8F02-2707349F41F2}"/>
+                <a16:creationId xmlns:a16="http://schemas.microsoft.com/office/drawing/2014/main" id="{42806F08-B73F-5A19-8F02-2707349F41F2}"/>
               </a:ext>
             </a:extLst>
           </p:cNvPr>
@@ -24585,7 +24577,7 @@
           <p:cNvPr id="29" name="图片 28">
             <a:extLst>
               <a:ext uri="{FF2B5EF4-FFF2-40B4-BE49-F238E27FC236}">
-                <a16:creationId xmlns:a16="http://schemas.microsoft.com/office/drawing/2014/main" xmlns="" id="{37828109-D1DB-24B1-070F-6C6C2342A787}"/>
+                <a16:creationId xmlns:a16="http://schemas.microsoft.com/office/drawing/2014/main" id="{37828109-D1DB-24B1-070F-6C6C2342A787}"/>
               </a:ext>
             </a:extLst>
           </p:cNvPr>
@@ -24615,7 +24607,7 @@
           <p:cNvPr id="30" name="图片 29">
             <a:extLst>
               <a:ext uri="{FF2B5EF4-FFF2-40B4-BE49-F238E27FC236}">
-                <a16:creationId xmlns:a16="http://schemas.microsoft.com/office/drawing/2014/main" xmlns="" id="{308EB72D-0591-1F78-12FC-CD798BD7E73D}"/>
+                <a16:creationId xmlns:a16="http://schemas.microsoft.com/office/drawing/2014/main" id="{308EB72D-0591-1F78-12FC-CD798BD7E73D}"/>
               </a:ext>
             </a:extLst>
           </p:cNvPr>
@@ -24645,7 +24637,7 @@
           <p:cNvPr id="31" name="图片 30">
             <a:extLst>
               <a:ext uri="{FF2B5EF4-FFF2-40B4-BE49-F238E27FC236}">
-                <a16:creationId xmlns:a16="http://schemas.microsoft.com/office/drawing/2014/main" xmlns="" id="{07F4B817-9FB7-F356-BFC2-674680D05075}"/>
+                <a16:creationId xmlns:a16="http://schemas.microsoft.com/office/drawing/2014/main" id="{07F4B817-9FB7-F356-BFC2-674680D05075}"/>
               </a:ext>
             </a:extLst>
           </p:cNvPr>
@@ -24675,7 +24667,7 @@
           <p:cNvPr id="32" name="图片 31">
             <a:extLst>
               <a:ext uri="{FF2B5EF4-FFF2-40B4-BE49-F238E27FC236}">
-                <a16:creationId xmlns:a16="http://schemas.microsoft.com/office/drawing/2014/main" xmlns="" id="{6AD0DB1A-3123-D4EB-783F-2A1EBF1F865D}"/>
+                <a16:creationId xmlns:a16="http://schemas.microsoft.com/office/drawing/2014/main" id="{6AD0DB1A-3123-D4EB-783F-2A1EBF1F865D}"/>
               </a:ext>
             </a:extLst>
           </p:cNvPr>
@@ -24705,7 +24697,7 @@
           <p:cNvPr id="33" name="图片 32">
             <a:extLst>
               <a:ext uri="{FF2B5EF4-FFF2-40B4-BE49-F238E27FC236}">
-                <a16:creationId xmlns:a16="http://schemas.microsoft.com/office/drawing/2014/main" xmlns="" id="{6EA6B283-FA33-8B5F-19D9-23C22512D6A2}"/>
+                <a16:creationId xmlns:a16="http://schemas.microsoft.com/office/drawing/2014/main" id="{6EA6B283-FA33-8B5F-19D9-23C22512D6A2}"/>
               </a:ext>
             </a:extLst>
           </p:cNvPr>
@@ -24735,7 +24727,7 @@
           <p:cNvPr id="34" name="图片 33">
             <a:extLst>
               <a:ext uri="{FF2B5EF4-FFF2-40B4-BE49-F238E27FC236}">
-                <a16:creationId xmlns:a16="http://schemas.microsoft.com/office/drawing/2014/main" xmlns="" id="{A7CC21E1-7467-1ACF-2ED7-68959584D6DF}"/>
+                <a16:creationId xmlns:a16="http://schemas.microsoft.com/office/drawing/2014/main" id="{A7CC21E1-7467-1ACF-2ED7-68959584D6DF}"/>
               </a:ext>
             </a:extLst>
           </p:cNvPr>
@@ -24765,7 +24757,7 @@
           <p:cNvPr id="35" name="图片 34">
             <a:extLst>
               <a:ext uri="{FF2B5EF4-FFF2-40B4-BE49-F238E27FC236}">
-                <a16:creationId xmlns:a16="http://schemas.microsoft.com/office/drawing/2014/main" xmlns="" id="{4FD1822D-6EF2-CCB1-76AC-A770762EDBFB}"/>
+                <a16:creationId xmlns:a16="http://schemas.microsoft.com/office/drawing/2014/main" id="{4FD1822D-6EF2-CCB1-76AC-A770762EDBFB}"/>
               </a:ext>
             </a:extLst>
           </p:cNvPr>
@@ -24795,7 +24787,7 @@
           <p:cNvPr id="36" name="图片 35">
             <a:extLst>
               <a:ext uri="{FF2B5EF4-FFF2-40B4-BE49-F238E27FC236}">
-                <a16:creationId xmlns:a16="http://schemas.microsoft.com/office/drawing/2014/main" xmlns="" id="{9E02D9AC-14F1-BAD2-3488-0805428D78DE}"/>
+                <a16:creationId xmlns:a16="http://schemas.microsoft.com/office/drawing/2014/main" id="{9E02D9AC-14F1-BAD2-3488-0805428D78DE}"/>
               </a:ext>
             </a:extLst>
           </p:cNvPr>
@@ -24855,7 +24847,7 @@
           <p:cNvPr id="2" name="标题 1">
             <a:extLst>
               <a:ext uri="{FF2B5EF4-FFF2-40B4-BE49-F238E27FC236}">
-                <a16:creationId xmlns:a16="http://schemas.microsoft.com/office/drawing/2014/main" xmlns="" id="{80796E82-7314-2FBE-2DE8-DDD70D4DF27E}"/>
+                <a16:creationId xmlns:a16="http://schemas.microsoft.com/office/drawing/2014/main" id="{80796E82-7314-2FBE-2DE8-DDD70D4DF27E}"/>
               </a:ext>
             </a:extLst>
           </p:cNvPr>
@@ -24904,7 +24896,7 @@
           <p:cNvPr id="4" name="文本框 3">
             <a:extLst>
               <a:ext uri="{FF2B5EF4-FFF2-40B4-BE49-F238E27FC236}">
-                <a16:creationId xmlns:a16="http://schemas.microsoft.com/office/drawing/2014/main" xmlns="" id="{3E8E8225-E7B4-E598-7AEB-66BC2EF7864E}"/>
+                <a16:creationId xmlns:a16="http://schemas.microsoft.com/office/drawing/2014/main" id="{3E8E8225-E7B4-E598-7AEB-66BC2EF7864E}"/>
               </a:ext>
             </a:extLst>
           </p:cNvPr>
@@ -24998,7 +24990,7 @@
           <p:cNvPr id="94" name="椭圆 93">
             <a:extLst>
               <a:ext uri="{FF2B5EF4-FFF2-40B4-BE49-F238E27FC236}">
-                <a16:creationId xmlns:a16="http://schemas.microsoft.com/office/drawing/2014/main" xmlns="" id="{8BEE0963-F39F-E799-5A6C-7DB2D9695EA3}"/>
+                <a16:creationId xmlns:a16="http://schemas.microsoft.com/office/drawing/2014/main" id="{8BEE0963-F39F-E799-5A6C-7DB2D9695EA3}"/>
               </a:ext>
             </a:extLst>
           </p:cNvPr>
@@ -25050,7 +25042,7 @@
           <p:cNvPr id="3" name="椭圆 2">
             <a:extLst>
               <a:ext uri="{FF2B5EF4-FFF2-40B4-BE49-F238E27FC236}">
-                <a16:creationId xmlns:a16="http://schemas.microsoft.com/office/drawing/2014/main" xmlns="" id="{012F767B-5206-A517-0D25-41845DA1D568}"/>
+                <a16:creationId xmlns:a16="http://schemas.microsoft.com/office/drawing/2014/main" id="{012F767B-5206-A517-0D25-41845DA1D568}"/>
               </a:ext>
             </a:extLst>
           </p:cNvPr>
@@ -25102,7 +25094,7 @@
           <p:cNvPr id="21" name="箭头: 右 20">
             <a:extLst>
               <a:ext uri="{FF2B5EF4-FFF2-40B4-BE49-F238E27FC236}">
-                <a16:creationId xmlns:a16="http://schemas.microsoft.com/office/drawing/2014/main" xmlns="" id="{712099D5-D46D-2313-85E7-AA26A729A7DC}"/>
+                <a16:creationId xmlns:a16="http://schemas.microsoft.com/office/drawing/2014/main" id="{712099D5-D46D-2313-85E7-AA26A729A7DC}"/>
               </a:ext>
             </a:extLst>
           </p:cNvPr>
@@ -25154,7 +25146,7 @@
           <p:cNvPr id="22" name="箭头: 右 21">
             <a:extLst>
               <a:ext uri="{FF2B5EF4-FFF2-40B4-BE49-F238E27FC236}">
-                <a16:creationId xmlns:a16="http://schemas.microsoft.com/office/drawing/2014/main" xmlns="" id="{1919A2B7-D3C5-A1AD-8659-FD3B9646534B}"/>
+                <a16:creationId xmlns:a16="http://schemas.microsoft.com/office/drawing/2014/main" id="{1919A2B7-D3C5-A1AD-8659-FD3B9646534B}"/>
               </a:ext>
             </a:extLst>
           </p:cNvPr>
@@ -25206,7 +25198,7 @@
           <p:cNvPr id="18" name="椭圆 17">
             <a:extLst>
               <a:ext uri="{FF2B5EF4-FFF2-40B4-BE49-F238E27FC236}">
-                <a16:creationId xmlns:a16="http://schemas.microsoft.com/office/drawing/2014/main" xmlns="" id="{F5A322F2-5817-3D48-1EC0-F4CD8343BB96}"/>
+                <a16:creationId xmlns:a16="http://schemas.microsoft.com/office/drawing/2014/main" id="{F5A322F2-5817-3D48-1EC0-F4CD8343BB96}"/>
               </a:ext>
             </a:extLst>
           </p:cNvPr>
@@ -25266,7 +25258,7 @@
           <p:cNvPr id="19" name="椭圆 18">
             <a:extLst>
               <a:ext uri="{FF2B5EF4-FFF2-40B4-BE49-F238E27FC236}">
-                <a16:creationId xmlns:a16="http://schemas.microsoft.com/office/drawing/2014/main" xmlns="" id="{7B553A98-99DD-ADE7-8F2C-82946FDF4A0F}"/>
+                <a16:creationId xmlns:a16="http://schemas.microsoft.com/office/drawing/2014/main" id="{7B553A98-99DD-ADE7-8F2C-82946FDF4A0F}"/>
               </a:ext>
             </a:extLst>
           </p:cNvPr>
@@ -25326,7 +25318,7 @@
           <p:cNvPr id="29" name="图片 28">
             <a:extLst>
               <a:ext uri="{FF2B5EF4-FFF2-40B4-BE49-F238E27FC236}">
-                <a16:creationId xmlns:a16="http://schemas.microsoft.com/office/drawing/2014/main" xmlns="" id="{37828109-D1DB-24B1-070F-6C6C2342A787}"/>
+                <a16:creationId xmlns:a16="http://schemas.microsoft.com/office/drawing/2014/main" id="{37828109-D1DB-24B1-070F-6C6C2342A787}"/>
               </a:ext>
             </a:extLst>
           </p:cNvPr>
@@ -25356,7 +25348,7 @@
           <p:cNvPr id="30" name="图片 29">
             <a:extLst>
               <a:ext uri="{FF2B5EF4-FFF2-40B4-BE49-F238E27FC236}">
-                <a16:creationId xmlns:a16="http://schemas.microsoft.com/office/drawing/2014/main" xmlns="" id="{308EB72D-0591-1F78-12FC-CD798BD7E73D}"/>
+                <a16:creationId xmlns:a16="http://schemas.microsoft.com/office/drawing/2014/main" id="{308EB72D-0591-1F78-12FC-CD798BD7E73D}"/>
               </a:ext>
             </a:extLst>
           </p:cNvPr>
@@ -25386,7 +25378,7 @@
           <p:cNvPr id="31" name="图片 30">
             <a:extLst>
               <a:ext uri="{FF2B5EF4-FFF2-40B4-BE49-F238E27FC236}">
-                <a16:creationId xmlns:a16="http://schemas.microsoft.com/office/drawing/2014/main" xmlns="" id="{07F4B817-9FB7-F356-BFC2-674680D05075}"/>
+                <a16:creationId xmlns:a16="http://schemas.microsoft.com/office/drawing/2014/main" id="{07F4B817-9FB7-F356-BFC2-674680D05075}"/>
               </a:ext>
             </a:extLst>
           </p:cNvPr>
@@ -25416,7 +25408,7 @@
           <p:cNvPr id="32" name="图片 31">
             <a:extLst>
               <a:ext uri="{FF2B5EF4-FFF2-40B4-BE49-F238E27FC236}">
-                <a16:creationId xmlns:a16="http://schemas.microsoft.com/office/drawing/2014/main" xmlns="" id="{6AD0DB1A-3123-D4EB-783F-2A1EBF1F865D}"/>
+                <a16:creationId xmlns:a16="http://schemas.microsoft.com/office/drawing/2014/main" id="{6AD0DB1A-3123-D4EB-783F-2A1EBF1F865D}"/>
               </a:ext>
             </a:extLst>
           </p:cNvPr>
@@ -25446,7 +25438,7 @@
           <p:cNvPr id="33" name="图片 32">
             <a:extLst>
               <a:ext uri="{FF2B5EF4-FFF2-40B4-BE49-F238E27FC236}">
-                <a16:creationId xmlns:a16="http://schemas.microsoft.com/office/drawing/2014/main" xmlns="" id="{6EA6B283-FA33-8B5F-19D9-23C22512D6A2}"/>
+                <a16:creationId xmlns:a16="http://schemas.microsoft.com/office/drawing/2014/main" id="{6EA6B283-FA33-8B5F-19D9-23C22512D6A2}"/>
               </a:ext>
             </a:extLst>
           </p:cNvPr>
@@ -25476,7 +25468,7 @@
           <p:cNvPr id="34" name="图片 33">
             <a:extLst>
               <a:ext uri="{FF2B5EF4-FFF2-40B4-BE49-F238E27FC236}">
-                <a16:creationId xmlns:a16="http://schemas.microsoft.com/office/drawing/2014/main" xmlns="" id="{A7CC21E1-7467-1ACF-2ED7-68959584D6DF}"/>
+                <a16:creationId xmlns:a16="http://schemas.microsoft.com/office/drawing/2014/main" id="{A7CC21E1-7467-1ACF-2ED7-68959584D6DF}"/>
               </a:ext>
             </a:extLst>
           </p:cNvPr>
@@ -25506,7 +25498,7 @@
           <p:cNvPr id="35" name="图片 34">
             <a:extLst>
               <a:ext uri="{FF2B5EF4-FFF2-40B4-BE49-F238E27FC236}">
-                <a16:creationId xmlns:a16="http://schemas.microsoft.com/office/drawing/2014/main" xmlns="" id="{4FD1822D-6EF2-CCB1-76AC-A770762EDBFB}"/>
+                <a16:creationId xmlns:a16="http://schemas.microsoft.com/office/drawing/2014/main" id="{4FD1822D-6EF2-CCB1-76AC-A770762EDBFB}"/>
               </a:ext>
             </a:extLst>
           </p:cNvPr>
@@ -25536,7 +25528,7 @@
           <p:cNvPr id="36" name="图片 35">
             <a:extLst>
               <a:ext uri="{FF2B5EF4-FFF2-40B4-BE49-F238E27FC236}">
-                <a16:creationId xmlns:a16="http://schemas.microsoft.com/office/drawing/2014/main" xmlns="" id="{9E02D9AC-14F1-BAD2-3488-0805428D78DE}"/>
+                <a16:creationId xmlns:a16="http://schemas.microsoft.com/office/drawing/2014/main" id="{9E02D9AC-14F1-BAD2-3488-0805428D78DE}"/>
               </a:ext>
             </a:extLst>
           </p:cNvPr>
@@ -25596,7 +25588,7 @@
           <p:cNvPr id="2" name="标题 1">
             <a:extLst>
               <a:ext uri="{FF2B5EF4-FFF2-40B4-BE49-F238E27FC236}">
-                <a16:creationId xmlns:a16="http://schemas.microsoft.com/office/drawing/2014/main" xmlns="" id="{80796E82-7314-2FBE-2DE8-DDD70D4DF27E}"/>
+                <a16:creationId xmlns:a16="http://schemas.microsoft.com/office/drawing/2014/main" id="{80796E82-7314-2FBE-2DE8-DDD70D4DF27E}"/>
               </a:ext>
             </a:extLst>
           </p:cNvPr>
@@ -25645,7 +25637,7 @@
           <p:cNvPr id="94" name="椭圆 93">
             <a:extLst>
               <a:ext uri="{FF2B5EF4-FFF2-40B4-BE49-F238E27FC236}">
-                <a16:creationId xmlns:a16="http://schemas.microsoft.com/office/drawing/2014/main" xmlns="" id="{8BEE0963-F39F-E799-5A6C-7DB2D9695EA3}"/>
+                <a16:creationId xmlns:a16="http://schemas.microsoft.com/office/drawing/2014/main" id="{8BEE0963-F39F-E799-5A6C-7DB2D9695EA3}"/>
               </a:ext>
             </a:extLst>
           </p:cNvPr>
@@ -25697,7 +25689,7 @@
           <p:cNvPr id="20" name="椭圆 19">
             <a:extLst>
               <a:ext uri="{FF2B5EF4-FFF2-40B4-BE49-F238E27FC236}">
-                <a16:creationId xmlns:a16="http://schemas.microsoft.com/office/drawing/2014/main" xmlns="" id="{1F3D5A18-117A-FBDB-A07B-D4E2DC2FC832}"/>
+                <a16:creationId xmlns:a16="http://schemas.microsoft.com/office/drawing/2014/main" id="{1F3D5A18-117A-FBDB-A07B-D4E2DC2FC832}"/>
               </a:ext>
             </a:extLst>
           </p:cNvPr>
@@ -25747,7 +25739,7 @@
           <p:cNvPr id="23" name="矩形 22">
             <a:extLst>
               <a:ext uri="{FF2B5EF4-FFF2-40B4-BE49-F238E27FC236}">
-                <a16:creationId xmlns:a16="http://schemas.microsoft.com/office/drawing/2014/main" xmlns="" id="{1DB7B11B-A7F7-8894-4BAF-68DD060767B3}"/>
+                <a16:creationId xmlns:a16="http://schemas.microsoft.com/office/drawing/2014/main" id="{1DB7B11B-A7F7-8894-4BAF-68DD060767B3}"/>
               </a:ext>
             </a:extLst>
           </p:cNvPr>
@@ -25797,7 +25789,7 @@
           <p:cNvPr id="24" name="矩形 23">
             <a:extLst>
               <a:ext uri="{FF2B5EF4-FFF2-40B4-BE49-F238E27FC236}">
-                <a16:creationId xmlns:a16="http://schemas.microsoft.com/office/drawing/2014/main" xmlns="" id="{5E103417-33D7-7A1E-5135-FE392A9238A1}"/>
+                <a16:creationId xmlns:a16="http://schemas.microsoft.com/office/drawing/2014/main" id="{5E103417-33D7-7A1E-5135-FE392A9238A1}"/>
               </a:ext>
             </a:extLst>
           </p:cNvPr>
@@ -25847,7 +25839,7 @@
           <p:cNvPr id="25" name="Google Shape;73;p14">
             <a:extLst>
               <a:ext uri="{FF2B5EF4-FFF2-40B4-BE49-F238E27FC236}">
-                <a16:creationId xmlns:a16="http://schemas.microsoft.com/office/drawing/2014/main" xmlns="" id="{728B4BED-4470-8B41-5F52-AEAB959AE86A}"/>
+                <a16:creationId xmlns:a16="http://schemas.microsoft.com/office/drawing/2014/main" id="{728B4BED-4470-8B41-5F52-AEAB959AE86A}"/>
               </a:ext>
             </a:extLst>
           </p:cNvPr>
@@ -25881,7 +25873,7 @@
           <p:cNvPr id="26" name="Google Shape;73;p14">
             <a:extLst>
               <a:ext uri="{FF2B5EF4-FFF2-40B4-BE49-F238E27FC236}">
-                <a16:creationId xmlns:a16="http://schemas.microsoft.com/office/drawing/2014/main" xmlns="" id="{728B4BED-4470-8B41-5F52-AEAB959AE86A}"/>
+                <a16:creationId xmlns:a16="http://schemas.microsoft.com/office/drawing/2014/main" id="{728B4BED-4470-8B41-5F52-AEAB959AE86A}"/>
               </a:ext>
             </a:extLst>
           </p:cNvPr>
@@ -25915,7 +25907,7 @@
           <p:cNvPr id="27" name="Google Shape;73;p14">
             <a:extLst>
               <a:ext uri="{FF2B5EF4-FFF2-40B4-BE49-F238E27FC236}">
-                <a16:creationId xmlns:a16="http://schemas.microsoft.com/office/drawing/2014/main" xmlns="" id="{728B4BED-4470-8B41-5F52-AEAB959AE86A}"/>
+                <a16:creationId xmlns:a16="http://schemas.microsoft.com/office/drawing/2014/main" id="{728B4BED-4470-8B41-5F52-AEAB959AE86A}"/>
               </a:ext>
             </a:extLst>
           </p:cNvPr>
@@ -26156,7 +26148,7 @@
           <p:cNvPr id="82" name="箭头: V 形 20">
             <a:extLst>
               <a:ext uri="{FF2B5EF4-FFF2-40B4-BE49-F238E27FC236}">
-                <a16:creationId xmlns:a16="http://schemas.microsoft.com/office/drawing/2014/main" xmlns="" id="{BC353627-9371-244D-7367-7A27EC648508}"/>
+                <a16:creationId xmlns:a16="http://schemas.microsoft.com/office/drawing/2014/main" id="{BC353627-9371-244D-7367-7A27EC648508}"/>
               </a:ext>
             </a:extLst>
           </p:cNvPr>
@@ -26204,7 +26196,7 @@
           <p:cNvPr id="83" name="箭头: V 形 21">
             <a:extLst>
               <a:ext uri="{FF2B5EF4-FFF2-40B4-BE49-F238E27FC236}">
-                <a16:creationId xmlns:a16="http://schemas.microsoft.com/office/drawing/2014/main" xmlns="" id="{41D7DFA2-1682-8959-1196-12E3B7C49765}"/>
+                <a16:creationId xmlns:a16="http://schemas.microsoft.com/office/drawing/2014/main" id="{41D7DFA2-1682-8959-1196-12E3B7C49765}"/>
               </a:ext>
             </a:extLst>
           </p:cNvPr>
@@ -26252,7 +26244,7 @@
           <p:cNvPr id="84" name="箭头: V 形 22">
             <a:extLst>
               <a:ext uri="{FF2B5EF4-FFF2-40B4-BE49-F238E27FC236}">
-                <a16:creationId xmlns:a16="http://schemas.microsoft.com/office/drawing/2014/main" xmlns="" id="{3E6B5B9D-8A94-166B-F4E4-0C03AFDA72FF}"/>
+                <a16:creationId xmlns:a16="http://schemas.microsoft.com/office/drawing/2014/main" id="{3E6B5B9D-8A94-166B-F4E4-0C03AFDA72FF}"/>
               </a:ext>
             </a:extLst>
           </p:cNvPr>
@@ -26300,7 +26292,7 @@
           <p:cNvPr id="85" name="箭头: V 形 23">
             <a:extLst>
               <a:ext uri="{FF2B5EF4-FFF2-40B4-BE49-F238E27FC236}">
-                <a16:creationId xmlns:a16="http://schemas.microsoft.com/office/drawing/2014/main" xmlns="" id="{58C2A296-BAAF-AA9E-2CEA-ABDFA8710114}"/>
+                <a16:creationId xmlns:a16="http://schemas.microsoft.com/office/drawing/2014/main" id="{58C2A296-BAAF-AA9E-2CEA-ABDFA8710114}"/>
               </a:ext>
             </a:extLst>
           </p:cNvPr>
@@ -26378,7 +26370,7 @@
           <p:cNvPr id="2" name="标题 1">
             <a:extLst>
               <a:ext uri="{FF2B5EF4-FFF2-40B4-BE49-F238E27FC236}">
-                <a16:creationId xmlns:a16="http://schemas.microsoft.com/office/drawing/2014/main" xmlns="" id="{80796E82-7314-2FBE-2DE8-DDD70D4DF27E}"/>
+                <a16:creationId xmlns:a16="http://schemas.microsoft.com/office/drawing/2014/main" id="{80796E82-7314-2FBE-2DE8-DDD70D4DF27E}"/>
               </a:ext>
             </a:extLst>
           </p:cNvPr>
@@ -26427,7 +26419,7 @@
           <p:cNvPr id="94" name="椭圆 93">
             <a:extLst>
               <a:ext uri="{FF2B5EF4-FFF2-40B4-BE49-F238E27FC236}">
-                <a16:creationId xmlns:a16="http://schemas.microsoft.com/office/drawing/2014/main" xmlns="" id="{8BEE0963-F39F-E799-5A6C-7DB2D9695EA3}"/>
+                <a16:creationId xmlns:a16="http://schemas.microsoft.com/office/drawing/2014/main" id="{8BEE0963-F39F-E799-5A6C-7DB2D9695EA3}"/>
               </a:ext>
             </a:extLst>
           </p:cNvPr>
@@ -26479,7 +26471,7 @@
           <p:cNvPr id="20" name="椭圆 19">
             <a:extLst>
               <a:ext uri="{FF2B5EF4-FFF2-40B4-BE49-F238E27FC236}">
-                <a16:creationId xmlns:a16="http://schemas.microsoft.com/office/drawing/2014/main" xmlns="" id="{1F3D5A18-117A-FBDB-A07B-D4E2DC2FC832}"/>
+                <a16:creationId xmlns:a16="http://schemas.microsoft.com/office/drawing/2014/main" id="{1F3D5A18-117A-FBDB-A07B-D4E2DC2FC832}"/>
               </a:ext>
             </a:extLst>
           </p:cNvPr>
@@ -26529,7 +26521,7 @@
           <p:cNvPr id="23" name="矩形 22">
             <a:extLst>
               <a:ext uri="{FF2B5EF4-FFF2-40B4-BE49-F238E27FC236}">
-                <a16:creationId xmlns:a16="http://schemas.microsoft.com/office/drawing/2014/main" xmlns="" id="{1DB7B11B-A7F7-8894-4BAF-68DD060767B3}"/>
+                <a16:creationId xmlns:a16="http://schemas.microsoft.com/office/drawing/2014/main" id="{1DB7B11B-A7F7-8894-4BAF-68DD060767B3}"/>
               </a:ext>
             </a:extLst>
           </p:cNvPr>
@@ -26579,7 +26571,7 @@
           <p:cNvPr id="24" name="矩形 23">
             <a:extLst>
               <a:ext uri="{FF2B5EF4-FFF2-40B4-BE49-F238E27FC236}">
-                <a16:creationId xmlns:a16="http://schemas.microsoft.com/office/drawing/2014/main" xmlns="" id="{5E103417-33D7-7A1E-5135-FE392A9238A1}"/>
+                <a16:creationId xmlns:a16="http://schemas.microsoft.com/office/drawing/2014/main" id="{5E103417-33D7-7A1E-5135-FE392A9238A1}"/>
               </a:ext>
             </a:extLst>
           </p:cNvPr>
@@ -26629,7 +26621,7 @@
           <p:cNvPr id="25" name="Google Shape;73;p14">
             <a:extLst>
               <a:ext uri="{FF2B5EF4-FFF2-40B4-BE49-F238E27FC236}">
-                <a16:creationId xmlns:a16="http://schemas.microsoft.com/office/drawing/2014/main" xmlns="" id="{728B4BED-4470-8B41-5F52-AEAB959AE86A}"/>
+                <a16:creationId xmlns:a16="http://schemas.microsoft.com/office/drawing/2014/main" id="{728B4BED-4470-8B41-5F52-AEAB959AE86A}"/>
               </a:ext>
             </a:extLst>
           </p:cNvPr>
@@ -26663,7 +26655,7 @@
           <p:cNvPr id="26" name="Google Shape;73;p14">
             <a:extLst>
               <a:ext uri="{FF2B5EF4-FFF2-40B4-BE49-F238E27FC236}">
-                <a16:creationId xmlns:a16="http://schemas.microsoft.com/office/drawing/2014/main" xmlns="" id="{728B4BED-4470-8B41-5F52-AEAB959AE86A}"/>
+                <a16:creationId xmlns:a16="http://schemas.microsoft.com/office/drawing/2014/main" id="{728B4BED-4470-8B41-5F52-AEAB959AE86A}"/>
               </a:ext>
             </a:extLst>
           </p:cNvPr>
@@ -26697,7 +26689,7 @@
           <p:cNvPr id="27" name="Google Shape;73;p14">
             <a:extLst>
               <a:ext uri="{FF2B5EF4-FFF2-40B4-BE49-F238E27FC236}">
-                <a16:creationId xmlns:a16="http://schemas.microsoft.com/office/drawing/2014/main" xmlns="" id="{728B4BED-4470-8B41-5F52-AEAB959AE86A}"/>
+                <a16:creationId xmlns:a16="http://schemas.microsoft.com/office/drawing/2014/main" id="{728B4BED-4470-8B41-5F52-AEAB959AE86A}"/>
               </a:ext>
             </a:extLst>
           </p:cNvPr>
@@ -26938,7 +26930,7 @@
           <p:cNvPr id="82" name="箭头: V 形 20">
             <a:extLst>
               <a:ext uri="{FF2B5EF4-FFF2-40B4-BE49-F238E27FC236}">
-                <a16:creationId xmlns:a16="http://schemas.microsoft.com/office/drawing/2014/main" xmlns="" id="{BC353627-9371-244D-7367-7A27EC648508}"/>
+                <a16:creationId xmlns:a16="http://schemas.microsoft.com/office/drawing/2014/main" id="{BC353627-9371-244D-7367-7A27EC648508}"/>
               </a:ext>
             </a:extLst>
           </p:cNvPr>
@@ -26986,7 +26978,7 @@
           <p:cNvPr id="83" name="箭头: V 形 21">
             <a:extLst>
               <a:ext uri="{FF2B5EF4-FFF2-40B4-BE49-F238E27FC236}">
-                <a16:creationId xmlns:a16="http://schemas.microsoft.com/office/drawing/2014/main" xmlns="" id="{41D7DFA2-1682-8959-1196-12E3B7C49765}"/>
+                <a16:creationId xmlns:a16="http://schemas.microsoft.com/office/drawing/2014/main" id="{41D7DFA2-1682-8959-1196-12E3B7C49765}"/>
               </a:ext>
             </a:extLst>
           </p:cNvPr>
@@ -27034,7 +27026,7 @@
           <p:cNvPr id="84" name="箭头: V 形 22">
             <a:extLst>
               <a:ext uri="{FF2B5EF4-FFF2-40B4-BE49-F238E27FC236}">
-                <a16:creationId xmlns:a16="http://schemas.microsoft.com/office/drawing/2014/main" xmlns="" id="{3E6B5B9D-8A94-166B-F4E4-0C03AFDA72FF}"/>
+                <a16:creationId xmlns:a16="http://schemas.microsoft.com/office/drawing/2014/main" id="{3E6B5B9D-8A94-166B-F4E4-0C03AFDA72FF}"/>
               </a:ext>
             </a:extLst>
           </p:cNvPr>
@@ -27082,7 +27074,7 @@
           <p:cNvPr id="85" name="箭头: V 形 23">
             <a:extLst>
               <a:ext uri="{FF2B5EF4-FFF2-40B4-BE49-F238E27FC236}">
-                <a16:creationId xmlns:a16="http://schemas.microsoft.com/office/drawing/2014/main" xmlns="" id="{58C2A296-BAAF-AA9E-2CEA-ABDFA8710114}"/>
+                <a16:creationId xmlns:a16="http://schemas.microsoft.com/office/drawing/2014/main" id="{58C2A296-BAAF-AA9E-2CEA-ABDFA8710114}"/>
               </a:ext>
             </a:extLst>
           </p:cNvPr>
@@ -27130,7 +27122,7 @@
           <p:cNvPr id="29" name="Google Shape;73;p14">
             <a:extLst>
               <a:ext uri="{FF2B5EF4-FFF2-40B4-BE49-F238E27FC236}">
-                <a16:creationId xmlns:a16="http://schemas.microsoft.com/office/drawing/2014/main" xmlns="" id="{728B4BED-4470-8B41-5F52-AEAB959AE86A}"/>
+                <a16:creationId xmlns:a16="http://schemas.microsoft.com/office/drawing/2014/main" id="{728B4BED-4470-8B41-5F52-AEAB959AE86A}"/>
               </a:ext>
             </a:extLst>
           </p:cNvPr>
@@ -27194,7 +27186,7 @@
           <p:cNvPr id="31" name="Google Shape;100;p14">
             <a:extLst>
               <a:ext uri="{FF2B5EF4-FFF2-40B4-BE49-F238E27FC236}">
-                <a16:creationId xmlns:a16="http://schemas.microsoft.com/office/drawing/2014/main" xmlns="" id="{04D7ED66-035D-0386-E0EE-BA6FE024830F}"/>
+                <a16:creationId xmlns:a16="http://schemas.microsoft.com/office/drawing/2014/main" id="{04D7ED66-035D-0386-E0EE-BA6FE024830F}"/>
               </a:ext>
             </a:extLst>
           </p:cNvPr>
@@ -27277,7 +27269,7 @@
           <p:cNvPr id="2" name="标题 1">
             <a:extLst>
               <a:ext uri="{FF2B5EF4-FFF2-40B4-BE49-F238E27FC236}">
-                <a16:creationId xmlns:a16="http://schemas.microsoft.com/office/drawing/2014/main" xmlns="" id="{2A9B6C59-89F9-5390-BB77-F8DB7EF7B310}"/>
+                <a16:creationId xmlns:a16="http://schemas.microsoft.com/office/drawing/2014/main" id="{2A9B6C59-89F9-5390-BB77-F8DB7EF7B310}"/>
               </a:ext>
             </a:extLst>
           </p:cNvPr>
@@ -27302,23 +27294,15 @@
           <a:p>
             <a:pPr algn="ctr"/>
             <a:r>
-              <a:rPr lang="zh-CN" altLang="en-US" b="1" dirty="0" smtClean="0">
+              <a:rPr lang="zh-CN" altLang="en-US" b="1" dirty="0">
                 <a:solidFill>
                   <a:schemeClr val="bg1"/>
                 </a:solidFill>
               </a:rPr>
               <a:t>草稿</a:t>
             </a:r>
-            <a:r>
-              <a:rPr lang="en-US" altLang="zh-CN" b="1" dirty="0" smtClean="0">
-                <a:solidFill>
-                  <a:schemeClr val="bg1"/>
-                </a:solidFill>
-              </a:rPr>
-              <a:t/>
-            </a:r>
             <a:br>
-              <a:rPr lang="en-US" altLang="zh-CN" b="1" dirty="0" smtClean="0">
+              <a:rPr lang="en-US" altLang="zh-CN" b="1" dirty="0">
                 <a:solidFill>
                   <a:schemeClr val="bg1"/>
                 </a:solidFill>
@@ -27367,7 +27351,7 @@
           <p:cNvPr id="2" name="标题 1">
             <a:extLst>
               <a:ext uri="{FF2B5EF4-FFF2-40B4-BE49-F238E27FC236}">
-                <a16:creationId xmlns:a16="http://schemas.microsoft.com/office/drawing/2014/main" xmlns="" id="{80796E82-7314-2FBE-2DE8-DDD70D4DF27E}"/>
+                <a16:creationId xmlns:a16="http://schemas.microsoft.com/office/drawing/2014/main" id="{80796E82-7314-2FBE-2DE8-DDD70D4DF27E}"/>
               </a:ext>
             </a:extLst>
           </p:cNvPr>
@@ -27391,55 +27375,55 @@
           <a:lstStyle/>
           <a:p>
             <a:r>
-              <a:rPr lang="ja-JP" altLang="en-US" sz="2800" dirty="0" smtClean="0">
+              <a:rPr lang="ja-JP" altLang="en-US" sz="2800" dirty="0">
                 <a:latin typeface="黑体" panose="02010609060101010101" pitchFamily="49" charset="-122"/>
                 <a:ea typeface="黑体" panose="02010609060101010101" pitchFamily="49" charset="-122"/>
               </a:rPr>
               <a:t>マッチ売りの少女　劇場</a:t>
             </a:r>
-            <a:r>
-              <a:rPr lang="en-US" altLang="ja-JP" sz="2800" dirty="0" smtClean="0">
-                <a:latin typeface="黑体" panose="02010609060101010101" pitchFamily="49" charset="-122"/>
-                <a:ea typeface="黑体" panose="02010609060101010101" pitchFamily="49" charset="-122"/>
-              </a:rPr>
-              <a:t/>
-            </a:r>
             <a:br>
-              <a:rPr lang="en-US" altLang="ja-JP" sz="2800" dirty="0" smtClean="0">
+              <a:rPr lang="en-US" altLang="ja-JP" sz="2800" dirty="0">
                 <a:latin typeface="黑体" panose="02010609060101010101" pitchFamily="49" charset="-122"/>
                 <a:ea typeface="黑体" panose="02010609060101010101" pitchFamily="49" charset="-122"/>
               </a:rPr>
             </a:br>
             <a:r>
-              <a:rPr lang="zh-CN" altLang="en-US" sz="2800" dirty="0" smtClean="0">
+              <a:rPr lang="en-US" altLang="ja-JP" sz="2800" dirty="0">
                 <a:latin typeface="黑体" panose="02010609060101010101" pitchFamily="49" charset="-122"/>
                 <a:ea typeface="黑体" panose="02010609060101010101" pitchFamily="49" charset="-122"/>
               </a:rPr>
-              <a:t>火柴</a:t>
+              <a:t>	</a:t>
             </a:r>
             <a:r>
-              <a:rPr lang="en-US" altLang="zh-CN" sz="2800" dirty="0" smtClean="0">
+              <a:rPr lang="ja-JP" altLang="en-US" sz="2800" dirty="0">
+                <a:latin typeface="黑体" panose="02010609060101010101" pitchFamily="49" charset="-122"/>
+                <a:ea typeface="黑体" panose="02010609060101010101" pitchFamily="49" charset="-122"/>
+              </a:rPr>
+              <a:t>マッチ</a:t>
+            </a:r>
+            <a:r>
+              <a:rPr lang="en-US" altLang="ja-JP" sz="2800" dirty="0">
                 <a:latin typeface="黑体" panose="02010609060101010101" pitchFamily="49" charset="-122"/>
                 <a:ea typeface="黑体" panose="02010609060101010101" pitchFamily="49" charset="-122"/>
               </a:rPr>
               <a:t>2</a:t>
             </a:r>
             <a:r>
-              <a:rPr lang="zh-CN" altLang="en-US" sz="2800" dirty="0" smtClean="0">
+              <a:rPr lang="ja-JP" altLang="en-US" sz="2800" dirty="0">
+                <a:latin typeface="黑体" panose="02010609060101010101" pitchFamily="49" charset="-122"/>
+                <a:ea typeface="黑体" panose="02010609060101010101" pitchFamily="49" charset="-122"/>
+              </a:rPr>
+              <a:t>トリガーの状態</a:t>
+            </a:r>
+            <a:r>
+              <a:rPr lang="zh-CN" altLang="en-US" sz="2800" dirty="0">
                 <a:latin typeface="黑体" panose="02010609060101010101" pitchFamily="49" charset="-122"/>
                 <a:ea typeface="黑体" panose="02010609060101010101" pitchFamily="49" charset="-122"/>
               </a:rPr>
               <a:t>：</a:t>
             </a:r>
-            <a:r>
-              <a:rPr lang="en-US" altLang="zh-CN" sz="2800" dirty="0" smtClean="0">
-                <a:latin typeface="黑体" panose="02010609060101010101" pitchFamily="49" charset="-122"/>
-                <a:ea typeface="黑体" panose="02010609060101010101" pitchFamily="49" charset="-122"/>
-              </a:rPr>
-              <a:t/>
-            </a:r>
             <a:br>
-              <a:rPr lang="en-US" altLang="zh-CN" sz="2800" dirty="0" smtClean="0">
+              <a:rPr lang="en-US" altLang="zh-CN" sz="2800" dirty="0">
                 <a:latin typeface="黑体" panose="02010609060101010101" pitchFamily="49" charset="-122"/>
                 <a:ea typeface="黑体" panose="02010609060101010101" pitchFamily="49" charset="-122"/>
               </a:rPr>
@@ -27456,7 +27440,7 @@
           <p:cNvPr id="94" name="椭圆 93">
             <a:extLst>
               <a:ext uri="{FF2B5EF4-FFF2-40B4-BE49-F238E27FC236}">
-                <a16:creationId xmlns:a16="http://schemas.microsoft.com/office/drawing/2014/main" xmlns="" id="{8BEE0963-F39F-E799-5A6C-7DB2D9695EA3}"/>
+                <a16:creationId xmlns:a16="http://schemas.microsoft.com/office/drawing/2014/main" id="{8BEE0963-F39F-E799-5A6C-7DB2D9695EA3}"/>
               </a:ext>
             </a:extLst>
           </p:cNvPr>
@@ -27523,7 +27507,7 @@
         </p:blipFill>
         <p:spPr>
           <a:xfrm>
-            <a:off x="5705515" y="5078303"/>
+            <a:off x="5578258" y="5225379"/>
             <a:ext cx="419168" cy="419169"/>
           </a:xfrm>
           <a:prstGeom prst="rect">
@@ -27551,7 +27535,7 @@
         </p:blipFill>
         <p:spPr>
           <a:xfrm>
-            <a:off x="5318580" y="2536345"/>
+            <a:off x="7570878" y="2934757"/>
             <a:ext cx="419168" cy="419169"/>
           </a:xfrm>
           <a:prstGeom prst="rect">
@@ -27579,7 +27563,7 @@
         </p:blipFill>
         <p:spPr>
           <a:xfrm>
-            <a:off x="8134039" y="2319333"/>
+            <a:off x="6561345" y="3160838"/>
             <a:ext cx="419168" cy="419169"/>
           </a:xfrm>
           <a:prstGeom prst="rect">
@@ -27635,7 +27619,7 @@
         </p:blipFill>
         <p:spPr>
           <a:xfrm>
-            <a:off x="6423965" y="3315907"/>
+            <a:off x="9022663" y="4868718"/>
             <a:ext cx="419168" cy="419169"/>
           </a:xfrm>
           <a:prstGeom prst="rect">
@@ -27663,7 +27647,7 @@
         </p:blipFill>
         <p:spPr>
           <a:xfrm>
-            <a:off x="7652563" y="3015629"/>
+            <a:off x="8607394" y="2301735"/>
             <a:ext cx="419168" cy="419169"/>
           </a:xfrm>
           <a:prstGeom prst="rect">
@@ -27691,7 +27675,7 @@
         </p:blipFill>
         <p:spPr>
           <a:xfrm>
-            <a:off x="7095822" y="3589574"/>
+            <a:off x="7726912" y="4099003"/>
             <a:ext cx="419168" cy="419169"/>
           </a:xfrm>
           <a:prstGeom prst="rect">
@@ -27719,7 +27703,7 @@
         </p:blipFill>
         <p:spPr>
           <a:xfrm>
-            <a:off x="8439244" y="5012731"/>
+            <a:off x="6574024" y="4158440"/>
             <a:ext cx="419168" cy="419169"/>
           </a:xfrm>
           <a:prstGeom prst="rect">
@@ -27733,51 +27717,10 @@
       </p:pic>
       <p:sp>
         <p:nvSpPr>
-          <p:cNvPr id="38" name="Google Shape;83;p14"/>
-          <p:cNvSpPr/>
-          <p:nvPr/>
-        </p:nvSpPr>
-        <p:spPr>
-          <a:xfrm>
-            <a:off x="4529257" y="1120396"/>
-            <a:ext cx="2176922" cy="2245863"/>
-          </a:xfrm>
-          <a:prstGeom prst="ellipse">
-            <a:avLst/>
-          </a:prstGeom>
-          <a:solidFill>
-            <a:schemeClr val="accent2">
-              <a:lumMod val="60000"/>
-              <a:lumOff val="40000"/>
-              <a:alpha val="47780"/>
-            </a:schemeClr>
-          </a:solidFill>
-          <a:ln w="9525" cap="flat" cmpd="sng">
-            <a:solidFill>
-              <a:srgbClr val="FF9900"/>
-            </a:solidFill>
-            <a:prstDash val="solid"/>
-            <a:round/>
-            <a:headEnd type="none" w="sm" len="sm"/>
-            <a:tailEnd type="none" w="sm" len="sm"/>
-          </a:ln>
-        </p:spPr>
-        <p:txBody>
-          <a:bodyPr spcFirstLastPara="1" wrap="square" lIns="121900" tIns="121900" rIns="121900" bIns="121900" anchor="ctr" anchorCtr="0">
-            <a:noAutofit/>
-          </a:bodyPr>
-          <a:lstStyle/>
-          <a:p>
-            <a:endParaRPr sz="2400"/>
-          </a:p>
-        </p:txBody>
-      </p:sp>
-      <p:sp>
-        <p:nvSpPr>
           <p:cNvPr id="42" name="文本框 41">
             <a:extLst>
               <a:ext uri="{FF2B5EF4-FFF2-40B4-BE49-F238E27FC236}">
-                <a16:creationId xmlns:a16="http://schemas.microsoft.com/office/drawing/2014/main" xmlns="" id="{3E8E8225-E7B4-E598-7AEB-66BC2EF7864E}"/>
+                <a16:creationId xmlns:a16="http://schemas.microsoft.com/office/drawing/2014/main" id="{3E8E8225-E7B4-E598-7AEB-66BC2EF7864E}"/>
               </a:ext>
             </a:extLst>
           </p:cNvPr>
@@ -27786,8 +27729,8 @@
         </p:nvSpPr>
         <p:spPr>
           <a:xfrm>
-            <a:off x="612559" y="1671863"/>
-            <a:ext cx="3335990" cy="3416320"/>
+            <a:off x="462579" y="1898582"/>
+            <a:ext cx="4086807" cy="1754326"/>
           </a:xfrm>
           <a:prstGeom prst="rect">
             <a:avLst/>
@@ -27801,74 +27744,41 @@
           <a:lstStyle/>
           <a:p>
             <a:r>
-              <a:rPr lang="ja-JP" altLang="en-US" dirty="0" smtClean="0"/>
-              <a:t>Ｄ：マッチ</a:t>
+              <a:rPr lang="en-US" altLang="ja-JP" dirty="0"/>
+              <a:t>MT</a:t>
             </a:r>
-            <a:endParaRPr lang="en-US" altLang="ja-JP" dirty="0" smtClean="0"/>
+            <a:r>
+              <a:rPr lang="ja-JP" altLang="en-US" dirty="0"/>
+              <a:t>：残りのマッチ</a:t>
+            </a:r>
+            <a:r>
+              <a:rPr lang="en-US" altLang="ja-JP" dirty="0"/>
+              <a:t>3</a:t>
+            </a:r>
           </a:p>
           <a:p>
             <a:endParaRPr lang="en-US" altLang="ja-JP" dirty="0"/>
           </a:p>
           <a:p>
             <a:r>
-              <a:rPr lang="en-US" altLang="ja-JP" dirty="0" smtClean="0"/>
+              <a:rPr lang="en-US" altLang="ja-JP" dirty="0"/>
               <a:t>H1</a:t>
             </a:r>
             <a:r>
-              <a:rPr lang="ja-JP" altLang="en-US" dirty="0" smtClean="0"/>
+              <a:rPr lang="ja-JP" altLang="en-US" dirty="0"/>
               <a:t>：少女</a:t>
             </a:r>
-            <a:endParaRPr lang="en-US" altLang="ja-JP" dirty="0" smtClean="0"/>
+            <a:endParaRPr lang="en-US" altLang="ja-JP" dirty="0"/>
           </a:p>
           <a:p>
             <a:endParaRPr lang="en-US" altLang="zh-CN" dirty="0"/>
           </a:p>
           <a:p>
             <a:r>
-              <a:rPr lang="zh-CN" altLang="en-US" dirty="0" smtClean="0"/>
-              <a:t>火柴机制结束后</a:t>
+              <a:rPr lang="ja-JP" altLang="en-US" dirty="0"/>
+              <a:t>緑円：ガチョウの幻影（いわゆる玉）</a:t>
             </a:r>
-            <a:r>
-              <a:rPr lang="en-US" altLang="zh-CN" dirty="0" err="1" smtClean="0"/>
-              <a:t>debuff</a:t>
-            </a:r>
-            <a:r>
-              <a:rPr lang="zh-CN" altLang="en-US" dirty="0" smtClean="0"/>
-              <a:t>才消失（熄灭时幻象消失</a:t>
-            </a:r>
-            <a:endParaRPr lang="en-US" altLang="zh-CN" dirty="0" smtClean="0"/>
-          </a:p>
-          <a:p>
             <a:endParaRPr lang="en-US" altLang="zh-CN" dirty="0"/>
-          </a:p>
-          <a:p>
-            <a:r>
-              <a:rPr lang="zh-CN" altLang="en-US" dirty="0" smtClean="0"/>
-              <a:t>绿球：烤</a:t>
-            </a:r>
-            <a:r>
-              <a:rPr lang="zh-CN" altLang="en-US" dirty="0" smtClean="0"/>
-              <a:t>鹅（大球</a:t>
-            </a:r>
-            <a:endParaRPr lang="en-US" altLang="zh-CN" dirty="0" smtClean="0"/>
-          </a:p>
-          <a:p>
-            <a:r>
-              <a:rPr lang="zh-CN" altLang="en-US" dirty="0" smtClean="0"/>
-              <a:t>优先连线没有火柴</a:t>
-            </a:r>
-            <a:r>
-              <a:rPr lang="en-US" altLang="zh-CN" dirty="0" err="1" smtClean="0"/>
-              <a:t>debuff</a:t>
-            </a:r>
-            <a:r>
-              <a:rPr lang="zh-CN" altLang="en-US" dirty="0" smtClean="0"/>
-              <a:t>的玩家</a:t>
-            </a:r>
-            <a:endParaRPr lang="en-US" altLang="zh-CN" dirty="0" smtClean="0"/>
-          </a:p>
-          <a:p>
-            <a:endParaRPr lang="en-US" altLang="zh-CN" dirty="0" smtClean="0"/>
           </a:p>
           <a:p>
             <a:endParaRPr lang="en-US" altLang="ja-JP" dirty="0"/>
@@ -27884,7 +27794,7 @@
         <p:spPr>
           <a:xfrm>
             <a:off x="4621257" y="3059772"/>
-            <a:ext cx="1555282" cy="1559758"/>
+            <a:ext cx="1206368" cy="1209840"/>
           </a:xfrm>
           <a:prstGeom prst="ellipse">
             <a:avLst/>
@@ -27919,6 +27829,7 @@
         <p:nvCxnSpPr>
           <p:cNvPr id="8" name="直接连接符 7"/>
           <p:cNvCxnSpPr>
+            <a:cxnSpLocks/>
             <a:stCxn id="6" idx="4"/>
             <a:endCxn id="20" idx="0"/>
           </p:cNvCxnSpPr>
@@ -27926,8 +27837,8 @@
         </p:nvCxnSpPr>
         <p:spPr>
           <a:xfrm>
-            <a:off x="5398898" y="4619530"/>
-            <a:ext cx="516201" cy="458773"/>
+            <a:off x="5224441" y="4269612"/>
+            <a:ext cx="563401" cy="955767"/>
           </a:xfrm>
           <a:prstGeom prst="line">
             <a:avLst/>
@@ -27956,8 +27867,8 @@
         </p:nvSpPr>
         <p:spPr>
           <a:xfrm>
-            <a:off x="6588947" y="5088183"/>
-            <a:ext cx="1578752" cy="1476249"/>
+            <a:off x="6726322" y="5287887"/>
+            <a:ext cx="1299673" cy="1215290"/>
           </a:xfrm>
           <a:prstGeom prst="ellipse">
             <a:avLst/>
@@ -27992,15 +27903,16 @@
         <p:nvCxnSpPr>
           <p:cNvPr id="44" name="直接连接符 43"/>
           <p:cNvCxnSpPr>
+            <a:cxnSpLocks/>
             <a:stCxn id="43" idx="7"/>
-            <a:endCxn id="37" idx="1"/>
+            <a:endCxn id="26" idx="1"/>
           </p:cNvCxnSpPr>
           <p:nvPr/>
         </p:nvCxnSpPr>
         <p:spPr>
           <a:xfrm flipV="1">
-            <a:off x="7936496" y="5222316"/>
-            <a:ext cx="502748" cy="82059"/>
+            <a:off x="7835662" y="5078303"/>
+            <a:ext cx="1187001" cy="387559"/>
           </a:xfrm>
           <a:prstGeom prst="line">
             <a:avLst/>
@@ -28029,8 +27941,8 @@
         </p:nvSpPr>
         <p:spPr>
           <a:xfrm>
-            <a:off x="8567732" y="3039000"/>
-            <a:ext cx="1545189" cy="1549353"/>
+            <a:off x="8736445" y="3108557"/>
+            <a:ext cx="1296972" cy="1300467"/>
           </a:xfrm>
           <a:prstGeom prst="ellipse">
             <a:avLst/>
@@ -28069,8 +27981,8 @@
         </p:nvSpPr>
         <p:spPr>
           <a:xfrm>
-            <a:off x="6570958" y="1155028"/>
-            <a:ext cx="1369168" cy="1394385"/>
+            <a:off x="6561345" y="1073444"/>
+            <a:ext cx="1245957" cy="1268905"/>
           </a:xfrm>
           <a:prstGeom prst="ellipse">
             <a:avLst/>
@@ -28105,15 +28017,16 @@
         <p:nvCxnSpPr>
           <p:cNvPr id="52" name="直接连接符 51"/>
           <p:cNvCxnSpPr>
-            <a:stCxn id="23" idx="3"/>
+            <a:cxnSpLocks/>
+            <a:stCxn id="25" idx="3"/>
             <a:endCxn id="49" idx="3"/>
           </p:cNvCxnSpPr>
           <p:nvPr/>
         </p:nvCxnSpPr>
         <p:spPr>
           <a:xfrm flipV="1">
-            <a:off x="5737748" y="2345210"/>
-            <a:ext cx="1033720" cy="400720"/>
+            <a:off x="5820141" y="2156522"/>
+            <a:ext cx="923670" cy="145214"/>
           </a:xfrm>
           <a:prstGeom prst="line">
             <a:avLst/>
@@ -28138,15 +28051,16 @@
         <p:nvCxnSpPr>
           <p:cNvPr id="58" name="直接连接符 57"/>
           <p:cNvCxnSpPr>
+            <a:cxnSpLocks/>
             <a:stCxn id="47" idx="1"/>
-            <a:endCxn id="24" idx="2"/>
+            <a:endCxn id="27" idx="2"/>
           </p:cNvCxnSpPr>
           <p:nvPr/>
         </p:nvCxnSpPr>
         <p:spPr>
           <a:xfrm flipH="1" flipV="1">
-            <a:off x="8343623" y="2738502"/>
-            <a:ext cx="450397" cy="527395"/>
+            <a:off x="8816978" y="2720904"/>
+            <a:ext cx="109404" cy="578102"/>
           </a:xfrm>
           <a:prstGeom prst="line">
             <a:avLst/>
@@ -28161,6 +28075,48 @@
           </a:fillRef>
           <a:effectRef idx="0">
             <a:schemeClr val="accent1"/>
+          </a:effectRef>
+          <a:fontRef idx="minor">
+            <a:schemeClr val="tx1"/>
+          </a:fontRef>
+        </p:style>
+      </p:cxnSp>
+      <p:cxnSp>
+        <p:nvCxnSpPr>
+          <p:cNvPr id="18" name="直接连接符 17">
+            <a:extLst>
+              <a:ext uri="{FF2B5EF4-FFF2-40B4-BE49-F238E27FC236}">
+                <a16:creationId xmlns:a16="http://schemas.microsoft.com/office/drawing/2014/main" id="{AECD9788-7988-9557-D40A-8FFE6998023D}"/>
+              </a:ext>
+            </a:extLst>
+          </p:cNvPr>
+          <p:cNvCxnSpPr>
+            <a:endCxn id="28" idx="0"/>
+          </p:cNvCxnSpPr>
+          <p:nvPr/>
+        </p:nvCxnSpPr>
+        <p:spPr>
+          <a:xfrm>
+            <a:off x="7816915" y="3380023"/>
+            <a:ext cx="119581" cy="718980"/>
+          </a:xfrm>
+          <a:prstGeom prst="line">
+            <a:avLst/>
+          </a:prstGeom>
+          <a:ln>
+            <a:headEnd type="arrow" w="med" len="med"/>
+            <a:tailEnd type="arrow" w="med" len="med"/>
+          </a:ln>
+        </p:spPr>
+        <p:style>
+          <a:lnRef idx="3">
+            <a:schemeClr val="accent6"/>
+          </a:lnRef>
+          <a:fillRef idx="0">
+            <a:schemeClr val="accent6"/>
+          </a:fillRef>
+          <a:effectRef idx="2">
+            <a:schemeClr val="accent6"/>
           </a:effectRef>
           <a:fontRef idx="minor">
             <a:schemeClr val="tx1"/>
@@ -28202,7 +28158,7 @@
           <p:cNvPr id="2" name="标题 1">
             <a:extLst>
               <a:ext uri="{FF2B5EF4-FFF2-40B4-BE49-F238E27FC236}">
-                <a16:creationId xmlns:a16="http://schemas.microsoft.com/office/drawing/2014/main" xmlns="" id="{80796E82-7314-2FBE-2DE8-DDD70D4DF27E}"/>
+                <a16:creationId xmlns:a16="http://schemas.microsoft.com/office/drawing/2014/main" id="{80796E82-7314-2FBE-2DE8-DDD70D4DF27E}"/>
               </a:ext>
             </a:extLst>
           </p:cNvPr>
@@ -28226,55 +28182,55 @@
           <a:lstStyle/>
           <a:p>
             <a:r>
-              <a:rPr lang="ja-JP" altLang="en-US" sz="2800" dirty="0" smtClean="0">
+              <a:rPr lang="ja-JP" altLang="en-US" sz="2800" dirty="0">
                 <a:latin typeface="黑体" panose="02010609060101010101" pitchFamily="49" charset="-122"/>
                 <a:ea typeface="黑体" panose="02010609060101010101" pitchFamily="49" charset="-122"/>
               </a:rPr>
               <a:t>マッチ売りの少女　劇場</a:t>
             </a:r>
-            <a:r>
-              <a:rPr lang="en-US" altLang="ja-JP" sz="2800" dirty="0" smtClean="0">
-                <a:latin typeface="黑体" panose="02010609060101010101" pitchFamily="49" charset="-122"/>
-                <a:ea typeface="黑体" panose="02010609060101010101" pitchFamily="49" charset="-122"/>
-              </a:rPr>
-              <a:t/>
-            </a:r>
             <a:br>
-              <a:rPr lang="en-US" altLang="ja-JP" sz="2800" dirty="0" smtClean="0">
+              <a:rPr lang="en-US" altLang="ja-JP" sz="2800" dirty="0">
                 <a:latin typeface="黑体" panose="02010609060101010101" pitchFamily="49" charset="-122"/>
                 <a:ea typeface="黑体" panose="02010609060101010101" pitchFamily="49" charset="-122"/>
               </a:rPr>
             </a:br>
             <a:r>
-              <a:rPr lang="zh-CN" altLang="en-US" sz="2800" dirty="0" smtClean="0">
+              <a:rPr lang="en-US" altLang="ja-JP" sz="2800" dirty="0">
                 <a:latin typeface="黑体" panose="02010609060101010101" pitchFamily="49" charset="-122"/>
                 <a:ea typeface="黑体" panose="02010609060101010101" pitchFamily="49" charset="-122"/>
               </a:rPr>
-              <a:t>火柴</a:t>
+              <a:t>	</a:t>
             </a:r>
             <a:r>
-              <a:rPr lang="en-US" altLang="zh-CN" sz="2800" dirty="0" smtClean="0">
+              <a:rPr lang="ja-JP" altLang="en-US" sz="2800" dirty="0">
+                <a:latin typeface="黑体" panose="02010609060101010101" pitchFamily="49" charset="-122"/>
+                <a:ea typeface="黑体" panose="02010609060101010101" pitchFamily="49" charset="-122"/>
+              </a:rPr>
+              <a:t>マッチ</a:t>
+            </a:r>
+            <a:r>
+              <a:rPr lang="en-US" altLang="ja-JP" sz="2800" dirty="0">
                 <a:latin typeface="黑体" panose="02010609060101010101" pitchFamily="49" charset="-122"/>
                 <a:ea typeface="黑体" panose="02010609060101010101" pitchFamily="49" charset="-122"/>
               </a:rPr>
               <a:t>3</a:t>
             </a:r>
             <a:r>
-              <a:rPr lang="zh-CN" altLang="en-US" sz="2800" dirty="0" smtClean="0">
+              <a:rPr lang="ja-JP" altLang="en-US" sz="2800" dirty="0">
+                <a:latin typeface="黑体" panose="02010609060101010101" pitchFamily="49" charset="-122"/>
+                <a:ea typeface="黑体" panose="02010609060101010101" pitchFamily="49" charset="-122"/>
+              </a:rPr>
+              <a:t>の複合ギミック</a:t>
+            </a:r>
+            <a:r>
+              <a:rPr lang="zh-CN" altLang="en-US" sz="2800" dirty="0">
                 <a:latin typeface="黑体" panose="02010609060101010101" pitchFamily="49" charset="-122"/>
                 <a:ea typeface="黑体" panose="02010609060101010101" pitchFamily="49" charset="-122"/>
               </a:rPr>
               <a:t>：</a:t>
             </a:r>
-            <a:r>
-              <a:rPr lang="en-US" altLang="zh-CN" sz="2800" dirty="0" smtClean="0">
-                <a:latin typeface="黑体" panose="02010609060101010101" pitchFamily="49" charset="-122"/>
-                <a:ea typeface="黑体" panose="02010609060101010101" pitchFamily="49" charset="-122"/>
-              </a:rPr>
-              <a:t/>
-            </a:r>
             <a:br>
-              <a:rPr lang="en-US" altLang="zh-CN" sz="2800" dirty="0" smtClean="0">
+              <a:rPr lang="en-US" altLang="zh-CN" sz="2800" dirty="0">
                 <a:latin typeface="黑体" panose="02010609060101010101" pitchFamily="49" charset="-122"/>
                 <a:ea typeface="黑体" panose="02010609060101010101" pitchFamily="49" charset="-122"/>
               </a:rPr>
@@ -28291,7 +28247,7 @@
           <p:cNvPr id="94" name="椭圆 93">
             <a:extLst>
               <a:ext uri="{FF2B5EF4-FFF2-40B4-BE49-F238E27FC236}">
-                <a16:creationId xmlns:a16="http://schemas.microsoft.com/office/drawing/2014/main" xmlns="" id="{8BEE0963-F39F-E799-5A6C-7DB2D9695EA3}"/>
+                <a16:creationId xmlns:a16="http://schemas.microsoft.com/office/drawing/2014/main" id="{8BEE0963-F39F-E799-5A6C-7DB2D9695EA3}"/>
               </a:ext>
             </a:extLst>
           </p:cNvPr>
@@ -28358,7 +28314,7 @@
         </p:blipFill>
         <p:spPr>
           <a:xfrm>
-            <a:off x="9360377" y="2620851"/>
+            <a:off x="7221825" y="5776506"/>
             <a:ext cx="419168" cy="419169"/>
           </a:xfrm>
           <a:prstGeom prst="rect">
@@ -28386,7 +28342,7 @@
         </p:blipFill>
         <p:spPr>
           <a:xfrm>
-            <a:off x="9052456" y="4592572"/>
+            <a:off x="7784438" y="3036553"/>
             <a:ext cx="419168" cy="419169"/>
           </a:xfrm>
           <a:prstGeom prst="rect">
@@ -28414,7 +28370,7 @@
         </p:blipFill>
         <p:spPr>
           <a:xfrm>
-            <a:off x="4982358" y="4382988"/>
+            <a:off x="6583250" y="3129380"/>
             <a:ext cx="419168" cy="419169"/>
           </a:xfrm>
           <a:prstGeom prst="rect">
@@ -28442,7 +28398,7 @@
         </p:blipFill>
         <p:spPr>
           <a:xfrm>
-            <a:off x="7052704" y="5184508"/>
+            <a:off x="4770571" y="3479489"/>
             <a:ext cx="419168" cy="419169"/>
           </a:xfrm>
           <a:prstGeom prst="rect">
@@ -28470,7 +28426,7 @@
         </p:blipFill>
         <p:spPr>
           <a:xfrm>
-            <a:off x="5555893" y="3533765"/>
+            <a:off x="9403805" y="3481107"/>
             <a:ext cx="419168" cy="419169"/>
           </a:xfrm>
           <a:prstGeom prst="rect">
@@ -28498,7 +28454,7 @@
         </p:blipFill>
         <p:spPr>
           <a:xfrm>
-            <a:off x="7125639" y="2137113"/>
+            <a:off x="7095821" y="1110890"/>
             <a:ext cx="419168" cy="419169"/>
           </a:xfrm>
           <a:prstGeom prst="rect">
@@ -28526,7 +28482,7 @@
         </p:blipFill>
         <p:spPr>
           <a:xfrm>
-            <a:off x="7095822" y="3589574"/>
+            <a:off x="7920346" y="4140952"/>
             <a:ext cx="419168" cy="419169"/>
           </a:xfrm>
           <a:prstGeom prst="rect">
@@ -28554,7 +28510,7 @@
         </p:blipFill>
         <p:spPr>
           <a:xfrm>
-            <a:off x="5384732" y="2248700"/>
+            <a:off x="6463192" y="4135238"/>
             <a:ext cx="419168" cy="419169"/>
           </a:xfrm>
           <a:prstGeom prst="rect">
@@ -28571,7 +28527,7 @@
           <p:cNvPr id="42" name="文本框 41">
             <a:extLst>
               <a:ext uri="{FF2B5EF4-FFF2-40B4-BE49-F238E27FC236}">
-                <a16:creationId xmlns:a16="http://schemas.microsoft.com/office/drawing/2014/main" xmlns="" id="{3E8E8225-E7B4-E598-7AEB-66BC2EF7864E}"/>
+                <a16:creationId xmlns:a16="http://schemas.microsoft.com/office/drawing/2014/main" id="{3E8E8225-E7B4-E598-7AEB-66BC2EF7864E}"/>
               </a:ext>
             </a:extLst>
           </p:cNvPr>
@@ -28580,8 +28536,8 @@
         </p:nvSpPr>
         <p:spPr>
           <a:xfrm>
-            <a:off x="612559" y="1671863"/>
-            <a:ext cx="3335990" cy="923330"/>
+            <a:off x="612558" y="1671863"/>
+            <a:ext cx="3527943" cy="1477328"/>
           </a:xfrm>
           <a:prstGeom prst="rect">
             <a:avLst/>
@@ -28595,28 +28551,63 @@
           <a:lstStyle/>
           <a:p>
             <a:r>
-              <a:rPr lang="en-US" altLang="zh-CN" dirty="0" smtClean="0">
+              <a:rPr lang="ja-JP" altLang="en-US" dirty="0">
                 <a:solidFill>
                   <a:prstClr val="black"/>
                 </a:solidFill>
               </a:rPr>
-              <a:t>Mega flare</a:t>
+              <a:t>メガフレア</a:t>
             </a:r>
-          </a:p>
-          <a:p>
-            <a:endParaRPr lang="en-US" altLang="zh-CN" dirty="0" smtClean="0">
-              <a:solidFill>
-                <a:prstClr val="black"/>
-              </a:solidFill>
-            </a:endParaRPr>
-          </a:p>
-          <a:p>
             <a:endParaRPr lang="en-US" altLang="ja-JP" dirty="0">
               <a:solidFill>
                 <a:prstClr val="black"/>
               </a:solidFill>
             </a:endParaRPr>
           </a:p>
+          <a:p>
+            <a:endParaRPr lang="en-US" altLang="zh-CN" dirty="0">
+              <a:solidFill>
+                <a:prstClr val="black"/>
+              </a:solidFill>
+            </a:endParaRPr>
+          </a:p>
+          <a:p>
+            <a:r>
+              <a:rPr lang="ja-JP" altLang="en-US" dirty="0">
+                <a:solidFill>
+                  <a:prstClr val="black"/>
+                </a:solidFill>
+              </a:rPr>
+              <a:t>見える範囲予兆：外周の赤い円</a:t>
+            </a:r>
+            <a:endParaRPr lang="en-US" altLang="ja-JP" dirty="0">
+              <a:solidFill>
+                <a:prstClr val="black"/>
+              </a:solidFill>
+            </a:endParaRPr>
+          </a:p>
+          <a:p>
+            <a:endParaRPr lang="en-US" altLang="ja-JP" dirty="0">
+              <a:solidFill>
+                <a:prstClr val="black"/>
+              </a:solidFill>
+            </a:endParaRPr>
+          </a:p>
+          <a:p>
+            <a:r>
+              <a:rPr lang="ja-JP" altLang="en-US" dirty="0">
+                <a:solidFill>
+                  <a:prstClr val="black"/>
+                </a:solidFill>
+              </a:rPr>
+              <a:t>塔：中心四つの赤い円</a:t>
+            </a:r>
+            <a:endParaRPr lang="en-US" altLang="ja-JP" dirty="0">
+              <a:solidFill>
+                <a:prstClr val="black"/>
+              </a:solidFill>
+            </a:endParaRPr>
+          </a:p>
         </p:txBody>
       </p:sp>
       <p:sp>
@@ -28627,8 +28618,8 @@
         </p:nvSpPr>
         <p:spPr>
           <a:xfrm>
-            <a:off x="5494581" y="4716910"/>
-            <a:ext cx="827935" cy="827935"/>
+            <a:off x="5407725" y="5039140"/>
+            <a:ext cx="683093" cy="683093"/>
           </a:xfrm>
           <a:prstGeom prst="ellipse">
             <a:avLst/>
@@ -28667,15 +28658,16 @@
         <p:nvCxnSpPr>
           <p:cNvPr id="8" name="直接连接符 7"/>
           <p:cNvCxnSpPr>
-            <a:stCxn id="6" idx="6"/>
-            <a:endCxn id="20" idx="0"/>
+            <a:cxnSpLocks/>
+            <a:stCxn id="6" idx="5"/>
+            <a:endCxn id="20" idx="1"/>
           </p:cNvCxnSpPr>
           <p:nvPr/>
         </p:nvCxnSpPr>
         <p:spPr>
-          <a:xfrm flipV="1">
-            <a:off x="6322516" y="2620851"/>
-            <a:ext cx="3247445" cy="2510027"/>
+          <a:xfrm>
+            <a:off x="5990781" y="5622196"/>
+            <a:ext cx="1231044" cy="363895"/>
           </a:xfrm>
           <a:prstGeom prst="line">
             <a:avLst/>
@@ -28704,8 +28696,8 @@
         </p:nvSpPr>
         <p:spPr>
           <a:xfrm>
-            <a:off x="8278890" y="4974088"/>
-            <a:ext cx="827935" cy="827935"/>
+            <a:off x="5109042" y="1728347"/>
+            <a:ext cx="619767" cy="619767"/>
           </a:xfrm>
           <a:prstGeom prst="ellipse">
             <a:avLst/>
@@ -28744,15 +28736,16 @@
         <p:nvCxnSpPr>
           <p:cNvPr id="44" name="直接连接符 43"/>
           <p:cNvCxnSpPr>
-            <a:stCxn id="43" idx="1"/>
-            <a:endCxn id="37" idx="1"/>
+            <a:cxnSpLocks/>
+            <a:stCxn id="43" idx="3"/>
+            <a:endCxn id="25" idx="0"/>
           </p:cNvCxnSpPr>
           <p:nvPr/>
         </p:nvCxnSpPr>
         <p:spPr>
-          <a:xfrm flipH="1" flipV="1">
-            <a:off x="5384732" y="2458285"/>
-            <a:ext cx="3015406" cy="2637051"/>
+          <a:xfrm flipH="1">
+            <a:off x="4980155" y="2257351"/>
+            <a:ext cx="219650" cy="1222138"/>
           </a:xfrm>
           <a:prstGeom prst="line">
             <a:avLst/>
@@ -28781,8 +28774,8 @@
         </p:nvSpPr>
         <p:spPr>
           <a:xfrm>
-            <a:off x="8440559" y="2003952"/>
-            <a:ext cx="827935" cy="827935"/>
+            <a:off x="8985395" y="4715206"/>
+            <a:ext cx="683094" cy="683094"/>
           </a:xfrm>
           <a:prstGeom prst="ellipse">
             <a:avLst/>
@@ -28825,8 +28818,8 @@
         </p:nvSpPr>
         <p:spPr>
           <a:xfrm>
-            <a:off x="5876563" y="2157485"/>
-            <a:ext cx="827935" cy="827935"/>
+            <a:off x="8725650" y="1706534"/>
+            <a:ext cx="619768" cy="619768"/>
           </a:xfrm>
           <a:prstGeom prst="ellipse">
             <a:avLst/>
@@ -28853,7 +28846,7 @@
           <a:lstStyle/>
           <a:p>
             <a:pPr algn="ctr"/>
-            <a:endParaRPr lang="zh-CN" altLang="en-US">
+            <a:endParaRPr lang="zh-CN" altLang="en-US" dirty="0">
               <a:solidFill>
                 <a:prstClr val="white"/>
               </a:solidFill>
@@ -28865,15 +28858,15 @@
         <p:nvCxnSpPr>
           <p:cNvPr id="52" name="直接连接符 51"/>
           <p:cNvCxnSpPr>
-            <a:stCxn id="23" idx="3"/>
-            <a:endCxn id="49" idx="5"/>
+            <a:cxnSpLocks/>
+            <a:endCxn id="49" idx="2"/>
           </p:cNvCxnSpPr>
           <p:nvPr/>
         </p:nvCxnSpPr>
         <p:spPr>
-          <a:xfrm flipH="1" flipV="1">
-            <a:off x="6583250" y="2864172"/>
-            <a:ext cx="2888374" cy="1937985"/>
+          <a:xfrm>
+            <a:off x="7514989" y="1356321"/>
+            <a:ext cx="1210661" cy="660097"/>
           </a:xfrm>
           <a:prstGeom prst="line">
             <a:avLst/>
@@ -28898,15 +28891,16 @@
         <p:nvCxnSpPr>
           <p:cNvPr id="58" name="直接连接符 57"/>
           <p:cNvCxnSpPr>
-            <a:stCxn id="47" idx="3"/>
-            <a:endCxn id="24" idx="3"/>
+            <a:cxnSpLocks/>
+            <a:stCxn id="47" idx="0"/>
+            <a:endCxn id="26" idx="2"/>
           </p:cNvCxnSpPr>
           <p:nvPr/>
         </p:nvCxnSpPr>
         <p:spPr>
-          <a:xfrm flipH="1">
-            <a:off x="5401526" y="2710639"/>
-            <a:ext cx="3160281" cy="1881934"/>
+          <a:xfrm flipV="1">
+            <a:off x="9326942" y="3900276"/>
+            <a:ext cx="286447" cy="814930"/>
           </a:xfrm>
           <a:prstGeom prst="line">
             <a:avLst/>
@@ -28974,8 +28968,8 @@
         </p:nvSpPr>
         <p:spPr>
           <a:xfrm>
-            <a:off x="3798803" y="2646142"/>
-            <a:ext cx="1684427" cy="1737771"/>
+            <a:off x="4051420" y="2746420"/>
+            <a:ext cx="1825143" cy="1875997"/>
           </a:xfrm>
           <a:prstGeom prst="ellipse">
             <a:avLst/>
@@ -29013,8 +29007,8 @@
         </p:nvSpPr>
         <p:spPr>
           <a:xfrm>
-            <a:off x="6415571" y="5286822"/>
-            <a:ext cx="1684427" cy="1737771"/>
+            <a:off x="6457429" y="5039140"/>
+            <a:ext cx="1825142" cy="1875997"/>
           </a:xfrm>
           <a:prstGeom prst="ellipse">
             <a:avLst/>
@@ -29052,8 +29046,8 @@
         </p:nvSpPr>
         <p:spPr>
           <a:xfrm>
-            <a:off x="6770158" y="1812925"/>
-            <a:ext cx="1120799" cy="1120799"/>
+            <a:off x="6099280" y="2695120"/>
+            <a:ext cx="939588" cy="941210"/>
           </a:xfrm>
           <a:prstGeom prst="ellipse">
             <a:avLst/>
@@ -29091,8 +29085,8 @@
         </p:nvSpPr>
         <p:spPr>
           <a:xfrm>
-            <a:off x="5212120" y="3146602"/>
-            <a:ext cx="1120799" cy="1120799"/>
+            <a:off x="7679762" y="2675097"/>
+            <a:ext cx="941211" cy="941211"/>
           </a:xfrm>
           <a:prstGeom prst="ellipse">
             <a:avLst/>
@@ -29130,8 +29124,8 @@
         </p:nvSpPr>
         <p:spPr>
           <a:xfrm>
-            <a:off x="6690391" y="4813799"/>
-            <a:ext cx="1120799" cy="1120799"/>
+            <a:off x="6083065" y="4056401"/>
+            <a:ext cx="939588" cy="939588"/>
           </a:xfrm>
           <a:prstGeom prst="ellipse">
             <a:avLst/>
@@ -29158,6 +29152,96 @@
           <a:lstStyle/>
           <a:p>
             <a:endParaRPr sz="2400" dirty="0"/>
+          </a:p>
+        </p:txBody>
+      </p:sp>
+      <p:sp>
+        <p:nvSpPr>
+          <p:cNvPr id="5" name="Google Shape;95;p14">
+            <a:extLst>
+              <a:ext uri="{FF2B5EF4-FFF2-40B4-BE49-F238E27FC236}">
+                <a16:creationId xmlns:a16="http://schemas.microsoft.com/office/drawing/2014/main" id="{05BD2C71-8D80-B515-90CB-55B2D39BE6F5}"/>
+              </a:ext>
+            </a:extLst>
+          </p:cNvPr>
+          <p:cNvSpPr/>
+          <p:nvPr/>
+        </p:nvSpPr>
+        <p:spPr>
+          <a:xfrm>
+            <a:off x="7704192" y="4019092"/>
+            <a:ext cx="941211" cy="941211"/>
+          </a:xfrm>
+          <a:prstGeom prst="ellipse">
+            <a:avLst/>
+          </a:prstGeom>
+          <a:solidFill>
+            <a:srgbClr val="E06666">
+              <a:alpha val="48770"/>
+            </a:srgbClr>
+          </a:solidFill>
+          <a:ln w="9525" cap="flat" cmpd="sng">
+            <a:solidFill>
+              <a:srgbClr val="FF0000"/>
+            </a:solidFill>
+            <a:prstDash val="solid"/>
+            <a:round/>
+            <a:headEnd type="none" w="sm" len="sm"/>
+            <a:tailEnd type="none" w="sm" len="sm"/>
+          </a:ln>
+        </p:spPr>
+        <p:txBody>
+          <a:bodyPr spcFirstLastPara="1" wrap="square" lIns="121900" tIns="121900" rIns="121900" bIns="121900" anchor="ctr" anchorCtr="0">
+            <a:noAutofit/>
+          </a:bodyPr>
+          <a:lstStyle/>
+          <a:p>
+            <a:endParaRPr sz="2400" dirty="0"/>
+          </a:p>
+        </p:txBody>
+      </p:sp>
+      <p:sp>
+        <p:nvSpPr>
+          <p:cNvPr id="38" name="Google Shape;83;p14">
+            <a:extLst>
+              <a:ext uri="{FF2B5EF4-FFF2-40B4-BE49-F238E27FC236}">
+                <a16:creationId xmlns:a16="http://schemas.microsoft.com/office/drawing/2014/main" id="{8977C8FE-ED3C-6DD1-B46E-16060E4729B9}"/>
+              </a:ext>
+            </a:extLst>
+          </p:cNvPr>
+          <p:cNvSpPr/>
+          <p:nvPr/>
+        </p:nvSpPr>
+        <p:spPr>
+          <a:xfrm>
+            <a:off x="8725649" y="2746420"/>
+            <a:ext cx="1832070" cy="1779775"/>
+          </a:xfrm>
+          <a:prstGeom prst="ellipse">
+            <a:avLst/>
+          </a:prstGeom>
+          <a:solidFill>
+            <a:srgbClr val="FF3300">
+              <a:alpha val="47780"/>
+            </a:srgbClr>
+          </a:solidFill>
+          <a:ln w="9525" cap="flat" cmpd="sng">
+            <a:solidFill>
+              <a:srgbClr val="FF9900"/>
+            </a:solidFill>
+            <a:prstDash val="solid"/>
+            <a:round/>
+            <a:headEnd type="none" w="sm" len="sm"/>
+            <a:tailEnd type="none" w="sm" len="sm"/>
+          </a:ln>
+        </p:spPr>
+        <p:txBody>
+          <a:bodyPr spcFirstLastPara="1" wrap="square" lIns="121900" tIns="121900" rIns="121900" bIns="121900" anchor="ctr" anchorCtr="0">
+            <a:noAutofit/>
+          </a:bodyPr>
+          <a:lstStyle/>
+          <a:p>
+            <a:endParaRPr sz="2400"/>
           </a:p>
         </p:txBody>
       </p:sp>
@@ -29196,7 +29280,7 @@
           <p:cNvPr id="4" name="Google Shape;74;p14">
             <a:extLst>
               <a:ext uri="{FF2B5EF4-FFF2-40B4-BE49-F238E27FC236}">
-                <a16:creationId xmlns:a16="http://schemas.microsoft.com/office/drawing/2014/main" xmlns="" id="{F52A6963-84A4-0036-01C0-8A6443B594E4}"/>
+                <a16:creationId xmlns:a16="http://schemas.microsoft.com/office/drawing/2014/main" id="{F52A6963-84A4-0036-01C0-8A6443B594E4}"/>
               </a:ext>
             </a:extLst>
           </p:cNvPr>
@@ -29230,7 +29314,7 @@
           <p:cNvPr id="5" name="Google Shape;75;p14">
             <a:extLst>
               <a:ext uri="{FF2B5EF4-FFF2-40B4-BE49-F238E27FC236}">
-                <a16:creationId xmlns:a16="http://schemas.microsoft.com/office/drawing/2014/main" xmlns="" id="{404581EA-6F71-715C-CE7C-99A122F3F6E4}"/>
+                <a16:creationId xmlns:a16="http://schemas.microsoft.com/office/drawing/2014/main" id="{404581EA-6F71-715C-CE7C-99A122F3F6E4}"/>
               </a:ext>
             </a:extLst>
           </p:cNvPr>
@@ -29264,7 +29348,7 @@
           <p:cNvPr id="6" name="Google Shape;76;p14">
             <a:extLst>
               <a:ext uri="{FF2B5EF4-FFF2-40B4-BE49-F238E27FC236}">
-                <a16:creationId xmlns:a16="http://schemas.microsoft.com/office/drawing/2014/main" xmlns="" id="{A527F9F4-7B4A-2EA7-612E-AAA3DD8F9F91}"/>
+                <a16:creationId xmlns:a16="http://schemas.microsoft.com/office/drawing/2014/main" id="{A527F9F4-7B4A-2EA7-612E-AAA3DD8F9F91}"/>
               </a:ext>
             </a:extLst>
           </p:cNvPr>
@@ -29298,7 +29382,7 @@
           <p:cNvPr id="7" name="Google Shape;77;p14">
             <a:extLst>
               <a:ext uri="{FF2B5EF4-FFF2-40B4-BE49-F238E27FC236}">
-                <a16:creationId xmlns:a16="http://schemas.microsoft.com/office/drawing/2014/main" xmlns="" id="{FCDA0BCF-7B73-F1F2-4535-2A7D8DF8F9A5}"/>
+                <a16:creationId xmlns:a16="http://schemas.microsoft.com/office/drawing/2014/main" id="{FCDA0BCF-7B73-F1F2-4535-2A7D8DF8F9A5}"/>
               </a:ext>
             </a:extLst>
           </p:cNvPr>
@@ -29332,7 +29416,7 @@
           <p:cNvPr id="8" name="Google Shape;78;p14">
             <a:extLst>
               <a:ext uri="{FF2B5EF4-FFF2-40B4-BE49-F238E27FC236}">
-                <a16:creationId xmlns:a16="http://schemas.microsoft.com/office/drawing/2014/main" xmlns="" id="{0C8F405C-8C7A-9464-2835-C0C6BCE26B6A}"/>
+                <a16:creationId xmlns:a16="http://schemas.microsoft.com/office/drawing/2014/main" id="{0C8F405C-8C7A-9464-2835-C0C6BCE26B6A}"/>
               </a:ext>
             </a:extLst>
           </p:cNvPr>
@@ -29366,7 +29450,7 @@
           <p:cNvPr id="9" name="Google Shape;79;p14">
             <a:extLst>
               <a:ext uri="{FF2B5EF4-FFF2-40B4-BE49-F238E27FC236}">
-                <a16:creationId xmlns:a16="http://schemas.microsoft.com/office/drawing/2014/main" xmlns="" id="{E9EC9C58-B423-E735-B962-72835BD4EE86}"/>
+                <a16:creationId xmlns:a16="http://schemas.microsoft.com/office/drawing/2014/main" id="{E9EC9C58-B423-E735-B962-72835BD4EE86}"/>
               </a:ext>
             </a:extLst>
           </p:cNvPr>
@@ -29400,7 +29484,7 @@
           <p:cNvPr id="10" name="Google Shape;80;p14">
             <a:extLst>
               <a:ext uri="{FF2B5EF4-FFF2-40B4-BE49-F238E27FC236}">
-                <a16:creationId xmlns:a16="http://schemas.microsoft.com/office/drawing/2014/main" xmlns="" id="{BA0DDD85-240E-A853-DC83-F6457C5291E8}"/>
+                <a16:creationId xmlns:a16="http://schemas.microsoft.com/office/drawing/2014/main" id="{BA0DDD85-240E-A853-DC83-F6457C5291E8}"/>
               </a:ext>
             </a:extLst>
           </p:cNvPr>
@@ -29434,7 +29518,7 @@
           <p:cNvPr id="11" name="Google Shape;81;p14">
             <a:extLst>
               <a:ext uri="{FF2B5EF4-FFF2-40B4-BE49-F238E27FC236}">
-                <a16:creationId xmlns:a16="http://schemas.microsoft.com/office/drawing/2014/main" xmlns="" id="{78D0E7F2-A606-3D98-4CE9-4D32A4C0E2C6}"/>
+                <a16:creationId xmlns:a16="http://schemas.microsoft.com/office/drawing/2014/main" id="{78D0E7F2-A606-3D98-4CE9-4D32A4C0E2C6}"/>
               </a:ext>
             </a:extLst>
           </p:cNvPr>
@@ -29468,7 +29552,7 @@
           <p:cNvPr id="12" name="箭头: 五边形 11">
             <a:extLst>
               <a:ext uri="{FF2B5EF4-FFF2-40B4-BE49-F238E27FC236}">
-                <a16:creationId xmlns:a16="http://schemas.microsoft.com/office/drawing/2014/main" xmlns="" id="{E13F04AF-CA49-218E-5AA1-C8D4A89BCA7A}"/>
+                <a16:creationId xmlns:a16="http://schemas.microsoft.com/office/drawing/2014/main" id="{E13F04AF-CA49-218E-5AA1-C8D4A89BCA7A}"/>
               </a:ext>
             </a:extLst>
           </p:cNvPr>
@@ -29515,7 +29599,7 @@
           <p:cNvPr id="13" name="箭头: 五边形 12">
             <a:extLst>
               <a:ext uri="{FF2B5EF4-FFF2-40B4-BE49-F238E27FC236}">
-                <a16:creationId xmlns:a16="http://schemas.microsoft.com/office/drawing/2014/main" xmlns="" id="{05DEB904-DFEB-BAA8-7C26-B72CD611A811}"/>
+                <a16:creationId xmlns:a16="http://schemas.microsoft.com/office/drawing/2014/main" id="{05DEB904-DFEB-BAA8-7C26-B72CD611A811}"/>
               </a:ext>
             </a:extLst>
           </p:cNvPr>
@@ -29571,7 +29655,7 @@
           <p:cNvPr id="14" name="箭头: 五边形 13">
             <a:extLst>
               <a:ext uri="{FF2B5EF4-FFF2-40B4-BE49-F238E27FC236}">
-                <a16:creationId xmlns:a16="http://schemas.microsoft.com/office/drawing/2014/main" xmlns="" id="{FD3B5483-3F50-8FB0-25AC-EC051D3099FB}"/>
+                <a16:creationId xmlns:a16="http://schemas.microsoft.com/office/drawing/2014/main" id="{FD3B5483-3F50-8FB0-25AC-EC051D3099FB}"/>
               </a:ext>
             </a:extLst>
           </p:cNvPr>
@@ -29627,7 +29711,7 @@
           <p:cNvPr id="15" name="箭头: 五边形 14">
             <a:extLst>
               <a:ext uri="{FF2B5EF4-FFF2-40B4-BE49-F238E27FC236}">
-                <a16:creationId xmlns:a16="http://schemas.microsoft.com/office/drawing/2014/main" xmlns="" id="{A43EC445-08DE-C16A-E8F3-A1D64CDC87A4}"/>
+                <a16:creationId xmlns:a16="http://schemas.microsoft.com/office/drawing/2014/main" id="{A43EC445-08DE-C16A-E8F3-A1D64CDC87A4}"/>
               </a:ext>
             </a:extLst>
           </p:cNvPr>
@@ -29683,7 +29767,7 @@
           <p:cNvPr id="16" name="箭头: 五边形 15">
             <a:extLst>
               <a:ext uri="{FF2B5EF4-FFF2-40B4-BE49-F238E27FC236}">
-                <a16:creationId xmlns:a16="http://schemas.microsoft.com/office/drawing/2014/main" xmlns="" id="{B8062128-35C1-DC16-AC2E-34A3B7EFCE5D}"/>
+                <a16:creationId xmlns:a16="http://schemas.microsoft.com/office/drawing/2014/main" id="{B8062128-35C1-DC16-AC2E-34A3B7EFCE5D}"/>
               </a:ext>
             </a:extLst>
           </p:cNvPr>
@@ -29739,7 +29823,7 @@
           <p:cNvPr id="17" name="箭头: 五边形 16">
             <a:extLst>
               <a:ext uri="{FF2B5EF4-FFF2-40B4-BE49-F238E27FC236}">
-                <a16:creationId xmlns:a16="http://schemas.microsoft.com/office/drawing/2014/main" xmlns="" id="{9161E0C4-34BC-E5EF-2DA6-3E4BE128882D}"/>
+                <a16:creationId xmlns:a16="http://schemas.microsoft.com/office/drawing/2014/main" id="{9161E0C4-34BC-E5EF-2DA6-3E4BE128882D}"/>
               </a:ext>
             </a:extLst>
           </p:cNvPr>
@@ -29786,7 +29870,7 @@
           <p:cNvPr id="18" name="箭头: 五边形 17">
             <a:extLst>
               <a:ext uri="{FF2B5EF4-FFF2-40B4-BE49-F238E27FC236}">
-                <a16:creationId xmlns:a16="http://schemas.microsoft.com/office/drawing/2014/main" xmlns="" id="{B14F0095-88A1-E73B-341C-A51D4BF3BCE7}"/>
+                <a16:creationId xmlns:a16="http://schemas.microsoft.com/office/drawing/2014/main" id="{B14F0095-88A1-E73B-341C-A51D4BF3BCE7}"/>
               </a:ext>
             </a:extLst>
           </p:cNvPr>
@@ -29833,7 +29917,7 @@
           <p:cNvPr id="19" name="箭头: 五边形 18">
             <a:extLst>
               <a:ext uri="{FF2B5EF4-FFF2-40B4-BE49-F238E27FC236}">
-                <a16:creationId xmlns:a16="http://schemas.microsoft.com/office/drawing/2014/main" xmlns="" id="{E972E0E3-FC1A-AEDD-7D35-7285E0781540}"/>
+                <a16:creationId xmlns:a16="http://schemas.microsoft.com/office/drawing/2014/main" id="{E972E0E3-FC1A-AEDD-7D35-7285E0781540}"/>
               </a:ext>
             </a:extLst>
           </p:cNvPr>
@@ -29920,7 +30004,7 @@
           <p:cNvPr id="2" name="标题 1">
             <a:extLst>
               <a:ext uri="{FF2B5EF4-FFF2-40B4-BE49-F238E27FC236}">
-                <a16:creationId xmlns:a16="http://schemas.microsoft.com/office/drawing/2014/main" xmlns="" id="{2A9B6C59-89F9-5390-BB77-F8DB7EF7B310}"/>
+                <a16:creationId xmlns:a16="http://schemas.microsoft.com/office/drawing/2014/main" id="{2A9B6C59-89F9-5390-BB77-F8DB7EF7B310}"/>
               </a:ext>
             </a:extLst>
           </p:cNvPr>
@@ -29995,7 +30079,7 @@
           <p:cNvPr id="2" name="标题 1">
             <a:extLst>
               <a:ext uri="{FF2B5EF4-FFF2-40B4-BE49-F238E27FC236}">
-                <a16:creationId xmlns:a16="http://schemas.microsoft.com/office/drawing/2014/main" xmlns="" id="{80796E82-7314-2FBE-2DE8-DDD70D4DF27E}"/>
+                <a16:creationId xmlns:a16="http://schemas.microsoft.com/office/drawing/2014/main" id="{80796E82-7314-2FBE-2DE8-DDD70D4DF27E}"/>
               </a:ext>
             </a:extLst>
           </p:cNvPr>
@@ -30044,7 +30128,7 @@
           <p:cNvPr id="5" name="椭圆 4">
             <a:extLst>
               <a:ext uri="{FF2B5EF4-FFF2-40B4-BE49-F238E27FC236}">
-                <a16:creationId xmlns:a16="http://schemas.microsoft.com/office/drawing/2014/main" xmlns="" id="{A020CC41-9901-5A10-06D8-1F19650A3A6A}"/>
+                <a16:creationId xmlns:a16="http://schemas.microsoft.com/office/drawing/2014/main" id="{A020CC41-9901-5A10-06D8-1F19650A3A6A}"/>
               </a:ext>
             </a:extLst>
           </p:cNvPr>
@@ -30096,7 +30180,7 @@
           <p:cNvPr id="6" name="Google Shape;74;p14">
             <a:extLst>
               <a:ext uri="{FF2B5EF4-FFF2-40B4-BE49-F238E27FC236}">
-                <a16:creationId xmlns:a16="http://schemas.microsoft.com/office/drawing/2014/main" xmlns="" id="{8ABB2948-CF7D-7BD6-14B8-367574244CB2}"/>
+                <a16:creationId xmlns:a16="http://schemas.microsoft.com/office/drawing/2014/main" id="{8ABB2948-CF7D-7BD6-14B8-367574244CB2}"/>
               </a:ext>
             </a:extLst>
           </p:cNvPr>
@@ -30130,7 +30214,7 @@
           <p:cNvPr id="7" name="Google Shape;75;p14">
             <a:extLst>
               <a:ext uri="{FF2B5EF4-FFF2-40B4-BE49-F238E27FC236}">
-                <a16:creationId xmlns:a16="http://schemas.microsoft.com/office/drawing/2014/main" xmlns="" id="{744D1F6B-EBF7-049C-9CBC-D2BD265B8DB5}"/>
+                <a16:creationId xmlns:a16="http://schemas.microsoft.com/office/drawing/2014/main" id="{744D1F6B-EBF7-049C-9CBC-D2BD265B8DB5}"/>
               </a:ext>
             </a:extLst>
           </p:cNvPr>
@@ -30164,7 +30248,7 @@
           <p:cNvPr id="8" name="Google Shape;76;p14">
             <a:extLst>
               <a:ext uri="{FF2B5EF4-FFF2-40B4-BE49-F238E27FC236}">
-                <a16:creationId xmlns:a16="http://schemas.microsoft.com/office/drawing/2014/main" xmlns="" id="{A0604560-830C-4AC9-3717-031AA48B5D45}"/>
+                <a16:creationId xmlns:a16="http://schemas.microsoft.com/office/drawing/2014/main" id="{A0604560-830C-4AC9-3717-031AA48B5D45}"/>
               </a:ext>
             </a:extLst>
           </p:cNvPr>
@@ -30198,7 +30282,7 @@
           <p:cNvPr id="9" name="Google Shape;77;p14">
             <a:extLst>
               <a:ext uri="{FF2B5EF4-FFF2-40B4-BE49-F238E27FC236}">
-                <a16:creationId xmlns:a16="http://schemas.microsoft.com/office/drawing/2014/main" xmlns="" id="{DC03C87C-87BB-A5EB-0D50-DDB31F93A6C2}"/>
+                <a16:creationId xmlns:a16="http://schemas.microsoft.com/office/drawing/2014/main" id="{DC03C87C-87BB-A5EB-0D50-DDB31F93A6C2}"/>
               </a:ext>
             </a:extLst>
           </p:cNvPr>
@@ -30232,7 +30316,7 @@
           <p:cNvPr id="10" name="Google Shape;78;p14">
             <a:extLst>
               <a:ext uri="{FF2B5EF4-FFF2-40B4-BE49-F238E27FC236}">
-                <a16:creationId xmlns:a16="http://schemas.microsoft.com/office/drawing/2014/main" xmlns="" id="{281D3DED-9B64-E88B-FC5F-0C30B82A9484}"/>
+                <a16:creationId xmlns:a16="http://schemas.microsoft.com/office/drawing/2014/main" id="{281D3DED-9B64-E88B-FC5F-0C30B82A9484}"/>
               </a:ext>
             </a:extLst>
           </p:cNvPr>
@@ -30266,7 +30350,7 @@
           <p:cNvPr id="11" name="Google Shape;79;p14">
             <a:extLst>
               <a:ext uri="{FF2B5EF4-FFF2-40B4-BE49-F238E27FC236}">
-                <a16:creationId xmlns:a16="http://schemas.microsoft.com/office/drawing/2014/main" xmlns="" id="{0DAE55E6-D474-C395-BC84-8ACA3CE820A0}"/>
+                <a16:creationId xmlns:a16="http://schemas.microsoft.com/office/drawing/2014/main" id="{0DAE55E6-D474-C395-BC84-8ACA3CE820A0}"/>
               </a:ext>
             </a:extLst>
           </p:cNvPr>
@@ -30300,7 +30384,7 @@
           <p:cNvPr id="12" name="Google Shape;80;p14">
             <a:extLst>
               <a:ext uri="{FF2B5EF4-FFF2-40B4-BE49-F238E27FC236}">
-                <a16:creationId xmlns:a16="http://schemas.microsoft.com/office/drawing/2014/main" xmlns="" id="{3A5AAC50-9F06-A76F-B20B-35CF3612E825}"/>
+                <a16:creationId xmlns:a16="http://schemas.microsoft.com/office/drawing/2014/main" id="{3A5AAC50-9F06-A76F-B20B-35CF3612E825}"/>
               </a:ext>
             </a:extLst>
           </p:cNvPr>
@@ -30334,7 +30418,7 @@
           <p:cNvPr id="13" name="Google Shape;81;p14">
             <a:extLst>
               <a:ext uri="{FF2B5EF4-FFF2-40B4-BE49-F238E27FC236}">
-                <a16:creationId xmlns:a16="http://schemas.microsoft.com/office/drawing/2014/main" xmlns="" id="{F33B3BEC-1095-E464-2D03-703E55B0F8A0}"/>
+                <a16:creationId xmlns:a16="http://schemas.microsoft.com/office/drawing/2014/main" id="{F33B3BEC-1095-E464-2D03-703E55B0F8A0}"/>
               </a:ext>
             </a:extLst>
           </p:cNvPr>
@@ -30368,7 +30452,7 @@
           <p:cNvPr id="14" name="图片 13">
             <a:extLst>
               <a:ext uri="{FF2B5EF4-FFF2-40B4-BE49-F238E27FC236}">
-                <a16:creationId xmlns:a16="http://schemas.microsoft.com/office/drawing/2014/main" xmlns="" id="{A1247C65-E9FE-684D-C577-C3EFF757A026}"/>
+                <a16:creationId xmlns:a16="http://schemas.microsoft.com/office/drawing/2014/main" id="{A1247C65-E9FE-684D-C577-C3EFF757A026}"/>
               </a:ext>
             </a:extLst>
           </p:cNvPr>
@@ -30398,7 +30482,7 @@
           <p:cNvPr id="15" name="图片 14">
             <a:extLst>
               <a:ext uri="{FF2B5EF4-FFF2-40B4-BE49-F238E27FC236}">
-                <a16:creationId xmlns:a16="http://schemas.microsoft.com/office/drawing/2014/main" xmlns="" id="{2E9CE1E3-2135-0036-6AC6-4F023E9FB9FB}"/>
+                <a16:creationId xmlns:a16="http://schemas.microsoft.com/office/drawing/2014/main" id="{2E9CE1E3-2135-0036-6AC6-4F023E9FB9FB}"/>
               </a:ext>
             </a:extLst>
           </p:cNvPr>
@@ -30428,7 +30512,7 @@
           <p:cNvPr id="16" name="图片 15">
             <a:extLst>
               <a:ext uri="{FF2B5EF4-FFF2-40B4-BE49-F238E27FC236}">
-                <a16:creationId xmlns:a16="http://schemas.microsoft.com/office/drawing/2014/main" xmlns="" id="{E105324A-0DF5-3CC5-8FA4-5C776E05B929}"/>
+                <a16:creationId xmlns:a16="http://schemas.microsoft.com/office/drawing/2014/main" id="{E105324A-0DF5-3CC5-8FA4-5C776E05B929}"/>
               </a:ext>
             </a:extLst>
           </p:cNvPr>
@@ -30458,7 +30542,7 @@
           <p:cNvPr id="17" name="图片 16">
             <a:extLst>
               <a:ext uri="{FF2B5EF4-FFF2-40B4-BE49-F238E27FC236}">
-                <a16:creationId xmlns:a16="http://schemas.microsoft.com/office/drawing/2014/main" xmlns="" id="{9B118434-3A73-4D47-C6D6-FBDC473A6E94}"/>
+                <a16:creationId xmlns:a16="http://schemas.microsoft.com/office/drawing/2014/main" id="{9B118434-3A73-4D47-C6D6-FBDC473A6E94}"/>
               </a:ext>
             </a:extLst>
           </p:cNvPr>
@@ -30488,7 +30572,7 @@
           <p:cNvPr id="18" name="图片 17">
             <a:extLst>
               <a:ext uri="{FF2B5EF4-FFF2-40B4-BE49-F238E27FC236}">
-                <a16:creationId xmlns:a16="http://schemas.microsoft.com/office/drawing/2014/main" xmlns="" id="{B4FACCEA-FD77-524D-0769-3E9B324ECE01}"/>
+                <a16:creationId xmlns:a16="http://schemas.microsoft.com/office/drawing/2014/main" id="{B4FACCEA-FD77-524D-0769-3E9B324ECE01}"/>
               </a:ext>
             </a:extLst>
           </p:cNvPr>
@@ -30548,7 +30632,7 @@
           <p:cNvPr id="2" name="标题 1">
             <a:extLst>
               <a:ext uri="{FF2B5EF4-FFF2-40B4-BE49-F238E27FC236}">
-                <a16:creationId xmlns:a16="http://schemas.microsoft.com/office/drawing/2014/main" xmlns="" id="{80796E82-7314-2FBE-2DE8-DDD70D4DF27E}"/>
+                <a16:creationId xmlns:a16="http://schemas.microsoft.com/office/drawing/2014/main" id="{80796E82-7314-2FBE-2DE8-DDD70D4DF27E}"/>
               </a:ext>
             </a:extLst>
           </p:cNvPr>
@@ -30597,7 +30681,7 @@
           <p:cNvPr id="5" name="椭圆 4">
             <a:extLst>
               <a:ext uri="{FF2B5EF4-FFF2-40B4-BE49-F238E27FC236}">
-                <a16:creationId xmlns:a16="http://schemas.microsoft.com/office/drawing/2014/main" xmlns="" id="{A020CC41-9901-5A10-06D8-1F19650A3A6A}"/>
+                <a16:creationId xmlns:a16="http://schemas.microsoft.com/office/drawing/2014/main" id="{A020CC41-9901-5A10-06D8-1F19650A3A6A}"/>
               </a:ext>
             </a:extLst>
           </p:cNvPr>
@@ -30649,7 +30733,7 @@
           <p:cNvPr id="6" name="Google Shape;74;p14">
             <a:extLst>
               <a:ext uri="{FF2B5EF4-FFF2-40B4-BE49-F238E27FC236}">
-                <a16:creationId xmlns:a16="http://schemas.microsoft.com/office/drawing/2014/main" xmlns="" id="{8ABB2948-CF7D-7BD6-14B8-367574244CB2}"/>
+                <a16:creationId xmlns:a16="http://schemas.microsoft.com/office/drawing/2014/main" id="{8ABB2948-CF7D-7BD6-14B8-367574244CB2}"/>
               </a:ext>
             </a:extLst>
           </p:cNvPr>
@@ -30683,7 +30767,7 @@
           <p:cNvPr id="7" name="Google Shape;75;p14">
             <a:extLst>
               <a:ext uri="{FF2B5EF4-FFF2-40B4-BE49-F238E27FC236}">
-                <a16:creationId xmlns:a16="http://schemas.microsoft.com/office/drawing/2014/main" xmlns="" id="{744D1F6B-EBF7-049C-9CBC-D2BD265B8DB5}"/>
+                <a16:creationId xmlns:a16="http://schemas.microsoft.com/office/drawing/2014/main" id="{744D1F6B-EBF7-049C-9CBC-D2BD265B8DB5}"/>
               </a:ext>
             </a:extLst>
           </p:cNvPr>
@@ -30717,7 +30801,7 @@
           <p:cNvPr id="8" name="Google Shape;76;p14">
             <a:extLst>
               <a:ext uri="{FF2B5EF4-FFF2-40B4-BE49-F238E27FC236}">
-                <a16:creationId xmlns:a16="http://schemas.microsoft.com/office/drawing/2014/main" xmlns="" id="{A0604560-830C-4AC9-3717-031AA48B5D45}"/>
+                <a16:creationId xmlns:a16="http://schemas.microsoft.com/office/drawing/2014/main" id="{A0604560-830C-4AC9-3717-031AA48B5D45}"/>
               </a:ext>
             </a:extLst>
           </p:cNvPr>
@@ -30751,7 +30835,7 @@
           <p:cNvPr id="9" name="Google Shape;77;p14">
             <a:extLst>
               <a:ext uri="{FF2B5EF4-FFF2-40B4-BE49-F238E27FC236}">
-                <a16:creationId xmlns:a16="http://schemas.microsoft.com/office/drawing/2014/main" xmlns="" id="{DC03C87C-87BB-A5EB-0D50-DDB31F93A6C2}"/>
+                <a16:creationId xmlns:a16="http://schemas.microsoft.com/office/drawing/2014/main" id="{DC03C87C-87BB-A5EB-0D50-DDB31F93A6C2}"/>
               </a:ext>
             </a:extLst>
           </p:cNvPr>
@@ -30785,7 +30869,7 @@
           <p:cNvPr id="10" name="Google Shape;78;p14">
             <a:extLst>
               <a:ext uri="{FF2B5EF4-FFF2-40B4-BE49-F238E27FC236}">
-                <a16:creationId xmlns:a16="http://schemas.microsoft.com/office/drawing/2014/main" xmlns="" id="{281D3DED-9B64-E88B-FC5F-0C30B82A9484}"/>
+                <a16:creationId xmlns:a16="http://schemas.microsoft.com/office/drawing/2014/main" id="{281D3DED-9B64-E88B-FC5F-0C30B82A9484}"/>
               </a:ext>
             </a:extLst>
           </p:cNvPr>
@@ -30819,7 +30903,7 @@
           <p:cNvPr id="11" name="Google Shape;79;p14">
             <a:extLst>
               <a:ext uri="{FF2B5EF4-FFF2-40B4-BE49-F238E27FC236}">
-                <a16:creationId xmlns:a16="http://schemas.microsoft.com/office/drawing/2014/main" xmlns="" id="{0DAE55E6-D474-C395-BC84-8ACA3CE820A0}"/>
+                <a16:creationId xmlns:a16="http://schemas.microsoft.com/office/drawing/2014/main" id="{0DAE55E6-D474-C395-BC84-8ACA3CE820A0}"/>
               </a:ext>
             </a:extLst>
           </p:cNvPr>
@@ -30853,7 +30937,7 @@
           <p:cNvPr id="12" name="Google Shape;80;p14">
             <a:extLst>
               <a:ext uri="{FF2B5EF4-FFF2-40B4-BE49-F238E27FC236}">
-                <a16:creationId xmlns:a16="http://schemas.microsoft.com/office/drawing/2014/main" xmlns="" id="{3A5AAC50-9F06-A76F-B20B-35CF3612E825}"/>
+                <a16:creationId xmlns:a16="http://schemas.microsoft.com/office/drawing/2014/main" id="{3A5AAC50-9F06-A76F-B20B-35CF3612E825}"/>
               </a:ext>
             </a:extLst>
           </p:cNvPr>
@@ -30887,7 +30971,7 @@
           <p:cNvPr id="13" name="Google Shape;81;p14">
             <a:extLst>
               <a:ext uri="{FF2B5EF4-FFF2-40B4-BE49-F238E27FC236}">
-                <a16:creationId xmlns:a16="http://schemas.microsoft.com/office/drawing/2014/main" xmlns="" id="{F33B3BEC-1095-E464-2D03-703E55B0F8A0}"/>
+                <a16:creationId xmlns:a16="http://schemas.microsoft.com/office/drawing/2014/main" id="{F33B3BEC-1095-E464-2D03-703E55B0F8A0}"/>
               </a:ext>
             </a:extLst>
           </p:cNvPr>
@@ -30921,7 +31005,7 @@
           <p:cNvPr id="14" name="图片 13">
             <a:extLst>
               <a:ext uri="{FF2B5EF4-FFF2-40B4-BE49-F238E27FC236}">
-                <a16:creationId xmlns:a16="http://schemas.microsoft.com/office/drawing/2014/main" xmlns="" id="{A1247C65-E9FE-684D-C577-C3EFF757A026}"/>
+                <a16:creationId xmlns:a16="http://schemas.microsoft.com/office/drawing/2014/main" id="{A1247C65-E9FE-684D-C577-C3EFF757A026}"/>
               </a:ext>
             </a:extLst>
           </p:cNvPr>
@@ -30951,7 +31035,7 @@
           <p:cNvPr id="15" name="图片 14">
             <a:extLst>
               <a:ext uri="{FF2B5EF4-FFF2-40B4-BE49-F238E27FC236}">
-                <a16:creationId xmlns:a16="http://schemas.microsoft.com/office/drawing/2014/main" xmlns="" id="{2E9CE1E3-2135-0036-6AC6-4F023E9FB9FB}"/>
+                <a16:creationId xmlns:a16="http://schemas.microsoft.com/office/drawing/2014/main" id="{2E9CE1E3-2135-0036-6AC6-4F023E9FB9FB}"/>
               </a:ext>
             </a:extLst>
           </p:cNvPr>
@@ -30981,7 +31065,7 @@
           <p:cNvPr id="16" name="图片 15">
             <a:extLst>
               <a:ext uri="{FF2B5EF4-FFF2-40B4-BE49-F238E27FC236}">
-                <a16:creationId xmlns:a16="http://schemas.microsoft.com/office/drawing/2014/main" xmlns="" id="{E105324A-0DF5-3CC5-8FA4-5C776E05B929}"/>
+                <a16:creationId xmlns:a16="http://schemas.microsoft.com/office/drawing/2014/main" id="{E105324A-0DF5-3CC5-8FA4-5C776E05B929}"/>
               </a:ext>
             </a:extLst>
           </p:cNvPr>
@@ -31011,7 +31095,7 @@
           <p:cNvPr id="17" name="图片 16">
             <a:extLst>
               <a:ext uri="{FF2B5EF4-FFF2-40B4-BE49-F238E27FC236}">
-                <a16:creationId xmlns:a16="http://schemas.microsoft.com/office/drawing/2014/main" xmlns="" id="{9B118434-3A73-4D47-C6D6-FBDC473A6E94}"/>
+                <a16:creationId xmlns:a16="http://schemas.microsoft.com/office/drawing/2014/main" id="{9B118434-3A73-4D47-C6D6-FBDC473A6E94}"/>
               </a:ext>
             </a:extLst>
           </p:cNvPr>
@@ -31041,7 +31125,7 @@
           <p:cNvPr id="18" name="图片 17">
             <a:extLst>
               <a:ext uri="{FF2B5EF4-FFF2-40B4-BE49-F238E27FC236}">
-                <a16:creationId xmlns:a16="http://schemas.microsoft.com/office/drawing/2014/main" xmlns="" id="{B4FACCEA-FD77-524D-0769-3E9B324ECE01}"/>
+                <a16:creationId xmlns:a16="http://schemas.microsoft.com/office/drawing/2014/main" id="{B4FACCEA-FD77-524D-0769-3E9B324ECE01}"/>
               </a:ext>
             </a:extLst>
           </p:cNvPr>
@@ -31071,7 +31155,7 @@
           <p:cNvPr id="19" name="Google Shape;87;p14">
             <a:extLst>
               <a:ext uri="{FF2B5EF4-FFF2-40B4-BE49-F238E27FC236}">
-                <a16:creationId xmlns:a16="http://schemas.microsoft.com/office/drawing/2014/main" xmlns="" id="{D5F99ADA-5751-0003-A146-8C3479B5FA29}"/>
+                <a16:creationId xmlns:a16="http://schemas.microsoft.com/office/drawing/2014/main" id="{D5F99ADA-5751-0003-A146-8C3479B5FA29}"/>
               </a:ext>
             </a:extLst>
           </p:cNvPr>
@@ -31105,7 +31189,7 @@
           <p:cNvPr id="21" name="Google Shape;87;p14">
             <a:extLst>
               <a:ext uri="{FF2B5EF4-FFF2-40B4-BE49-F238E27FC236}">
-                <a16:creationId xmlns:a16="http://schemas.microsoft.com/office/drawing/2014/main" xmlns="" id="{90F13ACB-01F8-F61D-B504-33D42F0F054E}"/>
+                <a16:creationId xmlns:a16="http://schemas.microsoft.com/office/drawing/2014/main" id="{90F13ACB-01F8-F61D-B504-33D42F0F054E}"/>
               </a:ext>
             </a:extLst>
           </p:cNvPr>
@@ -31139,7 +31223,7 @@
           <p:cNvPr id="24" name="Google Shape;85;p14">
             <a:extLst>
               <a:ext uri="{FF2B5EF4-FFF2-40B4-BE49-F238E27FC236}">
-                <a16:creationId xmlns:a16="http://schemas.microsoft.com/office/drawing/2014/main" xmlns="" id="{8498F254-73E8-BE24-4CFC-E75E188DD02A}"/>
+                <a16:creationId xmlns:a16="http://schemas.microsoft.com/office/drawing/2014/main" id="{8498F254-73E8-BE24-4CFC-E75E188DD02A}"/>
               </a:ext>
             </a:extLst>
           </p:cNvPr>
@@ -31180,7 +31264,7 @@
           <p:cNvPr id="25" name="Google Shape;85;p14">
             <a:extLst>
               <a:ext uri="{FF2B5EF4-FFF2-40B4-BE49-F238E27FC236}">
-                <a16:creationId xmlns:a16="http://schemas.microsoft.com/office/drawing/2014/main" xmlns="" id="{5C78CA6E-6DFC-515D-2D93-7149CE8D13F3}"/>
+                <a16:creationId xmlns:a16="http://schemas.microsoft.com/office/drawing/2014/main" id="{5C78CA6E-6DFC-515D-2D93-7149CE8D13F3}"/>
               </a:ext>
             </a:extLst>
           </p:cNvPr>
@@ -31221,7 +31305,7 @@
           <p:cNvPr id="26" name="Google Shape;90;p14">
             <a:extLst>
               <a:ext uri="{FF2B5EF4-FFF2-40B4-BE49-F238E27FC236}">
-                <a16:creationId xmlns:a16="http://schemas.microsoft.com/office/drawing/2014/main" xmlns="" id="{70D7F9C8-3F19-0671-CC95-0C6FF2D659F6}"/>
+                <a16:creationId xmlns:a16="http://schemas.microsoft.com/office/drawing/2014/main" id="{70D7F9C8-3F19-0671-CC95-0C6FF2D659F6}"/>
               </a:ext>
             </a:extLst>
           </p:cNvPr>
@@ -31255,7 +31339,7 @@
           <p:cNvPr id="27" name="Google Shape;83;p14">
             <a:extLst>
               <a:ext uri="{FF2B5EF4-FFF2-40B4-BE49-F238E27FC236}">
-                <a16:creationId xmlns:a16="http://schemas.microsoft.com/office/drawing/2014/main" xmlns="" id="{7612AD67-07A2-FFEB-0DE5-F90CDC1B4A5C}"/>
+                <a16:creationId xmlns:a16="http://schemas.microsoft.com/office/drawing/2014/main" id="{7612AD67-07A2-FFEB-0DE5-F90CDC1B4A5C}"/>
               </a:ext>
             </a:extLst>
           </p:cNvPr>
@@ -31300,7 +31384,7 @@
           <p:cNvPr id="28" name="Google Shape;83;p14">
             <a:extLst>
               <a:ext uri="{FF2B5EF4-FFF2-40B4-BE49-F238E27FC236}">
-                <a16:creationId xmlns:a16="http://schemas.microsoft.com/office/drawing/2014/main" xmlns="" id="{8DAAC8FF-3497-68B4-671F-222AE70DDC00}"/>
+                <a16:creationId xmlns:a16="http://schemas.microsoft.com/office/drawing/2014/main" id="{8DAAC8FF-3497-68B4-671F-222AE70DDC00}"/>
               </a:ext>
             </a:extLst>
           </p:cNvPr>
@@ -31345,7 +31429,7 @@
           <p:cNvPr id="29" name="矩形 28">
             <a:extLst>
               <a:ext uri="{FF2B5EF4-FFF2-40B4-BE49-F238E27FC236}">
-                <a16:creationId xmlns:a16="http://schemas.microsoft.com/office/drawing/2014/main" xmlns="" id="{F5D95F4C-2AC2-CBDE-25EE-8B0D5572C4DD}"/>
+                <a16:creationId xmlns:a16="http://schemas.microsoft.com/office/drawing/2014/main" id="{F5D95F4C-2AC2-CBDE-25EE-8B0D5572C4DD}"/>
               </a:ext>
             </a:extLst>
           </p:cNvPr>
@@ -31396,7 +31480,7 @@
           <p:cNvPr id="30" name="文本框 29">
             <a:extLst>
               <a:ext uri="{FF2B5EF4-FFF2-40B4-BE49-F238E27FC236}">
-                <a16:creationId xmlns:a16="http://schemas.microsoft.com/office/drawing/2014/main" xmlns="" id="{02CD6288-94AE-B133-56AB-163E634896EC}"/>
+                <a16:creationId xmlns:a16="http://schemas.microsoft.com/office/drawing/2014/main" id="{02CD6288-94AE-B133-56AB-163E634896EC}"/>
               </a:ext>
             </a:extLst>
           </p:cNvPr>
@@ -31470,7 +31554,7 @@
           <p:cNvPr id="2" name="标题 1">
             <a:extLst>
               <a:ext uri="{FF2B5EF4-FFF2-40B4-BE49-F238E27FC236}">
-                <a16:creationId xmlns:a16="http://schemas.microsoft.com/office/drawing/2014/main" xmlns="" id="{80796E82-7314-2FBE-2DE8-DDD70D4DF27E}"/>
+                <a16:creationId xmlns:a16="http://schemas.microsoft.com/office/drawing/2014/main" id="{80796E82-7314-2FBE-2DE8-DDD70D4DF27E}"/>
               </a:ext>
             </a:extLst>
           </p:cNvPr>
@@ -31519,7 +31603,7 @@
           <p:cNvPr id="5" name="椭圆 4">
             <a:extLst>
               <a:ext uri="{FF2B5EF4-FFF2-40B4-BE49-F238E27FC236}">
-                <a16:creationId xmlns:a16="http://schemas.microsoft.com/office/drawing/2014/main" xmlns="" id="{A020CC41-9901-5A10-06D8-1F19650A3A6A}"/>
+                <a16:creationId xmlns:a16="http://schemas.microsoft.com/office/drawing/2014/main" id="{A020CC41-9901-5A10-06D8-1F19650A3A6A}"/>
               </a:ext>
             </a:extLst>
           </p:cNvPr>
@@ -31571,7 +31655,7 @@
           <p:cNvPr id="6" name="Google Shape;74;p14">
             <a:extLst>
               <a:ext uri="{FF2B5EF4-FFF2-40B4-BE49-F238E27FC236}">
-                <a16:creationId xmlns:a16="http://schemas.microsoft.com/office/drawing/2014/main" xmlns="" id="{8ABB2948-CF7D-7BD6-14B8-367574244CB2}"/>
+                <a16:creationId xmlns:a16="http://schemas.microsoft.com/office/drawing/2014/main" id="{8ABB2948-CF7D-7BD6-14B8-367574244CB2}"/>
               </a:ext>
             </a:extLst>
           </p:cNvPr>
@@ -31605,7 +31689,7 @@
           <p:cNvPr id="7" name="Google Shape;75;p14">
             <a:extLst>
               <a:ext uri="{FF2B5EF4-FFF2-40B4-BE49-F238E27FC236}">
-                <a16:creationId xmlns:a16="http://schemas.microsoft.com/office/drawing/2014/main" xmlns="" id="{744D1F6B-EBF7-049C-9CBC-D2BD265B8DB5}"/>
+                <a16:creationId xmlns:a16="http://schemas.microsoft.com/office/drawing/2014/main" id="{744D1F6B-EBF7-049C-9CBC-D2BD265B8DB5}"/>
               </a:ext>
             </a:extLst>
           </p:cNvPr>
@@ -31639,7 +31723,7 @@
           <p:cNvPr id="8" name="Google Shape;76;p14">
             <a:extLst>
               <a:ext uri="{FF2B5EF4-FFF2-40B4-BE49-F238E27FC236}">
-                <a16:creationId xmlns:a16="http://schemas.microsoft.com/office/drawing/2014/main" xmlns="" id="{A0604560-830C-4AC9-3717-031AA48B5D45}"/>
+                <a16:creationId xmlns:a16="http://schemas.microsoft.com/office/drawing/2014/main" id="{A0604560-830C-4AC9-3717-031AA48B5D45}"/>
               </a:ext>
             </a:extLst>
           </p:cNvPr>
@@ -31673,7 +31757,7 @@
           <p:cNvPr id="9" name="Google Shape;77;p14">
             <a:extLst>
               <a:ext uri="{FF2B5EF4-FFF2-40B4-BE49-F238E27FC236}">
-                <a16:creationId xmlns:a16="http://schemas.microsoft.com/office/drawing/2014/main" xmlns="" id="{DC03C87C-87BB-A5EB-0D50-DDB31F93A6C2}"/>
+                <a16:creationId xmlns:a16="http://schemas.microsoft.com/office/drawing/2014/main" id="{DC03C87C-87BB-A5EB-0D50-DDB31F93A6C2}"/>
               </a:ext>
             </a:extLst>
           </p:cNvPr>
@@ -31707,7 +31791,7 @@
           <p:cNvPr id="10" name="Google Shape;78;p14">
             <a:extLst>
               <a:ext uri="{FF2B5EF4-FFF2-40B4-BE49-F238E27FC236}">
-                <a16:creationId xmlns:a16="http://schemas.microsoft.com/office/drawing/2014/main" xmlns="" id="{281D3DED-9B64-E88B-FC5F-0C30B82A9484}"/>
+                <a16:creationId xmlns:a16="http://schemas.microsoft.com/office/drawing/2014/main" id="{281D3DED-9B64-E88B-FC5F-0C30B82A9484}"/>
               </a:ext>
             </a:extLst>
           </p:cNvPr>
@@ -31741,7 +31825,7 @@
           <p:cNvPr id="11" name="Google Shape;79;p14">
             <a:extLst>
               <a:ext uri="{FF2B5EF4-FFF2-40B4-BE49-F238E27FC236}">
-                <a16:creationId xmlns:a16="http://schemas.microsoft.com/office/drawing/2014/main" xmlns="" id="{0DAE55E6-D474-C395-BC84-8ACA3CE820A0}"/>
+                <a16:creationId xmlns:a16="http://schemas.microsoft.com/office/drawing/2014/main" id="{0DAE55E6-D474-C395-BC84-8ACA3CE820A0}"/>
               </a:ext>
             </a:extLst>
           </p:cNvPr>
@@ -31775,7 +31859,7 @@
           <p:cNvPr id="12" name="Google Shape;80;p14">
             <a:extLst>
               <a:ext uri="{FF2B5EF4-FFF2-40B4-BE49-F238E27FC236}">
-                <a16:creationId xmlns:a16="http://schemas.microsoft.com/office/drawing/2014/main" xmlns="" id="{3A5AAC50-9F06-A76F-B20B-35CF3612E825}"/>
+                <a16:creationId xmlns:a16="http://schemas.microsoft.com/office/drawing/2014/main" id="{3A5AAC50-9F06-A76F-B20B-35CF3612E825}"/>
               </a:ext>
             </a:extLst>
           </p:cNvPr>
@@ -31809,7 +31893,7 @@
           <p:cNvPr id="13" name="Google Shape;81;p14">
             <a:extLst>
               <a:ext uri="{FF2B5EF4-FFF2-40B4-BE49-F238E27FC236}">
-                <a16:creationId xmlns:a16="http://schemas.microsoft.com/office/drawing/2014/main" xmlns="" id="{F33B3BEC-1095-E464-2D03-703E55B0F8A0}"/>
+                <a16:creationId xmlns:a16="http://schemas.microsoft.com/office/drawing/2014/main" id="{F33B3BEC-1095-E464-2D03-703E55B0F8A0}"/>
               </a:ext>
             </a:extLst>
           </p:cNvPr>
@@ -31843,7 +31927,7 @@
           <p:cNvPr id="19" name="Google Shape;87;p14">
             <a:extLst>
               <a:ext uri="{FF2B5EF4-FFF2-40B4-BE49-F238E27FC236}">
-                <a16:creationId xmlns:a16="http://schemas.microsoft.com/office/drawing/2014/main" xmlns="" id="{D5F99ADA-5751-0003-A146-8C3479B5FA29}"/>
+                <a16:creationId xmlns:a16="http://schemas.microsoft.com/office/drawing/2014/main" id="{D5F99ADA-5751-0003-A146-8C3479B5FA29}"/>
               </a:ext>
             </a:extLst>
           </p:cNvPr>
@@ -31877,7 +31961,7 @@
           <p:cNvPr id="24" name="Google Shape;85;p14">
             <a:extLst>
               <a:ext uri="{FF2B5EF4-FFF2-40B4-BE49-F238E27FC236}">
-                <a16:creationId xmlns:a16="http://schemas.microsoft.com/office/drawing/2014/main" xmlns="" id="{8498F254-73E8-BE24-4CFC-E75E188DD02A}"/>
+                <a16:creationId xmlns:a16="http://schemas.microsoft.com/office/drawing/2014/main" id="{8498F254-73E8-BE24-4CFC-E75E188DD02A}"/>
               </a:ext>
             </a:extLst>
           </p:cNvPr>
@@ -31918,7 +32002,7 @@
           <p:cNvPr id="21" name="Google Shape;87;p14">
             <a:extLst>
               <a:ext uri="{FF2B5EF4-FFF2-40B4-BE49-F238E27FC236}">
-                <a16:creationId xmlns:a16="http://schemas.microsoft.com/office/drawing/2014/main" xmlns="" id="{90F13ACB-01F8-F61D-B504-33D42F0F054E}"/>
+                <a16:creationId xmlns:a16="http://schemas.microsoft.com/office/drawing/2014/main" id="{90F13ACB-01F8-F61D-B504-33D42F0F054E}"/>
               </a:ext>
             </a:extLst>
           </p:cNvPr>
@@ -31952,7 +32036,7 @@
           <p:cNvPr id="25" name="Google Shape;85;p14">
             <a:extLst>
               <a:ext uri="{FF2B5EF4-FFF2-40B4-BE49-F238E27FC236}">
-                <a16:creationId xmlns:a16="http://schemas.microsoft.com/office/drawing/2014/main" xmlns="" id="{5C78CA6E-6DFC-515D-2D93-7149CE8D13F3}"/>
+                <a16:creationId xmlns:a16="http://schemas.microsoft.com/office/drawing/2014/main" id="{5C78CA6E-6DFC-515D-2D93-7149CE8D13F3}"/>
               </a:ext>
             </a:extLst>
           </p:cNvPr>
@@ -31993,7 +32077,7 @@
           <p:cNvPr id="26" name="Google Shape;90;p14">
             <a:extLst>
               <a:ext uri="{FF2B5EF4-FFF2-40B4-BE49-F238E27FC236}">
-                <a16:creationId xmlns:a16="http://schemas.microsoft.com/office/drawing/2014/main" xmlns="" id="{70D7F9C8-3F19-0671-CC95-0C6FF2D659F6}"/>
+                <a16:creationId xmlns:a16="http://schemas.microsoft.com/office/drawing/2014/main" id="{70D7F9C8-3F19-0671-CC95-0C6FF2D659F6}"/>
               </a:ext>
             </a:extLst>
           </p:cNvPr>
@@ -32027,7 +32111,7 @@
           <p:cNvPr id="27" name="Google Shape;100;p14">
             <a:extLst>
               <a:ext uri="{FF2B5EF4-FFF2-40B4-BE49-F238E27FC236}">
-                <a16:creationId xmlns:a16="http://schemas.microsoft.com/office/drawing/2014/main" xmlns="" id="{F8A7C898-9B48-9B98-9416-6CC35654182E}"/>
+                <a16:creationId xmlns:a16="http://schemas.microsoft.com/office/drawing/2014/main" id="{F8A7C898-9B48-9B98-9416-6CC35654182E}"/>
               </a:ext>
             </a:extLst>
           </p:cNvPr>
@@ -32070,7 +32154,7 @@
           <p:cNvPr id="28" name="Google Shape;100;p14">
             <a:extLst>
               <a:ext uri="{FF2B5EF4-FFF2-40B4-BE49-F238E27FC236}">
-                <a16:creationId xmlns:a16="http://schemas.microsoft.com/office/drawing/2014/main" xmlns="" id="{3EA7DA9C-7016-E18A-3815-E4ABF57833E3}"/>
+                <a16:creationId xmlns:a16="http://schemas.microsoft.com/office/drawing/2014/main" id="{3EA7DA9C-7016-E18A-3815-E4ABF57833E3}"/>
               </a:ext>
             </a:extLst>
           </p:cNvPr>
@@ -32113,7 +32197,7 @@
           <p:cNvPr id="29" name="Google Shape;100;p14">
             <a:extLst>
               <a:ext uri="{FF2B5EF4-FFF2-40B4-BE49-F238E27FC236}">
-                <a16:creationId xmlns:a16="http://schemas.microsoft.com/office/drawing/2014/main" xmlns="" id="{A17C1FA6-D0D2-529D-9879-E520D1CE77D6}"/>
+                <a16:creationId xmlns:a16="http://schemas.microsoft.com/office/drawing/2014/main" id="{A17C1FA6-D0D2-529D-9879-E520D1CE77D6}"/>
               </a:ext>
             </a:extLst>
           </p:cNvPr>
@@ -32156,7 +32240,7 @@
           <p:cNvPr id="30" name="Google Shape;100;p14">
             <a:extLst>
               <a:ext uri="{FF2B5EF4-FFF2-40B4-BE49-F238E27FC236}">
-                <a16:creationId xmlns:a16="http://schemas.microsoft.com/office/drawing/2014/main" xmlns="" id="{04D7ED66-035D-0386-E0EE-BA6FE024830F}"/>
+                <a16:creationId xmlns:a16="http://schemas.microsoft.com/office/drawing/2014/main" id="{04D7ED66-035D-0386-E0EE-BA6FE024830F}"/>
               </a:ext>
             </a:extLst>
           </p:cNvPr>
@@ -32199,7 +32283,7 @@
           <p:cNvPr id="31" name="Google Shape;100;p14">
             <a:extLst>
               <a:ext uri="{FF2B5EF4-FFF2-40B4-BE49-F238E27FC236}">
-                <a16:creationId xmlns:a16="http://schemas.microsoft.com/office/drawing/2014/main" xmlns="" id="{C7775653-CC84-E4C0-151C-20531BC61B52}"/>
+                <a16:creationId xmlns:a16="http://schemas.microsoft.com/office/drawing/2014/main" id="{C7775653-CC84-E4C0-151C-20531BC61B52}"/>
               </a:ext>
             </a:extLst>
           </p:cNvPr>
@@ -32242,7 +32326,7 @@
           <p:cNvPr id="33" name="Google Shape;83;p14">
             <a:extLst>
               <a:ext uri="{FF2B5EF4-FFF2-40B4-BE49-F238E27FC236}">
-                <a16:creationId xmlns:a16="http://schemas.microsoft.com/office/drawing/2014/main" xmlns="" id="{BC3B66DE-CAB4-4145-73F1-EC5796C670B2}"/>
+                <a16:creationId xmlns:a16="http://schemas.microsoft.com/office/drawing/2014/main" id="{BC3B66DE-CAB4-4145-73F1-EC5796C670B2}"/>
               </a:ext>
             </a:extLst>
           </p:cNvPr>
@@ -32287,7 +32371,7 @@
           <p:cNvPr id="32" name="Google Shape;83;p14">
             <a:extLst>
               <a:ext uri="{FF2B5EF4-FFF2-40B4-BE49-F238E27FC236}">
-                <a16:creationId xmlns:a16="http://schemas.microsoft.com/office/drawing/2014/main" xmlns="" id="{D89174EE-20E3-9DC6-DAF2-2B277BF0CA73}"/>
+                <a16:creationId xmlns:a16="http://schemas.microsoft.com/office/drawing/2014/main" id="{D89174EE-20E3-9DC6-DAF2-2B277BF0CA73}"/>
               </a:ext>
             </a:extLst>
           </p:cNvPr>
@@ -32332,7 +32416,7 @@
           <p:cNvPr id="15" name="图片 14">
             <a:extLst>
               <a:ext uri="{FF2B5EF4-FFF2-40B4-BE49-F238E27FC236}">
-                <a16:creationId xmlns:a16="http://schemas.microsoft.com/office/drawing/2014/main" xmlns="" id="{2E9CE1E3-2135-0036-6AC6-4F023E9FB9FB}"/>
+                <a16:creationId xmlns:a16="http://schemas.microsoft.com/office/drawing/2014/main" id="{2E9CE1E3-2135-0036-6AC6-4F023E9FB9FB}"/>
               </a:ext>
             </a:extLst>
           </p:cNvPr>
@@ -32362,7 +32446,7 @@
           <p:cNvPr id="18" name="图片 17">
             <a:extLst>
               <a:ext uri="{FF2B5EF4-FFF2-40B4-BE49-F238E27FC236}">
-                <a16:creationId xmlns:a16="http://schemas.microsoft.com/office/drawing/2014/main" xmlns="" id="{B4FACCEA-FD77-524D-0769-3E9B324ECE01}"/>
+                <a16:creationId xmlns:a16="http://schemas.microsoft.com/office/drawing/2014/main" id="{B4FACCEA-FD77-524D-0769-3E9B324ECE01}"/>
               </a:ext>
             </a:extLst>
           </p:cNvPr>
@@ -32392,7 +32476,7 @@
           <p:cNvPr id="16" name="图片 15">
             <a:extLst>
               <a:ext uri="{FF2B5EF4-FFF2-40B4-BE49-F238E27FC236}">
-                <a16:creationId xmlns:a16="http://schemas.microsoft.com/office/drawing/2014/main" xmlns="" id="{E105324A-0DF5-3CC5-8FA4-5C776E05B929}"/>
+                <a16:creationId xmlns:a16="http://schemas.microsoft.com/office/drawing/2014/main" id="{E105324A-0DF5-3CC5-8FA4-5C776E05B929}"/>
               </a:ext>
             </a:extLst>
           </p:cNvPr>
@@ -32422,7 +32506,7 @@
           <p:cNvPr id="14" name="图片 13">
             <a:extLst>
               <a:ext uri="{FF2B5EF4-FFF2-40B4-BE49-F238E27FC236}">
-                <a16:creationId xmlns:a16="http://schemas.microsoft.com/office/drawing/2014/main" xmlns="" id="{A1247C65-E9FE-684D-C577-C3EFF757A026}"/>
+                <a16:creationId xmlns:a16="http://schemas.microsoft.com/office/drawing/2014/main" id="{A1247C65-E9FE-684D-C577-C3EFF757A026}"/>
               </a:ext>
             </a:extLst>
           </p:cNvPr>
@@ -32452,7 +32536,7 @@
           <p:cNvPr id="17" name="图片 16">
             <a:extLst>
               <a:ext uri="{FF2B5EF4-FFF2-40B4-BE49-F238E27FC236}">
-                <a16:creationId xmlns:a16="http://schemas.microsoft.com/office/drawing/2014/main" xmlns="" id="{9B118434-3A73-4D47-C6D6-FBDC473A6E94}"/>
+                <a16:creationId xmlns:a16="http://schemas.microsoft.com/office/drawing/2014/main" id="{9B118434-3A73-4D47-C6D6-FBDC473A6E94}"/>
               </a:ext>
             </a:extLst>
           </p:cNvPr>

--- a/Graphic Presentation.pptx
+++ b/Graphic Presentation.pptx
@@ -234,7 +234,7 @@
           <a:p>
             <a:fld id="{93FFD0A6-741C-4C59-A922-D8D610EF6968}" type="datetimeFigureOut">
               <a:rPr lang="zh-CN" altLang="en-US" smtClean="0"/>
-              <a:t>2022/10/25</a:t>
+              <a:t>2022/10/26</a:t>
             </a:fld>
             <a:endParaRPr lang="zh-CN" altLang="en-US"/>
           </a:p>
@@ -757,7 +757,7 @@
           <a:p>
             <a:fld id="{BA054789-EACE-4F0B-85CE-A0AE8F37913A}" type="datetimeFigureOut">
               <a:rPr lang="zh-CN" altLang="en-US" smtClean="0"/>
-              <a:t>2022/10/25</a:t>
+              <a:t>2022/10/26</a:t>
             </a:fld>
             <a:endParaRPr lang="zh-CN" altLang="en-US"/>
           </a:p>
@@ -955,7 +955,7 @@
           <a:p>
             <a:fld id="{BA054789-EACE-4F0B-85CE-A0AE8F37913A}" type="datetimeFigureOut">
               <a:rPr lang="zh-CN" altLang="en-US" smtClean="0"/>
-              <a:t>2022/10/25</a:t>
+              <a:t>2022/10/26</a:t>
             </a:fld>
             <a:endParaRPr lang="zh-CN" altLang="en-US"/>
           </a:p>
@@ -1163,7 +1163,7 @@
           <a:p>
             <a:fld id="{BA054789-EACE-4F0B-85CE-A0AE8F37913A}" type="datetimeFigureOut">
               <a:rPr lang="zh-CN" altLang="en-US" smtClean="0"/>
-              <a:t>2022/10/25</a:t>
+              <a:t>2022/10/26</a:t>
             </a:fld>
             <a:endParaRPr lang="zh-CN" altLang="en-US"/>
           </a:p>
@@ -1720,7 +1720,7 @@
           <a:p>
             <a:fld id="{BA054789-EACE-4F0B-85CE-A0AE8F37913A}" type="datetimeFigureOut">
               <a:rPr lang="zh-CN" altLang="en-US" smtClean="0"/>
-              <a:t>2022/10/25</a:t>
+              <a:t>2022/10/26</a:t>
             </a:fld>
             <a:endParaRPr lang="zh-CN" altLang="en-US"/>
           </a:p>
@@ -1995,7 +1995,7 @@
           <a:p>
             <a:fld id="{BA054789-EACE-4F0B-85CE-A0AE8F37913A}" type="datetimeFigureOut">
               <a:rPr lang="zh-CN" altLang="en-US" smtClean="0"/>
-              <a:t>2022/10/25</a:t>
+              <a:t>2022/10/26</a:t>
             </a:fld>
             <a:endParaRPr lang="zh-CN" altLang="en-US"/>
           </a:p>
@@ -2260,7 +2260,7 @@
           <a:p>
             <a:fld id="{BA054789-EACE-4F0B-85CE-A0AE8F37913A}" type="datetimeFigureOut">
               <a:rPr lang="zh-CN" altLang="en-US" smtClean="0"/>
-              <a:t>2022/10/25</a:t>
+              <a:t>2022/10/26</a:t>
             </a:fld>
             <a:endParaRPr lang="zh-CN" altLang="en-US"/>
           </a:p>
@@ -2672,7 +2672,7 @@
           <a:p>
             <a:fld id="{BA054789-EACE-4F0B-85CE-A0AE8F37913A}" type="datetimeFigureOut">
               <a:rPr lang="zh-CN" altLang="en-US" smtClean="0"/>
-              <a:t>2022/10/25</a:t>
+              <a:t>2022/10/26</a:t>
             </a:fld>
             <a:endParaRPr lang="zh-CN" altLang="en-US"/>
           </a:p>
@@ -2813,7 +2813,7 @@
           <a:p>
             <a:fld id="{BA054789-EACE-4F0B-85CE-A0AE8F37913A}" type="datetimeFigureOut">
               <a:rPr lang="zh-CN" altLang="en-US" smtClean="0"/>
-              <a:t>2022/10/25</a:t>
+              <a:t>2022/10/26</a:t>
             </a:fld>
             <a:endParaRPr lang="zh-CN" altLang="en-US"/>
           </a:p>
@@ -2926,7 +2926,7 @@
           <a:p>
             <a:fld id="{BA054789-EACE-4F0B-85CE-A0AE8F37913A}" type="datetimeFigureOut">
               <a:rPr lang="zh-CN" altLang="en-US" smtClean="0"/>
-              <a:t>2022/10/25</a:t>
+              <a:t>2022/10/26</a:t>
             </a:fld>
             <a:endParaRPr lang="zh-CN" altLang="en-US"/>
           </a:p>
@@ -3237,7 +3237,7 @@
           <a:p>
             <a:fld id="{BA054789-EACE-4F0B-85CE-A0AE8F37913A}" type="datetimeFigureOut">
               <a:rPr lang="zh-CN" altLang="en-US" smtClean="0"/>
-              <a:t>2022/10/25</a:t>
+              <a:t>2022/10/26</a:t>
             </a:fld>
             <a:endParaRPr lang="zh-CN" altLang="en-US"/>
           </a:p>
@@ -3525,7 +3525,7 @@
           <a:p>
             <a:fld id="{BA054789-EACE-4F0B-85CE-A0AE8F37913A}" type="datetimeFigureOut">
               <a:rPr lang="zh-CN" altLang="en-US" smtClean="0"/>
-              <a:t>2022/10/25</a:t>
+              <a:t>2022/10/26</a:t>
             </a:fld>
             <a:endParaRPr lang="zh-CN" altLang="en-US"/>
           </a:p>
@@ -3766,7 +3766,7 @@
           <a:p>
             <a:fld id="{BA054789-EACE-4F0B-85CE-A0AE8F37913A}" type="datetimeFigureOut">
               <a:rPr lang="zh-CN" altLang="en-US" smtClean="0"/>
-              <a:t>2022/10/25</a:t>
+              <a:t>2022/10/26</a:t>
             </a:fld>
             <a:endParaRPr lang="zh-CN" altLang="en-US"/>
           </a:p>
@@ -28537,7 +28537,7 @@
         <p:spPr>
           <a:xfrm>
             <a:off x="612558" y="1671863"/>
-            <a:ext cx="3527943" cy="1477328"/>
+            <a:ext cx="3527943" cy="2585323"/>
           </a:xfrm>
           <a:prstGeom prst="rect">
             <a:avLst/>
@@ -28578,7 +28578,7 @@
                   <a:prstClr val="black"/>
                 </a:solidFill>
               </a:rPr>
-              <a:t>見える範囲予兆：外周の赤い円</a:t>
+              <a:t>見える範囲予兆：外周のオレンジ円（避けることが可能）</a:t>
             </a:r>
             <a:endParaRPr lang="en-US" altLang="ja-JP" dirty="0">
               <a:solidFill>
@@ -28601,6 +28601,44 @@
                 </a:solidFill>
               </a:rPr>
               <a:t>塔：中心四つの赤い円</a:t>
+            </a:r>
+            <a:endParaRPr lang="en-US" altLang="ja-JP" dirty="0">
+              <a:solidFill>
+                <a:prstClr val="black"/>
+              </a:solidFill>
+            </a:endParaRPr>
+          </a:p>
+          <a:p>
+            <a:endParaRPr lang="en-US" altLang="ja-JP" dirty="0">
+              <a:solidFill>
+                <a:prstClr val="black"/>
+              </a:solidFill>
+            </a:endParaRPr>
+          </a:p>
+          <a:p>
+            <a:r>
+              <a:rPr lang="ja-JP" altLang="en-US" dirty="0">
+                <a:solidFill>
+                  <a:prstClr val="black"/>
+                </a:solidFill>
+              </a:rPr>
+              <a:t>同時にランダム</a:t>
+            </a:r>
+            <a:r>
+              <a:rPr lang="en-US" altLang="ja-JP" dirty="0">
+                <a:solidFill>
+                  <a:prstClr val="black"/>
+                </a:solidFill>
+              </a:rPr>
+              <a:t>4</a:t>
+            </a:r>
+            <a:r>
+              <a:rPr lang="ja-JP" altLang="en-US" dirty="0">
+                <a:solidFill>
+                  <a:prstClr val="black"/>
+                </a:solidFill>
+              </a:rPr>
+              <a:t>人に不可避の円形範囲</a:t>
             </a:r>
             <a:endParaRPr lang="en-US" altLang="ja-JP" dirty="0">
               <a:solidFill>
@@ -28936,9 +28974,11 @@
             <a:avLst/>
           </a:prstGeom>
           <a:solidFill>
-            <a:srgbClr val="FF3300">
+            <a:schemeClr val="accent2">
+              <a:lumMod val="60000"/>
+              <a:lumOff val="40000"/>
               <a:alpha val="47780"/>
-            </a:srgbClr>
+            </a:schemeClr>
           </a:solidFill>
           <a:ln w="9525" cap="flat" cmpd="sng">
             <a:solidFill>
@@ -28975,9 +29015,11 @@
             <a:avLst/>
           </a:prstGeom>
           <a:solidFill>
-            <a:srgbClr val="FF3300">
+            <a:schemeClr val="accent2">
+              <a:lumMod val="60000"/>
+              <a:lumOff val="40000"/>
               <a:alpha val="47780"/>
-            </a:srgbClr>
+            </a:schemeClr>
           </a:solidFill>
           <a:ln w="9525" cap="flat" cmpd="sng">
             <a:solidFill>
@@ -29014,9 +29056,11 @@
             <a:avLst/>
           </a:prstGeom>
           <a:solidFill>
-            <a:srgbClr val="FF3300">
+            <a:schemeClr val="accent2">
+              <a:lumMod val="60000"/>
+              <a:lumOff val="40000"/>
               <a:alpha val="47780"/>
-            </a:srgbClr>
+            </a:schemeClr>
           </a:solidFill>
           <a:ln w="9525" cap="flat" cmpd="sng">
             <a:solidFill>
@@ -29221,9 +29265,11 @@
             <a:avLst/>
           </a:prstGeom>
           <a:solidFill>
-            <a:srgbClr val="FF3300">
+            <a:schemeClr val="accent2">
+              <a:lumMod val="60000"/>
+              <a:lumOff val="40000"/>
               <a:alpha val="47780"/>
-            </a:srgbClr>
+            </a:schemeClr>
           </a:solidFill>
           <a:ln w="9525" cap="flat" cmpd="sng">
             <a:solidFill>
